--- a/Assets/Class/Raycast/PPT Data/RayCast Example.pptx
+++ b/Assets/Class/Raycast/PPT Data/RayCast Example.pptx
@@ -2,7 +2,7 @@
 <file path=ppt/presentation.xml><?xml version="1.0" encoding="utf-8"?>
 <p:presentation xmlns:a="http://schemas.openxmlformats.org/drawingml/2006/main" xmlns:r="http://schemas.openxmlformats.org/officeDocument/2006/relationships" xmlns:p="http://schemas.openxmlformats.org/presentationml/2006/main" xmlns:p14="http://schemas.microsoft.com/office/powerpoint/2010/main" saveSubsetFonts="1" firstSlideNum="0">
   <p:sldMasterIdLst>
-    <p:sldMasterId id="2147485833" r:id="rId12"/>
+    <p:sldMasterId id="2147485850" r:id="rId12"/>
   </p:sldMasterIdLst>
   <p:notesMasterIdLst>
     <p:notesMasterId r:id="rId14"/>
@@ -15,6 +15,7 @@
     <p:sldId id="296" r:id="rId20"/>
     <p:sldId id="291" r:id="rId21"/>
     <p:sldId id="299" r:id="rId22"/>
+    <p:sldId id="300" r:id="rId23"/>
   </p:sldIdLst>
   <p:sldSz cx="12192000" cy="6858000"/>
   <p:notesSz cx="6858000" cy="9144000"/>
@@ -1467,6 +1468,148 @@
 </p:notes>
 </file>
 
+<file path=ppt/notesSlides/notesSlide8.xml><?xml version="1.0" encoding="utf-8"?>
+<p:notes xmlns:a="http://schemas.openxmlformats.org/drawingml/2006/main" xmlns:r="http://schemas.openxmlformats.org/officeDocument/2006/relationships" xmlns:p="http://schemas.openxmlformats.org/presentationml/2006/main">
+  <p:cSld>
+    <p:spTree>
+      <p:nvGrpSpPr>
+        <p:cNvPr id="1" name=""/>
+        <p:cNvGrpSpPr/>
+        <p:nvPr/>
+      </p:nvGrpSpPr>
+      <p:grpSpPr>
+        <a:xfrm>
+          <a:off x="0" y="0"/>
+          <a:ext cx="0" cy="0"/>
+          <a:chOff x="0" y="0"/>
+          <a:chExt cx="0" cy="0"/>
+        </a:xfrm>
+      </p:grpSpPr>
+      <p:sp>
+        <p:nvSpPr>
+          <p:cNvPr id="2" name="슬라이드 이미지 개체 틀 3"/>
+          <p:cNvSpPr>
+            <a:spLocks noChangeAspect="1"/>
+          </p:cNvSpPr>
+          <p:nvPr>
+            <p:ph type="sldImg" idx="2"/>
+          </p:nvPr>
+        </p:nvSpPr>
+        <p:spPr>
+          <a:xfrm rot="0">
+            <a:off x="685800" y="1143000"/>
+            <a:ext cx="5491480" cy="3091180"/>
+          </a:xfrm>
+          <a:prstGeom prst="rect"/>
+          <a:noFill/>
+          <a:ln w="12700" cap="flat" cmpd="sng">
+            <a:solidFill>
+              <a:srgbClr val="000000">
+                <a:alpha val="100000"/>
+              </a:srgbClr>
+            </a:solidFill>
+            <a:prstDash val="solid"/>
+          </a:ln>
+        </p:spPr>
+        <p:txBody>
+          <a:bodyPr wrap="square" lIns="91440" tIns="45720" rIns="91440" bIns="45720" numCol="1" vert="horz" anchor="ctr">
+            <a:noAutofit/>
+          </a:bodyPr>
+          <a:lstStyle/>
+          <a:p>
+            <a:pPr marL="0" indent="0" latinLnBrk="0">
+              <a:buFontTx/>
+              <a:buNone/>
+            </a:pPr>
+          </a:p>
+        </p:txBody>
+      </p:sp>
+      <p:sp>
+        <p:nvSpPr>
+          <p:cNvPr id="3" name="슬라이드 노트 개체 틀 4"/>
+          <p:cNvSpPr txBox="1">
+            <a:spLocks/>
+          </p:cNvSpPr>
+          <p:nvPr>
+            <p:ph type="body" idx="3"/>
+          </p:nvPr>
+        </p:nvSpPr>
+        <p:spPr>
+          <a:xfrm rot="0">
+            <a:off x="685800" y="4400550"/>
+            <a:ext cx="5491480" cy="3605530"/>
+          </a:xfrm>
+          <a:prstGeom prst="rect"/>
+        </p:spPr>
+        <p:txBody>
+          <a:bodyPr wrap="square" lIns="91440" tIns="45720" rIns="91440" bIns="45720" numCol="1" vert="horz" anchor="t">
+            <a:noAutofit/>
+          </a:bodyPr>
+          <a:lstStyle/>
+          <a:p>
+            <a:pPr marL="0" indent="0" latinLnBrk="0">
+              <a:buFontTx/>
+              <a:buNone/>
+            </a:pPr>
+          </a:p>
+        </p:txBody>
+      </p:sp>
+      <p:sp>
+        <p:nvSpPr>
+          <p:cNvPr id="4" name="슬라이드 번호 개체 틀 6"/>
+          <p:cNvSpPr txBox="1">
+            <a:spLocks/>
+          </p:cNvSpPr>
+          <p:nvPr>
+            <p:ph type="sldNum" idx="5"/>
+          </p:nvPr>
+        </p:nvSpPr>
+        <p:spPr>
+          <a:xfrm rot="0">
+            <a:off x="3884930" y="8685530"/>
+            <a:ext cx="2976880" cy="463550"/>
+          </a:xfrm>
+          <a:prstGeom prst="rect"/>
+        </p:spPr>
+        <p:txBody>
+          <a:bodyPr wrap="square" lIns="91440" tIns="45720" rIns="91440" bIns="45720" numCol="1" vert="horz" anchor="b">
+            <a:noAutofit/>
+          </a:bodyPr>
+          <a:lstStyle>
+            <a:lvl1pPr marL="0" indent="0" algn="r" latinLnBrk="0">
+              <a:buFontTx/>
+              <a:buNone/>
+              <a:defRPr lang="en-GB" altLang="en-US" sz="1200"/>
+            </a:lvl1pPr>
+          </a:lstStyle>
+          <a:p>
+            <a:pPr marL="0" indent="0" latinLnBrk="0">
+              <a:buFontTx/>
+              <a:buNone/>
+            </a:pPr>
+            <a:fld id="{B9320F77-B9A0-41C5-862A-B4B631284C64}" type="slidenum">
+              <a:rPr lang="ko-KR" altLang="en-US"/>
+              <a:t>‹#›</a:t>
+            </a:fld>
+          </a:p>
+        </p:txBody>
+      </p:sp>
+    </p:spTree>
+  </p:cSld>
+  <p:clrMapOvr>
+    <a:masterClrMapping/>
+  </p:clrMapOvr>
+  <mc:AlternateContent xmlns:mc="http://schemas.openxmlformats.org/markup-compatibility/2006">
+    <mc:Choice xmlns:p14="http://schemas.microsoft.com/office/powerpoint/2010/main" Requires="p14">
+      <p:transition spd="slow" p14:dur="0"/>
+    </mc:Choice>
+    <mc:Fallback>
+      <p:transition spd="slow"/>
+    </mc:Fallback>
+  </mc:AlternateContent>
+</p:notes>
+</file>
+
 <file path=ppt/slideLayouts/slideLayout1.xml><?xml version="1.0" encoding="utf-8"?>
 <p:sldLayout xmlns:a="http://schemas.openxmlformats.org/drawingml/2006/main" xmlns:r="http://schemas.openxmlformats.org/officeDocument/2006/relationships" xmlns:p="http://schemas.openxmlformats.org/presentationml/2006/main" type="title">
   <p:cSld name="제목 슬라이드">
@@ -7847,7 +7990,7 @@
       </p:cxnSp>
       <p:pic>
         <p:nvPicPr>
-          <p:cNvPr id="1140" name="그림 1" descr="C:/Users/Admin1/AppData/Roaming/PolarisOffice/ETemp/3276_19845488/fImage1705614641.png"/>
+          <p:cNvPr id="1140" name="그림 1"/>
           <p:cNvPicPr>
             <a:picLocks noChangeAspect="1"/>
           </p:cNvPicPr>
@@ -7878,7 +8021,7 @@
       </p:pic>
       <p:pic>
         <p:nvPicPr>
-          <p:cNvPr id="1141" name="그림 2" descr="C:/Users/Admin1/AppData/Roaming/PolarisOffice/ETemp/3276_19845488/fImage172401478467.png"/>
+          <p:cNvPr id="1141" name="그림 2"/>
           <p:cNvPicPr>
             <a:picLocks noChangeAspect="1"/>
           </p:cNvPicPr>
@@ -8379,8 +8522,8 @@
         </p:nvSpPr>
         <p:spPr>
           <a:xfrm rot="0">
-            <a:off x="6829425" y="4660265"/>
-            <a:ext cx="4153535" cy="1784985"/>
+            <a:off x="6797040" y="4453255"/>
+            <a:ext cx="4373880" cy="1784985"/>
           </a:xfrm>
           <a:prstGeom prst="rect"/>
           <a:noFill/>
@@ -8407,27 +8550,7 @@
                 <a:latin typeface="맑은 고딕" charset="0"/>
                 <a:ea typeface="맑은 고딕" charset="0"/>
               </a:rPr>
-              <a:t>1</a:t>
-            </a:r>
-            <a:r>
-              <a:rPr lang="ko-KR" sz="2000" b="1">
-                <a:solidFill>
-                  <a:srgbClr val="0611F2"/>
-                </a:solidFill>
-                <a:latin typeface="맑은 고딕" charset="0"/>
-                <a:ea typeface="맑은 고딕" charset="0"/>
-              </a:rPr>
-              <a:t>2</a:t>
-            </a:r>
-            <a:r>
-              <a:rPr lang="ko-KR" sz="2000" b="1">
-                <a:solidFill>
-                  <a:srgbClr val="0611F2"/>
-                </a:solidFill>
-                <a:latin typeface="맑은 고딕" charset="0"/>
-                <a:ea typeface="맑은 고딕" charset="0"/>
-              </a:rPr>
-              <a:t>. </a:t>
+              <a:t>12. </a:t>
             </a:r>
             <a:r>
               <a:rPr lang="ko-KR" sz="1800">
@@ -8461,21 +8584,7 @@
                 <a:latin typeface="맑은 고딕" charset="0"/>
                 <a:ea typeface="맑은 고딕" charset="0"/>
               </a:rPr>
-              <a:t>마우스를 </a:t>
-            </a:r>
-            <a:r>
-              <a:rPr lang="ko-KR" sz="1800">
-                <a:latin typeface="맑은 고딕" charset="0"/>
-                <a:ea typeface="맑은 고딕" charset="0"/>
-              </a:rPr>
-              <a:t>클릭</a:t>
-            </a:r>
-            <a:r>
-              <a:rPr lang="ko-KR" sz="1800">
-                <a:latin typeface="맑은 고딕" charset="0"/>
-                <a:ea typeface="맑은 고딕" charset="0"/>
-              </a:rPr>
-              <a:t>했을 때 좌표를 3D 월드 공간상의 좌표로 변환합니다.</a:t>
+              <a:t>마우스를 클릭했을 때 좌표를 3D 월드 공간상의 좌표로 변환합니다.</a:t>
             </a:r>
             <a:endParaRPr lang="ko-KR" altLang="en-US" sz="1800">
               <a:latin typeface="맑은 고딕" charset="0"/>
@@ -8494,8 +8603,8 @@
         </p:nvSpPr>
         <p:spPr>
           <a:xfrm rot="0">
-            <a:off x="1146810" y="2535555"/>
-            <a:ext cx="4224655" cy="954405"/>
+            <a:off x="1146810" y="2171700"/>
+            <a:ext cx="4225290" cy="955040"/>
           </a:xfrm>
           <a:prstGeom prst="rect"/>
           <a:noFill/>
@@ -8522,69 +8631,14 @@
                 <a:latin typeface="맑은 고딕" charset="0"/>
                 <a:ea typeface="맑은 고딕" charset="0"/>
               </a:rPr>
-              <a:t>1</a:t>
-            </a:r>
-            <a:r>
-              <a:rPr lang="ko-KR" sz="2000" b="1">
-                <a:solidFill>
-                  <a:srgbClr val="0611F2"/>
-                </a:solidFill>
-                <a:latin typeface="맑은 고딕" charset="0"/>
-                <a:ea typeface="맑은 고딕" charset="0"/>
-              </a:rPr>
-              <a:t>0</a:t>
-            </a:r>
-            <a:r>
-              <a:rPr lang="ko-KR" sz="2000" b="1">
-                <a:solidFill>
-                  <a:srgbClr val="0611F2"/>
-                </a:solidFill>
-                <a:latin typeface="맑은 고딕" charset="0"/>
-                <a:ea typeface="맑은 고딕" charset="0"/>
-              </a:rPr>
-              <a:t>. </a:t>
+              <a:t>10. </a:t>
             </a:r>
             <a:r>
               <a:rPr lang="ko-KR" sz="1800">
                 <a:latin typeface="맑은 고딕" charset="0"/>
                 <a:ea typeface="맑은 고딕" charset="0"/>
               </a:rPr>
-              <a:t>그다음으로 P</a:t>
-            </a:r>
-            <a:r>
-              <a:rPr lang="ko-KR" sz="1800">
-                <a:latin typeface="맑은 고딕" charset="0"/>
-                <a:ea typeface="맑은 고딕" charset="0"/>
-              </a:rPr>
-              <a:t>icking 이라는</a:t>
-            </a:r>
-            <a:r>
-              <a:rPr lang="ko-KR" sz="1800">
-                <a:latin typeface="맑은 고딕" charset="0"/>
-                <a:ea typeface="맑은 고딕" charset="0"/>
-              </a:rPr>
-              <a:t> </a:t>
-            </a:r>
-            <a:r>
-              <a:rPr lang="ko-KR" sz="1800">
-                <a:latin typeface="맑은 고딕" charset="0"/>
-                <a:ea typeface="맑은 고딕" charset="0"/>
-              </a:rPr>
-              <a:t>스크립트를 생성하고 Main Camera</a:t>
-            </a:r>
-            <a:r>
-              <a:rPr lang="ko-KR" sz="1800">
-                <a:latin typeface="맑은 고딕" charset="0"/>
-                <a:ea typeface="맑은 고딕" charset="0"/>
-              </a:rPr>
-              <a:t> 오브젝트</a:t>
-            </a:r>
-            <a:r>
-              <a:rPr lang="ko-KR" sz="1800">
-                <a:latin typeface="맑은 고딕" charset="0"/>
-                <a:ea typeface="맑은 고딕" charset="0"/>
-              </a:rPr>
-              <a:t>에 넣어줍니다.</a:t>
+              <a:t>그다음으로 Picking 이라는 스크립트를 생성하고 Main Camera 오브젝트에 넣어줍니다.</a:t>
             </a:r>
             <a:endParaRPr lang="ko-KR" altLang="en-US" sz="1800">
               <a:latin typeface="맑은 고딕" charset="0"/>
@@ -8595,17 +8649,17 @@
       </p:sp>
       <p:pic>
         <p:nvPicPr>
-          <p:cNvPr id="1132" name="그림 3"/>
+          <p:cNvPr id="1132" name="그림 3" descr="C:/Users/Admin1/AppData/Roaming/PolarisOffice/ETemp/20872_11383232/fImage20162318467.png"/>
           <p:cNvPicPr>
             <a:picLocks noChangeAspect="1"/>
           </p:cNvPicPr>
           <p:nvPr/>
         </p:nvPicPr>
         <p:blipFill rotWithShape="1">
-          <a:blip r:embed="rId2" cstate="print">
+          <a:blip r:embed="rId2" cstate="hqprint">
             <a:extLst>
               <a:ext uri="{28A0092B-C50C-407E-A947-70E740481C1C}">
-                <a14:useLocalDpi xmlns:a14="http://schemas.microsoft.com/office/drawing/2010/main" val="0"/>
+                <a14:useLocalDpi xmlns:a14="http://schemas.microsoft.com/office/drawing/2010/main"/>
               </a:ext>
             </a:extLst>
           </a:blip>
@@ -8615,8 +8669,8 @@
         </p:blipFill>
         <p:spPr>
           <a:xfrm rot="0">
-            <a:off x="4613910" y="1540510"/>
-            <a:ext cx="756920" cy="800735"/>
+            <a:off x="4613910" y="1228725"/>
+            <a:ext cx="757555" cy="801370"/>
           </a:xfrm>
           <a:prstGeom prst="roundRect"/>
           <a:solidFill>
@@ -8626,17 +8680,17 @@
       </p:pic>
       <p:pic>
         <p:nvPicPr>
-          <p:cNvPr id="1138" name="그림 8" descr="C:/Users/Admin1/AppData/Roaming/PolarisOffice/ETemp/3276_19845488/fImage33821496334.png"/>
+          <p:cNvPr id="1138" name="그림 8" descr="C:/Users/Admin1/AppData/Roaming/PolarisOffice/ETemp/20872_11383232/fImage33821496334.png"/>
           <p:cNvPicPr>
             <a:picLocks noChangeAspect="1"/>
           </p:cNvPicPr>
           <p:nvPr/>
         </p:nvPicPr>
         <p:blipFill rotWithShape="1">
-          <a:blip r:embed="rId7" cstate="print">
+          <a:blip r:embed="rId7" cstate="hqprint">
             <a:extLst>
               <a:ext uri="{28A0092B-C50C-407E-A947-70E740481C1C}">
-                <a14:useLocalDpi xmlns:a14="http://schemas.microsoft.com/office/drawing/2010/main" val="0"/>
+                <a14:useLocalDpi xmlns:a14="http://schemas.microsoft.com/office/drawing/2010/main"/>
               </a:ext>
             </a:extLst>
           </a:blip>
@@ -8647,7 +8701,7 @@
         <p:spPr>
           <a:xfrm rot="0">
             <a:off x="1144270" y="1196975"/>
-            <a:ext cx="2962910" cy="1239520"/>
+            <a:ext cx="2963545" cy="890905"/>
           </a:xfrm>
           <a:prstGeom prst="roundRect"/>
           <a:solidFill>
@@ -8665,8 +8719,8 @@
         </p:nvCxnSpPr>
         <p:spPr>
           <a:xfrm rot="0" flipH="1" flipV="1">
-            <a:off x="3699510" y="1463040"/>
-            <a:ext cx="915035" cy="478155"/>
+            <a:off x="3714750" y="1333500"/>
+            <a:ext cx="899795" cy="295910"/>
           </a:xfrm>
           <a:prstGeom prst="straightConnector1"/>
           <a:ln w="19050" cap="flat" cmpd="sng">
@@ -8691,14 +8745,161 @@
       </p:cxnSp>
       <p:pic>
         <p:nvPicPr>
-          <p:cNvPr id="1139" name="그림 15" descr="C:/Users/Admin1/AppData/Roaming/PolarisOffice/ETemp/3276_19845488/fImage37762336500.png"/>
+          <p:cNvPr id="1139" name="그림 15" descr="C:/Users/Admin1/AppData/Roaming/PolarisOffice/ETemp/20872_11383232/fImage37762336500.png"/>
           <p:cNvPicPr>
             <a:picLocks noChangeAspect="1"/>
           </p:cNvPicPr>
           <p:nvPr/>
         </p:nvPicPr>
         <p:blipFill rotWithShape="1">
-          <a:blip r:embed="rId8" cstate="print">
+          <a:blip r:embed="rId8" cstate="hqprint">
+            <a:extLst>
+              <a:ext uri="{28A0092B-C50C-407E-A947-70E740481C1C}">
+                <a14:useLocalDpi xmlns:a14="http://schemas.microsoft.com/office/drawing/2010/main"/>
+              </a:ext>
+            </a:extLst>
+          </a:blip>
+          <a:stretch>
+            <a:fillRect/>
+          </a:stretch>
+        </p:blipFill>
+        <p:spPr>
+          <a:xfrm rot="0">
+            <a:off x="2577465" y="4149090"/>
+            <a:ext cx="2794000" cy="752475"/>
+          </a:xfrm>
+          <a:prstGeom prst="roundRect"/>
+          <a:solidFill>
+            <a:srgbClr val="EDEDED"/>
+          </a:solidFill>
+        </p:spPr>
+      </p:pic>
+      <p:pic>
+        <p:nvPicPr>
+          <p:cNvPr id="1140" name="그림 16" descr="C:/Users/Admin1/AppData/Roaming/PolarisOffice/ETemp/20872_11383232/fImage38712349169.png"/>
+          <p:cNvPicPr>
+            <a:picLocks noChangeAspect="1"/>
+          </p:cNvPicPr>
+          <p:nvPr/>
+        </p:nvPicPr>
+        <p:blipFill rotWithShape="1">
+          <a:blip r:embed="rId9" cstate="hqprint">
+            <a:extLst>
+              <a:ext uri="{28A0092B-C50C-407E-A947-70E740481C1C}">
+                <a14:useLocalDpi xmlns:a14="http://schemas.microsoft.com/office/drawing/2010/main"/>
+              </a:ext>
+            </a:extLst>
+          </a:blip>
+          <a:stretch>
+            <a:fillRect/>
+          </a:stretch>
+        </p:blipFill>
+        <p:spPr>
+          <a:xfrm rot="0">
+            <a:off x="2577465" y="3267710"/>
+            <a:ext cx="2794000" cy="759460"/>
+          </a:xfrm>
+          <a:prstGeom prst="roundRect"/>
+          <a:solidFill>
+            <a:srgbClr val="EDEDED"/>
+          </a:solidFill>
+        </p:spPr>
+      </p:pic>
+      <p:sp>
+        <p:nvSpPr>
+          <p:cNvPr id="1141" name="텍스트 상자 21"/>
+          <p:cNvSpPr txBox="1">
+            <a:spLocks/>
+          </p:cNvSpPr>
+          <p:nvPr/>
+        </p:nvSpPr>
+        <p:spPr>
+          <a:xfrm rot="0">
+            <a:off x="1143635" y="5001260"/>
+            <a:ext cx="4225290" cy="1231265"/>
+          </a:xfrm>
+          <a:prstGeom prst="rect"/>
+          <a:noFill/>
+          <a:ln w="0">
+            <a:noFill/>
+            <a:prstDash/>
+          </a:ln>
+        </p:spPr>
+        <p:txBody>
+          <a:bodyPr wrap="square" lIns="89535" tIns="46355" rIns="89535" bIns="46355" numCol="1" vert="horz" anchor="t">
+            <a:spAutoFit/>
+          </a:bodyPr>
+          <a:lstStyle/>
+          <a:p>
+            <a:pPr marL="0" indent="0" algn="l" latinLnBrk="0" hangingPunct="1">
+              <a:buFontTx/>
+              <a:buNone/>
+            </a:pPr>
+            <a:r>
+              <a:rPr lang="ko-KR" sz="2000" b="1">
+                <a:solidFill>
+                  <a:srgbClr val="0611F2"/>
+                </a:solidFill>
+                <a:latin typeface="맑은 고딕" charset="0"/>
+                <a:ea typeface="맑은 고딕" charset="0"/>
+              </a:rPr>
+              <a:t>11. </a:t>
+            </a:r>
+            <a:r>
+              <a:rPr lang="ko-KR" sz="1800">
+                <a:latin typeface="맑은 고딕" charset="0"/>
+                <a:ea typeface="맑은 고딕" charset="0"/>
+              </a:rPr>
+              <a:t>그리고 Saving 버튼에 있는 텍스트에는 1000원 (적금)을 입력하고 Withdrawal 버튼에 있는 텍스트에는 1000원 (출금)을 입력합니다.</a:t>
+            </a:r>
+            <a:endParaRPr lang="ko-KR" altLang="en-US" sz="1800">
+              <a:latin typeface="맑은 고딕" charset="0"/>
+              <a:ea typeface="맑은 고딕" charset="0"/>
+            </a:endParaRPr>
+          </a:p>
+        </p:txBody>
+      </p:sp>
+      <p:pic>
+        <p:nvPicPr>
+          <p:cNvPr id="1142" name="그림 22" descr="C:/Users/Admin1/AppData/Roaming/PolarisOffice/ETemp/20872_11383232/fImage54872365724.png"/>
+          <p:cNvPicPr>
+            <a:picLocks noChangeAspect="1"/>
+          </p:cNvPicPr>
+          <p:nvPr/>
+        </p:nvPicPr>
+        <p:blipFill rotWithShape="1">
+          <a:blip r:embed="rId10" cstate="hqprint">
+            <a:extLst>
+              <a:ext uri="{28A0092B-C50C-407E-A947-70E740481C1C}">
+                <a14:useLocalDpi xmlns:a14="http://schemas.microsoft.com/office/drawing/2010/main"/>
+              </a:ext>
+            </a:extLst>
+          </a:blip>
+          <a:stretch>
+            <a:fillRect/>
+          </a:stretch>
+        </p:blipFill>
+        <p:spPr>
+          <a:xfrm rot="0">
+            <a:off x="1146810" y="3260725"/>
+            <a:ext cx="1207135" cy="1649730"/>
+          </a:xfrm>
+          <a:prstGeom prst="roundRect"/>
+          <a:solidFill>
+            <a:srgbClr val="EDEDED"/>
+          </a:solidFill>
+        </p:spPr>
+      </p:pic>
+      <p:pic>
+        <p:nvPicPr>
+          <p:cNvPr id="1143" name="그림 21" descr="C:/Users/Admin1/AppData/Roaming/PolarisOffice/ETemp/20872_11383232/fImage1866022541.png"/>
+          <p:cNvPicPr>
+            <a:picLocks noChangeAspect="1"/>
+          </p:cNvPicPr>
+          <p:nvPr/>
+        </p:nvPicPr>
+        <p:blipFill rotWithShape="1">
+          <a:blip r:embed="rId11" cstate="print">
             <a:extLst>
               <a:ext uri="{28A0092B-C50C-407E-A947-70E740481C1C}">
                 <a14:useLocalDpi xmlns:a14="http://schemas.microsoft.com/office/drawing/2010/main" val="0"/>
@@ -8711,189 +8912,8 @@
         </p:blipFill>
         <p:spPr>
           <a:xfrm rot="0">
-            <a:off x="2577465" y="4443730"/>
-            <a:ext cx="2793365" cy="677545"/>
-          </a:xfrm>
-          <a:prstGeom prst="roundRect"/>
-          <a:solidFill>
-            <a:srgbClr val="EDEDED"/>
-          </a:solidFill>
-        </p:spPr>
-      </p:pic>
-      <p:pic>
-        <p:nvPicPr>
-          <p:cNvPr id="1140" name="그림 16" descr="C:/Users/Admin1/AppData/Roaming/PolarisOffice/ETemp/3276_19845488/fImage38712349169.png"/>
-          <p:cNvPicPr>
-            <a:picLocks noChangeAspect="1"/>
-          </p:cNvPicPr>
-          <p:nvPr/>
-        </p:nvPicPr>
-        <p:blipFill rotWithShape="1">
-          <a:blip r:embed="rId9" cstate="print">
-            <a:extLst>
-              <a:ext uri="{28A0092B-C50C-407E-A947-70E740481C1C}">
-                <a14:useLocalDpi xmlns:a14="http://schemas.microsoft.com/office/drawing/2010/main" val="0"/>
-              </a:ext>
-            </a:extLst>
-          </a:blip>
-          <a:stretch>
-            <a:fillRect/>
-          </a:stretch>
-        </p:blipFill>
-        <p:spPr>
-          <a:xfrm rot="0">
-            <a:off x="2577465" y="3639820"/>
-            <a:ext cx="2793365" cy="658495"/>
-          </a:xfrm>
-          <a:prstGeom prst="roundRect"/>
-          <a:solidFill>
-            <a:srgbClr val="EDEDED"/>
-          </a:solidFill>
-        </p:spPr>
-      </p:pic>
-      <p:sp>
-        <p:nvSpPr>
-          <p:cNvPr id="1141" name="텍스트 상자 21"/>
-          <p:cNvSpPr txBox="1">
-            <a:spLocks/>
-          </p:cNvSpPr>
-          <p:nvPr/>
-        </p:nvSpPr>
-        <p:spPr>
-          <a:xfrm rot="0">
-            <a:off x="1143635" y="5217795"/>
-            <a:ext cx="4224655" cy="1231265"/>
-          </a:xfrm>
-          <a:prstGeom prst="rect"/>
-          <a:noFill/>
-          <a:ln w="0">
-            <a:noFill/>
-            <a:prstDash/>
-          </a:ln>
-        </p:spPr>
-        <p:txBody>
-          <a:bodyPr wrap="square" lIns="89535" tIns="46355" rIns="89535" bIns="46355" numCol="1" vert="horz" anchor="t">
-            <a:spAutoFit/>
-          </a:bodyPr>
-          <a:lstStyle/>
-          <a:p>
-            <a:pPr marL="0" indent="0" algn="l" latinLnBrk="0" hangingPunct="1">
-              <a:buFontTx/>
-              <a:buNone/>
-            </a:pPr>
-            <a:r>
-              <a:rPr lang="ko-KR" sz="2000" b="1">
-                <a:solidFill>
-                  <a:srgbClr val="0611F2"/>
-                </a:solidFill>
-                <a:latin typeface="맑은 고딕" charset="0"/>
-                <a:ea typeface="맑은 고딕" charset="0"/>
-              </a:rPr>
-              <a:t>1</a:t>
-            </a:r>
-            <a:r>
-              <a:rPr lang="ko-KR" sz="2000" b="1">
-                <a:solidFill>
-                  <a:srgbClr val="0611F2"/>
-                </a:solidFill>
-                <a:latin typeface="맑은 고딕" charset="0"/>
-                <a:ea typeface="맑은 고딕" charset="0"/>
-              </a:rPr>
-              <a:t>1</a:t>
-            </a:r>
-            <a:r>
-              <a:rPr lang="ko-KR" sz="2000" b="1">
-                <a:solidFill>
-                  <a:srgbClr val="0611F2"/>
-                </a:solidFill>
-                <a:latin typeface="맑은 고딕" charset="0"/>
-                <a:ea typeface="맑은 고딕" charset="0"/>
-              </a:rPr>
-              <a:t>. </a:t>
-            </a:r>
-            <a:r>
-              <a:rPr lang="ko-KR" sz="1800">
-                <a:latin typeface="맑은 고딕" charset="0"/>
-                <a:ea typeface="맑은 고딕" charset="0"/>
-              </a:rPr>
-              <a:t>그리고 </a:t>
-            </a:r>
-            <a:r>
-              <a:rPr lang="ko-KR" sz="1800">
-                <a:latin typeface="맑은 고딕" charset="0"/>
-                <a:ea typeface="맑은 고딕" charset="0"/>
-              </a:rPr>
-              <a:t>Saving 버튼</a:t>
-            </a:r>
-            <a:r>
-              <a:rPr lang="ko-KR" sz="1800">
-                <a:latin typeface="맑은 고딕" charset="0"/>
-                <a:ea typeface="맑은 고딕" charset="0"/>
-              </a:rPr>
-              <a:t>에 있는 텍스트에는 1000원 (적금)을 입력하고 Withdrawal 버튼에 있는 텍스트에는 1000원 (출금)을 입력합니다.</a:t>
-            </a:r>
-            <a:endParaRPr lang="ko-KR" altLang="en-US" sz="1800">
-              <a:latin typeface="맑은 고딕" charset="0"/>
-              <a:ea typeface="맑은 고딕" charset="0"/>
-            </a:endParaRPr>
-          </a:p>
-        </p:txBody>
-      </p:sp>
-      <p:pic>
-        <p:nvPicPr>
-          <p:cNvPr id="1142" name="그림 22" descr="C:/Users/Admin1/AppData/Roaming/PolarisOffice/ETemp/3276_19845488/fImage54872365724.png"/>
-          <p:cNvPicPr>
-            <a:picLocks noChangeAspect="1"/>
-          </p:cNvPicPr>
-          <p:nvPr/>
-        </p:nvPicPr>
-        <p:blipFill rotWithShape="1">
-          <a:blip r:embed="rId10" cstate="print">
-            <a:extLst>
-              <a:ext uri="{28A0092B-C50C-407E-A947-70E740481C1C}">
-                <a14:useLocalDpi xmlns:a14="http://schemas.microsoft.com/office/drawing/2010/main" val="0"/>
-              </a:ext>
-            </a:extLst>
-          </a:blip>
-          <a:stretch>
-            <a:fillRect/>
-          </a:stretch>
-        </p:blipFill>
-        <p:spPr>
-          <a:xfrm rot="0">
-            <a:off x="1146810" y="3632835"/>
-            <a:ext cx="1206500" cy="1480185"/>
-          </a:xfrm>
-          <a:prstGeom prst="roundRect"/>
-          <a:solidFill>
-            <a:srgbClr val="EDEDED"/>
-          </a:solidFill>
-        </p:spPr>
-      </p:pic>
-      <p:pic>
-        <p:nvPicPr>
-          <p:cNvPr id="1143" name="그림 26" descr="C:/Users/Admin1/AppData/Roaming/PolarisOffice/ETemp/3276_19845488/fImage125112366500.png"/>
-          <p:cNvPicPr>
-            <a:picLocks noChangeAspect="1"/>
-          </p:cNvPicPr>
-          <p:nvPr/>
-        </p:nvPicPr>
-        <p:blipFill rotWithShape="1">
-          <a:blip r:embed="rId5" cstate="hqprint">
-            <a:extLst>
-              <a:ext uri="{28A0092B-C50C-407E-A947-70E740481C1C}">
-                <a14:useLocalDpi xmlns:a14="http://schemas.microsoft.com/office/drawing/2010/main"/>
-              </a:ext>
-            </a:extLst>
-          </a:blip>
-          <a:stretch>
-            <a:fillRect/>
-          </a:stretch>
-        </p:blipFill>
-        <p:spPr>
-          <a:xfrm rot="0">
-            <a:off x="6829425" y="1212215"/>
-            <a:ext cx="4163060" cy="3303270"/>
+            <a:off x="6814820" y="1186180"/>
+            <a:ext cx="4373880" cy="3204845"/>
           </a:xfrm>
           <a:prstGeom prst="rect"/>
           <a:noFill/>
@@ -9278,6 +9298,509 @@
 </file>
 
 <file path=ppt/slides/slide7.xml><?xml version="1.0" encoding="utf-8"?>
+<p:sld xmlns:a="http://schemas.openxmlformats.org/drawingml/2006/main" xmlns:r="http://schemas.openxmlformats.org/officeDocument/2006/relationships" xmlns:p="http://schemas.openxmlformats.org/presentationml/2006/main" xmlns:p14="http://schemas.microsoft.com/office/powerpoint/2010/main">
+  <p:cSld>
+    <p:spTree>
+      <p:nvGrpSpPr>
+        <p:cNvPr id="1" name=""/>
+        <p:cNvGrpSpPr/>
+        <p:nvPr/>
+      </p:nvGrpSpPr>
+      <p:grpSpPr>
+        <a:xfrm>
+          <a:off x="0" y="0"/>
+          <a:ext cx="0" cy="0"/>
+          <a:chOff x="0" y="0"/>
+          <a:chExt cx="0" cy="0"/>
+        </a:xfrm>
+      </p:grpSpPr>
+      <p:sp>
+        <p:nvSpPr>
+          <p:cNvPr id="1031" name="Rect 0"/>
+          <p:cNvSpPr txBox="1">
+            <a:spLocks/>
+          </p:cNvSpPr>
+          <p:nvPr/>
+        </p:nvSpPr>
+        <p:spPr>
+          <a:xfrm rot="0">
+            <a:off x="4342130" y="327660"/>
+            <a:ext cx="3507105" cy="554990"/>
+          </a:xfrm>
+          <a:prstGeom prst="rect"/>
+          <a:noFill/>
+          <a:ln w="0">
+            <a:noFill/>
+            <a:prstDash/>
+          </a:ln>
+        </p:spPr>
+        <p:txBody>
+          <a:bodyPr wrap="square" lIns="89535" tIns="46355" rIns="89535" bIns="46355" numCol="1" vert="horz" anchor="t">
+            <a:spAutoFit/>
+          </a:bodyPr>
+          <a:lstStyle/>
+          <a:p>
+            <a:pPr marL="0" indent="0" algn="l" latinLnBrk="0">
+              <a:buFontTx/>
+              <a:buNone/>
+            </a:pPr>
+            <a:r>
+              <a:rPr lang="ko-KR" altLang="en-US" sz="3000" b="1">
+                <a:solidFill>
+                  <a:schemeClr val="tx1"/>
+                </a:solidFill>
+                <a:latin typeface="맑은 고딕" charset="0"/>
+                <a:ea typeface="맑은 고딕" charset="0"/>
+              </a:rPr>
+              <a:t>다섯</a:t>
+            </a:r>
+            <a:r>
+              <a:rPr lang="ko-KR" altLang="en-US" sz="3000" b="1">
+                <a:solidFill>
+                  <a:schemeClr val="tx1"/>
+                </a:solidFill>
+                <a:latin typeface="맑은 고딕" charset="0"/>
+                <a:ea typeface="맑은 고딕" charset="0"/>
+              </a:rPr>
+              <a:t> 번째 튜토리얼</a:t>
+            </a:r>
+            <a:endParaRPr lang="ko-KR" altLang="en-US" sz="3000" b="1">
+              <a:solidFill>
+                <a:schemeClr val="tx1"/>
+              </a:solidFill>
+              <a:latin typeface="맑은 고딕" charset="0"/>
+              <a:ea typeface="맑은 고딕" charset="0"/>
+            </a:endParaRPr>
+          </a:p>
+        </p:txBody>
+      </p:sp>
+      <p:sp>
+        <p:nvSpPr>
+          <p:cNvPr id="1141" name="텍스트 상자 37"/>
+          <p:cNvSpPr txBox="1">
+            <a:spLocks/>
+          </p:cNvSpPr>
+          <p:nvPr/>
+        </p:nvSpPr>
+        <p:spPr>
+          <a:xfrm rot="0">
+            <a:off x="6814820" y="2553335"/>
+            <a:ext cx="4215765" cy="585470"/>
+          </a:xfrm>
+          <a:prstGeom prst="rect"/>
+          <a:noFill/>
+        </p:spPr>
+        <p:txBody>
+          <a:bodyPr wrap="square" lIns="0" tIns="0" rIns="0" bIns="0" numCol="1" vert="horz" anchor="t">
+            <a:noAutofit/>
+          </a:bodyPr>
+          <a:lstStyle/>
+          <a:p>
+            <a:pPr marL="0" indent="0" algn="l" latinLnBrk="0" hangingPunct="1">
+              <a:buFontTx/>
+              <a:buNone/>
+            </a:pPr>
+            <a:r>
+              <a:rPr lang="ko-KR" sz="2000" b="1">
+                <a:solidFill>
+                  <a:srgbClr val="0611F2"/>
+                </a:solidFill>
+                <a:latin typeface="맑은 고딕" charset="0"/>
+                <a:ea typeface="맑은 고딕" charset="0"/>
+              </a:rPr>
+              <a:t>1</a:t>
+            </a:r>
+            <a:r>
+              <a:rPr lang="ko-KR" sz="2000" b="1">
+                <a:solidFill>
+                  <a:srgbClr val="0611F2"/>
+                </a:solidFill>
+                <a:latin typeface="맑은 고딕" charset="0"/>
+                <a:ea typeface="맑은 고딕" charset="0"/>
+              </a:rPr>
+              <a:t>3</a:t>
+            </a:r>
+            <a:r>
+              <a:rPr lang="ko-KR" sz="2000" b="1">
+                <a:solidFill>
+                  <a:srgbClr val="0611F2"/>
+                </a:solidFill>
+                <a:latin typeface="맑은 고딕" charset="0"/>
+                <a:ea typeface="맑은 고딕" charset="0"/>
+              </a:rPr>
+              <a:t>. </a:t>
+            </a:r>
+            <a:r>
+              <a:rPr lang="ko-KR" sz="1800">
+                <a:latin typeface="맑은 고딕" charset="0"/>
+                <a:ea typeface="맑은 고딕" charset="0"/>
+              </a:rPr>
+              <a:t>이제 광선과 충돌이 되면 Project 폴더에 있는 Resources 폴더에 Ice 머티리얼을 동적으로 불러옵니다.</a:t>
+            </a:r>
+            <a:endParaRPr lang="ko-KR" altLang="en-US" sz="1800">
+              <a:latin typeface="맑은 고딕" charset="0"/>
+              <a:ea typeface="맑은 고딕" charset="0"/>
+            </a:endParaRPr>
+          </a:p>
+          <a:p>
+            <a:pPr marL="0" indent="0" algn="l" latinLnBrk="0" hangingPunct="1">
+              <a:buFontTx/>
+              <a:buNone/>
+            </a:pPr>
+            <a:endParaRPr lang="ko-KR" altLang="en-US" sz="1800">
+              <a:latin typeface="맑은 고딕" charset="0"/>
+              <a:ea typeface="맑은 고딕" charset="0"/>
+            </a:endParaRPr>
+          </a:p>
+        </p:txBody>
+      </p:sp>
+      <p:sp>
+        <p:nvSpPr>
+          <p:cNvPr id="1143" name="텍스트 상자 23"/>
+          <p:cNvSpPr txBox="1">
+            <a:spLocks/>
+          </p:cNvSpPr>
+          <p:nvPr/>
+        </p:nvSpPr>
+        <p:spPr>
+          <a:xfrm rot="0">
+            <a:off x="1322070" y="1201420"/>
+            <a:ext cx="4038600" cy="1200785"/>
+          </a:xfrm>
+          <a:prstGeom prst="rect"/>
+          <a:noFill/>
+          <a:ln w="0">
+            <a:noFill/>
+            <a:prstDash/>
+          </a:ln>
+        </p:spPr>
+        <p:txBody>
+          <a:bodyPr wrap="square" lIns="89535" tIns="46355" rIns="89535" bIns="46355" vert="horz" anchor="t">
+            <a:spAutoFit/>
+          </a:bodyPr>
+          <a:lstStyle/>
+          <a:p>
+            <a:pPr marL="0" indent="0" rtl="0" algn="l" defTabSz="914400" eaLnBrk="1" latinLnBrk="0" hangingPunct="1">
+              <a:buFontTx/>
+              <a:buNone/>
+            </a:pPr>
+            <a:r>
+              <a:rPr sz="1800">
+                <a:latin typeface="맑은 고딕" charset="0"/>
+                <a:ea typeface="맑은 고딕" charset="0"/>
+              </a:rPr>
+              <a:t>Resources.Load( )</a:t>
+            </a:r>
+            <a:r>
+              <a:rPr sz="1800">
+                <a:latin typeface="맑은 고딕" charset="0"/>
+                <a:ea typeface="맑은 고딕" charset="0"/>
+              </a:rPr>
+              <a:t> </a:t>
+            </a:r>
+            <a:r>
+              <a:rPr sz="1800">
+                <a:latin typeface="맑은 고딕" charset="0"/>
+                <a:ea typeface="맑은 고딕" charset="0"/>
+              </a:rPr>
+              <a:t>함수는 리소스 폴더 내부에 있는 여러 에셋 데이터들을 실행 시간에 불러오는 함수입니다.</a:t>
+            </a:r>
+            <a:endParaRPr lang="ko-KR" altLang="en-US" sz="1800">
+              <a:latin typeface="맑은 고딕" charset="0"/>
+              <a:ea typeface="맑은 고딕" charset="0"/>
+            </a:endParaRPr>
+          </a:p>
+        </p:txBody>
+      </p:sp>
+      <p:sp>
+        <p:nvSpPr>
+          <p:cNvPr id="1145" name="텍스트 상자 25"/>
+          <p:cNvSpPr txBox="1">
+            <a:spLocks/>
+          </p:cNvSpPr>
+          <p:nvPr/>
+        </p:nvSpPr>
+        <p:spPr>
+          <a:xfrm rot="0">
+            <a:off x="1327150" y="5257800"/>
+            <a:ext cx="4043680" cy="923925"/>
+          </a:xfrm>
+          <a:prstGeom prst="rect"/>
+          <a:noFill/>
+          <a:ln w="0">
+            <a:noFill/>
+            <a:prstDash/>
+          </a:ln>
+        </p:spPr>
+        <p:txBody>
+          <a:bodyPr wrap="square" lIns="89535" tIns="46355" rIns="89535" bIns="46355" vert="horz" anchor="t">
+            <a:spAutoFit/>
+          </a:bodyPr>
+          <a:lstStyle/>
+          <a:p>
+            <a:pPr marL="0" indent="0" rtl="0" algn="l" defTabSz="914400" eaLnBrk="1" latinLnBrk="0" hangingPunct="1">
+              <a:buFontTx/>
+              <a:buNone/>
+            </a:pPr>
+            <a:r>
+              <a:rPr sz="1800">
+                <a:latin typeface="맑은 고딕" charset="0"/>
+                <a:ea typeface="맑은 고딕" charset="0"/>
+              </a:rPr>
+              <a:t>Resources라는 특수 폴더에 에셋을 보관해야지만, 실행시간에 에셋을 불러올 수 있습니다.</a:t>
+            </a:r>
+            <a:endParaRPr lang="ko-KR" altLang="en-US" sz="1800">
+              <a:latin typeface="맑은 고딕" charset="0"/>
+              <a:ea typeface="맑은 고딕" charset="0"/>
+            </a:endParaRPr>
+          </a:p>
+        </p:txBody>
+      </p:sp>
+      <p:pic>
+        <p:nvPicPr>
+          <p:cNvPr id="1146" name="그림 26" descr="C:/Users/Admin1/AppData/Roaming/PolarisOffice/ETemp/20872_11383232/fImage5685822298467.png"/>
+          <p:cNvPicPr>
+            <a:picLocks noChangeAspect="1"/>
+          </p:cNvPicPr>
+          <p:nvPr/>
+        </p:nvPicPr>
+        <p:blipFill rotWithShape="1">
+          <a:blip r:embed="rId6" cstate="print">
+            <a:extLst>
+              <a:ext uri="{28A0092B-C50C-407E-A947-70E740481C1C}">
+                <a14:useLocalDpi xmlns:a14="http://schemas.microsoft.com/office/drawing/2010/main" val="0"/>
+              </a:ext>
+            </a:extLst>
+          </a:blip>
+          <a:stretch>
+            <a:fillRect/>
+          </a:stretch>
+        </p:blipFill>
+        <p:spPr>
+          <a:xfrm rot="0">
+            <a:off x="3009900" y="3021965"/>
+            <a:ext cx="878840" cy="762635"/>
+          </a:xfrm>
+          <a:prstGeom prst="rect"/>
+          <a:noFill/>
+        </p:spPr>
+      </p:pic>
+      <p:pic>
+        <p:nvPicPr>
+          <p:cNvPr id="1148" name="그림 31" descr="C:/Users/Admin1/AppData/Roaming/PolarisOffice/ETemp/20872_11383232/fImage100442346334.png"/>
+          <p:cNvPicPr>
+            <a:picLocks noChangeAspect="1"/>
+          </p:cNvPicPr>
+          <p:nvPr/>
+        </p:nvPicPr>
+        <p:blipFill rotWithShape="1">
+          <a:blip r:embed="rId7" cstate="print">
+            <a:extLst>
+              <a:ext uri="{28A0092B-C50C-407E-A947-70E740481C1C}">
+                <a14:useLocalDpi xmlns:a14="http://schemas.microsoft.com/office/drawing/2010/main" val="0"/>
+              </a:ext>
+            </a:extLst>
+          </a:blip>
+          <a:stretch>
+            <a:fillRect/>
+          </a:stretch>
+        </p:blipFill>
+        <p:spPr>
+          <a:xfrm rot="0">
+            <a:off x="6804025" y="1209675"/>
+            <a:ext cx="4228465" cy="1096010"/>
+          </a:xfrm>
+          <a:prstGeom prst="roundRect"/>
+          <a:solidFill>
+            <a:srgbClr val="EDEDED"/>
+          </a:solidFill>
+        </p:spPr>
+      </p:pic>
+      <p:pic>
+        <p:nvPicPr>
+          <p:cNvPr id="1149" name="그림 34" descr="C:/Users/Admin1/AppData/Roaming/PolarisOffice/ETemp/20872_11383232/fImage2392992356500.png"/>
+          <p:cNvPicPr>
+            <a:picLocks noChangeAspect="1"/>
+          </p:cNvPicPr>
+          <p:nvPr/>
+        </p:nvPicPr>
+        <p:blipFill rotWithShape="1">
+          <a:blip r:embed="rId8" cstate="print">
+            <a:extLst>
+              <a:ext uri="{28A0092B-C50C-407E-A947-70E740481C1C}">
+                <a14:useLocalDpi xmlns:a14="http://schemas.microsoft.com/office/drawing/2010/main" val="0"/>
+              </a:ext>
+            </a:extLst>
+          </a:blip>
+          <a:stretch>
+            <a:fillRect/>
+          </a:stretch>
+        </p:blipFill>
+        <p:spPr>
+          <a:xfrm rot="0">
+            <a:off x="1316355" y="2597785"/>
+            <a:ext cx="4044315" cy="2451100"/>
+          </a:xfrm>
+          <a:prstGeom prst="rect"/>
+          <a:noFill/>
+        </p:spPr>
+      </p:pic>
+      <p:pic>
+        <p:nvPicPr>
+          <p:cNvPr id="1150" name="그림 35" descr="C:/Users/Admin1/AppData/Roaming/PolarisOffice/ETemp/20872_11383232/fImage152002566500.png"/>
+          <p:cNvPicPr>
+            <a:picLocks noChangeAspect="1"/>
+          </p:cNvPicPr>
+          <p:nvPr/>
+        </p:nvPicPr>
+        <p:blipFill rotWithShape="1">
+          <a:blip r:embed="rId3" cstate="hqprint">
+            <a:extLst>
+              <a:ext uri="{28A0092B-C50C-407E-A947-70E740481C1C}">
+                <a14:useLocalDpi xmlns:a14="http://schemas.microsoft.com/office/drawing/2010/main"/>
+              </a:ext>
+            </a:extLst>
+          </a:blip>
+          <a:stretch>
+            <a:fillRect/>
+          </a:stretch>
+        </p:blipFill>
+        <p:spPr>
+          <a:xfrm rot="0">
+            <a:off x="6817995" y="3583305"/>
+            <a:ext cx="2526030" cy="1456690"/>
+          </a:xfrm>
+          <a:prstGeom prst="roundRect"/>
+          <a:solidFill>
+            <a:srgbClr val="EDEDED"/>
+          </a:solidFill>
+        </p:spPr>
+      </p:pic>
+      <p:sp>
+        <p:nvSpPr>
+          <p:cNvPr id="1151" name="텍스트 상자 36"/>
+          <p:cNvSpPr txBox="1">
+            <a:spLocks/>
+          </p:cNvSpPr>
+          <p:nvPr/>
+        </p:nvSpPr>
+        <p:spPr>
+          <a:xfrm rot="0">
+            <a:off x="6818630" y="5203190"/>
+            <a:ext cx="4041140" cy="979805"/>
+          </a:xfrm>
+          <a:prstGeom prst="rect"/>
+          <a:noFill/>
+        </p:spPr>
+        <p:txBody>
+          <a:bodyPr wrap="square" lIns="0" tIns="0" rIns="0" bIns="0" numCol="1" vert="horz" anchor="t">
+            <a:noAutofit/>
+          </a:bodyPr>
+          <a:lstStyle/>
+          <a:p>
+            <a:pPr marL="0" indent="0" algn="l" latinLnBrk="0" hangingPunct="1">
+              <a:buFontTx/>
+              <a:buNone/>
+            </a:pPr>
+            <a:r>
+              <a:rPr lang="ko-KR" sz="2000" b="1">
+                <a:solidFill>
+                  <a:srgbClr val="0611F2"/>
+                </a:solidFill>
+                <a:latin typeface="맑은 고딕" charset="0"/>
+                <a:ea typeface="맑은 고딕" charset="0"/>
+              </a:rPr>
+              <a:t>1</a:t>
+            </a:r>
+            <a:r>
+              <a:rPr lang="ko-KR" sz="2000" b="1">
+                <a:solidFill>
+                  <a:srgbClr val="0611F2"/>
+                </a:solidFill>
+                <a:latin typeface="맑은 고딕" charset="0"/>
+                <a:ea typeface="맑은 고딕" charset="0"/>
+              </a:rPr>
+              <a:t>4</a:t>
+            </a:r>
+            <a:r>
+              <a:rPr lang="ko-KR" sz="2000" b="1">
+                <a:solidFill>
+                  <a:srgbClr val="0611F2"/>
+                </a:solidFill>
+                <a:latin typeface="맑은 고딕" charset="0"/>
+                <a:ea typeface="맑은 고딕" charset="0"/>
+              </a:rPr>
+              <a:t>. </a:t>
+            </a:r>
+            <a:r>
+              <a:rPr lang="ko-KR" sz="1800">
+                <a:latin typeface="맑은 고딕" charset="0"/>
+                <a:ea typeface="맑은 고딕" charset="0"/>
+              </a:rPr>
+              <a:t>그리고 3D Object 에서 Cube를 생성한 다음 Bot으로 이름을 정의합니다.</a:t>
+            </a:r>
+            <a:endParaRPr lang="ko-KR" altLang="en-US" sz="1800">
+              <a:latin typeface="맑은 고딕" charset="0"/>
+              <a:ea typeface="맑은 고딕" charset="0"/>
+            </a:endParaRPr>
+          </a:p>
+        </p:txBody>
+      </p:sp>
+      <p:pic>
+        <p:nvPicPr>
+          <p:cNvPr id="1152" name="그림 37" descr="C:/Users/Admin1/AppData/Roaming/PolarisOffice/ETemp/20872_11383232/fImage65262451478.png"/>
+          <p:cNvPicPr>
+            <a:picLocks noChangeAspect="1"/>
+          </p:cNvPicPr>
+          <p:nvPr/>
+        </p:nvPicPr>
+        <p:blipFill rotWithShape="1">
+          <a:blip r:embed="rId4" cstate="hqprint">
+            <a:extLst>
+              <a:ext uri="{28A0092B-C50C-407E-A947-70E740481C1C}">
+                <a14:useLocalDpi xmlns:a14="http://schemas.microsoft.com/office/drawing/2010/main"/>
+              </a:ext>
+            </a:extLst>
+          </a:blip>
+          <a:stretch>
+            <a:fillRect/>
+          </a:stretch>
+        </p:blipFill>
+        <p:spPr>
+          <a:xfrm rot="0">
+            <a:off x="9568815" y="3783965"/>
+            <a:ext cx="1299845" cy="1057275"/>
+          </a:xfrm>
+          <a:prstGeom prst="roundRect"/>
+          <a:solidFill>
+            <a:srgbClr val="EDEDED"/>
+          </a:solidFill>
+        </p:spPr>
+      </p:pic>
+    </p:spTree>
+  </p:cSld>
+  <p:clrMapOvr>
+    <a:masterClrMapping/>
+  </p:clrMapOvr>
+  <mc:AlternateContent xmlns:mc="http://schemas.openxmlformats.org/markup-compatibility/2006">
+    <mc:Choice xmlns:p14="http://schemas.microsoft.com/office/powerpoint/2010/main" Requires="p14">
+      <p:transition spd="slow" p14:dur="2000"/>
+    </mc:Choice>
+    <mc:Fallback>
+      <p:transition spd="slow"/>
+    </mc:Fallback>
+  </mc:AlternateContent>
+  <p:timing>
+    <p:tnLst>
+      <p:par>
+        <p:cTn id="1" dur="indefinite" restart="never" nodeType="tmRoot"/>
+      </p:par>
+    </p:tnLst>
+  </p:timing>
+</p:sld>
+</file>
+
+<file path=ppt/slides/slide8.xml><?xml version="1.0" encoding="utf-8"?>
 <p:sld xmlns:a="http://schemas.openxmlformats.org/drawingml/2006/main" xmlns:r="http://schemas.openxmlformats.org/officeDocument/2006/relationships" xmlns:p="http://schemas.openxmlformats.org/presentationml/2006/main">
   <p:cSld>
     <p:spTree>
@@ -9296,7 +9819,7 @@
       </p:grpSpPr>
       <p:sp>
         <p:nvSpPr>
-          <p:cNvPr id="1031" name="Rect 0"/>
+          <p:cNvPr id="5" name="텍스트 상자 5"/>
           <p:cNvSpPr txBox="1">
             <a:spLocks/>
           </p:cNvSpPr>
@@ -9305,7 +9828,7 @@
         <p:spPr>
           <a:xfrm rot="0">
             <a:off x="4342130" y="327660"/>
-            <a:ext cx="3507105" cy="554990"/>
+            <a:ext cx="3507740" cy="554990"/>
           </a:xfrm>
           <a:prstGeom prst="rect"/>
           <a:noFill/>
@@ -9332,7 +9855,7 @@
                 <a:latin typeface="맑은 고딕" charset="0"/>
                 <a:ea typeface="맑은 고딕" charset="0"/>
               </a:rPr>
-              <a:t>다섯</a:t>
+              <a:t>여</a:t>
             </a:r>
             <a:r>
               <a:rPr lang="ko-KR" altLang="en-US" sz="3000" b="1">
@@ -9342,7 +9865,7 @@
                 <a:latin typeface="맑은 고딕" charset="0"/>
                 <a:ea typeface="맑은 고딕" charset="0"/>
               </a:rPr>
-              <a:t> 번째 튜토리얼</a:t>
+              <a:t>섯 번째 튜토리얼</a:t>
             </a:r>
             <a:endParaRPr lang="ko-KR" altLang="en-US" sz="3000" b="1">
               <a:solidFill>
@@ -9356,7 +9879,7 @@
       </p:sp>
       <p:sp>
         <p:nvSpPr>
-          <p:cNvPr id="1116" name="Rect 0"/>
+          <p:cNvPr id="7" name="텍스트 상자 29"/>
           <p:cNvSpPr txBox="1">
             <a:spLocks/>
           </p:cNvSpPr>
@@ -9364,19 +9887,15 @@
         </p:nvSpPr>
         <p:spPr>
           <a:xfrm rot="0">
-            <a:off x="1294765" y="4765040"/>
-            <a:ext cx="4068445" cy="954405"/>
+            <a:off x="1325245" y="2674620"/>
+            <a:ext cx="4053205" cy="711835"/>
           </a:xfrm>
           <a:prstGeom prst="rect"/>
           <a:noFill/>
-          <a:ln w="0">
-            <a:noFill/>
-            <a:prstDash/>
-          </a:ln>
-        </p:spPr>
-        <p:txBody>
-          <a:bodyPr wrap="square" lIns="89535" tIns="46355" rIns="89535" bIns="46355" numCol="1" vert="horz" anchor="t">
-            <a:spAutoFit/>
+        </p:spPr>
+        <p:txBody>
+          <a:bodyPr wrap="square" lIns="0" tIns="0" rIns="0" bIns="0" numCol="1" vert="horz" anchor="t">
+            <a:noAutofit/>
           </a:bodyPr>
           <a:lstStyle/>
           <a:p>
@@ -9392,7 +9911,7 @@
                 <a:latin typeface="맑은 고딕" charset="0"/>
                 <a:ea typeface="맑은 고딕" charset="0"/>
               </a:rPr>
-              <a:t>1</a:t>
+              <a:t>15</a:t>
             </a:r>
             <a:r>
               <a:rPr lang="ko-KR" sz="2000" b="1">
@@ -9402,16 +9921,6 @@
                 <a:latin typeface="맑은 고딕" charset="0"/>
                 <a:ea typeface="맑은 고딕" charset="0"/>
               </a:rPr>
-              <a:t>3</a:t>
-            </a:r>
-            <a:r>
-              <a:rPr lang="ko-KR" sz="2000" b="1">
-                <a:solidFill>
-                  <a:srgbClr val="0611F2"/>
-                </a:solidFill>
-                <a:latin typeface="맑은 고딕" charset="0"/>
-                <a:ea typeface="맑은 고딕" charset="0"/>
-              </a:rPr>
               <a:t>. </a:t>
             </a:r>
             <a:r>
@@ -9419,42 +9928,14 @@
                 <a:latin typeface="맑은 고딕" charset="0"/>
                 <a:ea typeface="맑은 고딕" charset="0"/>
               </a:rPr>
-              <a:t>그</a:t>
+              <a:t>그리고 </a:t>
             </a:r>
             <a:r>
               <a:rPr lang="ko-KR" sz="1800">
                 <a:latin typeface="맑은 고딕" charset="0"/>
                 <a:ea typeface="맑은 고딕" charset="0"/>
               </a:rPr>
-              <a:t>런 다음</a:t>
-            </a:r>
-            <a:r>
-              <a:rPr lang="ko-KR" sz="1800">
-                <a:latin typeface="맑은 고딕" charset="0"/>
-                <a:ea typeface="맑은 고딕" charset="0"/>
-              </a:rPr>
-              <a:t> 광선과 </a:t>
-            </a:r>
-            <a:r>
-              <a:rPr lang="ko-KR" sz="1800">
-                <a:latin typeface="맑은 고딕" charset="0"/>
-                <a:ea typeface="맑은 고딕" charset="0"/>
-              </a:rPr>
-              <a:t>콜라이더를 가지고 있는</a:t>
-            </a:r>
-            <a:r>
-              <a:rPr lang="ko-KR" sz="1800">
-                <a:latin typeface="맑은 고딕" charset="0"/>
-                <a:ea typeface="맑은 고딕" charset="0"/>
-              </a:rPr>
-              <a:t> 오브젝트가 충돌했다면 Scene View에서 광선이 표시</a:t>
-            </a:r>
-            <a:r>
-              <a:rPr lang="ko-KR" sz="1800">
-                <a:latin typeface="맑은 고딕" charset="0"/>
-                <a:ea typeface="맑은 고딕" charset="0"/>
-              </a:rPr>
-              <a:t>됩니다.</a:t>
+              <a:t>Bot 오브젝트의 Layer를 Monster로 변경합니다.</a:t>
             </a:r>
             <a:endParaRPr lang="ko-KR" altLang="en-US" sz="1800">
               <a:latin typeface="맑은 고딕" charset="0"/>
@@ -9465,7 +9946,7 @@
       </p:sp>
       <p:pic>
         <p:nvPicPr>
-          <p:cNvPr id="1136" name="Picture " descr="C:/Users/Admin1/AppData/Roaming/PolarisOffice/ETemp/3276_19845488/fImage112411028467.png"/>
+          <p:cNvPr id="8" name="그림 38" descr="C:/Users/Admin1/AppData/Roaming/PolarisOffice/ETemp/20872_11383232/fImage65262451478.png"/>
           <p:cNvPicPr>
             <a:picLocks noChangeAspect="1"/>
           </p:cNvPicPr>
@@ -9485,8 +9966,8 @@
         </p:blipFill>
         <p:spPr>
           <a:xfrm rot="0">
-            <a:off x="1295400" y="1226820"/>
-            <a:ext cx="4058285" cy="3364865"/>
+            <a:off x="1334135" y="1446530"/>
+            <a:ext cx="970280" cy="1057275"/>
           </a:xfrm>
           <a:prstGeom prst="roundRect"/>
           <a:solidFill>
@@ -9496,17 +9977,17 @@
       </p:pic>
       <p:pic>
         <p:nvPicPr>
-          <p:cNvPr id="1137" name="그림 29" descr="C:/Users/Admin1/AppData/Roaming/PolarisOffice/ETemp/3276_19845488/fImage152002566500.png"/>
+          <p:cNvPr id="9" name="그림 40" descr="C:/Users/Admin1/AppData/Roaming/PolarisOffice/ETemp/20872_11383232/fImage116452419169.png"/>
           <p:cNvPicPr>
             <a:picLocks noChangeAspect="1"/>
           </p:cNvPicPr>
           <p:nvPr/>
         </p:nvPicPr>
         <p:blipFill rotWithShape="1">
-          <a:blip r:embed="rId3" cstate="hqprint">
+          <a:blip r:embed="rId3" cstate="print">
             <a:extLst>
               <a:ext uri="{28A0092B-C50C-407E-A947-70E740481C1C}">
-                <a14:useLocalDpi xmlns:a14="http://schemas.microsoft.com/office/drawing/2010/main"/>
+                <a14:useLocalDpi xmlns:a14="http://schemas.microsoft.com/office/drawing/2010/main" val="0"/>
               </a:ext>
             </a:extLst>
           </a:blip>
@@ -9516,8 +9997,8 @@
         </p:blipFill>
         <p:spPr>
           <a:xfrm rot="0">
-            <a:off x="6800850" y="1228090"/>
-            <a:ext cx="2391410" cy="3687445"/>
+            <a:off x="2433320" y="1374775"/>
+            <a:ext cx="2953385" cy="1180465"/>
           </a:xfrm>
           <a:prstGeom prst="roundRect"/>
           <a:solidFill>
@@ -9525,80 +10006,9 @@
           </a:solidFill>
         </p:spPr>
       </p:pic>
-      <p:sp>
-        <p:nvSpPr>
-          <p:cNvPr id="1141" name="텍스트 상자 37"/>
-          <p:cNvSpPr txBox="1">
-            <a:spLocks/>
-          </p:cNvSpPr>
-          <p:nvPr/>
-        </p:nvSpPr>
-        <p:spPr>
-          <a:xfrm rot="0">
-            <a:off x="6810375" y="5133975"/>
-            <a:ext cx="4210685" cy="584835"/>
-          </a:xfrm>
-          <a:prstGeom prst="rect"/>
-          <a:noFill/>
-        </p:spPr>
-        <p:txBody>
-          <a:bodyPr wrap="square" lIns="0" tIns="0" rIns="0" bIns="0" vert="horz" anchor="t">
-            <a:noAutofit/>
-          </a:bodyPr>
-          <a:lstStyle/>
-          <a:p>
-            <a:pPr marL="0" indent="0" algn="l" latinLnBrk="0" hangingPunct="1">
-              <a:buFontTx/>
-              <a:buNone/>
-            </a:pPr>
-            <a:r>
-              <a:rPr lang="ko-KR" sz="2000" b="1">
-                <a:solidFill>
-                  <a:srgbClr val="0611F2"/>
-                </a:solidFill>
-                <a:latin typeface="맑은 고딕" charset="0"/>
-                <a:ea typeface="맑은 고딕" charset="0"/>
-              </a:rPr>
-              <a:t>19. </a:t>
-            </a:r>
-            <a:r>
-              <a:rPr lang="ko-KR" sz="1800">
-                <a:latin typeface="맑은 고딕" charset="0"/>
-                <a:ea typeface="맑은 고딕" charset="0"/>
-              </a:rPr>
-              <a:t>그리고 3D Object</a:t>
-            </a:r>
-            <a:r>
-              <a:rPr lang="ko-KR" sz="1800">
-                <a:latin typeface="맑은 고딕" charset="0"/>
-                <a:ea typeface="맑은 고딕" charset="0"/>
-              </a:rPr>
-              <a:t> 에서</a:t>
-            </a:r>
-            <a:r>
-              <a:rPr lang="ko-KR" sz="1800">
-                <a:latin typeface="맑은 고딕" charset="0"/>
-                <a:ea typeface="맑은 고딕" charset="0"/>
-              </a:rPr>
-              <a:t> Cube를 생성한 다음</a:t>
-            </a:r>
-            <a:r>
-              <a:rPr lang="ko-KR" sz="1800">
-                <a:latin typeface="맑은 고딕" charset="0"/>
-                <a:ea typeface="맑은 고딕" charset="0"/>
-              </a:rPr>
-              <a:t> Bot으로 이름을 정의합니다.</a:t>
-            </a:r>
-            <a:endParaRPr lang="ko-KR" altLang="en-US" sz="1800">
-              <a:latin typeface="맑은 고딕" charset="0"/>
-              <a:ea typeface="맑은 고딕" charset="0"/>
-            </a:endParaRPr>
-          </a:p>
-        </p:txBody>
-      </p:sp>
       <p:pic>
         <p:nvPicPr>
-          <p:cNvPr id="1142" name="그림 38" descr="C:/Users/Admin1/AppData/Roaming/PolarisOffice/ETemp/3276_19845488/fImage65262451478.png"/>
+          <p:cNvPr id="10" name="그림 43" descr="C:/Users/Admin1/AppData/Roaming/PolarisOffice/ETemp/20872_11383232/fImage61852425724.png"/>
           <p:cNvPicPr>
             <a:picLocks noChangeAspect="1"/>
           </p:cNvPicPr>
@@ -9618,8 +10028,8 @@
         </p:blipFill>
         <p:spPr>
           <a:xfrm rot="0">
-            <a:off x="9548495" y="1661795"/>
-            <a:ext cx="1477010" cy="2815590"/>
+            <a:off x="1323975" y="3471545"/>
+            <a:ext cx="4054475" cy="1213485"/>
           </a:xfrm>
           <a:prstGeom prst="roundRect"/>
           <a:solidFill>
@@ -9627,6 +10037,178 @@
           </a:solidFill>
         </p:spPr>
       </p:pic>
+      <p:sp>
+        <p:nvSpPr>
+          <p:cNvPr id="11" name="텍스트 상자 46"/>
+          <p:cNvSpPr txBox="1">
+            <a:spLocks/>
+          </p:cNvSpPr>
+          <p:nvPr/>
+        </p:nvSpPr>
+        <p:spPr>
+          <a:xfrm rot="0">
+            <a:off x="1327785" y="4876165"/>
+            <a:ext cx="4058920" cy="1021080"/>
+          </a:xfrm>
+          <a:prstGeom prst="rect"/>
+          <a:noFill/>
+        </p:spPr>
+        <p:txBody>
+          <a:bodyPr wrap="square" lIns="0" tIns="0" rIns="0" bIns="0" numCol="1" vert="horz" anchor="t">
+            <a:noAutofit/>
+          </a:bodyPr>
+          <a:lstStyle/>
+          <a:p>
+            <a:pPr marL="0" indent="0" algn="l" latinLnBrk="0" hangingPunct="1">
+              <a:buFontTx/>
+              <a:buNone/>
+            </a:pPr>
+            <a:r>
+              <a:rPr lang="ko-KR" sz="2000" b="1">
+                <a:solidFill>
+                  <a:srgbClr val="0611F2"/>
+                </a:solidFill>
+                <a:latin typeface="맑은 고딕" charset="0"/>
+                <a:ea typeface="맑은 고딕" charset="0"/>
+              </a:rPr>
+              <a:t>16</a:t>
+            </a:r>
+            <a:r>
+              <a:rPr lang="ko-KR" sz="2000" b="1">
+                <a:solidFill>
+                  <a:srgbClr val="0611F2"/>
+                </a:solidFill>
+                <a:latin typeface="맑은 고딕" charset="0"/>
+                <a:ea typeface="맑은 고딕" charset="0"/>
+              </a:rPr>
+              <a:t>. </a:t>
+            </a:r>
+            <a:r>
+              <a:rPr lang="ko-KR" sz="1800">
+                <a:latin typeface="맑은 고딕" charset="0"/>
+                <a:ea typeface="맑은 고딕" charset="0"/>
+              </a:rPr>
+              <a:t>마지막으로</a:t>
+            </a:r>
+            <a:r>
+              <a:rPr lang="ko-KR" sz="1800">
+                <a:latin typeface="맑은 고딕" charset="0"/>
+                <a:ea typeface="맑은 고딕" charset="0"/>
+              </a:rPr>
+              <a:t> </a:t>
+            </a:r>
+            <a:r>
+              <a:rPr lang="ko-KR" sz="1800">
+                <a:latin typeface="맑은 고딕" charset="0"/>
+                <a:ea typeface="맑은 고딕" charset="0"/>
+              </a:rPr>
+              <a:t>Main Camera 오브젝트에 있는 Picking 스크립트에 Layer를 Monster로 설정합니다.</a:t>
+            </a:r>
+            <a:endParaRPr lang="ko-KR" altLang="en-US" sz="1800">
+              <a:latin typeface="맑은 고딕" charset="0"/>
+              <a:ea typeface="맑은 고딕" charset="0"/>
+            </a:endParaRPr>
+          </a:p>
+        </p:txBody>
+      </p:sp>
+      <p:pic>
+        <p:nvPicPr>
+          <p:cNvPr id="12" name="그림 47" descr="C:/Users/Admin1/AppData/Roaming/PolarisOffice/ETemp/20872_11383232/fImage1464832441478.png"/>
+          <p:cNvPicPr>
+            <a:picLocks noChangeAspect="1"/>
+          </p:cNvPicPr>
+          <p:nvPr/>
+        </p:nvPicPr>
+        <p:blipFill rotWithShape="1">
+          <a:blip r:embed="rId5" cstate="print">
+            <a:extLst>
+              <a:ext uri="{28A0092B-C50C-407E-A947-70E740481C1C}">
+                <a14:useLocalDpi xmlns:a14="http://schemas.microsoft.com/office/drawing/2010/main" val="0"/>
+              </a:ext>
+            </a:extLst>
+          </a:blip>
+          <a:stretch>
+            <a:fillRect/>
+          </a:stretch>
+        </p:blipFill>
+        <p:spPr>
+          <a:xfrm rot="0">
+            <a:off x="6823710" y="1376680"/>
+            <a:ext cx="4251960" cy="2875915"/>
+          </a:xfrm>
+          <a:prstGeom prst="roundRect"/>
+          <a:solidFill>
+            <a:srgbClr val="EDEDED"/>
+          </a:solidFill>
+        </p:spPr>
+      </p:pic>
+      <p:sp>
+        <p:nvSpPr>
+          <p:cNvPr id="13" name="텍스트 상자 50"/>
+          <p:cNvSpPr txBox="1">
+            <a:spLocks/>
+          </p:cNvSpPr>
+          <p:nvPr/>
+        </p:nvSpPr>
+        <p:spPr>
+          <a:xfrm rot="0">
+            <a:off x="6823710" y="4454525"/>
+            <a:ext cx="4260850" cy="1443355"/>
+          </a:xfrm>
+          <a:prstGeom prst="rect"/>
+          <a:noFill/>
+        </p:spPr>
+        <p:txBody>
+          <a:bodyPr wrap="square" lIns="0" tIns="0" rIns="0" bIns="0" numCol="1" vert="horz" anchor="t">
+            <a:noAutofit/>
+          </a:bodyPr>
+          <a:lstStyle/>
+          <a:p>
+            <a:pPr marL="0" indent="0" algn="l" latinLnBrk="0" hangingPunct="1">
+              <a:buFontTx/>
+              <a:buNone/>
+            </a:pPr>
+            <a:r>
+              <a:rPr lang="ko-KR" sz="1800">
+                <a:latin typeface="맑은 고딕" charset="0"/>
+                <a:ea typeface="맑은 고딕" charset="0"/>
+              </a:rPr>
+              <a:t>LayerMask로 특정한 Layer만 검출하여 충돌하도록 설정할 수 있습니다.</a:t>
+            </a:r>
+            <a:endParaRPr lang="ko-KR" altLang="en-US" sz="1800">
+              <a:latin typeface="맑은 고딕" charset="0"/>
+              <a:ea typeface="맑은 고딕" charset="0"/>
+            </a:endParaRPr>
+          </a:p>
+          <a:p>
+            <a:pPr marL="0" indent="0" algn="l" latinLnBrk="0" hangingPunct="1">
+              <a:buFontTx/>
+              <a:buNone/>
+            </a:pPr>
+            <a:endParaRPr lang="ko-KR" altLang="en-US" sz="1800">
+              <a:latin typeface="맑은 고딕" charset="0"/>
+              <a:ea typeface="맑은 고딕" charset="0"/>
+            </a:endParaRPr>
+          </a:p>
+          <a:p>
+            <a:pPr marL="0" indent="0" algn="l" latinLnBrk="0" hangingPunct="1">
+              <a:buFontTx/>
+              <a:buNone/>
+            </a:pPr>
+            <a:r>
+              <a:rPr lang="ko-KR" sz="1800">
+                <a:latin typeface="맑은 고딕" charset="0"/>
+                <a:ea typeface="맑은 고딕" charset="0"/>
+              </a:rPr>
+              <a:t>LayerMask는 32 bit의 int 형으로 bit로 각각의 레이어를 구분하여 사용합니다.</a:t>
+            </a:r>
+            <a:endParaRPr lang="ko-KR" altLang="en-US" sz="1800">
+              <a:latin typeface="맑은 고딕" charset="0"/>
+              <a:ea typeface="맑은 고딕" charset="0"/>
+            </a:endParaRPr>
+          </a:p>
+        </p:txBody>
+      </p:sp>
     </p:spTree>
   </p:cSld>
   <p:clrMapOvr>

--- a/Assets/Class/Raycast/PPT Data/RayCast Example.pptx
+++ b/Assets/Class/Raycast/PPT Data/RayCast Example.pptx
@@ -2,20 +2,20 @@
 <file path=ppt/presentation.xml><?xml version="1.0" encoding="utf-8"?>
 <p:presentation xmlns:a="http://schemas.openxmlformats.org/drawingml/2006/main" xmlns:r="http://schemas.openxmlformats.org/officeDocument/2006/relationships" xmlns:p="http://schemas.openxmlformats.org/presentationml/2006/main" xmlns:p14="http://schemas.microsoft.com/office/powerpoint/2010/main" saveSubsetFonts="1" firstSlideNum="0">
   <p:sldMasterIdLst>
-    <p:sldMasterId id="2147485850" r:id="rId12"/>
+    <p:sldMasterId id="2147485851" r:id="rId12"/>
   </p:sldMasterIdLst>
   <p:notesMasterIdLst>
     <p:notesMasterId r:id="rId14"/>
   </p:notesMasterIdLst>
   <p:sldIdLst>
     <p:sldId id="287" r:id="rId16"/>
-    <p:sldId id="294" r:id="rId17"/>
-    <p:sldId id="295" r:id="rId18"/>
-    <p:sldId id="290" r:id="rId19"/>
-    <p:sldId id="296" r:id="rId20"/>
-    <p:sldId id="291" r:id="rId21"/>
-    <p:sldId id="299" r:id="rId22"/>
-    <p:sldId id="300" r:id="rId23"/>
+    <p:sldId id="294" r:id="rId18"/>
+    <p:sldId id="295" r:id="rId20"/>
+    <p:sldId id="290" r:id="rId22"/>
+    <p:sldId id="296" r:id="rId23"/>
+    <p:sldId id="291" r:id="rId25"/>
+    <p:sldId id="299" r:id="rId27"/>
+    <p:sldId id="300" r:id="rId29"/>
   </p:sldIdLst>
   <p:sldSz cx="12192000" cy="6858000"/>
   <p:notesSz cx="6858000" cy="9144000"/>
@@ -8222,8 +8222,8 @@
         </p:nvSpPr>
         <p:spPr>
           <a:xfrm rot="0">
-            <a:off x="980440" y="4876800"/>
-            <a:ext cx="4403725" cy="648335"/>
+            <a:off x="980440" y="5516880"/>
+            <a:ext cx="4404360" cy="648970"/>
           </a:xfrm>
           <a:prstGeom prst="rect"/>
           <a:noFill/>
@@ -8258,7 +8258,7 @@
       </p:sp>
       <p:pic>
         <p:nvPicPr>
-          <p:cNvPr id="1122" name="그림 62"/>
+          <p:cNvPr id="1122" name="그림 62" descr="C:/Users/Admin1/AppData/Roaming/PolarisOffice/ETemp/10732_11717448/fImage1080321235705.png"/>
           <p:cNvPicPr>
             <a:picLocks noChangeAspect="1"/>
           </p:cNvPicPr>
@@ -8279,7 +8279,7 @@
         <p:spPr>
           <a:xfrm rot="0">
             <a:off x="980440" y="2626995"/>
-            <a:ext cx="4407535" cy="2079625"/>
+            <a:ext cx="4408170" cy="2753360"/>
           </a:xfrm>
           <a:prstGeom prst="roundRect"/>
           <a:solidFill>
@@ -8297,8 +8297,8 @@
         </p:nvSpPr>
         <p:spPr>
           <a:xfrm rot="0">
-            <a:off x="6916420" y="4328795"/>
-            <a:ext cx="4323715" cy="1200785"/>
+            <a:off x="6916420" y="4968875"/>
+            <a:ext cx="4324350" cy="1201420"/>
           </a:xfrm>
           <a:prstGeom prst="rect"/>
           <a:noFill/>
@@ -8333,7 +8333,7 @@
       </p:sp>
       <p:pic>
         <p:nvPicPr>
-          <p:cNvPr id="1127" name="그림 72"/>
+          <p:cNvPr id="1127" name="그림 72" descr="C:/Users/Admin1/AppData/Roaming/PolarisOffice/ETemp/10732_11717448/fImage200481306827.png"/>
           <p:cNvPicPr>
             <a:picLocks noChangeAspect="1"/>
           </p:cNvPicPr>
@@ -8354,7 +8354,7 @@
         <p:spPr>
           <a:xfrm rot="0">
             <a:off x="6920230" y="1205230"/>
-            <a:ext cx="4314190" cy="2927350"/>
+            <a:ext cx="4314825" cy="3578225"/>
           </a:xfrm>
           <a:prstGeom prst="roundRect"/>
           <a:solidFill>

--- a/Assets/Class/Raycast/PPT Data/RayCast Example.pptx
+++ b/Assets/Class/Raycast/PPT Data/RayCast Example.pptx
@@ -2,7 +2,7 @@
 <file path=ppt/presentation.xml><?xml version="1.0" encoding="utf-8"?>
 <p:presentation xmlns:a="http://schemas.openxmlformats.org/drawingml/2006/main" xmlns:r="http://schemas.openxmlformats.org/officeDocument/2006/relationships" xmlns:p="http://schemas.openxmlformats.org/presentationml/2006/main" xmlns:p14="http://schemas.microsoft.com/office/powerpoint/2010/main" saveSubsetFonts="1" firstSlideNum="0">
   <p:sldMasterIdLst>
-    <p:sldMasterId id="2147485851" r:id="rId12"/>
+    <p:sldMasterId id="2147485854" r:id="rId12"/>
   </p:sldMasterIdLst>
   <p:notesMasterIdLst>
     <p:notesMasterId r:id="rId14"/>
@@ -12,10 +12,10 @@
     <p:sldId id="294" r:id="rId18"/>
     <p:sldId id="295" r:id="rId20"/>
     <p:sldId id="290" r:id="rId22"/>
-    <p:sldId id="296" r:id="rId23"/>
+    <p:sldId id="296" r:id="rId24"/>
     <p:sldId id="291" r:id="rId25"/>
-    <p:sldId id="299" r:id="rId27"/>
-    <p:sldId id="300" r:id="rId29"/>
+    <p:sldId id="299" r:id="rId26"/>
+    <p:sldId id="300" r:id="rId28"/>
   </p:sldIdLst>
   <p:sldSz cx="12192000" cy="6858000"/>
   <p:notesSz cx="6858000" cy="9144000"/>
@@ -8649,7 +8649,7 @@
       </p:sp>
       <p:pic>
         <p:nvPicPr>
-          <p:cNvPr id="1132" name="그림 3" descr="C:/Users/Admin1/AppData/Roaming/PolarisOffice/ETemp/20872_11383232/fImage20162318467.png"/>
+          <p:cNvPr id="1132" name="그림 3"/>
           <p:cNvPicPr>
             <a:picLocks noChangeAspect="1"/>
           </p:cNvPicPr>
@@ -8680,7 +8680,7 @@
       </p:pic>
       <p:pic>
         <p:nvPicPr>
-          <p:cNvPr id="1138" name="그림 8" descr="C:/Users/Admin1/AppData/Roaming/PolarisOffice/ETemp/20872_11383232/fImage33821496334.png"/>
+          <p:cNvPr id="1138" name="그림 8"/>
           <p:cNvPicPr>
             <a:picLocks noChangeAspect="1"/>
           </p:cNvPicPr>
@@ -8745,7 +8745,7 @@
       </p:cxnSp>
       <p:pic>
         <p:nvPicPr>
-          <p:cNvPr id="1139" name="그림 15" descr="C:/Users/Admin1/AppData/Roaming/PolarisOffice/ETemp/20872_11383232/fImage37762336500.png"/>
+          <p:cNvPr id="1139" name="그림 15"/>
           <p:cNvPicPr>
             <a:picLocks noChangeAspect="1"/>
           </p:cNvPicPr>
@@ -8776,7 +8776,7 @@
       </p:pic>
       <p:pic>
         <p:nvPicPr>
-          <p:cNvPr id="1140" name="그림 16" descr="C:/Users/Admin1/AppData/Roaming/PolarisOffice/ETemp/20872_11383232/fImage38712349169.png"/>
+          <p:cNvPr id="1140" name="그림 16"/>
           <p:cNvPicPr>
             <a:picLocks noChangeAspect="1"/>
           </p:cNvPicPr>
@@ -8861,7 +8861,7 @@
       </p:sp>
       <p:pic>
         <p:nvPicPr>
-          <p:cNvPr id="1142" name="그림 22" descr="C:/Users/Admin1/AppData/Roaming/PolarisOffice/ETemp/20872_11383232/fImage54872365724.png"/>
+          <p:cNvPr id="1142" name="그림 22"/>
           <p:cNvPicPr>
             <a:picLocks noChangeAspect="1"/>
           </p:cNvPicPr>
@@ -8892,17 +8892,17 @@
       </p:pic>
       <p:pic>
         <p:nvPicPr>
-          <p:cNvPr id="1143" name="그림 21" descr="C:/Users/Admin1/AppData/Roaming/PolarisOffice/ETemp/20872_11383232/fImage1866022541.png"/>
+          <p:cNvPr id="1143" name="그림 21" descr="C:/Users/Admin1/AppData/Roaming/PolarisOffice/ETemp/19732_10403440/fImage1866022541.png"/>
           <p:cNvPicPr>
             <a:picLocks noChangeAspect="1"/>
           </p:cNvPicPr>
           <p:nvPr/>
         </p:nvPicPr>
         <p:blipFill rotWithShape="1">
-          <a:blip r:embed="rId11" cstate="print">
+          <a:blip r:embed="rId11" cstate="hqprint">
             <a:extLst>
               <a:ext uri="{28A0092B-C50C-407E-A947-70E740481C1C}">
-                <a14:useLocalDpi xmlns:a14="http://schemas.microsoft.com/office/drawing/2010/main" val="0"/>
+                <a14:useLocalDpi xmlns:a14="http://schemas.microsoft.com/office/drawing/2010/main"/>
               </a:ext>
             </a:extLst>
           </a:blip>
@@ -8912,8 +8912,8 @@
         </p:blipFill>
         <p:spPr>
           <a:xfrm rot="0">
-            <a:off x="6814820" y="1186180"/>
-            <a:ext cx="4373880" cy="3204845"/>
+            <a:off x="6814820" y="1349375"/>
+            <a:ext cx="4374515" cy="3042285"/>
           </a:xfrm>
           <a:prstGeom prst="rect"/>
           <a:noFill/>
@@ -9063,8 +9063,8 @@
         </p:nvSpPr>
         <p:spPr>
           <a:xfrm rot="0">
-            <a:off x="981710" y="5154295"/>
-            <a:ext cx="4525010" cy="647700"/>
+            <a:off x="981710" y="5414010"/>
+            <a:ext cx="4525645" cy="648335"/>
           </a:xfrm>
           <a:prstGeom prst="rect"/>
           <a:noFill/>
@@ -9151,8 +9151,8 @@
         </p:nvSpPr>
         <p:spPr>
           <a:xfrm rot="0">
-            <a:off x="6859270" y="3777615"/>
-            <a:ext cx="4406900" cy="2032000"/>
+            <a:off x="6850380" y="4028440"/>
+            <a:ext cx="4407535" cy="2032635"/>
           </a:xfrm>
           <a:prstGeom prst="rect"/>
           <a:noFill/>
@@ -9214,17 +9214,17 @@
       </p:sp>
       <p:pic>
         <p:nvPicPr>
-          <p:cNvPr id="1122" name="그림 1"/>
+          <p:cNvPr id="1122" name="그림 1" descr="C:/Users/Admin1/AppData/Roaming/PolarisOffice/ETemp/19732_10403440/fImage2496610141.png"/>
           <p:cNvPicPr>
             <a:picLocks noChangeAspect="1"/>
           </p:cNvPicPr>
           <p:nvPr/>
         </p:nvPicPr>
         <p:blipFill rotWithShape="1">
-          <a:blip r:embed="rId8" cstate="print">
+          <a:blip r:embed="rId8" cstate="hqprint">
             <a:extLst>
               <a:ext uri="{28A0092B-C50C-407E-A947-70E740481C1C}">
-                <a14:useLocalDpi xmlns:a14="http://schemas.microsoft.com/office/drawing/2010/main" val="0"/>
+                <a14:useLocalDpi xmlns:a14="http://schemas.microsoft.com/office/drawing/2010/main"/>
               </a:ext>
             </a:extLst>
           </a:blip>
@@ -9234,8 +9234,8 @@
         </p:blipFill>
         <p:spPr>
           <a:xfrm rot="0">
-            <a:off x="981075" y="2238375"/>
-            <a:ext cx="4525010" cy="2772410"/>
+            <a:off x="981075" y="2317750"/>
+            <a:ext cx="4525645" cy="2907030"/>
           </a:xfrm>
           <a:prstGeom prst="roundRect"/>
           <a:solidFill>
@@ -9245,17 +9245,17 @@
       </p:pic>
       <p:pic>
         <p:nvPicPr>
-          <p:cNvPr id="1123" name="그림 14"/>
+          <p:cNvPr id="1123" name="그림 14" descr="C:/Users/Admin1/AppData/Roaming/PolarisOffice/ETemp/19732_10403440/fImage8412723741.png"/>
           <p:cNvPicPr>
             <a:picLocks noChangeAspect="1"/>
           </p:cNvPicPr>
           <p:nvPr/>
         </p:nvPicPr>
         <p:blipFill rotWithShape="1">
-          <a:blip r:embed="rId10" cstate="print">
+          <a:blip r:embed="rId10" cstate="hqprint">
             <a:extLst>
               <a:ext uri="{28A0092B-C50C-407E-A947-70E740481C1C}">
-                <a14:useLocalDpi xmlns:a14="http://schemas.microsoft.com/office/drawing/2010/main" val="0"/>
+                <a14:useLocalDpi xmlns:a14="http://schemas.microsoft.com/office/drawing/2010/main"/>
               </a:ext>
             </a:extLst>
           </a:blip>
@@ -9265,8 +9265,8 @@
         </p:blipFill>
         <p:spPr>
           <a:xfrm rot="0">
-            <a:off x="6866890" y="2269490"/>
-            <a:ext cx="4406265" cy="1363980"/>
+            <a:off x="6866890" y="2320925"/>
+            <a:ext cx="4406900" cy="1519555"/>
           </a:xfrm>
           <a:prstGeom prst="roundRect"/>
           <a:solidFill>
@@ -9801,7 +9801,7 @@
 </file>
 
 <file path=ppt/slides/slide8.xml><?xml version="1.0" encoding="utf-8"?>
-<p:sld xmlns:a="http://schemas.openxmlformats.org/drawingml/2006/main" xmlns:r="http://schemas.openxmlformats.org/officeDocument/2006/relationships" xmlns:p="http://schemas.openxmlformats.org/presentationml/2006/main">
+<p:sld xmlns:a="http://schemas.openxmlformats.org/drawingml/2006/main" xmlns:r="http://schemas.openxmlformats.org/officeDocument/2006/relationships" xmlns:p="http://schemas.openxmlformats.org/presentationml/2006/main" xmlns:p14="http://schemas.microsoft.com/office/powerpoint/2010/main">
   <p:cSld>
     <p:spTree>
       <p:nvGrpSpPr>
@@ -9887,8 +9887,8 @@
         </p:nvSpPr>
         <p:spPr>
           <a:xfrm rot="0">
-            <a:off x="1325245" y="2674620"/>
-            <a:ext cx="4053205" cy="711835"/>
+            <a:off x="1334135" y="2865120"/>
+            <a:ext cx="4053840" cy="712470"/>
           </a:xfrm>
           <a:prstGeom prst="rect"/>
           <a:noFill/>
@@ -9911,31 +9911,14 @@
                 <a:latin typeface="맑은 고딕" charset="0"/>
                 <a:ea typeface="맑은 고딕" charset="0"/>
               </a:rPr>
-              <a:t>15</a:t>
-            </a:r>
-            <a:r>
-              <a:rPr lang="ko-KR" sz="2000" b="1">
-                <a:solidFill>
-                  <a:srgbClr val="0611F2"/>
-                </a:solidFill>
-                <a:latin typeface="맑은 고딕" charset="0"/>
-                <a:ea typeface="맑은 고딕" charset="0"/>
-              </a:rPr>
-              <a:t>. </a:t>
+              <a:t>15. </a:t>
             </a:r>
             <a:r>
               <a:rPr lang="ko-KR" sz="1800">
                 <a:latin typeface="맑은 고딕" charset="0"/>
                 <a:ea typeface="맑은 고딕" charset="0"/>
               </a:rPr>
-              <a:t>그리고 </a:t>
-            </a:r>
-            <a:r>
-              <a:rPr lang="ko-KR" sz="1800">
-                <a:latin typeface="맑은 고딕" charset="0"/>
-                <a:ea typeface="맑은 고딕" charset="0"/>
-              </a:rPr>
-              <a:t>Bot 오브젝트의 Layer를 Monster로 변경합니다.</a:t>
+              <a:t>그리고 Bot 오브젝트의 Layer를 Monster로 변경합니다.</a:t>
             </a:r>
             <a:endParaRPr lang="ko-KR" altLang="en-US" sz="1800">
               <a:latin typeface="맑은 고딕" charset="0"/>
@@ -9946,7 +9929,7 @@
       </p:sp>
       <p:pic>
         <p:nvPicPr>
-          <p:cNvPr id="8" name="그림 38" descr="C:/Users/Admin1/AppData/Roaming/PolarisOffice/ETemp/20872_11383232/fImage65262451478.png"/>
+          <p:cNvPr id="8" name="그림 38" descr="C:/Users/Admin1/AppData/Roaming/PolarisOffice/ETemp/19732_10403440/fImage65262451478.png"/>
           <p:cNvPicPr>
             <a:picLocks noChangeAspect="1"/>
           </p:cNvPicPr>
@@ -9966,8 +9949,8 @@
         </p:blipFill>
         <p:spPr>
           <a:xfrm rot="0">
-            <a:off x="1334135" y="1446530"/>
-            <a:ext cx="970280" cy="1057275"/>
+            <a:off x="1334135" y="1366520"/>
+            <a:ext cx="970915" cy="1350010"/>
           </a:xfrm>
           <a:prstGeom prst="roundRect"/>
           <a:solidFill>
@@ -9977,17 +9960,17 @@
       </p:pic>
       <p:pic>
         <p:nvPicPr>
-          <p:cNvPr id="9" name="그림 40" descr="C:/Users/Admin1/AppData/Roaming/PolarisOffice/ETemp/20872_11383232/fImage116452419169.png"/>
+          <p:cNvPr id="9" name="그림 40" descr="C:/Users/Admin1/AppData/Roaming/PolarisOffice/ETemp/19732_10403440/fImage116452419169.png"/>
           <p:cNvPicPr>
             <a:picLocks noChangeAspect="1"/>
           </p:cNvPicPr>
           <p:nvPr/>
         </p:nvPicPr>
         <p:blipFill rotWithShape="1">
-          <a:blip r:embed="rId3" cstate="print">
+          <a:blip r:embed="rId3" cstate="hqprint">
             <a:extLst>
               <a:ext uri="{28A0092B-C50C-407E-A947-70E740481C1C}">
-                <a14:useLocalDpi xmlns:a14="http://schemas.microsoft.com/office/drawing/2010/main" val="0"/>
+                <a14:useLocalDpi xmlns:a14="http://schemas.microsoft.com/office/drawing/2010/main"/>
               </a:ext>
             </a:extLst>
           </a:blip>
@@ -9998,7 +9981,7 @@
         <p:spPr>
           <a:xfrm rot="0">
             <a:off x="2433320" y="1374775"/>
-            <a:ext cx="2953385" cy="1180465"/>
+            <a:ext cx="2954020" cy="1332865"/>
           </a:xfrm>
           <a:prstGeom prst="roundRect"/>
           <a:solidFill>
@@ -10008,17 +9991,17 @@
       </p:pic>
       <p:pic>
         <p:nvPicPr>
-          <p:cNvPr id="10" name="그림 43" descr="C:/Users/Admin1/AppData/Roaming/PolarisOffice/ETemp/20872_11383232/fImage61852425724.png"/>
+          <p:cNvPr id="10" name="그림 43" descr="C:/Users/Admin1/AppData/Roaming/PolarisOffice/ETemp/19732_10403440/fImage61852425724.png"/>
           <p:cNvPicPr>
             <a:picLocks noChangeAspect="1"/>
           </p:cNvPicPr>
           <p:nvPr/>
         </p:nvPicPr>
         <p:blipFill rotWithShape="1">
-          <a:blip r:embed="rId4" cstate="print">
+          <a:blip r:embed="rId4" cstate="hqprint">
             <a:extLst>
               <a:ext uri="{28A0092B-C50C-407E-A947-70E740481C1C}">
-                <a14:useLocalDpi xmlns:a14="http://schemas.microsoft.com/office/drawing/2010/main" val="0"/>
+                <a14:useLocalDpi xmlns:a14="http://schemas.microsoft.com/office/drawing/2010/main"/>
               </a:ext>
             </a:extLst>
           </a:blip>
@@ -10028,8 +10011,8 @@
         </p:blipFill>
         <p:spPr>
           <a:xfrm rot="0">
-            <a:off x="1323975" y="3471545"/>
-            <a:ext cx="4054475" cy="1213485"/>
+            <a:off x="1323975" y="3782695"/>
+            <a:ext cx="4055110" cy="1214120"/>
           </a:xfrm>
           <a:prstGeom prst="roundRect"/>
           <a:solidFill>
@@ -10047,8 +10030,8 @@
         </p:nvSpPr>
         <p:spPr>
           <a:xfrm rot="0">
-            <a:off x="1327785" y="4876165"/>
-            <a:ext cx="4058920" cy="1021080"/>
+            <a:off x="1318895" y="5213350"/>
+            <a:ext cx="4059555" cy="1021715"/>
           </a:xfrm>
           <a:prstGeom prst="rect"/>
           <a:noFill/>
@@ -10071,38 +10054,14 @@
                 <a:latin typeface="맑은 고딕" charset="0"/>
                 <a:ea typeface="맑은 고딕" charset="0"/>
               </a:rPr>
-              <a:t>16</a:t>
-            </a:r>
-            <a:r>
-              <a:rPr lang="ko-KR" sz="2000" b="1">
-                <a:solidFill>
-                  <a:srgbClr val="0611F2"/>
-                </a:solidFill>
-                <a:latin typeface="맑은 고딕" charset="0"/>
-                <a:ea typeface="맑은 고딕" charset="0"/>
-              </a:rPr>
-              <a:t>. </a:t>
+              <a:t>16. </a:t>
             </a:r>
             <a:r>
               <a:rPr lang="ko-KR" sz="1800">
                 <a:latin typeface="맑은 고딕" charset="0"/>
                 <a:ea typeface="맑은 고딕" charset="0"/>
               </a:rPr>
-              <a:t>마지막으로</a:t>
-            </a:r>
-            <a:r>
-              <a:rPr lang="ko-KR" sz="1800">
-                <a:latin typeface="맑은 고딕" charset="0"/>
-                <a:ea typeface="맑은 고딕" charset="0"/>
-              </a:rPr>
-              <a:t> </a:t>
-            </a:r>
-            <a:r>
-              <a:rPr lang="ko-KR" sz="1800">
-                <a:latin typeface="맑은 고딕" charset="0"/>
-                <a:ea typeface="맑은 고딕" charset="0"/>
-              </a:rPr>
-              <a:t>Main Camera 오브젝트에 있는 Picking 스크립트에 Layer를 Monster로 설정합니다.</a:t>
+              <a:t>마지막으로 Main Camera 오브젝트에 있는 Picking 스크립트에 Layer를 Monster로 설정합니다.</a:t>
             </a:r>
             <a:endParaRPr lang="ko-KR" altLang="en-US" sz="1800">
               <a:latin typeface="맑은 고딕" charset="0"/>
@@ -10113,17 +10072,17 @@
       </p:sp>
       <p:pic>
         <p:nvPicPr>
-          <p:cNvPr id="12" name="그림 47" descr="C:/Users/Admin1/AppData/Roaming/PolarisOffice/ETemp/20872_11383232/fImage1464832441478.png"/>
+          <p:cNvPr id="12" name="그림 47" descr="C:/Users/Admin1/AppData/Roaming/PolarisOffice/ETemp/19732_10403440/fImage1464832441478.png"/>
           <p:cNvPicPr>
             <a:picLocks noChangeAspect="1"/>
           </p:cNvPicPr>
           <p:nvPr/>
         </p:nvPicPr>
         <p:blipFill rotWithShape="1">
-          <a:blip r:embed="rId5" cstate="print">
+          <a:blip r:embed="rId5" cstate="hqprint">
             <a:extLst>
               <a:ext uri="{28A0092B-C50C-407E-A947-70E740481C1C}">
-                <a14:useLocalDpi xmlns:a14="http://schemas.microsoft.com/office/drawing/2010/main" val="0"/>
+                <a14:useLocalDpi xmlns:a14="http://schemas.microsoft.com/office/drawing/2010/main"/>
               </a:ext>
             </a:extLst>
           </a:blip>
@@ -10134,7 +10093,7 @@
         <p:spPr>
           <a:xfrm rot="0">
             <a:off x="6823710" y="1376680"/>
-            <a:ext cx="4251960" cy="2875915"/>
+            <a:ext cx="4252595" cy="3303270"/>
           </a:xfrm>
           <a:prstGeom prst="roundRect"/>
           <a:solidFill>
@@ -10152,8 +10111,8 @@
         </p:nvSpPr>
         <p:spPr>
           <a:xfrm rot="0">
-            <a:off x="6823710" y="4454525"/>
-            <a:ext cx="4260850" cy="1443355"/>
+            <a:off x="6814820" y="4791710"/>
+            <a:ext cx="4261485" cy="1443990"/>
           </a:xfrm>
           <a:prstGeom prst="rect"/>
           <a:noFill/>

--- a/Assets/Class/Raycast/PPT Data/RayCast Example.pptx
+++ b/Assets/Class/Raycast/PPT Data/RayCast Example.pptx
@@ -2,20 +2,20 @@
 <file path=ppt/presentation.xml><?xml version="1.0" encoding="utf-8"?>
 <p:presentation xmlns:a="http://schemas.openxmlformats.org/drawingml/2006/main" xmlns:r="http://schemas.openxmlformats.org/officeDocument/2006/relationships" xmlns:p="http://schemas.openxmlformats.org/presentationml/2006/main" xmlns:p14="http://schemas.microsoft.com/office/powerpoint/2010/main" saveSubsetFonts="1" firstSlideNum="0">
   <p:sldMasterIdLst>
-    <p:sldMasterId id="2147485854" r:id="rId12"/>
+    <p:sldMasterId id="2147485856" r:id="rId12"/>
   </p:sldMasterIdLst>
   <p:notesMasterIdLst>
     <p:notesMasterId r:id="rId14"/>
   </p:notesMasterIdLst>
   <p:sldIdLst>
     <p:sldId id="287" r:id="rId16"/>
-    <p:sldId id="294" r:id="rId18"/>
-    <p:sldId id="295" r:id="rId20"/>
-    <p:sldId id="290" r:id="rId22"/>
-    <p:sldId id="296" r:id="rId24"/>
+    <p:sldId id="294" r:id="rId17"/>
+    <p:sldId id="295" r:id="rId19"/>
+    <p:sldId id="290" r:id="rId21"/>
+    <p:sldId id="296" r:id="rId23"/>
     <p:sldId id="291" r:id="rId25"/>
-    <p:sldId id="299" r:id="rId26"/>
-    <p:sldId id="300" r:id="rId28"/>
+    <p:sldId id="299" r:id="rId27"/>
+    <p:sldId id="300" r:id="rId29"/>
   </p:sldIdLst>
   <p:sldSz cx="12192000" cy="6858000"/>
   <p:notesSz cx="6858000" cy="9144000"/>
@@ -6613,7 +6613,7 @@
         <p:spPr>
           <a:xfrm rot="0">
             <a:off x="6833870" y="5248275"/>
-            <a:ext cx="4155440" cy="954405"/>
+            <a:ext cx="4055745" cy="954405"/>
           </a:xfrm>
           <a:prstGeom prst="rect"/>
           <a:noFill/>
@@ -6640,23 +6640,17 @@
                 <a:latin typeface="맑은 고딕" charset="0"/>
                 <a:ea typeface="맑은 고딕" charset="0"/>
               </a:rPr>
-              <a:t>2</a:t>
-            </a:r>
-            <a:r>
-              <a:rPr lang="ko-KR" sz="2000" b="1">
-                <a:solidFill>
-                  <a:srgbClr val="0611F2"/>
-                </a:solidFill>
-                <a:latin typeface="맑은 고딕" charset="0"/>
-                <a:ea typeface="맑은 고딕" charset="0"/>
-              </a:rPr>
-              <a:t>.</a:t>
-            </a:r>
-            <a:r>
-              <a:rPr lang="ko-KR" sz="2000" b="1">
-                <a:solidFill>
-                  <a:srgbClr val="0611F2"/>
-                </a:solidFill>
+              <a:t>2. </a:t>
+            </a:r>
+            <a:r>
+              <a:rPr lang="ko-KR" sz="1800">
+                <a:latin typeface="맑은 고딕" charset="0"/>
+                <a:ea typeface="맑은 고딕" charset="0"/>
+              </a:rPr>
+              <a:t>그리고</a:t>
+            </a:r>
+            <a:r>
+              <a:rPr lang="ko-KR" sz="1800">
                 <a:latin typeface="맑은 고딕" charset="0"/>
                 <a:ea typeface="맑은 고딕" charset="0"/>
               </a:rPr>
@@ -6667,21 +6661,35 @@
                 <a:latin typeface="맑은 고딕" charset="0"/>
                 <a:ea typeface="맑은 고딕" charset="0"/>
               </a:rPr>
-              <a:t>그리고 U</a:t>
+              <a:t>UI에서 Button</a:t>
             </a:r>
             <a:r>
               <a:rPr lang="ko-KR" sz="1800">
                 <a:latin typeface="맑은 고딕" charset="0"/>
                 <a:ea typeface="맑은 고딕" charset="0"/>
               </a:rPr>
-              <a:t>I에서 Button 2개를 생성</a:t>
+              <a:t>을 </a:t>
             </a:r>
             <a:r>
               <a:rPr lang="ko-KR" sz="1800">
                 <a:latin typeface="맑은 고딕" charset="0"/>
                 <a:ea typeface="맑은 고딕" charset="0"/>
               </a:rPr>
-              <a:t>한 다음 Saving이라는 이름과 Withdrawal 이름으로 정의합니다.</a:t>
+              <a:t>생성한 다음 </a:t>
+            </a:r>
+            <a:r>
+              <a:rPr lang="ko-KR" sz="1800">
+                <a:latin typeface="맑은 고딕" charset="0"/>
+                <a:ea typeface="맑은 고딕" charset="0"/>
+              </a:rPr>
+              <a:t>Shop Button</a:t>
+            </a:r>
+            <a:r>
+              <a:rPr lang="ko-KR" sz="1800">
+                <a:latin typeface="맑은 고딕" charset="0"/>
+                <a:ea typeface="맑은 고딕" charset="0"/>
+              </a:rPr>
+              <a:t>이라는 이름으로 정의합니다.</a:t>
             </a:r>
             <a:endParaRPr lang="ko-KR" altLang="en-US" sz="1800">
               <a:latin typeface="맑은 고딕" charset="0"/>
@@ -6942,13 +6950,14 @@
           <p:cNvPr id="1130" name="도형 361"/>
           <p:cNvCxnSpPr>
             <a:stCxn id="1128" idx="0"/>
+            <a:endCxn id="1133" idx="2"/>
           </p:cNvCxnSpPr>
           <p:nvPr/>
         </p:nvCxnSpPr>
         <p:spPr>
           <a:xfrm rot="0" flipV="1">
-            <a:off x="4745355" y="2678430"/>
-            <a:ext cx="1270" cy="446405"/>
+            <a:off x="4745990" y="2698750"/>
+            <a:ext cx="635" cy="426085"/>
           </a:xfrm>
           <a:prstGeom prst="straightConnector1"/>
           <a:ln w="19050" cap="flat" cmpd="sng">
@@ -6973,14 +6982,14 @@
       </p:cxnSp>
       <p:pic>
         <p:nvPicPr>
-          <p:cNvPr id="1131" name="그림 5"/>
+          <p:cNvPr id="1132" name="그림 1" descr="C:/Users/Admin1/AppData/Roaming/PolarisOffice/ETemp/21900_18723336/fImage594613941.png"/>
           <p:cNvPicPr>
             <a:picLocks noChangeAspect="1"/>
           </p:cNvPicPr>
           <p:nvPr/>
         </p:nvPicPr>
         <p:blipFill rotWithShape="1">
-          <a:blip r:embed="rId21" cstate="print">
+          <a:blip r:embed="rId23" cstate="print">
             <a:extLst>
               <a:ext uri="{28A0092B-C50C-407E-A947-70E740481C1C}">
                 <a14:useLocalDpi xmlns:a14="http://schemas.microsoft.com/office/drawing/2010/main" val="0"/>
@@ -6993,8 +7002,8 @@
         </p:blipFill>
         <p:spPr>
           <a:xfrm rot="0">
-            <a:off x="4154805" y="1414780"/>
-            <a:ext cx="1183640" cy="1264285"/>
+            <a:off x="9536430" y="2075815"/>
+            <a:ext cx="1353185" cy="2067560"/>
           </a:xfrm>
           <a:prstGeom prst="roundRect"/>
           <a:solidFill>
@@ -7004,14 +7013,14 @@
       </p:pic>
       <p:pic>
         <p:nvPicPr>
-          <p:cNvPr id="1132" name="그림 10"/>
+          <p:cNvPr id="1133" name="그림 4" descr="C:/Users/Admin1/AppData/Roaming/PolarisOffice/ETemp/21900_18723336/fImage41061408467.png"/>
           <p:cNvPicPr>
             <a:picLocks noChangeAspect="1"/>
           </p:cNvPicPr>
           <p:nvPr/>
         </p:nvPicPr>
         <p:blipFill rotWithShape="1">
-          <a:blip r:embed="rId22" cstate="print">
+          <a:blip r:embed="rId24" cstate="print">
             <a:extLst>
               <a:ext uri="{28A0092B-C50C-407E-A947-70E740481C1C}">
                 <a14:useLocalDpi xmlns:a14="http://schemas.microsoft.com/office/drawing/2010/main" val="0"/>
@@ -7024,8 +7033,8 @@
         </p:blipFill>
         <p:spPr>
           <a:xfrm rot="0">
-            <a:off x="9704705" y="1951355"/>
-            <a:ext cx="1287780" cy="2355850"/>
+            <a:off x="4055745" y="1392555"/>
+            <a:ext cx="1381760" cy="1306830"/>
           </a:xfrm>
           <a:prstGeom prst="roundRect"/>
           <a:solidFill>

--- a/Assets/Class/Raycast/PPT Data/RayCast Example.pptx
+++ b/Assets/Class/Raycast/PPT Data/RayCast Example.pptx
@@ -2,7 +2,7 @@
 <file path=ppt/presentation.xml><?xml version="1.0" encoding="utf-8"?>
 <p:presentation xmlns:a="http://schemas.openxmlformats.org/drawingml/2006/main" xmlns:r="http://schemas.openxmlformats.org/officeDocument/2006/relationships" xmlns:p="http://schemas.openxmlformats.org/presentationml/2006/main" xmlns:p14="http://schemas.microsoft.com/office/powerpoint/2010/main" saveSubsetFonts="1" firstSlideNum="0">
   <p:sldMasterIdLst>
-    <p:sldMasterId id="2147485856" r:id="rId12"/>
+    <p:sldMasterId id="2147485886" r:id="rId12"/>
   </p:sldMasterIdLst>
   <p:notesMasterIdLst>
     <p:notesMasterId r:id="rId14"/>
@@ -10,12 +10,14 @@
   <p:sldIdLst>
     <p:sldId id="287" r:id="rId16"/>
     <p:sldId id="294" r:id="rId17"/>
-    <p:sldId id="295" r:id="rId19"/>
-    <p:sldId id="290" r:id="rId21"/>
-    <p:sldId id="296" r:id="rId23"/>
-    <p:sldId id="291" r:id="rId25"/>
-    <p:sldId id="299" r:id="rId27"/>
-    <p:sldId id="300" r:id="rId29"/>
+    <p:sldId id="295" r:id="rId18"/>
+    <p:sldId id="296" r:id="rId19"/>
+    <p:sldId id="290" r:id="rId20"/>
+    <p:sldId id="291" r:id="rId21"/>
+    <p:sldId id="299" r:id="rId22"/>
+    <p:sldId id="300" r:id="rId23"/>
+    <p:sldId id="302" r:id="rId24"/>
+    <p:sldId id="301" r:id="rId25"/>
   </p:sldIdLst>
   <p:sldSz cx="12192000" cy="6858000"/>
   <p:notesSz cx="6858000" cy="9144000"/>
@@ -616,6 +618,148 @@
 </p:notes>
 </file>
 
+<file path=ppt/notesSlides/notesSlide10.xml><?xml version="1.0" encoding="utf-8"?>
+<p:notes xmlns:a="http://schemas.openxmlformats.org/drawingml/2006/main" xmlns:r="http://schemas.openxmlformats.org/officeDocument/2006/relationships" xmlns:p="http://schemas.openxmlformats.org/presentationml/2006/main">
+  <p:cSld>
+    <p:spTree>
+      <p:nvGrpSpPr>
+        <p:cNvPr id="1" name=""/>
+        <p:cNvGrpSpPr/>
+        <p:nvPr/>
+      </p:nvGrpSpPr>
+      <p:grpSpPr>
+        <a:xfrm>
+          <a:off x="0" y="0"/>
+          <a:ext cx="0" cy="0"/>
+          <a:chOff x="0" y="0"/>
+          <a:chExt cx="0" cy="0"/>
+        </a:xfrm>
+      </p:grpSpPr>
+      <p:sp>
+        <p:nvSpPr>
+          <p:cNvPr id="2" name="슬라이드 이미지 개체 틀 3"/>
+          <p:cNvSpPr>
+            <a:spLocks noChangeAspect="1"/>
+          </p:cNvSpPr>
+          <p:nvPr>
+            <p:ph type="sldImg" idx="2"/>
+          </p:nvPr>
+        </p:nvSpPr>
+        <p:spPr>
+          <a:xfrm rot="0">
+            <a:off x="685800" y="1143000"/>
+            <a:ext cx="5492115" cy="3091815"/>
+          </a:xfrm>
+          <a:prstGeom prst="rect"/>
+          <a:noFill/>
+          <a:ln w="12700" cap="flat" cmpd="sng">
+            <a:solidFill>
+              <a:srgbClr val="000000">
+                <a:alpha val="100000"/>
+              </a:srgbClr>
+            </a:solidFill>
+            <a:prstDash val="solid"/>
+          </a:ln>
+        </p:spPr>
+        <p:txBody>
+          <a:bodyPr wrap="square" lIns="91440" tIns="45720" rIns="91440" bIns="45720" numCol="1" vert="horz" anchor="ctr">
+            <a:noAutofit/>
+          </a:bodyPr>
+          <a:lstStyle/>
+          <a:p>
+            <a:pPr marL="0" indent="0" latinLnBrk="0">
+              <a:buFontTx/>
+              <a:buNone/>
+            </a:pPr>
+          </a:p>
+        </p:txBody>
+      </p:sp>
+      <p:sp>
+        <p:nvSpPr>
+          <p:cNvPr id="3" name="슬라이드 노트 개체 틀 4"/>
+          <p:cNvSpPr txBox="1">
+            <a:spLocks/>
+          </p:cNvSpPr>
+          <p:nvPr>
+            <p:ph type="body" idx="3"/>
+          </p:nvPr>
+        </p:nvSpPr>
+        <p:spPr>
+          <a:xfrm rot="0">
+            <a:off x="685800" y="4400550"/>
+            <a:ext cx="5492115" cy="3606165"/>
+          </a:xfrm>
+          <a:prstGeom prst="rect"/>
+        </p:spPr>
+        <p:txBody>
+          <a:bodyPr wrap="square" lIns="91440" tIns="45720" rIns="91440" bIns="45720" numCol="1" vert="horz" anchor="t">
+            <a:noAutofit/>
+          </a:bodyPr>
+          <a:lstStyle/>
+          <a:p>
+            <a:pPr marL="0" indent="0" latinLnBrk="0">
+              <a:buFontTx/>
+              <a:buNone/>
+            </a:pPr>
+          </a:p>
+        </p:txBody>
+      </p:sp>
+      <p:sp>
+        <p:nvSpPr>
+          <p:cNvPr id="4" name="슬라이드 번호 개체 틀 6"/>
+          <p:cNvSpPr txBox="1">
+            <a:spLocks/>
+          </p:cNvSpPr>
+          <p:nvPr>
+            <p:ph type="sldNum" idx="5"/>
+          </p:nvPr>
+        </p:nvSpPr>
+        <p:spPr>
+          <a:xfrm rot="0">
+            <a:off x="3884930" y="8685530"/>
+            <a:ext cx="2977515" cy="464185"/>
+          </a:xfrm>
+          <a:prstGeom prst="rect"/>
+        </p:spPr>
+        <p:txBody>
+          <a:bodyPr wrap="square" lIns="91440" tIns="45720" rIns="91440" bIns="45720" numCol="1" vert="horz" anchor="b">
+            <a:noAutofit/>
+          </a:bodyPr>
+          <a:lstStyle>
+            <a:lvl1pPr marL="0" indent="0" algn="r" latinLnBrk="0">
+              <a:buFontTx/>
+              <a:buNone/>
+              <a:defRPr lang="en-GB" altLang="en-US" sz="1200"/>
+            </a:lvl1pPr>
+          </a:lstStyle>
+          <a:p>
+            <a:pPr marL="0" indent="0" latinLnBrk="0">
+              <a:buFontTx/>
+              <a:buNone/>
+            </a:pPr>
+            <a:fld id="{B9320F77-B9A0-41C5-862A-B4B631284C64}" type="slidenum">
+              <a:rPr lang="ko-KR" altLang="en-US"/>
+              <a:t>‹#›</a:t>
+            </a:fld>
+          </a:p>
+        </p:txBody>
+      </p:sp>
+    </p:spTree>
+  </p:cSld>
+  <p:clrMapOvr>
+    <a:masterClrMapping/>
+  </p:clrMapOvr>
+  <mc:AlternateContent xmlns:mc="http://schemas.openxmlformats.org/markup-compatibility/2006">
+    <mc:Choice xmlns:p14="http://schemas.microsoft.com/office/powerpoint/2010/main" Requires="p14">
+      <p:transition spd="slow" p14:dur="0"/>
+    </mc:Choice>
+    <mc:Fallback>
+      <p:transition spd="slow"/>
+    </mc:Fallback>
+  </mc:AlternateContent>
+</p:notes>
+</file>
+
 <file path=ppt/notesSlides/notesSlide2.xml><?xml version="1.0" encoding="utf-8"?>
 <p:notes xmlns:a="http://schemas.openxmlformats.org/drawingml/2006/main" xmlns:r="http://schemas.openxmlformats.org/officeDocument/2006/relationships" xmlns:p="http://schemas.openxmlformats.org/presentationml/2006/main">
   <p:cSld>
@@ -930,7 +1074,7 @@
         <p:spPr>
           <a:xfrm rot="0">
             <a:off x="685800" y="1143000"/>
-            <a:ext cx="5489575" cy="3089275"/>
+            <a:ext cx="5490210" cy="3089910"/>
           </a:xfrm>
           <a:prstGeom prst="rect"/>
           <a:noFill/>
@@ -969,7 +1113,7 @@
         <p:spPr>
           <a:xfrm rot="0">
             <a:off x="685800" y="4400550"/>
-            <a:ext cx="5489575" cy="3603625"/>
+            <a:ext cx="5490210" cy="3604260"/>
           </a:xfrm>
           <a:prstGeom prst="rect"/>
         </p:spPr>
@@ -999,7 +1143,7 @@
         <p:spPr>
           <a:xfrm rot="0">
             <a:off x="3884930" y="8685530"/>
-            <a:ext cx="2974975" cy="461645"/>
+            <a:ext cx="2975610" cy="462280"/>
           </a:xfrm>
           <a:prstGeom prst="rect"/>
         </p:spPr>
@@ -1072,7 +1216,7 @@
         <p:spPr>
           <a:xfrm rot="0">
             <a:off x="685800" y="1143000"/>
-            <a:ext cx="5490210" cy="3089910"/>
+            <a:ext cx="5489575" cy="3089275"/>
           </a:xfrm>
           <a:prstGeom prst="rect"/>
           <a:noFill/>
@@ -1111,7 +1255,7 @@
         <p:spPr>
           <a:xfrm rot="0">
             <a:off x="685800" y="4400550"/>
-            <a:ext cx="5490210" cy="3604260"/>
+            <a:ext cx="5489575" cy="3603625"/>
           </a:xfrm>
           <a:prstGeom prst="rect"/>
         </p:spPr>
@@ -1141,7 +1285,7 @@
         <p:spPr>
           <a:xfrm rot="0">
             <a:off x="3884930" y="8685530"/>
-            <a:ext cx="2975610" cy="462280"/>
+            <a:ext cx="2974975" cy="461645"/>
           </a:xfrm>
           <a:prstGeom prst="rect"/>
         </p:spPr>
@@ -1568,6 +1712,148 @@
           <a:xfrm rot="0">
             <a:off x="3884930" y="8685530"/>
             <a:ext cx="2976880" cy="463550"/>
+          </a:xfrm>
+          <a:prstGeom prst="rect"/>
+        </p:spPr>
+        <p:txBody>
+          <a:bodyPr wrap="square" lIns="91440" tIns="45720" rIns="91440" bIns="45720" numCol="1" vert="horz" anchor="b">
+            <a:noAutofit/>
+          </a:bodyPr>
+          <a:lstStyle>
+            <a:lvl1pPr marL="0" indent="0" algn="r" latinLnBrk="0">
+              <a:buFontTx/>
+              <a:buNone/>
+              <a:defRPr lang="en-GB" altLang="en-US" sz="1200"/>
+            </a:lvl1pPr>
+          </a:lstStyle>
+          <a:p>
+            <a:pPr marL="0" indent="0" latinLnBrk="0">
+              <a:buFontTx/>
+              <a:buNone/>
+            </a:pPr>
+            <a:fld id="{B9320F77-B9A0-41C5-862A-B4B631284C64}" type="slidenum">
+              <a:rPr lang="ko-KR" altLang="en-US"/>
+              <a:t>‹#›</a:t>
+            </a:fld>
+          </a:p>
+        </p:txBody>
+      </p:sp>
+    </p:spTree>
+  </p:cSld>
+  <p:clrMapOvr>
+    <a:masterClrMapping/>
+  </p:clrMapOvr>
+  <mc:AlternateContent xmlns:mc="http://schemas.openxmlformats.org/markup-compatibility/2006">
+    <mc:Choice xmlns:p14="http://schemas.microsoft.com/office/powerpoint/2010/main" Requires="p14">
+      <p:transition spd="slow" p14:dur="0"/>
+    </mc:Choice>
+    <mc:Fallback>
+      <p:transition spd="slow"/>
+    </mc:Fallback>
+  </mc:AlternateContent>
+</p:notes>
+</file>
+
+<file path=ppt/notesSlides/notesSlide9.xml><?xml version="1.0" encoding="utf-8"?>
+<p:notes xmlns:a="http://schemas.openxmlformats.org/drawingml/2006/main" xmlns:r="http://schemas.openxmlformats.org/officeDocument/2006/relationships" xmlns:p="http://schemas.openxmlformats.org/presentationml/2006/main">
+  <p:cSld>
+    <p:spTree>
+      <p:nvGrpSpPr>
+        <p:cNvPr id="1" name=""/>
+        <p:cNvGrpSpPr/>
+        <p:nvPr/>
+      </p:nvGrpSpPr>
+      <p:grpSpPr>
+        <a:xfrm>
+          <a:off x="0" y="0"/>
+          <a:ext cx="0" cy="0"/>
+          <a:chOff x="0" y="0"/>
+          <a:chExt cx="0" cy="0"/>
+        </a:xfrm>
+      </p:grpSpPr>
+      <p:sp>
+        <p:nvSpPr>
+          <p:cNvPr id="2" name="슬라이드 이미지 개체 틀 3"/>
+          <p:cNvSpPr>
+            <a:spLocks noChangeAspect="1"/>
+          </p:cNvSpPr>
+          <p:nvPr>
+            <p:ph type="sldImg" idx="2"/>
+          </p:nvPr>
+        </p:nvSpPr>
+        <p:spPr>
+          <a:xfrm rot="0">
+            <a:off x="685800" y="1143000"/>
+            <a:ext cx="5492115" cy="3091815"/>
+          </a:xfrm>
+          <a:prstGeom prst="rect"/>
+          <a:noFill/>
+          <a:ln w="12700" cap="flat" cmpd="sng">
+            <a:solidFill>
+              <a:srgbClr val="000000">
+                <a:alpha val="100000"/>
+              </a:srgbClr>
+            </a:solidFill>
+            <a:prstDash val="solid"/>
+          </a:ln>
+        </p:spPr>
+        <p:txBody>
+          <a:bodyPr wrap="square" lIns="91440" tIns="45720" rIns="91440" bIns="45720" numCol="1" vert="horz" anchor="ctr">
+            <a:noAutofit/>
+          </a:bodyPr>
+          <a:lstStyle/>
+          <a:p>
+            <a:pPr marL="0" indent="0" latinLnBrk="0">
+              <a:buFontTx/>
+              <a:buNone/>
+            </a:pPr>
+          </a:p>
+        </p:txBody>
+      </p:sp>
+      <p:sp>
+        <p:nvSpPr>
+          <p:cNvPr id="3" name="슬라이드 노트 개체 틀 4"/>
+          <p:cNvSpPr txBox="1">
+            <a:spLocks/>
+          </p:cNvSpPr>
+          <p:nvPr>
+            <p:ph type="body" idx="3"/>
+          </p:nvPr>
+        </p:nvSpPr>
+        <p:spPr>
+          <a:xfrm rot="0">
+            <a:off x="685800" y="4400550"/>
+            <a:ext cx="5492115" cy="3606165"/>
+          </a:xfrm>
+          <a:prstGeom prst="rect"/>
+        </p:spPr>
+        <p:txBody>
+          <a:bodyPr wrap="square" lIns="91440" tIns="45720" rIns="91440" bIns="45720" numCol="1" vert="horz" anchor="t">
+            <a:noAutofit/>
+          </a:bodyPr>
+          <a:lstStyle/>
+          <a:p>
+            <a:pPr marL="0" indent="0" latinLnBrk="0">
+              <a:buFontTx/>
+              <a:buNone/>
+            </a:pPr>
+          </a:p>
+        </p:txBody>
+      </p:sp>
+      <p:sp>
+        <p:nvSpPr>
+          <p:cNvPr id="4" name="슬라이드 번호 개체 틀 6"/>
+          <p:cNvSpPr txBox="1">
+            <a:spLocks/>
+          </p:cNvSpPr>
+          <p:nvPr>
+            <p:ph type="sldNum" idx="5"/>
+          </p:nvPr>
+        </p:nvSpPr>
+        <p:spPr>
+          <a:xfrm rot="0">
+            <a:off x="3884930" y="8685530"/>
+            <a:ext cx="2977515" cy="464185"/>
           </a:xfrm>
           <a:prstGeom prst="rect"/>
         </p:spPr>
@@ -6982,7 +7268,7 @@
       </p:cxnSp>
       <p:pic>
         <p:nvPicPr>
-          <p:cNvPr id="1132" name="그림 1" descr="C:/Users/Admin1/AppData/Roaming/PolarisOffice/ETemp/21900_18723336/fImage594613941.png"/>
+          <p:cNvPr id="1132" name="그림 1"/>
           <p:cNvPicPr>
             <a:picLocks noChangeAspect="1"/>
           </p:cNvPicPr>
@@ -7013,7 +7299,7 @@
       </p:pic>
       <p:pic>
         <p:nvPicPr>
-          <p:cNvPr id="1133" name="그림 4" descr="C:/Users/Admin1/AppData/Roaming/PolarisOffice/ETemp/21900_18723336/fImage41061408467.png"/>
+          <p:cNvPr id="1133" name="그림 4"/>
           <p:cNvPicPr>
             <a:picLocks noChangeAspect="1"/>
           </p:cNvPicPr>
@@ -7035,6 +7321,288 @@
           <a:xfrm rot="0">
             <a:off x="4055745" y="1392555"/>
             <a:ext cx="1381760" cy="1306830"/>
+          </a:xfrm>
+          <a:prstGeom prst="roundRect"/>
+          <a:solidFill>
+            <a:srgbClr val="EDEDED"/>
+          </a:solidFill>
+        </p:spPr>
+      </p:pic>
+    </p:spTree>
+  </p:cSld>
+  <p:clrMapOvr>
+    <a:masterClrMapping/>
+  </p:clrMapOvr>
+  <mc:AlternateContent xmlns:mc="http://schemas.openxmlformats.org/markup-compatibility/2006">
+    <mc:Choice xmlns:p14="http://schemas.microsoft.com/office/powerpoint/2010/main" Requires="p14">
+      <p:transition spd="slow" p14:dur="2000"/>
+    </mc:Choice>
+    <mc:Fallback>
+      <p:transition spd="slow"/>
+    </mc:Fallback>
+  </mc:AlternateContent>
+  <p:timing>
+    <p:tnLst>
+      <p:par>
+        <p:cTn id="1" dur="indefinite" restart="never" nodeType="tmRoot"/>
+      </p:par>
+    </p:tnLst>
+  </p:timing>
+</p:sld>
+</file>
+
+<file path=ppt/slides/slide10.xml><?xml version="1.0" encoding="utf-8"?>
+<p:sld xmlns:a="http://schemas.openxmlformats.org/drawingml/2006/main" xmlns:r="http://schemas.openxmlformats.org/officeDocument/2006/relationships" xmlns:p="http://schemas.openxmlformats.org/presentationml/2006/main">
+  <p:cSld>
+    <p:spTree>
+      <p:nvGrpSpPr>
+        <p:cNvPr id="1" name=""/>
+        <p:cNvGrpSpPr/>
+        <p:nvPr/>
+      </p:nvGrpSpPr>
+      <p:grpSpPr>
+        <a:xfrm>
+          <a:off x="0" y="0"/>
+          <a:ext cx="0" cy="0"/>
+          <a:chOff x="0" y="0"/>
+          <a:chExt cx="0" cy="0"/>
+        </a:xfrm>
+      </p:grpSpPr>
+      <p:sp>
+        <p:nvSpPr>
+          <p:cNvPr id="5" name="Rect 0"/>
+          <p:cNvSpPr txBox="1">
+            <a:spLocks/>
+          </p:cNvSpPr>
+          <p:nvPr/>
+        </p:nvSpPr>
+        <p:spPr>
+          <a:xfrm rot="0">
+            <a:off x="4485005" y="403860"/>
+            <a:ext cx="3230880" cy="554990"/>
+          </a:xfrm>
+          <a:prstGeom prst="rect"/>
+          <a:noFill/>
+          <a:ln w="0">
+            <a:noFill/>
+            <a:prstDash/>
+          </a:ln>
+        </p:spPr>
+        <p:txBody>
+          <a:bodyPr wrap="square" lIns="89535" tIns="46355" rIns="89535" bIns="46355" numCol="1" vert="horz" anchor="t">
+            <a:spAutoFit/>
+          </a:bodyPr>
+          <a:lstStyle/>
+          <a:p>
+            <a:pPr marL="0" indent="0" algn="l" latinLnBrk="0">
+              <a:buFontTx/>
+              <a:buNone/>
+            </a:pPr>
+            <a:r>
+              <a:rPr lang="ko-KR" altLang="en-US" sz="3000" b="1">
+                <a:solidFill>
+                  <a:schemeClr val="tx1"/>
+                </a:solidFill>
+                <a:latin typeface="맑은 고딕" charset="0"/>
+                <a:ea typeface="맑은 고딕" charset="0"/>
+              </a:rPr>
+              <a:t>열</a:t>
+            </a:r>
+            <a:r>
+              <a:rPr lang="ko-KR" altLang="en-US" sz="3000" b="1">
+                <a:solidFill>
+                  <a:schemeClr val="tx1"/>
+                </a:solidFill>
+                <a:latin typeface="맑은 고딕" charset="0"/>
+                <a:ea typeface="맑은 고딕" charset="0"/>
+              </a:rPr>
+              <a:t> 번째 튜토리얼</a:t>
+            </a:r>
+            <a:endParaRPr lang="ko-KR" altLang="en-US" sz="3000" b="1">
+              <a:solidFill>
+                <a:schemeClr val="tx1"/>
+              </a:solidFill>
+              <a:latin typeface="맑은 고딕" charset="0"/>
+              <a:ea typeface="맑은 고딕" charset="0"/>
+            </a:endParaRPr>
+          </a:p>
+        </p:txBody>
+      </p:sp>
+      <p:sp>
+        <p:nvSpPr>
+          <p:cNvPr id="7" name="Rect 0"/>
+          <p:cNvSpPr txBox="1">
+            <a:spLocks/>
+          </p:cNvSpPr>
+          <p:nvPr/>
+        </p:nvSpPr>
+        <p:spPr>
+          <a:xfrm rot="0">
+            <a:off x="1334135" y="3007360"/>
+            <a:ext cx="4054475" cy="673735"/>
+          </a:xfrm>
+          <a:prstGeom prst="rect"/>
+          <a:noFill/>
+        </p:spPr>
+        <p:txBody>
+          <a:bodyPr wrap="square" lIns="0" tIns="0" rIns="0" bIns="0" numCol="1" vert="horz" anchor="t">
+            <a:noAutofit/>
+          </a:bodyPr>
+          <a:lstStyle/>
+          <a:p>
+            <a:pPr marL="0" indent="0" algn="l" latinLnBrk="0" hangingPunct="1">
+              <a:buFontTx/>
+              <a:buNone/>
+            </a:pPr>
+            <a:r>
+              <a:rPr lang="ko-KR" sz="2000" b="1">
+                <a:solidFill>
+                  <a:srgbClr val="0611F2"/>
+                </a:solidFill>
+                <a:latin typeface="맑은 고딕" charset="0"/>
+                <a:ea typeface="맑은 고딕" charset="0"/>
+              </a:rPr>
+              <a:t>21</a:t>
+            </a:r>
+            <a:r>
+              <a:rPr lang="ko-KR" sz="2000" b="1">
+                <a:solidFill>
+                  <a:srgbClr val="0611F2"/>
+                </a:solidFill>
+                <a:latin typeface="맑은 고딕" charset="0"/>
+                <a:ea typeface="맑은 고딕" charset="0"/>
+              </a:rPr>
+              <a:t>. </a:t>
+            </a:r>
+            <a:r>
+              <a:rPr lang="ko-KR" sz="1800">
+                <a:latin typeface="맑은 고딕" charset="0"/>
+                <a:ea typeface="맑은 고딕" charset="0"/>
+              </a:rPr>
+              <a:t>그런 다음 Window 오브젝트의 크기와 위치 그리고 앵커를 설정합니다.</a:t>
+            </a:r>
+            <a:endParaRPr lang="ko-KR" altLang="en-US" sz="1800">
+              <a:latin typeface="맑은 고딕" charset="0"/>
+              <a:ea typeface="맑은 고딕" charset="0"/>
+            </a:endParaRPr>
+          </a:p>
+        </p:txBody>
+      </p:sp>
+      <p:sp>
+        <p:nvSpPr>
+          <p:cNvPr id="11" name="Rect 0"/>
+          <p:cNvSpPr txBox="1">
+            <a:spLocks/>
+          </p:cNvSpPr>
+          <p:nvPr/>
+        </p:nvSpPr>
+        <p:spPr>
+          <a:xfrm rot="0">
+            <a:off x="1327785" y="5604510"/>
+            <a:ext cx="4060190" cy="673100"/>
+          </a:xfrm>
+          <a:prstGeom prst="rect"/>
+          <a:noFill/>
+        </p:spPr>
+        <p:txBody>
+          <a:bodyPr wrap="square" lIns="0" tIns="0" rIns="0" bIns="0" numCol="1" vert="horz" anchor="t">
+            <a:noAutofit/>
+          </a:bodyPr>
+          <a:lstStyle/>
+          <a:p>
+            <a:pPr marL="0" indent="0" algn="l" latinLnBrk="0" hangingPunct="1">
+              <a:buFontTx/>
+              <a:buNone/>
+            </a:pPr>
+            <a:r>
+              <a:rPr lang="ko-KR" sz="2000" b="1">
+                <a:solidFill>
+                  <a:srgbClr val="0611F2"/>
+                </a:solidFill>
+                <a:latin typeface="맑은 고딕" charset="0"/>
+                <a:ea typeface="맑은 고딕" charset="0"/>
+              </a:rPr>
+              <a:t>22</a:t>
+            </a:r>
+            <a:r>
+              <a:rPr lang="ko-KR" sz="2000" b="1">
+                <a:solidFill>
+                  <a:srgbClr val="0611F2"/>
+                </a:solidFill>
+                <a:latin typeface="맑은 고딕" charset="0"/>
+                <a:ea typeface="맑은 고딕" charset="0"/>
+              </a:rPr>
+              <a:t>. </a:t>
+            </a:r>
+            <a:r>
+              <a:rPr lang="ko-KR" sz="1800">
+                <a:latin typeface="맑은 고딕" charset="0"/>
+                <a:ea typeface="맑은 고딕" charset="0"/>
+              </a:rPr>
+              <a:t>그다음으로 Santa Hat의 위치와 크기 그리고 앵커를 설정합니다.</a:t>
+            </a:r>
+            <a:endParaRPr lang="ko-KR" altLang="en-US" sz="1800">
+              <a:latin typeface="맑은 고딕" charset="0"/>
+              <a:ea typeface="맑은 고딕" charset="0"/>
+            </a:endParaRPr>
+          </a:p>
+        </p:txBody>
+      </p:sp>
+      <p:pic>
+        <p:nvPicPr>
+          <p:cNvPr id="14" name="그림 83" descr="C:/Users/Admin1/AppData/Roaming/PolarisOffice/ETemp/19216_9281256/fImage130982585436.png"/>
+          <p:cNvPicPr>
+            <a:picLocks noChangeAspect="1"/>
+          </p:cNvPicPr>
+          <p:nvPr/>
+        </p:nvPicPr>
+        <p:blipFill rotWithShape="1">
+          <a:blip r:embed="rId2" cstate="print">
+            <a:extLst>
+              <a:ext uri="{28A0092B-C50C-407E-A947-70E740481C1C}">
+                <a14:useLocalDpi xmlns:a14="http://schemas.microsoft.com/office/drawing/2010/main" val="0"/>
+              </a:ext>
+            </a:extLst>
+          </a:blip>
+          <a:stretch>
+            <a:fillRect/>
+          </a:stretch>
+        </p:blipFill>
+        <p:spPr>
+          <a:xfrm rot="0">
+            <a:off x="1334135" y="1360805"/>
+            <a:ext cx="4054475" cy="1497330"/>
+          </a:xfrm>
+          <a:prstGeom prst="roundRect"/>
+          <a:solidFill>
+            <a:srgbClr val="EDEDED"/>
+          </a:solidFill>
+        </p:spPr>
+      </p:pic>
+      <p:pic>
+        <p:nvPicPr>
+          <p:cNvPr id="15" name="그림 100" descr="C:/Users/Admin1/AppData/Roaming/PolarisOffice/ETemp/19216_9281256/fImage120132802391.png"/>
+          <p:cNvPicPr>
+            <a:picLocks noChangeAspect="1"/>
+          </p:cNvPicPr>
+          <p:nvPr/>
+        </p:nvPicPr>
+        <p:blipFill rotWithShape="1">
+          <a:blip r:embed="rId3" cstate="print">
+            <a:extLst>
+              <a:ext uri="{28A0092B-C50C-407E-A947-70E740481C1C}">
+                <a14:useLocalDpi xmlns:a14="http://schemas.microsoft.com/office/drawing/2010/main" val="0"/>
+              </a:ext>
+            </a:extLst>
+          </a:blip>
+          <a:stretch>
+            <a:fillRect/>
+          </a:stretch>
+        </p:blipFill>
+        <p:spPr>
+          <a:xfrm rot="0">
+            <a:off x="1328420" y="3810000"/>
+            <a:ext cx="4063365" cy="1629410"/>
           </a:xfrm>
           <a:prstGeom prst="roundRect"/>
           <a:solidFill>
@@ -7151,9 +7719,9 @@
           <p:nvPr/>
         </p:nvSpPr>
         <p:spPr>
-          <a:xfrm>
-            <a:off x="1000125" y="1889760"/>
-            <a:ext cx="4344670" cy="677545"/>
+          <a:xfrm rot="0">
+            <a:off x="1228090" y="4155440"/>
+            <a:ext cx="4152265" cy="2061845"/>
           </a:xfrm>
           <a:prstGeom prst="rect"/>
           <a:noFill/>
@@ -7180,8 +7748,121 @@
                 <a:latin typeface="맑은 고딕" charset="0"/>
                 <a:ea typeface="맑은 고딕" charset="0"/>
               </a:rPr>
-              <a:t>3</a:t>
-            </a:r>
+              <a:t>3. </a:t>
+            </a:r>
+            <a:r>
+              <a:rPr lang="ko-KR" sz="1800">
+                <a:latin typeface="맑은 고딕" charset="0"/>
+                <a:ea typeface="맑은 고딕" charset="0"/>
+              </a:rPr>
+              <a:t>이제 </a:t>
+            </a:r>
+            <a:r>
+              <a:rPr lang="ko-KR" sz="1800">
+                <a:latin typeface="맑은 고딕" charset="0"/>
+                <a:ea typeface="맑은 고딕" charset="0"/>
+              </a:rPr>
+              <a:t>DataManager</a:t>
+            </a:r>
+            <a:r>
+              <a:rPr lang="ko-KR" sz="1800">
+                <a:latin typeface="맑은 고딕" charset="0"/>
+                <a:ea typeface="맑은 고딕" charset="0"/>
+              </a:rPr>
+              <a:t> </a:t>
+            </a:r>
+            <a:r>
+              <a:rPr lang="ko-KR" sz="1800">
+                <a:latin typeface="맑은 고딕" charset="0"/>
+                <a:ea typeface="맑은 고딕" charset="0"/>
+              </a:rPr>
+              <a:t>스크립트에서 </a:t>
+            </a:r>
+            <a:r>
+              <a:rPr lang="ko-KR" sz="1800">
+                <a:latin typeface="맑은 고딕" charset="0"/>
+                <a:ea typeface="맑은 고딕" charset="0"/>
+              </a:rPr>
+              <a:t>각각의 아이템 변수와 재화를 저장하기 위한 int</a:t>
+            </a:r>
+            <a:r>
+              <a:rPr lang="ko-KR" sz="1800">
+                <a:latin typeface="맑은 고딕" charset="0"/>
+                <a:ea typeface="맑은 고딕" charset="0"/>
+              </a:rPr>
+              <a:t> 변수를 선언</a:t>
+            </a:r>
+            <a:r>
+              <a:rPr lang="ko-KR" sz="1800">
+                <a:latin typeface="맑은 고딕" charset="0"/>
+                <a:ea typeface="맑은 고딕" charset="0"/>
+              </a:rPr>
+              <a:t>합니다.</a:t>
+            </a:r>
+            <a:endParaRPr lang="ko-KR" altLang="en-US" sz="1800">
+              <a:latin typeface="맑은 고딕" charset="0"/>
+              <a:ea typeface="맑은 고딕" charset="0"/>
+            </a:endParaRPr>
+          </a:p>
+          <a:p>
+            <a:pPr marL="0" indent="0" algn="l" latinLnBrk="0" hangingPunct="1">
+              <a:buFontTx/>
+              <a:buNone/>
+            </a:pPr>
+            <a:endParaRPr lang="ko-KR" altLang="en-US" sz="1800">
+              <a:latin typeface="맑은 고딕" charset="0"/>
+              <a:ea typeface="맑은 고딕" charset="0"/>
+            </a:endParaRPr>
+          </a:p>
+          <a:p>
+            <a:pPr marL="0" indent="0" algn="l" latinLnBrk="0" hangingPunct="1">
+              <a:buFontTx/>
+              <a:buNone/>
+            </a:pPr>
+            <a:r>
+              <a:rPr lang="ko-KR" sz="1800">
+                <a:latin typeface="맑은 고딕" charset="0"/>
+                <a:ea typeface="맑은 고딕" charset="0"/>
+              </a:rPr>
+              <a:t>그런 다음 DataManager를 하나의 인스턴스로 어디에서든지 접근하기 위해 static 객체로 선언합니다.</a:t>
+            </a:r>
+            <a:endParaRPr lang="ko-KR" altLang="en-US" sz="1800">
+              <a:latin typeface="맑은 고딕" charset="0"/>
+              <a:ea typeface="맑은 고딕" charset="0"/>
+            </a:endParaRPr>
+          </a:p>
+        </p:txBody>
+      </p:sp>
+      <p:sp>
+        <p:nvSpPr>
+          <p:cNvPr id="1132" name="텍스트 상자 378"/>
+          <p:cNvSpPr txBox="1">
+            <a:spLocks/>
+          </p:cNvSpPr>
+          <p:nvPr/>
+        </p:nvSpPr>
+        <p:spPr>
+          <a:xfrm rot="0">
+            <a:off x="6817360" y="2733040"/>
+            <a:ext cx="4124325" cy="954405"/>
+          </a:xfrm>
+          <a:prstGeom prst="rect"/>
+          <a:noFill/>
+          <a:ln w="0">
+            <a:noFill/>
+            <a:prstDash/>
+          </a:ln>
+        </p:spPr>
+        <p:txBody>
+          <a:bodyPr wrap="square" lIns="89535" tIns="46355" rIns="89535" bIns="46355" numCol="1" vert="horz" anchor="t">
+            <a:spAutoFit/>
+          </a:bodyPr>
+          <a:lstStyle/>
+          <a:p>
+            <a:pPr marL="0" indent="0" algn="l" latinLnBrk="0" hangingPunct="1">
+              <a:buFontTx/>
+              <a:buNone/>
+            </a:pPr>
             <a:r>
               <a:rPr lang="ko-KR" sz="2000" b="1">
                 <a:solidFill>
@@ -7190,6 +7871,16 @@
                 <a:latin typeface="맑은 고딕" charset="0"/>
                 <a:ea typeface="맑은 고딕" charset="0"/>
               </a:rPr>
+              <a:t>4</a:t>
+            </a:r>
+            <a:r>
+              <a:rPr lang="ko-KR" sz="2000" b="1">
+                <a:solidFill>
+                  <a:srgbClr val="0611F2"/>
+                </a:solidFill>
+                <a:latin typeface="맑은 고딕" charset="0"/>
+                <a:ea typeface="맑은 고딕" charset="0"/>
+              </a:rPr>
               <a:t>. </a:t>
             </a:r>
             <a:r>
@@ -7197,14 +7888,21 @@
                 <a:latin typeface="맑은 고딕" charset="0"/>
                 <a:ea typeface="맑은 고딕" charset="0"/>
               </a:rPr>
-              <a:t>그런 다음 D</a:t>
+              <a:t>그</a:t>
             </a:r>
             <a:r>
               <a:rPr lang="ko-KR" sz="1800">
                 <a:latin typeface="맑은 고딕" charset="0"/>
                 <a:ea typeface="맑은 고딕" charset="0"/>
               </a:rPr>
-              <a:t>ataManager스크립트에서 money라는 변수를 선언합니다.</a:t>
+              <a:t>리고 SaveData( ) 함수를 선언하고 PlayerPrefs로 데이터를 저장하도록 설정합니다. </a:t>
+            </a:r>
+            <a:r>
+              <a:rPr lang="ko-KR" sz="1800">
+                <a:latin typeface="맑은 고딕" charset="0"/>
+                <a:ea typeface="맑은 고딕" charset="0"/>
+              </a:rPr>
+              <a:t> </a:t>
             </a:r>
             <a:endParaRPr lang="ko-KR" altLang="en-US" sz="1800">
               <a:latin typeface="맑은 고딕" charset="0"/>
@@ -7213,19 +7911,97 @@
           </a:p>
         </p:txBody>
       </p:sp>
+      <p:sp>
+        <p:nvSpPr>
+          <p:cNvPr id="1135" name="텍스트 상자 381"/>
+          <p:cNvSpPr txBox="1">
+            <a:spLocks/>
+          </p:cNvSpPr>
+          <p:nvPr/>
+        </p:nvSpPr>
+        <p:spPr>
+          <a:xfrm rot="0">
+            <a:off x="6815455" y="5266055"/>
+            <a:ext cx="4117340" cy="954405"/>
+          </a:xfrm>
+          <a:prstGeom prst="rect"/>
+          <a:noFill/>
+          <a:ln w="0">
+            <a:noFill/>
+            <a:prstDash/>
+          </a:ln>
+        </p:spPr>
+        <p:txBody>
+          <a:bodyPr wrap="square" lIns="89535" tIns="46355" rIns="89535" bIns="46355" numCol="1" vert="horz" anchor="t">
+            <a:spAutoFit/>
+          </a:bodyPr>
+          <a:lstStyle/>
+          <a:p>
+            <a:pPr marL="0" indent="0" algn="l" latinLnBrk="0" hangingPunct="1">
+              <a:buFontTx/>
+              <a:buNone/>
+            </a:pPr>
+            <a:r>
+              <a:rPr lang="ko-KR" sz="2000" b="1">
+                <a:solidFill>
+                  <a:srgbClr val="0611F2"/>
+                </a:solidFill>
+                <a:latin typeface="맑은 고딕" charset="0"/>
+                <a:ea typeface="맑은 고딕" charset="0"/>
+              </a:rPr>
+              <a:t>5</a:t>
+            </a:r>
+            <a:r>
+              <a:rPr lang="ko-KR" sz="2000" b="1">
+                <a:solidFill>
+                  <a:srgbClr val="0611F2"/>
+                </a:solidFill>
+                <a:latin typeface="맑은 고딕" charset="0"/>
+                <a:ea typeface="맑은 고딕" charset="0"/>
+              </a:rPr>
+              <a:t>. </a:t>
+            </a:r>
+            <a:r>
+              <a:rPr lang="ko-KR" sz="1800">
+                <a:latin typeface="맑은 고딕" charset="0"/>
+                <a:ea typeface="맑은 고딕" charset="0"/>
+              </a:rPr>
+              <a:t>그다음</a:t>
+            </a:r>
+            <a:r>
+              <a:rPr lang="ko-KR" sz="1800">
+                <a:latin typeface="맑은 고딕" charset="0"/>
+                <a:ea typeface="맑은 고딕" charset="0"/>
+              </a:rPr>
+              <a:t> LoadData( ) 함수를 선언하고 PlayerPrefs로 데이터를 불러오는 오도록 설정합니다. </a:t>
+            </a:r>
+            <a:r>
+              <a:rPr lang="ko-KR" sz="1800">
+                <a:latin typeface="맑은 고딕" charset="0"/>
+                <a:ea typeface="맑은 고딕" charset="0"/>
+              </a:rPr>
+              <a:t> </a:t>
+            </a:r>
+            <a:endParaRPr lang="ko-KR" altLang="en-US" sz="1800">
+              <a:latin typeface="맑은 고딕" charset="0"/>
+              <a:ea typeface="맑은 고딕" charset="0"/>
+            </a:endParaRPr>
+          </a:p>
+        </p:txBody>
+      </p:sp>
       <p:pic>
         <p:nvPicPr>
-          <p:cNvPr id="1128" name="그림 365"/>
+          <p:cNvPr id="1136" name="그림 13" descr="C:/Users/Admin1/AppData/Roaming/PolarisOffice/ETemp/19216_9281256/fImage478914441.png"/>
           <p:cNvPicPr>
             <a:picLocks noChangeAspect="1"/>
           </p:cNvPicPr>
           <p:nvPr/>
         </p:nvPicPr>
         <p:blipFill rotWithShape="1">
-          <a:blip r:embed="rId2" cstate="hqprint">
+          <a:blip r:embed="rId8" cstate="print">
             <a:extLst>
               <a:ext uri="{28A0092B-C50C-407E-A947-70E740481C1C}">
-                <a14:useLocalDpi xmlns:a14="http://schemas.microsoft.com/office/drawing/2010/main"/>
+                <a14:useLocalDpi xmlns:a14="http://schemas.microsoft.com/office/drawing/2010/main" val="0"/>
               </a:ext>
             </a:extLst>
           </a:blip>
@@ -7235,8 +8011,8 @@
         </p:blipFill>
         <p:spPr>
           <a:xfrm rot="0">
-            <a:off x="981075" y="2724150"/>
-            <a:ext cx="4354195" cy="2493010"/>
+            <a:off x="1224915" y="1366520"/>
+            <a:ext cx="4155440" cy="2638425"/>
           </a:xfrm>
           <a:prstGeom prst="roundRect"/>
           <a:solidFill>
@@ -7246,17 +8022,17 @@
       </p:pic>
       <p:pic>
         <p:nvPicPr>
-          <p:cNvPr id="1129" name="그림 368"/>
+          <p:cNvPr id="1137" name="그림 16" descr="C:/Users/Admin1/AppData/Roaming/PolarisOffice/ETemp/19216_9281256/fImage67561458467.png"/>
           <p:cNvPicPr>
             <a:picLocks noChangeAspect="1"/>
           </p:cNvPicPr>
           <p:nvPr/>
         </p:nvPicPr>
         <p:blipFill rotWithShape="1">
-          <a:blip r:embed="rId3" cstate="hqprint">
+          <a:blip r:embed="rId9" cstate="print">
             <a:extLst>
               <a:ext uri="{28A0092B-C50C-407E-A947-70E740481C1C}">
-                <a14:useLocalDpi xmlns:a14="http://schemas.microsoft.com/office/drawing/2010/main"/>
+                <a14:useLocalDpi xmlns:a14="http://schemas.microsoft.com/office/drawing/2010/main" val="0"/>
               </a:ext>
             </a:extLst>
           </a:blip>
@@ -7266,8 +8042,8 @@
         </p:blipFill>
         <p:spPr>
           <a:xfrm rot="0">
-            <a:off x="995045" y="1271270"/>
-            <a:ext cx="4340225" cy="454025"/>
+            <a:off x="6815455" y="3814445"/>
+            <a:ext cx="4126230" cy="1375410"/>
           </a:xfrm>
           <a:prstGeom prst="roundRect"/>
           <a:solidFill>
@@ -7275,90 +8051,19 @@
           </a:solidFill>
         </p:spPr>
       </p:pic>
-      <p:sp>
-        <p:nvSpPr>
-          <p:cNvPr id="1130" name="텍스트 상자 376"/>
-          <p:cNvSpPr txBox="1">
-            <a:spLocks/>
-          </p:cNvSpPr>
-          <p:nvPr/>
-        </p:nvSpPr>
-        <p:spPr>
-          <a:xfrm>
-            <a:off x="976630" y="5266690"/>
-            <a:ext cx="4344670" cy="954405"/>
-          </a:xfrm>
-          <a:prstGeom prst="rect"/>
-          <a:noFill/>
-          <a:ln w="0">
-            <a:noFill/>
-            <a:prstDash/>
-          </a:ln>
-        </p:spPr>
-        <p:txBody>
-          <a:bodyPr wrap="square" lIns="89535" tIns="46355" rIns="89535" bIns="46355" numCol="1" vert="horz" anchor="t">
-            <a:spAutoFit/>
-          </a:bodyPr>
-          <a:lstStyle/>
-          <a:p>
-            <a:pPr marL="0" indent="0" algn="l" latinLnBrk="0" hangingPunct="1">
-              <a:buFontTx/>
-              <a:buNone/>
-            </a:pPr>
-            <a:r>
-              <a:rPr lang="ko-KR" sz="2000" b="1">
-                <a:solidFill>
-                  <a:srgbClr val="0611F2"/>
-                </a:solidFill>
-                <a:latin typeface="맑은 고딕" charset="0"/>
-                <a:ea typeface="맑은 고딕" charset="0"/>
-              </a:rPr>
-              <a:t>4</a:t>
-            </a:r>
-            <a:r>
-              <a:rPr lang="ko-KR" sz="2000" b="1">
-                <a:solidFill>
-                  <a:srgbClr val="0611F2"/>
-                </a:solidFill>
-                <a:latin typeface="맑은 고딕" charset="0"/>
-                <a:ea typeface="맑은 고딕" charset="0"/>
-              </a:rPr>
-              <a:t>. </a:t>
-            </a:r>
-            <a:r>
-              <a:rPr lang="ko-KR" sz="1800">
-                <a:latin typeface="맑은 고딕" charset="0"/>
-                <a:ea typeface="맑은 고딕" charset="0"/>
-              </a:rPr>
-              <a:t>이제 m</a:t>
-            </a:r>
-            <a:r>
-              <a:rPr lang="ko-KR" sz="1800">
-                <a:latin typeface="맑은 고딕" charset="0"/>
-                <a:ea typeface="맑은 고딕" charset="0"/>
-              </a:rPr>
-              <a:t>oney 변수를 PlayerPrefs로 유니티 내부에 저장할 수 있는 함수와 불러오는 함수를 생성합니다. </a:t>
-            </a:r>
-            <a:endParaRPr lang="ko-KR" altLang="en-US" sz="1800">
-              <a:latin typeface="맑은 고딕" charset="0"/>
-              <a:ea typeface="맑은 고딕" charset="0"/>
-            </a:endParaRPr>
-          </a:p>
-        </p:txBody>
-      </p:sp>
       <p:pic>
         <p:nvPicPr>
-          <p:cNvPr id="1131" name="그림 377"/>
+          <p:cNvPr id="1138" name="그림 19" descr="C:/Users/Admin1/AppData/Roaming/PolarisOffice/ETemp/19216_9281256/fImage62741466334.png"/>
           <p:cNvPicPr>
             <a:picLocks noChangeAspect="1"/>
           </p:cNvPicPr>
           <p:nvPr/>
         </p:nvPicPr>
         <p:blipFill rotWithShape="1">
-          <a:blip r:embed="rId4" cstate="hqprint">
+          <a:blip r:embed="rId10" cstate="print">
             <a:extLst>
               <a:ext uri="{28A0092B-C50C-407E-A947-70E740481C1C}">
-                <a14:useLocalDpi xmlns:a14="http://schemas.microsoft.com/office/drawing/2010/main"/>
+                <a14:useLocalDpi xmlns:a14="http://schemas.microsoft.com/office/drawing/2010/main" val="0"/>
               </a:ext>
             </a:extLst>
           </a:blip>
@@ -7368,8 +8073,8 @@
         </p:blipFill>
         <p:spPr>
           <a:xfrm rot="0">
-            <a:off x="6934200" y="1266825"/>
-            <a:ext cx="4268470" cy="1210945"/>
+            <a:off x="6815455" y="1369060"/>
+            <a:ext cx="4108450" cy="1295400"/>
           </a:xfrm>
           <a:prstGeom prst="roundRect"/>
           <a:solidFill>
@@ -7377,203 +8082,6 @@
           </a:solidFill>
         </p:spPr>
       </p:pic>
-      <p:sp>
-        <p:nvSpPr>
-          <p:cNvPr id="1132" name="텍스트 상자 378"/>
-          <p:cNvSpPr txBox="1">
-            <a:spLocks/>
-          </p:cNvSpPr>
-          <p:nvPr/>
-        </p:nvSpPr>
-        <p:spPr>
-          <a:xfrm>
-            <a:off x="6938645" y="2646680"/>
-            <a:ext cx="4273550" cy="1231265"/>
-          </a:xfrm>
-          <a:prstGeom prst="rect"/>
-          <a:noFill/>
-          <a:ln w="0">
-            <a:noFill/>
-            <a:prstDash/>
-          </a:ln>
-        </p:spPr>
-        <p:txBody>
-          <a:bodyPr wrap="square" lIns="89535" tIns="46355" rIns="89535" bIns="46355" numCol="1" vert="horz" anchor="t">
-            <a:spAutoFit/>
-          </a:bodyPr>
-          <a:lstStyle/>
-          <a:p>
-            <a:pPr marL="0" indent="0" algn="l" latinLnBrk="0" hangingPunct="1">
-              <a:buFontTx/>
-              <a:buNone/>
-            </a:pPr>
-            <a:r>
-              <a:rPr lang="ko-KR" sz="2000" b="1">
-                <a:solidFill>
-                  <a:srgbClr val="0611F2"/>
-                </a:solidFill>
-                <a:latin typeface="맑은 고딕" charset="0"/>
-                <a:ea typeface="맑은 고딕" charset="0"/>
-              </a:rPr>
-              <a:t>5</a:t>
-            </a:r>
-            <a:r>
-              <a:rPr lang="ko-KR" sz="2000" b="1">
-                <a:solidFill>
-                  <a:srgbClr val="0611F2"/>
-                </a:solidFill>
-                <a:latin typeface="맑은 고딕" charset="0"/>
-                <a:ea typeface="맑은 고딕" charset="0"/>
-              </a:rPr>
-              <a:t>. </a:t>
-            </a:r>
-            <a:r>
-              <a:rPr lang="ko-KR" sz="1800">
-                <a:latin typeface="맑은 고딕" charset="0"/>
-                <a:ea typeface="맑은 고딕" charset="0"/>
-              </a:rPr>
-              <a:t>그런 다음 데</a:t>
-            </a:r>
-            <a:r>
-              <a:rPr lang="ko-KR" sz="1800">
-                <a:latin typeface="맑은 고딕" charset="0"/>
-                <a:ea typeface="맑은 고딕" charset="0"/>
-              </a:rPr>
-              <a:t>이터를 불러오기 위해 Awake( )함수에서 게임이 시작하기 전에 데이터를 불러올 수 있도록 설정합니다. </a:t>
-            </a:r>
-            <a:endParaRPr lang="ko-KR" altLang="en-US" sz="1800">
-              <a:latin typeface="맑은 고딕" charset="0"/>
-              <a:ea typeface="맑은 고딕" charset="0"/>
-            </a:endParaRPr>
-          </a:p>
-        </p:txBody>
-      </p:sp>
-      <p:pic>
-        <p:nvPicPr>
-          <p:cNvPr id="1133" name="그림 379"/>
-          <p:cNvPicPr>
-            <a:picLocks noChangeAspect="1"/>
-          </p:cNvPicPr>
-          <p:nvPr/>
-        </p:nvPicPr>
-        <p:blipFill rotWithShape="1">
-          <a:blip r:embed="rId5" cstate="hqprint">
-            <a:extLst>
-              <a:ext uri="{28A0092B-C50C-407E-A947-70E740481C1C}">
-                <a14:useLocalDpi xmlns:a14="http://schemas.microsoft.com/office/drawing/2010/main"/>
-              </a:ext>
-            </a:extLst>
-          </a:blip>
-          <a:stretch>
-            <a:fillRect/>
-          </a:stretch>
-        </p:blipFill>
-        <p:spPr>
-          <a:xfrm rot="0">
-            <a:off x="6934200" y="4081145"/>
-            <a:ext cx="1858645" cy="1330960"/>
-          </a:xfrm>
-          <a:prstGeom prst="roundRect"/>
-          <a:solidFill>
-            <a:srgbClr val="EDEDED"/>
-          </a:solidFill>
-        </p:spPr>
-      </p:pic>
-      <p:pic>
-        <p:nvPicPr>
-          <p:cNvPr id="1134" name="그림 380"/>
-          <p:cNvPicPr>
-            <a:picLocks noChangeAspect="1"/>
-          </p:cNvPicPr>
-          <p:nvPr/>
-        </p:nvPicPr>
-        <p:blipFill rotWithShape="1">
-          <a:blip r:embed="rId6" cstate="hqprint">
-            <a:extLst>
-              <a:ext uri="{28A0092B-C50C-407E-A947-70E740481C1C}">
-                <a14:useLocalDpi xmlns:a14="http://schemas.microsoft.com/office/drawing/2010/main"/>
-              </a:ext>
-            </a:extLst>
-          </a:blip>
-          <a:stretch>
-            <a:fillRect/>
-          </a:stretch>
-        </p:blipFill>
-        <p:spPr>
-          <a:xfrm rot="0">
-            <a:off x="9334500" y="4084320"/>
-            <a:ext cx="1868170" cy="1336675"/>
-          </a:xfrm>
-          <a:prstGeom prst="roundRect"/>
-          <a:solidFill>
-            <a:srgbClr val="EDEDED"/>
-          </a:solidFill>
-        </p:spPr>
-      </p:pic>
-      <p:sp>
-        <p:nvSpPr>
-          <p:cNvPr id="1135" name="텍스트 상자 381"/>
-          <p:cNvSpPr txBox="1">
-            <a:spLocks/>
-          </p:cNvSpPr>
-          <p:nvPr/>
-        </p:nvSpPr>
-        <p:spPr>
-          <a:xfrm rot="0">
-            <a:off x="6942455" y="5542915"/>
-            <a:ext cx="4273550" cy="677545"/>
-          </a:xfrm>
-          <a:prstGeom prst="rect"/>
-          <a:noFill/>
-          <a:ln w="0">
-            <a:noFill/>
-            <a:prstDash/>
-          </a:ln>
-        </p:spPr>
-        <p:txBody>
-          <a:bodyPr wrap="square" lIns="89535" tIns="46355" rIns="89535" bIns="46355" numCol="1" vert="horz" anchor="t">
-            <a:spAutoFit/>
-          </a:bodyPr>
-          <a:lstStyle/>
-          <a:p>
-            <a:pPr marL="0" indent="0" algn="l" latinLnBrk="0" hangingPunct="1">
-              <a:buFontTx/>
-              <a:buNone/>
-            </a:pPr>
-            <a:r>
-              <a:rPr lang="ko-KR" sz="2000" b="1">
-                <a:solidFill>
-                  <a:srgbClr val="0611F2"/>
-                </a:solidFill>
-                <a:latin typeface="맑은 고딕" charset="0"/>
-                <a:ea typeface="맑은 고딕" charset="0"/>
-              </a:rPr>
-              <a:t>6</a:t>
-            </a:r>
-            <a:r>
-              <a:rPr lang="ko-KR" sz="2000" b="1">
-                <a:solidFill>
-                  <a:srgbClr val="0611F2"/>
-                </a:solidFill>
-                <a:latin typeface="맑은 고딕" charset="0"/>
-                <a:ea typeface="맑은 고딕" charset="0"/>
-              </a:rPr>
-              <a:t>. </a:t>
-            </a:r>
-            <a:r>
-              <a:rPr lang="ko-KR" sz="1800">
-                <a:latin typeface="맑은 고딕" charset="0"/>
-                <a:ea typeface="맑은 고딕" charset="0"/>
-              </a:rPr>
-              <a:t>그다음 money 변수의 값을 증가하는 함수와 감소하는 함수를 생성합니다. </a:t>
-            </a:r>
-            <a:endParaRPr lang="ko-KR" altLang="en-US" sz="1800">
-              <a:latin typeface="맑은 고딕" charset="0"/>
-              <a:ea typeface="맑은 고딕" charset="0"/>
-            </a:endParaRPr>
-          </a:p>
-        </p:txBody>
-      </p:sp>
     </p:spTree>
   </p:cSld>
   <p:clrMapOvr>
@@ -7623,9 +8131,9 @@
           <p:nvPr/>
         </p:nvSpPr>
         <p:spPr>
-          <a:xfrm rot="0">
+          <a:xfrm>
             <a:off x="4521835" y="319405"/>
-            <a:ext cx="3143885" cy="554990"/>
+            <a:ext cx="3144520" cy="554990"/>
           </a:xfrm>
           <a:prstGeom prst="rect"/>
           <a:noFill/>
@@ -7684,8 +8192,8 @@
         </p:nvSpPr>
         <p:spPr>
           <a:xfrm rot="0">
-            <a:off x="1146810" y="2501900"/>
-            <a:ext cx="4257675" cy="677545"/>
+            <a:off x="6815455" y="5562600"/>
+            <a:ext cx="4238625" cy="677545"/>
           </a:xfrm>
           <a:prstGeom prst="rect"/>
           <a:noFill/>
@@ -7712,7 +8220,7 @@
                 <a:latin typeface="맑은 고딕" charset="0"/>
                 <a:ea typeface="맑은 고딕" charset="0"/>
               </a:rPr>
-              <a:t>7</a:t>
+              <a:t>8</a:t>
             </a:r>
             <a:r>
               <a:rPr lang="ko-KR" sz="2000" b="1">
@@ -7729,14 +8237,28 @@
                 <a:latin typeface="맑은 고딕" charset="0"/>
                 <a:ea typeface="맑은 고딕" charset="0"/>
               </a:rPr>
-              <a:t>그리고 Saving 버튼과 Withdrawal 버튼에</a:t>
-            </a:r>
-            <a:r>
-              <a:rPr sz="1800">
-                <a:latin typeface="맑은 고딕" charset="0"/>
-                <a:ea typeface="맑은 고딕" charset="0"/>
-              </a:rPr>
-              <a:t> On Click( ) 함수를 생성합니다.</a:t>
+              <a:t>그</a:t>
+            </a:r>
+            <a:r>
+              <a:rPr lang="ko-KR" sz="1800">
+                <a:latin typeface="맑은 고딕" charset="0"/>
+                <a:ea typeface="맑은 고딕" charset="0"/>
+              </a:rPr>
+              <a:t>런 다음</a:t>
+            </a:r>
+            <a:r>
+              <a:rPr lang="ko-KR" sz="1800">
+                <a:latin typeface="맑은 고딕" charset="0"/>
+                <a:ea typeface="맑은 고딕" charset="0"/>
+              </a:rPr>
+              <a:t> </a:t>
+            </a:r>
+            <a:r>
+              <a:rPr lang="ko-KR" sz="1800">
+                <a:latin typeface="맑은 고딕" charset="0"/>
+                <a:ea typeface="맑은 고딕" charset="0"/>
+              </a:rPr>
+              <a:t>Shop Button의 위치와 크기 그리고 앵커를 설정합니다. </a:t>
             </a:r>
             <a:endParaRPr lang="ko-KR" altLang="en-US" sz="1800">
               <a:latin typeface="맑은 고딕" charset="0"/>
@@ -7747,45 +8269,14 @@
       </p:sp>
       <p:pic>
         <p:nvPicPr>
-          <p:cNvPr id="1132" name="그림 24"/>
+          <p:cNvPr id="1143" name="그림 22" descr="C:/Users/Admin1/AppData/Roaming/PolarisOffice/ETemp/19216_9281256/fImage123591476500.png"/>
           <p:cNvPicPr>
             <a:picLocks noChangeAspect="1"/>
           </p:cNvPicPr>
           <p:nvPr/>
         </p:nvPicPr>
         <p:blipFill rotWithShape="1">
-          <a:blip r:embed="rId7" cstate="hqprint">
-            <a:extLst>
-              <a:ext uri="{28A0092B-C50C-407E-A947-70E740481C1C}">
-                <a14:useLocalDpi xmlns:a14="http://schemas.microsoft.com/office/drawing/2010/main"/>
-              </a:ext>
-            </a:extLst>
-          </a:blip>
-          <a:stretch>
-            <a:fillRect/>
-          </a:stretch>
-        </p:blipFill>
-        <p:spPr>
-          <a:xfrm rot="0">
-            <a:off x="1139190" y="1209675"/>
-            <a:ext cx="4269105" cy="1177925"/>
-          </a:xfrm>
-          <a:prstGeom prst="roundRect"/>
-          <a:solidFill>
-            <a:srgbClr val="EDEDED"/>
-          </a:solidFill>
-        </p:spPr>
-      </p:pic>
-      <p:pic>
-        <p:nvPicPr>
-          <p:cNvPr id="1134" name="그림 28"/>
-          <p:cNvPicPr>
-            <a:picLocks noChangeAspect="1"/>
-          </p:cNvPicPr>
-          <p:nvPr/>
-        </p:nvPicPr>
-        <p:blipFill rotWithShape="1">
-          <a:blip r:embed="rId8" cstate="print">
+          <a:blip r:embed="rId13" cstate="print">
             <a:extLst>
               <a:ext uri="{28A0092B-C50C-407E-A947-70E740481C1C}">
                 <a14:useLocalDpi xmlns:a14="http://schemas.microsoft.com/office/drawing/2010/main" val="0"/>
@@ -7798,8 +8289,8 @@
         </p:blipFill>
         <p:spPr>
           <a:xfrm rot="0">
-            <a:off x="2367280" y="3428365"/>
-            <a:ext cx="3045460" cy="745490"/>
+            <a:off x="6815455" y="3779520"/>
+            <a:ext cx="4238625" cy="1670050"/>
           </a:xfrm>
           <a:prstGeom prst="roundRect"/>
           <a:solidFill>
@@ -7809,14 +8300,14 @@
       </p:pic>
       <p:pic>
         <p:nvPicPr>
-          <p:cNvPr id="1135" name="그림 29"/>
+          <p:cNvPr id="1144" name="그림 29" descr="C:/Users/Admin1/AppData/Roaming/PolarisOffice/ETemp/19216_9281256/fImage38341489169.png"/>
           <p:cNvPicPr>
             <a:picLocks noChangeAspect="1"/>
           </p:cNvPicPr>
           <p:nvPr/>
         </p:nvPicPr>
         <p:blipFill rotWithShape="1">
-          <a:blip r:embed="rId9" cstate="print">
+          <a:blip r:embed="rId14" cstate="print">
             <a:extLst>
               <a:ext uri="{28A0092B-C50C-407E-A947-70E740481C1C}">
                 <a14:useLocalDpi xmlns:a14="http://schemas.microsoft.com/office/drawing/2010/main" val="0"/>
@@ -7829,8 +8320,8 @@
         </p:blipFill>
         <p:spPr>
           <a:xfrm rot="0">
-            <a:off x="2359660" y="4373245"/>
-            <a:ext cx="3044825" cy="756920"/>
+            <a:off x="1210945" y="1375410"/>
+            <a:ext cx="4152900" cy="3209290"/>
           </a:xfrm>
           <a:prstGeom prst="roundRect"/>
           <a:solidFill>
@@ -7840,7 +8331,7 @@
       </p:pic>
       <p:sp>
         <p:nvSpPr>
-          <p:cNvPr id="1136" name="텍스트 상자 36"/>
+          <p:cNvPr id="1145" name="텍스트 상자 32"/>
           <p:cNvSpPr txBox="1">
             <a:spLocks/>
           </p:cNvSpPr>
@@ -7848,8 +8339,8 @@
         </p:nvSpPr>
         <p:spPr>
           <a:xfrm rot="0">
-            <a:off x="1143635" y="5316855"/>
-            <a:ext cx="4257675" cy="954405"/>
+            <a:off x="1219200" y="4717415"/>
+            <a:ext cx="4144010" cy="1508125"/>
           </a:xfrm>
           <a:prstGeom prst="rect"/>
           <a:noFill/>
@@ -7876,7 +8367,7 @@
                 <a:latin typeface="맑은 고딕" charset="0"/>
                 <a:ea typeface="맑은 고딕" charset="0"/>
               </a:rPr>
-              <a:t>8</a:t>
+              <a:t>6</a:t>
             </a:r>
             <a:r>
               <a:rPr lang="ko-KR" sz="2000" b="1">
@@ -7893,25 +8384,52 @@
                 <a:latin typeface="맑은 고딕" charset="0"/>
                 <a:ea typeface="맑은 고딕" charset="0"/>
               </a:rPr>
-              <a:t>이제 Saving 버튼과 Withdrawal 버튼의 On Click( ) 함수에 Data Manager 오브젝트를 넣어줍니다. </a:t>
+              <a:t>이제 Awake( ) 함수에서 static 객체에 자기 자신을 넣어줍니다.</a:t>
             </a:r>
             <a:endParaRPr lang="ko-KR" altLang="en-US" sz="1800">
               <a:latin typeface="맑은 고딕" charset="0"/>
               <a:ea typeface="맑은 고딕" charset="0"/>
             </a:endParaRPr>
           </a:p>
+          <a:p>
+            <a:pPr marL="0" indent="0" algn="l" latinLnBrk="0" hangingPunct="1">
+              <a:buFontTx/>
+              <a:buNone/>
+            </a:pPr>
+            <a:endParaRPr lang="ko-KR" altLang="en-US" sz="1800">
+              <a:latin typeface="맑은 고딕" charset="0"/>
+              <a:ea typeface="맑은 고딕" charset="0"/>
+            </a:endParaRPr>
+          </a:p>
+          <a:p>
+            <a:pPr marL="0" indent="0" algn="l" latinLnBrk="0" hangingPunct="1">
+              <a:buFontTx/>
+              <a:buNone/>
+            </a:pPr>
+            <a:r>
+              <a:rPr lang="ko-KR" sz="1800">
+                <a:latin typeface="맑은 고딕" charset="0"/>
+                <a:ea typeface="맑은 고딕" charset="0"/>
+              </a:rPr>
+              <a:t>그다음 LoadData( ) 함수를 호출하여 데이터를 불러오도록 설정합니다.</a:t>
+            </a:r>
+            <a:endParaRPr lang="ko-KR" altLang="en-US" sz="1800">
+              <a:latin typeface="맑은 고딕" charset="0"/>
+              <a:ea typeface="맑은 고딕" charset="0"/>
+            </a:endParaRPr>
+          </a:p>
         </p:txBody>
       </p:sp>
       <p:pic>
         <p:nvPicPr>
-          <p:cNvPr id="1137" name="그림 37"/>
+          <p:cNvPr id="1146" name="그림 46" descr="C:/Users/Admin1/AppData/Roaming/PolarisOffice/ETemp/19216_9281256/fImage32061545724.png"/>
           <p:cNvPicPr>
             <a:picLocks noChangeAspect="1"/>
           </p:cNvPicPr>
           <p:nvPr/>
         </p:nvPicPr>
         <p:blipFill rotWithShape="1">
-          <a:blip r:embed="rId10" cstate="print">
+          <a:blip r:embed="rId15" cstate="print">
             <a:extLst>
               <a:ext uri="{28A0092B-C50C-407E-A947-70E740481C1C}">
                 <a14:useLocalDpi xmlns:a14="http://schemas.microsoft.com/office/drawing/2010/main" val="0"/>
@@ -7924,8 +8442,8 @@
         </p:blipFill>
         <p:spPr>
           <a:xfrm rot="0">
-            <a:off x="1151255" y="3433445"/>
-            <a:ext cx="1027430" cy="1696085"/>
+            <a:off x="6812280" y="1380490"/>
+            <a:ext cx="4241800" cy="1191260"/>
           </a:xfrm>
           <a:prstGeom prst="roundRect"/>
           <a:solidFill>
@@ -7933,135 +8451,9 @@
           </a:solidFill>
         </p:spPr>
       </p:pic>
-      <p:cxnSp>
-        <p:nvCxnSpPr>
-          <p:cNvPr id="1138" name="도형 40"/>
-          <p:cNvCxnSpPr/>
-          <p:nvPr/>
-        </p:nvCxnSpPr>
-        <p:spPr>
-          <a:xfrm rot="0" flipV="1">
-            <a:off x="2070100" y="3882390"/>
-            <a:ext cx="1189355" cy="175260"/>
-          </a:xfrm>
-          <a:prstGeom prst="straightConnector1"/>
-          <a:ln w="19050" cap="flat" cmpd="sng">
-            <a:prstDash/>
-            <a:tailEnd type="triangle" w="med" len="med"/>
-          </a:ln>
-        </p:spPr>
-        <p:style>
-          <a:lnRef idx="3">
-            <a:schemeClr val="accent2"/>
-          </a:lnRef>
-          <a:fillRef idx="0">
-            <a:schemeClr val="accent2"/>
-          </a:fillRef>
-          <a:effectRef idx="2">
-            <a:schemeClr val="accent2"/>
-          </a:effectRef>
-          <a:fontRef idx="minor">
-            <a:schemeClr val="tx1"/>
-          </a:fontRef>
-        </p:style>
-      </p:cxnSp>
-      <p:cxnSp>
-        <p:nvCxnSpPr>
-          <p:cNvPr id="1139" name="도형 41"/>
-          <p:cNvCxnSpPr/>
-          <p:nvPr/>
-        </p:nvCxnSpPr>
-        <p:spPr>
-          <a:xfrm rot="0">
-            <a:off x="2070100" y="4197985"/>
-            <a:ext cx="1156335" cy="624205"/>
-          </a:xfrm>
-          <a:prstGeom prst="straightConnector1"/>
-          <a:ln w="19050" cap="flat" cmpd="sng">
-            <a:prstDash/>
-            <a:tailEnd type="triangle" w="med" len="med"/>
-          </a:ln>
-        </p:spPr>
-        <p:style>
-          <a:lnRef idx="3">
-            <a:schemeClr val="accent2"/>
-          </a:lnRef>
-          <a:fillRef idx="0">
-            <a:schemeClr val="accent2"/>
-          </a:fillRef>
-          <a:effectRef idx="2">
-            <a:schemeClr val="accent2"/>
-          </a:effectRef>
-          <a:fontRef idx="minor">
-            <a:schemeClr val="tx1"/>
-          </a:fontRef>
-        </p:style>
-      </p:cxnSp>
-      <p:pic>
-        <p:nvPicPr>
-          <p:cNvPr id="1140" name="그림 1"/>
-          <p:cNvPicPr>
-            <a:picLocks noChangeAspect="1"/>
-          </p:cNvPicPr>
-          <p:nvPr/>
-        </p:nvPicPr>
-        <p:blipFill rotWithShape="1">
-          <a:blip r:embed="rId11" cstate="print">
-            <a:extLst>
-              <a:ext uri="{28A0092B-C50C-407E-A947-70E740481C1C}">
-                <a14:useLocalDpi xmlns:a14="http://schemas.microsoft.com/office/drawing/2010/main" val="0"/>
-              </a:ext>
-            </a:extLst>
-          </a:blip>
-          <a:stretch>
-            <a:fillRect/>
-          </a:stretch>
-        </p:blipFill>
-        <p:spPr>
-          <a:xfrm rot="0">
-            <a:off x="6816725" y="1214120"/>
-            <a:ext cx="4257040" cy="1978660"/>
-          </a:xfrm>
-          <a:prstGeom prst="roundRect"/>
-          <a:solidFill>
-            <a:srgbClr val="EDEDED"/>
-          </a:solidFill>
-        </p:spPr>
-      </p:pic>
-      <p:pic>
-        <p:nvPicPr>
-          <p:cNvPr id="1141" name="그림 2"/>
-          <p:cNvPicPr>
-            <a:picLocks noChangeAspect="1"/>
-          </p:cNvPicPr>
-          <p:nvPr/>
-        </p:nvPicPr>
-        <p:blipFill rotWithShape="1">
-          <a:blip r:embed="rId12" cstate="print">
-            <a:extLst>
-              <a:ext uri="{28A0092B-C50C-407E-A947-70E740481C1C}">
-                <a14:useLocalDpi xmlns:a14="http://schemas.microsoft.com/office/drawing/2010/main" val="0"/>
-              </a:ext>
-            </a:extLst>
-          </a:blip>
-          <a:stretch>
-            <a:fillRect/>
-          </a:stretch>
-        </p:blipFill>
-        <p:spPr>
-          <a:xfrm rot="0">
-            <a:off x="6820535" y="3475355"/>
-            <a:ext cx="4253230" cy="1971040"/>
-          </a:xfrm>
-          <a:prstGeom prst="roundRect"/>
-          <a:solidFill>
-            <a:srgbClr val="EDEDED"/>
-          </a:solidFill>
-        </p:spPr>
-      </p:pic>
-      <p:sp>
-        <p:nvSpPr>
-          <p:cNvPr id="1142" name="텍스트 상자 7"/>
+      <p:sp>
+        <p:nvSpPr>
+          <p:cNvPr id="1147" name="텍스트 상자 49"/>
           <p:cNvSpPr txBox="1">
             <a:spLocks/>
           </p:cNvSpPr>
@@ -8069,8 +8461,8 @@
         </p:nvSpPr>
         <p:spPr>
           <a:xfrm rot="0">
-            <a:off x="6818630" y="5588000"/>
-            <a:ext cx="4258310" cy="677545"/>
+            <a:off x="6817995" y="2667635"/>
+            <a:ext cx="4238625" cy="954405"/>
           </a:xfrm>
           <a:prstGeom prst="rect"/>
           <a:noFill/>
@@ -8097,7 +8489,7 @@
                 <a:latin typeface="맑은 고딕" charset="0"/>
                 <a:ea typeface="맑은 고딕" charset="0"/>
               </a:rPr>
-              <a:t>9</a:t>
+              <a:t>7</a:t>
             </a:r>
             <a:r>
               <a:rPr lang="ko-KR" sz="2000" b="1">
@@ -8114,21 +8506,28 @@
                 <a:latin typeface="맑은 고딕" charset="0"/>
                 <a:ea typeface="맑은 고딕" charset="0"/>
               </a:rPr>
-              <a:t>그런 다음</a:t>
+              <a:t>그</a:t>
             </a:r>
             <a:r>
               <a:rPr lang="ko-KR" sz="1800">
                 <a:latin typeface="맑은 고딕" charset="0"/>
                 <a:ea typeface="맑은 고딕" charset="0"/>
               </a:rPr>
-              <a:t> Saving 버튼과 Withdrawal 버튼의 </a:t>
+              <a:t>리고</a:t>
             </a:r>
             <a:r>
               <a:rPr lang="ko-KR" sz="1800">
                 <a:latin typeface="맑은 고딕" charset="0"/>
                 <a:ea typeface="맑은 고딕" charset="0"/>
               </a:rPr>
-              <a:t>앵커를 설정합니다.</a:t>
+              <a:t> </a:t>
+            </a:r>
+            <a:r>
+              <a:rPr lang="ko-KR" sz="1800">
+                <a:latin typeface="맑은 고딕" charset="0"/>
+                <a:ea typeface="맑은 고딕" charset="0"/>
+              </a:rPr>
+              <a:t>IncreaseMoney( ) 함수를 선언하고 money 변수에 값을 증가시킨 다음 SaveData( ) 함수를 호출합니다. </a:t>
             </a:r>
             <a:endParaRPr lang="ko-KR" altLang="en-US" sz="1800">
               <a:latin typeface="맑은 고딕" charset="0"/>
@@ -8179,7 +8578,7 @@
       </p:grpSpPr>
       <p:sp>
         <p:nvSpPr>
-          <p:cNvPr id="1101" name="Rect 0"/>
+          <p:cNvPr id="1031" name="Rect 0"/>
           <p:cNvSpPr txBox="1">
             <a:spLocks/>
           </p:cNvSpPr>
@@ -8187,8 +8586,8 @@
         </p:nvSpPr>
         <p:spPr>
           <a:xfrm rot="0">
-            <a:off x="984250" y="1197610"/>
-            <a:ext cx="4404995" cy="1201420"/>
+            <a:off x="4513580" y="327660"/>
+            <a:ext cx="3160395" cy="554990"/>
           </a:xfrm>
           <a:prstGeom prst="rect"/>
           <a:noFill/>
@@ -8203,18 +8602,34 @@
           </a:bodyPr>
           <a:lstStyle/>
           <a:p>
-            <a:pPr marL="0" indent="0" algn="l" latinLnBrk="0" hangingPunct="1">
-              <a:buFontTx/>
-              <a:buNone/>
-            </a:pPr>
-            <a:r>
-              <a:rPr lang="ko-KR" sz="1800">
-                <a:latin typeface="맑은 고딕" charset="0"/>
-                <a:ea typeface="맑은 고딕" charset="0"/>
-              </a:rPr>
-              <a:t>Physics.Raycast( ) 함수는 3차원 공간에서 특정 지점을 통해 광선을 정해진 방향으로 발사하여 해당 위치에 객체가 존재하는지 판별하는 함수입니다.</a:t>
-            </a:r>
-            <a:endParaRPr lang="ko-KR" altLang="en-US" sz="1800">
+            <a:pPr marL="0" indent="0" algn="l" latinLnBrk="0">
+              <a:buFontTx/>
+              <a:buNone/>
+            </a:pPr>
+            <a:r>
+              <a:rPr lang="ko-KR" altLang="en-US" sz="3000" b="1">
+                <a:solidFill>
+                  <a:schemeClr val="tx1"/>
+                </a:solidFill>
+                <a:latin typeface="맑은 고딕" charset="0"/>
+                <a:ea typeface="맑은 고딕" charset="0"/>
+              </a:rPr>
+              <a:t>네</a:t>
+            </a:r>
+            <a:r>
+              <a:rPr lang="ko-KR" altLang="en-US" sz="3000" b="1">
+                <a:solidFill>
+                  <a:schemeClr val="tx1"/>
+                </a:solidFill>
+                <a:latin typeface="맑은 고딕" charset="0"/>
+                <a:ea typeface="맑은 고딕" charset="0"/>
+              </a:rPr>
+              <a:t> 번째 튜토리얼</a:t>
+            </a:r>
+            <a:endParaRPr lang="ko-KR" altLang="en-US" sz="3000" b="1">
+              <a:solidFill>
+                <a:schemeClr val="tx1"/>
+              </a:solidFill>
               <a:latin typeface="맑은 고딕" charset="0"/>
               <a:ea typeface="맑은 고딕" charset="0"/>
             </a:endParaRPr>
@@ -8223,7 +8638,7 @@
       </p:sp>
       <p:sp>
         <p:nvSpPr>
-          <p:cNvPr id="1120" name="텍스트 상자 42"/>
+          <p:cNvPr id="1127" name="Rect 0"/>
           <p:cNvSpPr txBox="1">
             <a:spLocks/>
           </p:cNvSpPr>
@@ -8231,8 +8646,8 @@
         </p:nvSpPr>
         <p:spPr>
           <a:xfrm rot="0">
-            <a:off x="980440" y="5516880"/>
-            <a:ext cx="4404360" cy="648970"/>
+            <a:off x="1314450" y="3260725"/>
+            <a:ext cx="4057650" cy="954405"/>
           </a:xfrm>
           <a:prstGeom prst="rect"/>
           <a:noFill/>
@@ -8252,11 +8667,31 @@
               <a:buNone/>
             </a:pPr>
             <a:r>
+              <a:rPr lang="ko-KR" sz="2000" b="1">
+                <a:solidFill>
+                  <a:srgbClr val="0611F2"/>
+                </a:solidFill>
+                <a:latin typeface="맑은 고딕" charset="0"/>
+                <a:ea typeface="맑은 고딕" charset="0"/>
+              </a:rPr>
+              <a:t>9</a:t>
+            </a:r>
+            <a:r>
+              <a:rPr lang="ko-KR" sz="2000" b="1">
+                <a:solidFill>
+                  <a:srgbClr val="0611F2"/>
+                </a:solidFill>
+                <a:latin typeface="맑은 고딕" charset="0"/>
+                <a:ea typeface="맑은 고딕" charset="0"/>
+              </a:rPr>
+              <a:t>. </a:t>
+            </a:r>
+            <a:r>
               <a:rPr lang="ko-KR" sz="1800">
                 <a:latin typeface="맑은 고딕" charset="0"/>
                 <a:ea typeface="맑은 고딕" charset="0"/>
               </a:rPr>
-              <a:t>광선이 발사되었을 때 게임 오브젝트는 콜라이더를 가지고 있어야 판별이 됩니다.</a:t>
+              <a:t>그다음으로 Picking 이라는 스크립트를 생성하고 Main Camera 오브젝트에 넣어줍니다.</a:t>
             </a:r>
             <a:endParaRPr lang="ko-KR" altLang="en-US" sz="1800">
               <a:latin typeface="맑은 고딕" charset="0"/>
@@ -8267,14 +8702,14 @@
       </p:sp>
       <p:pic>
         <p:nvPicPr>
-          <p:cNvPr id="1122" name="그림 62" descr="C:/Users/Admin1/AppData/Roaming/PolarisOffice/ETemp/10732_11717448/fImage1080321235705.png"/>
+          <p:cNvPr id="1132" name="그림 3" descr="C:/Users/Admin1/AppData/Roaming/PolarisOffice/ETemp/19216_9281256/fImage20162318467.png"/>
           <p:cNvPicPr>
             <a:picLocks noChangeAspect="1"/>
           </p:cNvPicPr>
           <p:nvPr/>
         </p:nvPicPr>
         <p:blipFill rotWithShape="1">
-          <a:blip r:embed="rId8" cstate="hqprint">
+          <a:blip r:embed="rId2" cstate="hqprint">
             <a:extLst>
               <a:ext uri="{28A0092B-C50C-407E-A947-70E740481C1C}">
                 <a14:useLocalDpi xmlns:a14="http://schemas.microsoft.com/office/drawing/2010/main"/>
@@ -8287,8 +8722,8 @@
         </p:blipFill>
         <p:spPr>
           <a:xfrm rot="0">
-            <a:off x="980440" y="2626995"/>
-            <a:ext cx="4408170" cy="2753360"/>
+            <a:off x="4505960" y="1686560"/>
+            <a:ext cx="866140" cy="1125220"/>
           </a:xfrm>
           <a:prstGeom prst="roundRect"/>
           <a:solidFill>
@@ -8296,60 +8731,16 @@
           </a:solidFill>
         </p:spPr>
       </p:pic>
-      <p:sp>
-        <p:nvSpPr>
-          <p:cNvPr id="1126" name="텍스트 상자 71"/>
-          <p:cNvSpPr txBox="1">
-            <a:spLocks/>
-          </p:cNvSpPr>
-          <p:nvPr/>
-        </p:nvSpPr>
-        <p:spPr>
-          <a:xfrm rot="0">
-            <a:off x="6916420" y="4968875"/>
-            <a:ext cx="4324350" cy="1201420"/>
-          </a:xfrm>
-          <a:prstGeom prst="rect"/>
-          <a:noFill/>
-          <a:ln w="0">
-            <a:noFill/>
-            <a:prstDash/>
-          </a:ln>
-        </p:spPr>
-        <p:txBody>
-          <a:bodyPr wrap="square" lIns="89535" tIns="46355" rIns="89535" bIns="46355" numCol="1" vert="horz" anchor="t">
-            <a:spAutoFit/>
-          </a:bodyPr>
-          <a:lstStyle/>
-          <a:p>
-            <a:pPr marL="0" indent="0" algn="l" latinLnBrk="0" hangingPunct="1">
-              <a:buFontTx/>
-              <a:buNone/>
-            </a:pPr>
-            <a:r>
-              <a:rPr lang="ko-KR" sz="1800">
-                <a:latin typeface="맑은 고딕" charset="0"/>
-                <a:ea typeface="맑은 고딕" charset="0"/>
-              </a:rPr>
-              <a:t>최종적으로 광선이 발사되는 원점과 방향을 설정해야 하며 마지막으로 광선이 발사되는 거리를 지정해주면 됩니다.</a:t>
-            </a:r>
-            <a:endParaRPr lang="ko-KR" altLang="en-US" sz="1800">
-              <a:latin typeface="맑은 고딕" charset="0"/>
-              <a:ea typeface="맑은 고딕" charset="0"/>
-            </a:endParaRPr>
-          </a:p>
-        </p:txBody>
-      </p:sp>
       <p:pic>
         <p:nvPicPr>
-          <p:cNvPr id="1127" name="그림 72" descr="C:/Users/Admin1/AppData/Roaming/PolarisOffice/ETemp/10732_11717448/fImage200481306827.png"/>
+          <p:cNvPr id="1144" name="그림 41" descr="C:/Users/Admin1/AppData/Roaming/PolarisOffice/ETemp/19216_9281256/fImage29871536334.png"/>
           <p:cNvPicPr>
             <a:picLocks noChangeAspect="1"/>
           </p:cNvPicPr>
           <p:nvPr/>
         </p:nvPicPr>
         <p:blipFill rotWithShape="1">
-          <a:blip r:embed="rId11" cstate="hqprint">
+          <a:blip r:embed="rId12" cstate="hqprint">
             <a:extLst>
               <a:ext uri="{28A0092B-C50C-407E-A947-70E740481C1C}">
                 <a14:useLocalDpi xmlns:a14="http://schemas.microsoft.com/office/drawing/2010/main"/>
@@ -8362,8 +8753,8 @@
         </p:blipFill>
         <p:spPr>
           <a:xfrm rot="0">
-            <a:off x="6920230" y="1205230"/>
-            <a:ext cx="4314825" cy="3578225"/>
+            <a:off x="1323340" y="4358640"/>
+            <a:ext cx="4048125" cy="1116330"/>
           </a:xfrm>
           <a:prstGeom prst="roundRect"/>
           <a:solidFill>
@@ -8373,7 +8764,7 @@
       </p:pic>
       <p:sp>
         <p:nvSpPr>
-          <p:cNvPr id="1128" name="텍스트 상자 2"/>
+          <p:cNvPr id="1145" name="텍스트 상자 42"/>
           <p:cNvSpPr txBox="1">
             <a:spLocks/>
           </p:cNvSpPr>
@@ -8381,8 +8772,8 @@
         </p:nvSpPr>
         <p:spPr>
           <a:xfrm rot="0">
-            <a:off x="5319395" y="278130"/>
-            <a:ext cx="1564640" cy="554990"/>
+            <a:off x="1323340" y="5558790"/>
+            <a:ext cx="4057015" cy="677545"/>
           </a:xfrm>
           <a:prstGeom prst="rect"/>
           <a:noFill/>
@@ -8397,24 +8788,366 @@
           </a:bodyPr>
           <a:lstStyle/>
           <a:p>
-            <a:pPr marL="0" indent="0" algn="l" latinLnBrk="0">
-              <a:buFontTx/>
-              <a:buNone/>
-            </a:pPr>
-            <a:r>
-              <a:rPr lang="ko-KR" altLang="en-US" sz="3000" b="1">
+            <a:pPr marL="0" indent="0" algn="l" latinLnBrk="0" hangingPunct="1">
+              <a:buFontTx/>
+              <a:buNone/>
+            </a:pPr>
+            <a:r>
+              <a:rPr lang="ko-KR" sz="2000" b="1">
                 <a:solidFill>
-                  <a:schemeClr val="tx1"/>
+                  <a:srgbClr val="0611F2"/>
                 </a:solidFill>
                 <a:latin typeface="맑은 고딕" charset="0"/>
                 <a:ea typeface="맑은 고딕" charset="0"/>
               </a:rPr>
-              <a:t>Raycast</a:t>
-            </a:r>
-            <a:endParaRPr lang="ko-KR" altLang="en-US" sz="3000" b="1">
-              <a:solidFill>
-                <a:schemeClr val="tx1"/>
-              </a:solidFill>
+              <a:t>10</a:t>
+            </a:r>
+            <a:r>
+              <a:rPr lang="ko-KR" sz="2000" b="1">
+                <a:solidFill>
+                  <a:srgbClr val="0611F2"/>
+                </a:solidFill>
+                <a:latin typeface="맑은 고딕" charset="0"/>
+                <a:ea typeface="맑은 고딕" charset="0"/>
+              </a:rPr>
+              <a:t>. </a:t>
+            </a:r>
+            <a:r>
+              <a:rPr lang="ko-KR" sz="1800">
+                <a:latin typeface="맑은 고딕" charset="0"/>
+                <a:ea typeface="맑은 고딕" charset="0"/>
+              </a:rPr>
+              <a:t>이제 </a:t>
+            </a:r>
+            <a:r>
+              <a:rPr lang="ko-KR" sz="1800">
+                <a:latin typeface="맑은 고딕" charset="0"/>
+                <a:ea typeface="맑은 고딕" charset="0"/>
+              </a:rPr>
+              <a:t>Shop Button에</a:t>
+            </a:r>
+            <a:r>
+              <a:rPr lang="ko-KR" sz="1800">
+                <a:latin typeface="맑은 고딕" charset="0"/>
+                <a:ea typeface="맑은 고딕" charset="0"/>
+              </a:rPr>
+              <a:t> On Click( ) 함수</a:t>
+            </a:r>
+            <a:r>
+              <a:rPr lang="ko-KR" sz="1800">
+                <a:latin typeface="맑은 고딕" charset="0"/>
+                <a:ea typeface="맑은 고딕" charset="0"/>
+              </a:rPr>
+              <a:t>를 추가합니다.</a:t>
+            </a:r>
+            <a:endParaRPr lang="ko-KR" altLang="en-US" sz="1800">
+              <a:latin typeface="맑은 고딕" charset="0"/>
+              <a:ea typeface="맑은 고딕" charset="0"/>
+            </a:endParaRPr>
+          </a:p>
+        </p:txBody>
+      </p:sp>
+      <p:pic>
+        <p:nvPicPr>
+          <p:cNvPr id="1146" name="그림 50" descr="C:/Users/Admin1/AppData/Roaming/PolarisOffice/ETemp/19216_9281256/fImage51541561478.png"/>
+          <p:cNvPicPr>
+            <a:picLocks noChangeAspect="1"/>
+          </p:cNvPicPr>
+          <p:nvPr/>
+        </p:nvPicPr>
+        <p:blipFill rotWithShape="1">
+          <a:blip r:embed="rId13" cstate="print">
+            <a:extLst>
+              <a:ext uri="{28A0092B-C50C-407E-A947-70E740481C1C}">
+                <a14:useLocalDpi xmlns:a14="http://schemas.microsoft.com/office/drawing/2010/main" val="0"/>
+              </a:ext>
+            </a:extLst>
+          </a:blip>
+          <a:stretch>
+            <a:fillRect/>
+          </a:stretch>
+        </p:blipFill>
+        <p:spPr>
+          <a:xfrm rot="0">
+            <a:off x="1323340" y="1340485"/>
+            <a:ext cx="2794000" cy="1825625"/>
+          </a:xfrm>
+          <a:prstGeom prst="roundRect"/>
+          <a:solidFill>
+            <a:srgbClr val="EDEDED"/>
+          </a:solidFill>
+        </p:spPr>
+      </p:pic>
+      <p:cxnSp>
+        <p:nvCxnSpPr>
+          <p:cNvPr id="1134" name="도형 9"/>
+          <p:cNvCxnSpPr>
+            <a:stCxn id="1132" idx="1"/>
+          </p:cNvCxnSpPr>
+          <p:nvPr/>
+        </p:nvCxnSpPr>
+        <p:spPr>
+          <a:xfrm rot="0" flipH="1" flipV="1">
+            <a:off x="3632835" y="1798955"/>
+            <a:ext cx="873760" cy="450215"/>
+          </a:xfrm>
+          <a:prstGeom prst="straightConnector1"/>
+          <a:ln w="19050" cap="flat" cmpd="sng">
+            <a:prstDash/>
+            <a:tailEnd type="triangle" w="med" len="med"/>
+          </a:ln>
+        </p:spPr>
+        <p:style>
+          <a:lnRef idx="3">
+            <a:schemeClr val="accent2"/>
+          </a:lnRef>
+          <a:fillRef idx="0">
+            <a:schemeClr val="accent2"/>
+          </a:fillRef>
+          <a:effectRef idx="2">
+            <a:schemeClr val="accent2"/>
+          </a:effectRef>
+          <a:fontRef idx="minor">
+            <a:schemeClr val="tx1"/>
+          </a:fontRef>
+        </p:style>
+      </p:cxnSp>
+      <p:pic>
+        <p:nvPicPr>
+          <p:cNvPr id="1147" name="그림 53" descr="C:/Users/Admin1/AppData/Roaming/PolarisOffice/ETemp/19216_9281256/fImage36061579358.png"/>
+          <p:cNvPicPr>
+            <a:picLocks noChangeAspect="1"/>
+          </p:cNvPicPr>
+          <p:nvPr/>
+        </p:nvPicPr>
+        <p:blipFill rotWithShape="1">
+          <a:blip r:embed="rId14" cstate="print">
+            <a:extLst>
+              <a:ext uri="{28A0092B-C50C-407E-A947-70E740481C1C}">
+                <a14:useLocalDpi xmlns:a14="http://schemas.microsoft.com/office/drawing/2010/main" val="0"/>
+              </a:ext>
+            </a:extLst>
+          </a:blip>
+          <a:stretch>
+            <a:fillRect/>
+          </a:stretch>
+        </p:blipFill>
+        <p:spPr>
+          <a:xfrm rot="0">
+            <a:off x="6806565" y="3693160"/>
+            <a:ext cx="4221480" cy="1456690"/>
+          </a:xfrm>
+          <a:prstGeom prst="roundRect"/>
+          <a:solidFill>
+            <a:srgbClr val="EDEDED"/>
+          </a:solidFill>
+        </p:spPr>
+      </p:pic>
+      <p:sp>
+        <p:nvSpPr>
+          <p:cNvPr id="1148" name="텍스트 상자 56"/>
+          <p:cNvSpPr txBox="1">
+            <a:spLocks/>
+          </p:cNvSpPr>
+          <p:nvPr/>
+        </p:nvSpPr>
+        <p:spPr>
+          <a:xfrm rot="0">
+            <a:off x="6805930" y="5285740"/>
+            <a:ext cx="4222115" cy="954405"/>
+          </a:xfrm>
+          <a:prstGeom prst="rect"/>
+          <a:noFill/>
+          <a:ln w="0">
+            <a:noFill/>
+            <a:prstDash/>
+          </a:ln>
+        </p:spPr>
+        <p:txBody>
+          <a:bodyPr wrap="square" lIns="89535" tIns="46355" rIns="89535" bIns="46355" numCol="1" vert="horz" anchor="t">
+            <a:spAutoFit/>
+          </a:bodyPr>
+          <a:lstStyle/>
+          <a:p>
+            <a:pPr marL="0" indent="0" algn="l" latinLnBrk="0" hangingPunct="1">
+              <a:buFontTx/>
+              <a:buNone/>
+            </a:pPr>
+            <a:r>
+              <a:rPr lang="ko-KR" sz="2000" b="1">
+                <a:solidFill>
+                  <a:srgbClr val="0611F2"/>
+                </a:solidFill>
+                <a:latin typeface="맑은 고딕" charset="0"/>
+                <a:ea typeface="맑은 고딕" charset="0"/>
+              </a:rPr>
+              <a:t>1</a:t>
+            </a:r>
+            <a:r>
+              <a:rPr lang="ko-KR" sz="2000" b="1">
+                <a:solidFill>
+                  <a:srgbClr val="0611F2"/>
+                </a:solidFill>
+                <a:latin typeface="맑은 고딕" charset="0"/>
+                <a:ea typeface="맑은 고딕" charset="0"/>
+              </a:rPr>
+              <a:t>2</a:t>
+            </a:r>
+            <a:r>
+              <a:rPr lang="ko-KR" sz="2000" b="1">
+                <a:solidFill>
+                  <a:srgbClr val="0611F2"/>
+                </a:solidFill>
+                <a:latin typeface="맑은 고딕" charset="0"/>
+                <a:ea typeface="맑은 고딕" charset="0"/>
+              </a:rPr>
+              <a:t>. </a:t>
+            </a:r>
+            <a:r>
+              <a:rPr lang="ko-KR" sz="1800">
+                <a:latin typeface="맑은 고딕" charset="0"/>
+                <a:ea typeface="맑은 고딕" charset="0"/>
+              </a:rPr>
+              <a:t>그런 다음 P</a:t>
+            </a:r>
+            <a:r>
+              <a:rPr lang="ko-KR" sz="1800">
+                <a:latin typeface="맑은 고딕" charset="0"/>
+                <a:ea typeface="맑은 고딕" charset="0"/>
+              </a:rPr>
+              <a:t>icking 스크립트에서 </a:t>
+            </a:r>
+            <a:r>
+              <a:rPr lang="ko-KR" sz="1800">
+                <a:latin typeface="맑은 고딕" charset="0"/>
+                <a:ea typeface="맑은 고딕" charset="0"/>
+              </a:rPr>
+              <a:t>LayerMask 변수와 RaycastHit 변수를 선언합니다.</a:t>
+            </a:r>
+            <a:endParaRPr lang="ko-KR" altLang="en-US" sz="1800">
+              <a:latin typeface="맑은 고딕" charset="0"/>
+              <a:ea typeface="맑은 고딕" charset="0"/>
+            </a:endParaRPr>
+          </a:p>
+        </p:txBody>
+      </p:sp>
+      <p:pic>
+        <p:nvPicPr>
+          <p:cNvPr id="1149" name="그림 58" descr="C:/Users/Admin1/AppData/Roaming/PolarisOffice/ETemp/19216_9281256/fImage123581606962.png"/>
+          <p:cNvPicPr>
+            <a:picLocks noChangeAspect="1"/>
+          </p:cNvPicPr>
+          <p:nvPr/>
+        </p:nvPicPr>
+        <p:blipFill rotWithShape="1">
+          <a:blip r:embed="rId15" cstate="print">
+            <a:extLst>
+              <a:ext uri="{28A0092B-C50C-407E-A947-70E740481C1C}">
+                <a14:useLocalDpi xmlns:a14="http://schemas.microsoft.com/office/drawing/2010/main" val="0"/>
+              </a:ext>
+            </a:extLst>
+          </a:blip>
+          <a:stretch>
+            <a:fillRect/>
+          </a:stretch>
+        </p:blipFill>
+        <p:spPr>
+          <a:xfrm rot="0">
+            <a:off x="6815455" y="1332230"/>
+            <a:ext cx="4203700" cy="1453515"/>
+          </a:xfrm>
+          <a:prstGeom prst="roundRect"/>
+          <a:solidFill>
+            <a:srgbClr val="EDEDED"/>
+          </a:solidFill>
+        </p:spPr>
+      </p:pic>
+      <p:sp>
+        <p:nvSpPr>
+          <p:cNvPr id="1150" name="텍스트 상자 61"/>
+          <p:cNvSpPr txBox="1">
+            <a:spLocks/>
+          </p:cNvSpPr>
+          <p:nvPr/>
+        </p:nvSpPr>
+        <p:spPr>
+          <a:xfrm rot="0">
+            <a:off x="6815455" y="2891790"/>
+            <a:ext cx="4212590" cy="677545"/>
+          </a:xfrm>
+          <a:prstGeom prst="rect"/>
+          <a:noFill/>
+          <a:ln w="0">
+            <a:noFill/>
+            <a:prstDash/>
+          </a:ln>
+        </p:spPr>
+        <p:txBody>
+          <a:bodyPr wrap="square" lIns="89535" tIns="46355" rIns="89535" bIns="46355" numCol="1" vert="horz" anchor="t">
+            <a:spAutoFit/>
+          </a:bodyPr>
+          <a:lstStyle/>
+          <a:p>
+            <a:pPr marL="0" indent="0" algn="l" latinLnBrk="0" hangingPunct="1">
+              <a:buFontTx/>
+              <a:buNone/>
+            </a:pPr>
+            <a:r>
+              <a:rPr lang="ko-KR" sz="2000" b="1">
+                <a:solidFill>
+                  <a:srgbClr val="0611F2"/>
+                </a:solidFill>
+                <a:latin typeface="맑은 고딕" charset="0"/>
+                <a:ea typeface="맑은 고딕" charset="0"/>
+              </a:rPr>
+              <a:t>11</a:t>
+            </a:r>
+            <a:r>
+              <a:rPr lang="ko-KR" sz="2000" b="1">
+                <a:solidFill>
+                  <a:srgbClr val="0611F2"/>
+                </a:solidFill>
+                <a:latin typeface="맑은 고딕" charset="0"/>
+                <a:ea typeface="맑은 고딕" charset="0"/>
+              </a:rPr>
+              <a:t>. </a:t>
+            </a:r>
+            <a:r>
+              <a:rPr lang="ko-KR" sz="1800">
+                <a:latin typeface="맑은 고딕" charset="0"/>
+                <a:ea typeface="맑은 고딕" charset="0"/>
+              </a:rPr>
+              <a:t>그</a:t>
+            </a:r>
+            <a:r>
+              <a:rPr lang="ko-KR" sz="1800">
+                <a:latin typeface="맑은 고딕" charset="0"/>
+                <a:ea typeface="맑은 고딕" charset="0"/>
+              </a:rPr>
+              <a:t>리고</a:t>
+            </a:r>
+            <a:r>
+              <a:rPr lang="ko-KR" sz="1800">
+                <a:latin typeface="맑은 고딕" charset="0"/>
+                <a:ea typeface="맑은 고딕" charset="0"/>
+              </a:rPr>
+              <a:t> </a:t>
+            </a:r>
+            <a:r>
+              <a:rPr lang="ko-KR" sz="1800">
+                <a:latin typeface="맑은 고딕" charset="0"/>
+                <a:ea typeface="맑은 고딕" charset="0"/>
+              </a:rPr>
+              <a:t>Data Manager 오브젝트의 위치와 회전 값을 초기화합니다</a:t>
+            </a:r>
+            <a:r>
+              <a:rPr lang="ko-KR" sz="1800">
+                <a:latin typeface="맑은 고딕" charset="0"/>
+                <a:ea typeface="맑은 고딕" charset="0"/>
+              </a:rPr>
+              <a:t>.</a:t>
+            </a:r>
+            <a:endParaRPr lang="ko-KR" altLang="en-US" sz="1800">
               <a:latin typeface="맑은 고딕" charset="0"/>
               <a:ea typeface="맑은 고딕" charset="0"/>
             </a:endParaRPr>
@@ -8463,7 +9196,7 @@
       </p:grpSpPr>
       <p:sp>
         <p:nvSpPr>
-          <p:cNvPr id="1031" name="Rect 0"/>
+          <p:cNvPr id="1101" name="Rect 0"/>
           <p:cNvSpPr txBox="1">
             <a:spLocks/>
           </p:cNvSpPr>
@@ -8471,8 +9204,8 @@
         </p:nvSpPr>
         <p:spPr>
           <a:xfrm rot="0">
-            <a:off x="4513580" y="327660"/>
-            <a:ext cx="3160395" cy="554990"/>
+            <a:off x="1236980" y="1396365"/>
+            <a:ext cx="4152900" cy="4799965"/>
           </a:xfrm>
           <a:prstGeom prst="rect"/>
           <a:noFill/>
@@ -8487,86 +9220,37 @@
           </a:bodyPr>
           <a:lstStyle/>
           <a:p>
-            <a:pPr marL="0" indent="0" algn="l" latinLnBrk="0">
-              <a:buFontTx/>
-              <a:buNone/>
-            </a:pPr>
-            <a:r>
-              <a:rPr lang="ko-KR" altLang="en-US" sz="3000" b="1">
-                <a:solidFill>
-                  <a:schemeClr val="tx1"/>
-                </a:solidFill>
-                <a:latin typeface="맑은 고딕" charset="0"/>
-                <a:ea typeface="맑은 고딕" charset="0"/>
-              </a:rPr>
-              <a:t>네</a:t>
-            </a:r>
-            <a:r>
-              <a:rPr lang="ko-KR" altLang="en-US" sz="3000" b="1">
-                <a:solidFill>
-                  <a:schemeClr val="tx1"/>
-                </a:solidFill>
-                <a:latin typeface="맑은 고딕" charset="0"/>
-                <a:ea typeface="맑은 고딕" charset="0"/>
-              </a:rPr>
-              <a:t> 번째 튜토리얼</a:t>
-            </a:r>
-            <a:endParaRPr lang="ko-KR" altLang="en-US" sz="3000" b="1">
-              <a:solidFill>
-                <a:schemeClr val="tx1"/>
-              </a:solidFill>
-              <a:latin typeface="맑은 고딕" charset="0"/>
-              <a:ea typeface="맑은 고딕" charset="0"/>
-            </a:endParaRPr>
-          </a:p>
-        </p:txBody>
-      </p:sp>
-      <p:sp>
-        <p:nvSpPr>
-          <p:cNvPr id="1116" name="Rect 0"/>
-          <p:cNvSpPr txBox="1">
-            <a:spLocks/>
-          </p:cNvSpPr>
-          <p:nvPr/>
-        </p:nvSpPr>
-        <p:spPr>
-          <a:xfrm rot="0">
-            <a:off x="6797040" y="4453255"/>
-            <a:ext cx="4373880" cy="1784985"/>
-          </a:xfrm>
-          <a:prstGeom prst="rect"/>
-          <a:noFill/>
-          <a:ln w="0">
-            <a:noFill/>
-            <a:prstDash/>
-          </a:ln>
-        </p:spPr>
-        <p:txBody>
-          <a:bodyPr wrap="square" lIns="89535" tIns="46355" rIns="89535" bIns="46355" numCol="1" vert="horz" anchor="t">
-            <a:spAutoFit/>
-          </a:bodyPr>
-          <a:lstStyle/>
-          <a:p>
             <a:pPr marL="0" indent="0" algn="l" latinLnBrk="0" hangingPunct="1">
               <a:buFontTx/>
               <a:buNone/>
             </a:pPr>
             <a:r>
-              <a:rPr lang="ko-KR" sz="2000" b="1">
-                <a:solidFill>
-                  <a:srgbClr val="0611F2"/>
-                </a:solidFill>
-                <a:latin typeface="맑은 고딕" charset="0"/>
-                <a:ea typeface="맑은 고딕" charset="0"/>
-              </a:rPr>
-              <a:t>12. </a:t>
-            </a:r>
-            <a:r>
               <a:rPr lang="ko-KR" sz="1800">
                 <a:latin typeface="맑은 고딕" charset="0"/>
                 <a:ea typeface="맑은 고딕" charset="0"/>
               </a:rPr>
-              <a:t>Picking 스크립트에서 왼쪽 버튼을 클릭했을 때 카메라에서 광선을 발사합니다.</a:t>
+              <a:t>Physics.Raycast( ) 함수는 3차원 공간에서</a:t>
+            </a:r>
+            <a:r>
+              <a:rPr lang="ko-KR" sz="1800">
+                <a:latin typeface="맑은 고딕" charset="0"/>
+                <a:ea typeface="맑은 고딕" charset="0"/>
+              </a:rPr>
+              <a:t> 정해진 방향으로</a:t>
+            </a:r>
+            <a:r>
+              <a:rPr lang="ko-KR" sz="1800">
+                <a:latin typeface="맑은 고딕" charset="0"/>
+                <a:ea typeface="맑은 고딕" charset="0"/>
+              </a:rPr>
+              <a:t> 광선을 발사</a:t>
+            </a:r>
+            <a:r>
+              <a:rPr lang="ko-KR" sz="1800">
+                <a:latin typeface="맑은 고딕" charset="0"/>
+                <a:ea typeface="맑은 고딕" charset="0"/>
+              </a:rPr>
+              <a:t>하는 함수입니다.</a:t>
             </a:r>
             <a:endParaRPr lang="ko-KR" altLang="en-US" sz="1800">
               <a:latin typeface="맑은 고딕" charset="0"/>
@@ -8593,315 +9277,161 @@
                 <a:latin typeface="맑은 고딕" charset="0"/>
                 <a:ea typeface="맑은 고딕" charset="0"/>
               </a:rPr>
-              <a:t>마우스를 클릭했을 때 좌표를 3D 월드 공간상의 좌표로 변환합니다.</a:t>
+              <a:t>그리고</a:t>
+            </a:r>
+            <a:r>
+              <a:rPr lang="ko-KR" sz="1800">
+                <a:latin typeface="맑은 고딕" charset="0"/>
+                <a:ea typeface="맑은 고딕" charset="0"/>
+              </a:rPr>
+              <a:t> </a:t>
+            </a:r>
+            <a:r>
+              <a:rPr lang="ko-KR" sz="1800">
+                <a:latin typeface="맑은 고딕" charset="0"/>
+                <a:ea typeface="맑은 고딕" charset="0"/>
+              </a:rPr>
+              <a:t>발사한 광선이 </a:t>
+            </a:r>
+            <a:r>
+              <a:rPr lang="ko-KR" sz="1800">
+                <a:latin typeface="맑은 고딕" charset="0"/>
+                <a:ea typeface="맑은 고딕" charset="0"/>
+              </a:rPr>
+              <a:t>객체</a:t>
+            </a:r>
+            <a:r>
+              <a:rPr lang="ko-KR" sz="1800">
+                <a:latin typeface="맑은 고딕" charset="0"/>
+                <a:ea typeface="맑은 고딕" charset="0"/>
+              </a:rPr>
+              <a:t>와 충돌을 하게 되면 감지하도록 설정할 수 있습니다.</a:t>
             </a:r>
             <a:endParaRPr lang="ko-KR" altLang="en-US" sz="1800">
               <a:latin typeface="맑은 고딕" charset="0"/>
               <a:ea typeface="맑은 고딕" charset="0"/>
             </a:endParaRPr>
           </a:p>
-        </p:txBody>
-      </p:sp>
-      <p:sp>
-        <p:nvSpPr>
-          <p:cNvPr id="1127" name="Rect 0"/>
-          <p:cNvSpPr txBox="1">
-            <a:spLocks/>
-          </p:cNvSpPr>
-          <p:nvPr/>
-        </p:nvSpPr>
-        <p:spPr>
-          <a:xfrm rot="0">
-            <a:off x="1146810" y="2171700"/>
-            <a:ext cx="4225290" cy="955040"/>
-          </a:xfrm>
-          <a:prstGeom prst="rect"/>
-          <a:noFill/>
-          <a:ln w="0">
-            <a:noFill/>
-            <a:prstDash/>
-          </a:ln>
-        </p:spPr>
-        <p:txBody>
-          <a:bodyPr wrap="square" lIns="89535" tIns="46355" rIns="89535" bIns="46355" numCol="1" vert="horz" anchor="t">
-            <a:spAutoFit/>
-          </a:bodyPr>
-          <a:lstStyle/>
           <a:p>
             <a:pPr marL="0" indent="0" algn="l" latinLnBrk="0" hangingPunct="1">
               <a:buFontTx/>
               <a:buNone/>
             </a:pPr>
-            <a:r>
-              <a:rPr lang="ko-KR" sz="2000" b="1">
-                <a:solidFill>
-                  <a:srgbClr val="0611F2"/>
-                </a:solidFill>
-                <a:latin typeface="맑은 고딕" charset="0"/>
-                <a:ea typeface="맑은 고딕" charset="0"/>
-              </a:rPr>
-              <a:t>10. </a:t>
-            </a:r>
-            <a:r>
-              <a:rPr lang="ko-KR" sz="1800">
-                <a:latin typeface="맑은 고딕" charset="0"/>
-                <a:ea typeface="맑은 고딕" charset="0"/>
-              </a:rPr>
-              <a:t>그다음으로 Picking 이라는 스크립트를 생성하고 Main Camera 오브젝트에 넣어줍니다.</a:t>
-            </a:r>
             <a:endParaRPr lang="ko-KR" altLang="en-US" sz="1800">
               <a:latin typeface="맑은 고딕" charset="0"/>
               <a:ea typeface="맑은 고딕" charset="0"/>
             </a:endParaRPr>
           </a:p>
-        </p:txBody>
-      </p:sp>
-      <p:pic>
-        <p:nvPicPr>
-          <p:cNvPr id="1132" name="그림 3"/>
-          <p:cNvPicPr>
-            <a:picLocks noChangeAspect="1"/>
-          </p:cNvPicPr>
-          <p:nvPr/>
-        </p:nvPicPr>
-        <p:blipFill rotWithShape="1">
-          <a:blip r:embed="rId2" cstate="hqprint">
-            <a:extLst>
-              <a:ext uri="{28A0092B-C50C-407E-A947-70E740481C1C}">
-                <a14:useLocalDpi xmlns:a14="http://schemas.microsoft.com/office/drawing/2010/main"/>
-              </a:ext>
-            </a:extLst>
-          </a:blip>
-          <a:stretch>
-            <a:fillRect/>
-          </a:stretch>
-        </p:blipFill>
-        <p:spPr>
-          <a:xfrm rot="0">
-            <a:off x="4613910" y="1228725"/>
-            <a:ext cx="757555" cy="801370"/>
-          </a:xfrm>
-          <a:prstGeom prst="roundRect"/>
-          <a:solidFill>
-            <a:srgbClr val="EDEDED"/>
-          </a:solidFill>
-        </p:spPr>
-      </p:pic>
-      <p:pic>
-        <p:nvPicPr>
-          <p:cNvPr id="1138" name="그림 8"/>
-          <p:cNvPicPr>
-            <a:picLocks noChangeAspect="1"/>
-          </p:cNvPicPr>
-          <p:nvPr/>
-        </p:nvPicPr>
-        <p:blipFill rotWithShape="1">
-          <a:blip r:embed="rId7" cstate="hqprint">
-            <a:extLst>
-              <a:ext uri="{28A0092B-C50C-407E-A947-70E740481C1C}">
-                <a14:useLocalDpi xmlns:a14="http://schemas.microsoft.com/office/drawing/2010/main"/>
-              </a:ext>
-            </a:extLst>
-          </a:blip>
-          <a:stretch>
-            <a:fillRect/>
-          </a:stretch>
-        </p:blipFill>
-        <p:spPr>
-          <a:xfrm rot="0">
-            <a:off x="1144270" y="1196975"/>
-            <a:ext cx="2963545" cy="890905"/>
-          </a:xfrm>
-          <a:prstGeom prst="roundRect"/>
-          <a:solidFill>
-            <a:srgbClr val="EDEDED"/>
-          </a:solidFill>
-        </p:spPr>
-      </p:pic>
-      <p:cxnSp>
-        <p:nvCxnSpPr>
-          <p:cNvPr id="1134" name="도형 9"/>
-          <p:cNvCxnSpPr>
-            <a:stCxn id="1132" idx="1"/>
-          </p:cNvCxnSpPr>
-          <p:nvPr/>
-        </p:nvCxnSpPr>
-        <p:spPr>
-          <a:xfrm rot="0" flipH="1" flipV="1">
-            <a:off x="3714750" y="1333500"/>
-            <a:ext cx="899795" cy="295910"/>
-          </a:xfrm>
-          <a:prstGeom prst="straightConnector1"/>
-          <a:ln w="19050" cap="flat" cmpd="sng">
-            <a:prstDash/>
-            <a:tailEnd type="triangle" w="med" len="med"/>
-          </a:ln>
-        </p:spPr>
-        <p:style>
-          <a:lnRef idx="3">
-            <a:schemeClr val="accent2"/>
-          </a:lnRef>
-          <a:fillRef idx="0">
-            <a:schemeClr val="accent2"/>
-          </a:fillRef>
-          <a:effectRef idx="2">
-            <a:schemeClr val="accent2"/>
-          </a:effectRef>
-          <a:fontRef idx="minor">
-            <a:schemeClr val="tx1"/>
-          </a:fontRef>
-        </p:style>
-      </p:cxnSp>
-      <p:pic>
-        <p:nvPicPr>
-          <p:cNvPr id="1139" name="그림 15"/>
-          <p:cNvPicPr>
-            <a:picLocks noChangeAspect="1"/>
-          </p:cNvPicPr>
-          <p:nvPr/>
-        </p:nvPicPr>
-        <p:blipFill rotWithShape="1">
-          <a:blip r:embed="rId8" cstate="hqprint">
-            <a:extLst>
-              <a:ext uri="{28A0092B-C50C-407E-A947-70E740481C1C}">
-                <a14:useLocalDpi xmlns:a14="http://schemas.microsoft.com/office/drawing/2010/main"/>
-              </a:ext>
-            </a:extLst>
-          </a:blip>
-          <a:stretch>
-            <a:fillRect/>
-          </a:stretch>
-        </p:blipFill>
-        <p:spPr>
-          <a:xfrm rot="0">
-            <a:off x="2577465" y="4149090"/>
-            <a:ext cx="2794000" cy="752475"/>
-          </a:xfrm>
-          <a:prstGeom prst="roundRect"/>
-          <a:solidFill>
-            <a:srgbClr val="EDEDED"/>
-          </a:solidFill>
-        </p:spPr>
-      </p:pic>
-      <p:pic>
-        <p:nvPicPr>
-          <p:cNvPr id="1140" name="그림 16"/>
-          <p:cNvPicPr>
-            <a:picLocks noChangeAspect="1"/>
-          </p:cNvPicPr>
-          <p:nvPr/>
-        </p:nvPicPr>
-        <p:blipFill rotWithShape="1">
-          <a:blip r:embed="rId9" cstate="hqprint">
-            <a:extLst>
-              <a:ext uri="{28A0092B-C50C-407E-A947-70E740481C1C}">
-                <a14:useLocalDpi xmlns:a14="http://schemas.microsoft.com/office/drawing/2010/main"/>
-              </a:ext>
-            </a:extLst>
-          </a:blip>
-          <a:stretch>
-            <a:fillRect/>
-          </a:stretch>
-        </p:blipFill>
-        <p:spPr>
-          <a:xfrm rot="0">
-            <a:off x="2577465" y="3267710"/>
-            <a:ext cx="2794000" cy="759460"/>
-          </a:xfrm>
-          <a:prstGeom prst="roundRect"/>
-          <a:solidFill>
-            <a:srgbClr val="EDEDED"/>
-          </a:solidFill>
-        </p:spPr>
-      </p:pic>
-      <p:sp>
-        <p:nvSpPr>
-          <p:cNvPr id="1141" name="텍스트 상자 21"/>
-          <p:cNvSpPr txBox="1">
-            <a:spLocks/>
-          </p:cNvSpPr>
-          <p:nvPr/>
-        </p:nvSpPr>
-        <p:spPr>
-          <a:xfrm rot="0">
-            <a:off x="1143635" y="5001260"/>
-            <a:ext cx="4225290" cy="1231265"/>
-          </a:xfrm>
-          <a:prstGeom prst="rect"/>
-          <a:noFill/>
-          <a:ln w="0">
-            <a:noFill/>
-            <a:prstDash/>
-          </a:ln>
-        </p:spPr>
-        <p:txBody>
-          <a:bodyPr wrap="square" lIns="89535" tIns="46355" rIns="89535" bIns="46355" numCol="1" vert="horz" anchor="t">
-            <a:spAutoFit/>
-          </a:bodyPr>
-          <a:lstStyle/>
           <a:p>
             <a:pPr marL="0" indent="0" algn="l" latinLnBrk="0" hangingPunct="1">
               <a:buFontTx/>
               <a:buNone/>
             </a:pPr>
-            <a:r>
-              <a:rPr lang="ko-KR" sz="2000" b="1">
-                <a:solidFill>
-                  <a:srgbClr val="0611F2"/>
-                </a:solidFill>
-                <a:latin typeface="맑은 고딕" charset="0"/>
-                <a:ea typeface="맑은 고딕" charset="0"/>
-              </a:rPr>
-              <a:t>11. </a:t>
-            </a:r>
-            <a:r>
-              <a:rPr lang="ko-KR" sz="1800">
-                <a:latin typeface="맑은 고딕" charset="0"/>
-                <a:ea typeface="맑은 고딕" charset="0"/>
-              </a:rPr>
-              <a:t>그리고 Saving 버튼에 있는 텍스트에는 1000원 (적금)을 입력하고 Withdrawal 버튼에 있는 텍스트에는 1000원 (출금)을 입력합니다.</a:t>
-            </a:r>
             <a:endParaRPr lang="ko-KR" altLang="en-US" sz="1800">
               <a:latin typeface="맑은 고딕" charset="0"/>
               <a:ea typeface="맑은 고딕" charset="0"/>
             </a:endParaRPr>
           </a:p>
+          <a:p>
+            <a:pPr marL="0" indent="0" algn="l" latinLnBrk="0" hangingPunct="1">
+              <a:buFontTx/>
+              <a:buNone/>
+            </a:pPr>
+            <a:endParaRPr lang="ko-KR" altLang="en-US" sz="1800">
+              <a:latin typeface="맑은 고딕" charset="0"/>
+              <a:ea typeface="맑은 고딕" charset="0"/>
+            </a:endParaRPr>
+          </a:p>
+          <a:p>
+            <a:pPr marL="0" indent="0" algn="l" latinLnBrk="0" hangingPunct="1">
+              <a:buFontTx/>
+              <a:buNone/>
+            </a:pPr>
+            <a:endParaRPr lang="ko-KR" altLang="en-US" sz="1800">
+              <a:latin typeface="맑은 고딕" charset="0"/>
+              <a:ea typeface="맑은 고딕" charset="0"/>
+            </a:endParaRPr>
+          </a:p>
+          <a:p>
+            <a:pPr marL="0" indent="0" algn="l" latinLnBrk="0" hangingPunct="1">
+              <a:buFontTx/>
+              <a:buNone/>
+            </a:pPr>
+            <a:endParaRPr lang="ko-KR" altLang="en-US" sz="1800">
+              <a:latin typeface="맑은 고딕" charset="0"/>
+              <a:ea typeface="맑은 고딕" charset="0"/>
+            </a:endParaRPr>
+          </a:p>
+          <a:p>
+            <a:pPr marL="0" indent="0" algn="l" latinLnBrk="0" hangingPunct="1">
+              <a:buFontTx/>
+              <a:buNone/>
+            </a:pPr>
+            <a:endParaRPr lang="ko-KR" altLang="en-US" sz="1800">
+              <a:latin typeface="맑은 고딕" charset="0"/>
+              <a:ea typeface="맑은 고딕" charset="0"/>
+            </a:endParaRPr>
+          </a:p>
+          <a:p>
+            <a:pPr marL="0" indent="0" algn="l" latinLnBrk="0" hangingPunct="1">
+              <a:buFontTx/>
+              <a:buNone/>
+            </a:pPr>
+            <a:endParaRPr lang="ko-KR" altLang="en-US" sz="1800">
+              <a:latin typeface="맑은 고딕" charset="0"/>
+              <a:ea typeface="맑은 고딕" charset="0"/>
+            </a:endParaRPr>
+          </a:p>
+          <a:p>
+            <a:pPr marL="0" indent="0" algn="l" latinLnBrk="0" hangingPunct="1">
+              <a:buFontTx/>
+              <a:buNone/>
+            </a:pPr>
+            <a:r>
+              <a:rPr lang="ko-KR" sz="1800">
+                <a:latin typeface="맑은 고딕" charset="0"/>
+                <a:ea typeface="맑은 고딕" charset="0"/>
+              </a:rPr>
+              <a:t>하지만, </a:t>
+            </a:r>
+            <a:r>
+              <a:rPr lang="ko-KR" sz="1800">
+                <a:latin typeface="맑은 고딕" charset="0"/>
+                <a:ea typeface="맑은 고딕" charset="0"/>
+              </a:rPr>
+              <a:t>광선</a:t>
+            </a:r>
+            <a:r>
+              <a:rPr lang="ko-KR" sz="1800">
+                <a:latin typeface="맑은 고딕" charset="0"/>
+                <a:ea typeface="맑은 고딕" charset="0"/>
+              </a:rPr>
+              <a:t>이</a:t>
+            </a:r>
+            <a:r>
+              <a:rPr lang="ko-KR" sz="1800">
+                <a:latin typeface="맑은 고딕" charset="0"/>
+                <a:ea typeface="맑은 고딕" charset="0"/>
+              </a:rPr>
+              <a:t> </a:t>
+            </a:r>
+            <a:r>
+              <a:rPr lang="ko-KR" sz="1800">
+                <a:latin typeface="맑은 고딕" charset="0"/>
+                <a:ea typeface="맑은 고딕" charset="0"/>
+              </a:rPr>
+              <a:t>오브젝트를 감지하려면 오브젝트는 콜라이더 컴포넌트를 가지고 있어야 합니다.</a:t>
+            </a:r>
+            <a:endParaRPr lang="ko-KR" altLang="en-US" sz="1800">
+              <a:latin typeface="맑은 고딕" charset="0"/>
+              <a:ea typeface="맑은 고딕" charset="0"/>
+            </a:endParaRPr>
+          </a:p>
         </p:txBody>
       </p:sp>
       <p:pic>
         <p:nvPicPr>
-          <p:cNvPr id="1142" name="그림 22"/>
-          <p:cNvPicPr>
-            <a:picLocks noChangeAspect="1"/>
-          </p:cNvPicPr>
-          <p:nvPr/>
-        </p:nvPicPr>
-        <p:blipFill rotWithShape="1">
-          <a:blip r:embed="rId10" cstate="hqprint">
-            <a:extLst>
-              <a:ext uri="{28A0092B-C50C-407E-A947-70E740481C1C}">
-                <a14:useLocalDpi xmlns:a14="http://schemas.microsoft.com/office/drawing/2010/main"/>
-              </a:ext>
-            </a:extLst>
-          </a:blip>
-          <a:stretch>
-            <a:fillRect/>
-          </a:stretch>
-        </p:blipFill>
-        <p:spPr>
-          <a:xfrm rot="0">
-            <a:off x="1146810" y="3260725"/>
-            <a:ext cx="1207135" cy="1649730"/>
-          </a:xfrm>
-          <a:prstGeom prst="roundRect"/>
-          <a:solidFill>
-            <a:srgbClr val="EDEDED"/>
-          </a:solidFill>
-        </p:spPr>
-      </p:pic>
-      <p:pic>
-        <p:nvPicPr>
-          <p:cNvPr id="1143" name="그림 21" descr="C:/Users/Admin1/AppData/Roaming/PolarisOffice/ETemp/19732_10403440/fImage1866022541.png"/>
+          <p:cNvPr id="1127" name="그림 72" descr="C:/Users/Admin1/AppData/Roaming/PolarisOffice/ETemp/19216_9281256/fImage200481306827.png"/>
           <p:cNvPicPr>
             <a:picLocks noChangeAspect="1"/>
           </p:cNvPicPr>
@@ -8921,8 +9451,280 @@
         </p:blipFill>
         <p:spPr>
           <a:xfrm rot="0">
-            <a:off x="6814820" y="1349375"/>
-            <a:ext cx="4374515" cy="3042285"/>
+            <a:off x="1236980" y="3571875"/>
+            <a:ext cx="4151630" cy="1505585"/>
+          </a:xfrm>
+          <a:prstGeom prst="roundRect"/>
+          <a:solidFill>
+            <a:srgbClr val="EDEDED"/>
+          </a:solidFill>
+        </p:spPr>
+      </p:pic>
+      <p:sp>
+        <p:nvSpPr>
+          <p:cNvPr id="1128" name="텍스트 상자 2"/>
+          <p:cNvSpPr txBox="1">
+            <a:spLocks/>
+          </p:cNvSpPr>
+          <p:nvPr/>
+        </p:nvSpPr>
+        <p:spPr>
+          <a:xfrm rot="0">
+            <a:off x="4289425" y="355600"/>
+            <a:ext cx="3615690" cy="554990"/>
+          </a:xfrm>
+          <a:prstGeom prst="rect"/>
+          <a:noFill/>
+          <a:ln w="0">
+            <a:noFill/>
+            <a:prstDash/>
+          </a:ln>
+        </p:spPr>
+        <p:txBody>
+          <a:bodyPr wrap="square" lIns="89535" tIns="46355" rIns="89535" bIns="46355" numCol="1" vert="horz" anchor="t">
+            <a:spAutoFit/>
+          </a:bodyPr>
+          <a:lstStyle/>
+          <a:p>
+            <a:pPr marL="0" indent="0" algn="l" latinLnBrk="0">
+              <a:buFontTx/>
+              <a:buNone/>
+            </a:pPr>
+            <a:r>
+              <a:rPr lang="ko-KR" altLang="en-US" sz="3000" b="1">
+                <a:solidFill>
+                  <a:schemeClr val="tx1"/>
+                </a:solidFill>
+                <a:latin typeface="맑은 고딕" charset="0"/>
+                <a:ea typeface="맑은 고딕" charset="0"/>
+              </a:rPr>
+              <a:t>다섯 번째 튜토리얼</a:t>
+            </a:r>
+            <a:endParaRPr lang="ko-KR" altLang="en-US" sz="3000" b="1">
+              <a:solidFill>
+                <a:schemeClr val="tx1"/>
+              </a:solidFill>
+              <a:latin typeface="맑은 고딕" charset="0"/>
+              <a:ea typeface="맑은 고딕" charset="0"/>
+            </a:endParaRPr>
+          </a:p>
+        </p:txBody>
+      </p:sp>
+      <p:sp>
+        <p:nvSpPr>
+          <p:cNvPr id="1129" name="텍스트 상자 62"/>
+          <p:cNvSpPr txBox="1">
+            <a:spLocks/>
+          </p:cNvSpPr>
+          <p:nvPr/>
+        </p:nvSpPr>
+        <p:spPr>
+          <a:xfrm rot="0">
+            <a:off x="6805930" y="3588385"/>
+            <a:ext cx="4374515" cy="2615565"/>
+          </a:xfrm>
+          <a:prstGeom prst="rect"/>
+          <a:noFill/>
+          <a:ln w="0">
+            <a:noFill/>
+            <a:prstDash/>
+          </a:ln>
+        </p:spPr>
+        <p:txBody>
+          <a:bodyPr wrap="square" lIns="89535" tIns="46355" rIns="89535" bIns="46355" numCol="1" vert="horz" anchor="t">
+            <a:spAutoFit/>
+          </a:bodyPr>
+          <a:lstStyle/>
+          <a:p>
+            <a:pPr marL="0" indent="0" algn="l" latinLnBrk="0" hangingPunct="1">
+              <a:buFontTx/>
+              <a:buNone/>
+            </a:pPr>
+            <a:r>
+              <a:rPr lang="ko-KR" sz="2000" b="1">
+                <a:solidFill>
+                  <a:srgbClr val="0611F2"/>
+                </a:solidFill>
+                <a:latin typeface="맑은 고딕" charset="0"/>
+                <a:ea typeface="맑은 고딕" charset="0"/>
+              </a:rPr>
+              <a:t>1</a:t>
+            </a:r>
+            <a:r>
+              <a:rPr lang="ko-KR" sz="2000" b="1">
+                <a:solidFill>
+                  <a:srgbClr val="0611F2"/>
+                </a:solidFill>
+                <a:latin typeface="맑은 고딕" charset="0"/>
+                <a:ea typeface="맑은 고딕" charset="0"/>
+              </a:rPr>
+              <a:t>3</a:t>
+            </a:r>
+            <a:r>
+              <a:rPr lang="ko-KR" sz="2000" b="1">
+                <a:solidFill>
+                  <a:srgbClr val="0611F2"/>
+                </a:solidFill>
+                <a:latin typeface="맑은 고딕" charset="0"/>
+                <a:ea typeface="맑은 고딕" charset="0"/>
+              </a:rPr>
+              <a:t>. </a:t>
+            </a:r>
+            <a:r>
+              <a:rPr lang="ko-KR" sz="1800">
+                <a:latin typeface="맑은 고딕" charset="0"/>
+                <a:ea typeface="맑은 고딕" charset="0"/>
+              </a:rPr>
+              <a:t>마지막으로 P</a:t>
+            </a:r>
+            <a:r>
+              <a:rPr lang="ko-KR" sz="1800">
+                <a:latin typeface="맑은 고딕" charset="0"/>
+                <a:ea typeface="맑은 고딕" charset="0"/>
+              </a:rPr>
+              <a:t>icking 스크립트에서 왼쪽 버튼을 클릭했을 때 카메라에서 광선</a:t>
+            </a:r>
+            <a:r>
+              <a:rPr lang="ko-KR" sz="1800">
+                <a:latin typeface="맑은 고딕" charset="0"/>
+                <a:ea typeface="맑은 고딕" charset="0"/>
+              </a:rPr>
+              <a:t>이</a:t>
+            </a:r>
+            <a:r>
+              <a:rPr lang="ko-KR" sz="1800">
+                <a:latin typeface="맑은 고딕" charset="0"/>
+                <a:ea typeface="맑은 고딕" charset="0"/>
+              </a:rPr>
+              <a:t> 발사</a:t>
+            </a:r>
+            <a:r>
+              <a:rPr lang="ko-KR" sz="1800">
+                <a:latin typeface="맑은 고딕" charset="0"/>
+                <a:ea typeface="맑은 고딕" charset="0"/>
+              </a:rPr>
+              <a:t>되도록 설정합니다.</a:t>
+            </a:r>
+            <a:endParaRPr lang="ko-KR" altLang="en-US" sz="1800">
+              <a:latin typeface="맑은 고딕" charset="0"/>
+              <a:ea typeface="맑은 고딕" charset="0"/>
+            </a:endParaRPr>
+          </a:p>
+          <a:p>
+            <a:pPr marL="0" indent="0" algn="l" latinLnBrk="0" hangingPunct="1">
+              <a:buFontTx/>
+              <a:buNone/>
+            </a:pPr>
+            <a:endParaRPr lang="ko-KR" altLang="en-US" sz="1800">
+              <a:latin typeface="맑은 고딕" charset="0"/>
+              <a:ea typeface="맑은 고딕" charset="0"/>
+            </a:endParaRPr>
+          </a:p>
+          <a:p>
+            <a:pPr marL="0" indent="0" algn="l" latinLnBrk="0" hangingPunct="1">
+              <a:buFontTx/>
+              <a:buNone/>
+            </a:pPr>
+            <a:r>
+              <a:rPr lang="ko-KR" sz="1800">
+                <a:latin typeface="맑은 고딕" charset="0"/>
+                <a:ea typeface="맑은 고딕" charset="0"/>
+              </a:rPr>
+              <a:t>그다음 </a:t>
+            </a:r>
+            <a:r>
+              <a:rPr lang="ko-KR" sz="1800">
+                <a:latin typeface="맑은 고딕" charset="0"/>
+                <a:ea typeface="맑은 고딕" charset="0"/>
+              </a:rPr>
+              <a:t>마우스를 클릭했을 때 </a:t>
+            </a:r>
+            <a:r>
+              <a:rPr lang="ko-KR" sz="1800">
+                <a:latin typeface="맑은 고딕" charset="0"/>
+                <a:ea typeface="맑은 고딕" charset="0"/>
+              </a:rPr>
+              <a:t>스크린 </a:t>
+            </a:r>
+            <a:r>
+              <a:rPr lang="ko-KR" sz="1800">
+                <a:latin typeface="맑은 고딕" charset="0"/>
+                <a:ea typeface="맑은 고딕" charset="0"/>
+              </a:rPr>
+              <a:t>좌표를 월드 공간</a:t>
+            </a:r>
+            <a:r>
+              <a:rPr lang="ko-KR" sz="1800">
+                <a:latin typeface="맑은 고딕" charset="0"/>
+                <a:ea typeface="맑은 고딕" charset="0"/>
+              </a:rPr>
+              <a:t>의</a:t>
+            </a:r>
+            <a:r>
+              <a:rPr lang="ko-KR" sz="1800">
+                <a:latin typeface="맑은 고딕" charset="0"/>
+                <a:ea typeface="맑은 고딕" charset="0"/>
+              </a:rPr>
+              <a:t> 좌표로 변환합니다.</a:t>
+            </a:r>
+            <a:endParaRPr lang="ko-KR" altLang="en-US" sz="1800">
+              <a:latin typeface="맑은 고딕" charset="0"/>
+              <a:ea typeface="맑은 고딕" charset="0"/>
+            </a:endParaRPr>
+          </a:p>
+          <a:p>
+            <a:pPr marL="0" indent="0" algn="l" latinLnBrk="0" hangingPunct="1">
+              <a:buFontTx/>
+              <a:buNone/>
+            </a:pPr>
+            <a:endParaRPr lang="ko-KR" altLang="en-US" sz="1800">
+              <a:latin typeface="맑은 고딕" charset="0"/>
+              <a:ea typeface="맑은 고딕" charset="0"/>
+            </a:endParaRPr>
+          </a:p>
+          <a:p>
+            <a:pPr marL="0" indent="0" algn="l" latinLnBrk="0" hangingPunct="1">
+              <a:buFontTx/>
+              <a:buNone/>
+            </a:pPr>
+            <a:r>
+              <a:rPr lang="ko-KR" sz="1800">
+                <a:latin typeface="맑은 고딕" charset="0"/>
+                <a:ea typeface="맑은 고딕" charset="0"/>
+              </a:rPr>
+              <a:t>그리고 광선과 충돌한 물체는 머티리얼이 바뀌도록 설정합니다.</a:t>
+            </a:r>
+            <a:endParaRPr lang="ko-KR" altLang="en-US" sz="1800">
+              <a:latin typeface="맑은 고딕" charset="0"/>
+              <a:ea typeface="맑은 고딕" charset="0"/>
+            </a:endParaRPr>
+          </a:p>
+        </p:txBody>
+      </p:sp>
+      <p:pic>
+        <p:nvPicPr>
+          <p:cNvPr id="1130" name="그림 63" descr="C:/Users/Admin1/AppData/Roaming/PolarisOffice/ETemp/19216_9281256/fImage177581634464.png"/>
+          <p:cNvPicPr>
+            <a:picLocks noChangeAspect="1"/>
+          </p:cNvPicPr>
+          <p:nvPr/>
+        </p:nvPicPr>
+        <p:blipFill rotWithShape="1">
+          <a:blip r:embed="rId12" cstate="print">
+            <a:extLst>
+              <a:ext uri="{28A0092B-C50C-407E-A947-70E740481C1C}">
+                <a14:useLocalDpi xmlns:a14="http://schemas.microsoft.com/office/drawing/2010/main" val="0"/>
+              </a:ext>
+            </a:extLst>
+          </a:blip>
+          <a:stretch>
+            <a:fillRect/>
+          </a:stretch>
+        </p:blipFill>
+        <p:spPr>
+          <a:xfrm rot="0">
+            <a:off x="6806565" y="1392555"/>
+            <a:ext cx="4385945" cy="2119630"/>
           </a:xfrm>
           <a:prstGeom prst="rect"/>
           <a:noFill/>
@@ -8978,8 +9780,8 @@
         </p:nvSpPr>
         <p:spPr>
           <a:xfrm rot="0">
-            <a:off x="4364355" y="312420"/>
-            <a:ext cx="3459480" cy="554990"/>
+            <a:off x="4277995" y="329565"/>
+            <a:ext cx="3636645" cy="554990"/>
           </a:xfrm>
           <a:prstGeom prst="rect"/>
           <a:noFill/>
@@ -9006,7 +9808,7 @@
                 <a:latin typeface="맑은 고딕" charset="0"/>
                 <a:ea typeface="맑은 고딕" charset="0"/>
               </a:rPr>
-              <a:t>ScreenPointToRay</a:t>
+              <a:t>여섯 번째 튜토리얼</a:t>
             </a:r>
             <a:endParaRPr lang="ko-KR" altLang="en-US" sz="3000" b="1">
               <a:solidFill>
@@ -9028,8 +9830,8 @@
         </p:nvSpPr>
         <p:spPr>
           <a:xfrm rot="0">
-            <a:off x="984250" y="1197610"/>
-            <a:ext cx="4522470" cy="924560"/>
+            <a:off x="984250" y="1379220"/>
+            <a:ext cx="4523105" cy="925195"/>
           </a:xfrm>
           <a:prstGeom prst="rect"/>
           <a:noFill/>
@@ -9072,8 +9874,8 @@
         </p:nvSpPr>
         <p:spPr>
           <a:xfrm rot="0">
-            <a:off x="981710" y="5414010"/>
-            <a:ext cx="4525645" cy="648335"/>
+            <a:off x="981710" y="5578475"/>
+            <a:ext cx="4526280" cy="648970"/>
           </a:xfrm>
           <a:prstGeom prst="rect"/>
           <a:noFill/>
@@ -9106,124 +9908,9 @@
           </a:p>
         </p:txBody>
       </p:sp>
-      <p:sp>
-        <p:nvSpPr>
-          <p:cNvPr id="1117" name="텍스트 상자 2"/>
-          <p:cNvSpPr txBox="1">
-            <a:spLocks/>
-          </p:cNvSpPr>
-          <p:nvPr/>
-        </p:nvSpPr>
-        <p:spPr>
-          <a:xfrm rot="0">
-            <a:off x="6863715" y="1200785"/>
-            <a:ext cx="4406900" cy="924560"/>
-          </a:xfrm>
-          <a:prstGeom prst="rect"/>
-          <a:noFill/>
-          <a:ln w="0">
-            <a:noFill/>
-            <a:prstDash/>
-          </a:ln>
-        </p:spPr>
-        <p:txBody>
-          <a:bodyPr wrap="square" lIns="89535" tIns="46355" rIns="89535" bIns="46355" numCol="1" vert="horz" anchor="t">
-            <a:spAutoFit/>
-          </a:bodyPr>
-          <a:lstStyle/>
-          <a:p>
-            <a:pPr marL="0" indent="0" algn="l" latinLnBrk="0" hangingPunct="1">
-              <a:buFontTx/>
-              <a:buNone/>
-            </a:pPr>
-            <a:r>
-              <a:rPr lang="ko-KR" altLang="en-US" sz="1800">
-                <a:latin typeface="맑은 고딕" charset="0"/>
-                <a:ea typeface="맑은 고딕" charset="0"/>
-              </a:rPr>
-              <a:t>Debug.DrawLine( ) 함수는 지정된 시작 위치와 종료 위치 사이에 선을 그리는 함수입니다.</a:t>
-            </a:r>
-            <a:endParaRPr lang="ko-KR" altLang="en-US" sz="1800">
-              <a:latin typeface="맑은 고딕" charset="0"/>
-              <a:ea typeface="맑은 고딕" charset="0"/>
-            </a:endParaRPr>
-          </a:p>
-        </p:txBody>
-      </p:sp>
-      <p:sp>
-        <p:nvSpPr>
-          <p:cNvPr id="1121" name="텍스트 상자 5"/>
-          <p:cNvSpPr txBox="1">
-            <a:spLocks/>
-          </p:cNvSpPr>
-          <p:nvPr/>
-        </p:nvSpPr>
-        <p:spPr>
-          <a:xfrm rot="0">
-            <a:off x="6850380" y="4028440"/>
-            <a:ext cx="4407535" cy="2032635"/>
-          </a:xfrm>
-          <a:prstGeom prst="rect"/>
-          <a:noFill/>
-          <a:ln w="0">
-            <a:noFill/>
-            <a:prstDash/>
-          </a:ln>
-        </p:spPr>
-        <p:txBody>
-          <a:bodyPr wrap="square" lIns="89535" tIns="46355" rIns="89535" bIns="46355" numCol="1" vert="horz" anchor="t">
-            <a:spAutoFit/>
-          </a:bodyPr>
-          <a:lstStyle/>
-          <a:p>
-            <a:pPr marL="0" indent="0" algn="l" latinLnBrk="0" hangingPunct="1">
-              <a:buFontTx/>
-              <a:buNone/>
-            </a:pPr>
-            <a:r>
-              <a:rPr lang="ko-KR" altLang="en-US" sz="1800">
-                <a:latin typeface="맑은 고딕" charset="0"/>
-                <a:ea typeface="맑은 고딕" charset="0"/>
-              </a:rPr>
-              <a:t>광선의 시작 위치를 설정하고 광선의 종료 위치를 설정합니다.</a:t>
-            </a:r>
-            <a:endParaRPr lang="ko-KR" altLang="en-US" sz="1800">
-              <a:latin typeface="맑은 고딕" charset="0"/>
-              <a:ea typeface="맑은 고딕" charset="0"/>
-            </a:endParaRPr>
-          </a:p>
-          <a:p>
-            <a:pPr marL="0" indent="0" algn="l" latinLnBrk="0" hangingPunct="1">
-              <a:buFontTx/>
-              <a:buNone/>
-            </a:pPr>
-            <a:endParaRPr lang="ko-KR" altLang="en-US" sz="1800">
-              <a:latin typeface="맑은 고딕" charset="0"/>
-              <a:ea typeface="맑은 고딕" charset="0"/>
-            </a:endParaRPr>
-          </a:p>
-          <a:p>
-            <a:pPr marL="0" indent="0" algn="l" latinLnBrk="0" hangingPunct="1">
-              <a:buFontTx/>
-              <a:buNone/>
-            </a:pPr>
-            <a:r>
-              <a:rPr lang="ko-KR" altLang="en-US" sz="1800">
-                <a:latin typeface="맑은 고딕" charset="0"/>
-                <a:ea typeface="맑은 고딕" charset="0"/>
-              </a:rPr>
-              <a:t>그리고 광선의 색상과 광선을 표시하는 시간을 설정한 다음 광선 카메라에서 가까운 오브젝트에 가려졌는지 여부를 설정합니다.</a:t>
-            </a:r>
-            <a:endParaRPr lang="ko-KR" altLang="en-US" sz="1800">
-              <a:latin typeface="맑은 고딕" charset="0"/>
-              <a:ea typeface="맑은 고딕" charset="0"/>
-            </a:endParaRPr>
-          </a:p>
-        </p:txBody>
-      </p:sp>
       <p:pic>
         <p:nvPicPr>
-          <p:cNvPr id="1122" name="그림 1" descr="C:/Users/Admin1/AppData/Roaming/PolarisOffice/ETemp/19732_10403440/fImage2496610141.png"/>
+          <p:cNvPr id="1122" name="그림 1" descr="C:/Users/Admin1/AppData/Roaming/PolarisOffice/ETemp/19216_9281256/fImage2496610141.png"/>
           <p:cNvPicPr>
             <a:picLocks noChangeAspect="1"/>
           </p:cNvPicPr>
@@ -9243,8 +9930,8 @@
         </p:blipFill>
         <p:spPr>
           <a:xfrm rot="0">
-            <a:off x="981075" y="2317750"/>
-            <a:ext cx="4525645" cy="2907030"/>
+            <a:off x="981075" y="2473325"/>
+            <a:ext cx="4526280" cy="2924175"/>
           </a:xfrm>
           <a:prstGeom prst="roundRect"/>
           <a:solidFill>
@@ -9252,16 +9939,97 @@
           </a:solidFill>
         </p:spPr>
       </p:pic>
+      <p:sp>
+        <p:nvSpPr>
+          <p:cNvPr id="1123" name="텍스트 상자 57"/>
+          <p:cNvSpPr txBox="1">
+            <a:spLocks/>
+          </p:cNvSpPr>
+          <p:nvPr/>
+        </p:nvSpPr>
+        <p:spPr>
+          <a:xfrm rot="0">
+            <a:off x="6779895" y="5551805"/>
+            <a:ext cx="4187190" cy="677545"/>
+          </a:xfrm>
+          <a:prstGeom prst="rect"/>
+          <a:noFill/>
+          <a:ln w="0">
+            <a:noFill/>
+            <a:prstDash/>
+          </a:ln>
+        </p:spPr>
+        <p:txBody>
+          <a:bodyPr wrap="square" lIns="89535" tIns="46355" rIns="89535" bIns="46355" numCol="1" vert="horz" anchor="t">
+            <a:spAutoFit/>
+          </a:bodyPr>
+          <a:lstStyle/>
+          <a:p>
+            <a:pPr marL="0" indent="0" algn="l" latinLnBrk="0" hangingPunct="1">
+              <a:buFontTx/>
+              <a:buNone/>
+            </a:pPr>
+            <a:r>
+              <a:rPr lang="ko-KR" sz="2000" b="1">
+                <a:solidFill>
+                  <a:srgbClr val="0611F2"/>
+                </a:solidFill>
+                <a:latin typeface="맑은 고딕" charset="0"/>
+                <a:ea typeface="맑은 고딕" charset="0"/>
+              </a:rPr>
+              <a:t>1</a:t>
+            </a:r>
+            <a:r>
+              <a:rPr lang="ko-KR" sz="2000" b="1">
+                <a:solidFill>
+                  <a:srgbClr val="0611F2"/>
+                </a:solidFill>
+                <a:latin typeface="맑은 고딕" charset="0"/>
+                <a:ea typeface="맑은 고딕" charset="0"/>
+              </a:rPr>
+              <a:t>4</a:t>
+            </a:r>
+            <a:r>
+              <a:rPr lang="ko-KR" sz="2000" b="1">
+                <a:solidFill>
+                  <a:srgbClr val="0611F2"/>
+                </a:solidFill>
+                <a:latin typeface="맑은 고딕" charset="0"/>
+                <a:ea typeface="맑은 고딕" charset="0"/>
+              </a:rPr>
+              <a:t>. </a:t>
+            </a:r>
+            <a:r>
+              <a:rPr lang="ko-KR" sz="1800">
+                <a:latin typeface="맑은 고딕" charset="0"/>
+                <a:ea typeface="맑은 고딕" charset="0"/>
+              </a:rPr>
+              <a:t>이제 UI에서 Image를 생성한 다음 Window라는 이름으로 정의합니다</a:t>
+            </a:r>
+            <a:r>
+              <a:rPr lang="ko-KR" sz="1800">
+                <a:latin typeface="맑은 고딕" charset="0"/>
+                <a:ea typeface="맑은 고딕" charset="0"/>
+              </a:rPr>
+              <a:t>.</a:t>
+            </a:r>
+            <a:endParaRPr lang="ko-KR" altLang="en-US" sz="1800">
+              <a:latin typeface="맑은 고딕" charset="0"/>
+              <a:ea typeface="맑은 고딕" charset="0"/>
+            </a:endParaRPr>
+          </a:p>
+        </p:txBody>
+      </p:sp>
       <p:pic>
         <p:nvPicPr>
-          <p:cNvPr id="1123" name="그림 14" descr="C:/Users/Admin1/AppData/Roaming/PolarisOffice/ETemp/19732_10403440/fImage8412723741.png"/>
+          <p:cNvPr id="1124" name="그림 68" descr="C:/Users/Admin1/AppData/Roaming/PolarisOffice/ETemp/19216_9281256/fImage185001695705.png"/>
           <p:cNvPicPr>
             <a:picLocks noChangeAspect="1"/>
           </p:cNvPicPr>
           <p:nvPr/>
         </p:nvPicPr>
         <p:blipFill rotWithShape="1">
-          <a:blip r:embed="rId10" cstate="hqprint">
+          <a:blip r:embed="rId11" cstate="hqprint">
             <a:extLst>
               <a:ext uri="{28A0092B-C50C-407E-A947-70E740481C1C}">
                 <a14:useLocalDpi xmlns:a14="http://schemas.microsoft.com/office/drawing/2010/main"/>
@@ -9274,8 +10042,39 @@
         </p:blipFill>
         <p:spPr>
           <a:xfrm rot="0">
-            <a:off x="6866890" y="2320925"/>
-            <a:ext cx="4406900" cy="1519555"/>
+            <a:off x="6793230" y="1377950"/>
+            <a:ext cx="2608580" cy="3976370"/>
+          </a:xfrm>
+          <a:prstGeom prst="roundRect"/>
+          <a:solidFill>
+            <a:srgbClr val="EDEDED"/>
+          </a:solidFill>
+        </p:spPr>
+      </p:pic>
+      <p:pic>
+        <p:nvPicPr>
+          <p:cNvPr id="1125" name="그림 69" descr="C:/Users/Admin1/AppData/Roaming/PolarisOffice/ETemp/19216_9281256/fImage69871708145.png"/>
+          <p:cNvPicPr>
+            <a:picLocks noChangeAspect="1"/>
+          </p:cNvPicPr>
+          <p:nvPr/>
+        </p:nvPicPr>
+        <p:blipFill rotWithShape="1">
+          <a:blip r:embed="rId12" cstate="print">
+            <a:extLst>
+              <a:ext uri="{28A0092B-C50C-407E-A947-70E740481C1C}">
+                <a14:useLocalDpi xmlns:a14="http://schemas.microsoft.com/office/drawing/2010/main" val="0"/>
+              </a:ext>
+            </a:extLst>
+          </a:blip>
+          <a:stretch>
+            <a:fillRect/>
+          </a:stretch>
+        </p:blipFill>
+        <p:spPr>
+          <a:xfrm rot="0">
+            <a:off x="9591040" y="1868170"/>
+            <a:ext cx="1381760" cy="2984500"/>
           </a:xfrm>
           <a:prstGeom prst="roundRect"/>
           <a:solidFill>
@@ -9332,9 +10131,9 @@
           <p:nvPr/>
         </p:nvSpPr>
         <p:spPr>
-          <a:xfrm rot="0">
+          <a:xfrm>
             <a:off x="4342130" y="327660"/>
-            <a:ext cx="3507105" cy="554990"/>
+            <a:ext cx="3507740" cy="554990"/>
           </a:xfrm>
           <a:prstGeom prst="rect"/>
           <a:noFill/>
@@ -9361,7 +10160,7 @@
                 <a:latin typeface="맑은 고딕" charset="0"/>
                 <a:ea typeface="맑은 고딕" charset="0"/>
               </a:rPr>
-              <a:t>다섯</a:t>
+              <a:t>일곱</a:t>
             </a:r>
             <a:r>
               <a:rPr lang="ko-KR" altLang="en-US" sz="3000" b="1">
@@ -9394,7 +10193,7 @@
         <p:spPr>
           <a:xfrm rot="0">
             <a:off x="6814820" y="2553335"/>
-            <a:ext cx="4215765" cy="585470"/>
+            <a:ext cx="4083685" cy="949960"/>
           </a:xfrm>
           <a:prstGeom prst="rect"/>
           <a:noFill/>
@@ -9427,7 +10226,7 @@
                 <a:latin typeface="맑은 고딕" charset="0"/>
                 <a:ea typeface="맑은 고딕" charset="0"/>
               </a:rPr>
-              <a:t>3</a:t>
+              <a:t>5</a:t>
             </a:r>
             <a:r>
               <a:rPr lang="ko-KR" sz="2000" b="1">
@@ -9531,8 +10330,8 @@
         </p:nvSpPr>
         <p:spPr>
           <a:xfrm rot="0">
-            <a:off x="1327150" y="5257800"/>
-            <a:ext cx="4043680" cy="923925"/>
+            <a:off x="1327150" y="5292090"/>
+            <a:ext cx="4044315" cy="924560"/>
           </a:xfrm>
           <a:prstGeom prst="rect"/>
           <a:noFill/>
@@ -9542,7 +10341,7 @@
           </a:ln>
         </p:spPr>
         <p:txBody>
-          <a:bodyPr wrap="square" lIns="89535" tIns="46355" rIns="89535" bIns="46355" vert="horz" anchor="t">
+          <a:bodyPr wrap="square" lIns="89535" tIns="46355" rIns="89535" bIns="46355" numCol="1" vert="horz" anchor="t">
             <a:spAutoFit/>
           </a:bodyPr>
           <a:lstStyle/>
@@ -9567,7 +10366,7 @@
       </p:sp>
       <p:pic>
         <p:nvPicPr>
-          <p:cNvPr id="1146" name="그림 26" descr="C:/Users/Admin1/AppData/Roaming/PolarisOffice/ETemp/20872_11383232/fImage5685822298467.png"/>
+          <p:cNvPr id="1146" name="그림 26"/>
           <p:cNvPicPr>
             <a:picLocks noChangeAspect="1"/>
           </p:cNvPicPr>
@@ -9596,14 +10395,74 @@
       </p:pic>
       <p:pic>
         <p:nvPicPr>
-          <p:cNvPr id="1148" name="그림 31" descr="C:/Users/Admin1/AppData/Roaming/PolarisOffice/ETemp/20872_11383232/fImage100442346334.png"/>
+          <p:cNvPr id="1148" name="그림 31" descr="C:/Users/Admin1/AppData/Roaming/PolarisOffice/ETemp/19216_9281256/fImage100442346334.png"/>
           <p:cNvPicPr>
             <a:picLocks noChangeAspect="1"/>
           </p:cNvPicPr>
           <p:nvPr/>
         </p:nvPicPr>
         <p:blipFill rotWithShape="1">
-          <a:blip r:embed="rId7" cstate="print">
+          <a:blip r:embed="rId7" cstate="hqprint">
+            <a:extLst>
+              <a:ext uri="{28A0092B-C50C-407E-A947-70E740481C1C}">
+                <a14:useLocalDpi xmlns:a14="http://schemas.microsoft.com/office/drawing/2010/main"/>
+              </a:ext>
+            </a:extLst>
+          </a:blip>
+          <a:stretch>
+            <a:fillRect/>
+          </a:stretch>
+        </p:blipFill>
+        <p:spPr>
+          <a:xfrm rot="0">
+            <a:off x="6804025" y="1209675"/>
+            <a:ext cx="4102735" cy="1096645"/>
+          </a:xfrm>
+          <a:prstGeom prst="roundRect"/>
+          <a:solidFill>
+            <a:srgbClr val="EDEDED"/>
+          </a:solidFill>
+        </p:spPr>
+      </p:pic>
+      <p:pic>
+        <p:nvPicPr>
+          <p:cNvPr id="1149" name="그림 34" descr="C:/Users/Admin1/AppData/Roaming/PolarisOffice/ETemp/19216_9281256/fImage2392992356500.png"/>
+          <p:cNvPicPr>
+            <a:picLocks noChangeAspect="1"/>
+          </p:cNvPicPr>
+          <p:nvPr/>
+        </p:nvPicPr>
+        <p:blipFill rotWithShape="1">
+          <a:blip r:embed="rId8" cstate="hqprint">
+            <a:extLst>
+              <a:ext uri="{28A0092B-C50C-407E-A947-70E740481C1C}">
+                <a14:useLocalDpi xmlns:a14="http://schemas.microsoft.com/office/drawing/2010/main"/>
+              </a:ext>
+            </a:extLst>
+          </a:blip>
+          <a:stretch>
+            <a:fillRect/>
+          </a:stretch>
+        </p:blipFill>
+        <p:spPr>
+          <a:xfrm rot="0">
+            <a:off x="1316355" y="2597785"/>
+            <a:ext cx="4044950" cy="2548890"/>
+          </a:xfrm>
+          <a:prstGeom prst="rect"/>
+          <a:noFill/>
+        </p:spPr>
+      </p:pic>
+      <p:pic>
+        <p:nvPicPr>
+          <p:cNvPr id="1150" name="그림 72" descr="C:/Users/Admin1/AppData/Roaming/PolarisOffice/ETemp/19216_9281256/fImage197191713281.png"/>
+          <p:cNvPicPr>
+            <a:picLocks noChangeAspect="1"/>
+          </p:cNvPicPr>
+          <p:nvPr/>
+        </p:nvPicPr>
+        <p:blipFill rotWithShape="1">
+          <a:blip r:embed="rId9" cstate="print">
             <a:extLst>
               <a:ext uri="{28A0092B-C50C-407E-A947-70E740481C1C}">
                 <a14:useLocalDpi xmlns:a14="http://schemas.microsoft.com/office/drawing/2010/main" val="0"/>
@@ -9616,8 +10475,8 @@
         </p:blipFill>
         <p:spPr>
           <a:xfrm rot="0">
-            <a:off x="6804025" y="1209675"/>
-            <a:ext cx="4228465" cy="1096010"/>
+            <a:off x="8103870" y="3649980"/>
+            <a:ext cx="2802890" cy="1427480"/>
           </a:xfrm>
           <a:prstGeom prst="roundRect"/>
           <a:solidFill>
@@ -9627,14 +10486,14 @@
       </p:pic>
       <p:pic>
         <p:nvPicPr>
-          <p:cNvPr id="1149" name="그림 34" descr="C:/Users/Admin1/AppData/Roaming/PolarisOffice/ETemp/20872_11383232/fImage2392992356500.png"/>
+          <p:cNvPr id="1151" name="그림 75" descr="C:/Users/Admin1/AppData/Roaming/PolarisOffice/ETemp/19216_9281256/fImage64001726827.png"/>
           <p:cNvPicPr>
             <a:picLocks noChangeAspect="1"/>
           </p:cNvPicPr>
           <p:nvPr/>
         </p:nvPicPr>
         <p:blipFill rotWithShape="1">
-          <a:blip r:embed="rId8" cstate="print">
+          <a:blip r:embed="rId10" cstate="print">
             <a:extLst>
               <a:ext uri="{28A0092B-C50C-407E-A947-70E740481C1C}">
                 <a14:useLocalDpi xmlns:a14="http://schemas.microsoft.com/office/drawing/2010/main" val="0"/>
@@ -9647,37 +10506,8 @@
         </p:blipFill>
         <p:spPr>
           <a:xfrm rot="0">
-            <a:off x="1316355" y="2597785"/>
-            <a:ext cx="4044315" cy="2451100"/>
-          </a:xfrm>
-          <a:prstGeom prst="rect"/>
-          <a:noFill/>
-        </p:spPr>
-      </p:pic>
-      <p:pic>
-        <p:nvPicPr>
-          <p:cNvPr id="1150" name="그림 35" descr="C:/Users/Admin1/AppData/Roaming/PolarisOffice/ETemp/20872_11383232/fImage152002566500.png"/>
-          <p:cNvPicPr>
-            <a:picLocks noChangeAspect="1"/>
-          </p:cNvPicPr>
-          <p:nvPr/>
-        </p:nvPicPr>
-        <p:blipFill rotWithShape="1">
-          <a:blip r:embed="rId3" cstate="hqprint">
-            <a:extLst>
-              <a:ext uri="{28A0092B-C50C-407E-A947-70E740481C1C}">
-                <a14:useLocalDpi xmlns:a14="http://schemas.microsoft.com/office/drawing/2010/main"/>
-              </a:ext>
-            </a:extLst>
-          </a:blip>
-          <a:stretch>
-            <a:fillRect/>
-          </a:stretch>
-        </p:blipFill>
-        <p:spPr>
-          <a:xfrm rot="0">
-            <a:off x="6817995" y="3583305"/>
-            <a:ext cx="2526030" cy="1456690"/>
+            <a:off x="6814820" y="3658235"/>
+            <a:ext cx="1116965" cy="1419225"/>
           </a:xfrm>
           <a:prstGeom prst="roundRect"/>
           <a:solidFill>
@@ -9685,9 +10515,42 @@
           </a:solidFill>
         </p:spPr>
       </p:pic>
-      <p:sp>
-        <p:nvSpPr>
-          <p:cNvPr id="1151" name="텍스트 상자 36"/>
+      <p:cxnSp>
+        <p:nvCxnSpPr>
+          <p:cNvPr id="1152" name="도형 78"/>
+          <p:cNvCxnSpPr/>
+          <p:nvPr/>
+        </p:nvCxnSpPr>
+        <p:spPr>
+          <a:xfrm rot="0" flipH="1">
+            <a:off x="7611110" y="4514850"/>
+            <a:ext cx="2353310" cy="398145"/>
+          </a:xfrm>
+          <a:prstGeom prst="straightConnector1"/>
+          <a:ln w="6350" cap="flat" cmpd="sng">
+            <a:prstDash/>
+            <a:headEnd type="none" w="med" len="med"/>
+            <a:tailEnd type="triangle" w="med" len="med"/>
+          </a:ln>
+        </p:spPr>
+        <p:style>
+          <a:lnRef idx="1">
+            <a:schemeClr val="accent1"/>
+          </a:lnRef>
+          <a:fillRef idx="0">
+            <a:schemeClr val="accent1"/>
+          </a:fillRef>
+          <a:effectRef idx="0">
+            <a:schemeClr val="accent1"/>
+          </a:effectRef>
+          <a:fontRef idx="minor">
+            <a:schemeClr val="tx1"/>
+          </a:fontRef>
+        </p:style>
+      </p:cxnSp>
+      <p:sp>
+        <p:nvSpPr>
+          <p:cNvPr id="1153" name="텍스트 상자 79"/>
           <p:cNvSpPr txBox="1">
             <a:spLocks/>
           </p:cNvSpPr>
@@ -9695,8 +10558,8 @@
         </p:nvSpPr>
         <p:spPr>
           <a:xfrm rot="0">
-            <a:off x="6818630" y="5203190"/>
-            <a:ext cx="4041140" cy="979805"/>
+            <a:off x="6817360" y="5279390"/>
+            <a:ext cx="4083685" cy="949960"/>
           </a:xfrm>
           <a:prstGeom prst="rect"/>
           <a:noFill/>
@@ -9729,7 +10592,7 @@
                 <a:latin typeface="맑은 고딕" charset="0"/>
                 <a:ea typeface="맑은 고딕" charset="0"/>
               </a:rPr>
-              <a:t>4</a:t>
+              <a:t>6</a:t>
             </a:r>
             <a:r>
               <a:rPr lang="ko-KR" sz="2000" b="1">
@@ -9746,46 +10609,25 @@
                 <a:latin typeface="맑은 고딕" charset="0"/>
                 <a:ea typeface="맑은 고딕" charset="0"/>
               </a:rPr>
-              <a:t>그리고 3D Object 에서 Cube를 생성한 다음 Bot으로 이름을 정의합니다.</a:t>
+              <a:t>그리고 Project 폴더에 있는 Resources 폴더에 PENGUIN 오브젝트를 월드 공간으로 배치합니다.</a:t>
             </a:r>
             <a:endParaRPr lang="ko-KR" altLang="en-US" sz="1800">
               <a:latin typeface="맑은 고딕" charset="0"/>
               <a:ea typeface="맑은 고딕" charset="0"/>
             </a:endParaRPr>
           </a:p>
-        </p:txBody>
-      </p:sp>
-      <p:pic>
-        <p:nvPicPr>
-          <p:cNvPr id="1152" name="그림 37" descr="C:/Users/Admin1/AppData/Roaming/PolarisOffice/ETemp/20872_11383232/fImage65262451478.png"/>
-          <p:cNvPicPr>
-            <a:picLocks noChangeAspect="1"/>
-          </p:cNvPicPr>
-          <p:nvPr/>
-        </p:nvPicPr>
-        <p:blipFill rotWithShape="1">
-          <a:blip r:embed="rId4" cstate="hqprint">
-            <a:extLst>
-              <a:ext uri="{28A0092B-C50C-407E-A947-70E740481C1C}">
-                <a14:useLocalDpi xmlns:a14="http://schemas.microsoft.com/office/drawing/2010/main"/>
-              </a:ext>
-            </a:extLst>
-          </a:blip>
-          <a:stretch>
-            <a:fillRect/>
-          </a:stretch>
-        </p:blipFill>
-        <p:spPr>
-          <a:xfrm rot="0">
-            <a:off x="9568815" y="3783965"/>
-            <a:ext cx="1299845" cy="1057275"/>
-          </a:xfrm>
-          <a:prstGeom prst="roundRect"/>
-          <a:solidFill>
-            <a:srgbClr val="EDEDED"/>
-          </a:solidFill>
-        </p:spPr>
-      </p:pic>
+          <a:p>
+            <a:pPr marL="0" indent="0" algn="l" latinLnBrk="0" hangingPunct="1">
+              <a:buFontTx/>
+              <a:buNone/>
+            </a:pPr>
+            <a:endParaRPr lang="ko-KR" altLang="en-US" sz="1800">
+              <a:latin typeface="맑은 고딕" charset="0"/>
+              <a:ea typeface="맑은 고딕" charset="0"/>
+            </a:endParaRPr>
+          </a:p>
+        </p:txBody>
+      </p:sp>
     </p:spTree>
   </p:cSld>
   <p:clrMapOvr>
@@ -9835,9 +10677,9 @@
           <p:nvPr/>
         </p:nvSpPr>
         <p:spPr>
-          <a:xfrm rot="0">
+          <a:xfrm>
             <a:off x="4342130" y="327660"/>
-            <a:ext cx="3507740" cy="554990"/>
+            <a:ext cx="3508375" cy="554990"/>
           </a:xfrm>
           <a:prstGeom prst="rect"/>
           <a:noFill/>
@@ -9864,7 +10706,7 @@
                 <a:latin typeface="맑은 고딕" charset="0"/>
                 <a:ea typeface="맑은 고딕" charset="0"/>
               </a:rPr>
-              <a:t>여</a:t>
+              <a:t>여덟</a:t>
             </a:r>
             <a:r>
               <a:rPr lang="ko-KR" altLang="en-US" sz="3000" b="1">
@@ -9874,7 +10716,7 @@
                 <a:latin typeface="맑은 고딕" charset="0"/>
                 <a:ea typeface="맑은 고딕" charset="0"/>
               </a:rPr>
-              <a:t>섯 번째 튜토리얼</a:t>
+              <a:t> 번째 튜토리얼</a:t>
             </a:r>
             <a:endParaRPr lang="ko-KR" altLang="en-US" sz="3000" b="1">
               <a:solidFill>
@@ -9896,8 +10738,8 @@
         </p:nvSpPr>
         <p:spPr>
           <a:xfrm rot="0">
-            <a:off x="1334135" y="2865120"/>
-            <a:ext cx="4053840" cy="712470"/>
+            <a:off x="1334135" y="2959735"/>
+            <a:ext cx="4054475" cy="941070"/>
           </a:xfrm>
           <a:prstGeom prst="rect"/>
           <a:noFill/>
@@ -9920,14 +10762,69 @@
                 <a:latin typeface="맑은 고딕" charset="0"/>
                 <a:ea typeface="맑은 고딕" charset="0"/>
               </a:rPr>
-              <a:t>15. </a:t>
+              <a:t>1</a:t>
+            </a:r>
+            <a:r>
+              <a:rPr lang="ko-KR" sz="2000" b="1">
+                <a:solidFill>
+                  <a:srgbClr val="0611F2"/>
+                </a:solidFill>
+                <a:latin typeface="맑은 고딕" charset="0"/>
+                <a:ea typeface="맑은 고딕" charset="0"/>
+              </a:rPr>
+              <a:t>7</a:t>
+            </a:r>
+            <a:r>
+              <a:rPr lang="ko-KR" sz="2000" b="1">
+                <a:solidFill>
+                  <a:srgbClr val="0611F2"/>
+                </a:solidFill>
+                <a:latin typeface="맑은 고딕" charset="0"/>
+                <a:ea typeface="맑은 고딕" charset="0"/>
+              </a:rPr>
+              <a:t>. </a:t>
             </a:r>
             <a:r>
               <a:rPr lang="ko-KR" sz="1800">
                 <a:latin typeface="맑은 고딕" charset="0"/>
                 <a:ea typeface="맑은 고딕" charset="0"/>
               </a:rPr>
-              <a:t>그리고 Bot 오브젝트의 Layer를 Monster로 변경합니다.</a:t>
+              <a:t>그</a:t>
+            </a:r>
+            <a:r>
+              <a:rPr lang="ko-KR" sz="1800">
+                <a:latin typeface="맑은 고딕" charset="0"/>
+                <a:ea typeface="맑은 고딕" charset="0"/>
+              </a:rPr>
+              <a:t>다음</a:t>
+            </a:r>
+            <a:r>
+              <a:rPr lang="ko-KR" sz="1800">
+                <a:latin typeface="맑은 고딕" charset="0"/>
+                <a:ea typeface="맑은 고딕" charset="0"/>
+              </a:rPr>
+              <a:t> </a:t>
+            </a:r>
+            <a:r>
+              <a:rPr lang="ko-KR" sz="1800">
+                <a:latin typeface="맑은 고딕" charset="0"/>
+                <a:ea typeface="맑은 고딕" charset="0"/>
+              </a:rPr>
+              <a:t>PENGUIN </a:t>
+            </a:r>
+            <a:r>
+              <a:rPr lang="ko-KR" sz="1800">
+                <a:latin typeface="맑은 고딕" charset="0"/>
+                <a:ea typeface="맑은 고딕" charset="0"/>
+              </a:rPr>
+              <a:t>오브젝트의 Layer를 Monster로 변경</a:t>
+            </a:r>
+            <a:r>
+              <a:rPr lang="ko-KR" sz="1800">
+                <a:latin typeface="맑은 고딕" charset="0"/>
+                <a:ea typeface="맑은 고딕" charset="0"/>
+              </a:rPr>
+              <a:t>하고 회전 값을 설정합니다.</a:t>
             </a:r>
             <a:endParaRPr lang="ko-KR" altLang="en-US" sz="1800">
               <a:latin typeface="맑은 고딕" charset="0"/>
@@ -9938,7 +10835,496 @@
       </p:sp>
       <p:pic>
         <p:nvPicPr>
-          <p:cNvPr id="8" name="그림 38" descr="C:/Users/Admin1/AppData/Roaming/PolarisOffice/ETemp/19732_10403440/fImage65262451478.png"/>
+          <p:cNvPr id="10" name="그림 43" descr="C:/Users/Admin1/AppData/Roaming/PolarisOffice/ETemp/19216_9281256/fImage61852425724.png"/>
+          <p:cNvPicPr>
+            <a:picLocks noChangeAspect="1"/>
+          </p:cNvPicPr>
+          <p:nvPr/>
+        </p:nvPicPr>
+        <p:blipFill rotWithShape="1">
+          <a:blip r:embed="rId4" cstate="hqprint">
+            <a:extLst>
+              <a:ext uri="{28A0092B-C50C-407E-A947-70E740481C1C}">
+                <a14:useLocalDpi xmlns:a14="http://schemas.microsoft.com/office/drawing/2010/main"/>
+              </a:ext>
+            </a:extLst>
+          </a:blip>
+          <a:stretch>
+            <a:fillRect/>
+          </a:stretch>
+        </p:blipFill>
+        <p:spPr>
+          <a:xfrm rot="0">
+            <a:off x="1332865" y="3996055"/>
+            <a:ext cx="4055745" cy="1228725"/>
+          </a:xfrm>
+          <a:prstGeom prst="roundRect"/>
+          <a:solidFill>
+            <a:srgbClr val="EDEDED"/>
+          </a:solidFill>
+        </p:spPr>
+      </p:pic>
+      <p:sp>
+        <p:nvSpPr>
+          <p:cNvPr id="11" name="텍스트 상자 46"/>
+          <p:cNvSpPr txBox="1">
+            <a:spLocks/>
+          </p:cNvSpPr>
+          <p:nvPr/>
+        </p:nvSpPr>
+        <p:spPr>
+          <a:xfrm rot="0">
+            <a:off x="1327785" y="5342890"/>
+            <a:ext cx="4060190" cy="936625"/>
+          </a:xfrm>
+          <a:prstGeom prst="rect"/>
+          <a:noFill/>
+        </p:spPr>
+        <p:txBody>
+          <a:bodyPr wrap="square" lIns="0" tIns="0" rIns="0" bIns="0" numCol="1" vert="horz" anchor="t">
+            <a:noAutofit/>
+          </a:bodyPr>
+          <a:lstStyle/>
+          <a:p>
+            <a:pPr marL="0" indent="0" algn="l" latinLnBrk="0" hangingPunct="1">
+              <a:buFontTx/>
+              <a:buNone/>
+            </a:pPr>
+            <a:r>
+              <a:rPr lang="ko-KR" sz="2000" b="1">
+                <a:solidFill>
+                  <a:srgbClr val="0611F2"/>
+                </a:solidFill>
+                <a:latin typeface="맑은 고딕" charset="0"/>
+                <a:ea typeface="맑은 고딕" charset="0"/>
+              </a:rPr>
+              <a:t>1</a:t>
+            </a:r>
+            <a:r>
+              <a:rPr lang="ko-KR" sz="2000" b="1">
+                <a:solidFill>
+                  <a:srgbClr val="0611F2"/>
+                </a:solidFill>
+                <a:latin typeface="맑은 고딕" charset="0"/>
+                <a:ea typeface="맑은 고딕" charset="0"/>
+              </a:rPr>
+              <a:t>8</a:t>
+            </a:r>
+            <a:r>
+              <a:rPr lang="ko-KR" sz="2000" b="1">
+                <a:solidFill>
+                  <a:srgbClr val="0611F2"/>
+                </a:solidFill>
+                <a:latin typeface="맑은 고딕" charset="0"/>
+                <a:ea typeface="맑은 고딕" charset="0"/>
+              </a:rPr>
+              <a:t>. </a:t>
+            </a:r>
+            <a:r>
+              <a:rPr lang="ko-KR" sz="1800">
+                <a:latin typeface="맑은 고딕" charset="0"/>
+                <a:ea typeface="맑은 고딕" charset="0"/>
+              </a:rPr>
+              <a:t>마지막으로 Main Camera 오브젝트에 있는 Picking 스크립트에 Layer를 Monster로 설정합니다.</a:t>
+            </a:r>
+            <a:endParaRPr lang="ko-KR" altLang="en-US" sz="1800">
+              <a:latin typeface="맑은 고딕" charset="0"/>
+              <a:ea typeface="맑은 고딕" charset="0"/>
+            </a:endParaRPr>
+          </a:p>
+        </p:txBody>
+      </p:sp>
+      <p:pic>
+        <p:nvPicPr>
+          <p:cNvPr id="12" name="그림 47" descr="C:/Users/Admin1/AppData/Roaming/PolarisOffice/ETemp/19216_9281256/fImage1464832441478.png"/>
+          <p:cNvPicPr>
+            <a:picLocks noChangeAspect="1"/>
+          </p:cNvPicPr>
+          <p:nvPr/>
+        </p:nvPicPr>
+        <p:blipFill rotWithShape="1">
+          <a:blip r:embed="rId5" cstate="hqprint">
+            <a:extLst>
+              <a:ext uri="{28A0092B-C50C-407E-A947-70E740481C1C}">
+                <a14:useLocalDpi xmlns:a14="http://schemas.microsoft.com/office/drawing/2010/main"/>
+              </a:ext>
+            </a:extLst>
+          </a:blip>
+          <a:stretch>
+            <a:fillRect/>
+          </a:stretch>
+        </p:blipFill>
+        <p:spPr>
+          <a:xfrm rot="0">
+            <a:off x="6823710" y="1357630"/>
+            <a:ext cx="4253230" cy="3071495"/>
+          </a:xfrm>
+          <a:prstGeom prst="roundRect"/>
+          <a:solidFill>
+            <a:srgbClr val="EDEDED"/>
+          </a:solidFill>
+        </p:spPr>
+      </p:pic>
+      <p:sp>
+        <p:nvSpPr>
+          <p:cNvPr id="13" name="텍스트 상자 50"/>
+          <p:cNvSpPr txBox="1">
+            <a:spLocks/>
+          </p:cNvSpPr>
+          <p:nvPr/>
+        </p:nvSpPr>
+        <p:spPr>
+          <a:xfrm rot="0">
+            <a:off x="6840855" y="4558665"/>
+            <a:ext cx="4262120" cy="1721485"/>
+          </a:xfrm>
+          <a:prstGeom prst="rect"/>
+          <a:noFill/>
+        </p:spPr>
+        <p:txBody>
+          <a:bodyPr wrap="square" lIns="0" tIns="0" rIns="0" bIns="0" numCol="1" vert="horz" anchor="t">
+            <a:noAutofit/>
+          </a:bodyPr>
+          <a:lstStyle/>
+          <a:p>
+            <a:pPr marL="0" indent="0" algn="l" latinLnBrk="0" hangingPunct="1">
+              <a:buFontTx/>
+              <a:buNone/>
+            </a:pPr>
+            <a:r>
+              <a:rPr lang="ko-KR" sz="1800">
+                <a:latin typeface="맑은 고딕" charset="0"/>
+                <a:ea typeface="맑은 고딕" charset="0"/>
+              </a:rPr>
+              <a:t>LayerMask</a:t>
+            </a:r>
+            <a:r>
+              <a:rPr lang="ko-KR" sz="1800">
+                <a:latin typeface="맑은 고딕" charset="0"/>
+                <a:ea typeface="맑은 고딕" charset="0"/>
+              </a:rPr>
+              <a:t>는</a:t>
+            </a:r>
+            <a:r>
+              <a:rPr lang="ko-KR" sz="1800">
+                <a:latin typeface="맑은 고딕" charset="0"/>
+                <a:ea typeface="맑은 고딕" charset="0"/>
+              </a:rPr>
+              <a:t> 특정한 Layer만 검출하여 충돌하도록 설정할 수 있습니다.</a:t>
+            </a:r>
+            <a:endParaRPr lang="ko-KR" altLang="en-US" sz="1800">
+              <a:latin typeface="맑은 고딕" charset="0"/>
+              <a:ea typeface="맑은 고딕" charset="0"/>
+            </a:endParaRPr>
+          </a:p>
+          <a:p>
+            <a:pPr marL="0" indent="0" algn="l" latinLnBrk="0" hangingPunct="1">
+              <a:buFontTx/>
+              <a:buNone/>
+            </a:pPr>
+            <a:endParaRPr lang="ko-KR" altLang="en-US" sz="1800">
+              <a:latin typeface="맑은 고딕" charset="0"/>
+              <a:ea typeface="맑은 고딕" charset="0"/>
+            </a:endParaRPr>
+          </a:p>
+          <a:p>
+            <a:pPr marL="0" indent="0" algn="l" latinLnBrk="0" hangingPunct="1">
+              <a:buFontTx/>
+              <a:buNone/>
+            </a:pPr>
+            <a:r>
+              <a:rPr lang="ko-KR" sz="1800">
+                <a:latin typeface="맑은 고딕" charset="0"/>
+                <a:ea typeface="맑은 고딕" charset="0"/>
+              </a:rPr>
+              <a:t>LayerMask</a:t>
+            </a:r>
+            <a:r>
+              <a:rPr lang="ko-KR" sz="1800">
+                <a:latin typeface="맑은 고딕" charset="0"/>
+                <a:ea typeface="맑은 고딕" charset="0"/>
+              </a:rPr>
+              <a:t>의 경우</a:t>
+            </a:r>
+            <a:r>
+              <a:rPr lang="ko-KR" sz="1800">
+                <a:latin typeface="맑은 고딕" charset="0"/>
+                <a:ea typeface="맑은 고딕" charset="0"/>
+              </a:rPr>
+              <a:t> 32 bit의 int 형으로 bit로 각각의 레이어를 구분하여 사용합니다.</a:t>
+            </a:r>
+            <a:endParaRPr lang="ko-KR" altLang="en-US" sz="1800">
+              <a:latin typeface="맑은 고딕" charset="0"/>
+              <a:ea typeface="맑은 고딕" charset="0"/>
+            </a:endParaRPr>
+          </a:p>
+        </p:txBody>
+      </p:sp>
+      <p:pic>
+        <p:nvPicPr>
+          <p:cNvPr id="14" name="그림 80" descr="C:/Users/Admin1/AppData/Roaming/PolarisOffice/ETemp/19216_9281256/fImage163871759961.png"/>
+          <p:cNvPicPr>
+            <a:picLocks noChangeAspect="1"/>
+          </p:cNvPicPr>
+          <p:nvPr/>
+        </p:nvPicPr>
+        <p:blipFill rotWithShape="1">
+          <a:blip r:embed="rId7" cstate="print">
+            <a:extLst>
+              <a:ext uri="{28A0092B-C50C-407E-A947-70E740481C1C}">
+                <a14:useLocalDpi xmlns:a14="http://schemas.microsoft.com/office/drawing/2010/main" val="0"/>
+              </a:ext>
+            </a:extLst>
+          </a:blip>
+          <a:stretch>
+            <a:fillRect/>
+          </a:stretch>
+        </p:blipFill>
+        <p:spPr>
+          <a:xfrm rot="0">
+            <a:off x="1329055" y="1366520"/>
+            <a:ext cx="4059555" cy="1479550"/>
+          </a:xfrm>
+          <a:prstGeom prst="roundRect"/>
+          <a:solidFill>
+            <a:srgbClr val="EDEDED"/>
+          </a:solidFill>
+        </p:spPr>
+      </p:pic>
+    </p:spTree>
+  </p:cSld>
+  <p:clrMapOvr>
+    <a:masterClrMapping/>
+  </p:clrMapOvr>
+  <mc:AlternateContent xmlns:mc="http://schemas.openxmlformats.org/markup-compatibility/2006">
+    <mc:Choice xmlns:p14="http://schemas.microsoft.com/office/powerpoint/2010/main" Requires="p14">
+      <p:transition spd="slow" p14:dur="2000"/>
+    </mc:Choice>
+    <mc:Fallback>
+      <p:transition spd="slow"/>
+    </mc:Fallback>
+  </mc:AlternateContent>
+  <p:timing>
+    <p:tnLst>
+      <p:par>
+        <p:cTn id="1" dur="indefinite" restart="never" nodeType="tmRoot"/>
+      </p:par>
+    </p:tnLst>
+  </p:timing>
+</p:sld>
+</file>
+
+<file path=ppt/slides/slide9.xml><?xml version="1.0" encoding="utf-8"?>
+<p:sld xmlns:a="http://schemas.openxmlformats.org/drawingml/2006/main" xmlns:r="http://schemas.openxmlformats.org/officeDocument/2006/relationships" xmlns:p="http://schemas.openxmlformats.org/presentationml/2006/main">
+  <p:cSld>
+    <p:spTree>
+      <p:nvGrpSpPr>
+        <p:cNvPr id="1" name=""/>
+        <p:cNvGrpSpPr/>
+        <p:nvPr/>
+      </p:nvGrpSpPr>
+      <p:grpSpPr>
+        <a:xfrm>
+          <a:off x="0" y="0"/>
+          <a:ext cx="0" cy="0"/>
+          <a:chOff x="0" y="0"/>
+          <a:chExt cx="0" cy="0"/>
+        </a:xfrm>
+      </p:grpSpPr>
+      <p:sp>
+        <p:nvSpPr>
+          <p:cNvPr id="5" name="Rect 0"/>
+          <p:cNvSpPr txBox="1">
+            <a:spLocks/>
+          </p:cNvSpPr>
+          <p:nvPr/>
+        </p:nvSpPr>
+        <p:spPr>
+          <a:xfrm rot="0">
+            <a:off x="4342130" y="327660"/>
+            <a:ext cx="3508375" cy="554990"/>
+          </a:xfrm>
+          <a:prstGeom prst="rect"/>
+          <a:noFill/>
+          <a:ln w="0">
+            <a:noFill/>
+            <a:prstDash/>
+          </a:ln>
+        </p:spPr>
+        <p:txBody>
+          <a:bodyPr wrap="square" lIns="89535" tIns="46355" rIns="89535" bIns="46355" numCol="1" vert="horz" anchor="t">
+            <a:spAutoFit/>
+          </a:bodyPr>
+          <a:lstStyle/>
+          <a:p>
+            <a:pPr marL="0" indent="0" algn="l" latinLnBrk="0">
+              <a:buFontTx/>
+              <a:buNone/>
+            </a:pPr>
+            <a:r>
+              <a:rPr lang="ko-KR" altLang="en-US" sz="3000" b="1">
+                <a:solidFill>
+                  <a:schemeClr val="tx1"/>
+                </a:solidFill>
+                <a:latin typeface="맑은 고딕" charset="0"/>
+                <a:ea typeface="맑은 고딕" charset="0"/>
+              </a:rPr>
+              <a:t>아홉</a:t>
+            </a:r>
+            <a:r>
+              <a:rPr lang="ko-KR" altLang="en-US" sz="3000" b="1">
+                <a:solidFill>
+                  <a:schemeClr val="tx1"/>
+                </a:solidFill>
+                <a:latin typeface="맑은 고딕" charset="0"/>
+                <a:ea typeface="맑은 고딕" charset="0"/>
+              </a:rPr>
+              <a:t> 번째 튜토리얼</a:t>
+            </a:r>
+            <a:endParaRPr lang="ko-KR" altLang="en-US" sz="3000" b="1">
+              <a:solidFill>
+                <a:schemeClr val="tx1"/>
+              </a:solidFill>
+              <a:latin typeface="맑은 고딕" charset="0"/>
+              <a:ea typeface="맑은 고딕" charset="0"/>
+            </a:endParaRPr>
+          </a:p>
+        </p:txBody>
+      </p:sp>
+      <p:sp>
+        <p:nvSpPr>
+          <p:cNvPr id="11" name="Rect 0"/>
+          <p:cNvSpPr txBox="1">
+            <a:spLocks/>
+          </p:cNvSpPr>
+          <p:nvPr/>
+        </p:nvSpPr>
+        <p:spPr>
+          <a:xfrm rot="0">
+            <a:off x="1327785" y="5299710"/>
+            <a:ext cx="4060190" cy="939800"/>
+          </a:xfrm>
+          <a:prstGeom prst="rect"/>
+          <a:noFill/>
+        </p:spPr>
+        <p:txBody>
+          <a:bodyPr wrap="square" lIns="0" tIns="0" rIns="0" bIns="0" numCol="1" vert="horz" anchor="t">
+            <a:noAutofit/>
+          </a:bodyPr>
+          <a:lstStyle/>
+          <a:p>
+            <a:pPr marL="0" indent="0" algn="l" latinLnBrk="0" hangingPunct="1">
+              <a:buFontTx/>
+              <a:buNone/>
+            </a:pPr>
+            <a:r>
+              <a:rPr lang="ko-KR" sz="2000" b="1">
+                <a:solidFill>
+                  <a:srgbClr val="0611F2"/>
+                </a:solidFill>
+                <a:latin typeface="맑은 고딕" charset="0"/>
+                <a:ea typeface="맑은 고딕" charset="0"/>
+              </a:rPr>
+              <a:t>19</a:t>
+            </a:r>
+            <a:r>
+              <a:rPr lang="ko-KR" sz="2000" b="1">
+                <a:solidFill>
+                  <a:srgbClr val="0611F2"/>
+                </a:solidFill>
+                <a:latin typeface="맑은 고딕" charset="0"/>
+                <a:ea typeface="맑은 고딕" charset="0"/>
+              </a:rPr>
+              <a:t>. </a:t>
+            </a:r>
+            <a:r>
+              <a:rPr lang="ko-KR" sz="1800">
+                <a:latin typeface="맑은 고딕" charset="0"/>
+                <a:ea typeface="맑은 고딕" charset="0"/>
+              </a:rPr>
+              <a:t>그리고 Shop Button 이미지에 Project 폴더에 있는 Texture 폴더에 Shop 텍스처를 넣어줍니다.</a:t>
+            </a:r>
+            <a:endParaRPr lang="ko-KR" altLang="en-US" sz="1800">
+              <a:latin typeface="맑은 고딕" charset="0"/>
+              <a:ea typeface="맑은 고딕" charset="0"/>
+            </a:endParaRPr>
+          </a:p>
+        </p:txBody>
+      </p:sp>
+      <p:sp>
+        <p:nvSpPr>
+          <p:cNvPr id="15" name="Rect 0"/>
+          <p:cNvSpPr txBox="1">
+            <a:spLocks/>
+          </p:cNvSpPr>
+          <p:nvPr/>
+        </p:nvSpPr>
+        <p:spPr>
+          <a:xfrm rot="0">
+            <a:off x="6799580" y="5283835"/>
+            <a:ext cx="4178300" cy="954405"/>
+          </a:xfrm>
+          <a:prstGeom prst="rect"/>
+          <a:noFill/>
+          <a:ln w="0">
+            <a:noFill/>
+            <a:prstDash/>
+          </a:ln>
+        </p:spPr>
+        <p:txBody>
+          <a:bodyPr wrap="square" lIns="89535" tIns="46355" rIns="89535" bIns="46355" numCol="1" vert="horz" anchor="t">
+            <a:spAutoFit/>
+          </a:bodyPr>
+          <a:lstStyle/>
+          <a:p>
+            <a:pPr marL="0" indent="0" algn="l" latinLnBrk="0" hangingPunct="1">
+              <a:buFontTx/>
+              <a:buNone/>
+            </a:pPr>
+            <a:r>
+              <a:rPr lang="ko-KR" sz="2000" b="1">
+                <a:solidFill>
+                  <a:srgbClr val="0611F2"/>
+                </a:solidFill>
+                <a:latin typeface="맑은 고딕" charset="0"/>
+                <a:ea typeface="맑은 고딕" charset="0"/>
+              </a:rPr>
+              <a:t>20</a:t>
+            </a:r>
+            <a:r>
+              <a:rPr lang="ko-KR" sz="2000" b="1">
+                <a:solidFill>
+                  <a:srgbClr val="0611F2"/>
+                </a:solidFill>
+                <a:latin typeface="맑은 고딕" charset="0"/>
+                <a:ea typeface="맑은 고딕" charset="0"/>
+              </a:rPr>
+              <a:t>. </a:t>
+            </a:r>
+            <a:r>
+              <a:rPr lang="ko-KR" sz="1800">
+                <a:latin typeface="맑은 고딕" charset="0"/>
+                <a:ea typeface="맑은 고딕" charset="0"/>
+              </a:rPr>
+              <a:t>이제 UI에서 Image를 2개 생성한 다음 Santa Hat이라는 이름과 Santa Stick이라는 이름으로 정의합니다</a:t>
+            </a:r>
+            <a:r>
+              <a:rPr lang="ko-KR" sz="1800">
+                <a:latin typeface="맑은 고딕" charset="0"/>
+                <a:ea typeface="맑은 고딕" charset="0"/>
+              </a:rPr>
+              <a:t>.</a:t>
+            </a:r>
+            <a:endParaRPr lang="ko-KR" altLang="en-US" sz="1800">
+              <a:latin typeface="맑은 고딕" charset="0"/>
+              <a:ea typeface="맑은 고딕" charset="0"/>
+            </a:endParaRPr>
+          </a:p>
+        </p:txBody>
+      </p:sp>
+      <p:pic>
+        <p:nvPicPr>
+          <p:cNvPr id="16" name="Picture " descr="C:/Users/Admin1/AppData/Roaming/PolarisOffice/ETemp/19216_9281256/fImage18500272491.png"/>
           <p:cNvPicPr>
             <a:picLocks noChangeAspect="1"/>
           </p:cNvPicPr>
@@ -9958,8 +11344,8 @@
         </p:blipFill>
         <p:spPr>
           <a:xfrm rot="0">
-            <a:off x="1334135" y="1366520"/>
-            <a:ext cx="970915" cy="1350010"/>
+            <a:off x="6793230" y="1377950"/>
+            <a:ext cx="2608580" cy="3604260"/>
           </a:xfrm>
           <a:prstGeom prst="roundRect"/>
           <a:solidFill>
@@ -9969,17 +11355,17 @@
       </p:pic>
       <p:pic>
         <p:nvPicPr>
-          <p:cNvPr id="9" name="그림 40" descr="C:/Users/Admin1/AppData/Roaming/PolarisOffice/ETemp/19732_10403440/fImage116452419169.png"/>
+          <p:cNvPr id="17" name="Picture " descr="C:/Users/Admin1/AppData/Roaming/PolarisOffice/ETemp/19216_9281256/fImage90282732995.png"/>
           <p:cNvPicPr>
             <a:picLocks noChangeAspect="1"/>
           </p:cNvPicPr>
           <p:nvPr/>
         </p:nvPicPr>
         <p:blipFill rotWithShape="1">
-          <a:blip r:embed="rId3" cstate="hqprint">
+          <a:blip r:embed="rId3" cstate="print">
             <a:extLst>
               <a:ext uri="{28A0092B-C50C-407E-A947-70E740481C1C}">
-                <a14:useLocalDpi xmlns:a14="http://schemas.microsoft.com/office/drawing/2010/main"/>
+                <a14:useLocalDpi xmlns:a14="http://schemas.microsoft.com/office/drawing/2010/main" val="0"/>
               </a:ext>
             </a:extLst>
           </a:blip>
@@ -9989,8 +11375,8 @@
         </p:blipFill>
         <p:spPr>
           <a:xfrm rot="0">
-            <a:off x="2433320" y="1374775"/>
-            <a:ext cx="2954020" cy="1332865"/>
+            <a:off x="9505950" y="2019935"/>
+            <a:ext cx="1467485" cy="2353310"/>
           </a:xfrm>
           <a:prstGeom prst="roundRect"/>
           <a:solidFill>
@@ -10000,17 +11386,17 @@
       </p:pic>
       <p:pic>
         <p:nvPicPr>
-          <p:cNvPr id="10" name="그림 43" descr="C:/Users/Admin1/AppData/Roaming/PolarisOffice/ETemp/19732_10403440/fImage61852425724.png"/>
+          <p:cNvPr id="18" name="Picture " descr="C:/Users/Admin1/AppData/Roaming/PolarisOffice/ETemp/19216_9281256/fImage162772741942.png"/>
           <p:cNvPicPr>
             <a:picLocks noChangeAspect="1"/>
           </p:cNvPicPr>
           <p:nvPr/>
         </p:nvPicPr>
         <p:blipFill rotWithShape="1">
-          <a:blip r:embed="rId4" cstate="hqprint">
+          <a:blip r:embed="rId4" cstate="print">
             <a:extLst>
               <a:ext uri="{28A0092B-C50C-407E-A947-70E740481C1C}">
-                <a14:useLocalDpi xmlns:a14="http://schemas.microsoft.com/office/drawing/2010/main"/>
+                <a14:useLocalDpi xmlns:a14="http://schemas.microsoft.com/office/drawing/2010/main" val="0"/>
               </a:ext>
             </a:extLst>
           </a:blip>
@@ -10020,8 +11406,8 @@
         </p:blipFill>
         <p:spPr>
           <a:xfrm rot="0">
-            <a:off x="1323975" y="3782695"/>
-            <a:ext cx="4055110" cy="1214120"/>
+            <a:off x="1323340" y="1371600"/>
+            <a:ext cx="4065905" cy="2439035"/>
           </a:xfrm>
           <a:prstGeom prst="roundRect"/>
           <a:solidFill>
@@ -10029,69 +11415,19 @@
           </a:solidFill>
         </p:spPr>
       </p:pic>
-      <p:sp>
-        <p:nvSpPr>
-          <p:cNvPr id="11" name="텍스트 상자 46"/>
-          <p:cNvSpPr txBox="1">
-            <a:spLocks/>
-          </p:cNvSpPr>
-          <p:nvPr/>
-        </p:nvSpPr>
-        <p:spPr>
-          <a:xfrm rot="0">
-            <a:off x="1318895" y="5213350"/>
-            <a:ext cx="4059555" cy="1021715"/>
-          </a:xfrm>
-          <a:prstGeom prst="rect"/>
-          <a:noFill/>
-        </p:spPr>
-        <p:txBody>
-          <a:bodyPr wrap="square" lIns="0" tIns="0" rIns="0" bIns="0" numCol="1" vert="horz" anchor="t">
-            <a:noAutofit/>
-          </a:bodyPr>
-          <a:lstStyle/>
-          <a:p>
-            <a:pPr marL="0" indent="0" algn="l" latinLnBrk="0" hangingPunct="1">
-              <a:buFontTx/>
-              <a:buNone/>
-            </a:pPr>
-            <a:r>
-              <a:rPr lang="ko-KR" sz="2000" b="1">
-                <a:solidFill>
-                  <a:srgbClr val="0611F2"/>
-                </a:solidFill>
-                <a:latin typeface="맑은 고딕" charset="0"/>
-                <a:ea typeface="맑은 고딕" charset="0"/>
-              </a:rPr>
-              <a:t>16. </a:t>
-            </a:r>
-            <a:r>
-              <a:rPr lang="ko-KR" sz="1800">
-                <a:latin typeface="맑은 고딕" charset="0"/>
-                <a:ea typeface="맑은 고딕" charset="0"/>
-              </a:rPr>
-              <a:t>마지막으로 Main Camera 오브젝트에 있는 Picking 스크립트에 Layer를 Monster로 설정합니다.</a:t>
-            </a:r>
-            <a:endParaRPr lang="ko-KR" altLang="en-US" sz="1800">
-              <a:latin typeface="맑은 고딕" charset="0"/>
-              <a:ea typeface="맑은 고딕" charset="0"/>
-            </a:endParaRPr>
-          </a:p>
-        </p:txBody>
-      </p:sp>
       <p:pic>
         <p:nvPicPr>
-          <p:cNvPr id="12" name="그림 47" descr="C:/Users/Admin1/AppData/Roaming/PolarisOffice/ETemp/19732_10403440/fImage1464832441478.png"/>
+          <p:cNvPr id="19" name="Picture " descr="C:/Users/Admin1/AppData/Roaming/PolarisOffice/ETemp/19216_9281256/fImage533332754827.png"/>
           <p:cNvPicPr>
             <a:picLocks noChangeAspect="1"/>
           </p:cNvPicPr>
           <p:nvPr/>
         </p:nvPicPr>
         <p:blipFill rotWithShape="1">
-          <a:blip r:embed="rId5" cstate="hqprint">
+          <a:blip r:embed="rId5" cstate="print">
             <a:extLst>
               <a:ext uri="{28A0092B-C50C-407E-A947-70E740481C1C}">
-                <a14:useLocalDpi xmlns:a14="http://schemas.microsoft.com/office/drawing/2010/main"/>
+                <a14:useLocalDpi xmlns:a14="http://schemas.microsoft.com/office/drawing/2010/main" val="0"/>
               </a:ext>
             </a:extLst>
           </a:blip>
@@ -10101,8 +11437,8 @@
         </p:blipFill>
         <p:spPr>
           <a:xfrm rot="0">
-            <a:off x="6823710" y="1376680"/>
-            <a:ext cx="4252595" cy="3303270"/>
+            <a:off x="1323340" y="3962400"/>
+            <a:ext cx="4066540" cy="1200785"/>
           </a:xfrm>
           <a:prstGeom prst="roundRect"/>
           <a:solidFill>
@@ -10110,73 +11446,39 @@
           </a:solidFill>
         </p:spPr>
       </p:pic>
-      <p:sp>
-        <p:nvSpPr>
-          <p:cNvPr id="13" name="텍스트 상자 50"/>
-          <p:cNvSpPr txBox="1">
-            <a:spLocks/>
-          </p:cNvSpPr>
+      <p:cxnSp>
+        <p:nvCxnSpPr>
+          <p:cNvPr id="20" name="Rect 0"/>
+          <p:cNvCxnSpPr/>
           <p:nvPr/>
-        </p:nvSpPr>
-        <p:spPr>
-          <a:xfrm rot="0">
-            <a:off x="6814820" y="4791710"/>
-            <a:ext cx="4261485" cy="1443990"/>
-          </a:xfrm>
-          <a:prstGeom prst="rect"/>
-          <a:noFill/>
-        </p:spPr>
-        <p:txBody>
-          <a:bodyPr wrap="square" lIns="0" tIns="0" rIns="0" bIns="0" numCol="1" vert="horz" anchor="t">
-            <a:noAutofit/>
-          </a:bodyPr>
-          <a:lstStyle/>
-          <a:p>
-            <a:pPr marL="0" indent="0" algn="l" latinLnBrk="0" hangingPunct="1">
-              <a:buFontTx/>
-              <a:buNone/>
-            </a:pPr>
-            <a:r>
-              <a:rPr lang="ko-KR" sz="1800">
-                <a:latin typeface="맑은 고딕" charset="0"/>
-                <a:ea typeface="맑은 고딕" charset="0"/>
-              </a:rPr>
-              <a:t>LayerMask로 특정한 Layer만 검출하여 충돌하도록 설정할 수 있습니다.</a:t>
-            </a:r>
-            <a:endParaRPr lang="ko-KR" altLang="en-US" sz="1800">
-              <a:latin typeface="맑은 고딕" charset="0"/>
-              <a:ea typeface="맑은 고딕" charset="0"/>
-            </a:endParaRPr>
-          </a:p>
-          <a:p>
-            <a:pPr marL="0" indent="0" algn="l" latinLnBrk="0" hangingPunct="1">
-              <a:buFontTx/>
-              <a:buNone/>
-            </a:pPr>
-            <a:endParaRPr lang="ko-KR" altLang="en-US" sz="1800">
-              <a:latin typeface="맑은 고딕" charset="0"/>
-              <a:ea typeface="맑은 고딕" charset="0"/>
-            </a:endParaRPr>
-          </a:p>
-          <a:p>
-            <a:pPr marL="0" indent="0" algn="l" latinLnBrk="0" hangingPunct="1">
-              <a:buFontTx/>
-              <a:buNone/>
-            </a:pPr>
-            <a:r>
-              <a:rPr lang="ko-KR" sz="1800">
-                <a:latin typeface="맑은 고딕" charset="0"/>
-                <a:ea typeface="맑은 고딕" charset="0"/>
-              </a:rPr>
-              <a:t>LayerMask는 32 bit의 int 형으로 bit로 각각의 레이어를 구분하여 사용합니다.</a:t>
-            </a:r>
-            <a:endParaRPr lang="ko-KR" altLang="en-US" sz="1800">
-              <a:latin typeface="맑은 고딕" charset="0"/>
-              <a:ea typeface="맑은 고딕" charset="0"/>
-            </a:endParaRPr>
-          </a:p>
-        </p:txBody>
-      </p:sp>
+        </p:nvCxnSpPr>
+        <p:spPr>
+          <a:xfrm rot="0" flipV="1">
+            <a:off x="3800475" y="1762125"/>
+            <a:ext cx="1505585" cy="2477135"/>
+          </a:xfrm>
+          <a:prstGeom prst="straightConnector1"/>
+          <a:ln w="6350" cap="flat" cmpd="sng">
+            <a:prstDash/>
+            <a:headEnd type="none" w="med" len="med"/>
+            <a:tailEnd type="triangle" w="med" len="med"/>
+          </a:ln>
+        </p:spPr>
+        <p:style>
+          <a:lnRef idx="1">
+            <a:schemeClr val="accent1"/>
+          </a:lnRef>
+          <a:fillRef idx="0">
+            <a:schemeClr val="accent1"/>
+          </a:fillRef>
+          <a:effectRef idx="0">
+            <a:schemeClr val="accent1"/>
+          </a:effectRef>
+          <a:fontRef idx="minor">
+            <a:schemeClr val="tx1"/>
+          </a:fontRef>
+        </p:style>
+      </p:cxnSp>
     </p:spTree>
   </p:cSld>
   <p:clrMapOvr>

--- a/Assets/Class/Raycast/PPT Data/RayCast Example.pptx
+++ b/Assets/Class/Raycast/PPT Data/RayCast Example.pptx
@@ -2,7 +2,7 @@
 <file path=ppt/presentation.xml><?xml version="1.0" encoding="utf-8"?>
 <p:presentation xmlns:a="http://schemas.openxmlformats.org/drawingml/2006/main" xmlns:r="http://schemas.openxmlformats.org/officeDocument/2006/relationships" xmlns:p="http://schemas.openxmlformats.org/presentationml/2006/main" xmlns:p14="http://schemas.microsoft.com/office/powerpoint/2010/main" saveSubsetFonts="1" firstSlideNum="0">
   <p:sldMasterIdLst>
-    <p:sldMasterId id="2147485886" r:id="rId12"/>
+    <p:sldMasterId id="2147485956" r:id="rId12"/>
   </p:sldMasterIdLst>
   <p:notesMasterIdLst>
     <p:notesMasterId r:id="rId14"/>
@@ -17,7 +17,11 @@
     <p:sldId id="299" r:id="rId22"/>
     <p:sldId id="300" r:id="rId23"/>
     <p:sldId id="302" r:id="rId24"/>
-    <p:sldId id="301" r:id="rId25"/>
+    <p:sldId id="303" r:id="rId25"/>
+    <p:sldId id="304" r:id="rId26"/>
+    <p:sldId id="305" r:id="rId27"/>
+    <p:sldId id="306" r:id="rId28"/>
+    <p:sldId id="307" r:id="rId29"/>
   </p:sldIdLst>
   <p:sldSz cx="12192000" cy="6858000"/>
   <p:notesSz cx="6858000" cy="9144000"/>
@@ -648,7 +652,7 @@
         <p:spPr>
           <a:xfrm rot="0">
             <a:off x="685800" y="1143000"/>
-            <a:ext cx="5492115" cy="3091815"/>
+            <a:ext cx="5492750" cy="3092450"/>
           </a:xfrm>
           <a:prstGeom prst="rect"/>
           <a:noFill/>
@@ -687,7 +691,7 @@
         <p:spPr>
           <a:xfrm rot="0">
             <a:off x="685800" y="4400550"/>
-            <a:ext cx="5492115" cy="3606165"/>
+            <a:ext cx="5492750" cy="3606800"/>
           </a:xfrm>
           <a:prstGeom prst="rect"/>
         </p:spPr>
@@ -717,7 +721,575 @@
         <p:spPr>
           <a:xfrm rot="0">
             <a:off x="3884930" y="8685530"/>
-            <a:ext cx="2977515" cy="464185"/>
+            <a:ext cx="2978150" cy="464820"/>
+          </a:xfrm>
+          <a:prstGeom prst="rect"/>
+        </p:spPr>
+        <p:txBody>
+          <a:bodyPr wrap="square" lIns="91440" tIns="45720" rIns="91440" bIns="45720" numCol="1" vert="horz" anchor="b">
+            <a:noAutofit/>
+          </a:bodyPr>
+          <a:lstStyle>
+            <a:lvl1pPr marL="0" indent="0" algn="r" latinLnBrk="0">
+              <a:buFontTx/>
+              <a:buNone/>
+              <a:defRPr lang="en-GB" altLang="en-US" sz="1200"/>
+            </a:lvl1pPr>
+          </a:lstStyle>
+          <a:p>
+            <a:pPr marL="0" indent="0" latinLnBrk="0">
+              <a:buFontTx/>
+              <a:buNone/>
+            </a:pPr>
+            <a:fld id="{B9320F77-B9A0-41C5-862A-B4B631284C64}" type="slidenum">
+              <a:rPr lang="ko-KR" altLang="en-US"/>
+              <a:t>‹#›</a:t>
+            </a:fld>
+          </a:p>
+        </p:txBody>
+      </p:sp>
+    </p:spTree>
+  </p:cSld>
+  <p:clrMapOvr>
+    <a:masterClrMapping/>
+  </p:clrMapOvr>
+  <mc:AlternateContent xmlns:mc="http://schemas.openxmlformats.org/markup-compatibility/2006">
+    <mc:Choice xmlns:p14="http://schemas.microsoft.com/office/powerpoint/2010/main" Requires="p14">
+      <p:transition spd="slow" p14:dur="0"/>
+    </mc:Choice>
+    <mc:Fallback>
+      <p:transition spd="slow"/>
+    </mc:Fallback>
+  </mc:AlternateContent>
+</p:notes>
+</file>
+
+<file path=ppt/notesSlides/notesSlide11.xml><?xml version="1.0" encoding="utf-8"?>
+<p:notes xmlns:a="http://schemas.openxmlformats.org/drawingml/2006/main" xmlns:r="http://schemas.openxmlformats.org/officeDocument/2006/relationships" xmlns:p="http://schemas.openxmlformats.org/presentationml/2006/main">
+  <p:cSld>
+    <p:spTree>
+      <p:nvGrpSpPr>
+        <p:cNvPr id="1" name=""/>
+        <p:cNvGrpSpPr/>
+        <p:nvPr/>
+      </p:nvGrpSpPr>
+      <p:grpSpPr>
+        <a:xfrm>
+          <a:off x="0" y="0"/>
+          <a:ext cx="0" cy="0"/>
+          <a:chOff x="0" y="0"/>
+          <a:chExt cx="0" cy="0"/>
+        </a:xfrm>
+      </p:grpSpPr>
+      <p:sp>
+        <p:nvSpPr>
+          <p:cNvPr id="2" name="슬라이드 이미지 개체 틀 3"/>
+          <p:cNvSpPr>
+            <a:spLocks noChangeAspect="1"/>
+          </p:cNvSpPr>
+          <p:nvPr>
+            <p:ph type="sldImg" idx="2"/>
+          </p:nvPr>
+        </p:nvSpPr>
+        <p:spPr>
+          <a:xfrm rot="0">
+            <a:off x="685800" y="1143000"/>
+            <a:ext cx="5492750" cy="3092450"/>
+          </a:xfrm>
+          <a:prstGeom prst="rect"/>
+          <a:noFill/>
+          <a:ln w="12700" cap="flat" cmpd="sng">
+            <a:solidFill>
+              <a:srgbClr val="000000">
+                <a:alpha val="100000"/>
+              </a:srgbClr>
+            </a:solidFill>
+            <a:prstDash val="solid"/>
+          </a:ln>
+        </p:spPr>
+        <p:txBody>
+          <a:bodyPr wrap="square" lIns="91440" tIns="45720" rIns="91440" bIns="45720" numCol="1" vert="horz" anchor="ctr">
+            <a:noAutofit/>
+          </a:bodyPr>
+          <a:lstStyle/>
+          <a:p>
+            <a:pPr marL="0" indent="0" latinLnBrk="0">
+              <a:buFontTx/>
+              <a:buNone/>
+            </a:pPr>
+          </a:p>
+        </p:txBody>
+      </p:sp>
+      <p:sp>
+        <p:nvSpPr>
+          <p:cNvPr id="3" name="슬라이드 노트 개체 틀 4"/>
+          <p:cNvSpPr txBox="1">
+            <a:spLocks/>
+          </p:cNvSpPr>
+          <p:nvPr>
+            <p:ph type="body" idx="3"/>
+          </p:nvPr>
+        </p:nvSpPr>
+        <p:spPr>
+          <a:xfrm rot="0">
+            <a:off x="685800" y="4400550"/>
+            <a:ext cx="5492750" cy="3606800"/>
+          </a:xfrm>
+          <a:prstGeom prst="rect"/>
+        </p:spPr>
+        <p:txBody>
+          <a:bodyPr wrap="square" lIns="91440" tIns="45720" rIns="91440" bIns="45720" numCol="1" vert="horz" anchor="t">
+            <a:noAutofit/>
+          </a:bodyPr>
+          <a:lstStyle/>
+          <a:p>
+            <a:pPr marL="0" indent="0" latinLnBrk="0">
+              <a:buFontTx/>
+              <a:buNone/>
+            </a:pPr>
+          </a:p>
+        </p:txBody>
+      </p:sp>
+      <p:sp>
+        <p:nvSpPr>
+          <p:cNvPr id="4" name="슬라이드 번호 개체 틀 6"/>
+          <p:cNvSpPr txBox="1">
+            <a:spLocks/>
+          </p:cNvSpPr>
+          <p:nvPr>
+            <p:ph type="sldNum" idx="5"/>
+          </p:nvPr>
+        </p:nvSpPr>
+        <p:spPr>
+          <a:xfrm rot="0">
+            <a:off x="3884930" y="8685530"/>
+            <a:ext cx="2978150" cy="464820"/>
+          </a:xfrm>
+          <a:prstGeom prst="rect"/>
+        </p:spPr>
+        <p:txBody>
+          <a:bodyPr wrap="square" lIns="91440" tIns="45720" rIns="91440" bIns="45720" numCol="1" vert="horz" anchor="b">
+            <a:noAutofit/>
+          </a:bodyPr>
+          <a:lstStyle>
+            <a:lvl1pPr marL="0" indent="0" algn="r" latinLnBrk="0">
+              <a:buFontTx/>
+              <a:buNone/>
+              <a:defRPr lang="en-GB" altLang="en-US" sz="1200"/>
+            </a:lvl1pPr>
+          </a:lstStyle>
+          <a:p>
+            <a:pPr marL="0" indent="0" latinLnBrk="0">
+              <a:buFontTx/>
+              <a:buNone/>
+            </a:pPr>
+            <a:fld id="{B9320F77-B9A0-41C5-862A-B4B631284C64}" type="slidenum">
+              <a:rPr lang="ko-KR" altLang="en-US"/>
+              <a:t>‹#›</a:t>
+            </a:fld>
+          </a:p>
+        </p:txBody>
+      </p:sp>
+    </p:spTree>
+  </p:cSld>
+  <p:clrMapOvr>
+    <a:masterClrMapping/>
+  </p:clrMapOvr>
+  <mc:AlternateContent xmlns:mc="http://schemas.openxmlformats.org/markup-compatibility/2006">
+    <mc:Choice xmlns:p14="http://schemas.microsoft.com/office/powerpoint/2010/main" Requires="p14">
+      <p:transition spd="slow" p14:dur="0"/>
+    </mc:Choice>
+    <mc:Fallback>
+      <p:transition spd="slow"/>
+    </mc:Fallback>
+  </mc:AlternateContent>
+</p:notes>
+</file>
+
+<file path=ppt/notesSlides/notesSlide12.xml><?xml version="1.0" encoding="utf-8"?>
+<p:notes xmlns:a="http://schemas.openxmlformats.org/drawingml/2006/main" xmlns:r="http://schemas.openxmlformats.org/officeDocument/2006/relationships" xmlns:p="http://schemas.openxmlformats.org/presentationml/2006/main">
+  <p:cSld>
+    <p:spTree>
+      <p:nvGrpSpPr>
+        <p:cNvPr id="1" name=""/>
+        <p:cNvGrpSpPr/>
+        <p:nvPr/>
+      </p:nvGrpSpPr>
+      <p:grpSpPr>
+        <a:xfrm>
+          <a:off x="0" y="0"/>
+          <a:ext cx="0" cy="0"/>
+          <a:chOff x="0" y="0"/>
+          <a:chExt cx="0" cy="0"/>
+        </a:xfrm>
+      </p:grpSpPr>
+      <p:sp>
+        <p:nvSpPr>
+          <p:cNvPr id="2" name="슬라이드 이미지 개체 틀 3"/>
+          <p:cNvSpPr>
+            <a:spLocks noChangeAspect="1"/>
+          </p:cNvSpPr>
+          <p:nvPr>
+            <p:ph type="sldImg" idx="2"/>
+          </p:nvPr>
+        </p:nvSpPr>
+        <p:spPr>
+          <a:xfrm rot="0">
+            <a:off x="685800" y="1143000"/>
+            <a:ext cx="5492750" cy="3092450"/>
+          </a:xfrm>
+          <a:prstGeom prst="rect"/>
+          <a:noFill/>
+          <a:ln w="12700" cap="flat" cmpd="sng">
+            <a:solidFill>
+              <a:srgbClr val="000000">
+                <a:alpha val="100000"/>
+              </a:srgbClr>
+            </a:solidFill>
+            <a:prstDash val="solid"/>
+          </a:ln>
+        </p:spPr>
+        <p:txBody>
+          <a:bodyPr wrap="square" lIns="91440" tIns="45720" rIns="91440" bIns="45720" numCol="1" vert="horz" anchor="ctr">
+            <a:noAutofit/>
+          </a:bodyPr>
+          <a:lstStyle/>
+          <a:p>
+            <a:pPr marL="0" indent="0" latinLnBrk="0">
+              <a:buFontTx/>
+              <a:buNone/>
+            </a:pPr>
+          </a:p>
+        </p:txBody>
+      </p:sp>
+      <p:sp>
+        <p:nvSpPr>
+          <p:cNvPr id="3" name="슬라이드 노트 개체 틀 4"/>
+          <p:cNvSpPr txBox="1">
+            <a:spLocks/>
+          </p:cNvSpPr>
+          <p:nvPr>
+            <p:ph type="body" idx="3"/>
+          </p:nvPr>
+        </p:nvSpPr>
+        <p:spPr>
+          <a:xfrm rot="0">
+            <a:off x="685800" y="4400550"/>
+            <a:ext cx="5492750" cy="3606800"/>
+          </a:xfrm>
+          <a:prstGeom prst="rect"/>
+        </p:spPr>
+        <p:txBody>
+          <a:bodyPr wrap="square" lIns="91440" tIns="45720" rIns="91440" bIns="45720" numCol="1" vert="horz" anchor="t">
+            <a:noAutofit/>
+          </a:bodyPr>
+          <a:lstStyle/>
+          <a:p>
+            <a:pPr marL="0" indent="0" latinLnBrk="0">
+              <a:buFontTx/>
+              <a:buNone/>
+            </a:pPr>
+          </a:p>
+        </p:txBody>
+      </p:sp>
+      <p:sp>
+        <p:nvSpPr>
+          <p:cNvPr id="4" name="슬라이드 번호 개체 틀 6"/>
+          <p:cNvSpPr txBox="1">
+            <a:spLocks/>
+          </p:cNvSpPr>
+          <p:nvPr>
+            <p:ph type="sldNum" idx="5"/>
+          </p:nvPr>
+        </p:nvSpPr>
+        <p:spPr>
+          <a:xfrm rot="0">
+            <a:off x="3884930" y="8685530"/>
+            <a:ext cx="2978150" cy="464820"/>
+          </a:xfrm>
+          <a:prstGeom prst="rect"/>
+        </p:spPr>
+        <p:txBody>
+          <a:bodyPr wrap="square" lIns="91440" tIns="45720" rIns="91440" bIns="45720" numCol="1" vert="horz" anchor="b">
+            <a:noAutofit/>
+          </a:bodyPr>
+          <a:lstStyle>
+            <a:lvl1pPr marL="0" indent="0" algn="r" latinLnBrk="0">
+              <a:buFontTx/>
+              <a:buNone/>
+              <a:defRPr lang="en-GB" altLang="en-US" sz="1200"/>
+            </a:lvl1pPr>
+          </a:lstStyle>
+          <a:p>
+            <a:pPr marL="0" indent="0" latinLnBrk="0">
+              <a:buFontTx/>
+              <a:buNone/>
+            </a:pPr>
+            <a:fld id="{B9320F77-B9A0-41C5-862A-B4B631284C64}" type="slidenum">
+              <a:rPr lang="ko-KR" altLang="en-US"/>
+              <a:t>‹#›</a:t>
+            </a:fld>
+          </a:p>
+        </p:txBody>
+      </p:sp>
+    </p:spTree>
+  </p:cSld>
+  <p:clrMapOvr>
+    <a:masterClrMapping/>
+  </p:clrMapOvr>
+  <mc:AlternateContent xmlns:mc="http://schemas.openxmlformats.org/markup-compatibility/2006">
+    <mc:Choice xmlns:p14="http://schemas.microsoft.com/office/powerpoint/2010/main" Requires="p14">
+      <p:transition spd="slow" p14:dur="0"/>
+    </mc:Choice>
+    <mc:Fallback>
+      <p:transition spd="slow"/>
+    </mc:Fallback>
+  </mc:AlternateContent>
+</p:notes>
+</file>
+
+<file path=ppt/notesSlides/notesSlide13.xml><?xml version="1.0" encoding="utf-8"?>
+<p:notes xmlns:a="http://schemas.openxmlformats.org/drawingml/2006/main" xmlns:r="http://schemas.openxmlformats.org/officeDocument/2006/relationships" xmlns:p="http://schemas.openxmlformats.org/presentationml/2006/main">
+  <p:cSld>
+    <p:spTree>
+      <p:nvGrpSpPr>
+        <p:cNvPr id="1" name=""/>
+        <p:cNvGrpSpPr/>
+        <p:nvPr/>
+      </p:nvGrpSpPr>
+      <p:grpSpPr>
+        <a:xfrm>
+          <a:off x="0" y="0"/>
+          <a:ext cx="0" cy="0"/>
+          <a:chOff x="0" y="0"/>
+          <a:chExt cx="0" cy="0"/>
+        </a:xfrm>
+      </p:grpSpPr>
+      <p:sp>
+        <p:nvSpPr>
+          <p:cNvPr id="2" name="슬라이드 이미지 개체 틀 3"/>
+          <p:cNvSpPr>
+            <a:spLocks noChangeAspect="1"/>
+          </p:cNvSpPr>
+          <p:nvPr>
+            <p:ph type="sldImg" idx="2"/>
+          </p:nvPr>
+        </p:nvSpPr>
+        <p:spPr>
+          <a:xfrm rot="0">
+            <a:off x="685800" y="1143000"/>
+            <a:ext cx="5492750" cy="3092450"/>
+          </a:xfrm>
+          <a:prstGeom prst="rect"/>
+          <a:noFill/>
+          <a:ln w="12700" cap="flat" cmpd="sng">
+            <a:solidFill>
+              <a:srgbClr val="000000">
+                <a:alpha val="100000"/>
+              </a:srgbClr>
+            </a:solidFill>
+            <a:prstDash val="solid"/>
+          </a:ln>
+        </p:spPr>
+        <p:txBody>
+          <a:bodyPr wrap="square" lIns="91440" tIns="45720" rIns="91440" bIns="45720" numCol="1" vert="horz" anchor="ctr">
+            <a:noAutofit/>
+          </a:bodyPr>
+          <a:lstStyle/>
+          <a:p>
+            <a:pPr marL="0" indent="0" latinLnBrk="0">
+              <a:buFontTx/>
+              <a:buNone/>
+            </a:pPr>
+          </a:p>
+        </p:txBody>
+      </p:sp>
+      <p:sp>
+        <p:nvSpPr>
+          <p:cNvPr id="3" name="슬라이드 노트 개체 틀 4"/>
+          <p:cNvSpPr txBox="1">
+            <a:spLocks/>
+          </p:cNvSpPr>
+          <p:nvPr>
+            <p:ph type="body" idx="3"/>
+          </p:nvPr>
+        </p:nvSpPr>
+        <p:spPr>
+          <a:xfrm rot="0">
+            <a:off x="685800" y="4400550"/>
+            <a:ext cx="5492750" cy="3606800"/>
+          </a:xfrm>
+          <a:prstGeom prst="rect"/>
+        </p:spPr>
+        <p:txBody>
+          <a:bodyPr wrap="square" lIns="91440" tIns="45720" rIns="91440" bIns="45720" numCol="1" vert="horz" anchor="t">
+            <a:noAutofit/>
+          </a:bodyPr>
+          <a:lstStyle/>
+          <a:p>
+            <a:pPr marL="0" indent="0" latinLnBrk="0">
+              <a:buFontTx/>
+              <a:buNone/>
+            </a:pPr>
+          </a:p>
+        </p:txBody>
+      </p:sp>
+      <p:sp>
+        <p:nvSpPr>
+          <p:cNvPr id="4" name="슬라이드 번호 개체 틀 6"/>
+          <p:cNvSpPr txBox="1">
+            <a:spLocks/>
+          </p:cNvSpPr>
+          <p:nvPr>
+            <p:ph type="sldNum" idx="5"/>
+          </p:nvPr>
+        </p:nvSpPr>
+        <p:spPr>
+          <a:xfrm rot="0">
+            <a:off x="3884930" y="8685530"/>
+            <a:ext cx="2978150" cy="464820"/>
+          </a:xfrm>
+          <a:prstGeom prst="rect"/>
+        </p:spPr>
+        <p:txBody>
+          <a:bodyPr wrap="square" lIns="91440" tIns="45720" rIns="91440" bIns="45720" numCol="1" vert="horz" anchor="b">
+            <a:noAutofit/>
+          </a:bodyPr>
+          <a:lstStyle>
+            <a:lvl1pPr marL="0" indent="0" algn="r" latinLnBrk="0">
+              <a:buFontTx/>
+              <a:buNone/>
+              <a:defRPr lang="en-GB" altLang="en-US" sz="1200"/>
+            </a:lvl1pPr>
+          </a:lstStyle>
+          <a:p>
+            <a:pPr marL="0" indent="0" latinLnBrk="0">
+              <a:buFontTx/>
+              <a:buNone/>
+            </a:pPr>
+            <a:fld id="{B9320F77-B9A0-41C5-862A-B4B631284C64}" type="slidenum">
+              <a:rPr lang="ko-KR" altLang="en-US"/>
+              <a:t>‹#›</a:t>
+            </a:fld>
+          </a:p>
+        </p:txBody>
+      </p:sp>
+    </p:spTree>
+  </p:cSld>
+  <p:clrMapOvr>
+    <a:masterClrMapping/>
+  </p:clrMapOvr>
+  <mc:AlternateContent xmlns:mc="http://schemas.openxmlformats.org/markup-compatibility/2006">
+    <mc:Choice xmlns:p14="http://schemas.microsoft.com/office/powerpoint/2010/main" Requires="p14">
+      <p:transition spd="slow" p14:dur="0"/>
+    </mc:Choice>
+    <mc:Fallback>
+      <p:transition spd="slow"/>
+    </mc:Fallback>
+  </mc:AlternateContent>
+</p:notes>
+</file>
+
+<file path=ppt/notesSlides/notesSlide14.xml><?xml version="1.0" encoding="utf-8"?>
+<p:notes xmlns:a="http://schemas.openxmlformats.org/drawingml/2006/main" xmlns:r="http://schemas.openxmlformats.org/officeDocument/2006/relationships" xmlns:p="http://schemas.openxmlformats.org/presentationml/2006/main">
+  <p:cSld>
+    <p:spTree>
+      <p:nvGrpSpPr>
+        <p:cNvPr id="1" name=""/>
+        <p:cNvGrpSpPr/>
+        <p:nvPr/>
+      </p:nvGrpSpPr>
+      <p:grpSpPr>
+        <a:xfrm>
+          <a:off x="0" y="0"/>
+          <a:ext cx="0" cy="0"/>
+          <a:chOff x="0" y="0"/>
+          <a:chExt cx="0" cy="0"/>
+        </a:xfrm>
+      </p:grpSpPr>
+      <p:sp>
+        <p:nvSpPr>
+          <p:cNvPr id="2" name="슬라이드 이미지 개체 틀 3"/>
+          <p:cNvSpPr>
+            <a:spLocks noChangeAspect="1"/>
+          </p:cNvSpPr>
+          <p:nvPr>
+            <p:ph type="sldImg" idx="2"/>
+          </p:nvPr>
+        </p:nvSpPr>
+        <p:spPr>
+          <a:xfrm rot="0">
+            <a:off x="685800" y="1143000"/>
+            <a:ext cx="5492750" cy="3092450"/>
+          </a:xfrm>
+          <a:prstGeom prst="rect"/>
+          <a:noFill/>
+          <a:ln w="12700" cap="flat" cmpd="sng">
+            <a:solidFill>
+              <a:srgbClr val="000000">
+                <a:alpha val="100000"/>
+              </a:srgbClr>
+            </a:solidFill>
+            <a:prstDash val="solid"/>
+          </a:ln>
+        </p:spPr>
+        <p:txBody>
+          <a:bodyPr wrap="square" lIns="91440" tIns="45720" rIns="91440" bIns="45720" numCol="1" vert="horz" anchor="ctr">
+            <a:noAutofit/>
+          </a:bodyPr>
+          <a:lstStyle/>
+          <a:p>
+            <a:pPr marL="0" indent="0" latinLnBrk="0">
+              <a:buFontTx/>
+              <a:buNone/>
+            </a:pPr>
+          </a:p>
+        </p:txBody>
+      </p:sp>
+      <p:sp>
+        <p:nvSpPr>
+          <p:cNvPr id="3" name="슬라이드 노트 개체 틀 4"/>
+          <p:cNvSpPr txBox="1">
+            <a:spLocks/>
+          </p:cNvSpPr>
+          <p:nvPr>
+            <p:ph type="body" idx="3"/>
+          </p:nvPr>
+        </p:nvSpPr>
+        <p:spPr>
+          <a:xfrm rot="0">
+            <a:off x="685800" y="4400550"/>
+            <a:ext cx="5492750" cy="3606800"/>
+          </a:xfrm>
+          <a:prstGeom prst="rect"/>
+        </p:spPr>
+        <p:txBody>
+          <a:bodyPr wrap="square" lIns="91440" tIns="45720" rIns="91440" bIns="45720" numCol="1" vert="horz" anchor="t">
+            <a:noAutofit/>
+          </a:bodyPr>
+          <a:lstStyle/>
+          <a:p>
+            <a:pPr marL="0" indent="0" latinLnBrk="0">
+              <a:buFontTx/>
+              <a:buNone/>
+            </a:pPr>
+          </a:p>
+        </p:txBody>
+      </p:sp>
+      <p:sp>
+        <p:nvSpPr>
+          <p:cNvPr id="4" name="슬라이드 번호 개체 틀 6"/>
+          <p:cNvSpPr txBox="1">
+            <a:spLocks/>
+          </p:cNvSpPr>
+          <p:nvPr>
+            <p:ph type="sldNum" idx="5"/>
+          </p:nvPr>
+        </p:nvSpPr>
+        <p:spPr>
+          <a:xfrm rot="0">
+            <a:off x="3884930" y="8685530"/>
+            <a:ext cx="2978150" cy="464820"/>
           </a:xfrm>
           <a:prstGeom prst="rect"/>
         </p:spPr>
@@ -6890,7 +7462,7 @@
       </p:sp>
       <p:sp>
         <p:nvSpPr>
-          <p:cNvPr id="1109" name="텍스트 상자 11"/>
+          <p:cNvPr id="1124" name="텍스트 상자 56"/>
           <p:cNvSpPr txBox="1">
             <a:spLocks/>
           </p:cNvSpPr>
@@ -6898,8 +7470,8 @@
         </p:nvSpPr>
         <p:spPr>
           <a:xfrm rot="0">
-            <a:off x="6833870" y="5248275"/>
-            <a:ext cx="4055745" cy="954405"/>
+            <a:off x="1236980" y="2466975"/>
+            <a:ext cx="4142740" cy="954405"/>
           </a:xfrm>
           <a:prstGeom prst="rect"/>
           <a:noFill/>
@@ -6926,56 +7498,14 @@
                 <a:latin typeface="맑은 고딕" charset="0"/>
                 <a:ea typeface="맑은 고딕" charset="0"/>
               </a:rPr>
-              <a:t>2. </a:t>
+              <a:t>1. </a:t>
             </a:r>
             <a:r>
               <a:rPr lang="ko-KR" sz="1800">
                 <a:latin typeface="맑은 고딕" charset="0"/>
                 <a:ea typeface="맑은 고딕" charset="0"/>
               </a:rPr>
-              <a:t>그리고</a:t>
-            </a:r>
-            <a:r>
-              <a:rPr lang="ko-KR" sz="1800">
-                <a:latin typeface="맑은 고딕" charset="0"/>
-                <a:ea typeface="맑은 고딕" charset="0"/>
-              </a:rPr>
-              <a:t> </a:t>
-            </a:r>
-            <a:r>
-              <a:rPr lang="ko-KR" sz="1800">
-                <a:latin typeface="맑은 고딕" charset="0"/>
-                <a:ea typeface="맑은 고딕" charset="0"/>
-              </a:rPr>
-              <a:t>UI에서 Button</a:t>
-            </a:r>
-            <a:r>
-              <a:rPr lang="ko-KR" sz="1800">
-                <a:latin typeface="맑은 고딕" charset="0"/>
-                <a:ea typeface="맑은 고딕" charset="0"/>
-              </a:rPr>
-              <a:t>을 </a:t>
-            </a:r>
-            <a:r>
-              <a:rPr lang="ko-KR" sz="1800">
-                <a:latin typeface="맑은 고딕" charset="0"/>
-                <a:ea typeface="맑은 고딕" charset="0"/>
-              </a:rPr>
-              <a:t>생성한 다음 </a:t>
-            </a:r>
-            <a:r>
-              <a:rPr lang="ko-KR" sz="1800">
-                <a:latin typeface="맑은 고딕" charset="0"/>
-                <a:ea typeface="맑은 고딕" charset="0"/>
-              </a:rPr>
-              <a:t>Shop Button</a:t>
-            </a:r>
-            <a:r>
-              <a:rPr lang="ko-KR" sz="1800">
-                <a:latin typeface="맑은 고딕" charset="0"/>
-                <a:ea typeface="맑은 고딕" charset="0"/>
-              </a:rPr>
-              <a:t>이라는 이름으로 정의합니다.</a:t>
+              <a:t>첫 번째로 Picking 이라는 스크립트를 생성하고 Main Camera 오브젝트에 넣어줍니다.</a:t>
             </a:r>
             <a:endParaRPr lang="ko-KR" altLang="en-US" sz="1800">
               <a:latin typeface="맑은 고딕" charset="0"/>
@@ -6984,170 +7514,16 @@
           </a:p>
         </p:txBody>
       </p:sp>
-      <p:sp>
-        <p:nvSpPr>
-          <p:cNvPr id="1124" name="텍스트 상자 56"/>
-          <p:cNvSpPr txBox="1">
-            <a:spLocks/>
-          </p:cNvSpPr>
-          <p:nvPr/>
-        </p:nvSpPr>
-        <p:spPr>
-          <a:xfrm rot="0">
-            <a:off x="981075" y="4136390"/>
-            <a:ext cx="4354830" cy="2061845"/>
-          </a:xfrm>
-          <a:prstGeom prst="rect"/>
-          <a:noFill/>
-          <a:ln w="0">
-            <a:noFill/>
-            <a:prstDash/>
-          </a:ln>
-        </p:spPr>
-        <p:txBody>
-          <a:bodyPr wrap="square" lIns="89535" tIns="46355" rIns="89535" bIns="46355" numCol="1" vert="horz" anchor="t">
-            <a:spAutoFit/>
-          </a:bodyPr>
-          <a:lstStyle/>
-          <a:p>
-            <a:pPr marL="0" indent="0" algn="l" latinLnBrk="0" hangingPunct="1">
-              <a:buFontTx/>
-              <a:buNone/>
-            </a:pPr>
-            <a:r>
-              <a:rPr lang="ko-KR" sz="2000" b="1">
-                <a:solidFill>
-                  <a:srgbClr val="0611F2"/>
-                </a:solidFill>
-                <a:latin typeface="맑은 고딕" charset="0"/>
-                <a:ea typeface="맑은 고딕" charset="0"/>
-              </a:rPr>
-              <a:t>1</a:t>
-            </a:r>
-            <a:r>
-              <a:rPr lang="ko-KR" sz="2000" b="1">
-                <a:solidFill>
-                  <a:srgbClr val="0611F2"/>
-                </a:solidFill>
-                <a:latin typeface="맑은 고딕" charset="0"/>
-                <a:ea typeface="맑은 고딕" charset="0"/>
-              </a:rPr>
-              <a:t>. </a:t>
-            </a:r>
-            <a:r>
-              <a:rPr lang="ko-KR" sz="1800">
-                <a:latin typeface="맑은 고딕" charset="0"/>
-                <a:ea typeface="맑은 고딕" charset="0"/>
-              </a:rPr>
-              <a:t>첫 번째로</a:t>
-            </a:r>
-            <a:r>
-              <a:rPr lang="ko-KR" sz="1800">
-                <a:latin typeface="맑은 고딕" charset="0"/>
-                <a:ea typeface="맑은 고딕" charset="0"/>
-              </a:rPr>
-              <a:t> 빈 게임 오브젝트를 생성하여 Data Manager라는 이름</a:t>
-            </a:r>
-            <a:r>
-              <a:rPr lang="ko-KR" sz="1800">
-                <a:latin typeface="맑은 고딕" charset="0"/>
-                <a:ea typeface="맑은 고딕" charset="0"/>
-              </a:rPr>
-              <a:t>으로 정의합니다.</a:t>
-            </a:r>
-            <a:endParaRPr lang="ko-KR" altLang="en-US" sz="1800">
-              <a:latin typeface="맑은 고딕" charset="0"/>
-              <a:ea typeface="맑은 고딕" charset="0"/>
-            </a:endParaRPr>
-          </a:p>
-          <a:p>
-            <a:pPr marL="0" indent="0" algn="l" latinLnBrk="0" hangingPunct="1">
-              <a:buFontTx/>
-              <a:buNone/>
-            </a:pPr>
-            <a:endParaRPr lang="ko-KR" altLang="en-US" sz="1800">
-              <a:latin typeface="맑은 고딕" charset="0"/>
-              <a:ea typeface="맑은 고딕" charset="0"/>
-            </a:endParaRPr>
-          </a:p>
-          <a:p>
-            <a:pPr marL="0" indent="0" algn="l" latinLnBrk="0" hangingPunct="1">
-              <a:buFontTx/>
-              <a:buNone/>
-            </a:pPr>
-            <a:r>
-              <a:rPr lang="ko-KR" sz="1800">
-                <a:latin typeface="맑은 고딕" charset="0"/>
-                <a:ea typeface="맑은 고딕" charset="0"/>
-              </a:rPr>
-              <a:t>그</a:t>
-            </a:r>
-            <a:r>
-              <a:rPr lang="ko-KR" sz="1800">
-                <a:latin typeface="맑은 고딕" charset="0"/>
-                <a:ea typeface="맑은 고딕" charset="0"/>
-              </a:rPr>
-              <a:t>다음 DataManager 스크립트를 Data Manager</a:t>
-            </a:r>
-            <a:r>
-              <a:rPr lang="ko-KR" sz="1800">
-                <a:latin typeface="맑은 고딕" charset="0"/>
-                <a:ea typeface="맑은 고딕" charset="0"/>
-              </a:rPr>
-              <a:t> </a:t>
-            </a:r>
-            <a:r>
-              <a:rPr lang="ko-KR" sz="1800">
-                <a:latin typeface="맑은 고딕" charset="0"/>
-                <a:ea typeface="맑은 고딕" charset="0"/>
-              </a:rPr>
-              <a:t>생성하여</a:t>
-            </a:r>
-            <a:r>
-              <a:rPr lang="ko-KR" sz="1800">
-                <a:latin typeface="맑은 고딕" charset="0"/>
-                <a:ea typeface="맑은 고딕" charset="0"/>
-              </a:rPr>
-              <a:t> </a:t>
-            </a:r>
-            <a:r>
-              <a:rPr lang="ko-KR" sz="1800">
-                <a:latin typeface="맑은 고딕" charset="0"/>
-                <a:ea typeface="맑은 고딕" charset="0"/>
-              </a:rPr>
-              <a:t>Data Manager</a:t>
-            </a:r>
-            <a:r>
-              <a:rPr lang="ko-KR" sz="1800">
-                <a:latin typeface="맑은 고딕" charset="0"/>
-                <a:ea typeface="맑은 고딕" charset="0"/>
-              </a:rPr>
-              <a:t> 오브젝트에</a:t>
-            </a:r>
-            <a:r>
-              <a:rPr lang="ko-KR" sz="1800">
-                <a:latin typeface="맑은 고딕" charset="0"/>
-                <a:ea typeface="맑은 고딕" charset="0"/>
-              </a:rPr>
-              <a:t> 넣어줍니다.</a:t>
-            </a:r>
-            <a:endParaRPr lang="ko-KR" altLang="en-US" sz="1800">
-              <a:latin typeface="맑은 고딕" charset="0"/>
-              <a:ea typeface="맑은 고딕" charset="0"/>
-            </a:endParaRPr>
-          </a:p>
-        </p:txBody>
-      </p:sp>
       <p:pic>
         <p:nvPicPr>
-          <p:cNvPr id="1125" name="그림 345"/>
+          <p:cNvPr id="1133" name="그림 4"/>
           <p:cNvPicPr>
             <a:picLocks noChangeAspect="1"/>
           </p:cNvPicPr>
           <p:nvPr/>
         </p:nvPicPr>
         <p:blipFill rotWithShape="1">
-          <a:blip r:embed="rId16" cstate="hqprint">
+          <a:blip r:embed="rId25" cstate="hqprint">
             <a:extLst>
               <a:ext uri="{28A0092B-C50C-407E-A947-70E740481C1C}">
                 <a14:useLocalDpi xmlns:a14="http://schemas.microsoft.com/office/drawing/2010/main"/>
@@ -7160,8 +7536,8 @@
         </p:blipFill>
         <p:spPr>
           <a:xfrm rot="0">
-            <a:off x="6833870" y="1204595"/>
-            <a:ext cx="2517775" cy="3790315"/>
+            <a:off x="4428490" y="1409700"/>
+            <a:ext cx="953135" cy="865505"/>
           </a:xfrm>
           <a:prstGeom prst="roundRect"/>
           <a:solidFill>
@@ -7171,17 +7547,17 @@
       </p:pic>
       <p:pic>
         <p:nvPicPr>
-          <p:cNvPr id="1127" name="그림 353"/>
+          <p:cNvPr id="1134" name="그림 5"/>
           <p:cNvPicPr>
             <a:picLocks noChangeAspect="1"/>
           </p:cNvPicPr>
           <p:nvPr/>
         </p:nvPicPr>
         <p:blipFill rotWithShape="1">
-          <a:blip r:embed="rId18" cstate="hqprint">
+          <a:blip r:embed="rId26" cstate="print">
             <a:extLst>
               <a:ext uri="{28A0092B-C50C-407E-A947-70E740481C1C}">
-                <a14:useLocalDpi xmlns:a14="http://schemas.microsoft.com/office/drawing/2010/main"/>
+                <a14:useLocalDpi xmlns:a14="http://schemas.microsoft.com/office/drawing/2010/main" val="0"/>
               </a:ext>
             </a:extLst>
           </a:blip>
@@ -7191,8 +7567,8 @@
         </p:blipFill>
         <p:spPr>
           <a:xfrm rot="0">
-            <a:off x="976630" y="1188720"/>
-            <a:ext cx="2744470" cy="2774950"/>
+            <a:off x="1236980" y="1340485"/>
+            <a:ext cx="2820035" cy="995045"/>
           </a:xfrm>
           <a:prstGeom prst="roundRect"/>
           <a:solidFill>
@@ -7200,50 +7576,18 @@
           </a:solidFill>
         </p:spPr>
       </p:pic>
-      <p:pic>
-        <p:nvPicPr>
-          <p:cNvPr id="1128" name="그림 354"/>
-          <p:cNvPicPr>
-            <a:picLocks noChangeAspect="1"/>
-          </p:cNvPicPr>
-          <p:nvPr/>
-        </p:nvPicPr>
-        <p:blipFill rotWithShape="1">
-          <a:blip r:embed="rId19" cstate="hqprint">
-            <a:extLst>
-              <a:ext uri="{28A0092B-C50C-407E-A947-70E740481C1C}">
-                <a14:useLocalDpi xmlns:a14="http://schemas.microsoft.com/office/drawing/2010/main"/>
-              </a:ext>
-            </a:extLst>
-          </a:blip>
-          <a:stretch>
-            <a:fillRect/>
-          </a:stretch>
-        </p:blipFill>
-        <p:spPr>
-          <a:xfrm rot="0">
-            <a:off x="4356100" y="3124200"/>
-            <a:ext cx="779780" cy="716915"/>
-          </a:xfrm>
-          <a:prstGeom prst="roundRect"/>
-          <a:solidFill>
-            <a:srgbClr val="EDEDED"/>
-          </a:solidFill>
-        </p:spPr>
-      </p:pic>
       <p:cxnSp>
         <p:nvCxnSpPr>
-          <p:cNvPr id="1130" name="도형 361"/>
+          <p:cNvPr id="1135" name="도형 6"/>
           <p:cNvCxnSpPr>
-            <a:stCxn id="1128" idx="0"/>
-            <a:endCxn id="1133" idx="2"/>
+            <a:stCxn id="1133" idx="1"/>
           </p:cNvCxnSpPr>
           <p:nvPr/>
         </p:nvCxnSpPr>
         <p:spPr>
-          <a:xfrm rot="0" flipV="1">
-            <a:off x="4745990" y="2698750"/>
-            <a:ext cx="635" cy="426085"/>
+          <a:xfrm rot="0" flipH="1">
+            <a:off x="3597910" y="1842135"/>
+            <a:ext cx="831215" cy="635"/>
           </a:xfrm>
           <a:prstGeom prst="straightConnector1"/>
           <a:ln w="19050" cap="flat" cmpd="sng">
@@ -7268,14 +7612,235 @@
       </p:cxnSp>
       <p:pic>
         <p:nvPicPr>
-          <p:cNvPr id="1132" name="그림 1"/>
+          <p:cNvPr id="1136" name="그림 7"/>
           <p:cNvPicPr>
             <a:picLocks noChangeAspect="1"/>
           </p:cNvPicPr>
           <p:nvPr/>
         </p:nvPicPr>
         <p:blipFill rotWithShape="1">
-          <a:blip r:embed="rId23" cstate="print">
+          <a:blip r:embed="rId27" cstate="hqprint">
+            <a:extLst>
+              <a:ext uri="{28A0092B-C50C-407E-A947-70E740481C1C}">
+                <a14:useLocalDpi xmlns:a14="http://schemas.microsoft.com/office/drawing/2010/main"/>
+              </a:ext>
+            </a:extLst>
+          </a:blip>
+          <a:stretch>
+            <a:fillRect/>
+          </a:stretch>
+        </p:blipFill>
+        <p:spPr>
+          <a:xfrm rot="0">
+            <a:off x="1236980" y="3580765"/>
+            <a:ext cx="4143375" cy="1557020"/>
+          </a:xfrm>
+          <a:prstGeom prst="roundRect"/>
+          <a:solidFill>
+            <a:srgbClr val="EDEDED"/>
+          </a:solidFill>
+        </p:spPr>
+      </p:pic>
+      <p:sp>
+        <p:nvSpPr>
+          <p:cNvPr id="1137" name="텍스트 상자 8"/>
+          <p:cNvSpPr txBox="1">
+            <a:spLocks/>
+          </p:cNvSpPr>
+          <p:nvPr/>
+        </p:nvSpPr>
+        <p:spPr>
+          <a:xfrm rot="0">
+            <a:off x="1236345" y="5251450"/>
+            <a:ext cx="4222750" cy="954405"/>
+          </a:xfrm>
+          <a:prstGeom prst="rect"/>
+          <a:noFill/>
+          <a:ln w="0">
+            <a:noFill/>
+            <a:prstDash/>
+          </a:ln>
+        </p:spPr>
+        <p:txBody>
+          <a:bodyPr wrap="square" lIns="89535" tIns="46355" rIns="89535" bIns="46355" numCol="1" vert="horz" anchor="t">
+            <a:spAutoFit/>
+          </a:bodyPr>
+          <a:lstStyle/>
+          <a:p>
+            <a:pPr marL="0" indent="0" algn="l" latinLnBrk="0" hangingPunct="1">
+              <a:buFontTx/>
+              <a:buNone/>
+            </a:pPr>
+            <a:r>
+              <a:rPr lang="ko-KR" sz="2000" b="1">
+                <a:solidFill>
+                  <a:srgbClr val="0611F2"/>
+                </a:solidFill>
+                <a:latin typeface="맑은 고딕" charset="0"/>
+                <a:ea typeface="맑은 고딕" charset="0"/>
+              </a:rPr>
+              <a:t>2. </a:t>
+            </a:r>
+            <a:r>
+              <a:rPr lang="ko-KR" sz="1800">
+                <a:latin typeface="맑은 고딕" charset="0"/>
+                <a:ea typeface="맑은 고딕" charset="0"/>
+              </a:rPr>
+              <a:t>그런 다음 Picking 스크립트에서 LayerMask 변수와 RaycastHit 변수를 선언합니다.</a:t>
+            </a:r>
+            <a:endParaRPr lang="ko-KR" altLang="en-US" sz="1800">
+              <a:latin typeface="맑은 고딕" charset="0"/>
+              <a:ea typeface="맑은 고딕" charset="0"/>
+            </a:endParaRPr>
+          </a:p>
+        </p:txBody>
+      </p:sp>
+      <p:sp>
+        <p:nvSpPr>
+          <p:cNvPr id="1138" name="텍스트 상자 9"/>
+          <p:cNvSpPr txBox="1">
+            <a:spLocks/>
+          </p:cNvSpPr>
+          <p:nvPr/>
+        </p:nvSpPr>
+        <p:spPr>
+          <a:xfrm rot="0">
+            <a:off x="6823075" y="3312160"/>
+            <a:ext cx="4326255" cy="2892425"/>
+          </a:xfrm>
+          <a:prstGeom prst="rect"/>
+          <a:noFill/>
+          <a:ln w="0">
+            <a:noFill/>
+            <a:prstDash/>
+          </a:ln>
+        </p:spPr>
+        <p:txBody>
+          <a:bodyPr wrap="square" lIns="89535" tIns="46355" rIns="89535" bIns="46355" numCol="1" vert="horz" anchor="t">
+            <a:spAutoFit/>
+          </a:bodyPr>
+          <a:lstStyle/>
+          <a:p>
+            <a:pPr marL="0" indent="0" algn="l" latinLnBrk="0" hangingPunct="1">
+              <a:buFontTx/>
+              <a:buNone/>
+            </a:pPr>
+            <a:r>
+              <a:rPr lang="ko-KR" sz="2000" b="1">
+                <a:solidFill>
+                  <a:srgbClr val="0611F2"/>
+                </a:solidFill>
+                <a:latin typeface="맑은 고딕" charset="0"/>
+                <a:ea typeface="맑은 고딕" charset="0"/>
+              </a:rPr>
+              <a:t>3. </a:t>
+            </a:r>
+            <a:r>
+              <a:rPr lang="ko-KR" sz="1800">
+                <a:latin typeface="맑은 고딕" charset="0"/>
+                <a:ea typeface="맑은 고딕" charset="0"/>
+              </a:rPr>
+              <a:t>그다음</a:t>
+            </a:r>
+            <a:r>
+              <a:rPr lang="ko-KR" sz="1800">
+                <a:latin typeface="맑은 고딕" charset="0"/>
+                <a:ea typeface="맑은 고딕" charset="0"/>
+              </a:rPr>
+              <a:t> 왼쪽 버튼을 클릭했을 때 카메라에서 광선이 발사되도록 설정합니다.</a:t>
+            </a:r>
+            <a:endParaRPr lang="ko-KR" altLang="en-US" sz="1800">
+              <a:latin typeface="맑은 고딕" charset="0"/>
+              <a:ea typeface="맑은 고딕" charset="0"/>
+            </a:endParaRPr>
+          </a:p>
+          <a:p>
+            <a:pPr marL="0" indent="0" algn="l" latinLnBrk="0" hangingPunct="1">
+              <a:buFontTx/>
+              <a:buNone/>
+            </a:pPr>
+            <a:endParaRPr lang="ko-KR" altLang="en-US" sz="1800">
+              <a:latin typeface="맑은 고딕" charset="0"/>
+              <a:ea typeface="맑은 고딕" charset="0"/>
+            </a:endParaRPr>
+          </a:p>
+          <a:p>
+            <a:pPr marL="0" indent="0" algn="l" latinLnBrk="0" hangingPunct="1">
+              <a:buFontTx/>
+              <a:buNone/>
+            </a:pPr>
+            <a:r>
+              <a:rPr lang="ko-KR" sz="1800">
+                <a:latin typeface="맑은 고딕" charset="0"/>
+                <a:ea typeface="맑은 고딕" charset="0"/>
+              </a:rPr>
+              <a:t>그리고 마우스의 위치를</a:t>
+            </a:r>
+            <a:r>
+              <a:rPr lang="ko-KR" sz="1800">
+                <a:latin typeface="맑은 고딕" charset="0"/>
+                <a:ea typeface="맑은 고딕" charset="0"/>
+              </a:rPr>
+              <a:t> 스크린 좌표</a:t>
+            </a:r>
+            <a:r>
+              <a:rPr lang="ko-KR" sz="1800">
+                <a:latin typeface="맑은 고딕" charset="0"/>
+                <a:ea typeface="맑은 고딕" charset="0"/>
+              </a:rPr>
+              <a:t>에서</a:t>
+            </a:r>
+            <a:r>
+              <a:rPr lang="ko-KR" sz="1800">
+                <a:latin typeface="맑은 고딕" charset="0"/>
+                <a:ea typeface="맑은 고딕" charset="0"/>
+              </a:rPr>
+              <a:t> 월드 공간의 좌표로 변환합니다.</a:t>
+            </a:r>
+            <a:endParaRPr lang="ko-KR" altLang="en-US" sz="1800">
+              <a:latin typeface="맑은 고딕" charset="0"/>
+              <a:ea typeface="맑은 고딕" charset="0"/>
+            </a:endParaRPr>
+          </a:p>
+          <a:p>
+            <a:pPr marL="0" indent="0" algn="l" latinLnBrk="0" hangingPunct="1">
+              <a:buFontTx/>
+              <a:buNone/>
+            </a:pPr>
+            <a:endParaRPr lang="ko-KR" altLang="en-US" sz="1800">
+              <a:latin typeface="맑은 고딕" charset="0"/>
+              <a:ea typeface="맑은 고딕" charset="0"/>
+            </a:endParaRPr>
+          </a:p>
+          <a:p>
+            <a:pPr marL="0" indent="0" algn="l" latinLnBrk="0" hangingPunct="1">
+              <a:buFontTx/>
+              <a:buNone/>
+            </a:pPr>
+            <a:r>
+              <a:rPr lang="ko-KR" sz="1800">
+                <a:latin typeface="맑은 고딕" charset="0"/>
+                <a:ea typeface="맑은 고딕" charset="0"/>
+              </a:rPr>
+              <a:t>마지막으로 RandomMesh( )함수를 호출합니다.</a:t>
+            </a:r>
+            <a:endParaRPr lang="ko-KR" altLang="en-US" sz="1800">
+              <a:latin typeface="맑은 고딕" charset="0"/>
+              <a:ea typeface="맑은 고딕" charset="0"/>
+            </a:endParaRPr>
+          </a:p>
+        </p:txBody>
+      </p:sp>
+      <p:pic>
+        <p:nvPicPr>
+          <p:cNvPr id="1139" name="그림 14"/>
+          <p:cNvPicPr>
+            <a:picLocks noChangeAspect="1"/>
+          </p:cNvPicPr>
+          <p:nvPr/>
+        </p:nvPicPr>
+        <p:blipFill rotWithShape="1">
+          <a:blip r:embed="rId28" cstate="print">
             <a:extLst>
               <a:ext uri="{28A0092B-C50C-407E-A947-70E740481C1C}">
                 <a14:useLocalDpi xmlns:a14="http://schemas.microsoft.com/office/drawing/2010/main" val="0"/>
@@ -7288,39 +7853,8 @@
         </p:blipFill>
         <p:spPr>
           <a:xfrm rot="0">
-            <a:off x="9536430" y="2075815"/>
-            <a:ext cx="1353185" cy="2067560"/>
-          </a:xfrm>
-          <a:prstGeom prst="roundRect"/>
-          <a:solidFill>
-            <a:srgbClr val="EDEDED"/>
-          </a:solidFill>
-        </p:spPr>
-      </p:pic>
-      <p:pic>
-        <p:nvPicPr>
-          <p:cNvPr id="1133" name="그림 4"/>
-          <p:cNvPicPr>
-            <a:picLocks noChangeAspect="1"/>
-          </p:cNvPicPr>
-          <p:nvPr/>
-        </p:nvPicPr>
-        <p:blipFill rotWithShape="1">
-          <a:blip r:embed="rId24" cstate="print">
-            <a:extLst>
-              <a:ext uri="{28A0092B-C50C-407E-A947-70E740481C1C}">
-                <a14:useLocalDpi xmlns:a14="http://schemas.microsoft.com/office/drawing/2010/main" val="0"/>
-              </a:ext>
-            </a:extLst>
-          </a:blip>
-          <a:stretch>
-            <a:fillRect/>
-          </a:stretch>
-        </p:blipFill>
-        <p:spPr>
-          <a:xfrm rot="0">
-            <a:off x="4055745" y="1392555"/>
-            <a:ext cx="1381760" cy="1306830"/>
+            <a:off x="6823710" y="1341755"/>
+            <a:ext cx="4333875" cy="1858645"/>
           </a:xfrm>
           <a:prstGeom prst="roundRect"/>
           <a:solidFill>
@@ -7378,8 +7912,8 @@
         </p:nvSpPr>
         <p:spPr>
           <a:xfrm rot="0">
-            <a:off x="4485005" y="403860"/>
-            <a:ext cx="3230880" cy="554990"/>
+            <a:off x="4480560" y="327660"/>
+            <a:ext cx="3234690" cy="554990"/>
           </a:xfrm>
           <a:prstGeom prst="rect"/>
           <a:noFill/>
@@ -7430,7 +7964,7 @@
       </p:sp>
       <p:sp>
         <p:nvSpPr>
-          <p:cNvPr id="7" name="Rect 0"/>
+          <p:cNvPr id="15" name="Rect 0"/>
           <p:cNvSpPr txBox="1">
             <a:spLocks/>
           </p:cNvSpPr>
@@ -7438,15 +7972,19 @@
         </p:nvSpPr>
         <p:spPr>
           <a:xfrm rot="0">
-            <a:off x="1334135" y="3007360"/>
-            <a:ext cx="4054475" cy="673735"/>
+            <a:off x="6791325" y="5274310"/>
+            <a:ext cx="4182110" cy="954405"/>
           </a:xfrm>
           <a:prstGeom prst="rect"/>
           <a:noFill/>
-        </p:spPr>
-        <p:txBody>
-          <a:bodyPr wrap="square" lIns="0" tIns="0" rIns="0" bIns="0" numCol="1" vert="horz" anchor="t">
-            <a:noAutofit/>
+          <a:ln w="0">
+            <a:noFill/>
+            <a:prstDash/>
+          </a:ln>
+        </p:spPr>
+        <p:txBody>
+          <a:bodyPr wrap="square" lIns="89535" tIns="46355" rIns="89535" bIns="46355" numCol="1" vert="horz" anchor="t">
+            <a:spAutoFit/>
           </a:bodyPr>
           <a:lstStyle/>
           <a:p>
@@ -7462,7 +8000,7 @@
                 <a:latin typeface="맑은 고딕" charset="0"/>
                 <a:ea typeface="맑은 고딕" charset="0"/>
               </a:rPr>
-              <a:t>21</a:t>
+              <a:t>24</a:t>
             </a:r>
             <a:r>
               <a:rPr lang="ko-KR" sz="2000" b="1">
@@ -7479,7 +8017,7 @@
                 <a:latin typeface="맑은 고딕" charset="0"/>
                 <a:ea typeface="맑은 고딕" charset="0"/>
               </a:rPr>
-              <a:t>그런 다음 Window 오브젝트의 크기와 위치 그리고 앵커를 설정합니다.</a:t>
+              <a:t>마지막으로 Santa Hat Picture 오브젝트와 Santa Stick Picture 오브젝트의 크기를 설정합니다.</a:t>
             </a:r>
             <a:endParaRPr lang="ko-KR" altLang="en-US" sz="1800">
               <a:latin typeface="맑은 고딕" charset="0"/>
@@ -7490,7 +8028,7 @@
       </p:sp>
       <p:sp>
         <p:nvSpPr>
-          <p:cNvPr id="11" name="Rect 0"/>
+          <p:cNvPr id="26" name="텍스트 상자 21"/>
           <p:cNvSpPr txBox="1">
             <a:spLocks/>
           </p:cNvSpPr>
@@ -7498,15 +8036,19 @@
         </p:nvSpPr>
         <p:spPr>
           <a:xfrm rot="0">
-            <a:off x="1327785" y="5604510"/>
-            <a:ext cx="4060190" cy="673100"/>
+            <a:off x="1305560" y="3890645"/>
+            <a:ext cx="4083050" cy="2338705"/>
           </a:xfrm>
           <a:prstGeom prst="rect"/>
           <a:noFill/>
-        </p:spPr>
-        <p:txBody>
-          <a:bodyPr wrap="square" lIns="0" tIns="0" rIns="0" bIns="0" numCol="1" vert="horz" anchor="t">
-            <a:noAutofit/>
+          <a:ln w="0">
+            <a:noFill/>
+            <a:prstDash/>
+          </a:ln>
+        </p:spPr>
+        <p:txBody>
+          <a:bodyPr wrap="square" lIns="89535" tIns="46355" rIns="89535" bIns="46355" numCol="1" vert="horz" anchor="t">
+            <a:spAutoFit/>
           </a:bodyPr>
           <a:lstStyle/>
           <a:p>
@@ -7522,7 +8064,7 @@
                 <a:latin typeface="맑은 고딕" charset="0"/>
                 <a:ea typeface="맑은 고딕" charset="0"/>
               </a:rPr>
-              <a:t>22</a:t>
+              <a:t>23</a:t>
             </a:r>
             <a:r>
               <a:rPr lang="ko-KR" sz="2000" b="1">
@@ -7539,18 +8081,473 @@
                 <a:latin typeface="맑은 고딕" charset="0"/>
                 <a:ea typeface="맑은 고딕" charset="0"/>
               </a:rPr>
-              <a:t>그다음으로 Santa Hat의 위치와 크기 그리고 앵커를 설정합니다.</a:t>
+              <a:t>이제 </a:t>
+            </a:r>
+            <a:r>
+              <a:rPr lang="ko-KR" sz="1800">
+                <a:latin typeface="맑은 고딕" charset="0"/>
+                <a:ea typeface="맑은 고딕" charset="0"/>
+              </a:rPr>
+              <a:t>UI에서 Image를 2개  Santa Hat Boader</a:t>
+            </a:r>
+            <a:r>
+              <a:rPr lang="ko-KR" sz="1800">
+                <a:latin typeface="맑은 고딕" charset="0"/>
+                <a:ea typeface="맑은 고딕" charset="0"/>
+              </a:rPr>
+              <a:t> 오브젝트와 Santa Stick Boader 오브젝트 하위 오브젝트로 생성합니다.</a:t>
             </a:r>
             <a:endParaRPr lang="ko-KR" altLang="en-US" sz="1800">
               <a:latin typeface="맑은 고딕" charset="0"/>
               <a:ea typeface="맑은 고딕" charset="0"/>
             </a:endParaRPr>
           </a:p>
+          <a:p>
+            <a:pPr marL="0" indent="0" algn="l" latinLnBrk="0" hangingPunct="1">
+              <a:buFontTx/>
+              <a:buNone/>
+            </a:pPr>
+            <a:endParaRPr lang="ko-KR" altLang="en-US" sz="1800">
+              <a:latin typeface="맑은 고딕" charset="0"/>
+              <a:ea typeface="맑은 고딕" charset="0"/>
+            </a:endParaRPr>
+          </a:p>
+          <a:p>
+            <a:pPr marL="0" indent="0" algn="l" latinLnBrk="0" hangingPunct="1">
+              <a:buFontTx/>
+              <a:buNone/>
+            </a:pPr>
+            <a:r>
+              <a:rPr lang="ko-KR" sz="1800">
+                <a:latin typeface="맑은 고딕" charset="0"/>
+                <a:ea typeface="맑은 고딕" charset="0"/>
+              </a:rPr>
+              <a:t>그리고</a:t>
+            </a:r>
+            <a:r>
+              <a:rPr lang="ko-KR" sz="1800">
+                <a:latin typeface="맑은 고딕" charset="0"/>
+                <a:ea typeface="맑은 고딕" charset="0"/>
+              </a:rPr>
+              <a:t> Santa </a:t>
+            </a:r>
+            <a:r>
+              <a:rPr lang="ko-KR" sz="1800">
+                <a:latin typeface="맑은 고딕" charset="0"/>
+                <a:ea typeface="맑은 고딕" charset="0"/>
+              </a:rPr>
+              <a:t>Hat Picture</a:t>
+            </a:r>
+            <a:r>
+              <a:rPr lang="ko-KR" sz="1800">
+                <a:latin typeface="맑은 고딕" charset="0"/>
+                <a:ea typeface="맑은 고딕" charset="0"/>
+              </a:rPr>
+              <a:t>라는 이름</a:t>
+            </a:r>
+            <a:r>
+              <a:rPr lang="ko-KR" sz="1800">
+                <a:latin typeface="맑은 고딕" charset="0"/>
+                <a:ea typeface="맑은 고딕" charset="0"/>
+              </a:rPr>
+              <a:t>과 Santa Stick Picture라는 이름으로</a:t>
+            </a:r>
+            <a:r>
+              <a:rPr lang="ko-KR" sz="1800">
+                <a:latin typeface="맑은 고딕" charset="0"/>
+                <a:ea typeface="맑은 고딕" charset="0"/>
+              </a:rPr>
+              <a:t> 정의합니다.</a:t>
+            </a:r>
+            <a:endParaRPr lang="ko-KR" altLang="en-US" sz="1800">
+              <a:latin typeface="맑은 고딕" charset="0"/>
+              <a:ea typeface="맑은 고딕" charset="0"/>
+            </a:endParaRPr>
+          </a:p>
         </p:txBody>
       </p:sp>
       <p:pic>
         <p:nvPicPr>
-          <p:cNvPr id="14" name="그림 83" descr="C:/Users/Admin1/AppData/Roaming/PolarisOffice/ETemp/19216_9281256/fImage130982585436.png"/>
+          <p:cNvPr id="27" name="그림 22" descr="C:/Users/Admin1/AppData/Roaming/PolarisOffice/ETemp/2948_15255592/fImage185001695705.png"/>
+          <p:cNvPicPr>
+            <a:picLocks noChangeAspect="1"/>
+          </p:cNvPicPr>
+          <p:nvPr/>
+        </p:nvPicPr>
+        <p:blipFill rotWithShape="1">
+          <a:blip r:embed="rId2" cstate="hqprint">
+            <a:extLst>
+              <a:ext uri="{28A0092B-C50C-407E-A947-70E740481C1C}">
+                <a14:useLocalDpi xmlns:a14="http://schemas.microsoft.com/office/drawing/2010/main"/>
+              </a:ext>
+            </a:extLst>
+          </a:blip>
+          <a:stretch>
+            <a:fillRect/>
+          </a:stretch>
+        </p:blipFill>
+        <p:spPr>
+          <a:xfrm rot="0">
+            <a:off x="1310005" y="1384935"/>
+            <a:ext cx="2619375" cy="2404110"/>
+          </a:xfrm>
+          <a:prstGeom prst="roundRect"/>
+          <a:solidFill>
+            <a:srgbClr val="EDEDED"/>
+          </a:solidFill>
+        </p:spPr>
+      </p:pic>
+      <p:pic>
+        <p:nvPicPr>
+          <p:cNvPr id="28" name="그림 23" descr="C:/Users/Admin1/AppData/Roaming/PolarisOffice/ETemp/2948_15255592/fImage91192385724.png"/>
+          <p:cNvPicPr>
+            <a:picLocks noChangeAspect="1"/>
+          </p:cNvPicPr>
+          <p:nvPr/>
+        </p:nvPicPr>
+        <p:blipFill rotWithShape="1">
+          <a:blip r:embed="rId3" cstate="print">
+            <a:extLst>
+              <a:ext uri="{28A0092B-C50C-407E-A947-70E740481C1C}">
+                <a14:useLocalDpi xmlns:a14="http://schemas.microsoft.com/office/drawing/2010/main" val="0"/>
+              </a:ext>
+            </a:extLst>
+          </a:blip>
+          <a:stretch>
+            <a:fillRect/>
+          </a:stretch>
+        </p:blipFill>
+        <p:spPr>
+          <a:xfrm rot="0">
+            <a:off x="4117340" y="1738630"/>
+            <a:ext cx="1297940" cy="1686560"/>
+          </a:xfrm>
+          <a:prstGeom prst="roundRect"/>
+          <a:solidFill>
+            <a:srgbClr val="EDEDED"/>
+          </a:solidFill>
+        </p:spPr>
+      </p:pic>
+      <p:pic>
+        <p:nvPicPr>
+          <p:cNvPr id="29" name="그림 26" descr="C:/Users/Admin1/AppData/Roaming/PolarisOffice/ETemp/2948_15255592/fImage126962391478.png"/>
+          <p:cNvPicPr>
+            <a:picLocks noChangeAspect="1"/>
+          </p:cNvPicPr>
+          <p:nvPr/>
+        </p:nvPicPr>
+        <p:blipFill rotWithShape="1">
+          <a:blip r:embed="rId4" cstate="print">
+            <a:extLst>
+              <a:ext uri="{28A0092B-C50C-407E-A947-70E740481C1C}">
+                <a14:useLocalDpi xmlns:a14="http://schemas.microsoft.com/office/drawing/2010/main" val="0"/>
+              </a:ext>
+            </a:extLst>
+          </a:blip>
+          <a:stretch>
+            <a:fillRect/>
+          </a:stretch>
+        </p:blipFill>
+        <p:spPr>
+          <a:xfrm rot="0">
+            <a:off x="6791325" y="1381125"/>
+            <a:ext cx="4191635" cy="1743710"/>
+          </a:xfrm>
+          <a:prstGeom prst="roundRect"/>
+          <a:solidFill>
+            <a:srgbClr val="EDEDED"/>
+          </a:solidFill>
+        </p:spPr>
+      </p:pic>
+      <p:pic>
+        <p:nvPicPr>
+          <p:cNvPr id="30" name="그림 27" descr="C:/Users/Admin1/AppData/Roaming/PolarisOffice/ETemp/2948_15255592/fImage127572409358.png"/>
+          <p:cNvPicPr>
+            <a:picLocks noChangeAspect="1"/>
+          </p:cNvPicPr>
+          <p:nvPr/>
+        </p:nvPicPr>
+        <p:blipFill rotWithShape="1">
+          <a:blip r:embed="rId5" cstate="print">
+            <a:extLst>
+              <a:ext uri="{28A0092B-C50C-407E-A947-70E740481C1C}">
+                <a14:useLocalDpi xmlns:a14="http://schemas.microsoft.com/office/drawing/2010/main" val="0"/>
+              </a:ext>
+            </a:extLst>
+          </a:blip>
+          <a:stretch>
+            <a:fillRect/>
+          </a:stretch>
+        </p:blipFill>
+        <p:spPr>
+          <a:xfrm rot="0">
+            <a:off x="6791325" y="3343275"/>
+            <a:ext cx="4191635" cy="1762760"/>
+          </a:xfrm>
+          <a:prstGeom prst="roundRect"/>
+          <a:solidFill>
+            <a:srgbClr val="EDEDED"/>
+          </a:solidFill>
+        </p:spPr>
+      </p:pic>
+    </p:spTree>
+  </p:cSld>
+  <p:clrMapOvr>
+    <a:masterClrMapping/>
+  </p:clrMapOvr>
+  <mc:AlternateContent xmlns:mc="http://schemas.openxmlformats.org/markup-compatibility/2006">
+    <mc:Choice xmlns:p14="http://schemas.microsoft.com/office/powerpoint/2010/main" Requires="p14">
+      <p:transition spd="slow" p14:dur="2000"/>
+    </mc:Choice>
+    <mc:Fallback>
+      <p:transition spd="slow"/>
+    </mc:Fallback>
+  </mc:AlternateContent>
+  <p:timing>
+    <p:tnLst>
+      <p:par>
+        <p:cTn id="1" dur="indefinite" restart="never" nodeType="tmRoot"/>
+      </p:par>
+    </p:tnLst>
+  </p:timing>
+</p:sld>
+</file>
+
+<file path=ppt/slides/slide11.xml><?xml version="1.0" encoding="utf-8"?>
+<p:sld xmlns:a="http://schemas.openxmlformats.org/drawingml/2006/main" xmlns:r="http://schemas.openxmlformats.org/officeDocument/2006/relationships" xmlns:p="http://schemas.openxmlformats.org/presentationml/2006/main">
+  <p:cSld>
+    <p:spTree>
+      <p:nvGrpSpPr>
+        <p:cNvPr id="1" name=""/>
+        <p:cNvGrpSpPr/>
+        <p:nvPr/>
+      </p:nvGrpSpPr>
+      <p:grpSpPr>
+        <a:xfrm>
+          <a:off x="0" y="0"/>
+          <a:ext cx="0" cy="0"/>
+          <a:chOff x="0" y="0"/>
+          <a:chExt cx="0" cy="0"/>
+        </a:xfrm>
+      </p:grpSpPr>
+      <p:sp>
+        <p:nvSpPr>
+          <p:cNvPr id="5" name="Rect 0"/>
+          <p:cNvSpPr txBox="1">
+            <a:spLocks/>
+          </p:cNvSpPr>
+          <p:nvPr/>
+        </p:nvSpPr>
+        <p:spPr>
+          <a:xfrm rot="0">
+            <a:off x="4309110" y="346710"/>
+            <a:ext cx="3578225" cy="554990"/>
+          </a:xfrm>
+          <a:prstGeom prst="rect"/>
+          <a:noFill/>
+          <a:ln w="0">
+            <a:noFill/>
+            <a:prstDash/>
+          </a:ln>
+        </p:spPr>
+        <p:txBody>
+          <a:bodyPr wrap="square" lIns="89535" tIns="46355" rIns="89535" bIns="46355" numCol="1" vert="horz" anchor="t">
+            <a:spAutoFit/>
+          </a:bodyPr>
+          <a:lstStyle/>
+          <a:p>
+            <a:pPr marL="0" indent="0" algn="l" latinLnBrk="0">
+              <a:buFontTx/>
+              <a:buNone/>
+            </a:pPr>
+            <a:r>
+              <a:rPr lang="ko-KR" altLang="en-US" sz="3000" b="1">
+                <a:solidFill>
+                  <a:schemeClr val="tx1"/>
+                </a:solidFill>
+                <a:latin typeface="맑은 고딕" charset="0"/>
+                <a:ea typeface="맑은 고딕" charset="0"/>
+              </a:rPr>
+              <a:t>열한</a:t>
+            </a:r>
+            <a:r>
+              <a:rPr lang="ko-KR" altLang="en-US" sz="3000" b="1">
+                <a:solidFill>
+                  <a:schemeClr val="tx1"/>
+                </a:solidFill>
+                <a:latin typeface="맑은 고딕" charset="0"/>
+                <a:ea typeface="맑은 고딕" charset="0"/>
+              </a:rPr>
+              <a:t> 번째 튜토리얼</a:t>
+            </a:r>
+            <a:endParaRPr lang="ko-KR" altLang="en-US" sz="3000" b="1">
+              <a:solidFill>
+                <a:schemeClr val="tx1"/>
+              </a:solidFill>
+              <a:latin typeface="맑은 고딕" charset="0"/>
+              <a:ea typeface="맑은 고딕" charset="0"/>
+            </a:endParaRPr>
+          </a:p>
+        </p:txBody>
+      </p:sp>
+      <p:sp>
+        <p:nvSpPr>
+          <p:cNvPr id="15" name="Rect 0"/>
+          <p:cNvSpPr txBox="1">
+            <a:spLocks/>
+          </p:cNvSpPr>
+          <p:nvPr/>
+        </p:nvSpPr>
+        <p:spPr>
+          <a:xfrm rot="0">
+            <a:off x="6791325" y="2626360"/>
+            <a:ext cx="4182110" cy="1231265"/>
+          </a:xfrm>
+          <a:prstGeom prst="rect"/>
+          <a:noFill/>
+          <a:ln w="0">
+            <a:noFill/>
+            <a:prstDash/>
+          </a:ln>
+        </p:spPr>
+        <p:txBody>
+          <a:bodyPr wrap="square" lIns="89535" tIns="46355" rIns="89535" bIns="46355" numCol="1" vert="horz" anchor="t">
+            <a:spAutoFit/>
+          </a:bodyPr>
+          <a:lstStyle/>
+          <a:p>
+            <a:pPr marL="0" indent="0" algn="l" latinLnBrk="0" hangingPunct="1">
+              <a:buFontTx/>
+              <a:buNone/>
+            </a:pPr>
+            <a:r>
+              <a:rPr lang="ko-KR" sz="2000" b="1">
+                <a:solidFill>
+                  <a:srgbClr val="0611F2"/>
+                </a:solidFill>
+                <a:latin typeface="맑은 고딕" charset="0"/>
+                <a:ea typeface="맑은 고딕" charset="0"/>
+              </a:rPr>
+              <a:t>26</a:t>
+            </a:r>
+            <a:r>
+              <a:rPr lang="ko-KR" sz="2000" b="1">
+                <a:solidFill>
+                  <a:srgbClr val="0611F2"/>
+                </a:solidFill>
+                <a:latin typeface="맑은 고딕" charset="0"/>
+                <a:ea typeface="맑은 고딕" charset="0"/>
+              </a:rPr>
+              <a:t>. </a:t>
+            </a:r>
+            <a:r>
+              <a:rPr lang="ko-KR" sz="1800">
+                <a:latin typeface="맑은 고딕" charset="0"/>
+                <a:ea typeface="맑은 고딕" charset="0"/>
+              </a:rPr>
+              <a:t>이제 Project 폴더에 있는 Script 폴더에 Consumable 스크립트를 Santa Hat Picture 오브젝트와 Santa Stick Picture 오브젝트에 넣어줍니다.</a:t>
+            </a:r>
+            <a:endParaRPr lang="ko-KR" altLang="en-US" sz="1800">
+              <a:latin typeface="맑은 고딕" charset="0"/>
+              <a:ea typeface="맑은 고딕" charset="0"/>
+            </a:endParaRPr>
+          </a:p>
+        </p:txBody>
+      </p:sp>
+      <p:sp>
+        <p:nvSpPr>
+          <p:cNvPr id="26" name="Rect 0"/>
+          <p:cNvSpPr txBox="1">
+            <a:spLocks/>
+          </p:cNvSpPr>
+          <p:nvPr/>
+        </p:nvSpPr>
+        <p:spPr>
+          <a:xfrm rot="0">
+            <a:off x="1296035" y="4166870"/>
+            <a:ext cx="4076700" cy="2061845"/>
+          </a:xfrm>
+          <a:prstGeom prst="rect"/>
+          <a:noFill/>
+          <a:ln w="0">
+            <a:noFill/>
+            <a:prstDash/>
+          </a:ln>
+        </p:spPr>
+        <p:txBody>
+          <a:bodyPr wrap="square" lIns="89535" tIns="46355" rIns="89535" bIns="46355" numCol="1" vert="horz" anchor="t">
+            <a:spAutoFit/>
+          </a:bodyPr>
+          <a:lstStyle/>
+          <a:p>
+            <a:pPr marL="0" indent="0" algn="l" latinLnBrk="0" hangingPunct="1">
+              <a:buFontTx/>
+              <a:buNone/>
+            </a:pPr>
+            <a:r>
+              <a:rPr lang="ko-KR" sz="2000" b="1">
+                <a:solidFill>
+                  <a:srgbClr val="0611F2"/>
+                </a:solidFill>
+                <a:latin typeface="맑은 고딕" charset="0"/>
+                <a:ea typeface="맑은 고딕" charset="0"/>
+              </a:rPr>
+              <a:t>25</a:t>
+            </a:r>
+            <a:r>
+              <a:rPr lang="ko-KR" sz="2000" b="1">
+                <a:solidFill>
+                  <a:srgbClr val="0611F2"/>
+                </a:solidFill>
+                <a:latin typeface="맑은 고딕" charset="0"/>
+                <a:ea typeface="맑은 고딕" charset="0"/>
+              </a:rPr>
+              <a:t>. </a:t>
+            </a:r>
+            <a:r>
+              <a:rPr lang="ko-KR" sz="1800">
+                <a:latin typeface="맑은 고딕" charset="0"/>
+                <a:ea typeface="맑은 고딕" charset="0"/>
+              </a:rPr>
+              <a:t>그런 다음 Consumable 스크립트에서 Image 변수 2개와 Item 변수 하나를 선언합니다.</a:t>
+            </a:r>
+            <a:endParaRPr lang="ko-KR" altLang="en-US" sz="1800">
+              <a:latin typeface="맑은 고딕" charset="0"/>
+              <a:ea typeface="맑은 고딕" charset="0"/>
+            </a:endParaRPr>
+          </a:p>
+          <a:p>
+            <a:pPr marL="0" indent="0" algn="l" latinLnBrk="0" hangingPunct="1">
+              <a:buFontTx/>
+              <a:buNone/>
+            </a:pPr>
+            <a:endParaRPr lang="ko-KR" altLang="en-US" sz="1800">
+              <a:latin typeface="맑은 고딕" charset="0"/>
+              <a:ea typeface="맑은 고딕" charset="0"/>
+            </a:endParaRPr>
+          </a:p>
+          <a:p>
+            <a:pPr marL="0" indent="0" algn="l" latinLnBrk="0" hangingPunct="1">
+              <a:buFontTx/>
+              <a:buNone/>
+            </a:pPr>
+            <a:r>
+              <a:rPr lang="ko-KR" sz="1800">
+                <a:latin typeface="맑은 고딕" charset="0"/>
+                <a:ea typeface="맑은 고딕" charset="0"/>
+              </a:rPr>
+              <a:t>그다음 Start( ) 함수에서 이미지의 스프라이트를 item 변수에 있는 스프라이트로 넣어줍니다.</a:t>
+            </a:r>
+            <a:endParaRPr lang="ko-KR" altLang="en-US" sz="1800">
+              <a:latin typeface="맑은 고딕" charset="0"/>
+              <a:ea typeface="맑은 고딕" charset="0"/>
+            </a:endParaRPr>
+          </a:p>
+        </p:txBody>
+      </p:sp>
+      <p:pic>
+        <p:nvPicPr>
+          <p:cNvPr id="31" name="그림 32" descr="C:/Users/Admin1/AppData/Roaming/PolarisOffice/ETemp/2948_15255592/fImage102602516962.png"/>
           <p:cNvPicPr>
             <a:picLocks noChangeAspect="1"/>
           </p:cNvPicPr>
@@ -7570,8 +8567,8 @@
         </p:blipFill>
         <p:spPr>
           <a:xfrm rot="0">
-            <a:off x="1334135" y="1360805"/>
-            <a:ext cx="4054475" cy="1497330"/>
+            <a:off x="1295400" y="1381125"/>
+            <a:ext cx="4086860" cy="2648585"/>
           </a:xfrm>
           <a:prstGeom prst="roundRect"/>
           <a:solidFill>
@@ -7581,7 +8578,7 @@
       </p:pic>
       <p:pic>
         <p:nvPicPr>
-          <p:cNvPr id="15" name="그림 100" descr="C:/Users/Admin1/AppData/Roaming/PolarisOffice/ETemp/19216_9281256/fImage120132802391.png"/>
+          <p:cNvPr id="32" name="그림 35" descr="C:/Users/Admin1/AppData/Roaming/PolarisOffice/ETemp/2948_15255592/fImage91052524464.png"/>
           <p:cNvPicPr>
             <a:picLocks noChangeAspect="1"/>
           </p:cNvPicPr>
@@ -7601,8 +8598,8 @@
         </p:blipFill>
         <p:spPr>
           <a:xfrm rot="0">
-            <a:off x="1328420" y="3810000"/>
-            <a:ext cx="4063365" cy="1629410"/>
+            <a:off x="6795770" y="1376045"/>
+            <a:ext cx="1482090" cy="1190625"/>
           </a:xfrm>
           <a:prstGeom prst="roundRect"/>
           <a:solidFill>
@@ -7610,6 +8607,1888 @@
           </a:solidFill>
         </p:spPr>
       </p:pic>
+      <p:pic>
+        <p:nvPicPr>
+          <p:cNvPr id="33" name="그림 38" descr="C:/Users/Admin1/AppData/Roaming/PolarisOffice/ETemp/2948_15255592/fImage87482535705.png"/>
+          <p:cNvPicPr>
+            <a:picLocks noChangeAspect="1"/>
+          </p:cNvPicPr>
+          <p:nvPr/>
+        </p:nvPicPr>
+        <p:blipFill rotWithShape="1">
+          <a:blip r:embed="rId4" cstate="print">
+            <a:extLst>
+              <a:ext uri="{28A0092B-C50C-407E-A947-70E740481C1C}">
+                <a14:useLocalDpi xmlns:a14="http://schemas.microsoft.com/office/drawing/2010/main" val="0"/>
+              </a:ext>
+            </a:extLst>
+          </a:blip>
+          <a:stretch>
+            <a:fillRect/>
+          </a:stretch>
+        </p:blipFill>
+        <p:spPr>
+          <a:xfrm rot="0">
+            <a:off x="8458200" y="1364615"/>
+            <a:ext cx="2512060" cy="1207770"/>
+          </a:xfrm>
+          <a:prstGeom prst="roundRect"/>
+          <a:solidFill>
+            <a:srgbClr val="EDEDED"/>
+          </a:solidFill>
+        </p:spPr>
+      </p:pic>
+      <p:pic>
+        <p:nvPicPr>
+          <p:cNvPr id="36" name="그림 41" descr="C:/Users/Admin1/AppData/Roaming/PolarisOffice/ETemp/2948_15255592/fImage29012568145.png"/>
+          <p:cNvPicPr>
+            <a:picLocks noChangeAspect="1"/>
+          </p:cNvPicPr>
+          <p:nvPr/>
+        </p:nvPicPr>
+        <p:blipFill rotWithShape="1">
+          <a:blip r:embed="rId5" cstate="print">
+            <a:extLst>
+              <a:ext uri="{28A0092B-C50C-407E-A947-70E740481C1C}">
+                <a14:useLocalDpi xmlns:a14="http://schemas.microsoft.com/office/drawing/2010/main" val="0"/>
+              </a:ext>
+            </a:extLst>
+          </a:blip>
+          <a:stretch>
+            <a:fillRect/>
+          </a:stretch>
+        </p:blipFill>
+        <p:spPr>
+          <a:xfrm rot="0">
+            <a:off x="8467725" y="3943350"/>
+            <a:ext cx="2505710" cy="1267460"/>
+          </a:xfrm>
+          <a:prstGeom prst="roundRect"/>
+          <a:solidFill>
+            <a:srgbClr val="EDEDED"/>
+          </a:solidFill>
+        </p:spPr>
+      </p:pic>
+      <p:sp>
+        <p:nvSpPr>
+          <p:cNvPr id="37" name="텍스트 상자 44"/>
+          <p:cNvSpPr txBox="1">
+            <a:spLocks/>
+          </p:cNvSpPr>
+          <p:nvPr/>
+        </p:nvSpPr>
+        <p:spPr>
+          <a:xfrm rot="0">
+            <a:off x="6786880" y="5269865"/>
+            <a:ext cx="4186555" cy="954405"/>
+          </a:xfrm>
+          <a:prstGeom prst="rect"/>
+          <a:noFill/>
+          <a:ln w="0">
+            <a:noFill/>
+            <a:prstDash/>
+          </a:ln>
+        </p:spPr>
+        <p:txBody>
+          <a:bodyPr wrap="square" lIns="89535" tIns="46355" rIns="89535" bIns="46355" numCol="1" vert="horz" anchor="t">
+            <a:spAutoFit/>
+          </a:bodyPr>
+          <a:lstStyle/>
+          <a:p>
+            <a:pPr marL="0" indent="0" algn="l" latinLnBrk="0" hangingPunct="1">
+              <a:buFontTx/>
+              <a:buNone/>
+            </a:pPr>
+            <a:r>
+              <a:rPr lang="ko-KR" sz="2000" b="1">
+                <a:solidFill>
+                  <a:srgbClr val="0611F2"/>
+                </a:solidFill>
+                <a:latin typeface="맑은 고딕" charset="0"/>
+                <a:ea typeface="맑은 고딕" charset="0"/>
+              </a:rPr>
+              <a:t>27</a:t>
+            </a:r>
+            <a:r>
+              <a:rPr lang="ko-KR" sz="2000" b="1">
+                <a:solidFill>
+                  <a:srgbClr val="0611F2"/>
+                </a:solidFill>
+                <a:latin typeface="맑은 고딕" charset="0"/>
+                <a:ea typeface="맑은 고딕" charset="0"/>
+              </a:rPr>
+              <a:t>. </a:t>
+            </a:r>
+            <a:r>
+              <a:rPr lang="ko-KR" sz="1800">
+                <a:latin typeface="맑은 고딕" charset="0"/>
+                <a:ea typeface="맑은 고딕" charset="0"/>
+              </a:rPr>
+              <a:t>그리고 Santa Hat Picture와 Santa Stick Picture 오브젝트에 Button 컴포넌트를 추가합니다.</a:t>
+            </a:r>
+            <a:endParaRPr lang="ko-KR" altLang="en-US" sz="1800">
+              <a:latin typeface="맑은 고딕" charset="0"/>
+              <a:ea typeface="맑은 고딕" charset="0"/>
+            </a:endParaRPr>
+          </a:p>
+        </p:txBody>
+      </p:sp>
+      <p:pic>
+        <p:nvPicPr>
+          <p:cNvPr id="38" name="그림 45" descr="C:/Users/Admin1/AppData/Roaming/PolarisOffice/ETemp/2948_15255592/fImage91052583281.png"/>
+          <p:cNvPicPr>
+            <a:picLocks noChangeAspect="1"/>
+          </p:cNvPicPr>
+          <p:nvPr/>
+        </p:nvPicPr>
+        <p:blipFill rotWithShape="1">
+          <a:blip r:embed="rId6" cstate="print">
+            <a:extLst>
+              <a:ext uri="{28A0092B-C50C-407E-A947-70E740481C1C}">
+                <a14:useLocalDpi xmlns:a14="http://schemas.microsoft.com/office/drawing/2010/main" val="0"/>
+              </a:ext>
+            </a:extLst>
+          </a:blip>
+          <a:stretch>
+            <a:fillRect/>
+          </a:stretch>
+        </p:blipFill>
+        <p:spPr>
+          <a:xfrm rot="0">
+            <a:off x="6791325" y="3951605"/>
+            <a:ext cx="1482090" cy="1249680"/>
+          </a:xfrm>
+          <a:prstGeom prst="roundRect"/>
+          <a:solidFill>
+            <a:srgbClr val="EDEDED"/>
+          </a:solidFill>
+        </p:spPr>
+      </p:pic>
+    </p:spTree>
+  </p:cSld>
+  <p:clrMapOvr>
+    <a:masterClrMapping/>
+  </p:clrMapOvr>
+  <mc:AlternateContent xmlns:mc="http://schemas.openxmlformats.org/markup-compatibility/2006">
+    <mc:Choice xmlns:p14="http://schemas.microsoft.com/office/powerpoint/2010/main" Requires="p14">
+      <p:transition spd="slow" p14:dur="2000"/>
+    </mc:Choice>
+    <mc:Fallback>
+      <p:transition spd="slow"/>
+    </mc:Fallback>
+  </mc:AlternateContent>
+  <p:timing>
+    <p:tnLst>
+      <p:par>
+        <p:cTn id="1" dur="indefinite" restart="never" nodeType="tmRoot"/>
+      </p:par>
+    </p:tnLst>
+  </p:timing>
+</p:sld>
+</file>
+
+<file path=ppt/slides/slide12.xml><?xml version="1.0" encoding="utf-8"?>
+<p:sld xmlns:a="http://schemas.openxmlformats.org/drawingml/2006/main" xmlns:r="http://schemas.openxmlformats.org/officeDocument/2006/relationships" xmlns:p="http://schemas.openxmlformats.org/presentationml/2006/main">
+  <p:cSld>
+    <p:spTree>
+      <p:nvGrpSpPr>
+        <p:cNvPr id="1" name=""/>
+        <p:cNvGrpSpPr/>
+        <p:nvPr/>
+      </p:nvGrpSpPr>
+      <p:grpSpPr>
+        <a:xfrm>
+          <a:off x="0" y="0"/>
+          <a:ext cx="0" cy="0"/>
+          <a:chOff x="0" y="0"/>
+          <a:chExt cx="0" cy="0"/>
+        </a:xfrm>
+      </p:grpSpPr>
+      <p:sp>
+        <p:nvSpPr>
+          <p:cNvPr id="5" name="Rect 0"/>
+          <p:cNvSpPr txBox="1">
+            <a:spLocks/>
+          </p:cNvSpPr>
+          <p:nvPr/>
+        </p:nvSpPr>
+        <p:spPr>
+          <a:xfrm rot="0">
+            <a:off x="4309110" y="346710"/>
+            <a:ext cx="3578225" cy="554990"/>
+          </a:xfrm>
+          <a:prstGeom prst="rect"/>
+          <a:noFill/>
+          <a:ln w="0">
+            <a:noFill/>
+            <a:prstDash/>
+          </a:ln>
+        </p:spPr>
+        <p:txBody>
+          <a:bodyPr wrap="square" lIns="89535" tIns="46355" rIns="89535" bIns="46355" numCol="1" vert="horz" anchor="t">
+            <a:spAutoFit/>
+          </a:bodyPr>
+          <a:lstStyle/>
+          <a:p>
+            <a:pPr marL="0" indent="0" algn="l" latinLnBrk="0">
+              <a:buFontTx/>
+              <a:buNone/>
+            </a:pPr>
+            <a:r>
+              <a:rPr lang="ko-KR" altLang="en-US" sz="3000" b="1">
+                <a:solidFill>
+                  <a:schemeClr val="tx1"/>
+                </a:solidFill>
+                <a:latin typeface="맑은 고딕" charset="0"/>
+                <a:ea typeface="맑은 고딕" charset="0"/>
+              </a:rPr>
+              <a:t>열두</a:t>
+            </a:r>
+            <a:r>
+              <a:rPr lang="ko-KR" altLang="en-US" sz="3000" b="1">
+                <a:solidFill>
+                  <a:schemeClr val="tx1"/>
+                </a:solidFill>
+                <a:latin typeface="맑은 고딕" charset="0"/>
+                <a:ea typeface="맑은 고딕" charset="0"/>
+              </a:rPr>
+              <a:t> 번째 튜토리얼</a:t>
+            </a:r>
+            <a:endParaRPr lang="ko-KR" altLang="en-US" sz="3000" b="1">
+              <a:solidFill>
+                <a:schemeClr val="tx1"/>
+              </a:solidFill>
+              <a:latin typeface="맑은 고딕" charset="0"/>
+              <a:ea typeface="맑은 고딕" charset="0"/>
+            </a:endParaRPr>
+          </a:p>
+        </p:txBody>
+      </p:sp>
+      <p:sp>
+        <p:nvSpPr>
+          <p:cNvPr id="26" name="Rect 0"/>
+          <p:cNvSpPr txBox="1">
+            <a:spLocks/>
+          </p:cNvSpPr>
+          <p:nvPr/>
+        </p:nvSpPr>
+        <p:spPr>
+          <a:xfrm rot="0">
+            <a:off x="1305560" y="4157345"/>
+            <a:ext cx="4076700" cy="2061845"/>
+          </a:xfrm>
+          <a:prstGeom prst="rect"/>
+          <a:noFill/>
+          <a:ln w="0">
+            <a:noFill/>
+            <a:prstDash/>
+          </a:ln>
+        </p:spPr>
+        <p:txBody>
+          <a:bodyPr wrap="square" lIns="89535" tIns="46355" rIns="89535" bIns="46355" numCol="1" vert="horz" anchor="t">
+            <a:spAutoFit/>
+          </a:bodyPr>
+          <a:lstStyle/>
+          <a:p>
+            <a:pPr marL="0" indent="0" algn="l" latinLnBrk="0" hangingPunct="1">
+              <a:buFontTx/>
+              <a:buNone/>
+            </a:pPr>
+            <a:r>
+              <a:rPr lang="ko-KR" sz="2000" b="1">
+                <a:solidFill>
+                  <a:srgbClr val="0611F2"/>
+                </a:solidFill>
+                <a:latin typeface="맑은 고딕" charset="0"/>
+                <a:ea typeface="맑은 고딕" charset="0"/>
+              </a:rPr>
+              <a:t>28</a:t>
+            </a:r>
+            <a:r>
+              <a:rPr lang="ko-KR" sz="2000" b="1">
+                <a:solidFill>
+                  <a:srgbClr val="0611F2"/>
+                </a:solidFill>
+                <a:latin typeface="맑은 고딕" charset="0"/>
+                <a:ea typeface="맑은 고딕" charset="0"/>
+              </a:rPr>
+              <a:t>. </a:t>
+            </a:r>
+            <a:r>
+              <a:rPr lang="ko-KR" sz="1800">
+                <a:latin typeface="맑은 고딕" charset="0"/>
+                <a:ea typeface="맑은 고딕" charset="0"/>
+              </a:rPr>
+              <a:t>그런 다음 Santa Hat Boader에 있는 Consumable 스크립트를 선택합니다.</a:t>
+            </a:r>
+            <a:endParaRPr lang="ko-KR" altLang="en-US" sz="1800">
+              <a:latin typeface="맑은 고딕" charset="0"/>
+              <a:ea typeface="맑은 고딕" charset="0"/>
+            </a:endParaRPr>
+          </a:p>
+          <a:p>
+            <a:pPr marL="0" indent="0" algn="l" latinLnBrk="0" hangingPunct="1">
+              <a:buFontTx/>
+              <a:buNone/>
+            </a:pPr>
+            <a:endParaRPr lang="ko-KR" altLang="en-US" sz="1800">
+              <a:latin typeface="맑은 고딕" charset="0"/>
+              <a:ea typeface="맑은 고딕" charset="0"/>
+            </a:endParaRPr>
+          </a:p>
+          <a:p>
+            <a:pPr marL="0" indent="0" algn="l" latinLnBrk="0" hangingPunct="1">
+              <a:buFontTx/>
+              <a:buNone/>
+            </a:pPr>
+            <a:r>
+              <a:rPr lang="ko-KR" sz="1800">
+                <a:latin typeface="맑은 고딕" charset="0"/>
+                <a:ea typeface="맑은 고딕" charset="0"/>
+              </a:rPr>
+              <a:t>그다음 Outline과 Picture 그리고 Item에 각각의 이미지와 스크립터블 오브젝트를 넣어줍니다.</a:t>
+            </a:r>
+            <a:endParaRPr lang="ko-KR" altLang="en-US" sz="1800">
+              <a:latin typeface="맑은 고딕" charset="0"/>
+              <a:ea typeface="맑은 고딕" charset="0"/>
+            </a:endParaRPr>
+          </a:p>
+        </p:txBody>
+      </p:sp>
+      <p:sp>
+        <p:nvSpPr>
+          <p:cNvPr id="37" name="Rect 0"/>
+          <p:cNvSpPr txBox="1">
+            <a:spLocks/>
+          </p:cNvSpPr>
+          <p:nvPr/>
+        </p:nvSpPr>
+        <p:spPr>
+          <a:xfrm rot="0">
+            <a:off x="6810375" y="4431665"/>
+            <a:ext cx="4153535" cy="1784985"/>
+          </a:xfrm>
+          <a:prstGeom prst="rect"/>
+          <a:noFill/>
+          <a:ln w="0">
+            <a:noFill/>
+            <a:prstDash/>
+          </a:ln>
+        </p:spPr>
+        <p:txBody>
+          <a:bodyPr wrap="square" lIns="89535" tIns="46355" rIns="89535" bIns="46355" numCol="1" vert="horz" anchor="t">
+            <a:spAutoFit/>
+          </a:bodyPr>
+          <a:lstStyle/>
+          <a:p>
+            <a:pPr marL="0" indent="0" algn="l" latinLnBrk="0" hangingPunct="1">
+              <a:buFontTx/>
+              <a:buNone/>
+            </a:pPr>
+            <a:r>
+              <a:rPr lang="ko-KR" sz="2000" b="1">
+                <a:solidFill>
+                  <a:srgbClr val="0611F2"/>
+                </a:solidFill>
+                <a:latin typeface="맑은 고딕" charset="0"/>
+                <a:ea typeface="맑은 고딕" charset="0"/>
+              </a:rPr>
+              <a:t>29</a:t>
+            </a:r>
+            <a:r>
+              <a:rPr lang="ko-KR" sz="2000" b="1">
+                <a:solidFill>
+                  <a:srgbClr val="0611F2"/>
+                </a:solidFill>
+                <a:latin typeface="맑은 고딕" charset="0"/>
+                <a:ea typeface="맑은 고딕" charset="0"/>
+              </a:rPr>
+              <a:t>. </a:t>
+            </a:r>
+            <a:r>
+              <a:rPr lang="ko-KR" sz="1800">
+                <a:latin typeface="맑은 고딕" charset="0"/>
+                <a:ea typeface="맑은 고딕" charset="0"/>
+              </a:rPr>
+              <a:t>이제 Santa Stick Boader에 있는 Consumable 스크립트를 선택합니다.</a:t>
+            </a:r>
+            <a:endParaRPr lang="ko-KR" altLang="en-US" sz="1800">
+              <a:latin typeface="맑은 고딕" charset="0"/>
+              <a:ea typeface="맑은 고딕" charset="0"/>
+            </a:endParaRPr>
+          </a:p>
+          <a:p>
+            <a:pPr marL="0" indent="0" algn="l" latinLnBrk="0" hangingPunct="1">
+              <a:buFontTx/>
+              <a:buNone/>
+            </a:pPr>
+            <a:endParaRPr lang="ko-KR" altLang="en-US" sz="1800">
+              <a:latin typeface="맑은 고딕" charset="0"/>
+              <a:ea typeface="맑은 고딕" charset="0"/>
+            </a:endParaRPr>
+          </a:p>
+          <a:p>
+            <a:pPr marL="0" indent="0" algn="l" latinLnBrk="0" hangingPunct="1">
+              <a:buFontTx/>
+              <a:buNone/>
+            </a:pPr>
+            <a:r>
+              <a:rPr lang="ko-KR" sz="1800">
+                <a:latin typeface="맑은 고딕" charset="0"/>
+                <a:ea typeface="맑은 고딕" charset="0"/>
+              </a:rPr>
+              <a:t>그리고 Outline과 Picture 그리고 Item에 각각의 이미지와 스크립터블 오브젝트를 넣어줍니다.</a:t>
+            </a:r>
+            <a:endParaRPr lang="ko-KR" altLang="en-US" sz="1800">
+              <a:latin typeface="맑은 고딕" charset="0"/>
+              <a:ea typeface="맑은 고딕" charset="0"/>
+            </a:endParaRPr>
+          </a:p>
+        </p:txBody>
+      </p:sp>
+      <p:pic>
+        <p:nvPicPr>
+          <p:cNvPr id="39" name="그림 48" descr="C:/Users/Admin1/AppData/Roaming/PolarisOffice/ETemp/2948_15255592/fImage133662736827.png"/>
+          <p:cNvPicPr>
+            <a:picLocks noChangeAspect="1"/>
+          </p:cNvPicPr>
+          <p:nvPr/>
+        </p:nvPicPr>
+        <p:blipFill rotWithShape="1">
+          <a:blip r:embed="rId2" cstate="print">
+            <a:extLst>
+              <a:ext uri="{28A0092B-C50C-407E-A947-70E740481C1C}">
+                <a14:useLocalDpi xmlns:a14="http://schemas.microsoft.com/office/drawing/2010/main" val="0"/>
+              </a:ext>
+            </a:extLst>
+          </a:blip>
+          <a:stretch>
+            <a:fillRect/>
+          </a:stretch>
+        </p:blipFill>
+        <p:spPr>
+          <a:xfrm rot="0">
+            <a:off x="1295400" y="1371600"/>
+            <a:ext cx="4086860" cy="1191260"/>
+          </a:xfrm>
+          <a:prstGeom prst="roundRect"/>
+          <a:solidFill>
+            <a:srgbClr val="EDEDED"/>
+          </a:solidFill>
+        </p:spPr>
+      </p:pic>
+      <p:pic>
+        <p:nvPicPr>
+          <p:cNvPr id="40" name="그림 51" descr="C:/Users/Admin1/AppData/Roaming/PolarisOffice/ETemp/2948_15255592/fImage91162749961.png"/>
+          <p:cNvPicPr>
+            <a:picLocks noChangeAspect="1"/>
+          </p:cNvPicPr>
+          <p:nvPr/>
+        </p:nvPicPr>
+        <p:blipFill rotWithShape="1">
+          <a:blip r:embed="rId3" cstate="print">
+            <a:extLst>
+              <a:ext uri="{28A0092B-C50C-407E-A947-70E740481C1C}">
+                <a14:useLocalDpi xmlns:a14="http://schemas.microsoft.com/office/drawing/2010/main" val="0"/>
+              </a:ext>
+            </a:extLst>
+          </a:blip>
+          <a:stretch>
+            <a:fillRect/>
+          </a:stretch>
+        </p:blipFill>
+        <p:spPr>
+          <a:xfrm rot="0">
+            <a:off x="1295400" y="2676525"/>
+            <a:ext cx="1276985" cy="1400810"/>
+          </a:xfrm>
+          <a:prstGeom prst="roundRect"/>
+          <a:solidFill>
+            <a:srgbClr val="EDEDED"/>
+          </a:solidFill>
+        </p:spPr>
+      </p:pic>
+      <p:pic>
+        <p:nvPicPr>
+          <p:cNvPr id="41" name="그림 54" descr="C:/Users/Admin1/AppData/Roaming/PolarisOffice/ETemp/2948_15255592/fImage8768275491.png"/>
+          <p:cNvPicPr>
+            <a:picLocks noChangeAspect="1"/>
+          </p:cNvPicPr>
+          <p:nvPr/>
+        </p:nvPicPr>
+        <p:blipFill rotWithShape="1">
+          <a:blip r:embed="rId4" cstate="print">
+            <a:extLst>
+              <a:ext uri="{28A0092B-C50C-407E-A947-70E740481C1C}">
+                <a14:useLocalDpi xmlns:a14="http://schemas.microsoft.com/office/drawing/2010/main" val="0"/>
+              </a:ext>
+            </a:extLst>
+          </a:blip>
+          <a:stretch>
+            <a:fillRect/>
+          </a:stretch>
+        </p:blipFill>
+        <p:spPr>
+          <a:xfrm rot="0">
+            <a:off x="2676525" y="2676525"/>
+            <a:ext cx="2696210" cy="1410335"/>
+          </a:xfrm>
+          <a:prstGeom prst="roundRect"/>
+          <a:solidFill>
+            <a:srgbClr val="EDEDED"/>
+          </a:solidFill>
+        </p:spPr>
+      </p:pic>
+      <p:cxnSp>
+        <p:nvCxnSpPr>
+          <p:cNvPr id="42" name="도형 57"/>
+          <p:cNvCxnSpPr/>
+          <p:nvPr/>
+        </p:nvCxnSpPr>
+        <p:spPr>
+          <a:xfrm rot="0" flipV="1">
+            <a:off x="4791075" y="2428875"/>
+            <a:ext cx="505460" cy="581660"/>
+          </a:xfrm>
+          <a:prstGeom prst="straightConnector1"/>
+          <a:ln w="6350" cap="flat" cmpd="sng">
+            <a:prstDash/>
+            <a:headEnd type="none" w="med" len="med"/>
+            <a:tailEnd type="triangle" w="med" len="med"/>
+          </a:ln>
+        </p:spPr>
+        <p:style>
+          <a:lnRef idx="1">
+            <a:schemeClr val="accent1"/>
+          </a:lnRef>
+          <a:fillRef idx="0">
+            <a:schemeClr val="accent1"/>
+          </a:fillRef>
+          <a:effectRef idx="0">
+            <a:schemeClr val="accent1"/>
+          </a:effectRef>
+          <a:fontRef idx="minor">
+            <a:schemeClr val="tx1"/>
+          </a:fontRef>
+        </p:style>
+      </p:cxnSp>
+      <p:cxnSp>
+        <p:nvCxnSpPr>
+          <p:cNvPr id="43" name="도형 58"/>
+          <p:cNvCxnSpPr/>
+          <p:nvPr/>
+        </p:nvCxnSpPr>
+        <p:spPr>
+          <a:xfrm rot="0" flipV="1">
+            <a:off x="2390775" y="1962150"/>
+            <a:ext cx="2915285" cy="1391285"/>
+          </a:xfrm>
+          <a:prstGeom prst="straightConnector1"/>
+          <a:ln w="6350" cap="flat" cmpd="sng">
+            <a:prstDash/>
+            <a:headEnd type="none" w="med" len="med"/>
+            <a:tailEnd type="triangle" w="med" len="med"/>
+          </a:ln>
+        </p:spPr>
+        <p:style>
+          <a:lnRef idx="1">
+            <a:schemeClr val="accent1"/>
+          </a:lnRef>
+          <a:fillRef idx="0">
+            <a:schemeClr val="accent1"/>
+          </a:fillRef>
+          <a:effectRef idx="0">
+            <a:schemeClr val="accent1"/>
+          </a:effectRef>
+          <a:fontRef idx="minor">
+            <a:schemeClr val="tx1"/>
+          </a:fontRef>
+        </p:style>
+      </p:cxnSp>
+      <p:cxnSp>
+        <p:nvCxnSpPr>
+          <p:cNvPr id="44" name="도형 59"/>
+          <p:cNvCxnSpPr/>
+          <p:nvPr/>
+        </p:nvCxnSpPr>
+        <p:spPr>
+          <a:xfrm rot="0" flipV="1">
+            <a:off x="2486025" y="2190750"/>
+            <a:ext cx="2810510" cy="1296035"/>
+          </a:xfrm>
+          <a:prstGeom prst="straightConnector1"/>
+          <a:ln w="6350" cap="flat" cmpd="sng">
+            <a:prstDash/>
+            <a:headEnd type="none" w="med" len="med"/>
+            <a:tailEnd type="triangle" w="med" len="med"/>
+          </a:ln>
+        </p:spPr>
+        <p:style>
+          <a:lnRef idx="1">
+            <a:schemeClr val="accent1"/>
+          </a:lnRef>
+          <a:fillRef idx="0">
+            <a:schemeClr val="accent1"/>
+          </a:fillRef>
+          <a:effectRef idx="0">
+            <a:schemeClr val="accent1"/>
+          </a:effectRef>
+          <a:fontRef idx="minor">
+            <a:schemeClr val="tx1"/>
+          </a:fontRef>
+        </p:style>
+      </p:cxnSp>
+      <p:pic>
+        <p:nvPicPr>
+          <p:cNvPr id="45" name="그림 60" descr="C:/Users/Admin1/AppData/Roaming/PolarisOffice/ETemp/2948_15255592/fImage90692792995.png"/>
+          <p:cNvPicPr>
+            <a:picLocks noChangeAspect="1"/>
+          </p:cNvPicPr>
+          <p:nvPr/>
+        </p:nvPicPr>
+        <p:blipFill rotWithShape="1">
+          <a:blip r:embed="rId5" cstate="print">
+            <a:extLst>
+              <a:ext uri="{28A0092B-C50C-407E-A947-70E740481C1C}">
+                <a14:useLocalDpi xmlns:a14="http://schemas.microsoft.com/office/drawing/2010/main" val="0"/>
+              </a:ext>
+            </a:extLst>
+          </a:blip>
+          <a:stretch>
+            <a:fillRect/>
+          </a:stretch>
+        </p:blipFill>
+        <p:spPr>
+          <a:xfrm rot="0">
+            <a:off x="6810375" y="2905125"/>
+            <a:ext cx="1257935" cy="1410335"/>
+          </a:xfrm>
+          <a:prstGeom prst="roundRect"/>
+          <a:solidFill>
+            <a:srgbClr val="EDEDED"/>
+          </a:solidFill>
+        </p:spPr>
+      </p:pic>
+      <p:pic>
+        <p:nvPicPr>
+          <p:cNvPr id="46" name="그림 63" descr="C:/Users/Admin1/AppData/Roaming/PolarisOffice/ETemp/2948_15255592/fImage138082801942.png"/>
+          <p:cNvPicPr>
+            <a:picLocks noChangeAspect="1"/>
+          </p:cNvPicPr>
+          <p:nvPr/>
+        </p:nvPicPr>
+        <p:blipFill rotWithShape="1">
+          <a:blip r:embed="rId6" cstate="print">
+            <a:extLst>
+              <a:ext uri="{28A0092B-C50C-407E-A947-70E740481C1C}">
+                <a14:useLocalDpi xmlns:a14="http://schemas.microsoft.com/office/drawing/2010/main" val="0"/>
+              </a:ext>
+            </a:extLst>
+          </a:blip>
+          <a:stretch>
+            <a:fillRect/>
+          </a:stretch>
+        </p:blipFill>
+        <p:spPr>
+          <a:xfrm rot="0">
+            <a:off x="6819900" y="1376045"/>
+            <a:ext cx="4144010" cy="1348740"/>
+          </a:xfrm>
+          <a:prstGeom prst="roundRect"/>
+          <a:solidFill>
+            <a:srgbClr val="EDEDED"/>
+          </a:solidFill>
+        </p:spPr>
+      </p:pic>
+      <p:pic>
+        <p:nvPicPr>
+          <p:cNvPr id="47" name="그림 66" descr="C:/Users/Admin1/AppData/Roaming/PolarisOffice/ETemp/2948_15255592/fImage87182814827.png"/>
+          <p:cNvPicPr>
+            <a:picLocks noChangeAspect="1"/>
+          </p:cNvPicPr>
+          <p:nvPr/>
+        </p:nvPicPr>
+        <p:blipFill rotWithShape="1">
+          <a:blip r:embed="rId7" cstate="print">
+            <a:extLst>
+              <a:ext uri="{28A0092B-C50C-407E-A947-70E740481C1C}">
+                <a14:useLocalDpi xmlns:a14="http://schemas.microsoft.com/office/drawing/2010/main" val="0"/>
+              </a:ext>
+            </a:extLst>
+          </a:blip>
+          <a:stretch>
+            <a:fillRect/>
+          </a:stretch>
+        </p:blipFill>
+        <p:spPr>
+          <a:xfrm rot="0">
+            <a:off x="8191500" y="2914650"/>
+            <a:ext cx="2762885" cy="1400810"/>
+          </a:xfrm>
+          <a:prstGeom prst="roundRect"/>
+          <a:solidFill>
+            <a:srgbClr val="EDEDED"/>
+          </a:solidFill>
+        </p:spPr>
+      </p:pic>
+      <p:cxnSp>
+        <p:nvCxnSpPr>
+          <p:cNvPr id="48" name="도형 69"/>
+          <p:cNvCxnSpPr/>
+          <p:nvPr/>
+        </p:nvCxnSpPr>
+        <p:spPr>
+          <a:xfrm rot="0" flipV="1">
+            <a:off x="7924800" y="2038350"/>
+            <a:ext cx="2953385" cy="1819910"/>
+          </a:xfrm>
+          <a:prstGeom prst="straightConnector1"/>
+          <a:ln w="6350" cap="flat" cmpd="sng">
+            <a:prstDash/>
+            <a:headEnd type="none" w="med" len="med"/>
+            <a:tailEnd type="triangle" w="med" len="med"/>
+          </a:ln>
+        </p:spPr>
+        <p:style>
+          <a:lnRef idx="1">
+            <a:schemeClr val="accent1"/>
+          </a:lnRef>
+          <a:fillRef idx="0">
+            <a:schemeClr val="accent1"/>
+          </a:fillRef>
+          <a:effectRef idx="0">
+            <a:schemeClr val="accent1"/>
+          </a:effectRef>
+          <a:fontRef idx="minor">
+            <a:schemeClr val="tx1"/>
+          </a:fontRef>
+        </p:style>
+      </p:cxnSp>
+      <p:cxnSp>
+        <p:nvCxnSpPr>
+          <p:cNvPr id="49" name="도형 70"/>
+          <p:cNvCxnSpPr/>
+          <p:nvPr/>
+        </p:nvCxnSpPr>
+        <p:spPr>
+          <a:xfrm rot="0" flipV="1">
+            <a:off x="8020050" y="2286000"/>
+            <a:ext cx="2858135" cy="1743710"/>
+          </a:xfrm>
+          <a:prstGeom prst="straightConnector1"/>
+          <a:ln w="6350" cap="flat" cmpd="sng">
+            <a:prstDash/>
+            <a:headEnd type="none" w="med" len="med"/>
+            <a:tailEnd type="triangle" w="med" len="med"/>
+          </a:ln>
+        </p:spPr>
+        <p:style>
+          <a:lnRef idx="1">
+            <a:schemeClr val="accent1"/>
+          </a:lnRef>
+          <a:fillRef idx="0">
+            <a:schemeClr val="accent1"/>
+          </a:fillRef>
+          <a:effectRef idx="0">
+            <a:schemeClr val="accent1"/>
+          </a:effectRef>
+          <a:fontRef idx="minor">
+            <a:schemeClr val="tx1"/>
+          </a:fontRef>
+        </p:style>
+      </p:cxnSp>
+      <p:cxnSp>
+        <p:nvCxnSpPr>
+          <p:cNvPr id="50" name="도형 71"/>
+          <p:cNvCxnSpPr/>
+          <p:nvPr/>
+        </p:nvCxnSpPr>
+        <p:spPr>
+          <a:xfrm rot="0" flipV="1">
+            <a:off x="10620375" y="2552700"/>
+            <a:ext cx="257810" cy="715010"/>
+          </a:xfrm>
+          <a:prstGeom prst="straightConnector1"/>
+          <a:ln w="6350" cap="flat" cmpd="sng">
+            <a:prstDash/>
+            <a:headEnd type="none" w="med" len="med"/>
+            <a:tailEnd type="triangle" w="med" len="med"/>
+          </a:ln>
+        </p:spPr>
+        <p:style>
+          <a:lnRef idx="1">
+            <a:schemeClr val="accent1"/>
+          </a:lnRef>
+          <a:fillRef idx="0">
+            <a:schemeClr val="accent1"/>
+          </a:fillRef>
+          <a:effectRef idx="0">
+            <a:schemeClr val="accent1"/>
+          </a:effectRef>
+          <a:fontRef idx="minor">
+            <a:schemeClr val="tx1"/>
+          </a:fontRef>
+        </p:style>
+      </p:cxnSp>
+    </p:spTree>
+  </p:cSld>
+  <p:clrMapOvr>
+    <a:masterClrMapping/>
+  </p:clrMapOvr>
+  <mc:AlternateContent xmlns:mc="http://schemas.openxmlformats.org/markup-compatibility/2006">
+    <mc:Choice xmlns:p14="http://schemas.microsoft.com/office/powerpoint/2010/main" Requires="p14">
+      <p:transition spd="slow" p14:dur="2000"/>
+    </mc:Choice>
+    <mc:Fallback>
+      <p:transition spd="slow"/>
+    </mc:Fallback>
+  </mc:AlternateContent>
+  <p:timing>
+    <p:tnLst>
+      <p:par>
+        <p:cTn id="1" dur="indefinite" restart="never" nodeType="tmRoot"/>
+      </p:par>
+    </p:tnLst>
+  </p:timing>
+</p:sld>
+</file>
+
+<file path=ppt/slides/slide13.xml><?xml version="1.0" encoding="utf-8"?>
+<p:sld xmlns:a="http://schemas.openxmlformats.org/drawingml/2006/main" xmlns:r="http://schemas.openxmlformats.org/officeDocument/2006/relationships" xmlns:p="http://schemas.openxmlformats.org/presentationml/2006/main">
+  <p:cSld>
+    <p:spTree>
+      <p:nvGrpSpPr>
+        <p:cNvPr id="1" name=""/>
+        <p:cNvGrpSpPr/>
+        <p:nvPr/>
+      </p:nvGrpSpPr>
+      <p:grpSpPr>
+        <a:xfrm>
+          <a:off x="0" y="0"/>
+          <a:ext cx="0" cy="0"/>
+          <a:chOff x="0" y="0"/>
+          <a:chExt cx="0" cy="0"/>
+        </a:xfrm>
+      </p:grpSpPr>
+      <p:sp>
+        <p:nvSpPr>
+          <p:cNvPr id="5" name="Rect 0"/>
+          <p:cNvSpPr txBox="1">
+            <a:spLocks/>
+          </p:cNvSpPr>
+          <p:nvPr/>
+        </p:nvSpPr>
+        <p:spPr>
+          <a:xfrm rot="0">
+            <a:off x="4309110" y="346710"/>
+            <a:ext cx="3578225" cy="554990"/>
+          </a:xfrm>
+          <a:prstGeom prst="rect"/>
+          <a:noFill/>
+          <a:ln w="0">
+            <a:noFill/>
+            <a:prstDash/>
+          </a:ln>
+        </p:spPr>
+        <p:txBody>
+          <a:bodyPr wrap="square" lIns="89535" tIns="46355" rIns="89535" bIns="46355" numCol="1" vert="horz" anchor="t">
+            <a:spAutoFit/>
+          </a:bodyPr>
+          <a:lstStyle/>
+          <a:p>
+            <a:pPr marL="0" indent="0" algn="l" latinLnBrk="0">
+              <a:buFontTx/>
+              <a:buNone/>
+            </a:pPr>
+            <a:r>
+              <a:rPr lang="ko-KR" altLang="en-US" sz="3000" b="1">
+                <a:solidFill>
+                  <a:schemeClr val="tx1"/>
+                </a:solidFill>
+                <a:latin typeface="맑은 고딕" charset="0"/>
+                <a:ea typeface="맑은 고딕" charset="0"/>
+              </a:rPr>
+              <a:t>열세</a:t>
+            </a:r>
+            <a:r>
+              <a:rPr lang="ko-KR" altLang="en-US" sz="3000" b="1">
+                <a:solidFill>
+                  <a:schemeClr val="tx1"/>
+                </a:solidFill>
+                <a:latin typeface="맑은 고딕" charset="0"/>
+                <a:ea typeface="맑은 고딕" charset="0"/>
+              </a:rPr>
+              <a:t> 번째 튜토리얼</a:t>
+            </a:r>
+            <a:endParaRPr lang="ko-KR" altLang="en-US" sz="3000" b="1">
+              <a:solidFill>
+                <a:schemeClr val="tx1"/>
+              </a:solidFill>
+              <a:latin typeface="맑은 고딕" charset="0"/>
+              <a:ea typeface="맑은 고딕" charset="0"/>
+            </a:endParaRPr>
+          </a:p>
+        </p:txBody>
+      </p:sp>
+      <p:sp>
+        <p:nvSpPr>
+          <p:cNvPr id="26" name="Rect 0"/>
+          <p:cNvSpPr txBox="1">
+            <a:spLocks/>
+          </p:cNvSpPr>
+          <p:nvPr/>
+        </p:nvSpPr>
+        <p:spPr>
+          <a:xfrm rot="0">
+            <a:off x="1353185" y="4433570"/>
+            <a:ext cx="4019550" cy="1784985"/>
+          </a:xfrm>
+          <a:prstGeom prst="rect"/>
+          <a:noFill/>
+          <a:ln w="0">
+            <a:noFill/>
+            <a:prstDash/>
+          </a:ln>
+        </p:spPr>
+        <p:txBody>
+          <a:bodyPr wrap="square" lIns="89535" tIns="46355" rIns="89535" bIns="46355" numCol="1" vert="horz" anchor="t">
+            <a:spAutoFit/>
+          </a:bodyPr>
+          <a:lstStyle/>
+          <a:p>
+            <a:pPr marL="0" indent="0" algn="l" latinLnBrk="0" hangingPunct="1">
+              <a:buFontTx/>
+              <a:buNone/>
+            </a:pPr>
+            <a:r>
+              <a:rPr lang="ko-KR" sz="2000" b="1">
+                <a:solidFill>
+                  <a:srgbClr val="0611F2"/>
+                </a:solidFill>
+                <a:latin typeface="맑은 고딕" charset="0"/>
+                <a:ea typeface="맑은 고딕" charset="0"/>
+              </a:rPr>
+              <a:t>30</a:t>
+            </a:r>
+            <a:r>
+              <a:rPr lang="ko-KR" sz="2000" b="1">
+                <a:solidFill>
+                  <a:srgbClr val="0611F2"/>
+                </a:solidFill>
+                <a:latin typeface="맑은 고딕" charset="0"/>
+                <a:ea typeface="맑은 고딕" charset="0"/>
+              </a:rPr>
+              <a:t>. </a:t>
+            </a:r>
+            <a:r>
+              <a:rPr lang="ko-KR" sz="1800">
+                <a:latin typeface="맑은 고딕" charset="0"/>
+                <a:ea typeface="맑은 고딕" charset="0"/>
+              </a:rPr>
+              <a:t>그런 다음 빈 게임 오브젝트를 생성하고 Cover Manager라는 이름으로 정의합니다.</a:t>
+            </a:r>
+            <a:endParaRPr lang="ko-KR" altLang="en-US" sz="1800">
+              <a:latin typeface="맑은 고딕" charset="0"/>
+              <a:ea typeface="맑은 고딕" charset="0"/>
+            </a:endParaRPr>
+          </a:p>
+          <a:p>
+            <a:pPr marL="0" indent="0" algn="l" latinLnBrk="0" hangingPunct="1">
+              <a:buFontTx/>
+              <a:buNone/>
+            </a:pPr>
+            <a:endParaRPr lang="ko-KR" altLang="en-US" sz="1800">
+              <a:latin typeface="맑은 고딕" charset="0"/>
+              <a:ea typeface="맑은 고딕" charset="0"/>
+            </a:endParaRPr>
+          </a:p>
+          <a:p>
+            <a:pPr marL="0" indent="0" algn="l" latinLnBrk="0" hangingPunct="1">
+              <a:buFontTx/>
+              <a:buNone/>
+            </a:pPr>
+            <a:r>
+              <a:rPr lang="ko-KR" sz="1800">
+                <a:latin typeface="맑은 고딕" charset="0"/>
+                <a:ea typeface="맑은 고딕" charset="0"/>
+              </a:rPr>
+              <a:t>그다음 Cover 스크립트를 생성하고 Cover Manager에 넣어줍니다.</a:t>
+            </a:r>
+            <a:endParaRPr lang="ko-KR" altLang="en-US" sz="1800">
+              <a:latin typeface="맑은 고딕" charset="0"/>
+              <a:ea typeface="맑은 고딕" charset="0"/>
+            </a:endParaRPr>
+          </a:p>
+        </p:txBody>
+      </p:sp>
+      <p:sp>
+        <p:nvSpPr>
+          <p:cNvPr id="37" name="Rect 0"/>
+          <p:cNvSpPr txBox="1">
+            <a:spLocks/>
+          </p:cNvSpPr>
+          <p:nvPr/>
+        </p:nvSpPr>
+        <p:spPr>
+          <a:xfrm rot="0">
+            <a:off x="6819900" y="5269865"/>
+            <a:ext cx="4124960" cy="954405"/>
+          </a:xfrm>
+          <a:prstGeom prst="rect"/>
+          <a:noFill/>
+          <a:ln w="0">
+            <a:noFill/>
+            <a:prstDash/>
+          </a:ln>
+        </p:spPr>
+        <p:txBody>
+          <a:bodyPr wrap="square" lIns="89535" tIns="46355" rIns="89535" bIns="46355" numCol="1" vert="horz" anchor="t">
+            <a:spAutoFit/>
+          </a:bodyPr>
+          <a:lstStyle/>
+          <a:p>
+            <a:pPr marL="0" indent="0" algn="l" latinLnBrk="0" hangingPunct="1">
+              <a:buFontTx/>
+              <a:buNone/>
+            </a:pPr>
+            <a:r>
+              <a:rPr lang="ko-KR" sz="2000" b="1">
+                <a:solidFill>
+                  <a:srgbClr val="0611F2"/>
+                </a:solidFill>
+                <a:latin typeface="맑은 고딕" charset="0"/>
+                <a:ea typeface="맑은 고딕" charset="0"/>
+              </a:rPr>
+              <a:t>32</a:t>
+            </a:r>
+            <a:r>
+              <a:rPr lang="ko-KR" sz="2000" b="1">
+                <a:solidFill>
+                  <a:srgbClr val="0611F2"/>
+                </a:solidFill>
+                <a:latin typeface="맑은 고딕" charset="0"/>
+                <a:ea typeface="맑은 고딕" charset="0"/>
+              </a:rPr>
+              <a:t>. </a:t>
+            </a:r>
+            <a:r>
+              <a:rPr lang="ko-KR" sz="1800">
+                <a:latin typeface="맑은 고딕" charset="0"/>
+                <a:ea typeface="맑은 고딕" charset="0"/>
+              </a:rPr>
+              <a:t>그리고 Cover 스크립트에서 게임 오브젝트와 int 변수를 배열로 선언합니다.</a:t>
+            </a:r>
+            <a:endParaRPr lang="ko-KR" altLang="en-US" sz="1800">
+              <a:latin typeface="맑은 고딕" charset="0"/>
+              <a:ea typeface="맑은 고딕" charset="0"/>
+            </a:endParaRPr>
+          </a:p>
+        </p:txBody>
+      </p:sp>
+      <p:pic>
+        <p:nvPicPr>
+          <p:cNvPr id="51" name="그림 72" descr="C:/Users/Admin1/AppData/Roaming/PolarisOffice/ETemp/2948_15255592/fImage98453035436.png"/>
+          <p:cNvPicPr>
+            <a:picLocks noChangeAspect="1"/>
+          </p:cNvPicPr>
+          <p:nvPr/>
+        </p:nvPicPr>
+        <p:blipFill rotWithShape="1">
+          <a:blip r:embed="rId2" cstate="print">
+            <a:extLst>
+              <a:ext uri="{28A0092B-C50C-407E-A947-70E740481C1C}">
+                <a14:useLocalDpi xmlns:a14="http://schemas.microsoft.com/office/drawing/2010/main" val="0"/>
+              </a:ext>
+            </a:extLst>
+          </a:blip>
+          <a:stretch>
+            <a:fillRect/>
+          </a:stretch>
+        </p:blipFill>
+        <p:spPr>
+          <a:xfrm rot="0">
+            <a:off x="3886200" y="1371600"/>
+            <a:ext cx="1496060" cy="1696085"/>
+          </a:xfrm>
+          <a:prstGeom prst="roundRect"/>
+          <a:solidFill>
+            <a:srgbClr val="EDEDED"/>
+          </a:solidFill>
+        </p:spPr>
+      </p:pic>
+      <p:cxnSp>
+        <p:nvCxnSpPr>
+          <p:cNvPr id="54" name="도형 80"/>
+          <p:cNvCxnSpPr>
+            <a:stCxn id="56" idx="0"/>
+          </p:cNvCxnSpPr>
+          <p:nvPr/>
+        </p:nvCxnSpPr>
+        <p:spPr>
+          <a:xfrm rot="0" flipV="1">
+            <a:off x="4629150" y="3057525"/>
+            <a:ext cx="5080" cy="372110"/>
+          </a:xfrm>
+          <a:prstGeom prst="straightConnector1"/>
+          <a:ln w="6350" cap="flat" cmpd="sng">
+            <a:prstDash/>
+            <a:headEnd type="none" w="med" len="med"/>
+            <a:tailEnd type="triangle" w="med" len="med"/>
+          </a:ln>
+        </p:spPr>
+        <p:style>
+          <a:lnRef idx="1">
+            <a:schemeClr val="accent1"/>
+          </a:lnRef>
+          <a:fillRef idx="0">
+            <a:schemeClr val="accent1"/>
+          </a:fillRef>
+          <a:effectRef idx="0">
+            <a:schemeClr val="accent1"/>
+          </a:effectRef>
+          <a:fontRef idx="minor">
+            <a:schemeClr val="tx1"/>
+          </a:fontRef>
+        </p:style>
+      </p:cxnSp>
+      <p:pic>
+        <p:nvPicPr>
+          <p:cNvPr id="55" name="그림 81" descr="C:/Users/Admin1/AppData/Roaming/PolarisOffice/ETemp/2948_15255592/fImage85063092391.png"/>
+          <p:cNvPicPr>
+            <a:picLocks noChangeAspect="1"/>
+          </p:cNvPicPr>
+          <p:nvPr/>
+        </p:nvPicPr>
+        <p:blipFill rotWithShape="1">
+          <a:blip r:embed="rId3" cstate="hqprint">
+            <a:extLst>
+              <a:ext uri="{28A0092B-C50C-407E-A947-70E740481C1C}">
+                <a14:useLocalDpi xmlns:a14="http://schemas.microsoft.com/office/drawing/2010/main"/>
+              </a:ext>
+            </a:extLst>
+          </a:blip>
+          <a:stretch>
+            <a:fillRect/>
+          </a:stretch>
+        </p:blipFill>
+        <p:spPr>
+          <a:xfrm rot="0">
+            <a:off x="1350645" y="1362075"/>
+            <a:ext cx="2322830" cy="2858135"/>
+          </a:xfrm>
+          <a:prstGeom prst="roundRect"/>
+          <a:solidFill>
+            <a:srgbClr val="EDEDED"/>
+          </a:solidFill>
+        </p:spPr>
+      </p:pic>
+      <p:pic>
+        <p:nvPicPr>
+          <p:cNvPr id="56" name="그림 82" descr="C:/Users/Admin1/AppData/Roaming/PolarisOffice/ETemp/2948_15255592/fImage20493104604.png"/>
+          <p:cNvPicPr>
+            <a:picLocks noChangeAspect="1"/>
+          </p:cNvPicPr>
+          <p:nvPr/>
+        </p:nvPicPr>
+        <p:blipFill rotWithShape="1">
+          <a:blip r:embed="rId4" cstate="print">
+            <a:extLst>
+              <a:ext uri="{28A0092B-C50C-407E-A947-70E740481C1C}">
+                <a14:useLocalDpi xmlns:a14="http://schemas.microsoft.com/office/drawing/2010/main" val="0"/>
+              </a:ext>
+            </a:extLst>
+          </a:blip>
+          <a:stretch>
+            <a:fillRect/>
+          </a:stretch>
+        </p:blipFill>
+        <p:spPr>
+          <a:xfrm rot="0">
+            <a:off x="4229100" y="3429000"/>
+            <a:ext cx="800735" cy="800735"/>
+          </a:xfrm>
+          <a:prstGeom prst="roundRect"/>
+          <a:solidFill>
+            <a:srgbClr val="EDEDED"/>
+          </a:solidFill>
+        </p:spPr>
+      </p:pic>
+      <p:pic>
+        <p:nvPicPr>
+          <p:cNvPr id="57" name="그림 83" descr="C:/Users/Admin1/AppData/Roaming/PolarisOffice/ETemp/2948_15255592/fImage32753113902.png"/>
+          <p:cNvPicPr>
+            <a:picLocks noChangeAspect="1"/>
+          </p:cNvPicPr>
+          <p:nvPr/>
+        </p:nvPicPr>
+        <p:blipFill rotWithShape="1">
+          <a:blip r:embed="rId5" cstate="print">
+            <a:extLst>
+              <a:ext uri="{28A0092B-C50C-407E-A947-70E740481C1C}">
+                <a14:useLocalDpi xmlns:a14="http://schemas.microsoft.com/office/drawing/2010/main" val="0"/>
+              </a:ext>
+            </a:extLst>
+          </a:blip>
+          <a:stretch>
+            <a:fillRect/>
+          </a:stretch>
+        </p:blipFill>
+        <p:spPr>
+          <a:xfrm rot="0">
+            <a:off x="6819900" y="3905250"/>
+            <a:ext cx="4124960" cy="1296035"/>
+          </a:xfrm>
+          <a:prstGeom prst="roundRect"/>
+          <a:solidFill>
+            <a:srgbClr val="EDEDED"/>
+          </a:solidFill>
+        </p:spPr>
+      </p:pic>
+      <p:pic>
+        <p:nvPicPr>
+          <p:cNvPr id="58" name="그림 89" descr="C:/Users/Admin1/AppData/Roaming/PolarisOffice/ETemp/2948_15255592/fImage12321313153.png"/>
+          <p:cNvPicPr>
+            <a:picLocks noChangeAspect="1"/>
+          </p:cNvPicPr>
+          <p:nvPr/>
+        </p:nvPicPr>
+        <p:blipFill rotWithShape="1">
+          <a:blip r:embed="rId6" cstate="print">
+            <a:extLst>
+              <a:ext uri="{28A0092B-C50C-407E-A947-70E740481C1C}">
+                <a14:useLocalDpi xmlns:a14="http://schemas.microsoft.com/office/drawing/2010/main" val="0"/>
+              </a:ext>
+            </a:extLst>
+          </a:blip>
+          <a:stretch>
+            <a:fillRect/>
+          </a:stretch>
+        </p:blipFill>
+        <p:spPr>
+          <a:xfrm rot="0">
+            <a:off x="6824345" y="1366520"/>
+            <a:ext cx="4120515" cy="1634490"/>
+          </a:xfrm>
+          <a:prstGeom prst="roundRect"/>
+          <a:solidFill>
+            <a:srgbClr val="EDEDED"/>
+          </a:solidFill>
+        </p:spPr>
+      </p:pic>
+      <p:sp>
+        <p:nvSpPr>
+          <p:cNvPr id="59" name="텍스트 상자 92"/>
+          <p:cNvSpPr txBox="1">
+            <a:spLocks/>
+          </p:cNvSpPr>
+          <p:nvPr/>
+        </p:nvSpPr>
+        <p:spPr>
+          <a:xfrm rot="0">
+            <a:off x="6815455" y="3084195"/>
+            <a:ext cx="4124960" cy="677545"/>
+          </a:xfrm>
+          <a:prstGeom prst="rect"/>
+          <a:noFill/>
+          <a:ln w="0">
+            <a:noFill/>
+            <a:prstDash/>
+          </a:ln>
+        </p:spPr>
+        <p:txBody>
+          <a:bodyPr wrap="square" lIns="89535" tIns="46355" rIns="89535" bIns="46355" numCol="1" vert="horz" anchor="t">
+            <a:spAutoFit/>
+          </a:bodyPr>
+          <a:lstStyle/>
+          <a:p>
+            <a:pPr marL="0" indent="0" algn="l" latinLnBrk="0" hangingPunct="1">
+              <a:buFontTx/>
+              <a:buNone/>
+            </a:pPr>
+            <a:r>
+              <a:rPr lang="ko-KR" sz="2000" b="1">
+                <a:solidFill>
+                  <a:srgbClr val="0611F2"/>
+                </a:solidFill>
+                <a:latin typeface="맑은 고딕" charset="0"/>
+                <a:ea typeface="맑은 고딕" charset="0"/>
+              </a:rPr>
+              <a:t>31</a:t>
+            </a:r>
+            <a:r>
+              <a:rPr lang="ko-KR" sz="2000" b="1">
+                <a:solidFill>
+                  <a:srgbClr val="0611F2"/>
+                </a:solidFill>
+                <a:latin typeface="맑은 고딕" charset="0"/>
+                <a:ea typeface="맑은 고딕" charset="0"/>
+              </a:rPr>
+              <a:t>. </a:t>
+            </a:r>
+            <a:r>
+              <a:rPr lang="ko-KR" sz="1800">
+                <a:latin typeface="맑은 고딕" charset="0"/>
+                <a:ea typeface="맑은 고딕" charset="0"/>
+              </a:rPr>
+              <a:t>이제 Cover Manager 오브젝트의 위치와 회전 값을 초기화합니다.</a:t>
+            </a:r>
+            <a:endParaRPr lang="ko-KR" altLang="en-US" sz="1800">
+              <a:latin typeface="맑은 고딕" charset="0"/>
+              <a:ea typeface="맑은 고딕" charset="0"/>
+            </a:endParaRPr>
+          </a:p>
+        </p:txBody>
+      </p:sp>
+    </p:spTree>
+  </p:cSld>
+  <p:clrMapOvr>
+    <a:masterClrMapping/>
+  </p:clrMapOvr>
+  <mc:AlternateContent xmlns:mc="http://schemas.openxmlformats.org/markup-compatibility/2006">
+    <mc:Choice xmlns:p14="http://schemas.microsoft.com/office/powerpoint/2010/main" Requires="p14">
+      <p:transition spd="slow" p14:dur="2000"/>
+    </mc:Choice>
+    <mc:Fallback>
+      <p:transition spd="slow"/>
+    </mc:Fallback>
+  </mc:AlternateContent>
+  <p:timing>
+    <p:tnLst>
+      <p:par>
+        <p:cTn id="1" dur="indefinite" restart="never" nodeType="tmRoot"/>
+      </p:par>
+    </p:tnLst>
+  </p:timing>
+</p:sld>
+</file>
+
+<file path=ppt/slides/slide14.xml><?xml version="1.0" encoding="utf-8"?>
+<p:sld xmlns:a="http://schemas.openxmlformats.org/drawingml/2006/main" xmlns:r="http://schemas.openxmlformats.org/officeDocument/2006/relationships" xmlns:p="http://schemas.openxmlformats.org/presentationml/2006/main">
+  <p:cSld>
+    <p:spTree>
+      <p:nvGrpSpPr>
+        <p:cNvPr id="1" name=""/>
+        <p:cNvGrpSpPr/>
+        <p:nvPr/>
+      </p:nvGrpSpPr>
+      <p:grpSpPr>
+        <a:xfrm>
+          <a:off x="0" y="0"/>
+          <a:ext cx="0" cy="0"/>
+          <a:chOff x="0" y="0"/>
+          <a:chExt cx="0" cy="0"/>
+        </a:xfrm>
+      </p:grpSpPr>
+      <p:sp>
+        <p:nvSpPr>
+          <p:cNvPr id="5" name="Rect 0"/>
+          <p:cNvSpPr txBox="1">
+            <a:spLocks/>
+          </p:cNvSpPr>
+          <p:nvPr/>
+        </p:nvSpPr>
+        <p:spPr>
+          <a:xfrm rot="0">
+            <a:off x="4309110" y="346710"/>
+            <a:ext cx="3578225" cy="554990"/>
+          </a:xfrm>
+          <a:prstGeom prst="rect"/>
+          <a:noFill/>
+          <a:ln w="0">
+            <a:noFill/>
+            <a:prstDash/>
+          </a:ln>
+        </p:spPr>
+        <p:txBody>
+          <a:bodyPr wrap="square" lIns="89535" tIns="46355" rIns="89535" bIns="46355" numCol="1" vert="horz" anchor="t">
+            <a:spAutoFit/>
+          </a:bodyPr>
+          <a:lstStyle/>
+          <a:p>
+            <a:pPr marL="0" indent="0" algn="l" latinLnBrk="0">
+              <a:buFontTx/>
+              <a:buNone/>
+            </a:pPr>
+            <a:r>
+              <a:rPr lang="ko-KR" altLang="en-US" sz="3000" b="1">
+                <a:solidFill>
+                  <a:schemeClr val="tx1"/>
+                </a:solidFill>
+                <a:latin typeface="맑은 고딕" charset="0"/>
+                <a:ea typeface="맑은 고딕" charset="0"/>
+              </a:rPr>
+              <a:t>열네</a:t>
+            </a:r>
+            <a:r>
+              <a:rPr lang="ko-KR" altLang="en-US" sz="3000" b="1">
+                <a:solidFill>
+                  <a:schemeClr val="tx1"/>
+                </a:solidFill>
+                <a:latin typeface="맑은 고딕" charset="0"/>
+                <a:ea typeface="맑은 고딕" charset="0"/>
+              </a:rPr>
+              <a:t> 번째 튜토리얼</a:t>
+            </a:r>
+            <a:endParaRPr lang="ko-KR" altLang="en-US" sz="3000" b="1">
+              <a:solidFill>
+                <a:schemeClr val="tx1"/>
+              </a:solidFill>
+              <a:latin typeface="맑은 고딕" charset="0"/>
+              <a:ea typeface="맑은 고딕" charset="0"/>
+            </a:endParaRPr>
+          </a:p>
+        </p:txBody>
+      </p:sp>
+      <p:sp>
+        <p:nvSpPr>
+          <p:cNvPr id="26" name="Rect 0"/>
+          <p:cNvSpPr txBox="1">
+            <a:spLocks/>
+          </p:cNvSpPr>
+          <p:nvPr/>
+        </p:nvSpPr>
+        <p:spPr>
+          <a:xfrm rot="0">
+            <a:off x="1353185" y="3328670"/>
+            <a:ext cx="4029075" cy="2892425"/>
+          </a:xfrm>
+          <a:prstGeom prst="rect"/>
+          <a:noFill/>
+          <a:ln w="0">
+            <a:noFill/>
+            <a:prstDash/>
+          </a:ln>
+        </p:spPr>
+        <p:txBody>
+          <a:bodyPr wrap="square" lIns="89535" tIns="46355" rIns="89535" bIns="46355" numCol="1" vert="horz" anchor="t">
+            <a:spAutoFit/>
+          </a:bodyPr>
+          <a:lstStyle/>
+          <a:p>
+            <a:pPr marL="0" indent="0" algn="l" latinLnBrk="0" hangingPunct="1">
+              <a:buFontTx/>
+              <a:buNone/>
+            </a:pPr>
+            <a:r>
+              <a:rPr lang="ko-KR" sz="2000" b="1">
+                <a:solidFill>
+                  <a:srgbClr val="0611F2"/>
+                </a:solidFill>
+                <a:latin typeface="맑은 고딕" charset="0"/>
+                <a:ea typeface="맑은 고딕" charset="0"/>
+              </a:rPr>
+              <a:t>33</a:t>
+            </a:r>
+            <a:r>
+              <a:rPr lang="ko-KR" sz="2000" b="1">
+                <a:solidFill>
+                  <a:srgbClr val="0611F2"/>
+                </a:solidFill>
+                <a:latin typeface="맑은 고딕" charset="0"/>
+                <a:ea typeface="맑은 고딕" charset="0"/>
+              </a:rPr>
+              <a:t>. </a:t>
+            </a:r>
+            <a:r>
+              <a:rPr lang="ko-KR" sz="1800">
+                <a:latin typeface="맑은 고딕" charset="0"/>
+                <a:ea typeface="맑은 고딕" charset="0"/>
+              </a:rPr>
+              <a:t>그런 다음 Wraring(int) 함수를 생성합니다.</a:t>
+            </a:r>
+            <a:endParaRPr lang="ko-KR" altLang="en-US" sz="1800">
+              <a:latin typeface="맑은 고딕" charset="0"/>
+              <a:ea typeface="맑은 고딕" charset="0"/>
+            </a:endParaRPr>
+          </a:p>
+          <a:p>
+            <a:pPr marL="0" indent="0" algn="l" latinLnBrk="0" hangingPunct="1">
+              <a:buFontTx/>
+              <a:buNone/>
+            </a:pPr>
+            <a:endParaRPr lang="ko-KR" altLang="en-US" sz="1800">
+              <a:latin typeface="맑은 고딕" charset="0"/>
+              <a:ea typeface="맑은 고딕" charset="0"/>
+            </a:endParaRPr>
+          </a:p>
+          <a:p>
+            <a:pPr marL="0" indent="0" algn="l" latinLnBrk="0" hangingPunct="1">
+              <a:buFontTx/>
+              <a:buNone/>
+            </a:pPr>
+            <a:r>
+              <a:rPr lang="ko-KR" sz="1800">
+                <a:latin typeface="맑은 고딕" charset="0"/>
+                <a:ea typeface="맑은 고딕" charset="0"/>
+              </a:rPr>
+              <a:t>그다음 조건문으로 함수를 호출할 때마다 count 변수를 증가하도록 설정합니다.</a:t>
+            </a:r>
+            <a:endParaRPr lang="ko-KR" altLang="en-US" sz="1800">
+              <a:latin typeface="맑은 고딕" charset="0"/>
+              <a:ea typeface="맑은 고딕" charset="0"/>
+            </a:endParaRPr>
+          </a:p>
+          <a:p>
+            <a:pPr marL="0" indent="0" algn="l" latinLnBrk="0" hangingPunct="1">
+              <a:buFontTx/>
+              <a:buNone/>
+            </a:pPr>
+            <a:endParaRPr lang="ko-KR" altLang="en-US" sz="1800">
+              <a:latin typeface="맑은 고딕" charset="0"/>
+              <a:ea typeface="맑은 고딕" charset="0"/>
+            </a:endParaRPr>
+          </a:p>
+          <a:p>
+            <a:pPr marL="0" indent="0" algn="l" latinLnBrk="0" hangingPunct="1">
+              <a:buFontTx/>
+              <a:buNone/>
+            </a:pPr>
+            <a:r>
+              <a:rPr lang="ko-KR" sz="1800">
+                <a:latin typeface="맑은 고딕" charset="0"/>
+                <a:ea typeface="맑은 고딕" charset="0"/>
+              </a:rPr>
+              <a:t>마지막으로 count 변수의 홀수와 짝수에 따라 게임 오브젝트의 활성화와 비활성화를 설정합니다.</a:t>
+            </a:r>
+            <a:endParaRPr lang="ko-KR" altLang="en-US" sz="1800">
+              <a:latin typeface="맑은 고딕" charset="0"/>
+              <a:ea typeface="맑은 고딕" charset="0"/>
+            </a:endParaRPr>
+          </a:p>
+        </p:txBody>
+      </p:sp>
+      <p:sp>
+        <p:nvSpPr>
+          <p:cNvPr id="37" name="Rect 0"/>
+          <p:cNvSpPr txBox="1">
+            <a:spLocks/>
+          </p:cNvSpPr>
+          <p:nvPr/>
+        </p:nvSpPr>
+        <p:spPr>
+          <a:xfrm rot="0">
+            <a:off x="6810375" y="4193540"/>
+            <a:ext cx="4134485" cy="2031365"/>
+          </a:xfrm>
+          <a:prstGeom prst="rect"/>
+          <a:noFill/>
+          <a:ln w="0">
+            <a:noFill/>
+            <a:prstDash/>
+          </a:ln>
+        </p:spPr>
+        <p:txBody>
+          <a:bodyPr wrap="square" lIns="89535" tIns="46355" rIns="89535" bIns="46355" numCol="1" vert="horz" anchor="t">
+            <a:spAutoFit/>
+          </a:bodyPr>
+          <a:lstStyle/>
+          <a:p>
+            <a:pPr marL="0" indent="0" rtl="0" algn="l" defTabSz="914400" eaLnBrk="1" latinLnBrk="0" hangingPunct="1">
+              <a:buFontTx/>
+              <a:buNone/>
+            </a:pPr>
+            <a:r>
+              <a:rPr sz="1800" b="1">
+                <a:solidFill>
+                  <a:srgbClr val="0611F2"/>
+                </a:solidFill>
+                <a:latin typeface="맑은 고딕" charset="0"/>
+                <a:ea typeface="맑은 고딕" charset="0"/>
+              </a:rPr>
+              <a:t>34</a:t>
+            </a:r>
+            <a:r>
+              <a:rPr sz="1800" b="1">
+                <a:solidFill>
+                  <a:srgbClr val="0611F2"/>
+                </a:solidFill>
+                <a:latin typeface="맑은 고딕" charset="0"/>
+                <a:ea typeface="맑은 고딕" charset="0"/>
+              </a:rPr>
+              <a:t>.</a:t>
+            </a:r>
+            <a:r>
+              <a:rPr sz="1800">
+                <a:latin typeface="맑은 고딕" charset="0"/>
+                <a:ea typeface="맑은 고딕" charset="0"/>
+              </a:rPr>
+              <a:t> </a:t>
+            </a:r>
+            <a:r>
+              <a:rPr sz="1800">
+                <a:latin typeface="맑은 고딕" charset="0"/>
+                <a:ea typeface="맑은 고딕" charset="0"/>
+              </a:rPr>
+              <a:t>이</a:t>
+            </a:r>
+            <a:r>
+              <a:rPr lang="ko-KR" sz="1800">
+                <a:latin typeface="맑은 고딕" charset="0"/>
+                <a:ea typeface="맑은 고딕" charset="0"/>
+              </a:rPr>
+              <a:t>제</a:t>
+            </a:r>
+            <a:r>
+              <a:rPr sz="1800">
+                <a:latin typeface="맑은 고딕" charset="0"/>
+                <a:ea typeface="맑은 고딕" charset="0"/>
+              </a:rPr>
+              <a:t> </a:t>
+            </a:r>
+            <a:r>
+              <a:rPr lang="ko-KR" sz="1800">
+                <a:latin typeface="맑은 고딕" charset="0"/>
+                <a:ea typeface="맑은 고딕" charset="0"/>
+              </a:rPr>
+              <a:t>Santa Hat Boader와</a:t>
+            </a:r>
+            <a:r>
+              <a:rPr sz="1800">
+                <a:latin typeface="맑은 고딕" charset="0"/>
+                <a:ea typeface="맑은 고딕" charset="0"/>
+              </a:rPr>
+              <a:t> </a:t>
+            </a:r>
+            <a:r>
+              <a:rPr lang="ko-KR" sz="1800">
+                <a:latin typeface="맑은 고딕" charset="0"/>
+                <a:ea typeface="맑은 고딕" charset="0"/>
+              </a:rPr>
+              <a:t>Santa Stick Boader 오브젝트에 </a:t>
+            </a:r>
+            <a:r>
+              <a:rPr sz="1800">
+                <a:latin typeface="맑은 고딕" charset="0"/>
+                <a:ea typeface="맑은 고딕" charset="0"/>
+              </a:rPr>
+              <a:t>On Click( ) 함수를 생성합니다.</a:t>
+            </a:r>
+            <a:endParaRPr lang="ko-KR" altLang="en-US" sz="1800">
+              <a:latin typeface="맑은 고딕" charset="0"/>
+              <a:ea typeface="맑은 고딕" charset="0"/>
+            </a:endParaRPr>
+          </a:p>
+          <a:p>
+            <a:pPr marL="0" indent="0" rtl="0" algn="l" defTabSz="914400" eaLnBrk="1" latinLnBrk="0" hangingPunct="1">
+              <a:buFontTx/>
+              <a:buNone/>
+            </a:pPr>
+            <a:endParaRPr lang="ko-KR" altLang="en-US" sz="1800">
+              <a:latin typeface="맑은 고딕" charset="0"/>
+              <a:ea typeface="맑은 고딕" charset="0"/>
+            </a:endParaRPr>
+          </a:p>
+          <a:p>
+            <a:pPr marL="0" indent="0" rtl="0" algn="l" defTabSz="914400" eaLnBrk="1" latinLnBrk="0" hangingPunct="1">
+              <a:buFontTx/>
+              <a:buNone/>
+            </a:pPr>
+            <a:r>
+              <a:rPr sz="1800">
+                <a:latin typeface="맑은 고딕" charset="0"/>
+                <a:ea typeface="맑은 고딕" charset="0"/>
+              </a:rPr>
+              <a:t>그</a:t>
+            </a:r>
+            <a:r>
+              <a:rPr sz="1800">
+                <a:latin typeface="맑은 고딕" charset="0"/>
+                <a:ea typeface="맑은 고딕" charset="0"/>
+              </a:rPr>
+              <a:t>리</a:t>
+            </a:r>
+            <a:r>
+              <a:rPr lang="ko-KR" sz="1800">
+                <a:latin typeface="맑은 고딕" charset="0"/>
+                <a:ea typeface="맑은 고딕" charset="0"/>
+              </a:rPr>
+              <a:t>고</a:t>
+            </a:r>
+            <a:r>
+              <a:rPr sz="1800">
+                <a:latin typeface="맑은 고딕" charset="0"/>
+                <a:ea typeface="맑은 고딕" charset="0"/>
+              </a:rPr>
+              <a:t> 각각의 버튼에 있는 On Click( ) 함수에 </a:t>
+            </a:r>
+            <a:r>
+              <a:rPr lang="ko-KR" sz="1800">
+                <a:latin typeface="맑은 고딕" charset="0"/>
+                <a:ea typeface="맑은 고딕" charset="0"/>
+              </a:rPr>
+              <a:t>Cover Manager</a:t>
+            </a:r>
+            <a:r>
+              <a:rPr sz="1800">
+                <a:latin typeface="맑은 고딕" charset="0"/>
+                <a:ea typeface="맑은 고딕" charset="0"/>
+              </a:rPr>
+              <a:t> 오브젝트를 넣어줍니다.</a:t>
+            </a:r>
+            <a:endParaRPr lang="ko-KR" altLang="en-US" sz="1800">
+              <a:latin typeface="맑은 고딕" charset="0"/>
+              <a:ea typeface="맑은 고딕" charset="0"/>
+            </a:endParaRPr>
+          </a:p>
+        </p:txBody>
+      </p:sp>
+      <p:pic>
+        <p:nvPicPr>
+          <p:cNvPr id="60" name="그림 93" descr="C:/Users/Admin1/AppData/Roaming/PolarisOffice/ETemp/2948_15255592/fImage6225328292.png"/>
+          <p:cNvPicPr>
+            <a:picLocks noChangeAspect="1"/>
+          </p:cNvPicPr>
+          <p:nvPr/>
+        </p:nvPicPr>
+        <p:blipFill rotWithShape="1">
+          <a:blip r:embed="rId2" cstate="print">
+            <a:extLst>
+              <a:ext uri="{28A0092B-C50C-407E-A947-70E740481C1C}">
+                <a14:useLocalDpi xmlns:a14="http://schemas.microsoft.com/office/drawing/2010/main" val="0"/>
+              </a:ext>
+            </a:extLst>
+          </a:blip>
+          <a:stretch>
+            <a:fillRect/>
+          </a:stretch>
+        </p:blipFill>
+        <p:spPr>
+          <a:xfrm rot="0">
+            <a:off x="1352550" y="1352550"/>
+            <a:ext cx="4039235" cy="1858010"/>
+          </a:xfrm>
+          <a:prstGeom prst="roundRect"/>
+          <a:solidFill>
+            <a:srgbClr val="EDEDED"/>
+          </a:solidFill>
+        </p:spPr>
+      </p:pic>
+      <p:pic>
+        <p:nvPicPr>
+          <p:cNvPr id="61" name="그림 97" descr="C:/Users/Admin1/AppData/Roaming/PolarisOffice/ETemp/2948_15255592/fImage30173312382.png"/>
+          <p:cNvPicPr>
+            <a:picLocks noChangeAspect="1"/>
+          </p:cNvPicPr>
+          <p:nvPr/>
+        </p:nvPicPr>
+        <p:blipFill rotWithShape="1">
+          <a:blip r:embed="rId3" cstate="hqprint">
+            <a:extLst>
+              <a:ext uri="{28A0092B-C50C-407E-A947-70E740481C1C}">
+                <a14:useLocalDpi xmlns:a14="http://schemas.microsoft.com/office/drawing/2010/main"/>
+              </a:ext>
+            </a:extLst>
+          </a:blip>
+          <a:stretch>
+            <a:fillRect/>
+          </a:stretch>
+        </p:blipFill>
+        <p:spPr>
+          <a:xfrm rot="0">
+            <a:off x="8353425" y="1352550"/>
+            <a:ext cx="2639695" cy="1153160"/>
+          </a:xfrm>
+          <a:prstGeom prst="roundRect"/>
+          <a:solidFill>
+            <a:srgbClr val="EDEDED"/>
+          </a:solidFill>
+        </p:spPr>
+      </p:pic>
+      <p:pic>
+        <p:nvPicPr>
+          <p:cNvPr id="62" name="그림 98" descr="C:/Users/Admin1/AppData/Roaming/PolarisOffice/ETemp/2948_15255592/fImage55663327421.png"/>
+          <p:cNvPicPr>
+            <a:picLocks noChangeAspect="1"/>
+          </p:cNvPicPr>
+          <p:nvPr/>
+        </p:nvPicPr>
+        <p:blipFill rotWithShape="1">
+          <a:blip r:embed="rId4" cstate="hqprint">
+            <a:extLst>
+              <a:ext uri="{28A0092B-C50C-407E-A947-70E740481C1C}">
+                <a14:useLocalDpi xmlns:a14="http://schemas.microsoft.com/office/drawing/2010/main"/>
+              </a:ext>
+            </a:extLst>
+          </a:blip>
+          <a:stretch>
+            <a:fillRect/>
+          </a:stretch>
+        </p:blipFill>
+        <p:spPr>
+          <a:xfrm rot="0">
+            <a:off x="8353425" y="2762250"/>
+            <a:ext cx="2630170" cy="1143635"/>
+          </a:xfrm>
+          <a:prstGeom prst="roundRect"/>
+          <a:solidFill>
+            <a:srgbClr val="EDEDED"/>
+          </a:solidFill>
+        </p:spPr>
+      </p:pic>
+      <p:pic>
+        <p:nvPicPr>
+          <p:cNvPr id="63" name="그림 99" descr="C:/Users/Admin1/AppData/Roaming/PolarisOffice/ETemp/2948_15255592/fImage120493338716.png"/>
+          <p:cNvPicPr>
+            <a:picLocks noChangeAspect="1"/>
+          </p:cNvPicPr>
+          <p:nvPr/>
+        </p:nvPicPr>
+        <p:blipFill rotWithShape="1">
+          <a:blip r:embed="rId5" cstate="print">
+            <a:extLst>
+              <a:ext uri="{28A0092B-C50C-407E-A947-70E740481C1C}">
+                <a14:useLocalDpi xmlns:a14="http://schemas.microsoft.com/office/drawing/2010/main" val="0"/>
+              </a:ext>
+            </a:extLst>
+          </a:blip>
+          <a:stretch>
+            <a:fillRect/>
+          </a:stretch>
+        </p:blipFill>
+        <p:spPr>
+          <a:xfrm rot="0">
+            <a:off x="6810375" y="1343025"/>
+            <a:ext cx="1381760" cy="2572385"/>
+          </a:xfrm>
+          <a:prstGeom prst="roundRect"/>
+          <a:solidFill>
+            <a:srgbClr val="EDEDED"/>
+          </a:solidFill>
+        </p:spPr>
+      </p:pic>
+      <p:cxnSp>
+        <p:nvCxnSpPr>
+          <p:cNvPr id="64" name="도형 102"/>
+          <p:cNvCxnSpPr/>
+          <p:nvPr/>
+        </p:nvCxnSpPr>
+        <p:spPr>
+          <a:xfrm rot="0" flipV="1">
+            <a:off x="7800975" y="3457575"/>
+            <a:ext cx="1305560" cy="295910"/>
+          </a:xfrm>
+          <a:prstGeom prst="straightConnector1"/>
+          <a:ln w="6350" cap="flat" cmpd="sng">
+            <a:prstDash/>
+            <a:headEnd type="none" w="med" len="med"/>
+            <a:tailEnd type="triangle" w="med" len="med"/>
+          </a:ln>
+        </p:spPr>
+        <p:style>
+          <a:lnRef idx="1">
+            <a:schemeClr val="accent1"/>
+          </a:lnRef>
+          <a:fillRef idx="0">
+            <a:schemeClr val="accent1"/>
+          </a:fillRef>
+          <a:effectRef idx="0">
+            <a:schemeClr val="accent1"/>
+          </a:effectRef>
+          <a:fontRef idx="minor">
+            <a:schemeClr val="tx1"/>
+          </a:fontRef>
+        </p:style>
+      </p:cxnSp>
     </p:spTree>
   </p:cSld>
   <p:clrMapOvr>
@@ -7712,7 +10591,7 @@
       </p:sp>
       <p:sp>
         <p:nvSpPr>
-          <p:cNvPr id="1124" name="Rect 0"/>
+          <p:cNvPr id="1135" name="텍스트 상자 381"/>
           <p:cNvSpPr txBox="1">
             <a:spLocks/>
           </p:cNvSpPr>
@@ -7720,8 +10599,8 @@
         </p:nvSpPr>
         <p:spPr>
           <a:xfrm rot="0">
-            <a:off x="1228090" y="4155440"/>
-            <a:ext cx="4152265" cy="2061845"/>
+            <a:off x="6815455" y="4420235"/>
+            <a:ext cx="4272915" cy="1784985"/>
           </a:xfrm>
           <a:prstGeom prst="rect"/>
           <a:noFill/>
@@ -7748,56 +10627,45 @@
                 <a:latin typeface="맑은 고딕" charset="0"/>
                 <a:ea typeface="맑은 고딕" charset="0"/>
               </a:rPr>
-              <a:t>3. </a:t>
+              <a:t>4</a:t>
+            </a:r>
+            <a:r>
+              <a:rPr lang="ko-KR" sz="2000" b="1">
+                <a:solidFill>
+                  <a:srgbClr val="0611F2"/>
+                </a:solidFill>
+                <a:latin typeface="맑은 고딕" charset="0"/>
+                <a:ea typeface="맑은 고딕" charset="0"/>
+              </a:rPr>
+              <a:t>. </a:t>
             </a:r>
             <a:r>
               <a:rPr lang="ko-KR" sz="1800">
                 <a:latin typeface="맑은 고딕" charset="0"/>
                 <a:ea typeface="맑은 고딕" charset="0"/>
               </a:rPr>
-              <a:t>이제 </a:t>
+              <a:t>이제</a:t>
             </a:r>
             <a:r>
               <a:rPr lang="ko-KR" sz="1800">
                 <a:latin typeface="맑은 고딕" charset="0"/>
                 <a:ea typeface="맑은 고딕" charset="0"/>
               </a:rPr>
-              <a:t>DataManager</a:t>
+              <a:t> </a:t>
             </a:r>
             <a:r>
               <a:rPr lang="ko-KR" sz="1800">
                 <a:latin typeface="맑은 고딕" charset="0"/>
                 <a:ea typeface="맑은 고딕" charset="0"/>
               </a:rPr>
+              <a:t>RandomMesh( )함수를 생성한 다음 광선과 충돌한 물체를 구분하는 함수를 선언합니다.</a:t>
+            </a:r>
+            <a:r>
+              <a:rPr lang="ko-KR" sz="1800">
+                <a:latin typeface="맑은 고딕" charset="0"/>
+                <a:ea typeface="맑은 고딕" charset="0"/>
+              </a:rPr>
               <a:t> </a:t>
-            </a:r>
-            <a:r>
-              <a:rPr lang="ko-KR" sz="1800">
-                <a:latin typeface="맑은 고딕" charset="0"/>
-                <a:ea typeface="맑은 고딕" charset="0"/>
-              </a:rPr>
-              <a:t>스크립트에서 </a:t>
-            </a:r>
-            <a:r>
-              <a:rPr lang="ko-KR" sz="1800">
-                <a:latin typeface="맑은 고딕" charset="0"/>
-                <a:ea typeface="맑은 고딕" charset="0"/>
-              </a:rPr>
-              <a:t>각각의 아이템 변수와 재화를 저장하기 위한 int</a:t>
-            </a:r>
-            <a:r>
-              <a:rPr lang="ko-KR" sz="1800">
-                <a:latin typeface="맑은 고딕" charset="0"/>
-                <a:ea typeface="맑은 고딕" charset="0"/>
-              </a:rPr>
-              <a:t> 변수를 선언</a:t>
-            </a:r>
-            <a:r>
-              <a:rPr lang="ko-KR" sz="1800">
-                <a:latin typeface="맑은 고딕" charset="0"/>
-                <a:ea typeface="맑은 고딕" charset="0"/>
-              </a:rPr>
-              <a:t>합니다.</a:t>
             </a:r>
             <a:endParaRPr lang="ko-KR" altLang="en-US" sz="1800">
               <a:latin typeface="맑은 고딕" charset="0"/>
@@ -7824,7 +10692,7 @@
                 <a:latin typeface="맑은 고딕" charset="0"/>
                 <a:ea typeface="맑은 고딕" charset="0"/>
               </a:rPr>
-              <a:t>그런 다음 DataManager를 하나의 인스턴스로 어디에서든지 접근하기 위해 static 객체로 선언합니다.</a:t>
+              <a:t>그리고 충돌한 물체의 MeshFilter 컴포넌트를 가져오도록 설정합니다.</a:t>
             </a:r>
             <a:endParaRPr lang="ko-KR" altLang="en-US" sz="1800">
               <a:latin typeface="맑은 고딕" charset="0"/>
@@ -7835,7 +10703,7 @@
       </p:sp>
       <p:sp>
         <p:nvSpPr>
-          <p:cNvPr id="1132" name="텍스트 상자 378"/>
+          <p:cNvPr id="1136" name="텍스트 상자 12"/>
           <p:cNvSpPr txBox="1">
             <a:spLocks/>
           </p:cNvSpPr>
@@ -7843,8 +10711,8 @@
         </p:nvSpPr>
         <p:spPr>
           <a:xfrm rot="0">
-            <a:off x="6817360" y="2733040"/>
-            <a:ext cx="4124325" cy="954405"/>
+            <a:off x="1236980" y="1396365"/>
+            <a:ext cx="4153535" cy="4800600"/>
           </a:xfrm>
           <a:prstGeom prst="rect"/>
           <a:noFill/>
@@ -7864,141 +10732,174 @@
               <a:buNone/>
             </a:pPr>
             <a:r>
-              <a:rPr lang="ko-KR" sz="2000" b="1">
-                <a:solidFill>
-                  <a:srgbClr val="0611F2"/>
-                </a:solidFill>
-                <a:latin typeface="맑은 고딕" charset="0"/>
-                <a:ea typeface="맑은 고딕" charset="0"/>
-              </a:rPr>
-              <a:t>4</a:t>
-            </a:r>
-            <a:r>
-              <a:rPr lang="ko-KR" sz="2000" b="1">
-                <a:solidFill>
-                  <a:srgbClr val="0611F2"/>
-                </a:solidFill>
-                <a:latin typeface="맑은 고딕" charset="0"/>
-                <a:ea typeface="맑은 고딕" charset="0"/>
-              </a:rPr>
-              <a:t>. </a:t>
-            </a:r>
-            <a:r>
               <a:rPr lang="ko-KR" sz="1800">
                 <a:latin typeface="맑은 고딕" charset="0"/>
                 <a:ea typeface="맑은 고딕" charset="0"/>
               </a:rPr>
-              <a:t>그</a:t>
-            </a:r>
-            <a:r>
-              <a:rPr lang="ko-KR" sz="1800">
-                <a:latin typeface="맑은 고딕" charset="0"/>
-                <a:ea typeface="맑은 고딕" charset="0"/>
-              </a:rPr>
-              <a:t>리고 SaveData( ) 함수를 선언하고 PlayerPrefs로 데이터를 저장하도록 설정합니다. </a:t>
-            </a:r>
-            <a:r>
-              <a:rPr lang="ko-KR" sz="1800">
-                <a:latin typeface="맑은 고딕" charset="0"/>
-                <a:ea typeface="맑은 고딕" charset="0"/>
-              </a:rPr>
-              <a:t> </a:t>
+              <a:t>Physics.Raycast( ) 함수는 3차원 공간에서 정해진 방향으로 광선을 발사하는 함수입니다.</a:t>
             </a:r>
             <a:endParaRPr lang="ko-KR" altLang="en-US" sz="1800">
               <a:latin typeface="맑은 고딕" charset="0"/>
               <a:ea typeface="맑은 고딕" charset="0"/>
             </a:endParaRPr>
           </a:p>
-        </p:txBody>
-      </p:sp>
-      <p:sp>
-        <p:nvSpPr>
-          <p:cNvPr id="1135" name="텍스트 상자 381"/>
-          <p:cNvSpPr txBox="1">
-            <a:spLocks/>
-          </p:cNvSpPr>
-          <p:nvPr/>
-        </p:nvSpPr>
-        <p:spPr>
-          <a:xfrm rot="0">
-            <a:off x="6815455" y="5266055"/>
-            <a:ext cx="4117340" cy="954405"/>
-          </a:xfrm>
-          <a:prstGeom prst="rect"/>
-          <a:noFill/>
-          <a:ln w="0">
-            <a:noFill/>
-            <a:prstDash/>
-          </a:ln>
-        </p:spPr>
-        <p:txBody>
-          <a:bodyPr wrap="square" lIns="89535" tIns="46355" rIns="89535" bIns="46355" numCol="1" vert="horz" anchor="t">
-            <a:spAutoFit/>
-          </a:bodyPr>
-          <a:lstStyle/>
           <a:p>
             <a:pPr marL="0" indent="0" algn="l" latinLnBrk="0" hangingPunct="1">
               <a:buFontTx/>
               <a:buNone/>
             </a:pPr>
-            <a:r>
-              <a:rPr lang="ko-KR" sz="2000" b="1">
-                <a:solidFill>
-                  <a:srgbClr val="0611F2"/>
-                </a:solidFill>
-                <a:latin typeface="맑은 고딕" charset="0"/>
-                <a:ea typeface="맑은 고딕" charset="0"/>
-              </a:rPr>
-              <a:t>5</a:t>
-            </a:r>
-            <a:r>
-              <a:rPr lang="ko-KR" sz="2000" b="1">
-                <a:solidFill>
-                  <a:srgbClr val="0611F2"/>
-                </a:solidFill>
-                <a:latin typeface="맑은 고딕" charset="0"/>
-                <a:ea typeface="맑은 고딕" charset="0"/>
-              </a:rPr>
-              <a:t>. </a:t>
-            </a:r>
-            <a:r>
-              <a:rPr lang="ko-KR" sz="1800">
-                <a:latin typeface="맑은 고딕" charset="0"/>
-                <a:ea typeface="맑은 고딕" charset="0"/>
-              </a:rPr>
-              <a:t>그다음</a:t>
-            </a:r>
-            <a:r>
-              <a:rPr lang="ko-KR" sz="1800">
-                <a:latin typeface="맑은 고딕" charset="0"/>
-                <a:ea typeface="맑은 고딕" charset="0"/>
-              </a:rPr>
-              <a:t> LoadData( ) 함수를 선언하고 PlayerPrefs로 데이터를 불러오는 오도록 설정합니다. </a:t>
-            </a:r>
-            <a:r>
-              <a:rPr lang="ko-KR" sz="1800">
-                <a:latin typeface="맑은 고딕" charset="0"/>
-                <a:ea typeface="맑은 고딕" charset="0"/>
-              </a:rPr>
-              <a:t> </a:t>
-            </a:r>
             <a:endParaRPr lang="ko-KR" altLang="en-US" sz="1800">
               <a:latin typeface="맑은 고딕" charset="0"/>
               <a:ea typeface="맑은 고딕" charset="0"/>
             </a:endParaRPr>
           </a:p>
+          <a:p>
+            <a:pPr marL="0" indent="0" algn="l" latinLnBrk="0" hangingPunct="1">
+              <a:buFontTx/>
+              <a:buNone/>
+            </a:pPr>
+            <a:r>
+              <a:rPr lang="ko-KR" sz="1800">
+                <a:latin typeface="맑은 고딕" charset="0"/>
+                <a:ea typeface="맑은 고딕" charset="0"/>
+              </a:rPr>
+              <a:t>그리고 발사한 광선이 객체와 충돌을 하게 되면 감지하도록 설정할 수 있습니다.</a:t>
+            </a:r>
+            <a:endParaRPr lang="ko-KR" altLang="en-US" sz="1800">
+              <a:latin typeface="맑은 고딕" charset="0"/>
+              <a:ea typeface="맑은 고딕" charset="0"/>
+            </a:endParaRPr>
+          </a:p>
+          <a:p>
+            <a:pPr marL="0" indent="0" algn="l" latinLnBrk="0" hangingPunct="1">
+              <a:buFontTx/>
+              <a:buNone/>
+            </a:pPr>
+            <a:endParaRPr lang="ko-KR" altLang="en-US" sz="1800">
+              <a:latin typeface="맑은 고딕" charset="0"/>
+              <a:ea typeface="맑은 고딕" charset="0"/>
+            </a:endParaRPr>
+          </a:p>
+          <a:p>
+            <a:pPr marL="0" indent="0" algn="l" latinLnBrk="0" hangingPunct="1">
+              <a:buFontTx/>
+              <a:buNone/>
+            </a:pPr>
+            <a:endParaRPr lang="ko-KR" altLang="en-US" sz="1800">
+              <a:latin typeface="맑은 고딕" charset="0"/>
+              <a:ea typeface="맑은 고딕" charset="0"/>
+            </a:endParaRPr>
+          </a:p>
+          <a:p>
+            <a:pPr marL="0" indent="0" algn="l" latinLnBrk="0" hangingPunct="1">
+              <a:buFontTx/>
+              <a:buNone/>
+            </a:pPr>
+            <a:endParaRPr lang="ko-KR" altLang="en-US" sz="1800">
+              <a:latin typeface="맑은 고딕" charset="0"/>
+              <a:ea typeface="맑은 고딕" charset="0"/>
+            </a:endParaRPr>
+          </a:p>
+          <a:p>
+            <a:pPr marL="0" indent="0" algn="l" latinLnBrk="0" hangingPunct="1">
+              <a:buFontTx/>
+              <a:buNone/>
+            </a:pPr>
+            <a:endParaRPr lang="ko-KR" altLang="en-US" sz="1800">
+              <a:latin typeface="맑은 고딕" charset="0"/>
+              <a:ea typeface="맑은 고딕" charset="0"/>
+            </a:endParaRPr>
+          </a:p>
+          <a:p>
+            <a:pPr marL="0" indent="0" algn="l" latinLnBrk="0" hangingPunct="1">
+              <a:buFontTx/>
+              <a:buNone/>
+            </a:pPr>
+            <a:endParaRPr lang="ko-KR" altLang="en-US" sz="1800">
+              <a:latin typeface="맑은 고딕" charset="0"/>
+              <a:ea typeface="맑은 고딕" charset="0"/>
+            </a:endParaRPr>
+          </a:p>
+          <a:p>
+            <a:pPr marL="0" indent="0" algn="l" latinLnBrk="0" hangingPunct="1">
+              <a:buFontTx/>
+              <a:buNone/>
+            </a:pPr>
+            <a:endParaRPr lang="ko-KR" altLang="en-US" sz="1800">
+              <a:latin typeface="맑은 고딕" charset="0"/>
+              <a:ea typeface="맑은 고딕" charset="0"/>
+            </a:endParaRPr>
+          </a:p>
+          <a:p>
+            <a:pPr marL="0" indent="0" algn="l" latinLnBrk="0" hangingPunct="1">
+              <a:buFontTx/>
+              <a:buNone/>
+            </a:pPr>
+            <a:endParaRPr lang="ko-KR" altLang="en-US" sz="1800">
+              <a:latin typeface="맑은 고딕" charset="0"/>
+              <a:ea typeface="맑은 고딕" charset="0"/>
+            </a:endParaRPr>
+          </a:p>
+          <a:p>
+            <a:pPr marL="0" indent="0" algn="l" latinLnBrk="0" hangingPunct="1">
+              <a:buFontTx/>
+              <a:buNone/>
+            </a:pPr>
+            <a:r>
+              <a:rPr lang="ko-KR" sz="1800">
+                <a:latin typeface="맑은 고딕" charset="0"/>
+                <a:ea typeface="맑은 고딕" charset="0"/>
+              </a:rPr>
+              <a:t>하지만, 광선이 오브젝트를 감지하려면 오브젝트는 콜라이더 컴포넌트를 가지고 있어야 합니다.</a:t>
+            </a:r>
+            <a:endParaRPr lang="ko-KR" altLang="en-US" sz="1800">
+              <a:latin typeface="맑은 고딕" charset="0"/>
+              <a:ea typeface="맑은 고딕" charset="0"/>
+            </a:endParaRPr>
+          </a:p>
         </p:txBody>
       </p:sp>
       <p:pic>
         <p:nvPicPr>
-          <p:cNvPr id="1136" name="그림 13" descr="C:/Users/Admin1/AppData/Roaming/PolarisOffice/ETemp/19216_9281256/fImage478914441.png"/>
+          <p:cNvPr id="1137" name="그림 13"/>
           <p:cNvPicPr>
             <a:picLocks noChangeAspect="1"/>
           </p:cNvPicPr>
           <p:nvPr/>
         </p:nvPicPr>
         <p:blipFill rotWithShape="1">
-          <a:blip r:embed="rId8" cstate="print">
+          <a:blip r:embed="rId11" cstate="hqprint">
+            <a:extLst>
+              <a:ext uri="{28A0092B-C50C-407E-A947-70E740481C1C}">
+                <a14:useLocalDpi xmlns:a14="http://schemas.microsoft.com/office/drawing/2010/main"/>
+              </a:ext>
+            </a:extLst>
+          </a:blip>
+          <a:stretch>
+            <a:fillRect/>
+          </a:stretch>
+        </p:blipFill>
+        <p:spPr>
+          <a:xfrm rot="0">
+            <a:off x="1236980" y="3571875"/>
+            <a:ext cx="4152265" cy="1506220"/>
+          </a:xfrm>
+          <a:prstGeom prst="roundRect"/>
+          <a:solidFill>
+            <a:srgbClr val="EDEDED"/>
+          </a:solidFill>
+        </p:spPr>
+      </p:pic>
+      <p:pic>
+        <p:nvPicPr>
+          <p:cNvPr id="1138" name="그림 17"/>
+          <p:cNvPicPr>
+            <a:picLocks noChangeAspect="1"/>
+          </p:cNvPicPr>
+          <p:nvPr/>
+        </p:nvPicPr>
+        <p:blipFill rotWithShape="1">
+          <a:blip r:embed="rId12" cstate="print">
             <a:extLst>
               <a:ext uri="{28A0092B-C50C-407E-A947-70E740481C1C}">
                 <a14:useLocalDpi xmlns:a14="http://schemas.microsoft.com/office/drawing/2010/main" val="0"/>
@@ -8011,75 +10912,11 @@
         </p:blipFill>
         <p:spPr>
           <a:xfrm rot="0">
-            <a:off x="1224915" y="1366520"/>
-            <a:ext cx="4155440" cy="2638425"/>
-          </a:xfrm>
-          <a:prstGeom prst="roundRect"/>
-          <a:solidFill>
-            <a:srgbClr val="EDEDED"/>
-          </a:solidFill>
-        </p:spPr>
-      </p:pic>
-      <p:pic>
-        <p:nvPicPr>
-          <p:cNvPr id="1137" name="그림 16" descr="C:/Users/Admin1/AppData/Roaming/PolarisOffice/ETemp/19216_9281256/fImage67561458467.png"/>
-          <p:cNvPicPr>
-            <a:picLocks noChangeAspect="1"/>
-          </p:cNvPicPr>
-          <p:nvPr/>
-        </p:nvPicPr>
-        <p:blipFill rotWithShape="1">
-          <a:blip r:embed="rId9" cstate="print">
-            <a:extLst>
-              <a:ext uri="{28A0092B-C50C-407E-A947-70E740481C1C}">
-                <a14:useLocalDpi xmlns:a14="http://schemas.microsoft.com/office/drawing/2010/main" val="0"/>
-              </a:ext>
-            </a:extLst>
-          </a:blip>
-          <a:stretch>
-            <a:fillRect/>
-          </a:stretch>
-        </p:blipFill>
-        <p:spPr>
-          <a:xfrm rot="0">
-            <a:off x="6815455" y="3814445"/>
-            <a:ext cx="4126230" cy="1375410"/>
-          </a:xfrm>
-          <a:prstGeom prst="roundRect"/>
-          <a:solidFill>
-            <a:srgbClr val="EDEDED"/>
-          </a:solidFill>
-        </p:spPr>
-      </p:pic>
-      <p:pic>
-        <p:nvPicPr>
-          <p:cNvPr id="1138" name="그림 19" descr="C:/Users/Admin1/AppData/Roaming/PolarisOffice/ETemp/19216_9281256/fImage62741466334.png"/>
-          <p:cNvPicPr>
-            <a:picLocks noChangeAspect="1"/>
-          </p:cNvPicPr>
-          <p:nvPr/>
-        </p:nvPicPr>
-        <p:blipFill rotWithShape="1">
-          <a:blip r:embed="rId10" cstate="print">
-            <a:extLst>
-              <a:ext uri="{28A0092B-C50C-407E-A947-70E740481C1C}">
-                <a14:useLocalDpi xmlns:a14="http://schemas.microsoft.com/office/drawing/2010/main" val="0"/>
-              </a:ext>
-            </a:extLst>
-          </a:blip>
-          <a:stretch>
-            <a:fillRect/>
-          </a:stretch>
-        </p:blipFill>
-        <p:spPr>
-          <a:xfrm rot="0">
-            <a:off x="6815455" y="1369060"/>
-            <a:ext cx="4108450" cy="1295400"/>
-          </a:xfrm>
-          <a:prstGeom prst="roundRect"/>
-          <a:solidFill>
-            <a:srgbClr val="EDEDED"/>
-          </a:solidFill>
+            <a:off x="6815455" y="1400175"/>
+            <a:ext cx="4281805" cy="2886710"/>
+          </a:xfrm>
+          <a:prstGeom prst="rect"/>
+          <a:noFill/>
         </p:spPr>
       </p:pic>
     </p:spTree>
@@ -8184,7 +11021,7 @@
       </p:sp>
       <p:sp>
         <p:nvSpPr>
-          <p:cNvPr id="1127" name="텍스트 상자 388"/>
+          <p:cNvPr id="1148" name="텍스트 상자 20"/>
           <p:cNvSpPr txBox="1">
             <a:spLocks/>
           </p:cNvSpPr>
@@ -8192,8 +11029,8 @@
         </p:nvSpPr>
         <p:spPr>
           <a:xfrm rot="0">
-            <a:off x="6815455" y="5562600"/>
-            <a:ext cx="4238625" cy="677545"/>
+            <a:off x="984250" y="1379220"/>
+            <a:ext cx="4523740" cy="925830"/>
           </a:xfrm>
           <a:prstGeom prst="rect"/>
           <a:noFill/>
@@ -8213,52 +11050,11 @@
               <a:buNone/>
             </a:pPr>
             <a:r>
-              <a:rPr lang="ko-KR" sz="2000" b="1">
-                <a:solidFill>
-                  <a:srgbClr val="0611F2"/>
-                </a:solidFill>
-                <a:latin typeface="맑은 고딕" charset="0"/>
-                <a:ea typeface="맑은 고딕" charset="0"/>
-              </a:rPr>
-              <a:t>8</a:t>
-            </a:r>
-            <a:r>
-              <a:rPr lang="ko-KR" sz="2000" b="1">
-                <a:solidFill>
-                  <a:srgbClr val="0611F2"/>
-                </a:solidFill>
-                <a:latin typeface="맑은 고딕" charset="0"/>
-                <a:ea typeface="맑은 고딕" charset="0"/>
-              </a:rPr>
-              <a:t>. </a:t>
-            </a:r>
-            <a:r>
               <a:rPr lang="ko-KR" sz="1800">
                 <a:latin typeface="맑은 고딕" charset="0"/>
                 <a:ea typeface="맑은 고딕" charset="0"/>
               </a:rPr>
-              <a:t>그</a:t>
-            </a:r>
-            <a:r>
-              <a:rPr lang="ko-KR" sz="1800">
-                <a:latin typeface="맑은 고딕" charset="0"/>
-                <a:ea typeface="맑은 고딕" charset="0"/>
-              </a:rPr>
-              <a:t>런 다음</a:t>
-            </a:r>
-            <a:r>
-              <a:rPr lang="ko-KR" sz="1800">
-                <a:latin typeface="맑은 고딕" charset="0"/>
-                <a:ea typeface="맑은 고딕" charset="0"/>
-              </a:rPr>
-              <a:t> </a:t>
-            </a:r>
-            <a:r>
-              <a:rPr lang="ko-KR" sz="1800">
-                <a:latin typeface="맑은 고딕" charset="0"/>
-                <a:ea typeface="맑은 고딕" charset="0"/>
-              </a:rPr>
-              <a:t>Shop Button의 위치와 크기 그리고 앵커를 설정합니다. </a:t>
+              <a:t>ScreenPointToRay( ) 함수는 스크린 공간의 좌표를 월드 공간의 좌표로 변환하여 시작점으로 설정하는 함수입니다. </a:t>
             </a:r>
             <a:endParaRPr lang="ko-KR" altLang="en-US" sz="1800">
               <a:latin typeface="맑은 고딕" charset="0"/>
@@ -8267,16 +11063,91 @@
           </a:p>
         </p:txBody>
       </p:sp>
+      <p:sp>
+        <p:nvSpPr>
+          <p:cNvPr id="1149" name="텍스트 상자 21"/>
+          <p:cNvSpPr txBox="1">
+            <a:spLocks/>
+          </p:cNvSpPr>
+          <p:nvPr/>
+        </p:nvSpPr>
+        <p:spPr>
+          <a:xfrm rot="0">
+            <a:off x="981710" y="5578475"/>
+            <a:ext cx="4526915" cy="649605"/>
+          </a:xfrm>
+          <a:prstGeom prst="rect"/>
+          <a:noFill/>
+          <a:ln w="0">
+            <a:noFill/>
+            <a:prstDash/>
+          </a:ln>
+        </p:spPr>
+        <p:txBody>
+          <a:bodyPr wrap="square" lIns="89535" tIns="46355" rIns="89535" bIns="46355" numCol="1" vert="horz" anchor="t">
+            <a:spAutoFit/>
+          </a:bodyPr>
+          <a:lstStyle/>
+          <a:p>
+            <a:pPr marL="0" indent="0" algn="l" latinLnBrk="0" hangingPunct="1">
+              <a:buFontTx/>
+              <a:buNone/>
+            </a:pPr>
+            <a:r>
+              <a:rPr lang="ko-KR" sz="1800">
+                <a:latin typeface="맑은 고딕" charset="0"/>
+                <a:ea typeface="맑은 고딕" charset="0"/>
+              </a:rPr>
+              <a:t>방향은 카메라가 비추는 방향으로 설정된 광선 객체를 반환합니다.</a:t>
+            </a:r>
+            <a:endParaRPr lang="ko-KR" altLang="en-US" sz="1800">
+              <a:latin typeface="맑은 고딕" charset="0"/>
+              <a:ea typeface="맑은 고딕" charset="0"/>
+            </a:endParaRPr>
+          </a:p>
+        </p:txBody>
+      </p:sp>
       <p:pic>
         <p:nvPicPr>
-          <p:cNvPr id="1143" name="그림 22" descr="C:/Users/Admin1/AppData/Roaming/PolarisOffice/ETemp/19216_9281256/fImage123591476500.png"/>
+          <p:cNvPr id="1150" name="그림 22"/>
           <p:cNvPicPr>
             <a:picLocks noChangeAspect="1"/>
           </p:cNvPicPr>
           <p:nvPr/>
         </p:nvPicPr>
         <p:blipFill rotWithShape="1">
-          <a:blip r:embed="rId13" cstate="print">
+          <a:blip r:embed="rId16" cstate="hqprint">
+            <a:extLst>
+              <a:ext uri="{28A0092B-C50C-407E-A947-70E740481C1C}">
+                <a14:useLocalDpi xmlns:a14="http://schemas.microsoft.com/office/drawing/2010/main"/>
+              </a:ext>
+            </a:extLst>
+          </a:blip>
+          <a:stretch>
+            <a:fillRect/>
+          </a:stretch>
+        </p:blipFill>
+        <p:spPr>
+          <a:xfrm rot="0">
+            <a:off x="981075" y="2473325"/>
+            <a:ext cx="4526915" cy="2924810"/>
+          </a:xfrm>
+          <a:prstGeom prst="roundRect"/>
+          <a:solidFill>
+            <a:srgbClr val="EDEDED"/>
+          </a:solidFill>
+        </p:spPr>
+      </p:pic>
+      <p:pic>
+        <p:nvPicPr>
+          <p:cNvPr id="1151" name="그림 23"/>
+          <p:cNvPicPr>
+            <a:picLocks noChangeAspect="1"/>
+          </p:cNvPicPr>
+          <p:nvPr/>
+        </p:nvPicPr>
+        <p:blipFill rotWithShape="1">
+          <a:blip r:embed="rId17" cstate="print">
             <a:extLst>
               <a:ext uri="{28A0092B-C50C-407E-A947-70E740481C1C}">
                 <a14:useLocalDpi xmlns:a14="http://schemas.microsoft.com/office/drawing/2010/main" val="0"/>
@@ -8289,8 +11160,8 @@
         </p:blipFill>
         <p:spPr>
           <a:xfrm rot="0">
-            <a:off x="6815455" y="3779520"/>
-            <a:ext cx="4238625" cy="1670050"/>
+            <a:off x="8458200" y="1385570"/>
+            <a:ext cx="2629535" cy="958215"/>
           </a:xfrm>
           <a:prstGeom prst="roundRect"/>
           <a:solidFill>
@@ -8300,14 +11171,14 @@
       </p:pic>
       <p:pic>
         <p:nvPicPr>
-          <p:cNvPr id="1144" name="그림 29" descr="C:/Users/Admin1/AppData/Roaming/PolarisOffice/ETemp/19216_9281256/fImage38341489169.png"/>
+          <p:cNvPr id="1152" name="그림 26"/>
           <p:cNvPicPr>
             <a:picLocks noChangeAspect="1"/>
           </p:cNvPicPr>
           <p:nvPr/>
         </p:nvPicPr>
         <p:blipFill rotWithShape="1">
-          <a:blip r:embed="rId14" cstate="print">
+          <a:blip r:embed="rId18" cstate="print">
             <a:extLst>
               <a:ext uri="{28A0092B-C50C-407E-A947-70E740481C1C}">
                 <a14:useLocalDpi xmlns:a14="http://schemas.microsoft.com/office/drawing/2010/main" val="0"/>
@@ -8320,8 +11191,8 @@
         </p:blipFill>
         <p:spPr>
           <a:xfrm rot="0">
-            <a:off x="1210945" y="1375410"/>
-            <a:ext cx="4152900" cy="3209290"/>
+            <a:off x="6810375" y="1381125"/>
+            <a:ext cx="1510030" cy="962660"/>
           </a:xfrm>
           <a:prstGeom prst="roundRect"/>
           <a:solidFill>
@@ -8331,7 +11202,7 @@
       </p:pic>
       <p:sp>
         <p:nvSpPr>
-          <p:cNvPr id="1145" name="텍스트 상자 32"/>
+          <p:cNvPr id="1153" name="텍스트 상자 30"/>
           <p:cNvSpPr txBox="1">
             <a:spLocks/>
           </p:cNvSpPr>
@@ -8339,8 +11210,8 @@
         </p:nvSpPr>
         <p:spPr>
           <a:xfrm rot="0">
-            <a:off x="1219200" y="4717415"/>
-            <a:ext cx="4144010" cy="1508125"/>
+            <a:off x="6815455" y="2477135"/>
+            <a:ext cx="4272915" cy="954405"/>
           </a:xfrm>
           <a:prstGeom prst="rect"/>
           <a:noFill/>
@@ -8367,7 +11238,7 @@
                 <a:latin typeface="맑은 고딕" charset="0"/>
                 <a:ea typeface="맑은 고딕" charset="0"/>
               </a:rPr>
-              <a:t>6</a:t>
+              <a:t>5</a:t>
             </a:r>
             <a:r>
               <a:rPr lang="ko-KR" sz="2000" b="1">
@@ -8384,52 +11255,25 @@
                 <a:latin typeface="맑은 고딕" charset="0"/>
                 <a:ea typeface="맑은 고딕" charset="0"/>
               </a:rPr>
-              <a:t>이제 Awake( ) 함수에서 static 객체에 자기 자신을 넣어줍니다.</a:t>
+              <a:t>그런 다음 Project 폴더에 있는 Resources 폴더에 Penguin 오브젝트를 월드 공간에 배치합니다.</a:t>
             </a:r>
             <a:endParaRPr lang="ko-KR" altLang="en-US" sz="1800">
               <a:latin typeface="맑은 고딕" charset="0"/>
               <a:ea typeface="맑은 고딕" charset="0"/>
             </a:endParaRPr>
           </a:p>
-          <a:p>
-            <a:pPr marL="0" indent="0" algn="l" latinLnBrk="0" hangingPunct="1">
-              <a:buFontTx/>
-              <a:buNone/>
-            </a:pPr>
-            <a:endParaRPr lang="ko-KR" altLang="en-US" sz="1800">
-              <a:latin typeface="맑은 고딕" charset="0"/>
-              <a:ea typeface="맑은 고딕" charset="0"/>
-            </a:endParaRPr>
-          </a:p>
-          <a:p>
-            <a:pPr marL="0" indent="0" algn="l" latinLnBrk="0" hangingPunct="1">
-              <a:buFontTx/>
-              <a:buNone/>
-            </a:pPr>
-            <a:r>
-              <a:rPr lang="ko-KR" sz="1800">
-                <a:latin typeface="맑은 고딕" charset="0"/>
-                <a:ea typeface="맑은 고딕" charset="0"/>
-              </a:rPr>
-              <a:t>그다음 LoadData( ) 함수를 호출하여 데이터를 불러오도록 설정합니다.</a:t>
-            </a:r>
-            <a:endParaRPr lang="ko-KR" altLang="en-US" sz="1800">
-              <a:latin typeface="맑은 고딕" charset="0"/>
-              <a:ea typeface="맑은 고딕" charset="0"/>
-            </a:endParaRPr>
-          </a:p>
         </p:txBody>
       </p:sp>
       <p:pic>
         <p:nvPicPr>
-          <p:cNvPr id="1146" name="그림 46" descr="C:/Users/Admin1/AppData/Roaming/PolarisOffice/ETemp/19216_9281256/fImage32061545724.png"/>
+          <p:cNvPr id="1154" name="그림 37"/>
           <p:cNvPicPr>
             <a:picLocks noChangeAspect="1"/>
           </p:cNvPicPr>
           <p:nvPr/>
         </p:nvPicPr>
         <p:blipFill rotWithShape="1">
-          <a:blip r:embed="rId15" cstate="print">
+          <a:blip r:embed="rId19" cstate="print">
             <a:extLst>
               <a:ext uri="{28A0092B-C50C-407E-A947-70E740481C1C}">
                 <a14:useLocalDpi xmlns:a14="http://schemas.microsoft.com/office/drawing/2010/main" val="0"/>
@@ -8442,8 +11286,8 @@
         </p:blipFill>
         <p:spPr>
           <a:xfrm rot="0">
-            <a:off x="6812280" y="1380490"/>
-            <a:ext cx="4241800" cy="1191260"/>
+            <a:off x="6800850" y="3619500"/>
+            <a:ext cx="4286885" cy="1819910"/>
           </a:xfrm>
           <a:prstGeom prst="roundRect"/>
           <a:solidFill>
@@ -8453,7 +11297,7 @@
       </p:pic>
       <p:sp>
         <p:nvSpPr>
-          <p:cNvPr id="1147" name="텍스트 상자 49"/>
+          <p:cNvPr id="1155" name="텍스트 상자 40"/>
           <p:cNvSpPr txBox="1">
             <a:spLocks/>
           </p:cNvSpPr>
@@ -8461,8 +11305,8 @@
         </p:nvSpPr>
         <p:spPr>
           <a:xfrm rot="0">
-            <a:off x="6817995" y="2667635"/>
-            <a:ext cx="4238625" cy="954405"/>
+            <a:off x="6820535" y="5549265"/>
+            <a:ext cx="4272915" cy="677545"/>
           </a:xfrm>
           <a:prstGeom prst="rect"/>
           <a:noFill/>
@@ -8489,7 +11333,7 @@
                 <a:latin typeface="맑은 고딕" charset="0"/>
                 <a:ea typeface="맑은 고딕" charset="0"/>
               </a:rPr>
-              <a:t>7</a:t>
+              <a:t>6</a:t>
             </a:r>
             <a:r>
               <a:rPr lang="ko-KR" sz="2000" b="1">
@@ -8506,28 +11350,7 @@
                 <a:latin typeface="맑은 고딕" charset="0"/>
                 <a:ea typeface="맑은 고딕" charset="0"/>
               </a:rPr>
-              <a:t>그</a:t>
-            </a:r>
-            <a:r>
-              <a:rPr lang="ko-KR" sz="1800">
-                <a:latin typeface="맑은 고딕" charset="0"/>
-                <a:ea typeface="맑은 고딕" charset="0"/>
-              </a:rPr>
-              <a:t>리고</a:t>
-            </a:r>
-            <a:r>
-              <a:rPr lang="ko-KR" sz="1800">
-                <a:latin typeface="맑은 고딕" charset="0"/>
-                <a:ea typeface="맑은 고딕" charset="0"/>
-              </a:rPr>
-              <a:t> </a:t>
-            </a:r>
-            <a:r>
-              <a:rPr lang="ko-KR" sz="1800">
-                <a:latin typeface="맑은 고딕" charset="0"/>
-                <a:ea typeface="맑은 고딕" charset="0"/>
-              </a:rPr>
-              <a:t>IncreaseMoney( ) 함수를 선언하고 money 변수에 값을 증가시킨 다음 SaveData( ) 함수를 호출합니다. </a:t>
+              <a:t>그다음으로 Penguin 오브젝트의 Y축을 변경합니다.</a:t>
             </a:r>
             <a:endParaRPr lang="ko-KR" altLang="en-US" sz="1800">
               <a:latin typeface="맑은 고딕" charset="0"/>
@@ -8638,7 +11461,7 @@
       </p:sp>
       <p:sp>
         <p:nvSpPr>
-          <p:cNvPr id="1127" name="Rect 0"/>
+          <p:cNvPr id="1151" name="텍스트 상자 33"/>
           <p:cNvSpPr txBox="1">
             <a:spLocks/>
           </p:cNvSpPr>
@@ -8646,8 +11469,8 @@
         </p:nvSpPr>
         <p:spPr>
           <a:xfrm rot="0">
-            <a:off x="1314450" y="3260725"/>
-            <a:ext cx="4057650" cy="954405"/>
+            <a:off x="1327150" y="5292090"/>
+            <a:ext cx="4044950" cy="925195"/>
           </a:xfrm>
           <a:prstGeom prst="rect"/>
           <a:noFill/>
@@ -8662,36 +11485,16 @@
           </a:bodyPr>
           <a:lstStyle/>
           <a:p>
-            <a:pPr marL="0" indent="0" algn="l" latinLnBrk="0" hangingPunct="1">
-              <a:buFontTx/>
-              <a:buNone/>
-            </a:pPr>
-            <a:r>
-              <a:rPr lang="ko-KR" sz="2000" b="1">
-                <a:solidFill>
-                  <a:srgbClr val="0611F2"/>
-                </a:solidFill>
-                <a:latin typeface="맑은 고딕" charset="0"/>
-                <a:ea typeface="맑은 고딕" charset="0"/>
-              </a:rPr>
-              <a:t>9</a:t>
-            </a:r>
-            <a:r>
-              <a:rPr lang="ko-KR" sz="2000" b="1">
-                <a:solidFill>
-                  <a:srgbClr val="0611F2"/>
-                </a:solidFill>
-                <a:latin typeface="맑은 고딕" charset="0"/>
-                <a:ea typeface="맑은 고딕" charset="0"/>
-              </a:rPr>
-              <a:t>. </a:t>
-            </a:r>
-            <a:r>
-              <a:rPr lang="ko-KR" sz="1800">
-                <a:latin typeface="맑은 고딕" charset="0"/>
-                <a:ea typeface="맑은 고딕" charset="0"/>
-              </a:rPr>
-              <a:t>그다음으로 Picking 이라는 스크립트를 생성하고 Main Camera 오브젝트에 넣어줍니다.</a:t>
+            <a:pPr marL="0" indent="0" rtl="0" algn="l" defTabSz="914400" eaLnBrk="1" latinLnBrk="0" hangingPunct="1">
+              <a:buFontTx/>
+              <a:buNone/>
+            </a:pPr>
+            <a:r>
+              <a:rPr sz="1800">
+                <a:latin typeface="맑은 고딕" charset="0"/>
+                <a:ea typeface="맑은 고딕" charset="0"/>
+              </a:rPr>
+              <a:t>Resources라는 특수 폴더에 에셋을 보관해야지만, 실행시간에 에셋을 불러올 수 있습니다.</a:t>
             </a:r>
             <a:endParaRPr lang="ko-KR" altLang="en-US" sz="1800">
               <a:latin typeface="맑은 고딕" charset="0"/>
@@ -8700,16 +11503,67 @@
           </a:p>
         </p:txBody>
       </p:sp>
+      <p:sp>
+        <p:nvSpPr>
+          <p:cNvPr id="1152" name="텍스트 상자 34"/>
+          <p:cNvSpPr txBox="1">
+            <a:spLocks/>
+          </p:cNvSpPr>
+          <p:nvPr/>
+        </p:nvSpPr>
+        <p:spPr>
+          <a:xfrm rot="0">
+            <a:off x="1322070" y="1334770"/>
+            <a:ext cx="4039235" cy="1200785"/>
+          </a:xfrm>
+          <a:prstGeom prst="rect"/>
+          <a:noFill/>
+          <a:ln w="0">
+            <a:noFill/>
+            <a:prstDash/>
+          </a:ln>
+        </p:spPr>
+        <p:txBody>
+          <a:bodyPr wrap="square" lIns="89535" tIns="46355" rIns="89535" bIns="46355" numCol="1" vert="horz" anchor="t">
+            <a:spAutoFit/>
+          </a:bodyPr>
+          <a:lstStyle/>
+          <a:p>
+            <a:pPr marL="0" indent="0" rtl="0" algn="l" defTabSz="914400" eaLnBrk="1" latinLnBrk="0" hangingPunct="1">
+              <a:buFontTx/>
+              <a:buNone/>
+            </a:pPr>
+            <a:r>
+              <a:rPr sz="1800">
+                <a:latin typeface="맑은 고딕" charset="0"/>
+                <a:ea typeface="맑은 고딕" charset="0"/>
+              </a:rPr>
+              <a:t>Resources.Load( )</a:t>
+            </a:r>
+            <a:r>
+              <a:rPr sz="1800">
+                <a:latin typeface="맑은 고딕" charset="0"/>
+                <a:ea typeface="맑은 고딕" charset="0"/>
+              </a:rPr>
+              <a:t> 함수는 리소스 폴더 내부에 있는 여러 에셋 데이터들을 실행 시간에 불러오는 함수입니다.</a:t>
+            </a:r>
+            <a:endParaRPr lang="ko-KR" altLang="en-US" sz="1800">
+              <a:latin typeface="맑은 고딕" charset="0"/>
+              <a:ea typeface="맑은 고딕" charset="0"/>
+            </a:endParaRPr>
+          </a:p>
+        </p:txBody>
+      </p:sp>
       <p:pic>
         <p:nvPicPr>
-          <p:cNvPr id="1132" name="그림 3" descr="C:/Users/Admin1/AppData/Roaming/PolarisOffice/ETemp/19216_9281256/fImage20162318467.png"/>
+          <p:cNvPr id="1153" name="그림 35"/>
           <p:cNvPicPr>
             <a:picLocks noChangeAspect="1"/>
           </p:cNvPicPr>
           <p:nvPr/>
         </p:nvPicPr>
         <p:blipFill rotWithShape="1">
-          <a:blip r:embed="rId2" cstate="hqprint">
+          <a:blip r:embed="rId16" cstate="hqprint">
             <a:extLst>
               <a:ext uri="{28A0092B-C50C-407E-A947-70E740481C1C}">
                 <a14:useLocalDpi xmlns:a14="http://schemas.microsoft.com/office/drawing/2010/main"/>
@@ -8722,25 +11576,23 @@
         </p:blipFill>
         <p:spPr>
           <a:xfrm rot="0">
-            <a:off x="4505960" y="1686560"/>
-            <a:ext cx="866140" cy="1125220"/>
-          </a:xfrm>
-          <a:prstGeom prst="roundRect"/>
-          <a:solidFill>
-            <a:srgbClr val="EDEDED"/>
-          </a:solidFill>
+            <a:off x="1316355" y="2733675"/>
+            <a:ext cx="4045585" cy="2413635"/>
+          </a:xfrm>
+          <a:prstGeom prst="rect"/>
+          <a:noFill/>
         </p:spPr>
       </p:pic>
       <p:pic>
         <p:nvPicPr>
-          <p:cNvPr id="1144" name="그림 41" descr="C:/Users/Admin1/AppData/Roaming/PolarisOffice/ETemp/19216_9281256/fImage29871536334.png"/>
+          <p:cNvPr id="1154" name="그림 36"/>
           <p:cNvPicPr>
             <a:picLocks noChangeAspect="1"/>
           </p:cNvPicPr>
           <p:nvPr/>
         </p:nvPicPr>
         <p:blipFill rotWithShape="1">
-          <a:blip r:embed="rId12" cstate="hqprint">
+          <a:blip r:embed="rId17" cstate="hqprint">
             <a:extLst>
               <a:ext uri="{28A0092B-C50C-407E-A947-70E740481C1C}">
                 <a14:useLocalDpi xmlns:a14="http://schemas.microsoft.com/office/drawing/2010/main"/>
@@ -8753,110 +11605,121 @@
         </p:blipFill>
         <p:spPr>
           <a:xfrm rot="0">
-            <a:off x="1323340" y="4358640"/>
-            <a:ext cx="4048125" cy="1116330"/>
-          </a:xfrm>
-          <a:prstGeom prst="roundRect"/>
-          <a:solidFill>
-            <a:srgbClr val="EDEDED"/>
-          </a:solidFill>
+            <a:off x="2790825" y="3202940"/>
+            <a:ext cx="1041400" cy="655320"/>
+          </a:xfrm>
+          <a:prstGeom prst="rect"/>
+          <a:noFill/>
         </p:spPr>
       </p:pic>
-      <p:sp>
-        <p:nvSpPr>
-          <p:cNvPr id="1145" name="텍스트 상자 42"/>
-          <p:cNvSpPr txBox="1">
-            <a:spLocks/>
-          </p:cNvSpPr>
-          <p:nvPr/>
-        </p:nvSpPr>
-        <p:spPr>
-          <a:xfrm rot="0">
-            <a:off x="1323340" y="5558790"/>
-            <a:ext cx="4057015" cy="677545"/>
-          </a:xfrm>
-          <a:prstGeom prst="rect"/>
-          <a:noFill/>
-          <a:ln w="0">
-            <a:noFill/>
-            <a:prstDash/>
-          </a:ln>
-        </p:spPr>
-        <p:txBody>
-          <a:bodyPr wrap="square" lIns="89535" tIns="46355" rIns="89535" bIns="46355" numCol="1" vert="horz" anchor="t">
-            <a:spAutoFit/>
-          </a:bodyPr>
-          <a:lstStyle/>
-          <a:p>
-            <a:pPr marL="0" indent="0" algn="l" latinLnBrk="0" hangingPunct="1">
-              <a:buFontTx/>
-              <a:buNone/>
-            </a:pPr>
-            <a:r>
-              <a:rPr lang="ko-KR" sz="2000" b="1">
-                <a:solidFill>
-                  <a:srgbClr val="0611F2"/>
-                </a:solidFill>
-                <a:latin typeface="맑은 고딕" charset="0"/>
-                <a:ea typeface="맑은 고딕" charset="0"/>
-              </a:rPr>
-              <a:t>10</a:t>
-            </a:r>
-            <a:r>
-              <a:rPr lang="ko-KR" sz="2000" b="1">
-                <a:solidFill>
-                  <a:srgbClr val="0611F2"/>
-                </a:solidFill>
-                <a:latin typeface="맑은 고딕" charset="0"/>
-                <a:ea typeface="맑은 고딕" charset="0"/>
-              </a:rPr>
-              <a:t>. </a:t>
-            </a:r>
-            <a:r>
-              <a:rPr lang="ko-KR" sz="1800">
-                <a:latin typeface="맑은 고딕" charset="0"/>
-                <a:ea typeface="맑은 고딕" charset="0"/>
-              </a:rPr>
-              <a:t>이제 </a:t>
-            </a:r>
-            <a:r>
-              <a:rPr lang="ko-KR" sz="1800">
-                <a:latin typeface="맑은 고딕" charset="0"/>
-                <a:ea typeface="맑은 고딕" charset="0"/>
-              </a:rPr>
-              <a:t>Shop Button에</a:t>
-            </a:r>
-            <a:r>
-              <a:rPr lang="ko-KR" sz="1800">
-                <a:latin typeface="맑은 고딕" charset="0"/>
-                <a:ea typeface="맑은 고딕" charset="0"/>
-              </a:rPr>
-              <a:t> On Click( ) 함수</a:t>
-            </a:r>
-            <a:r>
-              <a:rPr lang="ko-KR" sz="1800">
-                <a:latin typeface="맑은 고딕" charset="0"/>
-                <a:ea typeface="맑은 고딕" charset="0"/>
-              </a:rPr>
-              <a:t>를 추가합니다.</a:t>
-            </a:r>
-            <a:endParaRPr lang="ko-KR" altLang="en-US" sz="1800">
-              <a:latin typeface="맑은 고딕" charset="0"/>
-              <a:ea typeface="맑은 고딕" charset="0"/>
-            </a:endParaRPr>
-          </a:p>
-        </p:txBody>
-      </p:sp>
       <p:pic>
         <p:nvPicPr>
-          <p:cNvPr id="1146" name="그림 50" descr="C:/Users/Admin1/AppData/Roaming/PolarisOffice/ETemp/19216_9281256/fImage51541561478.png"/>
+          <p:cNvPr id="1155" name="그림 41"/>
           <p:cNvPicPr>
             <a:picLocks noChangeAspect="1"/>
           </p:cNvPicPr>
           <p:nvPr/>
         </p:nvPicPr>
         <p:blipFill rotWithShape="1">
-          <a:blip r:embed="rId13" cstate="print">
+          <a:blip r:embed="rId18" cstate="hqprint">
+            <a:extLst>
+              <a:ext uri="{28A0092B-C50C-407E-A947-70E740481C1C}">
+                <a14:useLocalDpi xmlns:a14="http://schemas.microsoft.com/office/drawing/2010/main"/>
+              </a:ext>
+            </a:extLst>
+          </a:blip>
+          <a:stretch>
+            <a:fillRect/>
+          </a:stretch>
+        </p:blipFill>
+        <p:spPr>
+          <a:xfrm rot="0">
+            <a:off x="6810375" y="1329055"/>
+            <a:ext cx="4074795" cy="1462405"/>
+          </a:xfrm>
+          <a:prstGeom prst="roundRect"/>
+          <a:solidFill>
+            <a:srgbClr val="EDEDED"/>
+          </a:solidFill>
+        </p:spPr>
+      </p:pic>
+      <p:sp>
+        <p:nvSpPr>
+          <p:cNvPr id="1156" name="텍스트 상자 42"/>
+          <p:cNvSpPr txBox="1">
+            <a:spLocks/>
+          </p:cNvSpPr>
+          <p:nvPr/>
+        </p:nvSpPr>
+        <p:spPr>
+          <a:xfrm rot="0">
+            <a:off x="6823710" y="2961640"/>
+            <a:ext cx="4079875" cy="937260"/>
+          </a:xfrm>
+          <a:prstGeom prst="rect"/>
+          <a:noFill/>
+        </p:spPr>
+        <p:txBody>
+          <a:bodyPr wrap="square" lIns="0" tIns="0" rIns="0" bIns="0" numCol="1" vert="horz" anchor="t">
+            <a:noAutofit/>
+          </a:bodyPr>
+          <a:lstStyle/>
+          <a:p>
+            <a:pPr marL="0" indent="0" algn="l" latinLnBrk="0" hangingPunct="1">
+              <a:buFontTx/>
+              <a:buNone/>
+            </a:pPr>
+            <a:r>
+              <a:rPr lang="ko-KR" sz="2000" b="1">
+                <a:solidFill>
+                  <a:srgbClr val="0611F2"/>
+                </a:solidFill>
+                <a:latin typeface="맑은 고딕" charset="0"/>
+                <a:ea typeface="맑은 고딕" charset="0"/>
+              </a:rPr>
+              <a:t>7</a:t>
+            </a:r>
+            <a:r>
+              <a:rPr lang="ko-KR" sz="2000" b="1">
+                <a:solidFill>
+                  <a:srgbClr val="0611F2"/>
+                </a:solidFill>
+                <a:latin typeface="맑은 고딕" charset="0"/>
+                <a:ea typeface="맑은 고딕" charset="0"/>
+              </a:rPr>
+              <a:t>. </a:t>
+            </a:r>
+            <a:r>
+              <a:rPr lang="ko-KR" sz="1800">
+                <a:latin typeface="맑은 고딕" charset="0"/>
+                <a:ea typeface="맑은 고딕" charset="0"/>
+              </a:rPr>
+              <a:t>이제</a:t>
+            </a:r>
+            <a:r>
+              <a:rPr lang="ko-KR" sz="1800">
+                <a:latin typeface="맑은 고딕" charset="0"/>
+                <a:ea typeface="맑은 고딕" charset="0"/>
+              </a:rPr>
+              <a:t> Main Camera 오브젝트에 있는 Picking 스크립트에 Layer를 Monster로 설정합니다.</a:t>
+            </a:r>
+            <a:endParaRPr lang="ko-KR" altLang="en-US" sz="1800">
+              <a:latin typeface="맑은 고딕" charset="0"/>
+              <a:ea typeface="맑은 고딕" charset="0"/>
+            </a:endParaRPr>
+          </a:p>
+        </p:txBody>
+      </p:sp>
+      <p:pic>
+        <p:nvPicPr>
+          <p:cNvPr id="1157" name="그림 44"/>
+          <p:cNvPicPr>
+            <a:picLocks noChangeAspect="1"/>
+          </p:cNvPicPr>
+          <p:nvPr/>
+        </p:nvPicPr>
+        <p:blipFill rotWithShape="1">
+          <a:blip r:embed="rId19" cstate="print">
             <a:extLst>
               <a:ext uri="{28A0092B-C50C-407E-A947-70E740481C1C}">
                 <a14:useLocalDpi xmlns:a14="http://schemas.microsoft.com/office/drawing/2010/main" val="0"/>
@@ -8869,8 +11732,8 @@
         </p:blipFill>
         <p:spPr>
           <a:xfrm rot="0">
-            <a:off x="1323340" y="1340485"/>
-            <a:ext cx="2794000" cy="1825625"/>
+            <a:off x="6810375" y="4048125"/>
+            <a:ext cx="4067810" cy="1334135"/>
           </a:xfrm>
           <a:prstGeom prst="roundRect"/>
           <a:solidFill>
@@ -8878,74 +11741,9 @@
           </a:solidFill>
         </p:spPr>
       </p:pic>
-      <p:cxnSp>
-        <p:nvCxnSpPr>
-          <p:cNvPr id="1134" name="도형 9"/>
-          <p:cNvCxnSpPr>
-            <a:stCxn id="1132" idx="1"/>
-          </p:cNvCxnSpPr>
-          <p:nvPr/>
-        </p:nvCxnSpPr>
-        <p:spPr>
-          <a:xfrm rot="0" flipH="1" flipV="1">
-            <a:off x="3632835" y="1798955"/>
-            <a:ext cx="873760" cy="450215"/>
-          </a:xfrm>
-          <a:prstGeom prst="straightConnector1"/>
-          <a:ln w="19050" cap="flat" cmpd="sng">
-            <a:prstDash/>
-            <a:tailEnd type="triangle" w="med" len="med"/>
-          </a:ln>
-        </p:spPr>
-        <p:style>
-          <a:lnRef idx="3">
-            <a:schemeClr val="accent2"/>
-          </a:lnRef>
-          <a:fillRef idx="0">
-            <a:schemeClr val="accent2"/>
-          </a:fillRef>
-          <a:effectRef idx="2">
-            <a:schemeClr val="accent2"/>
-          </a:effectRef>
-          <a:fontRef idx="minor">
-            <a:schemeClr val="tx1"/>
-          </a:fontRef>
-        </p:style>
-      </p:cxnSp>
-      <p:pic>
-        <p:nvPicPr>
-          <p:cNvPr id="1147" name="그림 53" descr="C:/Users/Admin1/AppData/Roaming/PolarisOffice/ETemp/19216_9281256/fImage36061579358.png"/>
-          <p:cNvPicPr>
-            <a:picLocks noChangeAspect="1"/>
-          </p:cNvPicPr>
-          <p:nvPr/>
-        </p:nvPicPr>
-        <p:blipFill rotWithShape="1">
-          <a:blip r:embed="rId14" cstate="print">
-            <a:extLst>
-              <a:ext uri="{28A0092B-C50C-407E-A947-70E740481C1C}">
-                <a14:useLocalDpi xmlns:a14="http://schemas.microsoft.com/office/drawing/2010/main" val="0"/>
-              </a:ext>
-            </a:extLst>
-          </a:blip>
-          <a:stretch>
-            <a:fillRect/>
-          </a:stretch>
-        </p:blipFill>
-        <p:spPr>
-          <a:xfrm rot="0">
-            <a:off x="6806565" y="3693160"/>
-            <a:ext cx="4221480" cy="1456690"/>
-          </a:xfrm>
-          <a:prstGeom prst="roundRect"/>
-          <a:solidFill>
-            <a:srgbClr val="EDEDED"/>
-          </a:solidFill>
-        </p:spPr>
-      </p:pic>
-      <p:sp>
-        <p:nvSpPr>
-          <p:cNvPr id="1148" name="텍스트 상자 56"/>
+      <p:sp>
+        <p:nvSpPr>
+          <p:cNvPr id="1158" name="텍스트 상자 48"/>
           <p:cNvSpPr txBox="1">
             <a:spLocks/>
           </p:cNvSpPr>
@@ -8953,19 +11751,15 @@
         </p:nvSpPr>
         <p:spPr>
           <a:xfrm rot="0">
-            <a:off x="6805930" y="5285740"/>
-            <a:ext cx="4222115" cy="954405"/>
+            <a:off x="6819265" y="5595620"/>
+            <a:ext cx="4079875" cy="624840"/>
           </a:xfrm>
           <a:prstGeom prst="rect"/>
           <a:noFill/>
-          <a:ln w="0">
-            <a:noFill/>
-            <a:prstDash/>
-          </a:ln>
-        </p:spPr>
-        <p:txBody>
-          <a:bodyPr wrap="square" lIns="89535" tIns="46355" rIns="89535" bIns="46355" numCol="1" vert="horz" anchor="t">
-            <a:spAutoFit/>
+        </p:spPr>
+        <p:txBody>
+          <a:bodyPr wrap="square" lIns="0" tIns="0" rIns="0" bIns="0" numCol="1" vert="horz" anchor="t">
+            <a:noAutofit/>
           </a:bodyPr>
           <a:lstStyle/>
           <a:p>
@@ -8981,7 +11775,7 @@
                 <a:latin typeface="맑은 고딕" charset="0"/>
                 <a:ea typeface="맑은 고딕" charset="0"/>
               </a:rPr>
-              <a:t>1</a:t>
+              <a:t>8</a:t>
             </a:r>
             <a:r>
               <a:rPr lang="ko-KR" sz="2000" b="1">
@@ -8991,16 +11785,6 @@
                 <a:latin typeface="맑은 고딕" charset="0"/>
                 <a:ea typeface="맑은 고딕" charset="0"/>
               </a:rPr>
-              <a:t>2</a:t>
-            </a:r>
-            <a:r>
-              <a:rPr lang="ko-KR" sz="2000" b="1">
-                <a:solidFill>
-                  <a:srgbClr val="0611F2"/>
-                </a:solidFill>
-                <a:latin typeface="맑은 고딕" charset="0"/>
-                <a:ea typeface="맑은 고딕" charset="0"/>
-              </a:rPr>
               <a:t>. </a:t>
             </a:r>
             <a:r>
@@ -9008,144 +11792,7 @@
                 <a:latin typeface="맑은 고딕" charset="0"/>
                 <a:ea typeface="맑은 고딕" charset="0"/>
               </a:rPr>
-              <a:t>그런 다음 P</a:t>
-            </a:r>
-            <a:r>
-              <a:rPr lang="ko-KR" sz="1800">
-                <a:latin typeface="맑은 고딕" charset="0"/>
-                <a:ea typeface="맑은 고딕" charset="0"/>
-              </a:rPr>
-              <a:t>icking 스크립트에서 </a:t>
-            </a:r>
-            <a:r>
-              <a:rPr lang="ko-KR" sz="1800">
-                <a:latin typeface="맑은 고딕" charset="0"/>
-                <a:ea typeface="맑은 고딕" charset="0"/>
-              </a:rPr>
-              <a:t>LayerMask 변수와 RaycastHit 변수를 선언합니다.</a:t>
-            </a:r>
-            <a:endParaRPr lang="ko-KR" altLang="en-US" sz="1800">
-              <a:latin typeface="맑은 고딕" charset="0"/>
-              <a:ea typeface="맑은 고딕" charset="0"/>
-            </a:endParaRPr>
-          </a:p>
-        </p:txBody>
-      </p:sp>
-      <p:pic>
-        <p:nvPicPr>
-          <p:cNvPr id="1149" name="그림 58" descr="C:/Users/Admin1/AppData/Roaming/PolarisOffice/ETemp/19216_9281256/fImage123581606962.png"/>
-          <p:cNvPicPr>
-            <a:picLocks noChangeAspect="1"/>
-          </p:cNvPicPr>
-          <p:nvPr/>
-        </p:nvPicPr>
-        <p:blipFill rotWithShape="1">
-          <a:blip r:embed="rId15" cstate="print">
-            <a:extLst>
-              <a:ext uri="{28A0092B-C50C-407E-A947-70E740481C1C}">
-                <a14:useLocalDpi xmlns:a14="http://schemas.microsoft.com/office/drawing/2010/main" val="0"/>
-              </a:ext>
-            </a:extLst>
-          </a:blip>
-          <a:stretch>
-            <a:fillRect/>
-          </a:stretch>
-        </p:blipFill>
-        <p:spPr>
-          <a:xfrm rot="0">
-            <a:off x="6815455" y="1332230"/>
-            <a:ext cx="4203700" cy="1453515"/>
-          </a:xfrm>
-          <a:prstGeom prst="roundRect"/>
-          <a:solidFill>
-            <a:srgbClr val="EDEDED"/>
-          </a:solidFill>
-        </p:spPr>
-      </p:pic>
-      <p:sp>
-        <p:nvSpPr>
-          <p:cNvPr id="1150" name="텍스트 상자 61"/>
-          <p:cNvSpPr txBox="1">
-            <a:spLocks/>
-          </p:cNvSpPr>
-          <p:nvPr/>
-        </p:nvSpPr>
-        <p:spPr>
-          <a:xfrm rot="0">
-            <a:off x="6815455" y="2891790"/>
-            <a:ext cx="4212590" cy="677545"/>
-          </a:xfrm>
-          <a:prstGeom prst="rect"/>
-          <a:noFill/>
-          <a:ln w="0">
-            <a:noFill/>
-            <a:prstDash/>
-          </a:ln>
-        </p:spPr>
-        <p:txBody>
-          <a:bodyPr wrap="square" lIns="89535" tIns="46355" rIns="89535" bIns="46355" numCol="1" vert="horz" anchor="t">
-            <a:spAutoFit/>
-          </a:bodyPr>
-          <a:lstStyle/>
-          <a:p>
-            <a:pPr marL="0" indent="0" algn="l" latinLnBrk="0" hangingPunct="1">
-              <a:buFontTx/>
-              <a:buNone/>
-            </a:pPr>
-            <a:r>
-              <a:rPr lang="ko-KR" sz="2000" b="1">
-                <a:solidFill>
-                  <a:srgbClr val="0611F2"/>
-                </a:solidFill>
-                <a:latin typeface="맑은 고딕" charset="0"/>
-                <a:ea typeface="맑은 고딕" charset="0"/>
-              </a:rPr>
-              <a:t>11</a:t>
-            </a:r>
-            <a:r>
-              <a:rPr lang="ko-KR" sz="2000" b="1">
-                <a:solidFill>
-                  <a:srgbClr val="0611F2"/>
-                </a:solidFill>
-                <a:latin typeface="맑은 고딕" charset="0"/>
-                <a:ea typeface="맑은 고딕" charset="0"/>
-              </a:rPr>
-              <a:t>. </a:t>
-            </a:r>
-            <a:r>
-              <a:rPr lang="ko-KR" sz="1800">
-                <a:latin typeface="맑은 고딕" charset="0"/>
-                <a:ea typeface="맑은 고딕" charset="0"/>
-              </a:rPr>
-              <a:t>그</a:t>
-            </a:r>
-            <a:r>
-              <a:rPr lang="ko-KR" sz="1800">
-                <a:latin typeface="맑은 고딕" charset="0"/>
-                <a:ea typeface="맑은 고딕" charset="0"/>
-              </a:rPr>
-              <a:t>리고</a:t>
-            </a:r>
-            <a:r>
-              <a:rPr lang="ko-KR" sz="1800">
-                <a:latin typeface="맑은 고딕" charset="0"/>
-                <a:ea typeface="맑은 고딕" charset="0"/>
-              </a:rPr>
-              <a:t> </a:t>
-            </a:r>
-            <a:r>
-              <a:rPr lang="ko-KR" sz="1800">
-                <a:latin typeface="맑은 고딕" charset="0"/>
-                <a:ea typeface="맑은 고딕" charset="0"/>
-              </a:rPr>
-              <a:t>Data Manager 오브젝트의 위치와 회전 값을 초기화합니다</a:t>
-            </a:r>
-            <a:r>
-              <a:rPr lang="ko-KR" sz="1800">
-                <a:latin typeface="맑은 고딕" charset="0"/>
-                <a:ea typeface="맑은 고딕" charset="0"/>
-              </a:rPr>
-              <a:t>.</a:t>
+              <a:t>그다음 Penguin 오브젝트의 Layer을 Monster로 변경합니다.</a:t>
             </a:r>
             <a:endParaRPr lang="ko-KR" altLang="en-US" sz="1800">
               <a:latin typeface="맑은 고딕" charset="0"/>
@@ -9196,7 +11843,7 @@
       </p:grpSpPr>
       <p:sp>
         <p:nvSpPr>
-          <p:cNvPr id="1101" name="Rect 0"/>
+          <p:cNvPr id="1128" name="텍스트 상자 2"/>
           <p:cNvSpPr txBox="1">
             <a:spLocks/>
           </p:cNvSpPr>
@@ -9204,8 +11851,8 @@
         </p:nvSpPr>
         <p:spPr>
           <a:xfrm rot="0">
-            <a:off x="1236980" y="1396365"/>
-            <a:ext cx="4152900" cy="4799965"/>
+            <a:off x="4289425" y="355600"/>
+            <a:ext cx="3615690" cy="554990"/>
           </a:xfrm>
           <a:prstGeom prst="rect"/>
           <a:noFill/>
@@ -9220,225 +11867,40 @@
           </a:bodyPr>
           <a:lstStyle/>
           <a:p>
-            <a:pPr marL="0" indent="0" algn="l" latinLnBrk="0" hangingPunct="1">
-              <a:buFontTx/>
-              <a:buNone/>
-            </a:pPr>
-            <a:r>
-              <a:rPr lang="ko-KR" sz="1800">
-                <a:latin typeface="맑은 고딕" charset="0"/>
-                <a:ea typeface="맑은 고딕" charset="0"/>
-              </a:rPr>
-              <a:t>Physics.Raycast( ) 함수는 3차원 공간에서</a:t>
-            </a:r>
-            <a:r>
-              <a:rPr lang="ko-KR" sz="1800">
-                <a:latin typeface="맑은 고딕" charset="0"/>
-                <a:ea typeface="맑은 고딕" charset="0"/>
-              </a:rPr>
-              <a:t> 정해진 방향으로</a:t>
-            </a:r>
-            <a:r>
-              <a:rPr lang="ko-KR" sz="1800">
-                <a:latin typeface="맑은 고딕" charset="0"/>
-                <a:ea typeface="맑은 고딕" charset="0"/>
-              </a:rPr>
-              <a:t> 광선을 발사</a:t>
-            </a:r>
-            <a:r>
-              <a:rPr lang="ko-KR" sz="1800">
-                <a:latin typeface="맑은 고딕" charset="0"/>
-                <a:ea typeface="맑은 고딕" charset="0"/>
-              </a:rPr>
-              <a:t>하는 함수입니다.</a:t>
-            </a:r>
-            <a:endParaRPr lang="ko-KR" altLang="en-US" sz="1800">
+            <a:pPr marL="0" indent="0" algn="l" latinLnBrk="0">
+              <a:buFontTx/>
+              <a:buNone/>
+            </a:pPr>
+            <a:r>
+              <a:rPr lang="ko-KR" altLang="en-US" sz="3000" b="1">
+                <a:solidFill>
+                  <a:schemeClr val="tx1"/>
+                </a:solidFill>
+                <a:latin typeface="맑은 고딕" charset="0"/>
+                <a:ea typeface="맑은 고딕" charset="0"/>
+              </a:rPr>
+              <a:t>다섯 번째 튜토리얼</a:t>
+            </a:r>
+            <a:endParaRPr lang="ko-KR" altLang="en-US" sz="3000" b="1">
+              <a:solidFill>
+                <a:schemeClr val="tx1"/>
+              </a:solidFill>
               <a:latin typeface="맑은 고딕" charset="0"/>
               <a:ea typeface="맑은 고딕" charset="0"/>
             </a:endParaRPr>
           </a:p>
-          <a:p>
-            <a:pPr marL="0" indent="0" algn="l" latinLnBrk="0" hangingPunct="1">
-              <a:buFontTx/>
-              <a:buNone/>
-            </a:pPr>
-            <a:endParaRPr lang="ko-KR" altLang="en-US" sz="1800">
-              <a:latin typeface="맑은 고딕" charset="0"/>
-              <a:ea typeface="맑은 고딕" charset="0"/>
-            </a:endParaRPr>
-          </a:p>
-          <a:p>
-            <a:pPr marL="0" indent="0" algn="l" latinLnBrk="0" hangingPunct="1">
-              <a:buFontTx/>
-              <a:buNone/>
-            </a:pPr>
-            <a:r>
-              <a:rPr lang="ko-KR" sz="1800">
-                <a:latin typeface="맑은 고딕" charset="0"/>
-                <a:ea typeface="맑은 고딕" charset="0"/>
-              </a:rPr>
-              <a:t>그리고</a:t>
-            </a:r>
-            <a:r>
-              <a:rPr lang="ko-KR" sz="1800">
-                <a:latin typeface="맑은 고딕" charset="0"/>
-                <a:ea typeface="맑은 고딕" charset="0"/>
-              </a:rPr>
-              <a:t> </a:t>
-            </a:r>
-            <a:r>
-              <a:rPr lang="ko-KR" sz="1800">
-                <a:latin typeface="맑은 고딕" charset="0"/>
-                <a:ea typeface="맑은 고딕" charset="0"/>
-              </a:rPr>
-              <a:t>발사한 광선이 </a:t>
-            </a:r>
-            <a:r>
-              <a:rPr lang="ko-KR" sz="1800">
-                <a:latin typeface="맑은 고딕" charset="0"/>
-                <a:ea typeface="맑은 고딕" charset="0"/>
-              </a:rPr>
-              <a:t>객체</a:t>
-            </a:r>
-            <a:r>
-              <a:rPr lang="ko-KR" sz="1800">
-                <a:latin typeface="맑은 고딕" charset="0"/>
-                <a:ea typeface="맑은 고딕" charset="0"/>
-              </a:rPr>
-              <a:t>와 충돌을 하게 되면 감지하도록 설정할 수 있습니다.</a:t>
-            </a:r>
-            <a:endParaRPr lang="ko-KR" altLang="en-US" sz="1800">
-              <a:latin typeface="맑은 고딕" charset="0"/>
-              <a:ea typeface="맑은 고딕" charset="0"/>
-            </a:endParaRPr>
-          </a:p>
-          <a:p>
-            <a:pPr marL="0" indent="0" algn="l" latinLnBrk="0" hangingPunct="1">
-              <a:buFontTx/>
-              <a:buNone/>
-            </a:pPr>
-            <a:endParaRPr lang="ko-KR" altLang="en-US" sz="1800">
-              <a:latin typeface="맑은 고딕" charset="0"/>
-              <a:ea typeface="맑은 고딕" charset="0"/>
-            </a:endParaRPr>
-          </a:p>
-          <a:p>
-            <a:pPr marL="0" indent="0" algn="l" latinLnBrk="0" hangingPunct="1">
-              <a:buFontTx/>
-              <a:buNone/>
-            </a:pPr>
-            <a:endParaRPr lang="ko-KR" altLang="en-US" sz="1800">
-              <a:latin typeface="맑은 고딕" charset="0"/>
-              <a:ea typeface="맑은 고딕" charset="0"/>
-            </a:endParaRPr>
-          </a:p>
-          <a:p>
-            <a:pPr marL="0" indent="0" algn="l" latinLnBrk="0" hangingPunct="1">
-              <a:buFontTx/>
-              <a:buNone/>
-            </a:pPr>
-            <a:endParaRPr lang="ko-KR" altLang="en-US" sz="1800">
-              <a:latin typeface="맑은 고딕" charset="0"/>
-              <a:ea typeface="맑은 고딕" charset="0"/>
-            </a:endParaRPr>
-          </a:p>
-          <a:p>
-            <a:pPr marL="0" indent="0" algn="l" latinLnBrk="0" hangingPunct="1">
-              <a:buFontTx/>
-              <a:buNone/>
-            </a:pPr>
-            <a:endParaRPr lang="ko-KR" altLang="en-US" sz="1800">
-              <a:latin typeface="맑은 고딕" charset="0"/>
-              <a:ea typeface="맑은 고딕" charset="0"/>
-            </a:endParaRPr>
-          </a:p>
-          <a:p>
-            <a:pPr marL="0" indent="0" algn="l" latinLnBrk="0" hangingPunct="1">
-              <a:buFontTx/>
-              <a:buNone/>
-            </a:pPr>
-            <a:endParaRPr lang="ko-KR" altLang="en-US" sz="1800">
-              <a:latin typeface="맑은 고딕" charset="0"/>
-              <a:ea typeface="맑은 고딕" charset="0"/>
-            </a:endParaRPr>
-          </a:p>
-          <a:p>
-            <a:pPr marL="0" indent="0" algn="l" latinLnBrk="0" hangingPunct="1">
-              <a:buFontTx/>
-              <a:buNone/>
-            </a:pPr>
-            <a:endParaRPr lang="ko-KR" altLang="en-US" sz="1800">
-              <a:latin typeface="맑은 고딕" charset="0"/>
-              <a:ea typeface="맑은 고딕" charset="0"/>
-            </a:endParaRPr>
-          </a:p>
-          <a:p>
-            <a:pPr marL="0" indent="0" algn="l" latinLnBrk="0" hangingPunct="1">
-              <a:buFontTx/>
-              <a:buNone/>
-            </a:pPr>
-            <a:endParaRPr lang="ko-KR" altLang="en-US" sz="1800">
-              <a:latin typeface="맑은 고딕" charset="0"/>
-              <a:ea typeface="맑은 고딕" charset="0"/>
-            </a:endParaRPr>
-          </a:p>
-          <a:p>
-            <a:pPr marL="0" indent="0" algn="l" latinLnBrk="0" hangingPunct="1">
-              <a:buFontTx/>
-              <a:buNone/>
-            </a:pPr>
-            <a:r>
-              <a:rPr lang="ko-KR" sz="1800">
-                <a:latin typeface="맑은 고딕" charset="0"/>
-                <a:ea typeface="맑은 고딕" charset="0"/>
-              </a:rPr>
-              <a:t>하지만, </a:t>
-            </a:r>
-            <a:r>
-              <a:rPr lang="ko-KR" sz="1800">
-                <a:latin typeface="맑은 고딕" charset="0"/>
-                <a:ea typeface="맑은 고딕" charset="0"/>
-              </a:rPr>
-              <a:t>광선</a:t>
-            </a:r>
-            <a:r>
-              <a:rPr lang="ko-KR" sz="1800">
-                <a:latin typeface="맑은 고딕" charset="0"/>
-                <a:ea typeface="맑은 고딕" charset="0"/>
-              </a:rPr>
-              <a:t>이</a:t>
-            </a:r>
-            <a:r>
-              <a:rPr lang="ko-KR" sz="1800">
-                <a:latin typeface="맑은 고딕" charset="0"/>
-                <a:ea typeface="맑은 고딕" charset="0"/>
-              </a:rPr>
-              <a:t> </a:t>
-            </a:r>
-            <a:r>
-              <a:rPr lang="ko-KR" sz="1800">
-                <a:latin typeface="맑은 고딕" charset="0"/>
-                <a:ea typeface="맑은 고딕" charset="0"/>
-              </a:rPr>
-              <a:t>오브젝트를 감지하려면 오브젝트는 콜라이더 컴포넌트를 가지고 있어야 합니다.</a:t>
-            </a:r>
-            <a:endParaRPr lang="ko-KR" altLang="en-US" sz="1800">
-              <a:latin typeface="맑은 고딕" charset="0"/>
-              <a:ea typeface="맑은 고딕" charset="0"/>
-            </a:endParaRPr>
-          </a:p>
         </p:txBody>
       </p:sp>
       <p:pic>
         <p:nvPicPr>
-          <p:cNvPr id="1127" name="그림 72" descr="C:/Users/Admin1/AppData/Roaming/PolarisOffice/ETemp/19216_9281256/fImage200481306827.png"/>
+          <p:cNvPr id="1129" name="그림 49"/>
           <p:cNvPicPr>
             <a:picLocks noChangeAspect="1"/>
           </p:cNvPicPr>
           <p:nvPr/>
         </p:nvPicPr>
         <p:blipFill rotWithShape="1">
-          <a:blip r:embed="rId11" cstate="hqprint">
+          <a:blip r:embed="rId13" cstate="hqprint">
             <a:extLst>
               <a:ext uri="{28A0092B-C50C-407E-A947-70E740481C1C}">
                 <a14:useLocalDpi xmlns:a14="http://schemas.microsoft.com/office/drawing/2010/main"/>
@@ -9451,8 +11913,8 @@
         </p:blipFill>
         <p:spPr>
           <a:xfrm rot="0">
-            <a:off x="1236980" y="3571875"/>
-            <a:ext cx="4151630" cy="1505585"/>
+            <a:off x="1337310" y="1395730"/>
+            <a:ext cx="4035425" cy="3072130"/>
           </a:xfrm>
           <a:prstGeom prst="roundRect"/>
           <a:solidFill>
@@ -9462,7 +11924,7 @@
       </p:pic>
       <p:sp>
         <p:nvSpPr>
-          <p:cNvPr id="1128" name="텍스트 상자 2"/>
+          <p:cNvPr id="1130" name="텍스트 상자 50"/>
           <p:cNvSpPr txBox="1">
             <a:spLocks/>
           </p:cNvSpPr>
@@ -9470,140 +11932,28 @@
         </p:nvSpPr>
         <p:spPr>
           <a:xfrm rot="0">
-            <a:off x="4289425" y="355600"/>
-            <a:ext cx="3615690" cy="554990"/>
+            <a:off x="1354455" y="4596765"/>
+            <a:ext cx="4043680" cy="1722120"/>
           </a:xfrm>
           <a:prstGeom prst="rect"/>
           <a:noFill/>
-          <a:ln w="0">
-            <a:noFill/>
-            <a:prstDash/>
-          </a:ln>
-        </p:spPr>
-        <p:txBody>
-          <a:bodyPr wrap="square" lIns="89535" tIns="46355" rIns="89535" bIns="46355" numCol="1" vert="horz" anchor="t">
-            <a:spAutoFit/>
+        </p:spPr>
+        <p:txBody>
+          <a:bodyPr wrap="square" lIns="0" tIns="0" rIns="0" bIns="0" numCol="1" vert="horz" anchor="t">
+            <a:noAutofit/>
           </a:bodyPr>
           <a:lstStyle/>
           <a:p>
-            <a:pPr marL="0" indent="0" algn="l" latinLnBrk="0">
-              <a:buFontTx/>
-              <a:buNone/>
-            </a:pPr>
-            <a:r>
-              <a:rPr lang="ko-KR" altLang="en-US" sz="3000" b="1">
-                <a:solidFill>
-                  <a:schemeClr val="tx1"/>
-                </a:solidFill>
-                <a:latin typeface="맑은 고딕" charset="0"/>
-                <a:ea typeface="맑은 고딕" charset="0"/>
-              </a:rPr>
-              <a:t>다섯 번째 튜토리얼</a:t>
-            </a:r>
-            <a:endParaRPr lang="ko-KR" altLang="en-US" sz="3000" b="1">
-              <a:solidFill>
-                <a:schemeClr val="tx1"/>
-              </a:solidFill>
-              <a:latin typeface="맑은 고딕" charset="0"/>
-              <a:ea typeface="맑은 고딕" charset="0"/>
-            </a:endParaRPr>
-          </a:p>
-        </p:txBody>
-      </p:sp>
-      <p:sp>
-        <p:nvSpPr>
-          <p:cNvPr id="1129" name="텍스트 상자 62"/>
-          <p:cNvSpPr txBox="1">
-            <a:spLocks/>
-          </p:cNvSpPr>
-          <p:nvPr/>
-        </p:nvSpPr>
-        <p:spPr>
-          <a:xfrm rot="0">
-            <a:off x="6805930" y="3588385"/>
-            <a:ext cx="4374515" cy="2615565"/>
-          </a:xfrm>
-          <a:prstGeom prst="rect"/>
-          <a:noFill/>
-          <a:ln w="0">
-            <a:noFill/>
-            <a:prstDash/>
-          </a:ln>
-        </p:spPr>
-        <p:txBody>
-          <a:bodyPr wrap="square" lIns="89535" tIns="46355" rIns="89535" bIns="46355" numCol="1" vert="horz" anchor="t">
-            <a:spAutoFit/>
-          </a:bodyPr>
-          <a:lstStyle/>
-          <a:p>
             <a:pPr marL="0" indent="0" algn="l" latinLnBrk="0" hangingPunct="1">
               <a:buFontTx/>
               <a:buNone/>
             </a:pPr>
             <a:r>
-              <a:rPr lang="ko-KR" sz="2000" b="1">
-                <a:solidFill>
-                  <a:srgbClr val="0611F2"/>
-                </a:solidFill>
-                <a:latin typeface="맑은 고딕" charset="0"/>
-                <a:ea typeface="맑은 고딕" charset="0"/>
-              </a:rPr>
-              <a:t>1</a:t>
-            </a:r>
-            <a:r>
-              <a:rPr lang="ko-KR" sz="2000" b="1">
-                <a:solidFill>
-                  <a:srgbClr val="0611F2"/>
-                </a:solidFill>
-                <a:latin typeface="맑은 고딕" charset="0"/>
-                <a:ea typeface="맑은 고딕" charset="0"/>
-              </a:rPr>
-              <a:t>3</a:t>
-            </a:r>
-            <a:r>
-              <a:rPr lang="ko-KR" sz="2000" b="1">
-                <a:solidFill>
-                  <a:srgbClr val="0611F2"/>
-                </a:solidFill>
-                <a:latin typeface="맑은 고딕" charset="0"/>
-                <a:ea typeface="맑은 고딕" charset="0"/>
-              </a:rPr>
-              <a:t>. </a:t>
-            </a:r>
-            <a:r>
               <a:rPr lang="ko-KR" sz="1800">
                 <a:latin typeface="맑은 고딕" charset="0"/>
                 <a:ea typeface="맑은 고딕" charset="0"/>
               </a:rPr>
-              <a:t>마지막으로 P</a:t>
-            </a:r>
-            <a:r>
-              <a:rPr lang="ko-KR" sz="1800">
-                <a:latin typeface="맑은 고딕" charset="0"/>
-                <a:ea typeface="맑은 고딕" charset="0"/>
-              </a:rPr>
-              <a:t>icking 스크립트에서 왼쪽 버튼을 클릭했을 때 카메라에서 광선</a:t>
-            </a:r>
-            <a:r>
-              <a:rPr lang="ko-KR" sz="1800">
-                <a:latin typeface="맑은 고딕" charset="0"/>
-                <a:ea typeface="맑은 고딕" charset="0"/>
-              </a:rPr>
-              <a:t>이</a:t>
-            </a:r>
-            <a:r>
-              <a:rPr lang="ko-KR" sz="1800">
-                <a:latin typeface="맑은 고딕" charset="0"/>
-                <a:ea typeface="맑은 고딕" charset="0"/>
-              </a:rPr>
-              <a:t> 발사</a:t>
-            </a:r>
-            <a:r>
-              <a:rPr lang="ko-KR" sz="1800">
-                <a:latin typeface="맑은 고딕" charset="0"/>
-                <a:ea typeface="맑은 고딕" charset="0"/>
-              </a:rPr>
-              <a:t>되도록 설정합니다.</a:t>
+              <a:t>LayerMask는 특정한 Layer만 검출하여 충돌하도록 설정할 수 있습니다.</a:t>
             </a:r>
             <a:endParaRPr lang="ko-KR" altLang="en-US" sz="1800">
               <a:latin typeface="맑은 고딕" charset="0"/>
@@ -9630,87 +11980,25 @@
                 <a:latin typeface="맑은 고딕" charset="0"/>
                 <a:ea typeface="맑은 고딕" charset="0"/>
               </a:rPr>
-              <a:t>그다음 </a:t>
-            </a:r>
-            <a:r>
-              <a:rPr lang="ko-KR" sz="1800">
-                <a:latin typeface="맑은 고딕" charset="0"/>
-                <a:ea typeface="맑은 고딕" charset="0"/>
-              </a:rPr>
-              <a:t>마우스를 클릭했을 때 </a:t>
-            </a:r>
-            <a:r>
-              <a:rPr lang="ko-KR" sz="1800">
-                <a:latin typeface="맑은 고딕" charset="0"/>
-                <a:ea typeface="맑은 고딕" charset="0"/>
-              </a:rPr>
-              <a:t>스크린 </a:t>
-            </a:r>
-            <a:r>
-              <a:rPr lang="ko-KR" sz="1800">
-                <a:latin typeface="맑은 고딕" charset="0"/>
-                <a:ea typeface="맑은 고딕" charset="0"/>
-              </a:rPr>
-              <a:t>좌표를 월드 공간</a:t>
-            </a:r>
-            <a:r>
-              <a:rPr lang="ko-KR" sz="1800">
-                <a:latin typeface="맑은 고딕" charset="0"/>
-                <a:ea typeface="맑은 고딕" charset="0"/>
-              </a:rPr>
-              <a:t>의</a:t>
-            </a:r>
-            <a:r>
-              <a:rPr lang="ko-KR" sz="1800">
-                <a:latin typeface="맑은 고딕" charset="0"/>
-                <a:ea typeface="맑은 고딕" charset="0"/>
-              </a:rPr>
-              <a:t> 좌표로 변환합니다.</a:t>
+              <a:t>LayerMask의 경우 32 bit의 int 형으로 bit로 각각의 레이어를 구분하여 사용합니다.</a:t>
             </a:r>
             <a:endParaRPr lang="ko-KR" altLang="en-US" sz="1800">
               <a:latin typeface="맑은 고딕" charset="0"/>
               <a:ea typeface="맑은 고딕" charset="0"/>
             </a:endParaRPr>
           </a:p>
-          <a:p>
-            <a:pPr marL="0" indent="0" algn="l" latinLnBrk="0" hangingPunct="1">
-              <a:buFontTx/>
-              <a:buNone/>
-            </a:pPr>
-            <a:endParaRPr lang="ko-KR" altLang="en-US" sz="1800">
-              <a:latin typeface="맑은 고딕" charset="0"/>
-              <a:ea typeface="맑은 고딕" charset="0"/>
-            </a:endParaRPr>
-          </a:p>
-          <a:p>
-            <a:pPr marL="0" indent="0" algn="l" latinLnBrk="0" hangingPunct="1">
-              <a:buFontTx/>
-              <a:buNone/>
-            </a:pPr>
-            <a:r>
-              <a:rPr lang="ko-KR" sz="1800">
-                <a:latin typeface="맑은 고딕" charset="0"/>
-                <a:ea typeface="맑은 고딕" charset="0"/>
-              </a:rPr>
-              <a:t>그리고 광선과 충돌한 물체는 머티리얼이 바뀌도록 설정합니다.</a:t>
-            </a:r>
-            <a:endParaRPr lang="ko-KR" altLang="en-US" sz="1800">
-              <a:latin typeface="맑은 고딕" charset="0"/>
-              <a:ea typeface="맑은 고딕" charset="0"/>
-            </a:endParaRPr>
-          </a:p>
         </p:txBody>
       </p:sp>
       <p:pic>
         <p:nvPicPr>
-          <p:cNvPr id="1130" name="그림 63" descr="C:/Users/Admin1/AppData/Roaming/PolarisOffice/ETemp/19216_9281256/fImage177581634464.png"/>
+          <p:cNvPr id="1131" name="그림 52"/>
           <p:cNvPicPr>
             <a:picLocks noChangeAspect="1"/>
           </p:cNvPicPr>
           <p:nvPr/>
         </p:nvPicPr>
         <p:blipFill rotWithShape="1">
-          <a:blip r:embed="rId12" cstate="print">
+          <a:blip r:embed="rId14" cstate="print">
             <a:extLst>
               <a:ext uri="{28A0092B-C50C-407E-A947-70E740481C1C}">
                 <a14:useLocalDpi xmlns:a14="http://schemas.microsoft.com/office/drawing/2010/main" val="0"/>
@@ -9723,13 +12011,228 @@
         </p:blipFill>
         <p:spPr>
           <a:xfrm rot="0">
-            <a:off x="6806565" y="1392555"/>
-            <a:ext cx="4385945" cy="2119630"/>
+            <a:off x="8458200" y="1400175"/>
+            <a:ext cx="2467610" cy="1296035"/>
+          </a:xfrm>
+          <a:prstGeom prst="roundRect"/>
+          <a:solidFill>
+            <a:srgbClr val="EDEDED"/>
+          </a:solidFill>
+        </p:spPr>
+      </p:pic>
+      <p:sp>
+        <p:nvSpPr>
+          <p:cNvPr id="1132" name="텍스트 상자 55"/>
+          <p:cNvSpPr txBox="1">
+            <a:spLocks/>
+          </p:cNvSpPr>
+          <p:nvPr/>
+        </p:nvSpPr>
+        <p:spPr>
+          <a:xfrm rot="0">
+            <a:off x="6842760" y="2837815"/>
+            <a:ext cx="4079875" cy="687070"/>
           </a:xfrm>
           <a:prstGeom prst="rect"/>
           <a:noFill/>
         </p:spPr>
+        <p:txBody>
+          <a:bodyPr wrap="square" lIns="0" tIns="0" rIns="0" bIns="0" numCol="1" vert="horz" anchor="t">
+            <a:noAutofit/>
+          </a:bodyPr>
+          <a:lstStyle/>
+          <a:p>
+            <a:pPr marL="0" indent="0" algn="l" latinLnBrk="0" hangingPunct="1">
+              <a:buFontTx/>
+              <a:buNone/>
+            </a:pPr>
+            <a:r>
+              <a:rPr lang="ko-KR" sz="2000" b="1">
+                <a:solidFill>
+                  <a:srgbClr val="0611F2"/>
+                </a:solidFill>
+                <a:latin typeface="맑은 고딕" charset="0"/>
+                <a:ea typeface="맑은 고딕" charset="0"/>
+              </a:rPr>
+              <a:t>9</a:t>
+            </a:r>
+            <a:r>
+              <a:rPr lang="ko-KR" sz="2000" b="1">
+                <a:solidFill>
+                  <a:srgbClr val="0611F2"/>
+                </a:solidFill>
+                <a:latin typeface="맑은 고딕" charset="0"/>
+                <a:ea typeface="맑은 고딕" charset="0"/>
+              </a:rPr>
+              <a:t>. </a:t>
+            </a:r>
+            <a:r>
+              <a:rPr lang="ko-KR" sz="1800">
+                <a:latin typeface="맑은 고딕" charset="0"/>
+                <a:ea typeface="맑은 고딕" charset="0"/>
+              </a:rPr>
+              <a:t>그런 다음 Penguin 오브젝트에 Mesh Collider 컴포넌트를 추가합니다.</a:t>
+            </a:r>
+            <a:endParaRPr lang="ko-KR" altLang="en-US" sz="1800">
+              <a:latin typeface="맑은 고딕" charset="0"/>
+              <a:ea typeface="맑은 고딕" charset="0"/>
+            </a:endParaRPr>
+          </a:p>
+        </p:txBody>
+      </p:sp>
+      <p:pic>
+        <p:nvPicPr>
+          <p:cNvPr id="1133" name="그림 56"/>
+          <p:cNvPicPr>
+            <a:picLocks noChangeAspect="1"/>
+          </p:cNvPicPr>
+          <p:nvPr/>
+        </p:nvPicPr>
+        <p:blipFill rotWithShape="1">
+          <a:blip r:embed="rId15" cstate="print">
+            <a:extLst>
+              <a:ext uri="{28A0092B-C50C-407E-A947-70E740481C1C}">
+                <a14:useLocalDpi xmlns:a14="http://schemas.microsoft.com/office/drawing/2010/main" val="0"/>
+              </a:ext>
+            </a:extLst>
+          </a:blip>
+          <a:stretch>
+            <a:fillRect/>
+          </a:stretch>
+        </p:blipFill>
+        <p:spPr>
+          <a:xfrm rot="0">
+            <a:off x="6838950" y="1381125"/>
+            <a:ext cx="1481455" cy="1317625"/>
+          </a:xfrm>
+          <a:prstGeom prst="roundRect"/>
+          <a:solidFill>
+            <a:srgbClr val="EDEDED"/>
+          </a:solidFill>
+        </p:spPr>
       </p:pic>
+      <p:pic>
+        <p:nvPicPr>
+          <p:cNvPr id="1134" name="그림 57"/>
+          <p:cNvPicPr>
+            <a:picLocks noChangeAspect="1"/>
+          </p:cNvPicPr>
+          <p:nvPr/>
+        </p:nvPicPr>
+        <p:blipFill rotWithShape="1">
+          <a:blip r:embed="rId16" cstate="print">
+            <a:extLst>
+              <a:ext uri="{28A0092B-C50C-407E-A947-70E740481C1C}">
+                <a14:useLocalDpi xmlns:a14="http://schemas.microsoft.com/office/drawing/2010/main" val="0"/>
+              </a:ext>
+            </a:extLst>
+          </a:blip>
+          <a:stretch>
+            <a:fillRect/>
+          </a:stretch>
+        </p:blipFill>
+        <p:spPr>
+          <a:xfrm rot="0">
+            <a:off x="8467725" y="3652520"/>
+            <a:ext cx="2462530" cy="1272540"/>
+          </a:xfrm>
+          <a:prstGeom prst="roundRect"/>
+          <a:solidFill>
+            <a:srgbClr val="EDEDED"/>
+          </a:solidFill>
+        </p:spPr>
+      </p:pic>
+      <p:pic>
+        <p:nvPicPr>
+          <p:cNvPr id="1135" name="그림 60"/>
+          <p:cNvPicPr>
+            <a:picLocks noChangeAspect="1"/>
+          </p:cNvPicPr>
+          <p:nvPr/>
+        </p:nvPicPr>
+        <p:blipFill rotWithShape="1">
+          <a:blip r:embed="rId17" cstate="print">
+            <a:extLst>
+              <a:ext uri="{28A0092B-C50C-407E-A947-70E740481C1C}">
+                <a14:useLocalDpi xmlns:a14="http://schemas.microsoft.com/office/drawing/2010/main" val="0"/>
+              </a:ext>
+            </a:extLst>
+          </a:blip>
+          <a:stretch>
+            <a:fillRect/>
+          </a:stretch>
+        </p:blipFill>
+        <p:spPr>
+          <a:xfrm rot="0">
+            <a:off x="6838950" y="3638550"/>
+            <a:ext cx="1486535" cy="1282700"/>
+          </a:xfrm>
+          <a:prstGeom prst="roundRect"/>
+          <a:solidFill>
+            <a:srgbClr val="EDEDED"/>
+          </a:solidFill>
+        </p:spPr>
+      </p:pic>
+      <p:sp>
+        <p:nvSpPr>
+          <p:cNvPr id="1136" name="텍스트 상자 63"/>
+          <p:cNvSpPr txBox="1">
+            <a:spLocks/>
+          </p:cNvSpPr>
+          <p:nvPr/>
+        </p:nvSpPr>
+        <p:spPr>
+          <a:xfrm rot="0">
+            <a:off x="6847840" y="5090160"/>
+            <a:ext cx="4087495" cy="1234440"/>
+          </a:xfrm>
+          <a:prstGeom prst="rect"/>
+          <a:noFill/>
+        </p:spPr>
+        <p:txBody>
+          <a:bodyPr wrap="square" lIns="0" tIns="0" rIns="0" bIns="0" numCol="1" vert="horz" anchor="t">
+            <a:noAutofit/>
+          </a:bodyPr>
+          <a:lstStyle/>
+          <a:p>
+            <a:pPr marL="0" indent="0" algn="l" latinLnBrk="0" hangingPunct="1">
+              <a:buFontTx/>
+              <a:buNone/>
+            </a:pPr>
+            <a:r>
+              <a:rPr lang="ko-KR" sz="2000" b="1">
+                <a:solidFill>
+                  <a:srgbClr val="0611F2"/>
+                </a:solidFill>
+                <a:latin typeface="맑은 고딕" charset="0"/>
+                <a:ea typeface="맑은 고딕" charset="0"/>
+              </a:rPr>
+              <a:t>10</a:t>
+            </a:r>
+            <a:r>
+              <a:rPr lang="ko-KR" sz="2000" b="1">
+                <a:solidFill>
+                  <a:srgbClr val="0611F2"/>
+                </a:solidFill>
+                <a:latin typeface="맑은 고딕" charset="0"/>
+                <a:ea typeface="맑은 고딕" charset="0"/>
+              </a:rPr>
+              <a:t>. </a:t>
+            </a:r>
+            <a:r>
+              <a:rPr lang="ko-KR" sz="1800">
+                <a:latin typeface="맑은 고딕" charset="0"/>
+                <a:ea typeface="맑은 고딕" charset="0"/>
+              </a:rPr>
+              <a:t>그리고 Project 폴더에 있는 Model 폴더에 Candy Cane 오브젝트를 Penguin 오브젝트의 하위 오브젝트로 넣어줍니다.</a:t>
+            </a:r>
+            <a:endParaRPr lang="ko-KR" altLang="en-US" sz="1800">
+              <a:latin typeface="맑은 고딕" charset="0"/>
+              <a:ea typeface="맑은 고딕" charset="0"/>
+            </a:endParaRPr>
+          </a:p>
+        </p:txBody>
+      </p:sp>
     </p:spTree>
   </p:cSld>
   <p:clrMapOvr>
@@ -9822,7 +12325,7 @@
       </p:sp>
       <p:sp>
         <p:nvSpPr>
-          <p:cNvPr id="1101" name="Rect 0"/>
+          <p:cNvPr id="1123" name="텍스트 상자 57"/>
           <p:cNvSpPr txBox="1">
             <a:spLocks/>
           </p:cNvSpPr>
@@ -9830,8 +12333,8 @@
         </p:nvSpPr>
         <p:spPr>
           <a:xfrm rot="0">
-            <a:off x="984250" y="1379220"/>
-            <a:ext cx="4523105" cy="925195"/>
+            <a:off x="6788785" y="5006975"/>
+            <a:ext cx="4187825" cy="1231265"/>
           </a:xfrm>
           <a:prstGeom prst="rect"/>
           <a:noFill/>
@@ -9851,11 +12354,90 @@
               <a:buNone/>
             </a:pPr>
             <a:r>
+              <a:rPr lang="ko-KR" sz="2000" b="1">
+                <a:solidFill>
+                  <a:srgbClr val="0611F2"/>
+                </a:solidFill>
+                <a:latin typeface="맑은 고딕" charset="0"/>
+                <a:ea typeface="맑은 고딕" charset="0"/>
+              </a:rPr>
+              <a:t>1</a:t>
+            </a:r>
+            <a:r>
+              <a:rPr lang="ko-KR" sz="2000" b="1">
+                <a:solidFill>
+                  <a:srgbClr val="0611F2"/>
+                </a:solidFill>
+                <a:latin typeface="맑은 고딕" charset="0"/>
+                <a:ea typeface="맑은 고딕" charset="0"/>
+              </a:rPr>
+              <a:t>3</a:t>
+            </a:r>
+            <a:r>
+              <a:rPr lang="ko-KR" sz="2000" b="1">
+                <a:solidFill>
+                  <a:srgbClr val="0611F2"/>
+                </a:solidFill>
+                <a:latin typeface="맑은 고딕" charset="0"/>
+                <a:ea typeface="맑은 고딕" charset="0"/>
+              </a:rPr>
+              <a:t>. </a:t>
+            </a:r>
+            <a:r>
               <a:rPr lang="ko-KR" sz="1800">
                 <a:latin typeface="맑은 고딕" charset="0"/>
                 <a:ea typeface="맑은 고딕" charset="0"/>
               </a:rPr>
-              <a:t>ScreenPointToRay( ) 함수는 스크린 공간의 좌표를 월드 공간의 좌표로 변환하여 시작점으로 설정하는 함수입니다. </a:t>
+              <a:t>그런 다음</a:t>
+            </a:r>
+            <a:r>
+              <a:rPr lang="ko-KR" sz="1800">
+                <a:latin typeface="맑은 고딕" charset="0"/>
+                <a:ea typeface="맑은 고딕" charset="0"/>
+              </a:rPr>
+              <a:t> UI에서 Image를 </a:t>
+            </a:r>
+            <a:r>
+              <a:rPr lang="ko-KR" sz="1800">
+                <a:latin typeface="맑은 고딕" charset="0"/>
+                <a:ea typeface="맑은 고딕" charset="0"/>
+              </a:rPr>
+              <a:t>2개 </a:t>
+            </a:r>
+            <a:r>
+              <a:rPr lang="ko-KR" sz="1800">
+                <a:latin typeface="맑은 고딕" charset="0"/>
+                <a:ea typeface="맑은 고딕" charset="0"/>
+              </a:rPr>
+              <a:t>생성한 다음 </a:t>
+            </a:r>
+            <a:r>
+              <a:rPr lang="ko-KR" sz="1800">
+                <a:latin typeface="맑은 고딕" charset="0"/>
+                <a:ea typeface="맑은 고딕" charset="0"/>
+              </a:rPr>
+              <a:t>Santa Hat Boader</a:t>
+            </a:r>
+            <a:r>
+              <a:rPr lang="ko-KR" sz="1800">
+                <a:latin typeface="맑은 고딕" charset="0"/>
+                <a:ea typeface="맑은 고딕" charset="0"/>
+              </a:rPr>
+              <a:t>라는 이름</a:t>
+            </a:r>
+            <a:r>
+              <a:rPr lang="ko-KR" sz="1800">
+                <a:latin typeface="맑은 고딕" charset="0"/>
+                <a:ea typeface="맑은 고딕" charset="0"/>
+              </a:rPr>
+              <a:t>과 Santa Stcik Boader라는 이름으로</a:t>
+            </a:r>
+            <a:r>
+              <a:rPr lang="ko-KR" sz="1800">
+                <a:latin typeface="맑은 고딕" charset="0"/>
+                <a:ea typeface="맑은 고딕" charset="0"/>
+              </a:rPr>
+              <a:t> 정의합니다.</a:t>
             </a:r>
             <a:endParaRPr lang="ko-KR" altLang="en-US" sz="1800">
               <a:latin typeface="맑은 고딕" charset="0"/>
@@ -9864,165 +12446,9 @@
           </a:p>
         </p:txBody>
       </p:sp>
-      <p:sp>
-        <p:nvSpPr>
-          <p:cNvPr id="1115" name="Rect 0"/>
-          <p:cNvSpPr txBox="1">
-            <a:spLocks/>
-          </p:cNvSpPr>
-          <p:nvPr/>
-        </p:nvSpPr>
-        <p:spPr>
-          <a:xfrm rot="0">
-            <a:off x="981710" y="5578475"/>
-            <a:ext cx="4526280" cy="648970"/>
-          </a:xfrm>
-          <a:prstGeom prst="rect"/>
-          <a:noFill/>
-          <a:ln w="0">
-            <a:noFill/>
-            <a:prstDash/>
-          </a:ln>
-        </p:spPr>
-        <p:txBody>
-          <a:bodyPr wrap="square" lIns="89535" tIns="46355" rIns="89535" bIns="46355" numCol="1" vert="horz" anchor="t">
-            <a:spAutoFit/>
-          </a:bodyPr>
-          <a:lstStyle/>
-          <a:p>
-            <a:pPr marL="0" indent="0" algn="l" latinLnBrk="0" hangingPunct="1">
-              <a:buFontTx/>
-              <a:buNone/>
-            </a:pPr>
-            <a:r>
-              <a:rPr lang="ko-KR" sz="1800">
-                <a:latin typeface="맑은 고딕" charset="0"/>
-                <a:ea typeface="맑은 고딕" charset="0"/>
-              </a:rPr>
-              <a:t>방향은 카메라가 비추는 방향으로 설정된 광선 객체를 반환합니다.</a:t>
-            </a:r>
-            <a:endParaRPr lang="ko-KR" altLang="en-US" sz="1800">
-              <a:latin typeface="맑은 고딕" charset="0"/>
-              <a:ea typeface="맑은 고딕" charset="0"/>
-            </a:endParaRPr>
-          </a:p>
-        </p:txBody>
-      </p:sp>
       <p:pic>
         <p:nvPicPr>
-          <p:cNvPr id="1122" name="그림 1" descr="C:/Users/Admin1/AppData/Roaming/PolarisOffice/ETemp/19216_9281256/fImage2496610141.png"/>
-          <p:cNvPicPr>
-            <a:picLocks noChangeAspect="1"/>
-          </p:cNvPicPr>
-          <p:nvPr/>
-        </p:nvPicPr>
-        <p:blipFill rotWithShape="1">
-          <a:blip r:embed="rId8" cstate="hqprint">
-            <a:extLst>
-              <a:ext uri="{28A0092B-C50C-407E-A947-70E740481C1C}">
-                <a14:useLocalDpi xmlns:a14="http://schemas.microsoft.com/office/drawing/2010/main"/>
-              </a:ext>
-            </a:extLst>
-          </a:blip>
-          <a:stretch>
-            <a:fillRect/>
-          </a:stretch>
-        </p:blipFill>
-        <p:spPr>
-          <a:xfrm rot="0">
-            <a:off x="981075" y="2473325"/>
-            <a:ext cx="4526280" cy="2924175"/>
-          </a:xfrm>
-          <a:prstGeom prst="roundRect"/>
-          <a:solidFill>
-            <a:srgbClr val="EDEDED"/>
-          </a:solidFill>
-        </p:spPr>
-      </p:pic>
-      <p:sp>
-        <p:nvSpPr>
-          <p:cNvPr id="1123" name="텍스트 상자 57"/>
-          <p:cNvSpPr txBox="1">
-            <a:spLocks/>
-          </p:cNvSpPr>
-          <p:nvPr/>
-        </p:nvSpPr>
-        <p:spPr>
-          <a:xfrm rot="0">
-            <a:off x="6779895" y="5551805"/>
-            <a:ext cx="4187190" cy="677545"/>
-          </a:xfrm>
-          <a:prstGeom prst="rect"/>
-          <a:noFill/>
-          <a:ln w="0">
-            <a:noFill/>
-            <a:prstDash/>
-          </a:ln>
-        </p:spPr>
-        <p:txBody>
-          <a:bodyPr wrap="square" lIns="89535" tIns="46355" rIns="89535" bIns="46355" numCol="1" vert="horz" anchor="t">
-            <a:spAutoFit/>
-          </a:bodyPr>
-          <a:lstStyle/>
-          <a:p>
-            <a:pPr marL="0" indent="0" algn="l" latinLnBrk="0" hangingPunct="1">
-              <a:buFontTx/>
-              <a:buNone/>
-            </a:pPr>
-            <a:r>
-              <a:rPr lang="ko-KR" sz="2000" b="1">
-                <a:solidFill>
-                  <a:srgbClr val="0611F2"/>
-                </a:solidFill>
-                <a:latin typeface="맑은 고딕" charset="0"/>
-                <a:ea typeface="맑은 고딕" charset="0"/>
-              </a:rPr>
-              <a:t>1</a:t>
-            </a:r>
-            <a:r>
-              <a:rPr lang="ko-KR" sz="2000" b="1">
-                <a:solidFill>
-                  <a:srgbClr val="0611F2"/>
-                </a:solidFill>
-                <a:latin typeface="맑은 고딕" charset="0"/>
-                <a:ea typeface="맑은 고딕" charset="0"/>
-              </a:rPr>
-              <a:t>4</a:t>
-            </a:r>
-            <a:r>
-              <a:rPr lang="ko-KR" sz="2000" b="1">
-                <a:solidFill>
-                  <a:srgbClr val="0611F2"/>
-                </a:solidFill>
-                <a:latin typeface="맑은 고딕" charset="0"/>
-                <a:ea typeface="맑은 고딕" charset="0"/>
-              </a:rPr>
-              <a:t>. </a:t>
-            </a:r>
-            <a:r>
-              <a:rPr lang="ko-KR" sz="1800">
-                <a:latin typeface="맑은 고딕" charset="0"/>
-                <a:ea typeface="맑은 고딕" charset="0"/>
-              </a:rPr>
-              <a:t>이제 UI에서 Image를 생성한 다음 Window라는 이름으로 정의합니다</a:t>
-            </a:r>
-            <a:r>
-              <a:rPr lang="ko-KR" sz="1800">
-                <a:latin typeface="맑은 고딕" charset="0"/>
-                <a:ea typeface="맑은 고딕" charset="0"/>
-              </a:rPr>
-              <a:t>.</a:t>
-            </a:r>
-            <a:endParaRPr lang="ko-KR" altLang="en-US" sz="1800">
-              <a:latin typeface="맑은 고딕" charset="0"/>
-              <a:ea typeface="맑은 고딕" charset="0"/>
-            </a:endParaRPr>
-          </a:p>
-        </p:txBody>
-      </p:sp>
-      <p:pic>
-        <p:nvPicPr>
-          <p:cNvPr id="1124" name="그림 68" descr="C:/Users/Admin1/AppData/Roaming/PolarisOffice/ETemp/19216_9281256/fImage185001695705.png"/>
+          <p:cNvPr id="1124" name="그림 68"/>
           <p:cNvPicPr>
             <a:picLocks noChangeAspect="1"/>
           </p:cNvPicPr>
@@ -10042,8 +12468,8 @@
         </p:blipFill>
         <p:spPr>
           <a:xfrm rot="0">
-            <a:off x="6793230" y="1377950"/>
-            <a:ext cx="2608580" cy="3976370"/>
+            <a:off x="6793230" y="1393825"/>
+            <a:ext cx="2609215" cy="3490595"/>
           </a:xfrm>
           <a:prstGeom prst="roundRect"/>
           <a:solidFill>
@@ -10053,14 +12479,14 @@
       </p:pic>
       <p:pic>
         <p:nvPicPr>
-          <p:cNvPr id="1125" name="그림 69" descr="C:/Users/Admin1/AppData/Roaming/PolarisOffice/ETemp/19216_9281256/fImage69871708145.png"/>
+          <p:cNvPr id="1125" name="그림 66"/>
           <p:cNvPicPr>
             <a:picLocks noChangeAspect="1"/>
           </p:cNvPicPr>
           <p:nvPr/>
         </p:nvPicPr>
         <p:blipFill rotWithShape="1">
-          <a:blip r:embed="rId12" cstate="print">
+          <a:blip r:embed="rId13" cstate="print">
             <a:extLst>
               <a:ext uri="{28A0092B-C50C-407E-A947-70E740481C1C}">
                 <a14:useLocalDpi xmlns:a14="http://schemas.microsoft.com/office/drawing/2010/main" val="0"/>
@@ -10073,8 +12499,221 @@
         </p:blipFill>
         <p:spPr>
           <a:xfrm rot="0">
-            <a:off x="9591040" y="1868170"/>
-            <a:ext cx="1381760" cy="2984500"/>
+            <a:off x="1316355" y="1381125"/>
+            <a:ext cx="4085590" cy="1243330"/>
+          </a:xfrm>
+          <a:prstGeom prst="roundRect"/>
+          <a:solidFill>
+            <a:srgbClr val="EDEDED"/>
+          </a:solidFill>
+        </p:spPr>
+      </p:pic>
+      <p:sp>
+        <p:nvSpPr>
+          <p:cNvPr id="1126" name="텍스트 상자 69"/>
+          <p:cNvSpPr txBox="1">
+            <a:spLocks/>
+          </p:cNvSpPr>
+          <p:nvPr/>
+        </p:nvSpPr>
+        <p:spPr>
+          <a:xfrm rot="0">
+            <a:off x="1312545" y="2728595"/>
+            <a:ext cx="4087495" cy="951865"/>
+          </a:xfrm>
+          <a:prstGeom prst="rect"/>
+          <a:noFill/>
+        </p:spPr>
+        <p:txBody>
+          <a:bodyPr wrap="square" lIns="0" tIns="0" rIns="0" bIns="0" numCol="1" vert="horz" anchor="t">
+            <a:noAutofit/>
+          </a:bodyPr>
+          <a:lstStyle/>
+          <a:p>
+            <a:pPr marL="0" indent="0" algn="l" latinLnBrk="0" hangingPunct="1">
+              <a:buFontTx/>
+              <a:buNone/>
+            </a:pPr>
+            <a:r>
+              <a:rPr lang="ko-KR" sz="2000" b="1">
+                <a:solidFill>
+                  <a:srgbClr val="0611F2"/>
+                </a:solidFill>
+                <a:latin typeface="맑은 고딕" charset="0"/>
+                <a:ea typeface="맑은 고딕" charset="0"/>
+              </a:rPr>
+              <a:t>11</a:t>
+            </a:r>
+            <a:r>
+              <a:rPr lang="ko-KR" sz="2000" b="1">
+                <a:solidFill>
+                  <a:srgbClr val="0611F2"/>
+                </a:solidFill>
+                <a:latin typeface="맑은 고딕" charset="0"/>
+                <a:ea typeface="맑은 고딕" charset="0"/>
+              </a:rPr>
+              <a:t>. </a:t>
+            </a:r>
+            <a:r>
+              <a:rPr lang="ko-KR" sz="1800">
+                <a:latin typeface="맑은 고딕" charset="0"/>
+                <a:ea typeface="맑은 고딕" charset="0"/>
+              </a:rPr>
+              <a:t>이제 Candy Cane 오브젝트의 위치와 회전 그리고 크기값을 설정합니다.</a:t>
+            </a:r>
+            <a:endParaRPr lang="ko-KR" altLang="en-US" sz="1800">
+              <a:latin typeface="맑은 고딕" charset="0"/>
+              <a:ea typeface="맑은 고딕" charset="0"/>
+            </a:endParaRPr>
+          </a:p>
+        </p:txBody>
+      </p:sp>
+      <p:pic>
+        <p:nvPicPr>
+          <p:cNvPr id="1127" name="그림 70"/>
+          <p:cNvPicPr>
+            <a:picLocks noChangeAspect="1"/>
+          </p:cNvPicPr>
+          <p:nvPr/>
+        </p:nvPicPr>
+        <p:blipFill rotWithShape="1">
+          <a:blip r:embed="rId14" cstate="print">
+            <a:extLst>
+              <a:ext uri="{28A0092B-C50C-407E-A947-70E740481C1C}">
+                <a14:useLocalDpi xmlns:a14="http://schemas.microsoft.com/office/drawing/2010/main" val="0"/>
+              </a:ext>
+            </a:extLst>
+          </a:blip>
+          <a:stretch>
+            <a:fillRect/>
+          </a:stretch>
+        </p:blipFill>
+        <p:spPr>
+          <a:xfrm rot="0">
+            <a:off x="1316355" y="3769995"/>
+            <a:ext cx="1419860" cy="1057275"/>
+          </a:xfrm>
+          <a:prstGeom prst="roundRect"/>
+          <a:solidFill>
+            <a:srgbClr val="EDEDED"/>
+          </a:solidFill>
+        </p:spPr>
+      </p:pic>
+      <p:pic>
+        <p:nvPicPr>
+          <p:cNvPr id="1128" name="그림 71"/>
+          <p:cNvPicPr>
+            <a:picLocks noChangeAspect="1"/>
+          </p:cNvPicPr>
+          <p:nvPr/>
+        </p:nvPicPr>
+        <p:blipFill rotWithShape="1">
+          <a:blip r:embed="rId15" cstate="print">
+            <a:extLst>
+              <a:ext uri="{28A0092B-C50C-407E-A947-70E740481C1C}">
+                <a14:useLocalDpi xmlns:a14="http://schemas.microsoft.com/office/drawing/2010/main" val="0"/>
+              </a:ext>
+            </a:extLst>
+          </a:blip>
+          <a:stretch>
+            <a:fillRect/>
+          </a:stretch>
+        </p:blipFill>
+        <p:spPr>
+          <a:xfrm rot="0">
+            <a:off x="2901315" y="3769995"/>
+            <a:ext cx="2502535" cy="1064895"/>
+          </a:xfrm>
+          <a:prstGeom prst="roundRect"/>
+          <a:solidFill>
+            <a:srgbClr val="EDEDED"/>
+          </a:solidFill>
+        </p:spPr>
+      </p:pic>
+      <p:sp>
+        <p:nvSpPr>
+          <p:cNvPr id="1129" name="텍스트 상자 76"/>
+          <p:cNvSpPr txBox="1">
+            <a:spLocks/>
+          </p:cNvSpPr>
+          <p:nvPr/>
+        </p:nvSpPr>
+        <p:spPr>
+          <a:xfrm rot="0">
+            <a:off x="1306195" y="4994910"/>
+            <a:ext cx="4087495" cy="1231900"/>
+          </a:xfrm>
+          <a:prstGeom prst="rect"/>
+          <a:noFill/>
+        </p:spPr>
+        <p:txBody>
+          <a:bodyPr wrap="square" lIns="0" tIns="0" rIns="0" bIns="0" numCol="1" vert="horz" anchor="t">
+            <a:noAutofit/>
+          </a:bodyPr>
+          <a:lstStyle/>
+          <a:p>
+            <a:pPr marL="0" indent="0" algn="l" latinLnBrk="0" hangingPunct="1">
+              <a:buFontTx/>
+              <a:buNone/>
+            </a:pPr>
+            <a:r>
+              <a:rPr lang="ko-KR" sz="2000" b="1">
+                <a:solidFill>
+                  <a:srgbClr val="0611F2"/>
+                </a:solidFill>
+                <a:latin typeface="맑은 고딕" charset="0"/>
+                <a:ea typeface="맑은 고딕" charset="0"/>
+              </a:rPr>
+              <a:t>12</a:t>
+            </a:r>
+            <a:r>
+              <a:rPr lang="ko-KR" sz="2000" b="1">
+                <a:solidFill>
+                  <a:srgbClr val="0611F2"/>
+                </a:solidFill>
+                <a:latin typeface="맑은 고딕" charset="0"/>
+                <a:ea typeface="맑은 고딕" charset="0"/>
+              </a:rPr>
+              <a:t>. </a:t>
+            </a:r>
+            <a:r>
+              <a:rPr lang="ko-KR" sz="1800">
+                <a:latin typeface="맑은 고딕" charset="0"/>
+                <a:ea typeface="맑은 고딕" charset="0"/>
+              </a:rPr>
+              <a:t>그다음 Project 폴더에 있는 Model 폴더에 Candy Hat 오브젝트를 Penguin 오브젝트의 하위 오브젝트로 넣어줍니다.</a:t>
+            </a:r>
+            <a:endParaRPr lang="ko-KR" altLang="en-US" sz="1800">
+              <a:latin typeface="맑은 고딕" charset="0"/>
+              <a:ea typeface="맑은 고딕" charset="0"/>
+            </a:endParaRPr>
+          </a:p>
+        </p:txBody>
+      </p:sp>
+      <p:pic>
+        <p:nvPicPr>
+          <p:cNvPr id="1130" name="그림 95"/>
+          <p:cNvPicPr>
+            <a:picLocks noChangeAspect="1"/>
+          </p:cNvPicPr>
+          <p:nvPr/>
+        </p:nvPicPr>
+        <p:blipFill rotWithShape="1">
+          <a:blip r:embed="rId16" cstate="print">
+            <a:extLst>
+              <a:ext uri="{28A0092B-C50C-407E-A947-70E740481C1C}">
+                <a14:useLocalDpi xmlns:a14="http://schemas.microsoft.com/office/drawing/2010/main" val="0"/>
+              </a:ext>
+            </a:extLst>
+          </a:blip>
+          <a:stretch>
+            <a:fillRect/>
+          </a:stretch>
+        </p:blipFill>
+        <p:spPr>
+          <a:xfrm rot="0">
+            <a:off x="9568815" y="1913890"/>
+            <a:ext cx="1409700" cy="2451100"/>
           </a:xfrm>
           <a:prstGeom prst="roundRect"/>
           <a:solidFill>
@@ -10184,7 +12823,7 @@
       </p:sp>
       <p:sp>
         <p:nvSpPr>
-          <p:cNvPr id="1141" name="텍스트 상자 37"/>
+          <p:cNvPr id="1033" name="텍스트 상자 84"/>
           <p:cNvSpPr txBox="1">
             <a:spLocks/>
           </p:cNvSpPr>
@@ -10192,8 +12831,8 @@
         </p:nvSpPr>
         <p:spPr>
           <a:xfrm rot="0">
-            <a:off x="6814820" y="2553335"/>
-            <a:ext cx="4083685" cy="949960"/>
+            <a:off x="1312545" y="2762885"/>
+            <a:ext cx="4087495" cy="951865"/>
           </a:xfrm>
           <a:prstGeom prst="rect"/>
           <a:noFill/>
@@ -10216,7 +12855,7 @@
                 <a:latin typeface="맑은 고딕" charset="0"/>
                 <a:ea typeface="맑은 고딕" charset="0"/>
               </a:rPr>
-              <a:t>1</a:t>
+              <a:t>14</a:t>
             </a:r>
             <a:r>
               <a:rPr lang="ko-KR" sz="2000" b="1">
@@ -10226,8 +12865,48 @@
                 <a:latin typeface="맑은 고딕" charset="0"/>
                 <a:ea typeface="맑은 고딕" charset="0"/>
               </a:rPr>
-              <a:t>5</a:t>
-            </a:r>
+              <a:t>. </a:t>
+            </a:r>
+            <a:r>
+              <a:rPr lang="ko-KR" sz="1800">
+                <a:latin typeface="맑은 고딕" charset="0"/>
+                <a:ea typeface="맑은 고딕" charset="0"/>
+              </a:rPr>
+              <a:t>그리고 Candy Hat 오브젝트의 위치와 회전 그리고 크기값을 설정합니다.</a:t>
+            </a:r>
+            <a:endParaRPr lang="ko-KR" altLang="en-US" sz="1800">
+              <a:latin typeface="맑은 고딕" charset="0"/>
+              <a:ea typeface="맑은 고딕" charset="0"/>
+            </a:endParaRPr>
+          </a:p>
+        </p:txBody>
+      </p:sp>
+      <p:sp>
+        <p:nvSpPr>
+          <p:cNvPr id="1036" name="텍스트 상자 87"/>
+          <p:cNvSpPr txBox="1">
+            <a:spLocks/>
+          </p:cNvSpPr>
+          <p:nvPr/>
+        </p:nvSpPr>
+        <p:spPr>
+          <a:xfrm rot="0">
+            <a:off x="1323975" y="5488305"/>
+            <a:ext cx="4087495" cy="712470"/>
+          </a:xfrm>
+          <a:prstGeom prst="rect"/>
+          <a:noFill/>
+        </p:spPr>
+        <p:txBody>
+          <a:bodyPr wrap="square" lIns="0" tIns="0" rIns="0" bIns="0" numCol="1" vert="horz" anchor="t">
+            <a:noAutofit/>
+          </a:bodyPr>
+          <a:lstStyle/>
+          <a:p>
+            <a:pPr marL="0" indent="0" algn="l" latinLnBrk="0" hangingPunct="1">
+              <a:buFontTx/>
+              <a:buNone/>
+            </a:pPr>
             <a:r>
               <a:rPr lang="ko-KR" sz="2000" b="1">
                 <a:solidFill>
@@ -10236,6 +12915,16 @@
                 <a:latin typeface="맑은 고딕" charset="0"/>
                 <a:ea typeface="맑은 고딕" charset="0"/>
               </a:rPr>
+              <a:t>15</a:t>
+            </a:r>
+            <a:r>
+              <a:rPr lang="ko-KR" sz="2000" b="1">
+                <a:solidFill>
+                  <a:srgbClr val="0611F2"/>
+                </a:solidFill>
+                <a:latin typeface="맑은 고딕" charset="0"/>
+                <a:ea typeface="맑은 고딕" charset="0"/>
+              </a:rPr>
               <a:t>. </a:t>
             </a:r>
             <a:r>
@@ -10243,137 +12932,25 @@
                 <a:latin typeface="맑은 고딕" charset="0"/>
                 <a:ea typeface="맑은 고딕" charset="0"/>
               </a:rPr>
-              <a:t>이제 광선과 충돌이 되면 Project 폴더에 있는 Resources 폴더에 Ice 머티리얼을 동적으로 불러옵니다.</a:t>
+              <a:t>이제 Santa Hat Boader의 크기와 위치 그리고 앵커를 설정합니다.</a:t>
             </a:r>
             <a:endParaRPr lang="ko-KR" altLang="en-US" sz="1800">
               <a:latin typeface="맑은 고딕" charset="0"/>
               <a:ea typeface="맑은 고딕" charset="0"/>
             </a:endParaRPr>
           </a:p>
-          <a:p>
-            <a:pPr marL="0" indent="0" algn="l" latinLnBrk="0" hangingPunct="1">
-              <a:buFontTx/>
-              <a:buNone/>
-            </a:pPr>
-            <a:endParaRPr lang="ko-KR" altLang="en-US" sz="1800">
-              <a:latin typeface="맑은 고딕" charset="0"/>
-              <a:ea typeface="맑은 고딕" charset="0"/>
-            </a:endParaRPr>
-          </a:p>
-        </p:txBody>
-      </p:sp>
-      <p:sp>
-        <p:nvSpPr>
-          <p:cNvPr id="1143" name="텍스트 상자 23"/>
-          <p:cNvSpPr txBox="1">
-            <a:spLocks/>
-          </p:cNvSpPr>
-          <p:nvPr/>
-        </p:nvSpPr>
-        <p:spPr>
-          <a:xfrm rot="0">
-            <a:off x="1322070" y="1201420"/>
-            <a:ext cx="4038600" cy="1200785"/>
-          </a:xfrm>
-          <a:prstGeom prst="rect"/>
-          <a:noFill/>
-          <a:ln w="0">
-            <a:noFill/>
-            <a:prstDash/>
-          </a:ln>
-        </p:spPr>
-        <p:txBody>
-          <a:bodyPr wrap="square" lIns="89535" tIns="46355" rIns="89535" bIns="46355" vert="horz" anchor="t">
-            <a:spAutoFit/>
-          </a:bodyPr>
-          <a:lstStyle/>
-          <a:p>
-            <a:pPr marL="0" indent="0" rtl="0" algn="l" defTabSz="914400" eaLnBrk="1" latinLnBrk="0" hangingPunct="1">
-              <a:buFontTx/>
-              <a:buNone/>
-            </a:pPr>
-            <a:r>
-              <a:rPr sz="1800">
-                <a:latin typeface="맑은 고딕" charset="0"/>
-                <a:ea typeface="맑은 고딕" charset="0"/>
-              </a:rPr>
-              <a:t>Resources.Load( )</a:t>
-            </a:r>
-            <a:r>
-              <a:rPr sz="1800">
-                <a:latin typeface="맑은 고딕" charset="0"/>
-                <a:ea typeface="맑은 고딕" charset="0"/>
-              </a:rPr>
-              <a:t> </a:t>
-            </a:r>
-            <a:r>
-              <a:rPr sz="1800">
-                <a:latin typeface="맑은 고딕" charset="0"/>
-                <a:ea typeface="맑은 고딕" charset="0"/>
-              </a:rPr>
-              <a:t>함수는 리소스 폴더 내부에 있는 여러 에셋 데이터들을 실행 시간에 불러오는 함수입니다.</a:t>
-            </a:r>
-            <a:endParaRPr lang="ko-KR" altLang="en-US" sz="1800">
-              <a:latin typeface="맑은 고딕" charset="0"/>
-              <a:ea typeface="맑은 고딕" charset="0"/>
-            </a:endParaRPr>
-          </a:p>
-        </p:txBody>
-      </p:sp>
-      <p:sp>
-        <p:nvSpPr>
-          <p:cNvPr id="1145" name="텍스트 상자 25"/>
-          <p:cNvSpPr txBox="1">
-            <a:spLocks/>
-          </p:cNvSpPr>
-          <p:nvPr/>
-        </p:nvSpPr>
-        <p:spPr>
-          <a:xfrm rot="0">
-            <a:off x="1327150" y="5292090"/>
-            <a:ext cx="4044315" cy="924560"/>
-          </a:xfrm>
-          <a:prstGeom prst="rect"/>
-          <a:noFill/>
-          <a:ln w="0">
-            <a:noFill/>
-            <a:prstDash/>
-          </a:ln>
-        </p:spPr>
-        <p:txBody>
-          <a:bodyPr wrap="square" lIns="89535" tIns="46355" rIns="89535" bIns="46355" numCol="1" vert="horz" anchor="t">
-            <a:spAutoFit/>
-          </a:bodyPr>
-          <a:lstStyle/>
-          <a:p>
-            <a:pPr marL="0" indent="0" rtl="0" algn="l" defTabSz="914400" eaLnBrk="1" latinLnBrk="0" hangingPunct="1">
-              <a:buFontTx/>
-              <a:buNone/>
-            </a:pPr>
-            <a:r>
-              <a:rPr sz="1800">
-                <a:latin typeface="맑은 고딕" charset="0"/>
-                <a:ea typeface="맑은 고딕" charset="0"/>
-              </a:rPr>
-              <a:t>Resources라는 특수 폴더에 에셋을 보관해야지만, 실행시간에 에셋을 불러올 수 있습니다.</a:t>
-            </a:r>
-            <a:endParaRPr lang="ko-KR" altLang="en-US" sz="1800">
-              <a:latin typeface="맑은 고딕" charset="0"/>
-              <a:ea typeface="맑은 고딕" charset="0"/>
-            </a:endParaRPr>
-          </a:p>
         </p:txBody>
       </p:sp>
       <p:pic>
         <p:nvPicPr>
-          <p:cNvPr id="1146" name="그림 26"/>
+          <p:cNvPr id="1037" name="그림 88"/>
           <p:cNvPicPr>
             <a:picLocks noChangeAspect="1"/>
           </p:cNvPicPr>
           <p:nvPr/>
         </p:nvPicPr>
         <p:blipFill rotWithShape="1">
-          <a:blip r:embed="rId6" cstate="print">
+          <a:blip r:embed="rId11" cstate="print">
             <a:extLst>
               <a:ext uri="{28A0092B-C50C-407E-A947-70E740481C1C}">
                 <a14:useLocalDpi xmlns:a14="http://schemas.microsoft.com/office/drawing/2010/main" val="0"/>
@@ -10386,83 +12963,25 @@
         </p:blipFill>
         <p:spPr>
           <a:xfrm rot="0">
-            <a:off x="3009900" y="3021965"/>
-            <a:ext cx="878840" cy="762635"/>
-          </a:xfrm>
-          <a:prstGeom prst="rect"/>
-          <a:noFill/>
+            <a:off x="1319530" y="1391285"/>
+            <a:ext cx="4093210" cy="1250315"/>
+          </a:xfrm>
+          <a:prstGeom prst="roundRect"/>
+          <a:solidFill>
+            <a:srgbClr val="EDEDED"/>
+          </a:solidFill>
         </p:spPr>
       </p:pic>
       <p:pic>
         <p:nvPicPr>
-          <p:cNvPr id="1148" name="그림 31" descr="C:/Users/Admin1/AppData/Roaming/PolarisOffice/ETemp/19216_9281256/fImage100442346334.png"/>
+          <p:cNvPr id="1038" name="그림 98"/>
           <p:cNvPicPr>
             <a:picLocks noChangeAspect="1"/>
           </p:cNvPicPr>
           <p:nvPr/>
         </p:nvPicPr>
         <p:blipFill rotWithShape="1">
-          <a:blip r:embed="rId7" cstate="hqprint">
-            <a:extLst>
-              <a:ext uri="{28A0092B-C50C-407E-A947-70E740481C1C}">
-                <a14:useLocalDpi xmlns:a14="http://schemas.microsoft.com/office/drawing/2010/main"/>
-              </a:ext>
-            </a:extLst>
-          </a:blip>
-          <a:stretch>
-            <a:fillRect/>
-          </a:stretch>
-        </p:blipFill>
-        <p:spPr>
-          <a:xfrm rot="0">
-            <a:off x="6804025" y="1209675"/>
-            <a:ext cx="4102735" cy="1096645"/>
-          </a:xfrm>
-          <a:prstGeom prst="roundRect"/>
-          <a:solidFill>
-            <a:srgbClr val="EDEDED"/>
-          </a:solidFill>
-        </p:spPr>
-      </p:pic>
-      <p:pic>
-        <p:nvPicPr>
-          <p:cNvPr id="1149" name="그림 34" descr="C:/Users/Admin1/AppData/Roaming/PolarisOffice/ETemp/19216_9281256/fImage2392992356500.png"/>
-          <p:cNvPicPr>
-            <a:picLocks noChangeAspect="1"/>
-          </p:cNvPicPr>
-          <p:nvPr/>
-        </p:nvPicPr>
-        <p:blipFill rotWithShape="1">
-          <a:blip r:embed="rId8" cstate="hqprint">
-            <a:extLst>
-              <a:ext uri="{28A0092B-C50C-407E-A947-70E740481C1C}">
-                <a14:useLocalDpi xmlns:a14="http://schemas.microsoft.com/office/drawing/2010/main"/>
-              </a:ext>
-            </a:extLst>
-          </a:blip>
-          <a:stretch>
-            <a:fillRect/>
-          </a:stretch>
-        </p:blipFill>
-        <p:spPr>
-          <a:xfrm rot="0">
-            <a:off x="1316355" y="2597785"/>
-            <a:ext cx="4044950" cy="2548890"/>
-          </a:xfrm>
-          <a:prstGeom prst="rect"/>
-          <a:noFill/>
-        </p:spPr>
-      </p:pic>
-      <p:pic>
-        <p:nvPicPr>
-          <p:cNvPr id="1150" name="그림 72" descr="C:/Users/Admin1/AppData/Roaming/PolarisOffice/ETemp/19216_9281256/fImage197191713281.png"/>
-          <p:cNvPicPr>
-            <a:picLocks noChangeAspect="1"/>
-          </p:cNvPicPr>
-          <p:nvPr/>
-        </p:nvPicPr>
-        <p:blipFill rotWithShape="1">
-          <a:blip r:embed="rId9" cstate="print">
+          <a:blip r:embed="rId12" cstate="print">
             <a:extLst>
               <a:ext uri="{28A0092B-C50C-407E-A947-70E740481C1C}">
                 <a14:useLocalDpi xmlns:a14="http://schemas.microsoft.com/office/drawing/2010/main" val="0"/>
@@ -10475,8 +12994,8 @@
         </p:blipFill>
         <p:spPr>
           <a:xfrm rot="0">
-            <a:off x="8103870" y="3649980"/>
-            <a:ext cx="2802890" cy="1427480"/>
+            <a:off x="1316355" y="3818890"/>
+            <a:ext cx="4087495" cy="1477010"/>
           </a:xfrm>
           <a:prstGeom prst="roundRect"/>
           <a:solidFill>
@@ -10486,14 +13005,14 @@
       </p:pic>
       <p:pic>
         <p:nvPicPr>
-          <p:cNvPr id="1151" name="그림 75" descr="C:/Users/Admin1/AppData/Roaming/PolarisOffice/ETemp/19216_9281256/fImage64001726827.png"/>
+          <p:cNvPr id="1039" name="그림 101"/>
           <p:cNvPicPr>
             <a:picLocks noChangeAspect="1"/>
           </p:cNvPicPr>
           <p:nvPr/>
         </p:nvPicPr>
         <p:blipFill rotWithShape="1">
-          <a:blip r:embed="rId10" cstate="print">
+          <a:blip r:embed="rId13" cstate="print">
             <a:extLst>
               <a:ext uri="{28A0092B-C50C-407E-A947-70E740481C1C}">
                 <a14:useLocalDpi xmlns:a14="http://schemas.microsoft.com/office/drawing/2010/main" val="0"/>
@@ -10506,8 +13025,8 @@
         </p:blipFill>
         <p:spPr>
           <a:xfrm rot="0">
-            <a:off x="6814820" y="3658235"/>
-            <a:ext cx="1116965" cy="1419225"/>
+            <a:off x="6814820" y="1402715"/>
+            <a:ext cx="4096385" cy="1689100"/>
           </a:xfrm>
           <a:prstGeom prst="roundRect"/>
           <a:solidFill>
@@ -10515,42 +13034,9 @@
           </a:solidFill>
         </p:spPr>
       </p:pic>
-      <p:cxnSp>
-        <p:nvCxnSpPr>
-          <p:cNvPr id="1152" name="도형 78"/>
-          <p:cNvCxnSpPr/>
-          <p:nvPr/>
-        </p:nvCxnSpPr>
-        <p:spPr>
-          <a:xfrm rot="0" flipH="1">
-            <a:off x="7611110" y="4514850"/>
-            <a:ext cx="2353310" cy="398145"/>
-          </a:xfrm>
-          <a:prstGeom prst="straightConnector1"/>
-          <a:ln w="6350" cap="flat" cmpd="sng">
-            <a:prstDash/>
-            <a:headEnd type="none" w="med" len="med"/>
-            <a:tailEnd type="triangle" w="med" len="med"/>
-          </a:ln>
-        </p:spPr>
-        <p:style>
-          <a:lnRef idx="1">
-            <a:schemeClr val="accent1"/>
-          </a:lnRef>
-          <a:fillRef idx="0">
-            <a:schemeClr val="accent1"/>
-          </a:fillRef>
-          <a:effectRef idx="0">
-            <a:schemeClr val="accent1"/>
-          </a:effectRef>
-          <a:fontRef idx="minor">
-            <a:schemeClr val="tx1"/>
-          </a:fontRef>
-        </p:style>
-      </p:cxnSp>
-      <p:sp>
-        <p:nvSpPr>
-          <p:cNvPr id="1153" name="텍스트 상자 79"/>
+      <p:sp>
+        <p:nvSpPr>
+          <p:cNvPr id="1040" name="텍스트 상자 104"/>
           <p:cNvSpPr txBox="1">
             <a:spLocks/>
           </p:cNvSpPr>
@@ -10558,8 +13044,8 @@
         </p:nvSpPr>
         <p:spPr>
           <a:xfrm rot="0">
-            <a:off x="6817360" y="5279390"/>
-            <a:ext cx="4083685" cy="949960"/>
+            <a:off x="6813550" y="3206750"/>
+            <a:ext cx="4087495" cy="673100"/>
           </a:xfrm>
           <a:prstGeom prst="rect"/>
           <a:noFill/>
@@ -10582,7 +13068,7 @@
                 <a:latin typeface="맑은 고딕" charset="0"/>
                 <a:ea typeface="맑은 고딕" charset="0"/>
               </a:rPr>
-              <a:t>1</a:t>
+              <a:t>16</a:t>
             </a:r>
             <a:r>
               <a:rPr lang="ko-KR" sz="2000" b="1">
@@ -10592,8 +13078,79 @@
                 <a:latin typeface="맑은 고딕" charset="0"/>
                 <a:ea typeface="맑은 고딕" charset="0"/>
               </a:rPr>
-              <a:t>6</a:t>
-            </a:r>
+              <a:t>. </a:t>
+            </a:r>
+            <a:r>
+              <a:rPr lang="ko-KR" sz="1800">
+                <a:latin typeface="맑은 고딕" charset="0"/>
+                <a:ea typeface="맑은 고딕" charset="0"/>
+              </a:rPr>
+              <a:t>그런 다음 Santa Stick Boader의 크기와 위치 그리고 앵커를 설정합니다.</a:t>
+            </a:r>
+            <a:endParaRPr lang="ko-KR" altLang="en-US" sz="1800">
+              <a:latin typeface="맑은 고딕" charset="0"/>
+              <a:ea typeface="맑은 고딕" charset="0"/>
+            </a:endParaRPr>
+          </a:p>
+        </p:txBody>
+      </p:sp>
+      <p:pic>
+        <p:nvPicPr>
+          <p:cNvPr id="1041" name="그림 105"/>
+          <p:cNvPicPr>
+            <a:picLocks noChangeAspect="1"/>
+          </p:cNvPicPr>
+          <p:nvPr/>
+        </p:nvPicPr>
+        <p:blipFill rotWithShape="1">
+          <a:blip r:embed="rId14" cstate="print">
+            <a:extLst>
+              <a:ext uri="{28A0092B-C50C-407E-A947-70E740481C1C}">
+                <a14:useLocalDpi xmlns:a14="http://schemas.microsoft.com/office/drawing/2010/main" val="0"/>
+              </a:ext>
+            </a:extLst>
+          </a:blip>
+          <a:stretch>
+            <a:fillRect/>
+          </a:stretch>
+        </p:blipFill>
+        <p:spPr>
+          <a:xfrm rot="0">
+            <a:off x="6818630" y="4039870"/>
+            <a:ext cx="4084320" cy="1115060"/>
+          </a:xfrm>
+          <a:prstGeom prst="roundRect"/>
+          <a:solidFill>
+            <a:srgbClr val="EDEDED"/>
+          </a:solidFill>
+        </p:spPr>
+      </p:pic>
+      <p:sp>
+        <p:nvSpPr>
+          <p:cNvPr id="1042" name="텍스트 상자 108"/>
+          <p:cNvSpPr txBox="1">
+            <a:spLocks/>
+          </p:cNvSpPr>
+          <p:nvPr/>
+        </p:nvSpPr>
+        <p:spPr>
+          <a:xfrm rot="0">
+            <a:off x="6816090" y="5269865"/>
+            <a:ext cx="4087495" cy="930275"/>
+          </a:xfrm>
+          <a:prstGeom prst="rect"/>
+          <a:noFill/>
+        </p:spPr>
+        <p:txBody>
+          <a:bodyPr wrap="square" lIns="0" tIns="0" rIns="0" bIns="0" numCol="1" vert="horz" anchor="t">
+            <a:noAutofit/>
+          </a:bodyPr>
+          <a:lstStyle/>
+          <a:p>
+            <a:pPr marL="0" indent="0" algn="l" latinLnBrk="0" hangingPunct="1">
+              <a:buFontTx/>
+              <a:buNone/>
+            </a:pPr>
             <a:r>
               <a:rPr lang="ko-KR" sz="2000" b="1">
                 <a:solidFill>
@@ -10602,6 +13159,16 @@
                 <a:latin typeface="맑은 고딕" charset="0"/>
                 <a:ea typeface="맑은 고딕" charset="0"/>
               </a:rPr>
+              <a:t>17</a:t>
+            </a:r>
+            <a:r>
+              <a:rPr lang="ko-KR" sz="2000" b="1">
+                <a:solidFill>
+                  <a:srgbClr val="0611F2"/>
+                </a:solidFill>
+                <a:latin typeface="맑은 고딕" charset="0"/>
+                <a:ea typeface="맑은 고딕" charset="0"/>
+              </a:rPr>
               <a:t>. </a:t>
             </a:r>
             <a:r>
@@ -10609,18 +13176,8 @@
                 <a:latin typeface="맑은 고딕" charset="0"/>
                 <a:ea typeface="맑은 고딕" charset="0"/>
               </a:rPr>
-              <a:t>그리고 Project 폴더에 있는 Resources 폴더에 PENGUIN 오브젝트를 월드 공간으로 배치합니다.</a:t>
-            </a:r>
-            <a:endParaRPr lang="ko-KR" altLang="en-US" sz="1800">
-              <a:latin typeface="맑은 고딕" charset="0"/>
-              <a:ea typeface="맑은 고딕" charset="0"/>
-            </a:endParaRPr>
-          </a:p>
-          <a:p>
-            <a:pPr marL="0" indent="0" algn="l" latinLnBrk="0" hangingPunct="1">
-              <a:buFontTx/>
-              <a:buNone/>
-            </a:pPr>
+              <a:t>그다음으로 Project 폴더에 있는 Script 폴더에 Item 스크립트를 생성합니다.</a:t>
+            </a:r>
             <a:endParaRPr lang="ko-KR" altLang="en-US" sz="1800">
               <a:latin typeface="맑은 고딕" charset="0"/>
               <a:ea typeface="맑은 고딕" charset="0"/>
@@ -10730,7 +13287,7 @@
       </p:sp>
       <p:sp>
         <p:nvSpPr>
-          <p:cNvPr id="7" name="텍스트 상자 29"/>
+          <p:cNvPr id="6" name="텍스트 상자 110"/>
           <p:cNvSpPr txBox="1">
             <a:spLocks/>
           </p:cNvSpPr>
@@ -10738,8 +13295,8 @@
         </p:nvSpPr>
         <p:spPr>
           <a:xfrm rot="0">
-            <a:off x="1334135" y="2959735"/>
-            <a:ext cx="4054475" cy="941070"/>
+            <a:off x="1316355" y="3429000"/>
+            <a:ext cx="4066540" cy="2910205"/>
           </a:xfrm>
           <a:prstGeom prst="rect"/>
           <a:noFill/>
@@ -10762,7 +13319,7 @@
                 <a:latin typeface="맑은 고딕" charset="0"/>
                 <a:ea typeface="맑은 고딕" charset="0"/>
               </a:rPr>
-              <a:t>1</a:t>
+              <a:t>18</a:t>
             </a:r>
             <a:r>
               <a:rPr lang="ko-KR" sz="2000" b="1">
@@ -10772,16 +13329,6 @@
                 <a:latin typeface="맑은 고딕" charset="0"/>
                 <a:ea typeface="맑은 고딕" charset="0"/>
               </a:rPr>
-              <a:t>7</a:t>
-            </a:r>
-            <a:r>
-              <a:rPr lang="ko-KR" sz="2000" b="1">
-                <a:solidFill>
-                  <a:srgbClr val="0611F2"/>
-                </a:solidFill>
-                <a:latin typeface="맑은 고딕" charset="0"/>
-                <a:ea typeface="맑은 고딕" charset="0"/>
-              </a:rPr>
               <a:t>. </a:t>
             </a:r>
             <a:r>
@@ -10789,287 +13336,79 @@
                 <a:latin typeface="맑은 고딕" charset="0"/>
                 <a:ea typeface="맑은 고딕" charset="0"/>
               </a:rPr>
-              <a:t>그</a:t>
-            </a:r>
-            <a:r>
-              <a:rPr lang="ko-KR" sz="1800">
-                <a:latin typeface="맑은 고딕" charset="0"/>
-                <a:ea typeface="맑은 고딕" charset="0"/>
-              </a:rPr>
-              <a:t>다음</a:t>
-            </a:r>
-            <a:r>
-              <a:rPr lang="ko-KR" sz="1800">
-                <a:latin typeface="맑은 고딕" charset="0"/>
-                <a:ea typeface="맑은 고딕" charset="0"/>
-              </a:rPr>
-              <a:t> </a:t>
-            </a:r>
-            <a:r>
-              <a:rPr lang="ko-KR" sz="1800">
-                <a:latin typeface="맑은 고딕" charset="0"/>
-                <a:ea typeface="맑은 고딕" charset="0"/>
-              </a:rPr>
-              <a:t>PENGUIN </a:t>
-            </a:r>
-            <a:r>
-              <a:rPr lang="ko-KR" sz="1800">
-                <a:latin typeface="맑은 고딕" charset="0"/>
-                <a:ea typeface="맑은 고딕" charset="0"/>
-              </a:rPr>
-              <a:t>오브젝트의 Layer를 Monster로 변경</a:t>
-            </a:r>
-            <a:r>
-              <a:rPr lang="ko-KR" sz="1800">
-                <a:latin typeface="맑은 고딕" charset="0"/>
-                <a:ea typeface="맑은 고딕" charset="0"/>
-              </a:rPr>
-              <a:t>하고 회전 값을 설정합니다.</a:t>
+              <a:t>그리고 Item 스크립트에서 ScriptableObject를 상속받도록 설정합니다.</a:t>
             </a:r>
             <a:endParaRPr lang="ko-KR" altLang="en-US" sz="1800">
               <a:latin typeface="맑은 고딕" charset="0"/>
               <a:ea typeface="맑은 고딕" charset="0"/>
             </a:endParaRPr>
           </a:p>
+          <a:p>
+            <a:pPr marL="0" indent="0" algn="l" latinLnBrk="0" hangingPunct="1">
+              <a:buFontTx/>
+              <a:buNone/>
+            </a:pPr>
+            <a:endParaRPr lang="ko-KR" altLang="en-US" sz="1800">
+              <a:latin typeface="맑은 고딕" charset="0"/>
+              <a:ea typeface="맑은 고딕" charset="0"/>
+            </a:endParaRPr>
+          </a:p>
+          <a:p>
+            <a:pPr marL="0" indent="0" algn="l" latinLnBrk="0" hangingPunct="1">
+              <a:buFontTx/>
+              <a:buNone/>
+            </a:pPr>
+            <a:r>
+              <a:rPr lang="ko-KR" sz="1800">
+                <a:latin typeface="맑은 고딕" charset="0"/>
+                <a:ea typeface="맑은 고딕" charset="0"/>
+              </a:rPr>
+              <a:t>그런 다음 Sprite 변수 2개를 선언하고 CreateAssetMenu 어트리뷰트를 선언합니다.</a:t>
+            </a:r>
+            <a:endParaRPr lang="ko-KR" altLang="en-US" sz="1800">
+              <a:latin typeface="맑은 고딕" charset="0"/>
+              <a:ea typeface="맑은 고딕" charset="0"/>
+            </a:endParaRPr>
+          </a:p>
+          <a:p>
+            <a:pPr marL="0" indent="0" algn="l" latinLnBrk="0" hangingPunct="1">
+              <a:buFontTx/>
+              <a:buNone/>
+            </a:pPr>
+            <a:endParaRPr lang="ko-KR" altLang="en-US" sz="1800">
+              <a:latin typeface="맑은 고딕" charset="0"/>
+              <a:ea typeface="맑은 고딕" charset="0"/>
+            </a:endParaRPr>
+          </a:p>
+          <a:p>
+            <a:pPr marL="0" indent="0" algn="l" latinLnBrk="0" hangingPunct="1">
+              <a:buFontTx/>
+              <a:buNone/>
+            </a:pPr>
+            <a:r>
+              <a:rPr lang="ko-KR" sz="1800">
+                <a:latin typeface="맑은 고딕" charset="0"/>
+                <a:ea typeface="맑은 고딕" charset="0"/>
+              </a:rPr>
+              <a:t>그다음 파일의 이름과 메뉴 이름을 지정하고 순서를 정의합니다.</a:t>
+            </a:r>
+            <a:endParaRPr lang="ko-KR" altLang="en-US" sz="1800">
+              <a:latin typeface="맑은 고딕" charset="0"/>
+              <a:ea typeface="맑은 고딕" charset="0"/>
+            </a:endParaRPr>
+          </a:p>
         </p:txBody>
       </p:sp>
       <p:pic>
         <p:nvPicPr>
-          <p:cNvPr id="10" name="그림 43" descr="C:/Users/Admin1/AppData/Roaming/PolarisOffice/ETemp/19216_9281256/fImage61852425724.png"/>
+          <p:cNvPr id="10" name="그림 114"/>
           <p:cNvPicPr>
             <a:picLocks noChangeAspect="1"/>
           </p:cNvPicPr>
           <p:nvPr/>
         </p:nvPicPr>
         <p:blipFill rotWithShape="1">
-          <a:blip r:embed="rId4" cstate="hqprint">
-            <a:extLst>
-              <a:ext uri="{28A0092B-C50C-407E-A947-70E740481C1C}">
-                <a14:useLocalDpi xmlns:a14="http://schemas.microsoft.com/office/drawing/2010/main"/>
-              </a:ext>
-            </a:extLst>
-          </a:blip>
-          <a:stretch>
-            <a:fillRect/>
-          </a:stretch>
-        </p:blipFill>
-        <p:spPr>
-          <a:xfrm rot="0">
-            <a:off x="1332865" y="3996055"/>
-            <a:ext cx="4055745" cy="1228725"/>
-          </a:xfrm>
-          <a:prstGeom prst="roundRect"/>
-          <a:solidFill>
-            <a:srgbClr val="EDEDED"/>
-          </a:solidFill>
-        </p:spPr>
-      </p:pic>
-      <p:sp>
-        <p:nvSpPr>
-          <p:cNvPr id="11" name="텍스트 상자 46"/>
-          <p:cNvSpPr txBox="1">
-            <a:spLocks/>
-          </p:cNvSpPr>
-          <p:nvPr/>
-        </p:nvSpPr>
-        <p:spPr>
-          <a:xfrm rot="0">
-            <a:off x="1327785" y="5342890"/>
-            <a:ext cx="4060190" cy="936625"/>
-          </a:xfrm>
-          <a:prstGeom prst="rect"/>
-          <a:noFill/>
-        </p:spPr>
-        <p:txBody>
-          <a:bodyPr wrap="square" lIns="0" tIns="0" rIns="0" bIns="0" numCol="1" vert="horz" anchor="t">
-            <a:noAutofit/>
-          </a:bodyPr>
-          <a:lstStyle/>
-          <a:p>
-            <a:pPr marL="0" indent="0" algn="l" latinLnBrk="0" hangingPunct="1">
-              <a:buFontTx/>
-              <a:buNone/>
-            </a:pPr>
-            <a:r>
-              <a:rPr lang="ko-KR" sz="2000" b="1">
-                <a:solidFill>
-                  <a:srgbClr val="0611F2"/>
-                </a:solidFill>
-                <a:latin typeface="맑은 고딕" charset="0"/>
-                <a:ea typeface="맑은 고딕" charset="0"/>
-              </a:rPr>
-              <a:t>1</a:t>
-            </a:r>
-            <a:r>
-              <a:rPr lang="ko-KR" sz="2000" b="1">
-                <a:solidFill>
-                  <a:srgbClr val="0611F2"/>
-                </a:solidFill>
-                <a:latin typeface="맑은 고딕" charset="0"/>
-                <a:ea typeface="맑은 고딕" charset="0"/>
-              </a:rPr>
-              <a:t>8</a:t>
-            </a:r>
-            <a:r>
-              <a:rPr lang="ko-KR" sz="2000" b="1">
-                <a:solidFill>
-                  <a:srgbClr val="0611F2"/>
-                </a:solidFill>
-                <a:latin typeface="맑은 고딕" charset="0"/>
-                <a:ea typeface="맑은 고딕" charset="0"/>
-              </a:rPr>
-              <a:t>. </a:t>
-            </a:r>
-            <a:r>
-              <a:rPr lang="ko-KR" sz="1800">
-                <a:latin typeface="맑은 고딕" charset="0"/>
-                <a:ea typeface="맑은 고딕" charset="0"/>
-              </a:rPr>
-              <a:t>마지막으로 Main Camera 오브젝트에 있는 Picking 스크립트에 Layer를 Monster로 설정합니다.</a:t>
-            </a:r>
-            <a:endParaRPr lang="ko-KR" altLang="en-US" sz="1800">
-              <a:latin typeface="맑은 고딕" charset="0"/>
-              <a:ea typeface="맑은 고딕" charset="0"/>
-            </a:endParaRPr>
-          </a:p>
-        </p:txBody>
-      </p:sp>
-      <p:pic>
-        <p:nvPicPr>
-          <p:cNvPr id="12" name="그림 47" descr="C:/Users/Admin1/AppData/Roaming/PolarisOffice/ETemp/19216_9281256/fImage1464832441478.png"/>
-          <p:cNvPicPr>
-            <a:picLocks noChangeAspect="1"/>
-          </p:cNvPicPr>
-          <p:nvPr/>
-        </p:nvPicPr>
-        <p:blipFill rotWithShape="1">
-          <a:blip r:embed="rId5" cstate="hqprint">
-            <a:extLst>
-              <a:ext uri="{28A0092B-C50C-407E-A947-70E740481C1C}">
-                <a14:useLocalDpi xmlns:a14="http://schemas.microsoft.com/office/drawing/2010/main"/>
-              </a:ext>
-            </a:extLst>
-          </a:blip>
-          <a:stretch>
-            <a:fillRect/>
-          </a:stretch>
-        </p:blipFill>
-        <p:spPr>
-          <a:xfrm rot="0">
-            <a:off x="6823710" y="1357630"/>
-            <a:ext cx="4253230" cy="3071495"/>
-          </a:xfrm>
-          <a:prstGeom prst="roundRect"/>
-          <a:solidFill>
-            <a:srgbClr val="EDEDED"/>
-          </a:solidFill>
-        </p:spPr>
-      </p:pic>
-      <p:sp>
-        <p:nvSpPr>
-          <p:cNvPr id="13" name="텍스트 상자 50"/>
-          <p:cNvSpPr txBox="1">
-            <a:spLocks/>
-          </p:cNvSpPr>
-          <p:nvPr/>
-        </p:nvSpPr>
-        <p:spPr>
-          <a:xfrm rot="0">
-            <a:off x="6840855" y="4558665"/>
-            <a:ext cx="4262120" cy="1721485"/>
-          </a:xfrm>
-          <a:prstGeom prst="rect"/>
-          <a:noFill/>
-        </p:spPr>
-        <p:txBody>
-          <a:bodyPr wrap="square" lIns="0" tIns="0" rIns="0" bIns="0" numCol="1" vert="horz" anchor="t">
-            <a:noAutofit/>
-          </a:bodyPr>
-          <a:lstStyle/>
-          <a:p>
-            <a:pPr marL="0" indent="0" algn="l" latinLnBrk="0" hangingPunct="1">
-              <a:buFontTx/>
-              <a:buNone/>
-            </a:pPr>
-            <a:r>
-              <a:rPr lang="ko-KR" sz="1800">
-                <a:latin typeface="맑은 고딕" charset="0"/>
-                <a:ea typeface="맑은 고딕" charset="0"/>
-              </a:rPr>
-              <a:t>LayerMask</a:t>
-            </a:r>
-            <a:r>
-              <a:rPr lang="ko-KR" sz="1800">
-                <a:latin typeface="맑은 고딕" charset="0"/>
-                <a:ea typeface="맑은 고딕" charset="0"/>
-              </a:rPr>
-              <a:t>는</a:t>
-            </a:r>
-            <a:r>
-              <a:rPr lang="ko-KR" sz="1800">
-                <a:latin typeface="맑은 고딕" charset="0"/>
-                <a:ea typeface="맑은 고딕" charset="0"/>
-              </a:rPr>
-              <a:t> 특정한 Layer만 검출하여 충돌하도록 설정할 수 있습니다.</a:t>
-            </a:r>
-            <a:endParaRPr lang="ko-KR" altLang="en-US" sz="1800">
-              <a:latin typeface="맑은 고딕" charset="0"/>
-              <a:ea typeface="맑은 고딕" charset="0"/>
-            </a:endParaRPr>
-          </a:p>
-          <a:p>
-            <a:pPr marL="0" indent="0" algn="l" latinLnBrk="0" hangingPunct="1">
-              <a:buFontTx/>
-              <a:buNone/>
-            </a:pPr>
-            <a:endParaRPr lang="ko-KR" altLang="en-US" sz="1800">
-              <a:latin typeface="맑은 고딕" charset="0"/>
-              <a:ea typeface="맑은 고딕" charset="0"/>
-            </a:endParaRPr>
-          </a:p>
-          <a:p>
-            <a:pPr marL="0" indent="0" algn="l" latinLnBrk="0" hangingPunct="1">
-              <a:buFontTx/>
-              <a:buNone/>
-            </a:pPr>
-            <a:r>
-              <a:rPr lang="ko-KR" sz="1800">
-                <a:latin typeface="맑은 고딕" charset="0"/>
-                <a:ea typeface="맑은 고딕" charset="0"/>
-              </a:rPr>
-              <a:t>LayerMask</a:t>
-            </a:r>
-            <a:r>
-              <a:rPr lang="ko-KR" sz="1800">
-                <a:latin typeface="맑은 고딕" charset="0"/>
-                <a:ea typeface="맑은 고딕" charset="0"/>
-              </a:rPr>
-              <a:t>의 경우</a:t>
-            </a:r>
-            <a:r>
-              <a:rPr lang="ko-KR" sz="1800">
-                <a:latin typeface="맑은 고딕" charset="0"/>
-                <a:ea typeface="맑은 고딕" charset="0"/>
-              </a:rPr>
-              <a:t> 32 bit의 int 형으로 bit로 각각의 레이어를 구분하여 사용합니다.</a:t>
-            </a:r>
-            <a:endParaRPr lang="ko-KR" altLang="en-US" sz="1800">
-              <a:latin typeface="맑은 고딕" charset="0"/>
-              <a:ea typeface="맑은 고딕" charset="0"/>
-            </a:endParaRPr>
-          </a:p>
-        </p:txBody>
-      </p:sp>
-      <p:pic>
-        <p:nvPicPr>
-          <p:cNvPr id="14" name="그림 80" descr="C:/Users/Admin1/AppData/Roaming/PolarisOffice/ETemp/19216_9281256/fImage163871759961.png"/>
-          <p:cNvPicPr>
-            <a:picLocks noChangeAspect="1"/>
-          </p:cNvPicPr>
-          <p:nvPr/>
-        </p:nvPicPr>
-        <p:blipFill rotWithShape="1">
-          <a:blip r:embed="rId7" cstate="print">
+          <a:blip r:embed="rId8" cstate="print">
             <a:extLst>
               <a:ext uri="{28A0092B-C50C-407E-A947-70E740481C1C}">
                 <a14:useLocalDpi xmlns:a14="http://schemas.microsoft.com/office/drawing/2010/main" val="0"/>
@@ -11082,15 +13421,102 @@
         </p:blipFill>
         <p:spPr>
           <a:xfrm rot="0">
-            <a:off x="1329055" y="1366520"/>
-            <a:ext cx="4059555" cy="1479550"/>
-          </a:xfrm>
-          <a:prstGeom prst="roundRect"/>
-          <a:solidFill>
-            <a:srgbClr val="EDEDED"/>
-          </a:solidFill>
+            <a:off x="1316355" y="1364615"/>
+            <a:ext cx="4062095" cy="1926590"/>
+          </a:xfrm>
+          <a:prstGeom prst="rect"/>
+          <a:noFill/>
         </p:spPr>
       </p:pic>
+      <p:pic>
+        <p:nvPicPr>
+          <p:cNvPr id="11" name="그림 120"/>
+          <p:cNvPicPr>
+            <a:picLocks noChangeAspect="1"/>
+          </p:cNvPicPr>
+          <p:nvPr/>
+        </p:nvPicPr>
+        <p:blipFill rotWithShape="1">
+          <a:blip r:embed="rId9" cstate="print">
+            <a:extLst>
+              <a:ext uri="{28A0092B-C50C-407E-A947-70E740481C1C}">
+                <a14:useLocalDpi xmlns:a14="http://schemas.microsoft.com/office/drawing/2010/main" val="0"/>
+              </a:ext>
+            </a:extLst>
+          </a:blip>
+          <a:stretch>
+            <a:fillRect/>
+          </a:stretch>
+        </p:blipFill>
+        <p:spPr>
+          <a:xfrm rot="0">
+            <a:off x="6831965" y="1359535"/>
+            <a:ext cx="4174490" cy="3931920"/>
+          </a:xfrm>
+          <a:prstGeom prst="rect"/>
+          <a:noFill/>
+        </p:spPr>
+      </p:pic>
+      <p:sp>
+        <p:nvSpPr>
+          <p:cNvPr id="12" name="텍스트 상자 122"/>
+          <p:cNvSpPr txBox="1">
+            <a:spLocks/>
+          </p:cNvSpPr>
+          <p:nvPr/>
+        </p:nvSpPr>
+        <p:spPr>
+          <a:xfrm rot="0">
+            <a:off x="6835140" y="5431790"/>
+            <a:ext cx="4180205" cy="907415"/>
+          </a:xfrm>
+          <a:prstGeom prst="rect"/>
+          <a:noFill/>
+        </p:spPr>
+        <p:txBody>
+          <a:bodyPr wrap="square" lIns="0" tIns="0" rIns="0" bIns="0" numCol="1" vert="horz" anchor="t">
+            <a:noAutofit/>
+          </a:bodyPr>
+          <a:lstStyle/>
+          <a:p>
+            <a:pPr marL="0" indent="0" algn="l" latinLnBrk="0" hangingPunct="1">
+              <a:buFontTx/>
+              <a:buNone/>
+            </a:pPr>
+            <a:r>
+              <a:rPr lang="ko-KR" sz="2000" b="1">
+                <a:solidFill>
+                  <a:srgbClr val="0611F2"/>
+                </a:solidFill>
+                <a:latin typeface="맑은 고딕" charset="0"/>
+                <a:ea typeface="맑은 고딕" charset="0"/>
+              </a:rPr>
+              <a:t>19</a:t>
+            </a:r>
+            <a:r>
+              <a:rPr lang="ko-KR" sz="2000" b="1">
+                <a:solidFill>
+                  <a:srgbClr val="0611F2"/>
+                </a:solidFill>
+                <a:latin typeface="맑은 고딕" charset="0"/>
+                <a:ea typeface="맑은 고딕" charset="0"/>
+              </a:rPr>
+              <a:t>. </a:t>
+            </a:r>
+            <a:r>
+              <a:rPr lang="ko-KR" sz="1800">
+                <a:latin typeface="맑은 고딕" charset="0"/>
+                <a:ea typeface="맑은 고딕" charset="0"/>
+              </a:rPr>
+              <a:t>이제 Assets를 선택하고 Create에서 Scriptable Object를 선택한 다음 Item을 2개 생성합니다</a:t>
+            </a:r>
+            <a:endParaRPr lang="ko-KR" altLang="en-US" sz="1800">
+              <a:latin typeface="맑은 고딕" charset="0"/>
+              <a:ea typeface="맑은 고딕" charset="0"/>
+            </a:endParaRPr>
+          </a:p>
+        </p:txBody>
+      </p:sp>
     </p:spTree>
   </p:cSld>
   <p:clrMapOvr>
@@ -11115,7 +13541,7 @@
 </file>
 
 <file path=ppt/slides/slide9.xml><?xml version="1.0" encoding="utf-8"?>
-<p:sld xmlns:a="http://schemas.openxmlformats.org/drawingml/2006/main" xmlns:r="http://schemas.openxmlformats.org/officeDocument/2006/relationships" xmlns:p="http://schemas.openxmlformats.org/presentationml/2006/main">
+<p:sld xmlns:a="http://schemas.openxmlformats.org/drawingml/2006/main" xmlns:r="http://schemas.openxmlformats.org/officeDocument/2006/relationships" xmlns:p="http://schemas.openxmlformats.org/presentationml/2006/main" xmlns:p14="http://schemas.microsoft.com/office/powerpoint/2010/main">
   <p:cSld>
     <p:spTree>
       <p:nvGrpSpPr>
@@ -11201,8 +13627,8 @@
         </p:nvSpPr>
         <p:spPr>
           <a:xfrm rot="0">
-            <a:off x="1327785" y="5299710"/>
-            <a:ext cx="4060190" cy="939800"/>
+            <a:off x="1327785" y="2765425"/>
+            <a:ext cx="4060825" cy="940435"/>
           </a:xfrm>
           <a:prstGeom prst="rect"/>
           <a:noFill/>
@@ -11225,7 +13651,7 @@
                 <a:latin typeface="맑은 고딕" charset="0"/>
                 <a:ea typeface="맑은 고딕" charset="0"/>
               </a:rPr>
-              <a:t>19</a:t>
+              <a:t>20</a:t>
             </a:r>
             <a:r>
               <a:rPr lang="ko-KR" sz="2000" b="1">
@@ -11242,7 +13668,14 @@
                 <a:latin typeface="맑은 고딕" charset="0"/>
                 <a:ea typeface="맑은 고딕" charset="0"/>
               </a:rPr>
-              <a:t>그리고 Shop Button 이미지에 Project 폴더에 있는 Texture 폴더에 Shop 텍스처를 넣어줍니다.</a:t>
+              <a:t>그리고</a:t>
+            </a:r>
+            <a:r>
+              <a:rPr lang="ko-KR" sz="1800">
+                <a:latin typeface="맑은 고딕" charset="0"/>
+                <a:ea typeface="맑은 고딕" charset="0"/>
+              </a:rPr>
+              <a:t> Santa Hat Item이라는 이름과 Santa Stick이라는 이름으로 정의합니다.</a:t>
             </a:r>
             <a:endParaRPr lang="ko-KR" altLang="en-US" sz="1800">
               <a:latin typeface="맑은 고딕" charset="0"/>
@@ -11261,8 +13694,8 @@
         </p:nvSpPr>
         <p:spPr>
           <a:xfrm rot="0">
-            <a:off x="6799580" y="5283835"/>
-            <a:ext cx="4178300" cy="954405"/>
+            <a:off x="6799580" y="4721860"/>
+            <a:ext cx="4178935" cy="1508125"/>
           </a:xfrm>
           <a:prstGeom prst="rect"/>
           <a:noFill/>
@@ -11289,7 +13722,7 @@
                 <a:latin typeface="맑은 고딕" charset="0"/>
                 <a:ea typeface="맑은 고딕" charset="0"/>
               </a:rPr>
-              <a:t>20</a:t>
+              <a:t>2</a:t>
             </a:r>
             <a:r>
               <a:rPr lang="ko-KR" sz="2000" b="1">
@@ -11299,6 +13732,16 @@
                 <a:latin typeface="맑은 고딕" charset="0"/>
                 <a:ea typeface="맑은 고딕" charset="0"/>
               </a:rPr>
+              <a:t>2</a:t>
+            </a:r>
+            <a:r>
+              <a:rPr lang="ko-KR" sz="2000" b="1">
+                <a:solidFill>
+                  <a:srgbClr val="0611F2"/>
+                </a:solidFill>
+                <a:latin typeface="맑은 고딕" charset="0"/>
+                <a:ea typeface="맑은 고딕" charset="0"/>
+              </a:rPr>
               <a:t>. </a:t>
             </a:r>
             <a:r>
@@ -11306,14 +13749,7 @@
                 <a:latin typeface="맑은 고딕" charset="0"/>
                 <a:ea typeface="맑은 고딕" charset="0"/>
               </a:rPr>
-              <a:t>이제 UI에서 Image를 2개 생성한 다음 Santa Hat이라는 이름과 Santa Stick이라는 이름으로 정의합니다</a:t>
-            </a:r>
-            <a:r>
-              <a:rPr lang="ko-KR" sz="1800">
-                <a:latin typeface="맑은 고딕" charset="0"/>
-                <a:ea typeface="맑은 고딕" charset="0"/>
-              </a:rPr>
-              <a:t>.</a:t>
+              <a:t>그다음 Project 폴더에 있는 Texture 폴더에 Boader 텍스처와 Santa Hat 텍스처 그리고 Santa Stick 텍스처를 스크립터블 오브젝트 속성에 넣어줍니다.</a:t>
             </a:r>
             <a:endParaRPr lang="ko-KR" altLang="en-US" sz="1800">
               <a:latin typeface="맑은 고딕" charset="0"/>
@@ -11324,45 +13760,14 @@
       </p:sp>
       <p:pic>
         <p:nvPicPr>
-          <p:cNvPr id="16" name="Picture " descr="C:/Users/Admin1/AppData/Roaming/PolarisOffice/ETemp/19216_9281256/fImage18500272491.png"/>
+          <p:cNvPr id="16" name="그림 1" descr="C:/Users/Admin1/AppData/Roaming/PolarisOffice/ETemp/2948_15255592/fImage792313841.png"/>
           <p:cNvPicPr>
             <a:picLocks noChangeAspect="1"/>
           </p:cNvPicPr>
           <p:nvPr/>
         </p:nvPicPr>
         <p:blipFill rotWithShape="1">
-          <a:blip r:embed="rId2" cstate="hqprint">
-            <a:extLst>
-              <a:ext uri="{28A0092B-C50C-407E-A947-70E740481C1C}">
-                <a14:useLocalDpi xmlns:a14="http://schemas.microsoft.com/office/drawing/2010/main"/>
-              </a:ext>
-            </a:extLst>
-          </a:blip>
-          <a:stretch>
-            <a:fillRect/>
-          </a:stretch>
-        </p:blipFill>
-        <p:spPr>
-          <a:xfrm rot="0">
-            <a:off x="6793230" y="1377950"/>
-            <a:ext cx="2608580" cy="3604260"/>
-          </a:xfrm>
-          <a:prstGeom prst="roundRect"/>
-          <a:solidFill>
-            <a:srgbClr val="EDEDED"/>
-          </a:solidFill>
-        </p:spPr>
-      </p:pic>
-      <p:pic>
-        <p:nvPicPr>
-          <p:cNvPr id="17" name="Picture " descr="C:/Users/Admin1/AppData/Roaming/PolarisOffice/ETemp/19216_9281256/fImage90282732995.png"/>
-          <p:cNvPicPr>
-            <a:picLocks noChangeAspect="1"/>
-          </p:cNvPicPr>
-          <p:nvPr/>
-        </p:nvPicPr>
-        <p:blipFill rotWithShape="1">
-          <a:blip r:embed="rId3" cstate="print">
+          <a:blip r:embed="rId7" cstate="print">
             <a:extLst>
               <a:ext uri="{28A0092B-C50C-407E-A947-70E740481C1C}">
                 <a14:useLocalDpi xmlns:a14="http://schemas.microsoft.com/office/drawing/2010/main" val="0"/>
@@ -11375,8 +13780,8 @@
         </p:blipFill>
         <p:spPr>
           <a:xfrm rot="0">
-            <a:off x="9505950" y="2019935"/>
-            <a:ext cx="1467485" cy="2353310"/>
+            <a:off x="1322705" y="1280160"/>
+            <a:ext cx="4065905" cy="1341120"/>
           </a:xfrm>
           <a:prstGeom prst="roundRect"/>
           <a:solidFill>
@@ -11386,14 +13791,14 @@
       </p:pic>
       <p:pic>
         <p:nvPicPr>
-          <p:cNvPr id="18" name="Picture " descr="C:/Users/Admin1/AppData/Roaming/PolarisOffice/ETemp/19216_9281256/fImage162772741942.png"/>
+          <p:cNvPr id="17" name="그림 4" descr="C:/Users/Admin1/AppData/Roaming/PolarisOffice/ETemp/2948_15255592/fImage87481398467.png"/>
           <p:cNvPicPr>
             <a:picLocks noChangeAspect="1"/>
           </p:cNvPicPr>
           <p:nvPr/>
         </p:nvPicPr>
         <p:blipFill rotWithShape="1">
-          <a:blip r:embed="rId4" cstate="print">
+          <a:blip r:embed="rId8" cstate="print">
             <a:extLst>
               <a:ext uri="{28A0092B-C50C-407E-A947-70E740481C1C}">
                 <a14:useLocalDpi xmlns:a14="http://schemas.microsoft.com/office/drawing/2010/main" val="0"/>
@@ -11406,8 +13811,8 @@
         </p:blipFill>
         <p:spPr>
           <a:xfrm rot="0">
-            <a:off x="1323340" y="1371600"/>
-            <a:ext cx="4065905" cy="2439035"/>
+            <a:off x="1335405" y="3831590"/>
+            <a:ext cx="4053205" cy="1332230"/>
           </a:xfrm>
           <a:prstGeom prst="roundRect"/>
           <a:solidFill>
@@ -11415,16 +13820,90 @@
           </a:solidFill>
         </p:spPr>
       </p:pic>
+      <p:sp>
+        <p:nvSpPr>
+          <p:cNvPr id="18" name="텍스트 상자 7"/>
+          <p:cNvSpPr txBox="1">
+            <a:spLocks/>
+          </p:cNvSpPr>
+          <p:nvPr/>
+        </p:nvSpPr>
+        <p:spPr>
+          <a:xfrm rot="0">
+            <a:off x="1314450" y="5277485"/>
+            <a:ext cx="4070985" cy="954405"/>
+          </a:xfrm>
+          <a:prstGeom prst="rect"/>
+          <a:noFill/>
+          <a:ln w="0">
+            <a:noFill/>
+            <a:prstDash/>
+          </a:ln>
+        </p:spPr>
+        <p:txBody>
+          <a:bodyPr wrap="square" lIns="89535" tIns="46355" rIns="89535" bIns="46355" numCol="1" vert="horz" anchor="t">
+            <a:spAutoFit/>
+          </a:bodyPr>
+          <a:lstStyle/>
+          <a:p>
+            <a:pPr marL="0" indent="0" algn="l" latinLnBrk="0" hangingPunct="1">
+              <a:buFontTx/>
+              <a:buNone/>
+            </a:pPr>
+            <a:r>
+              <a:rPr lang="ko-KR" sz="2000" b="1">
+                <a:solidFill>
+                  <a:srgbClr val="0611F2"/>
+                </a:solidFill>
+                <a:latin typeface="맑은 고딕" charset="0"/>
+                <a:ea typeface="맑은 고딕" charset="0"/>
+              </a:rPr>
+              <a:t>2</a:t>
+            </a:r>
+            <a:r>
+              <a:rPr lang="ko-KR" sz="2000" b="1">
+                <a:solidFill>
+                  <a:srgbClr val="0611F2"/>
+                </a:solidFill>
+                <a:latin typeface="맑은 고딕" charset="0"/>
+                <a:ea typeface="맑은 고딕" charset="0"/>
+              </a:rPr>
+              <a:t>1</a:t>
+            </a:r>
+            <a:r>
+              <a:rPr lang="ko-KR" sz="2000" b="1">
+                <a:solidFill>
+                  <a:srgbClr val="0611F2"/>
+                </a:solidFill>
+                <a:latin typeface="맑은 고딕" charset="0"/>
+                <a:ea typeface="맑은 고딕" charset="0"/>
+              </a:rPr>
+              <a:t>. </a:t>
+            </a:r>
+            <a:r>
+              <a:rPr lang="ko-KR" sz="1800">
+                <a:latin typeface="맑은 고딕" charset="0"/>
+                <a:ea typeface="맑은 고딕" charset="0"/>
+              </a:rPr>
+              <a:t>그런 다음 Project 폴더에 있는 Script 폴더에 Consumable 스크립트를 생성합니다.</a:t>
+            </a:r>
+            <a:endParaRPr lang="ko-KR" altLang="en-US" sz="1800">
+              <a:latin typeface="맑은 고딕" charset="0"/>
+              <a:ea typeface="맑은 고딕" charset="0"/>
+            </a:endParaRPr>
+          </a:p>
+        </p:txBody>
+      </p:sp>
       <p:pic>
         <p:nvPicPr>
-          <p:cNvPr id="19" name="Picture " descr="C:/Users/Admin1/AppData/Roaming/PolarisOffice/ETemp/19216_9281256/fImage533332754827.png"/>
+          <p:cNvPr id="19" name="그림 8" descr="C:/Users/Admin1/AppData/Roaming/PolarisOffice/ETemp/2948_15255592/fImage98391416334.png"/>
           <p:cNvPicPr>
             <a:picLocks noChangeAspect="1"/>
           </p:cNvPicPr>
           <p:nvPr/>
         </p:nvPicPr>
         <p:blipFill rotWithShape="1">
-          <a:blip r:embed="rId5" cstate="print">
+          <a:blip r:embed="rId9" cstate="print">
             <a:extLst>
               <a:ext uri="{28A0092B-C50C-407E-A947-70E740481C1C}">
                 <a14:useLocalDpi xmlns:a14="http://schemas.microsoft.com/office/drawing/2010/main" val="0"/>
@@ -11437,8 +13916,8 @@
         </p:blipFill>
         <p:spPr>
           <a:xfrm rot="0">
-            <a:off x="1323340" y="3962400"/>
-            <a:ext cx="4066540" cy="1200785"/>
+            <a:off x="6798310" y="1286510"/>
+            <a:ext cx="4177665" cy="1005840"/>
           </a:xfrm>
           <a:prstGeom prst="roundRect"/>
           <a:solidFill>
@@ -11446,16 +13925,177 @@
           </a:solidFill>
         </p:spPr>
       </p:pic>
+      <p:pic>
+        <p:nvPicPr>
+          <p:cNvPr id="20" name="그림 11" descr="C:/Users/Admin1/AppData/Roaming/PolarisOffice/ETemp/2948_15255592/fImage101501426500.png"/>
+          <p:cNvPicPr>
+            <a:picLocks noChangeAspect="1"/>
+          </p:cNvPicPr>
+          <p:nvPr/>
+        </p:nvPicPr>
+        <p:blipFill rotWithShape="1">
+          <a:blip r:embed="rId10" cstate="print">
+            <a:extLst>
+              <a:ext uri="{28A0092B-C50C-407E-A947-70E740481C1C}">
+                <a14:useLocalDpi xmlns:a14="http://schemas.microsoft.com/office/drawing/2010/main" val="0"/>
+              </a:ext>
+            </a:extLst>
+          </a:blip>
+          <a:stretch>
+            <a:fillRect/>
+          </a:stretch>
+        </p:blipFill>
+        <p:spPr>
+          <a:xfrm rot="0">
+            <a:off x="6797675" y="2419985"/>
+            <a:ext cx="4166870" cy="1005840"/>
+          </a:xfrm>
+          <a:prstGeom prst="roundRect"/>
+          <a:solidFill>
+            <a:srgbClr val="EDEDED"/>
+          </a:solidFill>
+        </p:spPr>
+      </p:pic>
+      <p:pic>
+        <p:nvPicPr>
+          <p:cNvPr id="21" name="그림 14" descr="C:/Users/Admin1/AppData/Roaming/PolarisOffice/ETemp/2948_15255592/fImage297241439169.png"/>
+          <p:cNvPicPr>
+            <a:picLocks noChangeAspect="1"/>
+          </p:cNvPicPr>
+          <p:nvPr/>
+        </p:nvPicPr>
+        <p:blipFill rotWithShape="1">
+          <a:blip r:embed="rId11" cstate="print">
+            <a:extLst>
+              <a:ext uri="{28A0092B-C50C-407E-A947-70E740481C1C}">
+                <a14:useLocalDpi xmlns:a14="http://schemas.microsoft.com/office/drawing/2010/main" val="0"/>
+              </a:ext>
+            </a:extLst>
+          </a:blip>
+          <a:stretch>
+            <a:fillRect/>
+          </a:stretch>
+        </p:blipFill>
+        <p:spPr>
+          <a:xfrm rot="0">
+            <a:off x="6797040" y="3562985"/>
+            <a:ext cx="4178935" cy="1090930"/>
+          </a:xfrm>
+          <a:prstGeom prst="roundRect"/>
+          <a:solidFill>
+            <a:srgbClr val="EDEDED"/>
+          </a:solidFill>
+        </p:spPr>
+      </p:pic>
       <p:cxnSp>
         <p:nvCxnSpPr>
-          <p:cNvPr id="20" name="Rect 0"/>
+          <p:cNvPr id="22" name="도형 17"/>
           <p:cNvCxnSpPr/>
           <p:nvPr/>
         </p:nvCxnSpPr>
         <p:spPr>
           <a:xfrm rot="0" flipV="1">
-            <a:off x="3800475" y="1762125"/>
-            <a:ext cx="1505585" cy="2477135"/>
+            <a:off x="7619365" y="2162175"/>
+            <a:ext cx="3253105" cy="1652905"/>
+          </a:xfrm>
+          <a:prstGeom prst="straightConnector1"/>
+          <a:ln w="6350" cap="flat" cmpd="sng">
+            <a:prstDash/>
+            <a:headEnd type="none" w="med" len="med"/>
+            <a:tailEnd type="triangle" w="med" len="med"/>
+          </a:ln>
+        </p:spPr>
+        <p:style>
+          <a:lnRef idx="1">
+            <a:schemeClr val="accent1"/>
+          </a:lnRef>
+          <a:fillRef idx="0">
+            <a:schemeClr val="accent1"/>
+          </a:fillRef>
+          <a:effectRef idx="0">
+            <a:schemeClr val="accent1"/>
+          </a:effectRef>
+          <a:fontRef idx="minor">
+            <a:schemeClr val="tx1"/>
+          </a:fontRef>
+        </p:style>
+      </p:cxnSp>
+      <p:cxnSp>
+        <p:nvCxnSpPr>
+          <p:cNvPr id="23" name="도형 18"/>
+          <p:cNvCxnSpPr/>
+          <p:nvPr/>
+        </p:nvCxnSpPr>
+        <p:spPr>
+          <a:xfrm rot="0" flipV="1">
+            <a:off x="7611110" y="3286760"/>
+            <a:ext cx="3261360" cy="528320"/>
+          </a:xfrm>
+          <a:prstGeom prst="straightConnector1"/>
+          <a:ln w="6350" cap="flat" cmpd="sng">
+            <a:prstDash/>
+            <a:headEnd type="none" w="med" len="med"/>
+            <a:tailEnd type="triangle" w="med" len="med"/>
+          </a:ln>
+        </p:spPr>
+        <p:style>
+          <a:lnRef idx="1">
+            <a:schemeClr val="accent1"/>
+          </a:lnRef>
+          <a:fillRef idx="0">
+            <a:schemeClr val="accent1"/>
+          </a:fillRef>
+          <a:effectRef idx="0">
+            <a:schemeClr val="accent1"/>
+          </a:effectRef>
+          <a:fontRef idx="minor">
+            <a:schemeClr val="tx1"/>
+          </a:fontRef>
+        </p:style>
+      </p:cxnSp>
+      <p:cxnSp>
+        <p:nvCxnSpPr>
+          <p:cNvPr id="24" name="도형 19"/>
+          <p:cNvCxnSpPr/>
+          <p:nvPr/>
+        </p:nvCxnSpPr>
+        <p:spPr>
+          <a:xfrm rot="0" flipV="1">
+            <a:off x="9730105" y="1997710"/>
+            <a:ext cx="1150620" cy="1825625"/>
+          </a:xfrm>
+          <a:prstGeom prst="straightConnector1"/>
+          <a:ln w="6350" cap="flat" cmpd="sng">
+            <a:prstDash/>
+            <a:headEnd type="none" w="med" len="med"/>
+            <a:tailEnd type="triangle" w="med" len="med"/>
+          </a:ln>
+        </p:spPr>
+        <p:style>
+          <a:lnRef idx="1">
+            <a:schemeClr val="accent1"/>
+          </a:lnRef>
+          <a:fillRef idx="0">
+            <a:schemeClr val="accent1"/>
+          </a:fillRef>
+          <a:effectRef idx="0">
+            <a:schemeClr val="accent1"/>
+          </a:effectRef>
+          <a:fontRef idx="minor">
+            <a:schemeClr val="tx1"/>
+          </a:fontRef>
+        </p:style>
+      </p:cxnSp>
+      <p:cxnSp>
+        <p:nvCxnSpPr>
+          <p:cNvPr id="25" name="도형 20"/>
+          <p:cNvCxnSpPr/>
+          <p:nvPr/>
+        </p:nvCxnSpPr>
+        <p:spPr>
+          <a:xfrm rot="0" flipV="1">
+            <a:off x="10499725" y="3122295"/>
+            <a:ext cx="381000" cy="692785"/>
           </a:xfrm>
           <a:prstGeom prst="straightConnector1"/>
           <a:ln w="6350" cap="flat" cmpd="sng">

--- a/Assets/Class/Raycast/PPT Data/RayCast Example.pptx
+++ b/Assets/Class/Raycast/PPT Data/RayCast Example.pptx
@@ -2,7 +2,7 @@
 <file path=ppt/presentation.xml><?xml version="1.0" encoding="utf-8"?>
 <p:presentation xmlns:a="http://schemas.openxmlformats.org/drawingml/2006/main" xmlns:r="http://schemas.openxmlformats.org/officeDocument/2006/relationships" xmlns:p="http://schemas.openxmlformats.org/presentationml/2006/main" xmlns:p14="http://schemas.microsoft.com/office/powerpoint/2010/main" saveSubsetFonts="1" firstSlideNum="0">
   <p:sldMasterIdLst>
-    <p:sldMasterId id="2147485956" r:id="rId12"/>
+    <p:sldMasterId id="2147485965" r:id="rId12"/>
   </p:sldMasterIdLst>
   <p:notesMasterIdLst>
     <p:notesMasterId r:id="rId14"/>
@@ -22,6 +22,7 @@
     <p:sldId id="305" r:id="rId27"/>
     <p:sldId id="306" r:id="rId28"/>
     <p:sldId id="307" r:id="rId29"/>
+    <p:sldId id="308" r:id="rId30"/>
   </p:sldIdLst>
   <p:sldSz cx="12192000" cy="6858000"/>
   <p:notesSz cx="6858000" cy="9144000"/>
@@ -1332,6 +1333,148 @@
 </p:notes>
 </file>
 
+<file path=ppt/notesSlides/notesSlide15.xml><?xml version="1.0" encoding="utf-8"?>
+<p:notes xmlns:a="http://schemas.openxmlformats.org/drawingml/2006/main" xmlns:r="http://schemas.openxmlformats.org/officeDocument/2006/relationships" xmlns:p="http://schemas.openxmlformats.org/presentationml/2006/main">
+  <p:cSld>
+    <p:spTree>
+      <p:nvGrpSpPr>
+        <p:cNvPr id="1" name=""/>
+        <p:cNvGrpSpPr/>
+        <p:nvPr/>
+      </p:nvGrpSpPr>
+      <p:grpSpPr>
+        <a:xfrm>
+          <a:off x="0" y="0"/>
+          <a:ext cx="0" cy="0"/>
+          <a:chOff x="0" y="0"/>
+          <a:chExt cx="0" cy="0"/>
+        </a:xfrm>
+      </p:grpSpPr>
+      <p:sp>
+        <p:nvSpPr>
+          <p:cNvPr id="2" name="슬라이드 이미지 개체 틀 3"/>
+          <p:cNvSpPr>
+            <a:spLocks noChangeAspect="1"/>
+          </p:cNvSpPr>
+          <p:nvPr>
+            <p:ph type="sldImg" idx="2"/>
+          </p:nvPr>
+        </p:nvSpPr>
+        <p:spPr>
+          <a:xfrm rot="0">
+            <a:off x="685800" y="1143000"/>
+            <a:ext cx="5493385" cy="3093085"/>
+          </a:xfrm>
+          <a:prstGeom prst="rect"/>
+          <a:noFill/>
+          <a:ln w="12700" cap="flat" cmpd="sng">
+            <a:solidFill>
+              <a:srgbClr val="000000">
+                <a:alpha val="100000"/>
+              </a:srgbClr>
+            </a:solidFill>
+            <a:prstDash val="solid"/>
+          </a:ln>
+        </p:spPr>
+        <p:txBody>
+          <a:bodyPr wrap="square" lIns="91440" tIns="45720" rIns="91440" bIns="45720" numCol="1" vert="horz" anchor="ctr">
+            <a:noAutofit/>
+          </a:bodyPr>
+          <a:lstStyle/>
+          <a:p>
+            <a:pPr marL="0" indent="0" latinLnBrk="0">
+              <a:buFontTx/>
+              <a:buNone/>
+            </a:pPr>
+          </a:p>
+        </p:txBody>
+      </p:sp>
+      <p:sp>
+        <p:nvSpPr>
+          <p:cNvPr id="3" name="슬라이드 노트 개체 틀 4"/>
+          <p:cNvSpPr txBox="1">
+            <a:spLocks/>
+          </p:cNvSpPr>
+          <p:nvPr>
+            <p:ph type="body" idx="3"/>
+          </p:nvPr>
+        </p:nvSpPr>
+        <p:spPr>
+          <a:xfrm rot="0">
+            <a:off x="685800" y="4400550"/>
+            <a:ext cx="5493385" cy="3607435"/>
+          </a:xfrm>
+          <a:prstGeom prst="rect"/>
+        </p:spPr>
+        <p:txBody>
+          <a:bodyPr wrap="square" lIns="91440" tIns="45720" rIns="91440" bIns="45720" numCol="1" vert="horz" anchor="t">
+            <a:noAutofit/>
+          </a:bodyPr>
+          <a:lstStyle/>
+          <a:p>
+            <a:pPr marL="0" indent="0" latinLnBrk="0">
+              <a:buFontTx/>
+              <a:buNone/>
+            </a:pPr>
+          </a:p>
+        </p:txBody>
+      </p:sp>
+      <p:sp>
+        <p:nvSpPr>
+          <p:cNvPr id="4" name="슬라이드 번호 개체 틀 6"/>
+          <p:cNvSpPr txBox="1">
+            <a:spLocks/>
+          </p:cNvSpPr>
+          <p:nvPr>
+            <p:ph type="sldNum" idx="5"/>
+          </p:nvPr>
+        </p:nvSpPr>
+        <p:spPr>
+          <a:xfrm rot="0">
+            <a:off x="3884930" y="8685530"/>
+            <a:ext cx="2978785" cy="465455"/>
+          </a:xfrm>
+          <a:prstGeom prst="rect"/>
+        </p:spPr>
+        <p:txBody>
+          <a:bodyPr wrap="square" lIns="91440" tIns="45720" rIns="91440" bIns="45720" numCol="1" vert="horz" anchor="b">
+            <a:noAutofit/>
+          </a:bodyPr>
+          <a:lstStyle>
+            <a:lvl1pPr marL="0" indent="0" algn="r" latinLnBrk="0">
+              <a:buFontTx/>
+              <a:buNone/>
+              <a:defRPr lang="en-GB" altLang="en-US" sz="1200"/>
+            </a:lvl1pPr>
+          </a:lstStyle>
+          <a:p>
+            <a:pPr marL="0" indent="0" latinLnBrk="0">
+              <a:buFontTx/>
+              <a:buNone/>
+            </a:pPr>
+            <a:fld id="{B9320F77-B9A0-41C5-862A-B4B631284C64}" type="slidenum">
+              <a:rPr lang="ko-KR" altLang="en-US"/>
+              <a:t>‹#›</a:t>
+            </a:fld>
+          </a:p>
+        </p:txBody>
+      </p:sp>
+    </p:spTree>
+  </p:cSld>
+  <p:clrMapOvr>
+    <a:masterClrMapping/>
+  </p:clrMapOvr>
+  <mc:AlternateContent xmlns:mc="http://schemas.openxmlformats.org/markup-compatibility/2006">
+    <mc:Choice xmlns:p14="http://schemas.microsoft.com/office/powerpoint/2010/main" Requires="p14">
+      <p:transition spd="slow" p14:dur="0"/>
+    </mc:Choice>
+    <mc:Fallback>
+      <p:transition spd="slow"/>
+    </mc:Fallback>
+  </mc:AlternateContent>
+</p:notes>
+</file>
+
 <file path=ppt/notesSlides/notesSlide2.xml><?xml version="1.0" encoding="utf-8"?>
 <p:notes xmlns:a="http://schemas.openxmlformats.org/drawingml/2006/main" xmlns:r="http://schemas.openxmlformats.org/officeDocument/2006/relationships" xmlns:p="http://schemas.openxmlformats.org/presentationml/2006/main">
   <p:cSld>
@@ -7886,7 +8029,7 @@
 </file>
 
 <file path=ppt/slides/slide10.xml><?xml version="1.0" encoding="utf-8"?>
-<p:sld xmlns:a="http://schemas.openxmlformats.org/drawingml/2006/main" xmlns:r="http://schemas.openxmlformats.org/officeDocument/2006/relationships" xmlns:p="http://schemas.openxmlformats.org/presentationml/2006/main">
+<p:sld xmlns:a="http://schemas.openxmlformats.org/drawingml/2006/main" xmlns:r="http://schemas.openxmlformats.org/officeDocument/2006/relationships" xmlns:p="http://schemas.openxmlformats.org/presentationml/2006/main" xmlns:p14="http://schemas.microsoft.com/office/powerpoint/2010/main">
   <p:cSld>
     <p:spTree>
       <p:nvGrpSpPr>
@@ -8168,7 +8311,7 @@
       </p:sp>
       <p:pic>
         <p:nvPicPr>
-          <p:cNvPr id="27" name="그림 22" descr="C:/Users/Admin1/AppData/Roaming/PolarisOffice/ETemp/2948_15255592/fImage185001695705.png"/>
+          <p:cNvPr id="27" name="그림 22"/>
           <p:cNvPicPr>
             <a:picLocks noChangeAspect="1"/>
           </p:cNvPicPr>
@@ -8199,7 +8342,7 @@
       </p:pic>
       <p:pic>
         <p:nvPicPr>
-          <p:cNvPr id="28" name="그림 23" descr="C:/Users/Admin1/AppData/Roaming/PolarisOffice/ETemp/2948_15255592/fImage91192385724.png"/>
+          <p:cNvPr id="28" name="그림 23"/>
           <p:cNvPicPr>
             <a:picLocks noChangeAspect="1"/>
           </p:cNvPicPr>
@@ -8230,7 +8373,7 @@
       </p:pic>
       <p:pic>
         <p:nvPicPr>
-          <p:cNvPr id="29" name="그림 26" descr="C:/Users/Admin1/AppData/Roaming/PolarisOffice/ETemp/2948_15255592/fImage126962391478.png"/>
+          <p:cNvPr id="29" name="그림 26"/>
           <p:cNvPicPr>
             <a:picLocks noChangeAspect="1"/>
           </p:cNvPicPr>
@@ -8261,7 +8404,7 @@
       </p:pic>
       <p:pic>
         <p:nvPicPr>
-          <p:cNvPr id="30" name="그림 27" descr="C:/Users/Admin1/AppData/Roaming/PolarisOffice/ETemp/2948_15255592/fImage127572409358.png"/>
+          <p:cNvPr id="30" name="그림 27"/>
           <p:cNvPicPr>
             <a:picLocks noChangeAspect="1"/>
           </p:cNvPicPr>
@@ -8314,7 +8457,7 @@
 </file>
 
 <file path=ppt/slides/slide11.xml><?xml version="1.0" encoding="utf-8"?>
-<p:sld xmlns:a="http://schemas.openxmlformats.org/drawingml/2006/main" xmlns:r="http://schemas.openxmlformats.org/officeDocument/2006/relationships" xmlns:p="http://schemas.openxmlformats.org/presentationml/2006/main">
+<p:sld xmlns:a="http://schemas.openxmlformats.org/drawingml/2006/main" xmlns:r="http://schemas.openxmlformats.org/officeDocument/2006/relationships" xmlns:p="http://schemas.openxmlformats.org/presentationml/2006/main" xmlns:p14="http://schemas.microsoft.com/office/powerpoint/2010/main">
   <p:cSld>
     <p:spTree>
       <p:nvGrpSpPr>
@@ -8547,7 +8690,7 @@
       </p:sp>
       <p:pic>
         <p:nvPicPr>
-          <p:cNvPr id="31" name="그림 32" descr="C:/Users/Admin1/AppData/Roaming/PolarisOffice/ETemp/2948_15255592/fImage102602516962.png"/>
+          <p:cNvPr id="31" name="그림 32"/>
           <p:cNvPicPr>
             <a:picLocks noChangeAspect="1"/>
           </p:cNvPicPr>
@@ -8578,7 +8721,7 @@
       </p:pic>
       <p:pic>
         <p:nvPicPr>
-          <p:cNvPr id="32" name="그림 35" descr="C:/Users/Admin1/AppData/Roaming/PolarisOffice/ETemp/2948_15255592/fImage91052524464.png"/>
+          <p:cNvPr id="32" name="그림 35"/>
           <p:cNvPicPr>
             <a:picLocks noChangeAspect="1"/>
           </p:cNvPicPr>
@@ -8609,7 +8752,7 @@
       </p:pic>
       <p:pic>
         <p:nvPicPr>
-          <p:cNvPr id="33" name="그림 38" descr="C:/Users/Admin1/AppData/Roaming/PolarisOffice/ETemp/2948_15255592/fImage87482535705.png"/>
+          <p:cNvPr id="33" name="그림 38"/>
           <p:cNvPicPr>
             <a:picLocks noChangeAspect="1"/>
           </p:cNvPicPr>
@@ -8640,7 +8783,7 @@
       </p:pic>
       <p:pic>
         <p:nvPicPr>
-          <p:cNvPr id="36" name="그림 41" descr="C:/Users/Admin1/AppData/Roaming/PolarisOffice/ETemp/2948_15255592/fImage29012568145.png"/>
+          <p:cNvPr id="36" name="그림 41"/>
           <p:cNvPicPr>
             <a:picLocks noChangeAspect="1"/>
           </p:cNvPicPr>
@@ -8735,7 +8878,7 @@
       </p:sp>
       <p:pic>
         <p:nvPicPr>
-          <p:cNvPr id="38" name="그림 45" descr="C:/Users/Admin1/AppData/Roaming/PolarisOffice/ETemp/2948_15255592/fImage91052583281.png"/>
+          <p:cNvPr id="38" name="그림 45"/>
           <p:cNvPicPr>
             <a:picLocks noChangeAspect="1"/>
           </p:cNvPicPr>
@@ -8788,7 +8931,7 @@
 </file>
 
 <file path=ppt/slides/slide12.xml><?xml version="1.0" encoding="utf-8"?>
-<p:sld xmlns:a="http://schemas.openxmlformats.org/drawingml/2006/main" xmlns:r="http://schemas.openxmlformats.org/officeDocument/2006/relationships" xmlns:p="http://schemas.openxmlformats.org/presentationml/2006/main">
+<p:sld xmlns:a="http://schemas.openxmlformats.org/drawingml/2006/main" xmlns:r="http://schemas.openxmlformats.org/officeDocument/2006/relationships" xmlns:p="http://schemas.openxmlformats.org/presentationml/2006/main" xmlns:p14="http://schemas.microsoft.com/office/powerpoint/2010/main">
   <p:cSld>
     <p:spTree>
       <p:nvGrpSpPr>
@@ -9048,7 +9191,7 @@
       </p:sp>
       <p:pic>
         <p:nvPicPr>
-          <p:cNvPr id="39" name="그림 48" descr="C:/Users/Admin1/AppData/Roaming/PolarisOffice/ETemp/2948_15255592/fImage133662736827.png"/>
+          <p:cNvPr id="39" name="그림 48"/>
           <p:cNvPicPr>
             <a:picLocks noChangeAspect="1"/>
           </p:cNvPicPr>
@@ -9079,7 +9222,7 @@
       </p:pic>
       <p:pic>
         <p:nvPicPr>
-          <p:cNvPr id="40" name="그림 51" descr="C:/Users/Admin1/AppData/Roaming/PolarisOffice/ETemp/2948_15255592/fImage91162749961.png"/>
+          <p:cNvPr id="40" name="그림 51"/>
           <p:cNvPicPr>
             <a:picLocks noChangeAspect="1"/>
           </p:cNvPicPr>
@@ -9110,7 +9253,7 @@
       </p:pic>
       <p:pic>
         <p:nvPicPr>
-          <p:cNvPr id="41" name="그림 54" descr="C:/Users/Admin1/AppData/Roaming/PolarisOffice/ETemp/2948_15255592/fImage8768275491.png"/>
+          <p:cNvPr id="41" name="그림 54"/>
           <p:cNvPicPr>
             <a:picLocks noChangeAspect="1"/>
           </p:cNvPicPr>
@@ -9240,7 +9383,7 @@
       </p:cxnSp>
       <p:pic>
         <p:nvPicPr>
-          <p:cNvPr id="45" name="그림 60" descr="C:/Users/Admin1/AppData/Roaming/PolarisOffice/ETemp/2948_15255592/fImage90692792995.png"/>
+          <p:cNvPr id="45" name="그림 60"/>
           <p:cNvPicPr>
             <a:picLocks noChangeAspect="1"/>
           </p:cNvPicPr>
@@ -9271,7 +9414,7 @@
       </p:pic>
       <p:pic>
         <p:nvPicPr>
-          <p:cNvPr id="46" name="그림 63" descr="C:/Users/Admin1/AppData/Roaming/PolarisOffice/ETemp/2948_15255592/fImage138082801942.png"/>
+          <p:cNvPr id="46" name="그림 63"/>
           <p:cNvPicPr>
             <a:picLocks noChangeAspect="1"/>
           </p:cNvPicPr>
@@ -9302,7 +9445,7 @@
       </p:pic>
       <p:pic>
         <p:nvPicPr>
-          <p:cNvPr id="47" name="그림 66" descr="C:/Users/Admin1/AppData/Roaming/PolarisOffice/ETemp/2948_15255592/fImage87182814827.png"/>
+          <p:cNvPr id="47" name="그림 66"/>
           <p:cNvPicPr>
             <a:picLocks noChangeAspect="1"/>
           </p:cNvPicPr>
@@ -9454,7 +9597,7 @@
 </file>
 
 <file path=ppt/slides/slide13.xml><?xml version="1.0" encoding="utf-8"?>
-<p:sld xmlns:a="http://schemas.openxmlformats.org/drawingml/2006/main" xmlns:r="http://schemas.openxmlformats.org/officeDocument/2006/relationships" xmlns:p="http://schemas.openxmlformats.org/presentationml/2006/main">
+<p:sld xmlns:a="http://schemas.openxmlformats.org/drawingml/2006/main" xmlns:r="http://schemas.openxmlformats.org/officeDocument/2006/relationships" xmlns:p="http://schemas.openxmlformats.org/presentationml/2006/main" xmlns:p14="http://schemas.microsoft.com/office/powerpoint/2010/main">
   <p:cSld>
     <p:spTree>
       <p:nvGrpSpPr>
@@ -9687,7 +9830,7 @@
       </p:sp>
       <p:pic>
         <p:nvPicPr>
-          <p:cNvPr id="51" name="그림 72" descr="C:/Users/Admin1/AppData/Roaming/PolarisOffice/ETemp/2948_15255592/fImage98453035436.png"/>
+          <p:cNvPr id="51" name="그림 72"/>
           <p:cNvPicPr>
             <a:picLocks noChangeAspect="1"/>
           </p:cNvPicPr>
@@ -9753,7 +9896,7 @@
       </p:cxnSp>
       <p:pic>
         <p:nvPicPr>
-          <p:cNvPr id="55" name="그림 81" descr="C:/Users/Admin1/AppData/Roaming/PolarisOffice/ETemp/2948_15255592/fImage85063092391.png"/>
+          <p:cNvPr id="55" name="그림 81"/>
           <p:cNvPicPr>
             <a:picLocks noChangeAspect="1"/>
           </p:cNvPicPr>
@@ -9784,7 +9927,7 @@
       </p:pic>
       <p:pic>
         <p:nvPicPr>
-          <p:cNvPr id="56" name="그림 82" descr="C:/Users/Admin1/AppData/Roaming/PolarisOffice/ETemp/2948_15255592/fImage20493104604.png"/>
+          <p:cNvPr id="56" name="그림 82"/>
           <p:cNvPicPr>
             <a:picLocks noChangeAspect="1"/>
           </p:cNvPicPr>
@@ -9815,7 +9958,7 @@
       </p:pic>
       <p:pic>
         <p:nvPicPr>
-          <p:cNvPr id="57" name="그림 83" descr="C:/Users/Admin1/AppData/Roaming/PolarisOffice/ETemp/2948_15255592/fImage32753113902.png"/>
+          <p:cNvPr id="57" name="그림 83"/>
           <p:cNvPicPr>
             <a:picLocks noChangeAspect="1"/>
           </p:cNvPicPr>
@@ -9846,7 +9989,7 @@
       </p:pic>
       <p:pic>
         <p:nvPicPr>
-          <p:cNvPr id="58" name="그림 89" descr="C:/Users/Admin1/AppData/Roaming/PolarisOffice/ETemp/2948_15255592/fImage12321313153.png"/>
+          <p:cNvPr id="58" name="그림 89"/>
           <p:cNvPicPr>
             <a:picLocks noChangeAspect="1"/>
           </p:cNvPicPr>
@@ -9963,6 +10106,556 @@
 </file>
 
 <file path=ppt/slides/slide14.xml><?xml version="1.0" encoding="utf-8"?>
+<p:sld xmlns:a="http://schemas.openxmlformats.org/drawingml/2006/main" xmlns:r="http://schemas.openxmlformats.org/officeDocument/2006/relationships" xmlns:p="http://schemas.openxmlformats.org/presentationml/2006/main" xmlns:p14="http://schemas.microsoft.com/office/powerpoint/2010/main">
+  <p:cSld>
+    <p:spTree>
+      <p:nvGrpSpPr>
+        <p:cNvPr id="1" name=""/>
+        <p:cNvGrpSpPr/>
+        <p:nvPr/>
+      </p:nvGrpSpPr>
+      <p:grpSpPr>
+        <a:xfrm>
+          <a:off x="0" y="0"/>
+          <a:ext cx="0" cy="0"/>
+          <a:chOff x="0" y="0"/>
+          <a:chExt cx="0" cy="0"/>
+        </a:xfrm>
+      </p:grpSpPr>
+      <p:sp>
+        <p:nvSpPr>
+          <p:cNvPr id="5" name="Rect 0"/>
+          <p:cNvSpPr txBox="1">
+            <a:spLocks/>
+          </p:cNvSpPr>
+          <p:nvPr/>
+        </p:nvSpPr>
+        <p:spPr>
+          <a:xfrm rot="0">
+            <a:off x="4309110" y="346710"/>
+            <a:ext cx="3578225" cy="554990"/>
+          </a:xfrm>
+          <a:prstGeom prst="rect"/>
+          <a:noFill/>
+          <a:ln w="0">
+            <a:noFill/>
+            <a:prstDash/>
+          </a:ln>
+        </p:spPr>
+        <p:txBody>
+          <a:bodyPr wrap="square" lIns="89535" tIns="46355" rIns="89535" bIns="46355" numCol="1" vert="horz" anchor="t">
+            <a:spAutoFit/>
+          </a:bodyPr>
+          <a:lstStyle/>
+          <a:p>
+            <a:pPr marL="0" indent="0" algn="l" latinLnBrk="0">
+              <a:buFontTx/>
+              <a:buNone/>
+            </a:pPr>
+            <a:r>
+              <a:rPr lang="ko-KR" altLang="en-US" sz="3000" b="1">
+                <a:solidFill>
+                  <a:schemeClr val="tx1"/>
+                </a:solidFill>
+                <a:latin typeface="맑은 고딕" charset="0"/>
+                <a:ea typeface="맑은 고딕" charset="0"/>
+              </a:rPr>
+              <a:t>열네</a:t>
+            </a:r>
+            <a:r>
+              <a:rPr lang="ko-KR" altLang="en-US" sz="3000" b="1">
+                <a:solidFill>
+                  <a:schemeClr val="tx1"/>
+                </a:solidFill>
+                <a:latin typeface="맑은 고딕" charset="0"/>
+                <a:ea typeface="맑은 고딕" charset="0"/>
+              </a:rPr>
+              <a:t> 번째 튜토리얼</a:t>
+            </a:r>
+            <a:endParaRPr lang="ko-KR" altLang="en-US" sz="3000" b="1">
+              <a:solidFill>
+                <a:schemeClr val="tx1"/>
+              </a:solidFill>
+              <a:latin typeface="맑은 고딕" charset="0"/>
+              <a:ea typeface="맑은 고딕" charset="0"/>
+            </a:endParaRPr>
+          </a:p>
+        </p:txBody>
+      </p:sp>
+      <p:sp>
+        <p:nvSpPr>
+          <p:cNvPr id="26" name="Rect 0"/>
+          <p:cNvSpPr txBox="1">
+            <a:spLocks/>
+          </p:cNvSpPr>
+          <p:nvPr/>
+        </p:nvSpPr>
+        <p:spPr>
+          <a:xfrm rot="0">
+            <a:off x="1353185" y="3328670"/>
+            <a:ext cx="4029075" cy="2892425"/>
+          </a:xfrm>
+          <a:prstGeom prst="rect"/>
+          <a:noFill/>
+          <a:ln w="0">
+            <a:noFill/>
+            <a:prstDash/>
+          </a:ln>
+        </p:spPr>
+        <p:txBody>
+          <a:bodyPr wrap="square" lIns="89535" tIns="46355" rIns="89535" bIns="46355" numCol="1" vert="horz" anchor="t">
+            <a:spAutoFit/>
+          </a:bodyPr>
+          <a:lstStyle/>
+          <a:p>
+            <a:pPr marL="0" indent="0" algn="l" latinLnBrk="0" hangingPunct="1">
+              <a:buFontTx/>
+              <a:buNone/>
+            </a:pPr>
+            <a:r>
+              <a:rPr lang="ko-KR" sz="2000" b="1">
+                <a:solidFill>
+                  <a:srgbClr val="0611F2"/>
+                </a:solidFill>
+                <a:latin typeface="맑은 고딕" charset="0"/>
+                <a:ea typeface="맑은 고딕" charset="0"/>
+              </a:rPr>
+              <a:t>33</a:t>
+            </a:r>
+            <a:r>
+              <a:rPr lang="ko-KR" sz="2000" b="1">
+                <a:solidFill>
+                  <a:srgbClr val="0611F2"/>
+                </a:solidFill>
+                <a:latin typeface="맑은 고딕" charset="0"/>
+                <a:ea typeface="맑은 고딕" charset="0"/>
+              </a:rPr>
+              <a:t>. </a:t>
+            </a:r>
+            <a:r>
+              <a:rPr lang="ko-KR" sz="1800">
+                <a:latin typeface="맑은 고딕" charset="0"/>
+                <a:ea typeface="맑은 고딕" charset="0"/>
+              </a:rPr>
+              <a:t>그런 다음 Wraring(int) 함수를 생성합니다.</a:t>
+            </a:r>
+            <a:endParaRPr lang="ko-KR" altLang="en-US" sz="1800">
+              <a:latin typeface="맑은 고딕" charset="0"/>
+              <a:ea typeface="맑은 고딕" charset="0"/>
+            </a:endParaRPr>
+          </a:p>
+          <a:p>
+            <a:pPr marL="0" indent="0" algn="l" latinLnBrk="0" hangingPunct="1">
+              <a:buFontTx/>
+              <a:buNone/>
+            </a:pPr>
+            <a:endParaRPr lang="ko-KR" altLang="en-US" sz="1800">
+              <a:latin typeface="맑은 고딕" charset="0"/>
+              <a:ea typeface="맑은 고딕" charset="0"/>
+            </a:endParaRPr>
+          </a:p>
+          <a:p>
+            <a:pPr marL="0" indent="0" algn="l" latinLnBrk="0" hangingPunct="1">
+              <a:buFontTx/>
+              <a:buNone/>
+            </a:pPr>
+            <a:r>
+              <a:rPr lang="ko-KR" sz="1800">
+                <a:latin typeface="맑은 고딕" charset="0"/>
+                <a:ea typeface="맑은 고딕" charset="0"/>
+              </a:rPr>
+              <a:t>그다음 조건문으로 함수를 호출할 때마다 count 변수를 증가하도록 설정합니다.</a:t>
+            </a:r>
+            <a:endParaRPr lang="ko-KR" altLang="en-US" sz="1800">
+              <a:latin typeface="맑은 고딕" charset="0"/>
+              <a:ea typeface="맑은 고딕" charset="0"/>
+            </a:endParaRPr>
+          </a:p>
+          <a:p>
+            <a:pPr marL="0" indent="0" algn="l" latinLnBrk="0" hangingPunct="1">
+              <a:buFontTx/>
+              <a:buNone/>
+            </a:pPr>
+            <a:endParaRPr lang="ko-KR" altLang="en-US" sz="1800">
+              <a:latin typeface="맑은 고딕" charset="0"/>
+              <a:ea typeface="맑은 고딕" charset="0"/>
+            </a:endParaRPr>
+          </a:p>
+          <a:p>
+            <a:pPr marL="0" indent="0" algn="l" latinLnBrk="0" hangingPunct="1">
+              <a:buFontTx/>
+              <a:buNone/>
+            </a:pPr>
+            <a:r>
+              <a:rPr lang="ko-KR" sz="1800">
+                <a:latin typeface="맑은 고딕" charset="0"/>
+                <a:ea typeface="맑은 고딕" charset="0"/>
+              </a:rPr>
+              <a:t>마지막으로 count 변수의 홀수와 짝수에 따라 게임 오브젝트의 활성화와 비활성화를 설정합니다.</a:t>
+            </a:r>
+            <a:endParaRPr lang="ko-KR" altLang="en-US" sz="1800">
+              <a:latin typeface="맑은 고딕" charset="0"/>
+              <a:ea typeface="맑은 고딕" charset="0"/>
+            </a:endParaRPr>
+          </a:p>
+        </p:txBody>
+      </p:sp>
+      <p:sp>
+        <p:nvSpPr>
+          <p:cNvPr id="37" name="Rect 0"/>
+          <p:cNvSpPr txBox="1">
+            <a:spLocks/>
+          </p:cNvSpPr>
+          <p:nvPr/>
+        </p:nvSpPr>
+        <p:spPr>
+          <a:xfrm rot="0">
+            <a:off x="6810375" y="4193540"/>
+            <a:ext cx="4134485" cy="2031365"/>
+          </a:xfrm>
+          <a:prstGeom prst="rect"/>
+          <a:noFill/>
+          <a:ln w="0">
+            <a:noFill/>
+            <a:prstDash/>
+          </a:ln>
+        </p:spPr>
+        <p:txBody>
+          <a:bodyPr wrap="square" lIns="89535" tIns="46355" rIns="89535" bIns="46355" numCol="1" vert="horz" anchor="t">
+            <a:spAutoFit/>
+          </a:bodyPr>
+          <a:lstStyle/>
+          <a:p>
+            <a:pPr marL="0" indent="0" rtl="0" algn="l" defTabSz="914400" eaLnBrk="1" latinLnBrk="0" hangingPunct="1">
+              <a:buFontTx/>
+              <a:buNone/>
+            </a:pPr>
+            <a:r>
+              <a:rPr sz="1800" b="1">
+                <a:solidFill>
+                  <a:srgbClr val="0611F2"/>
+                </a:solidFill>
+                <a:latin typeface="맑은 고딕" charset="0"/>
+                <a:ea typeface="맑은 고딕" charset="0"/>
+              </a:rPr>
+              <a:t>34</a:t>
+            </a:r>
+            <a:r>
+              <a:rPr sz="1800" b="1">
+                <a:solidFill>
+                  <a:srgbClr val="0611F2"/>
+                </a:solidFill>
+                <a:latin typeface="맑은 고딕" charset="0"/>
+                <a:ea typeface="맑은 고딕" charset="0"/>
+              </a:rPr>
+              <a:t>.</a:t>
+            </a:r>
+            <a:r>
+              <a:rPr sz="1800">
+                <a:latin typeface="맑은 고딕" charset="0"/>
+                <a:ea typeface="맑은 고딕" charset="0"/>
+              </a:rPr>
+              <a:t> </a:t>
+            </a:r>
+            <a:r>
+              <a:rPr sz="1800">
+                <a:latin typeface="맑은 고딕" charset="0"/>
+                <a:ea typeface="맑은 고딕" charset="0"/>
+              </a:rPr>
+              <a:t>이</a:t>
+            </a:r>
+            <a:r>
+              <a:rPr lang="ko-KR" sz="1800">
+                <a:latin typeface="맑은 고딕" charset="0"/>
+                <a:ea typeface="맑은 고딕" charset="0"/>
+              </a:rPr>
+              <a:t>제</a:t>
+            </a:r>
+            <a:r>
+              <a:rPr sz="1800">
+                <a:latin typeface="맑은 고딕" charset="0"/>
+                <a:ea typeface="맑은 고딕" charset="0"/>
+              </a:rPr>
+              <a:t> </a:t>
+            </a:r>
+            <a:r>
+              <a:rPr lang="ko-KR" sz="1800">
+                <a:latin typeface="맑은 고딕" charset="0"/>
+                <a:ea typeface="맑은 고딕" charset="0"/>
+              </a:rPr>
+              <a:t>Santa Hat Boader와</a:t>
+            </a:r>
+            <a:r>
+              <a:rPr sz="1800">
+                <a:latin typeface="맑은 고딕" charset="0"/>
+                <a:ea typeface="맑은 고딕" charset="0"/>
+              </a:rPr>
+              <a:t> </a:t>
+            </a:r>
+            <a:r>
+              <a:rPr lang="ko-KR" sz="1800">
+                <a:latin typeface="맑은 고딕" charset="0"/>
+                <a:ea typeface="맑은 고딕" charset="0"/>
+              </a:rPr>
+              <a:t>Santa Stick Boader 오브젝트에 </a:t>
+            </a:r>
+            <a:r>
+              <a:rPr sz="1800">
+                <a:latin typeface="맑은 고딕" charset="0"/>
+                <a:ea typeface="맑은 고딕" charset="0"/>
+              </a:rPr>
+              <a:t>On Click( ) 함수를 생성합니다.</a:t>
+            </a:r>
+            <a:endParaRPr lang="ko-KR" altLang="en-US" sz="1800">
+              <a:latin typeface="맑은 고딕" charset="0"/>
+              <a:ea typeface="맑은 고딕" charset="0"/>
+            </a:endParaRPr>
+          </a:p>
+          <a:p>
+            <a:pPr marL="0" indent="0" rtl="0" algn="l" defTabSz="914400" eaLnBrk="1" latinLnBrk="0" hangingPunct="1">
+              <a:buFontTx/>
+              <a:buNone/>
+            </a:pPr>
+            <a:endParaRPr lang="ko-KR" altLang="en-US" sz="1800">
+              <a:latin typeface="맑은 고딕" charset="0"/>
+              <a:ea typeface="맑은 고딕" charset="0"/>
+            </a:endParaRPr>
+          </a:p>
+          <a:p>
+            <a:pPr marL="0" indent="0" rtl="0" algn="l" defTabSz="914400" eaLnBrk="1" latinLnBrk="0" hangingPunct="1">
+              <a:buFontTx/>
+              <a:buNone/>
+            </a:pPr>
+            <a:r>
+              <a:rPr sz="1800">
+                <a:latin typeface="맑은 고딕" charset="0"/>
+                <a:ea typeface="맑은 고딕" charset="0"/>
+              </a:rPr>
+              <a:t>그</a:t>
+            </a:r>
+            <a:r>
+              <a:rPr sz="1800">
+                <a:latin typeface="맑은 고딕" charset="0"/>
+                <a:ea typeface="맑은 고딕" charset="0"/>
+              </a:rPr>
+              <a:t>리</a:t>
+            </a:r>
+            <a:r>
+              <a:rPr lang="ko-KR" sz="1800">
+                <a:latin typeface="맑은 고딕" charset="0"/>
+                <a:ea typeface="맑은 고딕" charset="0"/>
+              </a:rPr>
+              <a:t>고</a:t>
+            </a:r>
+            <a:r>
+              <a:rPr sz="1800">
+                <a:latin typeface="맑은 고딕" charset="0"/>
+                <a:ea typeface="맑은 고딕" charset="0"/>
+              </a:rPr>
+              <a:t> 각각의 버튼에 있는 On Click( ) 함수에 </a:t>
+            </a:r>
+            <a:r>
+              <a:rPr lang="ko-KR" sz="1800">
+                <a:latin typeface="맑은 고딕" charset="0"/>
+                <a:ea typeface="맑은 고딕" charset="0"/>
+              </a:rPr>
+              <a:t>Cover Manager</a:t>
+            </a:r>
+            <a:r>
+              <a:rPr sz="1800">
+                <a:latin typeface="맑은 고딕" charset="0"/>
+                <a:ea typeface="맑은 고딕" charset="0"/>
+              </a:rPr>
+              <a:t> 오브젝트를 넣어줍니다.</a:t>
+            </a:r>
+            <a:endParaRPr lang="ko-KR" altLang="en-US" sz="1800">
+              <a:latin typeface="맑은 고딕" charset="0"/>
+              <a:ea typeface="맑은 고딕" charset="0"/>
+            </a:endParaRPr>
+          </a:p>
+        </p:txBody>
+      </p:sp>
+      <p:pic>
+        <p:nvPicPr>
+          <p:cNvPr id="60" name="그림 93"/>
+          <p:cNvPicPr>
+            <a:picLocks noChangeAspect="1"/>
+          </p:cNvPicPr>
+          <p:nvPr/>
+        </p:nvPicPr>
+        <p:blipFill rotWithShape="1">
+          <a:blip r:embed="rId2" cstate="print">
+            <a:extLst>
+              <a:ext uri="{28A0092B-C50C-407E-A947-70E740481C1C}">
+                <a14:useLocalDpi xmlns:a14="http://schemas.microsoft.com/office/drawing/2010/main" val="0"/>
+              </a:ext>
+            </a:extLst>
+          </a:blip>
+          <a:stretch>
+            <a:fillRect/>
+          </a:stretch>
+        </p:blipFill>
+        <p:spPr>
+          <a:xfrm rot="0">
+            <a:off x="1352550" y="1352550"/>
+            <a:ext cx="4039235" cy="1858010"/>
+          </a:xfrm>
+          <a:prstGeom prst="roundRect"/>
+          <a:solidFill>
+            <a:srgbClr val="EDEDED"/>
+          </a:solidFill>
+        </p:spPr>
+      </p:pic>
+      <p:pic>
+        <p:nvPicPr>
+          <p:cNvPr id="61" name="그림 97"/>
+          <p:cNvPicPr>
+            <a:picLocks noChangeAspect="1"/>
+          </p:cNvPicPr>
+          <p:nvPr/>
+        </p:nvPicPr>
+        <p:blipFill rotWithShape="1">
+          <a:blip r:embed="rId3" cstate="hqprint">
+            <a:extLst>
+              <a:ext uri="{28A0092B-C50C-407E-A947-70E740481C1C}">
+                <a14:useLocalDpi xmlns:a14="http://schemas.microsoft.com/office/drawing/2010/main"/>
+              </a:ext>
+            </a:extLst>
+          </a:blip>
+          <a:stretch>
+            <a:fillRect/>
+          </a:stretch>
+        </p:blipFill>
+        <p:spPr>
+          <a:xfrm rot="0">
+            <a:off x="8353425" y="1352550"/>
+            <a:ext cx="2639695" cy="1153160"/>
+          </a:xfrm>
+          <a:prstGeom prst="roundRect"/>
+          <a:solidFill>
+            <a:srgbClr val="EDEDED"/>
+          </a:solidFill>
+        </p:spPr>
+      </p:pic>
+      <p:pic>
+        <p:nvPicPr>
+          <p:cNvPr id="62" name="그림 98"/>
+          <p:cNvPicPr>
+            <a:picLocks noChangeAspect="1"/>
+          </p:cNvPicPr>
+          <p:nvPr/>
+        </p:nvPicPr>
+        <p:blipFill rotWithShape="1">
+          <a:blip r:embed="rId4" cstate="hqprint">
+            <a:extLst>
+              <a:ext uri="{28A0092B-C50C-407E-A947-70E740481C1C}">
+                <a14:useLocalDpi xmlns:a14="http://schemas.microsoft.com/office/drawing/2010/main"/>
+              </a:ext>
+            </a:extLst>
+          </a:blip>
+          <a:stretch>
+            <a:fillRect/>
+          </a:stretch>
+        </p:blipFill>
+        <p:spPr>
+          <a:xfrm rot="0">
+            <a:off x="8353425" y="2762250"/>
+            <a:ext cx="2630170" cy="1143635"/>
+          </a:xfrm>
+          <a:prstGeom prst="roundRect"/>
+          <a:solidFill>
+            <a:srgbClr val="EDEDED"/>
+          </a:solidFill>
+        </p:spPr>
+      </p:pic>
+      <p:pic>
+        <p:nvPicPr>
+          <p:cNvPr id="63" name="그림 99"/>
+          <p:cNvPicPr>
+            <a:picLocks noChangeAspect="1"/>
+          </p:cNvPicPr>
+          <p:nvPr/>
+        </p:nvPicPr>
+        <p:blipFill rotWithShape="1">
+          <a:blip r:embed="rId5" cstate="print">
+            <a:extLst>
+              <a:ext uri="{28A0092B-C50C-407E-A947-70E740481C1C}">
+                <a14:useLocalDpi xmlns:a14="http://schemas.microsoft.com/office/drawing/2010/main" val="0"/>
+              </a:ext>
+            </a:extLst>
+          </a:blip>
+          <a:stretch>
+            <a:fillRect/>
+          </a:stretch>
+        </p:blipFill>
+        <p:spPr>
+          <a:xfrm rot="0">
+            <a:off x="6810375" y="1343025"/>
+            <a:ext cx="1381760" cy="2572385"/>
+          </a:xfrm>
+          <a:prstGeom prst="roundRect"/>
+          <a:solidFill>
+            <a:srgbClr val="EDEDED"/>
+          </a:solidFill>
+        </p:spPr>
+      </p:pic>
+      <p:cxnSp>
+        <p:nvCxnSpPr>
+          <p:cNvPr id="64" name="도형 102"/>
+          <p:cNvCxnSpPr/>
+          <p:nvPr/>
+        </p:nvCxnSpPr>
+        <p:spPr>
+          <a:xfrm rot="0" flipV="1">
+            <a:off x="7800975" y="3457575"/>
+            <a:ext cx="1305560" cy="295910"/>
+          </a:xfrm>
+          <a:prstGeom prst="straightConnector1"/>
+          <a:ln w="6350" cap="flat" cmpd="sng">
+            <a:prstDash/>
+            <a:headEnd type="none" w="med" len="med"/>
+            <a:tailEnd type="triangle" w="med" len="med"/>
+          </a:ln>
+        </p:spPr>
+        <p:style>
+          <a:lnRef idx="1">
+            <a:schemeClr val="accent1"/>
+          </a:lnRef>
+          <a:fillRef idx="0">
+            <a:schemeClr val="accent1"/>
+          </a:fillRef>
+          <a:effectRef idx="0">
+            <a:schemeClr val="accent1"/>
+          </a:effectRef>
+          <a:fontRef idx="minor">
+            <a:schemeClr val="tx1"/>
+          </a:fontRef>
+        </p:style>
+      </p:cxnSp>
+    </p:spTree>
+  </p:cSld>
+  <p:clrMapOvr>
+    <a:masterClrMapping/>
+  </p:clrMapOvr>
+  <mc:AlternateContent xmlns:mc="http://schemas.openxmlformats.org/markup-compatibility/2006">
+    <mc:Choice xmlns:p14="http://schemas.microsoft.com/office/powerpoint/2010/main" Requires="p14">
+      <p:transition spd="slow" p14:dur="2000"/>
+    </mc:Choice>
+    <mc:Fallback>
+      <p:transition spd="slow"/>
+    </mc:Fallback>
+  </mc:AlternateContent>
+  <p:timing>
+    <p:tnLst>
+      <p:par>
+        <p:cTn id="1" dur="indefinite" restart="never" nodeType="tmRoot"/>
+      </p:par>
+    </p:tnLst>
+  </p:timing>
+</p:sld>
+</file>
+
+<file path=ppt/slides/slide15.xml><?xml version="1.0" encoding="utf-8"?>
 <p:sld xmlns:a="http://schemas.openxmlformats.org/drawingml/2006/main" xmlns:r="http://schemas.openxmlformats.org/officeDocument/2006/relationships" xmlns:p="http://schemas.openxmlformats.org/presentationml/2006/main">
   <p:cSld>
     <p:spTree>
@@ -9989,8 +10682,8 @@
         </p:nvSpPr>
         <p:spPr>
           <a:xfrm rot="0">
-            <a:off x="4309110" y="346710"/>
-            <a:ext cx="3578225" cy="554990"/>
+            <a:off x="4118610" y="346710"/>
+            <a:ext cx="3959860" cy="554990"/>
           </a:xfrm>
           <a:prstGeom prst="rect"/>
           <a:noFill/>
@@ -10017,7 +10710,17 @@
                 <a:latin typeface="맑은 고딕" charset="0"/>
                 <a:ea typeface="맑은 고딕" charset="0"/>
               </a:rPr>
-              <a:t>열네</a:t>
+              <a:t>열</a:t>
+            </a:r>
+            <a:r>
+              <a:rPr lang="ko-KR" altLang="en-US" sz="3000" b="1">
+                <a:solidFill>
+                  <a:schemeClr val="tx1"/>
+                </a:solidFill>
+                <a:latin typeface="맑은 고딕" charset="0"/>
+                <a:ea typeface="맑은 고딕" charset="0"/>
+              </a:rPr>
+              <a:t>다섯</a:t>
             </a:r>
             <a:r>
               <a:rPr lang="ko-KR" altLang="en-US" sz="3000" b="1">
@@ -10049,8 +10752,8 @@
         </p:nvSpPr>
         <p:spPr>
           <a:xfrm rot="0">
-            <a:off x="1353185" y="3328670"/>
-            <a:ext cx="4029075" cy="2892425"/>
+            <a:off x="1362075" y="4747260"/>
+            <a:ext cx="4029710" cy="1477645"/>
           </a:xfrm>
           <a:prstGeom prst="rect"/>
           <a:noFill/>
@@ -10065,36 +10768,92 @@
           </a:bodyPr>
           <a:lstStyle/>
           <a:p>
-            <a:pPr marL="0" indent="0" algn="l" latinLnBrk="0" hangingPunct="1">
-              <a:buFontTx/>
-              <a:buNone/>
-            </a:pPr>
-            <a:r>
-              <a:rPr lang="ko-KR" sz="2000" b="1">
+            <a:pPr marL="0" indent="0" rtl="0" algn="l" defTabSz="914400" eaLnBrk="1" latinLnBrk="0" hangingPunct="1">
+              <a:buFontTx/>
+              <a:buNone/>
+            </a:pPr>
+            <a:r>
+              <a:rPr sz="1800" b="1">
                 <a:solidFill>
                   <a:srgbClr val="0611F2"/>
                 </a:solidFill>
                 <a:latin typeface="맑은 고딕" charset="0"/>
                 <a:ea typeface="맑은 고딕" charset="0"/>
               </a:rPr>
-              <a:t>33</a:t>
-            </a:r>
-            <a:r>
-              <a:rPr lang="ko-KR" sz="2000" b="1">
+              <a:t>35</a:t>
+            </a:r>
+            <a:r>
+              <a:rPr sz="1800" b="1">
                 <a:solidFill>
                   <a:srgbClr val="0611F2"/>
                 </a:solidFill>
                 <a:latin typeface="맑은 고딕" charset="0"/>
                 <a:ea typeface="맑은 고딕" charset="0"/>
               </a:rPr>
-              <a:t>. </a:t>
+              <a:t>.</a:t>
+            </a:r>
+            <a:r>
+              <a:rPr sz="1800">
+                <a:latin typeface="맑은 고딕" charset="0"/>
+                <a:ea typeface="맑은 고딕" charset="0"/>
+              </a:rPr>
+              <a:t> </a:t>
+            </a:r>
+            <a:r>
+              <a:rPr sz="1800">
+                <a:latin typeface="맑은 고딕" charset="0"/>
+                <a:ea typeface="맑은 고딕" charset="0"/>
+              </a:rPr>
+              <a:t>그</a:t>
             </a:r>
             <a:r>
               <a:rPr lang="ko-KR" sz="1800">
                 <a:latin typeface="맑은 고딕" charset="0"/>
                 <a:ea typeface="맑은 고딕" charset="0"/>
               </a:rPr>
-              <a:t>그런 다음 Wraring(int) 함수를 생성합니다.</a:t>
+              <a:t>런 다음</a:t>
+            </a:r>
+            <a:r>
+              <a:rPr sz="1800">
+                <a:latin typeface="맑은 고딕" charset="0"/>
+                <a:ea typeface="맑은 고딕" charset="0"/>
+              </a:rPr>
+              <a:t> </a:t>
+            </a:r>
+            <a:r>
+              <a:rPr sz="1800">
+                <a:latin typeface="맑은 고딕" charset="0"/>
+                <a:ea typeface="맑은 고딕" charset="0"/>
+              </a:rPr>
+              <a:t>Co</a:t>
+            </a:r>
+            <a:r>
+              <a:rPr lang="ko-KR" sz="1800">
+                <a:latin typeface="맑은 고딕" charset="0"/>
+                <a:ea typeface="맑은 고딕" charset="0"/>
+              </a:rPr>
+              <a:t>ver</a:t>
+            </a:r>
+            <a:r>
+              <a:rPr sz="1800">
+                <a:latin typeface="맑은 고딕" charset="0"/>
+                <a:ea typeface="맑은 고딕" charset="0"/>
+              </a:rPr>
+              <a:t> 스크립트에 있는 </a:t>
+            </a:r>
+            <a:r>
+              <a:rPr sz="1800">
+                <a:latin typeface="맑은 고딕" charset="0"/>
+                <a:ea typeface="맑은 고딕" charset="0"/>
+              </a:rPr>
+              <a:t>Wearing</a:t>
+            </a:r>
+            <a:r>
+              <a:rPr sz="1800">
+                <a:latin typeface="맑은 고딕" charset="0"/>
+                <a:ea typeface="맑은 고딕" charset="0"/>
+              </a:rPr>
+              <a:t>( ) 함수를 선택합니다.</a:t>
             </a:r>
             <a:endParaRPr lang="ko-KR" altLang="en-US" sz="1800">
               <a:latin typeface="맑은 고딕" charset="0"/>
@@ -10102,7 +10861,7 @@
             </a:endParaRPr>
           </a:p>
           <a:p>
-            <a:pPr marL="0" indent="0" algn="l" latinLnBrk="0" hangingPunct="1">
+            <a:pPr marL="0" indent="0" rtl="0" algn="l" defTabSz="914400" eaLnBrk="1" latinLnBrk="0" hangingPunct="1">
               <a:buFontTx/>
               <a:buNone/>
             </a:pPr>
@@ -10112,49 +10871,50 @@
             </a:endParaRPr>
           </a:p>
           <a:p>
-            <a:pPr marL="0" indent="0" algn="l" latinLnBrk="0" hangingPunct="1">
-              <a:buFontTx/>
-              <a:buNone/>
-            </a:pPr>
+            <a:pPr marL="0" indent="0" rtl="0" algn="l" defTabSz="914400" eaLnBrk="1" latinLnBrk="0" hangingPunct="1">
+              <a:buFontTx/>
+              <a:buNone/>
+            </a:pPr>
+            <a:r>
+              <a:rPr sz="1800">
+                <a:latin typeface="맑은 고딕" charset="0"/>
+                <a:ea typeface="맑은 고딕" charset="0"/>
+              </a:rPr>
+              <a:t>그다음</a:t>
+            </a:r>
+            <a:r>
+              <a:rPr sz="1800">
+                <a:latin typeface="맑은 고딕" charset="0"/>
+                <a:ea typeface="맑은 고딕" charset="0"/>
+              </a:rPr>
+              <a:t>으</a:t>
+            </a:r>
             <a:r>
               <a:rPr lang="ko-KR" sz="1800">
                 <a:latin typeface="맑은 고딕" charset="0"/>
                 <a:ea typeface="맑은 고딕" charset="0"/>
               </a:rPr>
-              <a:t>그다음 조건문으로 함수를 호출할 때마다 count 변수를 증가하도록 설정합니다.</a:t>
+              <a:t>로</a:t>
+            </a:r>
+            <a:r>
+              <a:rPr sz="1800">
+                <a:latin typeface="맑은 고딕" charset="0"/>
+                <a:ea typeface="맑은 고딕" charset="0"/>
+              </a:rPr>
+              <a:t> 각각의 버튼에 원하는</a:t>
+            </a:r>
+            <a:r>
+              <a:rPr lang="ko-KR" sz="1800">
+                <a:latin typeface="맑은 고딕" charset="0"/>
+                <a:ea typeface="맑은 고딕" charset="0"/>
+              </a:rPr>
+              <a:t> 정수값을 설정합니다.</a:t>
             </a:r>
             <a:endParaRPr lang="ko-KR" altLang="en-US" sz="1800">
               <a:latin typeface="맑은 고딕" charset="0"/>
               <a:ea typeface="맑은 고딕" charset="0"/>
             </a:endParaRPr>
           </a:p>
-          <a:p>
-            <a:pPr marL="0" indent="0" algn="l" latinLnBrk="0" hangingPunct="1">
-              <a:buFontTx/>
-              <a:buNone/>
-            </a:pPr>
-            <a:endParaRPr lang="ko-KR" altLang="en-US" sz="1800">
-              <a:latin typeface="맑은 고딕" charset="0"/>
-              <a:ea typeface="맑은 고딕" charset="0"/>
-            </a:endParaRPr>
-          </a:p>
-          <a:p>
-            <a:pPr marL="0" indent="0" algn="l" latinLnBrk="0" hangingPunct="1">
-              <a:buFontTx/>
-              <a:buNone/>
-            </a:pPr>
-            <a:r>
-              <a:rPr lang="ko-KR" sz="1800">
-                <a:latin typeface="맑은 고딕" charset="0"/>
-                <a:ea typeface="맑은 고딕" charset="0"/>
-              </a:rPr>
-              <a:t>마지막으로 count 변수의 홀수와 짝수에 따라 게임 오브젝트의 활성화와 비활성화를 설정합니다.</a:t>
-            </a:r>
-            <a:endParaRPr lang="ko-KR" altLang="en-US" sz="1800">
-              <a:latin typeface="맑은 고딕" charset="0"/>
-              <a:ea typeface="맑은 고딕" charset="0"/>
-            </a:endParaRPr>
-          </a:p>
         </p:txBody>
       </p:sp>
       <p:sp>
@@ -10167,8 +10927,8 @@
         </p:nvSpPr>
         <p:spPr>
           <a:xfrm rot="0">
-            <a:off x="6810375" y="4193540"/>
-            <a:ext cx="4134485" cy="2031365"/>
+            <a:off x="6801485" y="3639820"/>
+            <a:ext cx="4157345" cy="2585085"/>
           </a:xfrm>
           <a:prstGeom prst="rect"/>
           <a:noFill/>
@@ -10195,7 +10955,7 @@
                 <a:latin typeface="맑은 고딕" charset="0"/>
                 <a:ea typeface="맑은 고딕" charset="0"/>
               </a:rPr>
-              <a:t>34</a:t>
+              <a:t>3</a:t>
             </a:r>
             <a:r>
               <a:rPr sz="1800" b="1">
@@ -10205,6 +10965,16 @@
                 <a:latin typeface="맑은 고딕" charset="0"/>
                 <a:ea typeface="맑은 고딕" charset="0"/>
               </a:rPr>
+              <a:t>6</a:t>
+            </a:r>
+            <a:r>
+              <a:rPr sz="1800" b="1">
+                <a:solidFill>
+                  <a:srgbClr val="0611F2"/>
+                </a:solidFill>
+                <a:latin typeface="맑은 고딕" charset="0"/>
+                <a:ea typeface="맑은 고딕" charset="0"/>
+              </a:rPr>
               <a:t>.</a:t>
             </a:r>
             <a:r>
@@ -10219,49 +10989,14 @@
                 <a:latin typeface="맑은 고딕" charset="0"/>
                 <a:ea typeface="맑은 고딕" charset="0"/>
               </a:rPr>
-              <a:t>이</a:t>
+              <a:t>마지막으</a:t>
             </a:r>
             <a:r>
               <a:rPr lang="ko-KR" sz="1800">
                 <a:latin typeface="맑은 고딕" charset="0"/>
                 <a:ea typeface="맑은 고딕" charset="0"/>
               </a:rPr>
-              <a:t>제</a:t>
-            </a:r>
-            <a:r>
-              <a:rPr sz="1800">
-                <a:latin typeface="맑은 고딕" charset="0"/>
-                <a:ea typeface="맑은 고딕" charset="0"/>
-              </a:rPr>
-              <a:t> </a:t>
-            </a:r>
-            <a:r>
-              <a:rPr lang="ko-KR" sz="1800">
-                <a:latin typeface="맑은 고딕" charset="0"/>
-                <a:ea typeface="맑은 고딕" charset="0"/>
-              </a:rPr>
-              <a:t>Santa Hat Boader와</a:t>
-            </a:r>
-            <a:r>
-              <a:rPr sz="1800">
-                <a:latin typeface="맑은 고딕" charset="0"/>
-                <a:ea typeface="맑은 고딕" charset="0"/>
-              </a:rPr>
-              <a:t> </a:t>
-            </a:r>
-            <a:r>
-              <a:rPr lang="ko-KR" sz="1800">
-                <a:latin typeface="맑은 고딕" charset="0"/>
-                <a:ea typeface="맑은 고딕" charset="0"/>
-              </a:rPr>
-              <a:t>Santa Stick Boader 오브젝트에 </a:t>
-            </a:r>
-            <a:r>
-              <a:rPr sz="1800">
-                <a:latin typeface="맑은 고딕" charset="0"/>
-                <a:ea typeface="맑은 고딕" charset="0"/>
-              </a:rPr>
-              <a:t>On Click( ) 함수를 생성합니다.</a:t>
+              <a:t>로 Cover Manager 오브젝트에 있는 Cover 스크립트에 Equipment와 count의 Size를 설정합니다.</a:t>
             </a:r>
             <a:endParaRPr lang="ko-KR" altLang="en-US" sz="1800">
               <a:latin typeface="맑은 고딕" charset="0"/>
@@ -10284,46 +11019,11 @@
               <a:buNone/>
             </a:pPr>
             <a:r>
-              <a:rPr sz="1800">
-                <a:latin typeface="맑은 고딕" charset="0"/>
-                <a:ea typeface="맑은 고딕" charset="0"/>
-              </a:rPr>
-              <a:t>그</a:t>
-            </a:r>
-            <a:r>
-              <a:rPr sz="1800">
-                <a:latin typeface="맑은 고딕" charset="0"/>
-                <a:ea typeface="맑은 고딕" charset="0"/>
-              </a:rPr>
-              <a:t>리</a:t>
-            </a:r>
-            <a:r>
               <a:rPr lang="ko-KR" sz="1800">
                 <a:latin typeface="맑은 고딕" charset="0"/>
                 <a:ea typeface="맑은 고딕" charset="0"/>
               </a:rPr>
-              <a:t>고</a:t>
-            </a:r>
-            <a:r>
-              <a:rPr sz="1800">
-                <a:latin typeface="맑은 고딕" charset="0"/>
-                <a:ea typeface="맑은 고딕" charset="0"/>
-              </a:rPr>
-              <a:t> 각각의 버튼에 있는 On Click( ) 함수에 </a:t>
-            </a:r>
-            <a:r>
-              <a:rPr lang="ko-KR" sz="1800">
-                <a:latin typeface="맑은 고딕" charset="0"/>
-                <a:ea typeface="맑은 고딕" charset="0"/>
-              </a:rPr>
-              <a:t>Cover Manager</a:t>
-            </a:r>
-            <a:r>
-              <a:rPr sz="1800">
-                <a:latin typeface="맑은 고딕" charset="0"/>
-                <a:ea typeface="맑은 고딕" charset="0"/>
-              </a:rPr>
-              <a:t> 오브젝트를 넣어줍니다.</a:t>
+              <a:t>그리고 Equipment에 Element 0에는 Santa Hat 오브젝트를 넣어주고 Element 1에는 Candy Cane 오브젝트를 넣어줍니다.</a:t>
             </a:r>
             <a:endParaRPr lang="ko-KR" altLang="en-US" sz="1800">
               <a:latin typeface="맑은 고딕" charset="0"/>
@@ -10334,7 +11034,7 @@
       </p:sp>
       <p:pic>
         <p:nvPicPr>
-          <p:cNvPr id="60" name="그림 93" descr="C:/Users/Admin1/AppData/Roaming/PolarisOffice/ETemp/2948_15255592/fImage6225328292.png"/>
+          <p:cNvPr id="65" name="그림 1" descr="C:/Users/Admin1/AppData/Roaming/PolarisOffice/ETemp/17756_14083064/fImage659230541.png"/>
           <p:cNvPicPr>
             <a:picLocks noChangeAspect="1"/>
           </p:cNvPicPr>
@@ -10354,8 +11054,8 @@
         </p:blipFill>
         <p:spPr>
           <a:xfrm rot="0">
-            <a:off x="1352550" y="1352550"/>
-            <a:ext cx="4039235" cy="1858010"/>
+            <a:off x="1358900" y="1358900"/>
+            <a:ext cx="4030345" cy="1504315"/>
           </a:xfrm>
           <a:prstGeom prst="roundRect"/>
           <a:solidFill>
@@ -10365,17 +11065,17 @@
       </p:pic>
       <p:pic>
         <p:nvPicPr>
-          <p:cNvPr id="61" name="그림 97" descr="C:/Users/Admin1/AppData/Roaming/PolarisOffice/ETemp/2948_15255592/fImage30173312382.png"/>
+          <p:cNvPr id="66" name="그림 2" descr="C:/Users/Admin1/AppData/Roaming/PolarisOffice/ETemp/17756_14083064/fImage67783068467.png"/>
           <p:cNvPicPr>
             <a:picLocks noChangeAspect="1"/>
           </p:cNvPicPr>
           <p:nvPr/>
         </p:nvPicPr>
         <p:blipFill rotWithShape="1">
-          <a:blip r:embed="rId3" cstate="hqprint">
+          <a:blip r:embed="rId3" cstate="print">
             <a:extLst>
               <a:ext uri="{28A0092B-C50C-407E-A947-70E740481C1C}">
-                <a14:useLocalDpi xmlns:a14="http://schemas.microsoft.com/office/drawing/2010/main"/>
+                <a14:useLocalDpi xmlns:a14="http://schemas.microsoft.com/office/drawing/2010/main" val="0"/>
               </a:ext>
             </a:extLst>
           </a:blip>
@@ -10385,8 +11085,8 @@
         </p:blipFill>
         <p:spPr>
           <a:xfrm rot="0">
-            <a:off x="8353425" y="1352550"/>
-            <a:ext cx="2639695" cy="1153160"/>
+            <a:off x="1355090" y="3070860"/>
+            <a:ext cx="4042410" cy="1525905"/>
           </a:xfrm>
           <a:prstGeom prst="roundRect"/>
           <a:solidFill>
@@ -10396,17 +11096,17 @@
       </p:pic>
       <p:pic>
         <p:nvPicPr>
-          <p:cNvPr id="62" name="그림 98" descr="C:/Users/Admin1/AppData/Roaming/PolarisOffice/ETemp/2948_15255592/fImage55663327421.png"/>
+          <p:cNvPr id="67" name="그림 7" descr="C:/Users/Admin1/AppData/Roaming/PolarisOffice/ETemp/17756_14083064/fImage153903076334.png"/>
           <p:cNvPicPr>
             <a:picLocks noChangeAspect="1"/>
           </p:cNvPicPr>
           <p:nvPr/>
         </p:nvPicPr>
         <p:blipFill rotWithShape="1">
-          <a:blip r:embed="rId4" cstate="hqprint">
+          <a:blip r:embed="rId4" cstate="print">
             <a:extLst>
               <a:ext uri="{28A0092B-C50C-407E-A947-70E740481C1C}">
-                <a14:useLocalDpi xmlns:a14="http://schemas.microsoft.com/office/drawing/2010/main"/>
+                <a14:useLocalDpi xmlns:a14="http://schemas.microsoft.com/office/drawing/2010/main" val="0"/>
               </a:ext>
             </a:extLst>
           </a:blip>
@@ -10416,8 +11116,8 @@
         </p:blipFill>
         <p:spPr>
           <a:xfrm rot="0">
-            <a:off x="8353425" y="2762250"/>
-            <a:ext cx="2630170" cy="1143635"/>
+            <a:off x="8112760" y="1357630"/>
+            <a:ext cx="2840355" cy="2128520"/>
           </a:xfrm>
           <a:prstGeom prst="roundRect"/>
           <a:solidFill>
@@ -10427,7 +11127,7 @@
       </p:pic>
       <p:pic>
         <p:nvPicPr>
-          <p:cNvPr id="63" name="그림 99" descr="C:/Users/Admin1/AppData/Roaming/PolarisOffice/ETemp/2948_15255592/fImage120493338716.png"/>
+          <p:cNvPr id="68" name="그림 10" descr="C:/Users/Admin1/AppData/Roaming/PolarisOffice/ETemp/17756_14083064/fImage121213086500.png"/>
           <p:cNvPicPr>
             <a:picLocks noChangeAspect="1"/>
           </p:cNvPicPr>
@@ -10447,8 +11147,8 @@
         </p:blipFill>
         <p:spPr>
           <a:xfrm rot="0">
-            <a:off x="6810375" y="1343025"/>
-            <a:ext cx="1381760" cy="2572385"/>
+            <a:off x="6798945" y="1349375"/>
+            <a:ext cx="1193165" cy="2140585"/>
           </a:xfrm>
           <a:prstGeom prst="roundRect"/>
           <a:solidFill>
@@ -10458,14 +11158,47 @@
       </p:pic>
       <p:cxnSp>
         <p:nvCxnSpPr>
-          <p:cNvPr id="64" name="도형 102"/>
+          <p:cNvPr id="69" name="도형 13"/>
           <p:cNvCxnSpPr/>
           <p:nvPr/>
         </p:nvCxnSpPr>
         <p:spPr>
-          <a:xfrm rot="0" flipV="1">
-            <a:off x="7800975" y="3457575"/>
-            <a:ext cx="1305560" cy="295910"/>
+          <a:xfrm rot="0">
+            <a:off x="7619365" y="2066925"/>
+            <a:ext cx="3270250" cy="441960"/>
+          </a:xfrm>
+          <a:prstGeom prst="straightConnector1"/>
+          <a:ln w="6350" cap="flat" cmpd="sng">
+            <a:prstDash/>
+            <a:headEnd type="none" w="med" len="med"/>
+            <a:tailEnd type="triangle" w="med" len="med"/>
+          </a:ln>
+        </p:spPr>
+        <p:style>
+          <a:lnRef idx="1">
+            <a:schemeClr val="accent1"/>
+          </a:lnRef>
+          <a:fillRef idx="0">
+            <a:schemeClr val="accent1"/>
+          </a:fillRef>
+          <a:effectRef idx="0">
+            <a:schemeClr val="accent1"/>
+          </a:effectRef>
+          <a:fontRef idx="minor">
+            <a:schemeClr val="tx1"/>
+          </a:fontRef>
+        </p:style>
+      </p:cxnSp>
+      <p:cxnSp>
+        <p:nvCxnSpPr>
+          <p:cNvPr id="70" name="도형 14"/>
+          <p:cNvCxnSpPr/>
+          <p:nvPr/>
+        </p:nvCxnSpPr>
+        <p:spPr>
+          <a:xfrm rot="0">
+            <a:off x="7550785" y="2240280"/>
+            <a:ext cx="3355975" cy="78105"/>
           </a:xfrm>
           <a:prstGeom prst="straightConnector1"/>
           <a:ln w="6350" cap="flat" cmpd="sng">
@@ -13760,7 +14493,7 @@
       </p:sp>
       <p:pic>
         <p:nvPicPr>
-          <p:cNvPr id="16" name="그림 1" descr="C:/Users/Admin1/AppData/Roaming/PolarisOffice/ETemp/2948_15255592/fImage792313841.png"/>
+          <p:cNvPr id="16" name="그림 1"/>
           <p:cNvPicPr>
             <a:picLocks noChangeAspect="1"/>
           </p:cNvPicPr>
@@ -13791,7 +14524,7 @@
       </p:pic>
       <p:pic>
         <p:nvPicPr>
-          <p:cNvPr id="17" name="그림 4" descr="C:/Users/Admin1/AppData/Roaming/PolarisOffice/ETemp/2948_15255592/fImage87481398467.png"/>
+          <p:cNvPr id="17" name="그림 4"/>
           <p:cNvPicPr>
             <a:picLocks noChangeAspect="1"/>
           </p:cNvPicPr>
@@ -13896,7 +14629,7 @@
       </p:sp>
       <p:pic>
         <p:nvPicPr>
-          <p:cNvPr id="19" name="그림 8" descr="C:/Users/Admin1/AppData/Roaming/PolarisOffice/ETemp/2948_15255592/fImage98391416334.png"/>
+          <p:cNvPr id="19" name="그림 8"/>
           <p:cNvPicPr>
             <a:picLocks noChangeAspect="1"/>
           </p:cNvPicPr>
@@ -13927,7 +14660,7 @@
       </p:pic>
       <p:pic>
         <p:nvPicPr>
-          <p:cNvPr id="20" name="그림 11" descr="C:/Users/Admin1/AppData/Roaming/PolarisOffice/ETemp/2948_15255592/fImage101501426500.png"/>
+          <p:cNvPr id="20" name="그림 11"/>
           <p:cNvPicPr>
             <a:picLocks noChangeAspect="1"/>
           </p:cNvPicPr>
@@ -13958,7 +14691,7 @@
       </p:pic>
       <p:pic>
         <p:nvPicPr>
-          <p:cNvPr id="21" name="그림 14" descr="C:/Users/Admin1/AppData/Roaming/PolarisOffice/ETemp/2948_15255592/fImage297241439169.png"/>
+          <p:cNvPr id="21" name="그림 14"/>
           <p:cNvPicPr>
             <a:picLocks noChangeAspect="1"/>
           </p:cNvPicPr>

--- a/Assets/Class/Raycast/PPT Data/RayCast Example.pptx
+++ b/Assets/Class/Raycast/PPT Data/RayCast Example.pptx
@@ -2,27 +2,18 @@
 <file path=ppt/presentation.xml><?xml version="1.0" encoding="utf-8"?>
 <p:presentation xmlns:a="http://schemas.openxmlformats.org/drawingml/2006/main" xmlns:r="http://schemas.openxmlformats.org/officeDocument/2006/relationships" xmlns:p="http://schemas.openxmlformats.org/presentationml/2006/main" xmlns:p14="http://schemas.microsoft.com/office/powerpoint/2010/main" saveSubsetFonts="1" firstSlideNum="0">
   <p:sldMasterIdLst>
-    <p:sldMasterId id="2147485965" r:id="rId12"/>
+    <p:sldMasterId id="2147485966" r:id="rId12"/>
   </p:sldMasterIdLst>
   <p:notesMasterIdLst>
     <p:notesMasterId r:id="rId14"/>
   </p:notesMasterIdLst>
   <p:sldIdLst>
     <p:sldId id="287" r:id="rId16"/>
-    <p:sldId id="294" r:id="rId17"/>
-    <p:sldId id="295" r:id="rId18"/>
-    <p:sldId id="296" r:id="rId19"/>
-    <p:sldId id="290" r:id="rId20"/>
-    <p:sldId id="291" r:id="rId21"/>
-    <p:sldId id="299" r:id="rId22"/>
-    <p:sldId id="300" r:id="rId23"/>
-    <p:sldId id="302" r:id="rId24"/>
-    <p:sldId id="303" r:id="rId25"/>
-    <p:sldId id="304" r:id="rId26"/>
-    <p:sldId id="305" r:id="rId27"/>
-    <p:sldId id="306" r:id="rId28"/>
-    <p:sldId id="307" r:id="rId29"/>
-    <p:sldId id="308" r:id="rId30"/>
+    <p:sldId id="294" r:id="rId18"/>
+    <p:sldId id="295" r:id="rId20"/>
+    <p:sldId id="296" r:id="rId22"/>
+    <p:sldId id="290" r:id="rId24"/>
+    <p:sldId id="291" r:id="rId26"/>
   </p:sldIdLst>
   <p:sldSz cx="12192000" cy="6858000"/>
   <p:notesSz cx="6858000" cy="9144000"/>
@@ -623,858 +614,6 @@
 </p:notes>
 </file>
 
-<file path=ppt/notesSlides/notesSlide10.xml><?xml version="1.0" encoding="utf-8"?>
-<p:notes xmlns:a="http://schemas.openxmlformats.org/drawingml/2006/main" xmlns:r="http://schemas.openxmlformats.org/officeDocument/2006/relationships" xmlns:p="http://schemas.openxmlformats.org/presentationml/2006/main">
-  <p:cSld>
-    <p:spTree>
-      <p:nvGrpSpPr>
-        <p:cNvPr id="1" name=""/>
-        <p:cNvGrpSpPr/>
-        <p:nvPr/>
-      </p:nvGrpSpPr>
-      <p:grpSpPr>
-        <a:xfrm>
-          <a:off x="0" y="0"/>
-          <a:ext cx="0" cy="0"/>
-          <a:chOff x="0" y="0"/>
-          <a:chExt cx="0" cy="0"/>
-        </a:xfrm>
-      </p:grpSpPr>
-      <p:sp>
-        <p:nvSpPr>
-          <p:cNvPr id="2" name="슬라이드 이미지 개체 틀 3"/>
-          <p:cNvSpPr>
-            <a:spLocks noChangeAspect="1"/>
-          </p:cNvSpPr>
-          <p:nvPr>
-            <p:ph type="sldImg" idx="2"/>
-          </p:nvPr>
-        </p:nvSpPr>
-        <p:spPr>
-          <a:xfrm rot="0">
-            <a:off x="685800" y="1143000"/>
-            <a:ext cx="5492750" cy="3092450"/>
-          </a:xfrm>
-          <a:prstGeom prst="rect"/>
-          <a:noFill/>
-          <a:ln w="12700" cap="flat" cmpd="sng">
-            <a:solidFill>
-              <a:srgbClr val="000000">
-                <a:alpha val="100000"/>
-              </a:srgbClr>
-            </a:solidFill>
-            <a:prstDash val="solid"/>
-          </a:ln>
-        </p:spPr>
-        <p:txBody>
-          <a:bodyPr wrap="square" lIns="91440" tIns="45720" rIns="91440" bIns="45720" numCol="1" vert="horz" anchor="ctr">
-            <a:noAutofit/>
-          </a:bodyPr>
-          <a:lstStyle/>
-          <a:p>
-            <a:pPr marL="0" indent="0" latinLnBrk="0">
-              <a:buFontTx/>
-              <a:buNone/>
-            </a:pPr>
-          </a:p>
-        </p:txBody>
-      </p:sp>
-      <p:sp>
-        <p:nvSpPr>
-          <p:cNvPr id="3" name="슬라이드 노트 개체 틀 4"/>
-          <p:cNvSpPr txBox="1">
-            <a:spLocks/>
-          </p:cNvSpPr>
-          <p:nvPr>
-            <p:ph type="body" idx="3"/>
-          </p:nvPr>
-        </p:nvSpPr>
-        <p:spPr>
-          <a:xfrm rot="0">
-            <a:off x="685800" y="4400550"/>
-            <a:ext cx="5492750" cy="3606800"/>
-          </a:xfrm>
-          <a:prstGeom prst="rect"/>
-        </p:spPr>
-        <p:txBody>
-          <a:bodyPr wrap="square" lIns="91440" tIns="45720" rIns="91440" bIns="45720" numCol="1" vert="horz" anchor="t">
-            <a:noAutofit/>
-          </a:bodyPr>
-          <a:lstStyle/>
-          <a:p>
-            <a:pPr marL="0" indent="0" latinLnBrk="0">
-              <a:buFontTx/>
-              <a:buNone/>
-            </a:pPr>
-          </a:p>
-        </p:txBody>
-      </p:sp>
-      <p:sp>
-        <p:nvSpPr>
-          <p:cNvPr id="4" name="슬라이드 번호 개체 틀 6"/>
-          <p:cNvSpPr txBox="1">
-            <a:spLocks/>
-          </p:cNvSpPr>
-          <p:nvPr>
-            <p:ph type="sldNum" idx="5"/>
-          </p:nvPr>
-        </p:nvSpPr>
-        <p:spPr>
-          <a:xfrm rot="0">
-            <a:off x="3884930" y="8685530"/>
-            <a:ext cx="2978150" cy="464820"/>
-          </a:xfrm>
-          <a:prstGeom prst="rect"/>
-        </p:spPr>
-        <p:txBody>
-          <a:bodyPr wrap="square" lIns="91440" tIns="45720" rIns="91440" bIns="45720" numCol="1" vert="horz" anchor="b">
-            <a:noAutofit/>
-          </a:bodyPr>
-          <a:lstStyle>
-            <a:lvl1pPr marL="0" indent="0" algn="r" latinLnBrk="0">
-              <a:buFontTx/>
-              <a:buNone/>
-              <a:defRPr lang="en-GB" altLang="en-US" sz="1200"/>
-            </a:lvl1pPr>
-          </a:lstStyle>
-          <a:p>
-            <a:pPr marL="0" indent="0" latinLnBrk="0">
-              <a:buFontTx/>
-              <a:buNone/>
-            </a:pPr>
-            <a:fld id="{B9320F77-B9A0-41C5-862A-B4B631284C64}" type="slidenum">
-              <a:rPr lang="ko-KR" altLang="en-US"/>
-              <a:t>‹#›</a:t>
-            </a:fld>
-          </a:p>
-        </p:txBody>
-      </p:sp>
-    </p:spTree>
-  </p:cSld>
-  <p:clrMapOvr>
-    <a:masterClrMapping/>
-  </p:clrMapOvr>
-  <mc:AlternateContent xmlns:mc="http://schemas.openxmlformats.org/markup-compatibility/2006">
-    <mc:Choice xmlns:p14="http://schemas.microsoft.com/office/powerpoint/2010/main" Requires="p14">
-      <p:transition spd="slow" p14:dur="0"/>
-    </mc:Choice>
-    <mc:Fallback>
-      <p:transition spd="slow"/>
-    </mc:Fallback>
-  </mc:AlternateContent>
-</p:notes>
-</file>
-
-<file path=ppt/notesSlides/notesSlide11.xml><?xml version="1.0" encoding="utf-8"?>
-<p:notes xmlns:a="http://schemas.openxmlformats.org/drawingml/2006/main" xmlns:r="http://schemas.openxmlformats.org/officeDocument/2006/relationships" xmlns:p="http://schemas.openxmlformats.org/presentationml/2006/main">
-  <p:cSld>
-    <p:spTree>
-      <p:nvGrpSpPr>
-        <p:cNvPr id="1" name=""/>
-        <p:cNvGrpSpPr/>
-        <p:nvPr/>
-      </p:nvGrpSpPr>
-      <p:grpSpPr>
-        <a:xfrm>
-          <a:off x="0" y="0"/>
-          <a:ext cx="0" cy="0"/>
-          <a:chOff x="0" y="0"/>
-          <a:chExt cx="0" cy="0"/>
-        </a:xfrm>
-      </p:grpSpPr>
-      <p:sp>
-        <p:nvSpPr>
-          <p:cNvPr id="2" name="슬라이드 이미지 개체 틀 3"/>
-          <p:cNvSpPr>
-            <a:spLocks noChangeAspect="1"/>
-          </p:cNvSpPr>
-          <p:nvPr>
-            <p:ph type="sldImg" idx="2"/>
-          </p:nvPr>
-        </p:nvSpPr>
-        <p:spPr>
-          <a:xfrm rot="0">
-            <a:off x="685800" y="1143000"/>
-            <a:ext cx="5492750" cy="3092450"/>
-          </a:xfrm>
-          <a:prstGeom prst="rect"/>
-          <a:noFill/>
-          <a:ln w="12700" cap="flat" cmpd="sng">
-            <a:solidFill>
-              <a:srgbClr val="000000">
-                <a:alpha val="100000"/>
-              </a:srgbClr>
-            </a:solidFill>
-            <a:prstDash val="solid"/>
-          </a:ln>
-        </p:spPr>
-        <p:txBody>
-          <a:bodyPr wrap="square" lIns="91440" tIns="45720" rIns="91440" bIns="45720" numCol="1" vert="horz" anchor="ctr">
-            <a:noAutofit/>
-          </a:bodyPr>
-          <a:lstStyle/>
-          <a:p>
-            <a:pPr marL="0" indent="0" latinLnBrk="0">
-              <a:buFontTx/>
-              <a:buNone/>
-            </a:pPr>
-          </a:p>
-        </p:txBody>
-      </p:sp>
-      <p:sp>
-        <p:nvSpPr>
-          <p:cNvPr id="3" name="슬라이드 노트 개체 틀 4"/>
-          <p:cNvSpPr txBox="1">
-            <a:spLocks/>
-          </p:cNvSpPr>
-          <p:nvPr>
-            <p:ph type="body" idx="3"/>
-          </p:nvPr>
-        </p:nvSpPr>
-        <p:spPr>
-          <a:xfrm rot="0">
-            <a:off x="685800" y="4400550"/>
-            <a:ext cx="5492750" cy="3606800"/>
-          </a:xfrm>
-          <a:prstGeom prst="rect"/>
-        </p:spPr>
-        <p:txBody>
-          <a:bodyPr wrap="square" lIns="91440" tIns="45720" rIns="91440" bIns="45720" numCol="1" vert="horz" anchor="t">
-            <a:noAutofit/>
-          </a:bodyPr>
-          <a:lstStyle/>
-          <a:p>
-            <a:pPr marL="0" indent="0" latinLnBrk="0">
-              <a:buFontTx/>
-              <a:buNone/>
-            </a:pPr>
-          </a:p>
-        </p:txBody>
-      </p:sp>
-      <p:sp>
-        <p:nvSpPr>
-          <p:cNvPr id="4" name="슬라이드 번호 개체 틀 6"/>
-          <p:cNvSpPr txBox="1">
-            <a:spLocks/>
-          </p:cNvSpPr>
-          <p:nvPr>
-            <p:ph type="sldNum" idx="5"/>
-          </p:nvPr>
-        </p:nvSpPr>
-        <p:spPr>
-          <a:xfrm rot="0">
-            <a:off x="3884930" y="8685530"/>
-            <a:ext cx="2978150" cy="464820"/>
-          </a:xfrm>
-          <a:prstGeom prst="rect"/>
-        </p:spPr>
-        <p:txBody>
-          <a:bodyPr wrap="square" lIns="91440" tIns="45720" rIns="91440" bIns="45720" numCol="1" vert="horz" anchor="b">
-            <a:noAutofit/>
-          </a:bodyPr>
-          <a:lstStyle>
-            <a:lvl1pPr marL="0" indent="0" algn="r" latinLnBrk="0">
-              <a:buFontTx/>
-              <a:buNone/>
-              <a:defRPr lang="en-GB" altLang="en-US" sz="1200"/>
-            </a:lvl1pPr>
-          </a:lstStyle>
-          <a:p>
-            <a:pPr marL="0" indent="0" latinLnBrk="0">
-              <a:buFontTx/>
-              <a:buNone/>
-            </a:pPr>
-            <a:fld id="{B9320F77-B9A0-41C5-862A-B4B631284C64}" type="slidenum">
-              <a:rPr lang="ko-KR" altLang="en-US"/>
-              <a:t>‹#›</a:t>
-            </a:fld>
-          </a:p>
-        </p:txBody>
-      </p:sp>
-    </p:spTree>
-  </p:cSld>
-  <p:clrMapOvr>
-    <a:masterClrMapping/>
-  </p:clrMapOvr>
-  <mc:AlternateContent xmlns:mc="http://schemas.openxmlformats.org/markup-compatibility/2006">
-    <mc:Choice xmlns:p14="http://schemas.microsoft.com/office/powerpoint/2010/main" Requires="p14">
-      <p:transition spd="slow" p14:dur="0"/>
-    </mc:Choice>
-    <mc:Fallback>
-      <p:transition spd="slow"/>
-    </mc:Fallback>
-  </mc:AlternateContent>
-</p:notes>
-</file>
-
-<file path=ppt/notesSlides/notesSlide12.xml><?xml version="1.0" encoding="utf-8"?>
-<p:notes xmlns:a="http://schemas.openxmlformats.org/drawingml/2006/main" xmlns:r="http://schemas.openxmlformats.org/officeDocument/2006/relationships" xmlns:p="http://schemas.openxmlformats.org/presentationml/2006/main">
-  <p:cSld>
-    <p:spTree>
-      <p:nvGrpSpPr>
-        <p:cNvPr id="1" name=""/>
-        <p:cNvGrpSpPr/>
-        <p:nvPr/>
-      </p:nvGrpSpPr>
-      <p:grpSpPr>
-        <a:xfrm>
-          <a:off x="0" y="0"/>
-          <a:ext cx="0" cy="0"/>
-          <a:chOff x="0" y="0"/>
-          <a:chExt cx="0" cy="0"/>
-        </a:xfrm>
-      </p:grpSpPr>
-      <p:sp>
-        <p:nvSpPr>
-          <p:cNvPr id="2" name="슬라이드 이미지 개체 틀 3"/>
-          <p:cNvSpPr>
-            <a:spLocks noChangeAspect="1"/>
-          </p:cNvSpPr>
-          <p:nvPr>
-            <p:ph type="sldImg" idx="2"/>
-          </p:nvPr>
-        </p:nvSpPr>
-        <p:spPr>
-          <a:xfrm rot="0">
-            <a:off x="685800" y="1143000"/>
-            <a:ext cx="5492750" cy="3092450"/>
-          </a:xfrm>
-          <a:prstGeom prst="rect"/>
-          <a:noFill/>
-          <a:ln w="12700" cap="flat" cmpd="sng">
-            <a:solidFill>
-              <a:srgbClr val="000000">
-                <a:alpha val="100000"/>
-              </a:srgbClr>
-            </a:solidFill>
-            <a:prstDash val="solid"/>
-          </a:ln>
-        </p:spPr>
-        <p:txBody>
-          <a:bodyPr wrap="square" lIns="91440" tIns="45720" rIns="91440" bIns="45720" numCol="1" vert="horz" anchor="ctr">
-            <a:noAutofit/>
-          </a:bodyPr>
-          <a:lstStyle/>
-          <a:p>
-            <a:pPr marL="0" indent="0" latinLnBrk="0">
-              <a:buFontTx/>
-              <a:buNone/>
-            </a:pPr>
-          </a:p>
-        </p:txBody>
-      </p:sp>
-      <p:sp>
-        <p:nvSpPr>
-          <p:cNvPr id="3" name="슬라이드 노트 개체 틀 4"/>
-          <p:cNvSpPr txBox="1">
-            <a:spLocks/>
-          </p:cNvSpPr>
-          <p:nvPr>
-            <p:ph type="body" idx="3"/>
-          </p:nvPr>
-        </p:nvSpPr>
-        <p:spPr>
-          <a:xfrm rot="0">
-            <a:off x="685800" y="4400550"/>
-            <a:ext cx="5492750" cy="3606800"/>
-          </a:xfrm>
-          <a:prstGeom prst="rect"/>
-        </p:spPr>
-        <p:txBody>
-          <a:bodyPr wrap="square" lIns="91440" tIns="45720" rIns="91440" bIns="45720" numCol="1" vert="horz" anchor="t">
-            <a:noAutofit/>
-          </a:bodyPr>
-          <a:lstStyle/>
-          <a:p>
-            <a:pPr marL="0" indent="0" latinLnBrk="0">
-              <a:buFontTx/>
-              <a:buNone/>
-            </a:pPr>
-          </a:p>
-        </p:txBody>
-      </p:sp>
-      <p:sp>
-        <p:nvSpPr>
-          <p:cNvPr id="4" name="슬라이드 번호 개체 틀 6"/>
-          <p:cNvSpPr txBox="1">
-            <a:spLocks/>
-          </p:cNvSpPr>
-          <p:nvPr>
-            <p:ph type="sldNum" idx="5"/>
-          </p:nvPr>
-        </p:nvSpPr>
-        <p:spPr>
-          <a:xfrm rot="0">
-            <a:off x="3884930" y="8685530"/>
-            <a:ext cx="2978150" cy="464820"/>
-          </a:xfrm>
-          <a:prstGeom prst="rect"/>
-        </p:spPr>
-        <p:txBody>
-          <a:bodyPr wrap="square" lIns="91440" tIns="45720" rIns="91440" bIns="45720" numCol="1" vert="horz" anchor="b">
-            <a:noAutofit/>
-          </a:bodyPr>
-          <a:lstStyle>
-            <a:lvl1pPr marL="0" indent="0" algn="r" latinLnBrk="0">
-              <a:buFontTx/>
-              <a:buNone/>
-              <a:defRPr lang="en-GB" altLang="en-US" sz="1200"/>
-            </a:lvl1pPr>
-          </a:lstStyle>
-          <a:p>
-            <a:pPr marL="0" indent="0" latinLnBrk="0">
-              <a:buFontTx/>
-              <a:buNone/>
-            </a:pPr>
-            <a:fld id="{B9320F77-B9A0-41C5-862A-B4B631284C64}" type="slidenum">
-              <a:rPr lang="ko-KR" altLang="en-US"/>
-              <a:t>‹#›</a:t>
-            </a:fld>
-          </a:p>
-        </p:txBody>
-      </p:sp>
-    </p:spTree>
-  </p:cSld>
-  <p:clrMapOvr>
-    <a:masterClrMapping/>
-  </p:clrMapOvr>
-  <mc:AlternateContent xmlns:mc="http://schemas.openxmlformats.org/markup-compatibility/2006">
-    <mc:Choice xmlns:p14="http://schemas.microsoft.com/office/powerpoint/2010/main" Requires="p14">
-      <p:transition spd="slow" p14:dur="0"/>
-    </mc:Choice>
-    <mc:Fallback>
-      <p:transition spd="slow"/>
-    </mc:Fallback>
-  </mc:AlternateContent>
-</p:notes>
-</file>
-
-<file path=ppt/notesSlides/notesSlide13.xml><?xml version="1.0" encoding="utf-8"?>
-<p:notes xmlns:a="http://schemas.openxmlformats.org/drawingml/2006/main" xmlns:r="http://schemas.openxmlformats.org/officeDocument/2006/relationships" xmlns:p="http://schemas.openxmlformats.org/presentationml/2006/main">
-  <p:cSld>
-    <p:spTree>
-      <p:nvGrpSpPr>
-        <p:cNvPr id="1" name=""/>
-        <p:cNvGrpSpPr/>
-        <p:nvPr/>
-      </p:nvGrpSpPr>
-      <p:grpSpPr>
-        <a:xfrm>
-          <a:off x="0" y="0"/>
-          <a:ext cx="0" cy="0"/>
-          <a:chOff x="0" y="0"/>
-          <a:chExt cx="0" cy="0"/>
-        </a:xfrm>
-      </p:grpSpPr>
-      <p:sp>
-        <p:nvSpPr>
-          <p:cNvPr id="2" name="슬라이드 이미지 개체 틀 3"/>
-          <p:cNvSpPr>
-            <a:spLocks noChangeAspect="1"/>
-          </p:cNvSpPr>
-          <p:nvPr>
-            <p:ph type="sldImg" idx="2"/>
-          </p:nvPr>
-        </p:nvSpPr>
-        <p:spPr>
-          <a:xfrm rot="0">
-            <a:off x="685800" y="1143000"/>
-            <a:ext cx="5492750" cy="3092450"/>
-          </a:xfrm>
-          <a:prstGeom prst="rect"/>
-          <a:noFill/>
-          <a:ln w="12700" cap="flat" cmpd="sng">
-            <a:solidFill>
-              <a:srgbClr val="000000">
-                <a:alpha val="100000"/>
-              </a:srgbClr>
-            </a:solidFill>
-            <a:prstDash val="solid"/>
-          </a:ln>
-        </p:spPr>
-        <p:txBody>
-          <a:bodyPr wrap="square" lIns="91440" tIns="45720" rIns="91440" bIns="45720" numCol="1" vert="horz" anchor="ctr">
-            <a:noAutofit/>
-          </a:bodyPr>
-          <a:lstStyle/>
-          <a:p>
-            <a:pPr marL="0" indent="0" latinLnBrk="0">
-              <a:buFontTx/>
-              <a:buNone/>
-            </a:pPr>
-          </a:p>
-        </p:txBody>
-      </p:sp>
-      <p:sp>
-        <p:nvSpPr>
-          <p:cNvPr id="3" name="슬라이드 노트 개체 틀 4"/>
-          <p:cNvSpPr txBox="1">
-            <a:spLocks/>
-          </p:cNvSpPr>
-          <p:nvPr>
-            <p:ph type="body" idx="3"/>
-          </p:nvPr>
-        </p:nvSpPr>
-        <p:spPr>
-          <a:xfrm rot="0">
-            <a:off x="685800" y="4400550"/>
-            <a:ext cx="5492750" cy="3606800"/>
-          </a:xfrm>
-          <a:prstGeom prst="rect"/>
-        </p:spPr>
-        <p:txBody>
-          <a:bodyPr wrap="square" lIns="91440" tIns="45720" rIns="91440" bIns="45720" numCol="1" vert="horz" anchor="t">
-            <a:noAutofit/>
-          </a:bodyPr>
-          <a:lstStyle/>
-          <a:p>
-            <a:pPr marL="0" indent="0" latinLnBrk="0">
-              <a:buFontTx/>
-              <a:buNone/>
-            </a:pPr>
-          </a:p>
-        </p:txBody>
-      </p:sp>
-      <p:sp>
-        <p:nvSpPr>
-          <p:cNvPr id="4" name="슬라이드 번호 개체 틀 6"/>
-          <p:cNvSpPr txBox="1">
-            <a:spLocks/>
-          </p:cNvSpPr>
-          <p:nvPr>
-            <p:ph type="sldNum" idx="5"/>
-          </p:nvPr>
-        </p:nvSpPr>
-        <p:spPr>
-          <a:xfrm rot="0">
-            <a:off x="3884930" y="8685530"/>
-            <a:ext cx="2978150" cy="464820"/>
-          </a:xfrm>
-          <a:prstGeom prst="rect"/>
-        </p:spPr>
-        <p:txBody>
-          <a:bodyPr wrap="square" lIns="91440" tIns="45720" rIns="91440" bIns="45720" numCol="1" vert="horz" anchor="b">
-            <a:noAutofit/>
-          </a:bodyPr>
-          <a:lstStyle>
-            <a:lvl1pPr marL="0" indent="0" algn="r" latinLnBrk="0">
-              <a:buFontTx/>
-              <a:buNone/>
-              <a:defRPr lang="en-GB" altLang="en-US" sz="1200"/>
-            </a:lvl1pPr>
-          </a:lstStyle>
-          <a:p>
-            <a:pPr marL="0" indent="0" latinLnBrk="0">
-              <a:buFontTx/>
-              <a:buNone/>
-            </a:pPr>
-            <a:fld id="{B9320F77-B9A0-41C5-862A-B4B631284C64}" type="slidenum">
-              <a:rPr lang="ko-KR" altLang="en-US"/>
-              <a:t>‹#›</a:t>
-            </a:fld>
-          </a:p>
-        </p:txBody>
-      </p:sp>
-    </p:spTree>
-  </p:cSld>
-  <p:clrMapOvr>
-    <a:masterClrMapping/>
-  </p:clrMapOvr>
-  <mc:AlternateContent xmlns:mc="http://schemas.openxmlformats.org/markup-compatibility/2006">
-    <mc:Choice xmlns:p14="http://schemas.microsoft.com/office/powerpoint/2010/main" Requires="p14">
-      <p:transition spd="slow" p14:dur="0"/>
-    </mc:Choice>
-    <mc:Fallback>
-      <p:transition spd="slow"/>
-    </mc:Fallback>
-  </mc:AlternateContent>
-</p:notes>
-</file>
-
-<file path=ppt/notesSlides/notesSlide14.xml><?xml version="1.0" encoding="utf-8"?>
-<p:notes xmlns:a="http://schemas.openxmlformats.org/drawingml/2006/main" xmlns:r="http://schemas.openxmlformats.org/officeDocument/2006/relationships" xmlns:p="http://schemas.openxmlformats.org/presentationml/2006/main">
-  <p:cSld>
-    <p:spTree>
-      <p:nvGrpSpPr>
-        <p:cNvPr id="1" name=""/>
-        <p:cNvGrpSpPr/>
-        <p:nvPr/>
-      </p:nvGrpSpPr>
-      <p:grpSpPr>
-        <a:xfrm>
-          <a:off x="0" y="0"/>
-          <a:ext cx="0" cy="0"/>
-          <a:chOff x="0" y="0"/>
-          <a:chExt cx="0" cy="0"/>
-        </a:xfrm>
-      </p:grpSpPr>
-      <p:sp>
-        <p:nvSpPr>
-          <p:cNvPr id="2" name="슬라이드 이미지 개체 틀 3"/>
-          <p:cNvSpPr>
-            <a:spLocks noChangeAspect="1"/>
-          </p:cNvSpPr>
-          <p:nvPr>
-            <p:ph type="sldImg" idx="2"/>
-          </p:nvPr>
-        </p:nvSpPr>
-        <p:spPr>
-          <a:xfrm rot="0">
-            <a:off x="685800" y="1143000"/>
-            <a:ext cx="5492750" cy="3092450"/>
-          </a:xfrm>
-          <a:prstGeom prst="rect"/>
-          <a:noFill/>
-          <a:ln w="12700" cap="flat" cmpd="sng">
-            <a:solidFill>
-              <a:srgbClr val="000000">
-                <a:alpha val="100000"/>
-              </a:srgbClr>
-            </a:solidFill>
-            <a:prstDash val="solid"/>
-          </a:ln>
-        </p:spPr>
-        <p:txBody>
-          <a:bodyPr wrap="square" lIns="91440" tIns="45720" rIns="91440" bIns="45720" numCol="1" vert="horz" anchor="ctr">
-            <a:noAutofit/>
-          </a:bodyPr>
-          <a:lstStyle/>
-          <a:p>
-            <a:pPr marL="0" indent="0" latinLnBrk="0">
-              <a:buFontTx/>
-              <a:buNone/>
-            </a:pPr>
-          </a:p>
-        </p:txBody>
-      </p:sp>
-      <p:sp>
-        <p:nvSpPr>
-          <p:cNvPr id="3" name="슬라이드 노트 개체 틀 4"/>
-          <p:cNvSpPr txBox="1">
-            <a:spLocks/>
-          </p:cNvSpPr>
-          <p:nvPr>
-            <p:ph type="body" idx="3"/>
-          </p:nvPr>
-        </p:nvSpPr>
-        <p:spPr>
-          <a:xfrm rot="0">
-            <a:off x="685800" y="4400550"/>
-            <a:ext cx="5492750" cy="3606800"/>
-          </a:xfrm>
-          <a:prstGeom prst="rect"/>
-        </p:spPr>
-        <p:txBody>
-          <a:bodyPr wrap="square" lIns="91440" tIns="45720" rIns="91440" bIns="45720" numCol="1" vert="horz" anchor="t">
-            <a:noAutofit/>
-          </a:bodyPr>
-          <a:lstStyle/>
-          <a:p>
-            <a:pPr marL="0" indent="0" latinLnBrk="0">
-              <a:buFontTx/>
-              <a:buNone/>
-            </a:pPr>
-          </a:p>
-        </p:txBody>
-      </p:sp>
-      <p:sp>
-        <p:nvSpPr>
-          <p:cNvPr id="4" name="슬라이드 번호 개체 틀 6"/>
-          <p:cNvSpPr txBox="1">
-            <a:spLocks/>
-          </p:cNvSpPr>
-          <p:nvPr>
-            <p:ph type="sldNum" idx="5"/>
-          </p:nvPr>
-        </p:nvSpPr>
-        <p:spPr>
-          <a:xfrm rot="0">
-            <a:off x="3884930" y="8685530"/>
-            <a:ext cx="2978150" cy="464820"/>
-          </a:xfrm>
-          <a:prstGeom prst="rect"/>
-        </p:spPr>
-        <p:txBody>
-          <a:bodyPr wrap="square" lIns="91440" tIns="45720" rIns="91440" bIns="45720" numCol="1" vert="horz" anchor="b">
-            <a:noAutofit/>
-          </a:bodyPr>
-          <a:lstStyle>
-            <a:lvl1pPr marL="0" indent="0" algn="r" latinLnBrk="0">
-              <a:buFontTx/>
-              <a:buNone/>
-              <a:defRPr lang="en-GB" altLang="en-US" sz="1200"/>
-            </a:lvl1pPr>
-          </a:lstStyle>
-          <a:p>
-            <a:pPr marL="0" indent="0" latinLnBrk="0">
-              <a:buFontTx/>
-              <a:buNone/>
-            </a:pPr>
-            <a:fld id="{B9320F77-B9A0-41C5-862A-B4B631284C64}" type="slidenum">
-              <a:rPr lang="ko-KR" altLang="en-US"/>
-              <a:t>‹#›</a:t>
-            </a:fld>
-          </a:p>
-        </p:txBody>
-      </p:sp>
-    </p:spTree>
-  </p:cSld>
-  <p:clrMapOvr>
-    <a:masterClrMapping/>
-  </p:clrMapOvr>
-  <mc:AlternateContent xmlns:mc="http://schemas.openxmlformats.org/markup-compatibility/2006">
-    <mc:Choice xmlns:p14="http://schemas.microsoft.com/office/powerpoint/2010/main" Requires="p14">
-      <p:transition spd="slow" p14:dur="0"/>
-    </mc:Choice>
-    <mc:Fallback>
-      <p:transition spd="slow"/>
-    </mc:Fallback>
-  </mc:AlternateContent>
-</p:notes>
-</file>
-
-<file path=ppt/notesSlides/notesSlide15.xml><?xml version="1.0" encoding="utf-8"?>
-<p:notes xmlns:a="http://schemas.openxmlformats.org/drawingml/2006/main" xmlns:r="http://schemas.openxmlformats.org/officeDocument/2006/relationships" xmlns:p="http://schemas.openxmlformats.org/presentationml/2006/main">
-  <p:cSld>
-    <p:spTree>
-      <p:nvGrpSpPr>
-        <p:cNvPr id="1" name=""/>
-        <p:cNvGrpSpPr/>
-        <p:nvPr/>
-      </p:nvGrpSpPr>
-      <p:grpSpPr>
-        <a:xfrm>
-          <a:off x="0" y="0"/>
-          <a:ext cx="0" cy="0"/>
-          <a:chOff x="0" y="0"/>
-          <a:chExt cx="0" cy="0"/>
-        </a:xfrm>
-      </p:grpSpPr>
-      <p:sp>
-        <p:nvSpPr>
-          <p:cNvPr id="2" name="슬라이드 이미지 개체 틀 3"/>
-          <p:cNvSpPr>
-            <a:spLocks noChangeAspect="1"/>
-          </p:cNvSpPr>
-          <p:nvPr>
-            <p:ph type="sldImg" idx="2"/>
-          </p:nvPr>
-        </p:nvSpPr>
-        <p:spPr>
-          <a:xfrm rot="0">
-            <a:off x="685800" y="1143000"/>
-            <a:ext cx="5493385" cy="3093085"/>
-          </a:xfrm>
-          <a:prstGeom prst="rect"/>
-          <a:noFill/>
-          <a:ln w="12700" cap="flat" cmpd="sng">
-            <a:solidFill>
-              <a:srgbClr val="000000">
-                <a:alpha val="100000"/>
-              </a:srgbClr>
-            </a:solidFill>
-            <a:prstDash val="solid"/>
-          </a:ln>
-        </p:spPr>
-        <p:txBody>
-          <a:bodyPr wrap="square" lIns="91440" tIns="45720" rIns="91440" bIns="45720" numCol="1" vert="horz" anchor="ctr">
-            <a:noAutofit/>
-          </a:bodyPr>
-          <a:lstStyle/>
-          <a:p>
-            <a:pPr marL="0" indent="0" latinLnBrk="0">
-              <a:buFontTx/>
-              <a:buNone/>
-            </a:pPr>
-          </a:p>
-        </p:txBody>
-      </p:sp>
-      <p:sp>
-        <p:nvSpPr>
-          <p:cNvPr id="3" name="슬라이드 노트 개체 틀 4"/>
-          <p:cNvSpPr txBox="1">
-            <a:spLocks/>
-          </p:cNvSpPr>
-          <p:nvPr>
-            <p:ph type="body" idx="3"/>
-          </p:nvPr>
-        </p:nvSpPr>
-        <p:spPr>
-          <a:xfrm rot="0">
-            <a:off x="685800" y="4400550"/>
-            <a:ext cx="5493385" cy="3607435"/>
-          </a:xfrm>
-          <a:prstGeom prst="rect"/>
-        </p:spPr>
-        <p:txBody>
-          <a:bodyPr wrap="square" lIns="91440" tIns="45720" rIns="91440" bIns="45720" numCol="1" vert="horz" anchor="t">
-            <a:noAutofit/>
-          </a:bodyPr>
-          <a:lstStyle/>
-          <a:p>
-            <a:pPr marL="0" indent="0" latinLnBrk="0">
-              <a:buFontTx/>
-              <a:buNone/>
-            </a:pPr>
-          </a:p>
-        </p:txBody>
-      </p:sp>
-      <p:sp>
-        <p:nvSpPr>
-          <p:cNvPr id="4" name="슬라이드 번호 개체 틀 6"/>
-          <p:cNvSpPr txBox="1">
-            <a:spLocks/>
-          </p:cNvSpPr>
-          <p:nvPr>
-            <p:ph type="sldNum" idx="5"/>
-          </p:nvPr>
-        </p:nvSpPr>
-        <p:spPr>
-          <a:xfrm rot="0">
-            <a:off x="3884930" y="8685530"/>
-            <a:ext cx="2978785" cy="465455"/>
-          </a:xfrm>
-          <a:prstGeom prst="rect"/>
-        </p:spPr>
-        <p:txBody>
-          <a:bodyPr wrap="square" lIns="91440" tIns="45720" rIns="91440" bIns="45720" numCol="1" vert="horz" anchor="b">
-            <a:noAutofit/>
-          </a:bodyPr>
-          <a:lstStyle>
-            <a:lvl1pPr marL="0" indent="0" algn="r" latinLnBrk="0">
-              <a:buFontTx/>
-              <a:buNone/>
-              <a:defRPr lang="en-GB" altLang="en-US" sz="1200"/>
-            </a:lvl1pPr>
-          </a:lstStyle>
-          <a:p>
-            <a:pPr marL="0" indent="0" latinLnBrk="0">
-              <a:buFontTx/>
-              <a:buNone/>
-            </a:pPr>
-            <a:fld id="{B9320F77-B9A0-41C5-862A-B4B631284C64}" type="slidenum">
-              <a:rPr lang="ko-KR" altLang="en-US"/>
-              <a:t>‹#›</a:t>
-            </a:fld>
-          </a:p>
-        </p:txBody>
-      </p:sp>
-    </p:spTree>
-  </p:cSld>
-  <p:clrMapOvr>
-    <a:masterClrMapping/>
-  </p:clrMapOvr>
-  <mc:AlternateContent xmlns:mc="http://schemas.openxmlformats.org/markup-compatibility/2006">
-    <mc:Choice xmlns:p14="http://schemas.microsoft.com/office/powerpoint/2010/main" Requires="p14">
-      <p:transition spd="slow" p14:dur="0"/>
-    </mc:Choice>
-    <mc:Fallback>
-      <p:transition spd="slow"/>
-    </mc:Fallback>
-  </mc:AlternateContent>
-</p:notes>
-</file>
-
 <file path=ppt/notesSlides/notesSlide2.xml><?xml version="1.0" encoding="utf-8"?>
 <p:notes xmlns:a="http://schemas.openxmlformats.org/drawingml/2006/main" xmlns:r="http://schemas.openxmlformats.org/officeDocument/2006/relationships" xmlns:p="http://schemas.openxmlformats.org/presentationml/2006/main">
   <p:cSld>
@@ -2143,432 +1282,6 @@
           <a:xfrm rot="0">
             <a:off x="3884930" y="8685530"/>
             <a:ext cx="2975610" cy="462280"/>
-          </a:xfrm>
-          <a:prstGeom prst="rect"/>
-        </p:spPr>
-        <p:txBody>
-          <a:bodyPr wrap="square" lIns="91440" tIns="45720" rIns="91440" bIns="45720" numCol="1" vert="horz" anchor="b">
-            <a:noAutofit/>
-          </a:bodyPr>
-          <a:lstStyle>
-            <a:lvl1pPr marL="0" indent="0" algn="r" latinLnBrk="0">
-              <a:buFontTx/>
-              <a:buNone/>
-              <a:defRPr lang="en-GB" altLang="en-US" sz="1200"/>
-            </a:lvl1pPr>
-          </a:lstStyle>
-          <a:p>
-            <a:pPr marL="0" indent="0" latinLnBrk="0">
-              <a:buFontTx/>
-              <a:buNone/>
-            </a:pPr>
-            <a:fld id="{B9320F77-B9A0-41C5-862A-B4B631284C64}" type="slidenum">
-              <a:rPr lang="ko-KR" altLang="en-US"/>
-              <a:t>‹#›</a:t>
-            </a:fld>
-          </a:p>
-        </p:txBody>
-      </p:sp>
-    </p:spTree>
-  </p:cSld>
-  <p:clrMapOvr>
-    <a:masterClrMapping/>
-  </p:clrMapOvr>
-  <mc:AlternateContent xmlns:mc="http://schemas.openxmlformats.org/markup-compatibility/2006">
-    <mc:Choice xmlns:p14="http://schemas.microsoft.com/office/powerpoint/2010/main" Requires="p14">
-      <p:transition spd="slow" p14:dur="0"/>
-    </mc:Choice>
-    <mc:Fallback>
-      <p:transition spd="slow"/>
-    </mc:Fallback>
-  </mc:AlternateContent>
-</p:notes>
-</file>
-
-<file path=ppt/notesSlides/notesSlide7.xml><?xml version="1.0" encoding="utf-8"?>
-<p:notes xmlns:a="http://schemas.openxmlformats.org/drawingml/2006/main" xmlns:r="http://schemas.openxmlformats.org/officeDocument/2006/relationships" xmlns:p="http://schemas.openxmlformats.org/presentationml/2006/main">
-  <p:cSld>
-    <p:spTree>
-      <p:nvGrpSpPr>
-        <p:cNvPr id="1" name=""/>
-        <p:cNvGrpSpPr/>
-        <p:nvPr/>
-      </p:nvGrpSpPr>
-      <p:grpSpPr>
-        <a:xfrm>
-          <a:off x="0" y="0"/>
-          <a:ext cx="0" cy="0"/>
-          <a:chOff x="0" y="0"/>
-          <a:chExt cx="0" cy="0"/>
-        </a:xfrm>
-      </p:grpSpPr>
-      <p:sp>
-        <p:nvSpPr>
-          <p:cNvPr id="2" name="슬라이드 이미지 개체 틀 3"/>
-          <p:cNvSpPr>
-            <a:spLocks noChangeAspect="1"/>
-          </p:cNvSpPr>
-          <p:nvPr>
-            <p:ph type="sldImg" idx="2"/>
-          </p:nvPr>
-        </p:nvSpPr>
-        <p:spPr>
-          <a:xfrm rot="0">
-            <a:off x="685800" y="1143000"/>
-            <a:ext cx="5490845" cy="3090545"/>
-          </a:xfrm>
-          <a:prstGeom prst="rect"/>
-          <a:noFill/>
-          <a:ln w="12700" cap="flat" cmpd="sng">
-            <a:solidFill>
-              <a:srgbClr val="000000">
-                <a:alpha val="100000"/>
-              </a:srgbClr>
-            </a:solidFill>
-            <a:prstDash val="solid"/>
-          </a:ln>
-        </p:spPr>
-        <p:txBody>
-          <a:bodyPr wrap="square" lIns="91440" tIns="45720" rIns="91440" bIns="45720" numCol="1" vert="horz" anchor="ctr">
-            <a:noAutofit/>
-          </a:bodyPr>
-          <a:lstStyle/>
-          <a:p>
-            <a:pPr marL="0" indent="0" latinLnBrk="0">
-              <a:buFontTx/>
-              <a:buNone/>
-            </a:pPr>
-          </a:p>
-        </p:txBody>
-      </p:sp>
-      <p:sp>
-        <p:nvSpPr>
-          <p:cNvPr id="3" name="슬라이드 노트 개체 틀 4"/>
-          <p:cNvSpPr txBox="1">
-            <a:spLocks/>
-          </p:cNvSpPr>
-          <p:nvPr>
-            <p:ph type="body" idx="3"/>
-          </p:nvPr>
-        </p:nvSpPr>
-        <p:spPr>
-          <a:xfrm rot="0">
-            <a:off x="685800" y="4400550"/>
-            <a:ext cx="5490845" cy="3604895"/>
-          </a:xfrm>
-          <a:prstGeom prst="rect"/>
-        </p:spPr>
-        <p:txBody>
-          <a:bodyPr wrap="square" lIns="91440" tIns="45720" rIns="91440" bIns="45720" numCol="1" vert="horz" anchor="t">
-            <a:noAutofit/>
-          </a:bodyPr>
-          <a:lstStyle/>
-          <a:p>
-            <a:pPr marL="0" indent="0" latinLnBrk="0">
-              <a:buFontTx/>
-              <a:buNone/>
-            </a:pPr>
-          </a:p>
-        </p:txBody>
-      </p:sp>
-      <p:sp>
-        <p:nvSpPr>
-          <p:cNvPr id="4" name="슬라이드 번호 개체 틀 6"/>
-          <p:cNvSpPr txBox="1">
-            <a:spLocks/>
-          </p:cNvSpPr>
-          <p:nvPr>
-            <p:ph type="sldNum" idx="5"/>
-          </p:nvPr>
-        </p:nvSpPr>
-        <p:spPr>
-          <a:xfrm rot="0">
-            <a:off x="3884930" y="8685530"/>
-            <a:ext cx="2976245" cy="462915"/>
-          </a:xfrm>
-          <a:prstGeom prst="rect"/>
-        </p:spPr>
-        <p:txBody>
-          <a:bodyPr wrap="square" lIns="91440" tIns="45720" rIns="91440" bIns="45720" numCol="1" vert="horz" anchor="b">
-            <a:noAutofit/>
-          </a:bodyPr>
-          <a:lstStyle>
-            <a:lvl1pPr marL="0" indent="0" algn="r" latinLnBrk="0">
-              <a:buFontTx/>
-              <a:buNone/>
-              <a:defRPr lang="en-GB" altLang="en-US" sz="1200"/>
-            </a:lvl1pPr>
-          </a:lstStyle>
-          <a:p>
-            <a:pPr marL="0" indent="0" latinLnBrk="0">
-              <a:buFontTx/>
-              <a:buNone/>
-            </a:pPr>
-            <a:fld id="{B9320F77-B9A0-41C5-862A-B4B631284C64}" type="slidenum">
-              <a:rPr lang="ko-KR" altLang="en-US"/>
-              <a:t>‹#›</a:t>
-            </a:fld>
-          </a:p>
-        </p:txBody>
-      </p:sp>
-    </p:spTree>
-  </p:cSld>
-  <p:clrMapOvr>
-    <a:masterClrMapping/>
-  </p:clrMapOvr>
-  <mc:AlternateContent xmlns:mc="http://schemas.openxmlformats.org/markup-compatibility/2006">
-    <mc:Choice xmlns:p14="http://schemas.microsoft.com/office/powerpoint/2010/main" Requires="p14">
-      <p:transition spd="slow" p14:dur="0"/>
-    </mc:Choice>
-    <mc:Fallback>
-      <p:transition spd="slow"/>
-    </mc:Fallback>
-  </mc:AlternateContent>
-</p:notes>
-</file>
-
-<file path=ppt/notesSlides/notesSlide8.xml><?xml version="1.0" encoding="utf-8"?>
-<p:notes xmlns:a="http://schemas.openxmlformats.org/drawingml/2006/main" xmlns:r="http://schemas.openxmlformats.org/officeDocument/2006/relationships" xmlns:p="http://schemas.openxmlformats.org/presentationml/2006/main">
-  <p:cSld>
-    <p:spTree>
-      <p:nvGrpSpPr>
-        <p:cNvPr id="1" name=""/>
-        <p:cNvGrpSpPr/>
-        <p:nvPr/>
-      </p:nvGrpSpPr>
-      <p:grpSpPr>
-        <a:xfrm>
-          <a:off x="0" y="0"/>
-          <a:ext cx="0" cy="0"/>
-          <a:chOff x="0" y="0"/>
-          <a:chExt cx="0" cy="0"/>
-        </a:xfrm>
-      </p:grpSpPr>
-      <p:sp>
-        <p:nvSpPr>
-          <p:cNvPr id="2" name="슬라이드 이미지 개체 틀 3"/>
-          <p:cNvSpPr>
-            <a:spLocks noChangeAspect="1"/>
-          </p:cNvSpPr>
-          <p:nvPr>
-            <p:ph type="sldImg" idx="2"/>
-          </p:nvPr>
-        </p:nvSpPr>
-        <p:spPr>
-          <a:xfrm rot="0">
-            <a:off x="685800" y="1143000"/>
-            <a:ext cx="5491480" cy="3091180"/>
-          </a:xfrm>
-          <a:prstGeom prst="rect"/>
-          <a:noFill/>
-          <a:ln w="12700" cap="flat" cmpd="sng">
-            <a:solidFill>
-              <a:srgbClr val="000000">
-                <a:alpha val="100000"/>
-              </a:srgbClr>
-            </a:solidFill>
-            <a:prstDash val="solid"/>
-          </a:ln>
-        </p:spPr>
-        <p:txBody>
-          <a:bodyPr wrap="square" lIns="91440" tIns="45720" rIns="91440" bIns="45720" numCol="1" vert="horz" anchor="ctr">
-            <a:noAutofit/>
-          </a:bodyPr>
-          <a:lstStyle/>
-          <a:p>
-            <a:pPr marL="0" indent="0" latinLnBrk="0">
-              <a:buFontTx/>
-              <a:buNone/>
-            </a:pPr>
-          </a:p>
-        </p:txBody>
-      </p:sp>
-      <p:sp>
-        <p:nvSpPr>
-          <p:cNvPr id="3" name="슬라이드 노트 개체 틀 4"/>
-          <p:cNvSpPr txBox="1">
-            <a:spLocks/>
-          </p:cNvSpPr>
-          <p:nvPr>
-            <p:ph type="body" idx="3"/>
-          </p:nvPr>
-        </p:nvSpPr>
-        <p:spPr>
-          <a:xfrm rot="0">
-            <a:off x="685800" y="4400550"/>
-            <a:ext cx="5491480" cy="3605530"/>
-          </a:xfrm>
-          <a:prstGeom prst="rect"/>
-        </p:spPr>
-        <p:txBody>
-          <a:bodyPr wrap="square" lIns="91440" tIns="45720" rIns="91440" bIns="45720" numCol="1" vert="horz" anchor="t">
-            <a:noAutofit/>
-          </a:bodyPr>
-          <a:lstStyle/>
-          <a:p>
-            <a:pPr marL="0" indent="0" latinLnBrk="0">
-              <a:buFontTx/>
-              <a:buNone/>
-            </a:pPr>
-          </a:p>
-        </p:txBody>
-      </p:sp>
-      <p:sp>
-        <p:nvSpPr>
-          <p:cNvPr id="4" name="슬라이드 번호 개체 틀 6"/>
-          <p:cNvSpPr txBox="1">
-            <a:spLocks/>
-          </p:cNvSpPr>
-          <p:nvPr>
-            <p:ph type="sldNum" idx="5"/>
-          </p:nvPr>
-        </p:nvSpPr>
-        <p:spPr>
-          <a:xfrm rot="0">
-            <a:off x="3884930" y="8685530"/>
-            <a:ext cx="2976880" cy="463550"/>
-          </a:xfrm>
-          <a:prstGeom prst="rect"/>
-        </p:spPr>
-        <p:txBody>
-          <a:bodyPr wrap="square" lIns="91440" tIns="45720" rIns="91440" bIns="45720" numCol="1" vert="horz" anchor="b">
-            <a:noAutofit/>
-          </a:bodyPr>
-          <a:lstStyle>
-            <a:lvl1pPr marL="0" indent="0" algn="r" latinLnBrk="0">
-              <a:buFontTx/>
-              <a:buNone/>
-              <a:defRPr lang="en-GB" altLang="en-US" sz="1200"/>
-            </a:lvl1pPr>
-          </a:lstStyle>
-          <a:p>
-            <a:pPr marL="0" indent="0" latinLnBrk="0">
-              <a:buFontTx/>
-              <a:buNone/>
-            </a:pPr>
-            <a:fld id="{B9320F77-B9A0-41C5-862A-B4B631284C64}" type="slidenum">
-              <a:rPr lang="ko-KR" altLang="en-US"/>
-              <a:t>‹#›</a:t>
-            </a:fld>
-          </a:p>
-        </p:txBody>
-      </p:sp>
-    </p:spTree>
-  </p:cSld>
-  <p:clrMapOvr>
-    <a:masterClrMapping/>
-  </p:clrMapOvr>
-  <mc:AlternateContent xmlns:mc="http://schemas.openxmlformats.org/markup-compatibility/2006">
-    <mc:Choice xmlns:p14="http://schemas.microsoft.com/office/powerpoint/2010/main" Requires="p14">
-      <p:transition spd="slow" p14:dur="0"/>
-    </mc:Choice>
-    <mc:Fallback>
-      <p:transition spd="slow"/>
-    </mc:Fallback>
-  </mc:AlternateContent>
-</p:notes>
-</file>
-
-<file path=ppt/notesSlides/notesSlide9.xml><?xml version="1.0" encoding="utf-8"?>
-<p:notes xmlns:a="http://schemas.openxmlformats.org/drawingml/2006/main" xmlns:r="http://schemas.openxmlformats.org/officeDocument/2006/relationships" xmlns:p="http://schemas.openxmlformats.org/presentationml/2006/main">
-  <p:cSld>
-    <p:spTree>
-      <p:nvGrpSpPr>
-        <p:cNvPr id="1" name=""/>
-        <p:cNvGrpSpPr/>
-        <p:nvPr/>
-      </p:nvGrpSpPr>
-      <p:grpSpPr>
-        <a:xfrm>
-          <a:off x="0" y="0"/>
-          <a:ext cx="0" cy="0"/>
-          <a:chOff x="0" y="0"/>
-          <a:chExt cx="0" cy="0"/>
-        </a:xfrm>
-      </p:grpSpPr>
-      <p:sp>
-        <p:nvSpPr>
-          <p:cNvPr id="2" name="슬라이드 이미지 개체 틀 3"/>
-          <p:cNvSpPr>
-            <a:spLocks noChangeAspect="1"/>
-          </p:cNvSpPr>
-          <p:nvPr>
-            <p:ph type="sldImg" idx="2"/>
-          </p:nvPr>
-        </p:nvSpPr>
-        <p:spPr>
-          <a:xfrm rot="0">
-            <a:off x="685800" y="1143000"/>
-            <a:ext cx="5492115" cy="3091815"/>
-          </a:xfrm>
-          <a:prstGeom prst="rect"/>
-          <a:noFill/>
-          <a:ln w="12700" cap="flat" cmpd="sng">
-            <a:solidFill>
-              <a:srgbClr val="000000">
-                <a:alpha val="100000"/>
-              </a:srgbClr>
-            </a:solidFill>
-            <a:prstDash val="solid"/>
-          </a:ln>
-        </p:spPr>
-        <p:txBody>
-          <a:bodyPr wrap="square" lIns="91440" tIns="45720" rIns="91440" bIns="45720" numCol="1" vert="horz" anchor="ctr">
-            <a:noAutofit/>
-          </a:bodyPr>
-          <a:lstStyle/>
-          <a:p>
-            <a:pPr marL="0" indent="0" latinLnBrk="0">
-              <a:buFontTx/>
-              <a:buNone/>
-            </a:pPr>
-          </a:p>
-        </p:txBody>
-      </p:sp>
-      <p:sp>
-        <p:nvSpPr>
-          <p:cNvPr id="3" name="슬라이드 노트 개체 틀 4"/>
-          <p:cNvSpPr txBox="1">
-            <a:spLocks/>
-          </p:cNvSpPr>
-          <p:nvPr>
-            <p:ph type="body" idx="3"/>
-          </p:nvPr>
-        </p:nvSpPr>
-        <p:spPr>
-          <a:xfrm rot="0">
-            <a:off x="685800" y="4400550"/>
-            <a:ext cx="5492115" cy="3606165"/>
-          </a:xfrm>
-          <a:prstGeom prst="rect"/>
-        </p:spPr>
-        <p:txBody>
-          <a:bodyPr wrap="square" lIns="91440" tIns="45720" rIns="91440" bIns="45720" numCol="1" vert="horz" anchor="t">
-            <a:noAutofit/>
-          </a:bodyPr>
-          <a:lstStyle/>
-          <a:p>
-            <a:pPr marL="0" indent="0" latinLnBrk="0">
-              <a:buFontTx/>
-              <a:buNone/>
-            </a:pPr>
-          </a:p>
-        </p:txBody>
-      </p:sp>
-      <p:sp>
-        <p:nvSpPr>
-          <p:cNvPr id="4" name="슬라이드 번호 개체 틀 6"/>
-          <p:cNvSpPr txBox="1">
-            <a:spLocks/>
-          </p:cNvSpPr>
-          <p:nvPr>
-            <p:ph type="sldNum" idx="5"/>
-          </p:nvPr>
-        </p:nvSpPr>
-        <p:spPr>
-          <a:xfrm rot="0">
-            <a:off x="3884930" y="8685530"/>
-            <a:ext cx="2977515" cy="464185"/>
           </a:xfrm>
           <a:prstGeom prst="rect"/>
         </p:spPr>
@@ -8028,3223 +6741,6 @@
 </p:sld>
 </file>
 
-<file path=ppt/slides/slide10.xml><?xml version="1.0" encoding="utf-8"?>
-<p:sld xmlns:a="http://schemas.openxmlformats.org/drawingml/2006/main" xmlns:r="http://schemas.openxmlformats.org/officeDocument/2006/relationships" xmlns:p="http://schemas.openxmlformats.org/presentationml/2006/main" xmlns:p14="http://schemas.microsoft.com/office/powerpoint/2010/main">
-  <p:cSld>
-    <p:spTree>
-      <p:nvGrpSpPr>
-        <p:cNvPr id="1" name=""/>
-        <p:cNvGrpSpPr/>
-        <p:nvPr/>
-      </p:nvGrpSpPr>
-      <p:grpSpPr>
-        <a:xfrm>
-          <a:off x="0" y="0"/>
-          <a:ext cx="0" cy="0"/>
-          <a:chOff x="0" y="0"/>
-          <a:chExt cx="0" cy="0"/>
-        </a:xfrm>
-      </p:grpSpPr>
-      <p:sp>
-        <p:nvSpPr>
-          <p:cNvPr id="5" name="Rect 0"/>
-          <p:cNvSpPr txBox="1">
-            <a:spLocks/>
-          </p:cNvSpPr>
-          <p:nvPr/>
-        </p:nvSpPr>
-        <p:spPr>
-          <a:xfrm rot="0">
-            <a:off x="4480560" y="327660"/>
-            <a:ext cx="3234690" cy="554990"/>
-          </a:xfrm>
-          <a:prstGeom prst="rect"/>
-          <a:noFill/>
-          <a:ln w="0">
-            <a:noFill/>
-            <a:prstDash/>
-          </a:ln>
-        </p:spPr>
-        <p:txBody>
-          <a:bodyPr wrap="square" lIns="89535" tIns="46355" rIns="89535" bIns="46355" numCol="1" vert="horz" anchor="t">
-            <a:spAutoFit/>
-          </a:bodyPr>
-          <a:lstStyle/>
-          <a:p>
-            <a:pPr marL="0" indent="0" algn="l" latinLnBrk="0">
-              <a:buFontTx/>
-              <a:buNone/>
-            </a:pPr>
-            <a:r>
-              <a:rPr lang="ko-KR" altLang="en-US" sz="3000" b="1">
-                <a:solidFill>
-                  <a:schemeClr val="tx1"/>
-                </a:solidFill>
-                <a:latin typeface="맑은 고딕" charset="0"/>
-                <a:ea typeface="맑은 고딕" charset="0"/>
-              </a:rPr>
-              <a:t>열</a:t>
-            </a:r>
-            <a:r>
-              <a:rPr lang="ko-KR" altLang="en-US" sz="3000" b="1">
-                <a:solidFill>
-                  <a:schemeClr val="tx1"/>
-                </a:solidFill>
-                <a:latin typeface="맑은 고딕" charset="0"/>
-                <a:ea typeface="맑은 고딕" charset="0"/>
-              </a:rPr>
-              <a:t> 번째 튜토리얼</a:t>
-            </a:r>
-            <a:endParaRPr lang="ko-KR" altLang="en-US" sz="3000" b="1">
-              <a:solidFill>
-                <a:schemeClr val="tx1"/>
-              </a:solidFill>
-              <a:latin typeface="맑은 고딕" charset="0"/>
-              <a:ea typeface="맑은 고딕" charset="0"/>
-            </a:endParaRPr>
-          </a:p>
-        </p:txBody>
-      </p:sp>
-      <p:sp>
-        <p:nvSpPr>
-          <p:cNvPr id="15" name="Rect 0"/>
-          <p:cNvSpPr txBox="1">
-            <a:spLocks/>
-          </p:cNvSpPr>
-          <p:nvPr/>
-        </p:nvSpPr>
-        <p:spPr>
-          <a:xfrm rot="0">
-            <a:off x="6791325" y="5274310"/>
-            <a:ext cx="4182110" cy="954405"/>
-          </a:xfrm>
-          <a:prstGeom prst="rect"/>
-          <a:noFill/>
-          <a:ln w="0">
-            <a:noFill/>
-            <a:prstDash/>
-          </a:ln>
-        </p:spPr>
-        <p:txBody>
-          <a:bodyPr wrap="square" lIns="89535" tIns="46355" rIns="89535" bIns="46355" numCol="1" vert="horz" anchor="t">
-            <a:spAutoFit/>
-          </a:bodyPr>
-          <a:lstStyle/>
-          <a:p>
-            <a:pPr marL="0" indent="0" algn="l" latinLnBrk="0" hangingPunct="1">
-              <a:buFontTx/>
-              <a:buNone/>
-            </a:pPr>
-            <a:r>
-              <a:rPr lang="ko-KR" sz="2000" b="1">
-                <a:solidFill>
-                  <a:srgbClr val="0611F2"/>
-                </a:solidFill>
-                <a:latin typeface="맑은 고딕" charset="0"/>
-                <a:ea typeface="맑은 고딕" charset="0"/>
-              </a:rPr>
-              <a:t>24</a:t>
-            </a:r>
-            <a:r>
-              <a:rPr lang="ko-KR" sz="2000" b="1">
-                <a:solidFill>
-                  <a:srgbClr val="0611F2"/>
-                </a:solidFill>
-                <a:latin typeface="맑은 고딕" charset="0"/>
-                <a:ea typeface="맑은 고딕" charset="0"/>
-              </a:rPr>
-              <a:t>. </a:t>
-            </a:r>
-            <a:r>
-              <a:rPr lang="ko-KR" sz="1800">
-                <a:latin typeface="맑은 고딕" charset="0"/>
-                <a:ea typeface="맑은 고딕" charset="0"/>
-              </a:rPr>
-              <a:t>마지막으로 Santa Hat Picture 오브젝트와 Santa Stick Picture 오브젝트의 크기를 설정합니다.</a:t>
-            </a:r>
-            <a:endParaRPr lang="ko-KR" altLang="en-US" sz="1800">
-              <a:latin typeface="맑은 고딕" charset="0"/>
-              <a:ea typeface="맑은 고딕" charset="0"/>
-            </a:endParaRPr>
-          </a:p>
-        </p:txBody>
-      </p:sp>
-      <p:sp>
-        <p:nvSpPr>
-          <p:cNvPr id="26" name="텍스트 상자 21"/>
-          <p:cNvSpPr txBox="1">
-            <a:spLocks/>
-          </p:cNvSpPr>
-          <p:nvPr/>
-        </p:nvSpPr>
-        <p:spPr>
-          <a:xfrm rot="0">
-            <a:off x="1305560" y="3890645"/>
-            <a:ext cx="4083050" cy="2338705"/>
-          </a:xfrm>
-          <a:prstGeom prst="rect"/>
-          <a:noFill/>
-          <a:ln w="0">
-            <a:noFill/>
-            <a:prstDash/>
-          </a:ln>
-        </p:spPr>
-        <p:txBody>
-          <a:bodyPr wrap="square" lIns="89535" tIns="46355" rIns="89535" bIns="46355" numCol="1" vert="horz" anchor="t">
-            <a:spAutoFit/>
-          </a:bodyPr>
-          <a:lstStyle/>
-          <a:p>
-            <a:pPr marL="0" indent="0" algn="l" latinLnBrk="0" hangingPunct="1">
-              <a:buFontTx/>
-              <a:buNone/>
-            </a:pPr>
-            <a:r>
-              <a:rPr lang="ko-KR" sz="2000" b="1">
-                <a:solidFill>
-                  <a:srgbClr val="0611F2"/>
-                </a:solidFill>
-                <a:latin typeface="맑은 고딕" charset="0"/>
-                <a:ea typeface="맑은 고딕" charset="0"/>
-              </a:rPr>
-              <a:t>23</a:t>
-            </a:r>
-            <a:r>
-              <a:rPr lang="ko-KR" sz="2000" b="1">
-                <a:solidFill>
-                  <a:srgbClr val="0611F2"/>
-                </a:solidFill>
-                <a:latin typeface="맑은 고딕" charset="0"/>
-                <a:ea typeface="맑은 고딕" charset="0"/>
-              </a:rPr>
-              <a:t>. </a:t>
-            </a:r>
-            <a:r>
-              <a:rPr lang="ko-KR" sz="1800">
-                <a:latin typeface="맑은 고딕" charset="0"/>
-                <a:ea typeface="맑은 고딕" charset="0"/>
-              </a:rPr>
-              <a:t>이제 </a:t>
-            </a:r>
-            <a:r>
-              <a:rPr lang="ko-KR" sz="1800">
-                <a:latin typeface="맑은 고딕" charset="0"/>
-                <a:ea typeface="맑은 고딕" charset="0"/>
-              </a:rPr>
-              <a:t>UI에서 Image를 2개  Santa Hat Boader</a:t>
-            </a:r>
-            <a:r>
-              <a:rPr lang="ko-KR" sz="1800">
-                <a:latin typeface="맑은 고딕" charset="0"/>
-                <a:ea typeface="맑은 고딕" charset="0"/>
-              </a:rPr>
-              <a:t> 오브젝트와 Santa Stick Boader 오브젝트 하위 오브젝트로 생성합니다.</a:t>
-            </a:r>
-            <a:endParaRPr lang="ko-KR" altLang="en-US" sz="1800">
-              <a:latin typeface="맑은 고딕" charset="0"/>
-              <a:ea typeface="맑은 고딕" charset="0"/>
-            </a:endParaRPr>
-          </a:p>
-          <a:p>
-            <a:pPr marL="0" indent="0" algn="l" latinLnBrk="0" hangingPunct="1">
-              <a:buFontTx/>
-              <a:buNone/>
-            </a:pPr>
-            <a:endParaRPr lang="ko-KR" altLang="en-US" sz="1800">
-              <a:latin typeface="맑은 고딕" charset="0"/>
-              <a:ea typeface="맑은 고딕" charset="0"/>
-            </a:endParaRPr>
-          </a:p>
-          <a:p>
-            <a:pPr marL="0" indent="0" algn="l" latinLnBrk="0" hangingPunct="1">
-              <a:buFontTx/>
-              <a:buNone/>
-            </a:pPr>
-            <a:r>
-              <a:rPr lang="ko-KR" sz="1800">
-                <a:latin typeface="맑은 고딕" charset="0"/>
-                <a:ea typeface="맑은 고딕" charset="0"/>
-              </a:rPr>
-              <a:t>그리고</a:t>
-            </a:r>
-            <a:r>
-              <a:rPr lang="ko-KR" sz="1800">
-                <a:latin typeface="맑은 고딕" charset="0"/>
-                <a:ea typeface="맑은 고딕" charset="0"/>
-              </a:rPr>
-              <a:t> Santa </a:t>
-            </a:r>
-            <a:r>
-              <a:rPr lang="ko-KR" sz="1800">
-                <a:latin typeface="맑은 고딕" charset="0"/>
-                <a:ea typeface="맑은 고딕" charset="0"/>
-              </a:rPr>
-              <a:t>Hat Picture</a:t>
-            </a:r>
-            <a:r>
-              <a:rPr lang="ko-KR" sz="1800">
-                <a:latin typeface="맑은 고딕" charset="0"/>
-                <a:ea typeface="맑은 고딕" charset="0"/>
-              </a:rPr>
-              <a:t>라는 이름</a:t>
-            </a:r>
-            <a:r>
-              <a:rPr lang="ko-KR" sz="1800">
-                <a:latin typeface="맑은 고딕" charset="0"/>
-                <a:ea typeface="맑은 고딕" charset="0"/>
-              </a:rPr>
-              <a:t>과 Santa Stick Picture라는 이름으로</a:t>
-            </a:r>
-            <a:r>
-              <a:rPr lang="ko-KR" sz="1800">
-                <a:latin typeface="맑은 고딕" charset="0"/>
-                <a:ea typeface="맑은 고딕" charset="0"/>
-              </a:rPr>
-              <a:t> 정의합니다.</a:t>
-            </a:r>
-            <a:endParaRPr lang="ko-KR" altLang="en-US" sz="1800">
-              <a:latin typeface="맑은 고딕" charset="0"/>
-              <a:ea typeface="맑은 고딕" charset="0"/>
-            </a:endParaRPr>
-          </a:p>
-        </p:txBody>
-      </p:sp>
-      <p:pic>
-        <p:nvPicPr>
-          <p:cNvPr id="27" name="그림 22"/>
-          <p:cNvPicPr>
-            <a:picLocks noChangeAspect="1"/>
-          </p:cNvPicPr>
-          <p:nvPr/>
-        </p:nvPicPr>
-        <p:blipFill rotWithShape="1">
-          <a:blip r:embed="rId2" cstate="hqprint">
-            <a:extLst>
-              <a:ext uri="{28A0092B-C50C-407E-A947-70E740481C1C}">
-                <a14:useLocalDpi xmlns:a14="http://schemas.microsoft.com/office/drawing/2010/main"/>
-              </a:ext>
-            </a:extLst>
-          </a:blip>
-          <a:stretch>
-            <a:fillRect/>
-          </a:stretch>
-        </p:blipFill>
-        <p:spPr>
-          <a:xfrm rot="0">
-            <a:off x="1310005" y="1384935"/>
-            <a:ext cx="2619375" cy="2404110"/>
-          </a:xfrm>
-          <a:prstGeom prst="roundRect"/>
-          <a:solidFill>
-            <a:srgbClr val="EDEDED"/>
-          </a:solidFill>
-        </p:spPr>
-      </p:pic>
-      <p:pic>
-        <p:nvPicPr>
-          <p:cNvPr id="28" name="그림 23"/>
-          <p:cNvPicPr>
-            <a:picLocks noChangeAspect="1"/>
-          </p:cNvPicPr>
-          <p:nvPr/>
-        </p:nvPicPr>
-        <p:blipFill rotWithShape="1">
-          <a:blip r:embed="rId3" cstate="print">
-            <a:extLst>
-              <a:ext uri="{28A0092B-C50C-407E-A947-70E740481C1C}">
-                <a14:useLocalDpi xmlns:a14="http://schemas.microsoft.com/office/drawing/2010/main" val="0"/>
-              </a:ext>
-            </a:extLst>
-          </a:blip>
-          <a:stretch>
-            <a:fillRect/>
-          </a:stretch>
-        </p:blipFill>
-        <p:spPr>
-          <a:xfrm rot="0">
-            <a:off x="4117340" y="1738630"/>
-            <a:ext cx="1297940" cy="1686560"/>
-          </a:xfrm>
-          <a:prstGeom prst="roundRect"/>
-          <a:solidFill>
-            <a:srgbClr val="EDEDED"/>
-          </a:solidFill>
-        </p:spPr>
-      </p:pic>
-      <p:pic>
-        <p:nvPicPr>
-          <p:cNvPr id="29" name="그림 26"/>
-          <p:cNvPicPr>
-            <a:picLocks noChangeAspect="1"/>
-          </p:cNvPicPr>
-          <p:nvPr/>
-        </p:nvPicPr>
-        <p:blipFill rotWithShape="1">
-          <a:blip r:embed="rId4" cstate="print">
-            <a:extLst>
-              <a:ext uri="{28A0092B-C50C-407E-A947-70E740481C1C}">
-                <a14:useLocalDpi xmlns:a14="http://schemas.microsoft.com/office/drawing/2010/main" val="0"/>
-              </a:ext>
-            </a:extLst>
-          </a:blip>
-          <a:stretch>
-            <a:fillRect/>
-          </a:stretch>
-        </p:blipFill>
-        <p:spPr>
-          <a:xfrm rot="0">
-            <a:off x="6791325" y="1381125"/>
-            <a:ext cx="4191635" cy="1743710"/>
-          </a:xfrm>
-          <a:prstGeom prst="roundRect"/>
-          <a:solidFill>
-            <a:srgbClr val="EDEDED"/>
-          </a:solidFill>
-        </p:spPr>
-      </p:pic>
-      <p:pic>
-        <p:nvPicPr>
-          <p:cNvPr id="30" name="그림 27"/>
-          <p:cNvPicPr>
-            <a:picLocks noChangeAspect="1"/>
-          </p:cNvPicPr>
-          <p:nvPr/>
-        </p:nvPicPr>
-        <p:blipFill rotWithShape="1">
-          <a:blip r:embed="rId5" cstate="print">
-            <a:extLst>
-              <a:ext uri="{28A0092B-C50C-407E-A947-70E740481C1C}">
-                <a14:useLocalDpi xmlns:a14="http://schemas.microsoft.com/office/drawing/2010/main" val="0"/>
-              </a:ext>
-            </a:extLst>
-          </a:blip>
-          <a:stretch>
-            <a:fillRect/>
-          </a:stretch>
-        </p:blipFill>
-        <p:spPr>
-          <a:xfrm rot="0">
-            <a:off x="6791325" y="3343275"/>
-            <a:ext cx="4191635" cy="1762760"/>
-          </a:xfrm>
-          <a:prstGeom prst="roundRect"/>
-          <a:solidFill>
-            <a:srgbClr val="EDEDED"/>
-          </a:solidFill>
-        </p:spPr>
-      </p:pic>
-    </p:spTree>
-  </p:cSld>
-  <p:clrMapOvr>
-    <a:masterClrMapping/>
-  </p:clrMapOvr>
-  <mc:AlternateContent xmlns:mc="http://schemas.openxmlformats.org/markup-compatibility/2006">
-    <mc:Choice xmlns:p14="http://schemas.microsoft.com/office/powerpoint/2010/main" Requires="p14">
-      <p:transition spd="slow" p14:dur="2000"/>
-    </mc:Choice>
-    <mc:Fallback>
-      <p:transition spd="slow"/>
-    </mc:Fallback>
-  </mc:AlternateContent>
-  <p:timing>
-    <p:tnLst>
-      <p:par>
-        <p:cTn id="1" dur="indefinite" restart="never" nodeType="tmRoot"/>
-      </p:par>
-    </p:tnLst>
-  </p:timing>
-</p:sld>
-</file>
-
-<file path=ppt/slides/slide11.xml><?xml version="1.0" encoding="utf-8"?>
-<p:sld xmlns:a="http://schemas.openxmlformats.org/drawingml/2006/main" xmlns:r="http://schemas.openxmlformats.org/officeDocument/2006/relationships" xmlns:p="http://schemas.openxmlformats.org/presentationml/2006/main" xmlns:p14="http://schemas.microsoft.com/office/powerpoint/2010/main">
-  <p:cSld>
-    <p:spTree>
-      <p:nvGrpSpPr>
-        <p:cNvPr id="1" name=""/>
-        <p:cNvGrpSpPr/>
-        <p:nvPr/>
-      </p:nvGrpSpPr>
-      <p:grpSpPr>
-        <a:xfrm>
-          <a:off x="0" y="0"/>
-          <a:ext cx="0" cy="0"/>
-          <a:chOff x="0" y="0"/>
-          <a:chExt cx="0" cy="0"/>
-        </a:xfrm>
-      </p:grpSpPr>
-      <p:sp>
-        <p:nvSpPr>
-          <p:cNvPr id="5" name="Rect 0"/>
-          <p:cNvSpPr txBox="1">
-            <a:spLocks/>
-          </p:cNvSpPr>
-          <p:nvPr/>
-        </p:nvSpPr>
-        <p:spPr>
-          <a:xfrm rot="0">
-            <a:off x="4309110" y="346710"/>
-            <a:ext cx="3578225" cy="554990"/>
-          </a:xfrm>
-          <a:prstGeom prst="rect"/>
-          <a:noFill/>
-          <a:ln w="0">
-            <a:noFill/>
-            <a:prstDash/>
-          </a:ln>
-        </p:spPr>
-        <p:txBody>
-          <a:bodyPr wrap="square" lIns="89535" tIns="46355" rIns="89535" bIns="46355" numCol="1" vert="horz" anchor="t">
-            <a:spAutoFit/>
-          </a:bodyPr>
-          <a:lstStyle/>
-          <a:p>
-            <a:pPr marL="0" indent="0" algn="l" latinLnBrk="0">
-              <a:buFontTx/>
-              <a:buNone/>
-            </a:pPr>
-            <a:r>
-              <a:rPr lang="ko-KR" altLang="en-US" sz="3000" b="1">
-                <a:solidFill>
-                  <a:schemeClr val="tx1"/>
-                </a:solidFill>
-                <a:latin typeface="맑은 고딕" charset="0"/>
-                <a:ea typeface="맑은 고딕" charset="0"/>
-              </a:rPr>
-              <a:t>열한</a:t>
-            </a:r>
-            <a:r>
-              <a:rPr lang="ko-KR" altLang="en-US" sz="3000" b="1">
-                <a:solidFill>
-                  <a:schemeClr val="tx1"/>
-                </a:solidFill>
-                <a:latin typeface="맑은 고딕" charset="0"/>
-                <a:ea typeface="맑은 고딕" charset="0"/>
-              </a:rPr>
-              <a:t> 번째 튜토리얼</a:t>
-            </a:r>
-            <a:endParaRPr lang="ko-KR" altLang="en-US" sz="3000" b="1">
-              <a:solidFill>
-                <a:schemeClr val="tx1"/>
-              </a:solidFill>
-              <a:latin typeface="맑은 고딕" charset="0"/>
-              <a:ea typeface="맑은 고딕" charset="0"/>
-            </a:endParaRPr>
-          </a:p>
-        </p:txBody>
-      </p:sp>
-      <p:sp>
-        <p:nvSpPr>
-          <p:cNvPr id="15" name="Rect 0"/>
-          <p:cNvSpPr txBox="1">
-            <a:spLocks/>
-          </p:cNvSpPr>
-          <p:nvPr/>
-        </p:nvSpPr>
-        <p:spPr>
-          <a:xfrm rot="0">
-            <a:off x="6791325" y="2626360"/>
-            <a:ext cx="4182110" cy="1231265"/>
-          </a:xfrm>
-          <a:prstGeom prst="rect"/>
-          <a:noFill/>
-          <a:ln w="0">
-            <a:noFill/>
-            <a:prstDash/>
-          </a:ln>
-        </p:spPr>
-        <p:txBody>
-          <a:bodyPr wrap="square" lIns="89535" tIns="46355" rIns="89535" bIns="46355" numCol="1" vert="horz" anchor="t">
-            <a:spAutoFit/>
-          </a:bodyPr>
-          <a:lstStyle/>
-          <a:p>
-            <a:pPr marL="0" indent="0" algn="l" latinLnBrk="0" hangingPunct="1">
-              <a:buFontTx/>
-              <a:buNone/>
-            </a:pPr>
-            <a:r>
-              <a:rPr lang="ko-KR" sz="2000" b="1">
-                <a:solidFill>
-                  <a:srgbClr val="0611F2"/>
-                </a:solidFill>
-                <a:latin typeface="맑은 고딕" charset="0"/>
-                <a:ea typeface="맑은 고딕" charset="0"/>
-              </a:rPr>
-              <a:t>26</a:t>
-            </a:r>
-            <a:r>
-              <a:rPr lang="ko-KR" sz="2000" b="1">
-                <a:solidFill>
-                  <a:srgbClr val="0611F2"/>
-                </a:solidFill>
-                <a:latin typeface="맑은 고딕" charset="0"/>
-                <a:ea typeface="맑은 고딕" charset="0"/>
-              </a:rPr>
-              <a:t>. </a:t>
-            </a:r>
-            <a:r>
-              <a:rPr lang="ko-KR" sz="1800">
-                <a:latin typeface="맑은 고딕" charset="0"/>
-                <a:ea typeface="맑은 고딕" charset="0"/>
-              </a:rPr>
-              <a:t>이제 Project 폴더에 있는 Script 폴더에 Consumable 스크립트를 Santa Hat Picture 오브젝트와 Santa Stick Picture 오브젝트에 넣어줍니다.</a:t>
-            </a:r>
-            <a:endParaRPr lang="ko-KR" altLang="en-US" sz="1800">
-              <a:latin typeface="맑은 고딕" charset="0"/>
-              <a:ea typeface="맑은 고딕" charset="0"/>
-            </a:endParaRPr>
-          </a:p>
-        </p:txBody>
-      </p:sp>
-      <p:sp>
-        <p:nvSpPr>
-          <p:cNvPr id="26" name="Rect 0"/>
-          <p:cNvSpPr txBox="1">
-            <a:spLocks/>
-          </p:cNvSpPr>
-          <p:nvPr/>
-        </p:nvSpPr>
-        <p:spPr>
-          <a:xfrm rot="0">
-            <a:off x="1296035" y="4166870"/>
-            <a:ext cx="4076700" cy="2061845"/>
-          </a:xfrm>
-          <a:prstGeom prst="rect"/>
-          <a:noFill/>
-          <a:ln w="0">
-            <a:noFill/>
-            <a:prstDash/>
-          </a:ln>
-        </p:spPr>
-        <p:txBody>
-          <a:bodyPr wrap="square" lIns="89535" tIns="46355" rIns="89535" bIns="46355" numCol="1" vert="horz" anchor="t">
-            <a:spAutoFit/>
-          </a:bodyPr>
-          <a:lstStyle/>
-          <a:p>
-            <a:pPr marL="0" indent="0" algn="l" latinLnBrk="0" hangingPunct="1">
-              <a:buFontTx/>
-              <a:buNone/>
-            </a:pPr>
-            <a:r>
-              <a:rPr lang="ko-KR" sz="2000" b="1">
-                <a:solidFill>
-                  <a:srgbClr val="0611F2"/>
-                </a:solidFill>
-                <a:latin typeface="맑은 고딕" charset="0"/>
-                <a:ea typeface="맑은 고딕" charset="0"/>
-              </a:rPr>
-              <a:t>25</a:t>
-            </a:r>
-            <a:r>
-              <a:rPr lang="ko-KR" sz="2000" b="1">
-                <a:solidFill>
-                  <a:srgbClr val="0611F2"/>
-                </a:solidFill>
-                <a:latin typeface="맑은 고딕" charset="0"/>
-                <a:ea typeface="맑은 고딕" charset="0"/>
-              </a:rPr>
-              <a:t>. </a:t>
-            </a:r>
-            <a:r>
-              <a:rPr lang="ko-KR" sz="1800">
-                <a:latin typeface="맑은 고딕" charset="0"/>
-                <a:ea typeface="맑은 고딕" charset="0"/>
-              </a:rPr>
-              <a:t>그런 다음 Consumable 스크립트에서 Image 변수 2개와 Item 변수 하나를 선언합니다.</a:t>
-            </a:r>
-            <a:endParaRPr lang="ko-KR" altLang="en-US" sz="1800">
-              <a:latin typeface="맑은 고딕" charset="0"/>
-              <a:ea typeface="맑은 고딕" charset="0"/>
-            </a:endParaRPr>
-          </a:p>
-          <a:p>
-            <a:pPr marL="0" indent="0" algn="l" latinLnBrk="0" hangingPunct="1">
-              <a:buFontTx/>
-              <a:buNone/>
-            </a:pPr>
-            <a:endParaRPr lang="ko-KR" altLang="en-US" sz="1800">
-              <a:latin typeface="맑은 고딕" charset="0"/>
-              <a:ea typeface="맑은 고딕" charset="0"/>
-            </a:endParaRPr>
-          </a:p>
-          <a:p>
-            <a:pPr marL="0" indent="0" algn="l" latinLnBrk="0" hangingPunct="1">
-              <a:buFontTx/>
-              <a:buNone/>
-            </a:pPr>
-            <a:r>
-              <a:rPr lang="ko-KR" sz="1800">
-                <a:latin typeface="맑은 고딕" charset="0"/>
-                <a:ea typeface="맑은 고딕" charset="0"/>
-              </a:rPr>
-              <a:t>그다음 Start( ) 함수에서 이미지의 스프라이트를 item 변수에 있는 스프라이트로 넣어줍니다.</a:t>
-            </a:r>
-            <a:endParaRPr lang="ko-KR" altLang="en-US" sz="1800">
-              <a:latin typeface="맑은 고딕" charset="0"/>
-              <a:ea typeface="맑은 고딕" charset="0"/>
-            </a:endParaRPr>
-          </a:p>
-        </p:txBody>
-      </p:sp>
-      <p:pic>
-        <p:nvPicPr>
-          <p:cNvPr id="31" name="그림 32"/>
-          <p:cNvPicPr>
-            <a:picLocks noChangeAspect="1"/>
-          </p:cNvPicPr>
-          <p:nvPr/>
-        </p:nvPicPr>
-        <p:blipFill rotWithShape="1">
-          <a:blip r:embed="rId2" cstate="print">
-            <a:extLst>
-              <a:ext uri="{28A0092B-C50C-407E-A947-70E740481C1C}">
-                <a14:useLocalDpi xmlns:a14="http://schemas.microsoft.com/office/drawing/2010/main" val="0"/>
-              </a:ext>
-            </a:extLst>
-          </a:blip>
-          <a:stretch>
-            <a:fillRect/>
-          </a:stretch>
-        </p:blipFill>
-        <p:spPr>
-          <a:xfrm rot="0">
-            <a:off x="1295400" y="1381125"/>
-            <a:ext cx="4086860" cy="2648585"/>
-          </a:xfrm>
-          <a:prstGeom prst="roundRect"/>
-          <a:solidFill>
-            <a:srgbClr val="EDEDED"/>
-          </a:solidFill>
-        </p:spPr>
-      </p:pic>
-      <p:pic>
-        <p:nvPicPr>
-          <p:cNvPr id="32" name="그림 35"/>
-          <p:cNvPicPr>
-            <a:picLocks noChangeAspect="1"/>
-          </p:cNvPicPr>
-          <p:nvPr/>
-        </p:nvPicPr>
-        <p:blipFill rotWithShape="1">
-          <a:blip r:embed="rId3" cstate="print">
-            <a:extLst>
-              <a:ext uri="{28A0092B-C50C-407E-A947-70E740481C1C}">
-                <a14:useLocalDpi xmlns:a14="http://schemas.microsoft.com/office/drawing/2010/main" val="0"/>
-              </a:ext>
-            </a:extLst>
-          </a:blip>
-          <a:stretch>
-            <a:fillRect/>
-          </a:stretch>
-        </p:blipFill>
-        <p:spPr>
-          <a:xfrm rot="0">
-            <a:off x="6795770" y="1376045"/>
-            <a:ext cx="1482090" cy="1190625"/>
-          </a:xfrm>
-          <a:prstGeom prst="roundRect"/>
-          <a:solidFill>
-            <a:srgbClr val="EDEDED"/>
-          </a:solidFill>
-        </p:spPr>
-      </p:pic>
-      <p:pic>
-        <p:nvPicPr>
-          <p:cNvPr id="33" name="그림 38"/>
-          <p:cNvPicPr>
-            <a:picLocks noChangeAspect="1"/>
-          </p:cNvPicPr>
-          <p:nvPr/>
-        </p:nvPicPr>
-        <p:blipFill rotWithShape="1">
-          <a:blip r:embed="rId4" cstate="print">
-            <a:extLst>
-              <a:ext uri="{28A0092B-C50C-407E-A947-70E740481C1C}">
-                <a14:useLocalDpi xmlns:a14="http://schemas.microsoft.com/office/drawing/2010/main" val="0"/>
-              </a:ext>
-            </a:extLst>
-          </a:blip>
-          <a:stretch>
-            <a:fillRect/>
-          </a:stretch>
-        </p:blipFill>
-        <p:spPr>
-          <a:xfrm rot="0">
-            <a:off x="8458200" y="1364615"/>
-            <a:ext cx="2512060" cy="1207770"/>
-          </a:xfrm>
-          <a:prstGeom prst="roundRect"/>
-          <a:solidFill>
-            <a:srgbClr val="EDEDED"/>
-          </a:solidFill>
-        </p:spPr>
-      </p:pic>
-      <p:pic>
-        <p:nvPicPr>
-          <p:cNvPr id="36" name="그림 41"/>
-          <p:cNvPicPr>
-            <a:picLocks noChangeAspect="1"/>
-          </p:cNvPicPr>
-          <p:nvPr/>
-        </p:nvPicPr>
-        <p:blipFill rotWithShape="1">
-          <a:blip r:embed="rId5" cstate="print">
-            <a:extLst>
-              <a:ext uri="{28A0092B-C50C-407E-A947-70E740481C1C}">
-                <a14:useLocalDpi xmlns:a14="http://schemas.microsoft.com/office/drawing/2010/main" val="0"/>
-              </a:ext>
-            </a:extLst>
-          </a:blip>
-          <a:stretch>
-            <a:fillRect/>
-          </a:stretch>
-        </p:blipFill>
-        <p:spPr>
-          <a:xfrm rot="0">
-            <a:off x="8467725" y="3943350"/>
-            <a:ext cx="2505710" cy="1267460"/>
-          </a:xfrm>
-          <a:prstGeom prst="roundRect"/>
-          <a:solidFill>
-            <a:srgbClr val="EDEDED"/>
-          </a:solidFill>
-        </p:spPr>
-      </p:pic>
-      <p:sp>
-        <p:nvSpPr>
-          <p:cNvPr id="37" name="텍스트 상자 44"/>
-          <p:cNvSpPr txBox="1">
-            <a:spLocks/>
-          </p:cNvSpPr>
-          <p:nvPr/>
-        </p:nvSpPr>
-        <p:spPr>
-          <a:xfrm rot="0">
-            <a:off x="6786880" y="5269865"/>
-            <a:ext cx="4186555" cy="954405"/>
-          </a:xfrm>
-          <a:prstGeom prst="rect"/>
-          <a:noFill/>
-          <a:ln w="0">
-            <a:noFill/>
-            <a:prstDash/>
-          </a:ln>
-        </p:spPr>
-        <p:txBody>
-          <a:bodyPr wrap="square" lIns="89535" tIns="46355" rIns="89535" bIns="46355" numCol="1" vert="horz" anchor="t">
-            <a:spAutoFit/>
-          </a:bodyPr>
-          <a:lstStyle/>
-          <a:p>
-            <a:pPr marL="0" indent="0" algn="l" latinLnBrk="0" hangingPunct="1">
-              <a:buFontTx/>
-              <a:buNone/>
-            </a:pPr>
-            <a:r>
-              <a:rPr lang="ko-KR" sz="2000" b="1">
-                <a:solidFill>
-                  <a:srgbClr val="0611F2"/>
-                </a:solidFill>
-                <a:latin typeface="맑은 고딕" charset="0"/>
-                <a:ea typeface="맑은 고딕" charset="0"/>
-              </a:rPr>
-              <a:t>27</a:t>
-            </a:r>
-            <a:r>
-              <a:rPr lang="ko-KR" sz="2000" b="1">
-                <a:solidFill>
-                  <a:srgbClr val="0611F2"/>
-                </a:solidFill>
-                <a:latin typeface="맑은 고딕" charset="0"/>
-                <a:ea typeface="맑은 고딕" charset="0"/>
-              </a:rPr>
-              <a:t>. </a:t>
-            </a:r>
-            <a:r>
-              <a:rPr lang="ko-KR" sz="1800">
-                <a:latin typeface="맑은 고딕" charset="0"/>
-                <a:ea typeface="맑은 고딕" charset="0"/>
-              </a:rPr>
-              <a:t>그리고 Santa Hat Picture와 Santa Stick Picture 오브젝트에 Button 컴포넌트를 추가합니다.</a:t>
-            </a:r>
-            <a:endParaRPr lang="ko-KR" altLang="en-US" sz="1800">
-              <a:latin typeface="맑은 고딕" charset="0"/>
-              <a:ea typeface="맑은 고딕" charset="0"/>
-            </a:endParaRPr>
-          </a:p>
-        </p:txBody>
-      </p:sp>
-      <p:pic>
-        <p:nvPicPr>
-          <p:cNvPr id="38" name="그림 45"/>
-          <p:cNvPicPr>
-            <a:picLocks noChangeAspect="1"/>
-          </p:cNvPicPr>
-          <p:nvPr/>
-        </p:nvPicPr>
-        <p:blipFill rotWithShape="1">
-          <a:blip r:embed="rId6" cstate="print">
-            <a:extLst>
-              <a:ext uri="{28A0092B-C50C-407E-A947-70E740481C1C}">
-                <a14:useLocalDpi xmlns:a14="http://schemas.microsoft.com/office/drawing/2010/main" val="0"/>
-              </a:ext>
-            </a:extLst>
-          </a:blip>
-          <a:stretch>
-            <a:fillRect/>
-          </a:stretch>
-        </p:blipFill>
-        <p:spPr>
-          <a:xfrm rot="0">
-            <a:off x="6791325" y="3951605"/>
-            <a:ext cx="1482090" cy="1249680"/>
-          </a:xfrm>
-          <a:prstGeom prst="roundRect"/>
-          <a:solidFill>
-            <a:srgbClr val="EDEDED"/>
-          </a:solidFill>
-        </p:spPr>
-      </p:pic>
-    </p:spTree>
-  </p:cSld>
-  <p:clrMapOvr>
-    <a:masterClrMapping/>
-  </p:clrMapOvr>
-  <mc:AlternateContent xmlns:mc="http://schemas.openxmlformats.org/markup-compatibility/2006">
-    <mc:Choice xmlns:p14="http://schemas.microsoft.com/office/powerpoint/2010/main" Requires="p14">
-      <p:transition spd="slow" p14:dur="2000"/>
-    </mc:Choice>
-    <mc:Fallback>
-      <p:transition spd="slow"/>
-    </mc:Fallback>
-  </mc:AlternateContent>
-  <p:timing>
-    <p:tnLst>
-      <p:par>
-        <p:cTn id="1" dur="indefinite" restart="never" nodeType="tmRoot"/>
-      </p:par>
-    </p:tnLst>
-  </p:timing>
-</p:sld>
-</file>
-
-<file path=ppt/slides/slide12.xml><?xml version="1.0" encoding="utf-8"?>
-<p:sld xmlns:a="http://schemas.openxmlformats.org/drawingml/2006/main" xmlns:r="http://schemas.openxmlformats.org/officeDocument/2006/relationships" xmlns:p="http://schemas.openxmlformats.org/presentationml/2006/main" xmlns:p14="http://schemas.microsoft.com/office/powerpoint/2010/main">
-  <p:cSld>
-    <p:spTree>
-      <p:nvGrpSpPr>
-        <p:cNvPr id="1" name=""/>
-        <p:cNvGrpSpPr/>
-        <p:nvPr/>
-      </p:nvGrpSpPr>
-      <p:grpSpPr>
-        <a:xfrm>
-          <a:off x="0" y="0"/>
-          <a:ext cx="0" cy="0"/>
-          <a:chOff x="0" y="0"/>
-          <a:chExt cx="0" cy="0"/>
-        </a:xfrm>
-      </p:grpSpPr>
-      <p:sp>
-        <p:nvSpPr>
-          <p:cNvPr id="5" name="Rect 0"/>
-          <p:cNvSpPr txBox="1">
-            <a:spLocks/>
-          </p:cNvSpPr>
-          <p:nvPr/>
-        </p:nvSpPr>
-        <p:spPr>
-          <a:xfrm rot="0">
-            <a:off x="4309110" y="346710"/>
-            <a:ext cx="3578225" cy="554990"/>
-          </a:xfrm>
-          <a:prstGeom prst="rect"/>
-          <a:noFill/>
-          <a:ln w="0">
-            <a:noFill/>
-            <a:prstDash/>
-          </a:ln>
-        </p:spPr>
-        <p:txBody>
-          <a:bodyPr wrap="square" lIns="89535" tIns="46355" rIns="89535" bIns="46355" numCol="1" vert="horz" anchor="t">
-            <a:spAutoFit/>
-          </a:bodyPr>
-          <a:lstStyle/>
-          <a:p>
-            <a:pPr marL="0" indent="0" algn="l" latinLnBrk="0">
-              <a:buFontTx/>
-              <a:buNone/>
-            </a:pPr>
-            <a:r>
-              <a:rPr lang="ko-KR" altLang="en-US" sz="3000" b="1">
-                <a:solidFill>
-                  <a:schemeClr val="tx1"/>
-                </a:solidFill>
-                <a:latin typeface="맑은 고딕" charset="0"/>
-                <a:ea typeface="맑은 고딕" charset="0"/>
-              </a:rPr>
-              <a:t>열두</a:t>
-            </a:r>
-            <a:r>
-              <a:rPr lang="ko-KR" altLang="en-US" sz="3000" b="1">
-                <a:solidFill>
-                  <a:schemeClr val="tx1"/>
-                </a:solidFill>
-                <a:latin typeface="맑은 고딕" charset="0"/>
-                <a:ea typeface="맑은 고딕" charset="0"/>
-              </a:rPr>
-              <a:t> 번째 튜토리얼</a:t>
-            </a:r>
-            <a:endParaRPr lang="ko-KR" altLang="en-US" sz="3000" b="1">
-              <a:solidFill>
-                <a:schemeClr val="tx1"/>
-              </a:solidFill>
-              <a:latin typeface="맑은 고딕" charset="0"/>
-              <a:ea typeface="맑은 고딕" charset="0"/>
-            </a:endParaRPr>
-          </a:p>
-        </p:txBody>
-      </p:sp>
-      <p:sp>
-        <p:nvSpPr>
-          <p:cNvPr id="26" name="Rect 0"/>
-          <p:cNvSpPr txBox="1">
-            <a:spLocks/>
-          </p:cNvSpPr>
-          <p:nvPr/>
-        </p:nvSpPr>
-        <p:spPr>
-          <a:xfrm rot="0">
-            <a:off x="1305560" y="4157345"/>
-            <a:ext cx="4076700" cy="2061845"/>
-          </a:xfrm>
-          <a:prstGeom prst="rect"/>
-          <a:noFill/>
-          <a:ln w="0">
-            <a:noFill/>
-            <a:prstDash/>
-          </a:ln>
-        </p:spPr>
-        <p:txBody>
-          <a:bodyPr wrap="square" lIns="89535" tIns="46355" rIns="89535" bIns="46355" numCol="1" vert="horz" anchor="t">
-            <a:spAutoFit/>
-          </a:bodyPr>
-          <a:lstStyle/>
-          <a:p>
-            <a:pPr marL="0" indent="0" algn="l" latinLnBrk="0" hangingPunct="1">
-              <a:buFontTx/>
-              <a:buNone/>
-            </a:pPr>
-            <a:r>
-              <a:rPr lang="ko-KR" sz="2000" b="1">
-                <a:solidFill>
-                  <a:srgbClr val="0611F2"/>
-                </a:solidFill>
-                <a:latin typeface="맑은 고딕" charset="0"/>
-                <a:ea typeface="맑은 고딕" charset="0"/>
-              </a:rPr>
-              <a:t>28</a:t>
-            </a:r>
-            <a:r>
-              <a:rPr lang="ko-KR" sz="2000" b="1">
-                <a:solidFill>
-                  <a:srgbClr val="0611F2"/>
-                </a:solidFill>
-                <a:latin typeface="맑은 고딕" charset="0"/>
-                <a:ea typeface="맑은 고딕" charset="0"/>
-              </a:rPr>
-              <a:t>. </a:t>
-            </a:r>
-            <a:r>
-              <a:rPr lang="ko-KR" sz="1800">
-                <a:latin typeface="맑은 고딕" charset="0"/>
-                <a:ea typeface="맑은 고딕" charset="0"/>
-              </a:rPr>
-              <a:t>그런 다음 Santa Hat Boader에 있는 Consumable 스크립트를 선택합니다.</a:t>
-            </a:r>
-            <a:endParaRPr lang="ko-KR" altLang="en-US" sz="1800">
-              <a:latin typeface="맑은 고딕" charset="0"/>
-              <a:ea typeface="맑은 고딕" charset="0"/>
-            </a:endParaRPr>
-          </a:p>
-          <a:p>
-            <a:pPr marL="0" indent="0" algn="l" latinLnBrk="0" hangingPunct="1">
-              <a:buFontTx/>
-              <a:buNone/>
-            </a:pPr>
-            <a:endParaRPr lang="ko-KR" altLang="en-US" sz="1800">
-              <a:latin typeface="맑은 고딕" charset="0"/>
-              <a:ea typeface="맑은 고딕" charset="0"/>
-            </a:endParaRPr>
-          </a:p>
-          <a:p>
-            <a:pPr marL="0" indent="0" algn="l" latinLnBrk="0" hangingPunct="1">
-              <a:buFontTx/>
-              <a:buNone/>
-            </a:pPr>
-            <a:r>
-              <a:rPr lang="ko-KR" sz="1800">
-                <a:latin typeface="맑은 고딕" charset="0"/>
-                <a:ea typeface="맑은 고딕" charset="0"/>
-              </a:rPr>
-              <a:t>그다음 Outline과 Picture 그리고 Item에 각각의 이미지와 스크립터블 오브젝트를 넣어줍니다.</a:t>
-            </a:r>
-            <a:endParaRPr lang="ko-KR" altLang="en-US" sz="1800">
-              <a:latin typeface="맑은 고딕" charset="0"/>
-              <a:ea typeface="맑은 고딕" charset="0"/>
-            </a:endParaRPr>
-          </a:p>
-        </p:txBody>
-      </p:sp>
-      <p:sp>
-        <p:nvSpPr>
-          <p:cNvPr id="37" name="Rect 0"/>
-          <p:cNvSpPr txBox="1">
-            <a:spLocks/>
-          </p:cNvSpPr>
-          <p:nvPr/>
-        </p:nvSpPr>
-        <p:spPr>
-          <a:xfrm rot="0">
-            <a:off x="6810375" y="4431665"/>
-            <a:ext cx="4153535" cy="1784985"/>
-          </a:xfrm>
-          <a:prstGeom prst="rect"/>
-          <a:noFill/>
-          <a:ln w="0">
-            <a:noFill/>
-            <a:prstDash/>
-          </a:ln>
-        </p:spPr>
-        <p:txBody>
-          <a:bodyPr wrap="square" lIns="89535" tIns="46355" rIns="89535" bIns="46355" numCol="1" vert="horz" anchor="t">
-            <a:spAutoFit/>
-          </a:bodyPr>
-          <a:lstStyle/>
-          <a:p>
-            <a:pPr marL="0" indent="0" algn="l" latinLnBrk="0" hangingPunct="1">
-              <a:buFontTx/>
-              <a:buNone/>
-            </a:pPr>
-            <a:r>
-              <a:rPr lang="ko-KR" sz="2000" b="1">
-                <a:solidFill>
-                  <a:srgbClr val="0611F2"/>
-                </a:solidFill>
-                <a:latin typeface="맑은 고딕" charset="0"/>
-                <a:ea typeface="맑은 고딕" charset="0"/>
-              </a:rPr>
-              <a:t>29</a:t>
-            </a:r>
-            <a:r>
-              <a:rPr lang="ko-KR" sz="2000" b="1">
-                <a:solidFill>
-                  <a:srgbClr val="0611F2"/>
-                </a:solidFill>
-                <a:latin typeface="맑은 고딕" charset="0"/>
-                <a:ea typeface="맑은 고딕" charset="0"/>
-              </a:rPr>
-              <a:t>. </a:t>
-            </a:r>
-            <a:r>
-              <a:rPr lang="ko-KR" sz="1800">
-                <a:latin typeface="맑은 고딕" charset="0"/>
-                <a:ea typeface="맑은 고딕" charset="0"/>
-              </a:rPr>
-              <a:t>이제 Santa Stick Boader에 있는 Consumable 스크립트를 선택합니다.</a:t>
-            </a:r>
-            <a:endParaRPr lang="ko-KR" altLang="en-US" sz="1800">
-              <a:latin typeface="맑은 고딕" charset="0"/>
-              <a:ea typeface="맑은 고딕" charset="0"/>
-            </a:endParaRPr>
-          </a:p>
-          <a:p>
-            <a:pPr marL="0" indent="0" algn="l" latinLnBrk="0" hangingPunct="1">
-              <a:buFontTx/>
-              <a:buNone/>
-            </a:pPr>
-            <a:endParaRPr lang="ko-KR" altLang="en-US" sz="1800">
-              <a:latin typeface="맑은 고딕" charset="0"/>
-              <a:ea typeface="맑은 고딕" charset="0"/>
-            </a:endParaRPr>
-          </a:p>
-          <a:p>
-            <a:pPr marL="0" indent="0" algn="l" latinLnBrk="0" hangingPunct="1">
-              <a:buFontTx/>
-              <a:buNone/>
-            </a:pPr>
-            <a:r>
-              <a:rPr lang="ko-KR" sz="1800">
-                <a:latin typeface="맑은 고딕" charset="0"/>
-                <a:ea typeface="맑은 고딕" charset="0"/>
-              </a:rPr>
-              <a:t>그리고 Outline과 Picture 그리고 Item에 각각의 이미지와 스크립터블 오브젝트를 넣어줍니다.</a:t>
-            </a:r>
-            <a:endParaRPr lang="ko-KR" altLang="en-US" sz="1800">
-              <a:latin typeface="맑은 고딕" charset="0"/>
-              <a:ea typeface="맑은 고딕" charset="0"/>
-            </a:endParaRPr>
-          </a:p>
-        </p:txBody>
-      </p:sp>
-      <p:pic>
-        <p:nvPicPr>
-          <p:cNvPr id="39" name="그림 48"/>
-          <p:cNvPicPr>
-            <a:picLocks noChangeAspect="1"/>
-          </p:cNvPicPr>
-          <p:nvPr/>
-        </p:nvPicPr>
-        <p:blipFill rotWithShape="1">
-          <a:blip r:embed="rId2" cstate="print">
-            <a:extLst>
-              <a:ext uri="{28A0092B-C50C-407E-A947-70E740481C1C}">
-                <a14:useLocalDpi xmlns:a14="http://schemas.microsoft.com/office/drawing/2010/main" val="0"/>
-              </a:ext>
-            </a:extLst>
-          </a:blip>
-          <a:stretch>
-            <a:fillRect/>
-          </a:stretch>
-        </p:blipFill>
-        <p:spPr>
-          <a:xfrm rot="0">
-            <a:off x="1295400" y="1371600"/>
-            <a:ext cx="4086860" cy="1191260"/>
-          </a:xfrm>
-          <a:prstGeom prst="roundRect"/>
-          <a:solidFill>
-            <a:srgbClr val="EDEDED"/>
-          </a:solidFill>
-        </p:spPr>
-      </p:pic>
-      <p:pic>
-        <p:nvPicPr>
-          <p:cNvPr id="40" name="그림 51"/>
-          <p:cNvPicPr>
-            <a:picLocks noChangeAspect="1"/>
-          </p:cNvPicPr>
-          <p:nvPr/>
-        </p:nvPicPr>
-        <p:blipFill rotWithShape="1">
-          <a:blip r:embed="rId3" cstate="print">
-            <a:extLst>
-              <a:ext uri="{28A0092B-C50C-407E-A947-70E740481C1C}">
-                <a14:useLocalDpi xmlns:a14="http://schemas.microsoft.com/office/drawing/2010/main" val="0"/>
-              </a:ext>
-            </a:extLst>
-          </a:blip>
-          <a:stretch>
-            <a:fillRect/>
-          </a:stretch>
-        </p:blipFill>
-        <p:spPr>
-          <a:xfrm rot="0">
-            <a:off x="1295400" y="2676525"/>
-            <a:ext cx="1276985" cy="1400810"/>
-          </a:xfrm>
-          <a:prstGeom prst="roundRect"/>
-          <a:solidFill>
-            <a:srgbClr val="EDEDED"/>
-          </a:solidFill>
-        </p:spPr>
-      </p:pic>
-      <p:pic>
-        <p:nvPicPr>
-          <p:cNvPr id="41" name="그림 54"/>
-          <p:cNvPicPr>
-            <a:picLocks noChangeAspect="1"/>
-          </p:cNvPicPr>
-          <p:nvPr/>
-        </p:nvPicPr>
-        <p:blipFill rotWithShape="1">
-          <a:blip r:embed="rId4" cstate="print">
-            <a:extLst>
-              <a:ext uri="{28A0092B-C50C-407E-A947-70E740481C1C}">
-                <a14:useLocalDpi xmlns:a14="http://schemas.microsoft.com/office/drawing/2010/main" val="0"/>
-              </a:ext>
-            </a:extLst>
-          </a:blip>
-          <a:stretch>
-            <a:fillRect/>
-          </a:stretch>
-        </p:blipFill>
-        <p:spPr>
-          <a:xfrm rot="0">
-            <a:off x="2676525" y="2676525"/>
-            <a:ext cx="2696210" cy="1410335"/>
-          </a:xfrm>
-          <a:prstGeom prst="roundRect"/>
-          <a:solidFill>
-            <a:srgbClr val="EDEDED"/>
-          </a:solidFill>
-        </p:spPr>
-      </p:pic>
-      <p:cxnSp>
-        <p:nvCxnSpPr>
-          <p:cNvPr id="42" name="도형 57"/>
-          <p:cNvCxnSpPr/>
-          <p:nvPr/>
-        </p:nvCxnSpPr>
-        <p:spPr>
-          <a:xfrm rot="0" flipV="1">
-            <a:off x="4791075" y="2428875"/>
-            <a:ext cx="505460" cy="581660"/>
-          </a:xfrm>
-          <a:prstGeom prst="straightConnector1"/>
-          <a:ln w="6350" cap="flat" cmpd="sng">
-            <a:prstDash/>
-            <a:headEnd type="none" w="med" len="med"/>
-            <a:tailEnd type="triangle" w="med" len="med"/>
-          </a:ln>
-        </p:spPr>
-        <p:style>
-          <a:lnRef idx="1">
-            <a:schemeClr val="accent1"/>
-          </a:lnRef>
-          <a:fillRef idx="0">
-            <a:schemeClr val="accent1"/>
-          </a:fillRef>
-          <a:effectRef idx="0">
-            <a:schemeClr val="accent1"/>
-          </a:effectRef>
-          <a:fontRef idx="minor">
-            <a:schemeClr val="tx1"/>
-          </a:fontRef>
-        </p:style>
-      </p:cxnSp>
-      <p:cxnSp>
-        <p:nvCxnSpPr>
-          <p:cNvPr id="43" name="도형 58"/>
-          <p:cNvCxnSpPr/>
-          <p:nvPr/>
-        </p:nvCxnSpPr>
-        <p:spPr>
-          <a:xfrm rot="0" flipV="1">
-            <a:off x="2390775" y="1962150"/>
-            <a:ext cx="2915285" cy="1391285"/>
-          </a:xfrm>
-          <a:prstGeom prst="straightConnector1"/>
-          <a:ln w="6350" cap="flat" cmpd="sng">
-            <a:prstDash/>
-            <a:headEnd type="none" w="med" len="med"/>
-            <a:tailEnd type="triangle" w="med" len="med"/>
-          </a:ln>
-        </p:spPr>
-        <p:style>
-          <a:lnRef idx="1">
-            <a:schemeClr val="accent1"/>
-          </a:lnRef>
-          <a:fillRef idx="0">
-            <a:schemeClr val="accent1"/>
-          </a:fillRef>
-          <a:effectRef idx="0">
-            <a:schemeClr val="accent1"/>
-          </a:effectRef>
-          <a:fontRef idx="minor">
-            <a:schemeClr val="tx1"/>
-          </a:fontRef>
-        </p:style>
-      </p:cxnSp>
-      <p:cxnSp>
-        <p:nvCxnSpPr>
-          <p:cNvPr id="44" name="도형 59"/>
-          <p:cNvCxnSpPr/>
-          <p:nvPr/>
-        </p:nvCxnSpPr>
-        <p:spPr>
-          <a:xfrm rot="0" flipV="1">
-            <a:off x="2486025" y="2190750"/>
-            <a:ext cx="2810510" cy="1296035"/>
-          </a:xfrm>
-          <a:prstGeom prst="straightConnector1"/>
-          <a:ln w="6350" cap="flat" cmpd="sng">
-            <a:prstDash/>
-            <a:headEnd type="none" w="med" len="med"/>
-            <a:tailEnd type="triangle" w="med" len="med"/>
-          </a:ln>
-        </p:spPr>
-        <p:style>
-          <a:lnRef idx="1">
-            <a:schemeClr val="accent1"/>
-          </a:lnRef>
-          <a:fillRef idx="0">
-            <a:schemeClr val="accent1"/>
-          </a:fillRef>
-          <a:effectRef idx="0">
-            <a:schemeClr val="accent1"/>
-          </a:effectRef>
-          <a:fontRef idx="minor">
-            <a:schemeClr val="tx1"/>
-          </a:fontRef>
-        </p:style>
-      </p:cxnSp>
-      <p:pic>
-        <p:nvPicPr>
-          <p:cNvPr id="45" name="그림 60"/>
-          <p:cNvPicPr>
-            <a:picLocks noChangeAspect="1"/>
-          </p:cNvPicPr>
-          <p:nvPr/>
-        </p:nvPicPr>
-        <p:blipFill rotWithShape="1">
-          <a:blip r:embed="rId5" cstate="print">
-            <a:extLst>
-              <a:ext uri="{28A0092B-C50C-407E-A947-70E740481C1C}">
-                <a14:useLocalDpi xmlns:a14="http://schemas.microsoft.com/office/drawing/2010/main" val="0"/>
-              </a:ext>
-            </a:extLst>
-          </a:blip>
-          <a:stretch>
-            <a:fillRect/>
-          </a:stretch>
-        </p:blipFill>
-        <p:spPr>
-          <a:xfrm rot="0">
-            <a:off x="6810375" y="2905125"/>
-            <a:ext cx="1257935" cy="1410335"/>
-          </a:xfrm>
-          <a:prstGeom prst="roundRect"/>
-          <a:solidFill>
-            <a:srgbClr val="EDEDED"/>
-          </a:solidFill>
-        </p:spPr>
-      </p:pic>
-      <p:pic>
-        <p:nvPicPr>
-          <p:cNvPr id="46" name="그림 63"/>
-          <p:cNvPicPr>
-            <a:picLocks noChangeAspect="1"/>
-          </p:cNvPicPr>
-          <p:nvPr/>
-        </p:nvPicPr>
-        <p:blipFill rotWithShape="1">
-          <a:blip r:embed="rId6" cstate="print">
-            <a:extLst>
-              <a:ext uri="{28A0092B-C50C-407E-A947-70E740481C1C}">
-                <a14:useLocalDpi xmlns:a14="http://schemas.microsoft.com/office/drawing/2010/main" val="0"/>
-              </a:ext>
-            </a:extLst>
-          </a:blip>
-          <a:stretch>
-            <a:fillRect/>
-          </a:stretch>
-        </p:blipFill>
-        <p:spPr>
-          <a:xfrm rot="0">
-            <a:off x="6819900" y="1376045"/>
-            <a:ext cx="4144010" cy="1348740"/>
-          </a:xfrm>
-          <a:prstGeom prst="roundRect"/>
-          <a:solidFill>
-            <a:srgbClr val="EDEDED"/>
-          </a:solidFill>
-        </p:spPr>
-      </p:pic>
-      <p:pic>
-        <p:nvPicPr>
-          <p:cNvPr id="47" name="그림 66"/>
-          <p:cNvPicPr>
-            <a:picLocks noChangeAspect="1"/>
-          </p:cNvPicPr>
-          <p:nvPr/>
-        </p:nvPicPr>
-        <p:blipFill rotWithShape="1">
-          <a:blip r:embed="rId7" cstate="print">
-            <a:extLst>
-              <a:ext uri="{28A0092B-C50C-407E-A947-70E740481C1C}">
-                <a14:useLocalDpi xmlns:a14="http://schemas.microsoft.com/office/drawing/2010/main" val="0"/>
-              </a:ext>
-            </a:extLst>
-          </a:blip>
-          <a:stretch>
-            <a:fillRect/>
-          </a:stretch>
-        </p:blipFill>
-        <p:spPr>
-          <a:xfrm rot="0">
-            <a:off x="8191500" y="2914650"/>
-            <a:ext cx="2762885" cy="1400810"/>
-          </a:xfrm>
-          <a:prstGeom prst="roundRect"/>
-          <a:solidFill>
-            <a:srgbClr val="EDEDED"/>
-          </a:solidFill>
-        </p:spPr>
-      </p:pic>
-      <p:cxnSp>
-        <p:nvCxnSpPr>
-          <p:cNvPr id="48" name="도형 69"/>
-          <p:cNvCxnSpPr/>
-          <p:nvPr/>
-        </p:nvCxnSpPr>
-        <p:spPr>
-          <a:xfrm rot="0" flipV="1">
-            <a:off x="7924800" y="2038350"/>
-            <a:ext cx="2953385" cy="1819910"/>
-          </a:xfrm>
-          <a:prstGeom prst="straightConnector1"/>
-          <a:ln w="6350" cap="flat" cmpd="sng">
-            <a:prstDash/>
-            <a:headEnd type="none" w="med" len="med"/>
-            <a:tailEnd type="triangle" w="med" len="med"/>
-          </a:ln>
-        </p:spPr>
-        <p:style>
-          <a:lnRef idx="1">
-            <a:schemeClr val="accent1"/>
-          </a:lnRef>
-          <a:fillRef idx="0">
-            <a:schemeClr val="accent1"/>
-          </a:fillRef>
-          <a:effectRef idx="0">
-            <a:schemeClr val="accent1"/>
-          </a:effectRef>
-          <a:fontRef idx="minor">
-            <a:schemeClr val="tx1"/>
-          </a:fontRef>
-        </p:style>
-      </p:cxnSp>
-      <p:cxnSp>
-        <p:nvCxnSpPr>
-          <p:cNvPr id="49" name="도형 70"/>
-          <p:cNvCxnSpPr/>
-          <p:nvPr/>
-        </p:nvCxnSpPr>
-        <p:spPr>
-          <a:xfrm rot="0" flipV="1">
-            <a:off x="8020050" y="2286000"/>
-            <a:ext cx="2858135" cy="1743710"/>
-          </a:xfrm>
-          <a:prstGeom prst="straightConnector1"/>
-          <a:ln w="6350" cap="flat" cmpd="sng">
-            <a:prstDash/>
-            <a:headEnd type="none" w="med" len="med"/>
-            <a:tailEnd type="triangle" w="med" len="med"/>
-          </a:ln>
-        </p:spPr>
-        <p:style>
-          <a:lnRef idx="1">
-            <a:schemeClr val="accent1"/>
-          </a:lnRef>
-          <a:fillRef idx="0">
-            <a:schemeClr val="accent1"/>
-          </a:fillRef>
-          <a:effectRef idx="0">
-            <a:schemeClr val="accent1"/>
-          </a:effectRef>
-          <a:fontRef idx="minor">
-            <a:schemeClr val="tx1"/>
-          </a:fontRef>
-        </p:style>
-      </p:cxnSp>
-      <p:cxnSp>
-        <p:nvCxnSpPr>
-          <p:cNvPr id="50" name="도형 71"/>
-          <p:cNvCxnSpPr/>
-          <p:nvPr/>
-        </p:nvCxnSpPr>
-        <p:spPr>
-          <a:xfrm rot="0" flipV="1">
-            <a:off x="10620375" y="2552700"/>
-            <a:ext cx="257810" cy="715010"/>
-          </a:xfrm>
-          <a:prstGeom prst="straightConnector1"/>
-          <a:ln w="6350" cap="flat" cmpd="sng">
-            <a:prstDash/>
-            <a:headEnd type="none" w="med" len="med"/>
-            <a:tailEnd type="triangle" w="med" len="med"/>
-          </a:ln>
-        </p:spPr>
-        <p:style>
-          <a:lnRef idx="1">
-            <a:schemeClr val="accent1"/>
-          </a:lnRef>
-          <a:fillRef idx="0">
-            <a:schemeClr val="accent1"/>
-          </a:fillRef>
-          <a:effectRef idx="0">
-            <a:schemeClr val="accent1"/>
-          </a:effectRef>
-          <a:fontRef idx="minor">
-            <a:schemeClr val="tx1"/>
-          </a:fontRef>
-        </p:style>
-      </p:cxnSp>
-    </p:spTree>
-  </p:cSld>
-  <p:clrMapOvr>
-    <a:masterClrMapping/>
-  </p:clrMapOvr>
-  <mc:AlternateContent xmlns:mc="http://schemas.openxmlformats.org/markup-compatibility/2006">
-    <mc:Choice xmlns:p14="http://schemas.microsoft.com/office/powerpoint/2010/main" Requires="p14">
-      <p:transition spd="slow" p14:dur="2000"/>
-    </mc:Choice>
-    <mc:Fallback>
-      <p:transition spd="slow"/>
-    </mc:Fallback>
-  </mc:AlternateContent>
-  <p:timing>
-    <p:tnLst>
-      <p:par>
-        <p:cTn id="1" dur="indefinite" restart="never" nodeType="tmRoot"/>
-      </p:par>
-    </p:tnLst>
-  </p:timing>
-</p:sld>
-</file>
-
-<file path=ppt/slides/slide13.xml><?xml version="1.0" encoding="utf-8"?>
-<p:sld xmlns:a="http://schemas.openxmlformats.org/drawingml/2006/main" xmlns:r="http://schemas.openxmlformats.org/officeDocument/2006/relationships" xmlns:p="http://schemas.openxmlformats.org/presentationml/2006/main" xmlns:p14="http://schemas.microsoft.com/office/powerpoint/2010/main">
-  <p:cSld>
-    <p:spTree>
-      <p:nvGrpSpPr>
-        <p:cNvPr id="1" name=""/>
-        <p:cNvGrpSpPr/>
-        <p:nvPr/>
-      </p:nvGrpSpPr>
-      <p:grpSpPr>
-        <a:xfrm>
-          <a:off x="0" y="0"/>
-          <a:ext cx="0" cy="0"/>
-          <a:chOff x="0" y="0"/>
-          <a:chExt cx="0" cy="0"/>
-        </a:xfrm>
-      </p:grpSpPr>
-      <p:sp>
-        <p:nvSpPr>
-          <p:cNvPr id="5" name="Rect 0"/>
-          <p:cNvSpPr txBox="1">
-            <a:spLocks/>
-          </p:cNvSpPr>
-          <p:nvPr/>
-        </p:nvSpPr>
-        <p:spPr>
-          <a:xfrm rot="0">
-            <a:off x="4309110" y="346710"/>
-            <a:ext cx="3578225" cy="554990"/>
-          </a:xfrm>
-          <a:prstGeom prst="rect"/>
-          <a:noFill/>
-          <a:ln w="0">
-            <a:noFill/>
-            <a:prstDash/>
-          </a:ln>
-        </p:spPr>
-        <p:txBody>
-          <a:bodyPr wrap="square" lIns="89535" tIns="46355" rIns="89535" bIns="46355" numCol="1" vert="horz" anchor="t">
-            <a:spAutoFit/>
-          </a:bodyPr>
-          <a:lstStyle/>
-          <a:p>
-            <a:pPr marL="0" indent="0" algn="l" latinLnBrk="0">
-              <a:buFontTx/>
-              <a:buNone/>
-            </a:pPr>
-            <a:r>
-              <a:rPr lang="ko-KR" altLang="en-US" sz="3000" b="1">
-                <a:solidFill>
-                  <a:schemeClr val="tx1"/>
-                </a:solidFill>
-                <a:latin typeface="맑은 고딕" charset="0"/>
-                <a:ea typeface="맑은 고딕" charset="0"/>
-              </a:rPr>
-              <a:t>열세</a:t>
-            </a:r>
-            <a:r>
-              <a:rPr lang="ko-KR" altLang="en-US" sz="3000" b="1">
-                <a:solidFill>
-                  <a:schemeClr val="tx1"/>
-                </a:solidFill>
-                <a:latin typeface="맑은 고딕" charset="0"/>
-                <a:ea typeface="맑은 고딕" charset="0"/>
-              </a:rPr>
-              <a:t> 번째 튜토리얼</a:t>
-            </a:r>
-            <a:endParaRPr lang="ko-KR" altLang="en-US" sz="3000" b="1">
-              <a:solidFill>
-                <a:schemeClr val="tx1"/>
-              </a:solidFill>
-              <a:latin typeface="맑은 고딕" charset="0"/>
-              <a:ea typeface="맑은 고딕" charset="0"/>
-            </a:endParaRPr>
-          </a:p>
-        </p:txBody>
-      </p:sp>
-      <p:sp>
-        <p:nvSpPr>
-          <p:cNvPr id="26" name="Rect 0"/>
-          <p:cNvSpPr txBox="1">
-            <a:spLocks/>
-          </p:cNvSpPr>
-          <p:nvPr/>
-        </p:nvSpPr>
-        <p:spPr>
-          <a:xfrm rot="0">
-            <a:off x="1353185" y="4433570"/>
-            <a:ext cx="4019550" cy="1784985"/>
-          </a:xfrm>
-          <a:prstGeom prst="rect"/>
-          <a:noFill/>
-          <a:ln w="0">
-            <a:noFill/>
-            <a:prstDash/>
-          </a:ln>
-        </p:spPr>
-        <p:txBody>
-          <a:bodyPr wrap="square" lIns="89535" tIns="46355" rIns="89535" bIns="46355" numCol="1" vert="horz" anchor="t">
-            <a:spAutoFit/>
-          </a:bodyPr>
-          <a:lstStyle/>
-          <a:p>
-            <a:pPr marL="0" indent="0" algn="l" latinLnBrk="0" hangingPunct="1">
-              <a:buFontTx/>
-              <a:buNone/>
-            </a:pPr>
-            <a:r>
-              <a:rPr lang="ko-KR" sz="2000" b="1">
-                <a:solidFill>
-                  <a:srgbClr val="0611F2"/>
-                </a:solidFill>
-                <a:latin typeface="맑은 고딕" charset="0"/>
-                <a:ea typeface="맑은 고딕" charset="0"/>
-              </a:rPr>
-              <a:t>30</a:t>
-            </a:r>
-            <a:r>
-              <a:rPr lang="ko-KR" sz="2000" b="1">
-                <a:solidFill>
-                  <a:srgbClr val="0611F2"/>
-                </a:solidFill>
-                <a:latin typeface="맑은 고딕" charset="0"/>
-                <a:ea typeface="맑은 고딕" charset="0"/>
-              </a:rPr>
-              <a:t>. </a:t>
-            </a:r>
-            <a:r>
-              <a:rPr lang="ko-KR" sz="1800">
-                <a:latin typeface="맑은 고딕" charset="0"/>
-                <a:ea typeface="맑은 고딕" charset="0"/>
-              </a:rPr>
-              <a:t>그런 다음 빈 게임 오브젝트를 생성하고 Cover Manager라는 이름으로 정의합니다.</a:t>
-            </a:r>
-            <a:endParaRPr lang="ko-KR" altLang="en-US" sz="1800">
-              <a:latin typeface="맑은 고딕" charset="0"/>
-              <a:ea typeface="맑은 고딕" charset="0"/>
-            </a:endParaRPr>
-          </a:p>
-          <a:p>
-            <a:pPr marL="0" indent="0" algn="l" latinLnBrk="0" hangingPunct="1">
-              <a:buFontTx/>
-              <a:buNone/>
-            </a:pPr>
-            <a:endParaRPr lang="ko-KR" altLang="en-US" sz="1800">
-              <a:latin typeface="맑은 고딕" charset="0"/>
-              <a:ea typeface="맑은 고딕" charset="0"/>
-            </a:endParaRPr>
-          </a:p>
-          <a:p>
-            <a:pPr marL="0" indent="0" algn="l" latinLnBrk="0" hangingPunct="1">
-              <a:buFontTx/>
-              <a:buNone/>
-            </a:pPr>
-            <a:r>
-              <a:rPr lang="ko-KR" sz="1800">
-                <a:latin typeface="맑은 고딕" charset="0"/>
-                <a:ea typeface="맑은 고딕" charset="0"/>
-              </a:rPr>
-              <a:t>그다음 Cover 스크립트를 생성하고 Cover Manager에 넣어줍니다.</a:t>
-            </a:r>
-            <a:endParaRPr lang="ko-KR" altLang="en-US" sz="1800">
-              <a:latin typeface="맑은 고딕" charset="0"/>
-              <a:ea typeface="맑은 고딕" charset="0"/>
-            </a:endParaRPr>
-          </a:p>
-        </p:txBody>
-      </p:sp>
-      <p:sp>
-        <p:nvSpPr>
-          <p:cNvPr id="37" name="Rect 0"/>
-          <p:cNvSpPr txBox="1">
-            <a:spLocks/>
-          </p:cNvSpPr>
-          <p:nvPr/>
-        </p:nvSpPr>
-        <p:spPr>
-          <a:xfrm rot="0">
-            <a:off x="6819900" y="5269865"/>
-            <a:ext cx="4124960" cy="954405"/>
-          </a:xfrm>
-          <a:prstGeom prst="rect"/>
-          <a:noFill/>
-          <a:ln w="0">
-            <a:noFill/>
-            <a:prstDash/>
-          </a:ln>
-        </p:spPr>
-        <p:txBody>
-          <a:bodyPr wrap="square" lIns="89535" tIns="46355" rIns="89535" bIns="46355" numCol="1" vert="horz" anchor="t">
-            <a:spAutoFit/>
-          </a:bodyPr>
-          <a:lstStyle/>
-          <a:p>
-            <a:pPr marL="0" indent="0" algn="l" latinLnBrk="0" hangingPunct="1">
-              <a:buFontTx/>
-              <a:buNone/>
-            </a:pPr>
-            <a:r>
-              <a:rPr lang="ko-KR" sz="2000" b="1">
-                <a:solidFill>
-                  <a:srgbClr val="0611F2"/>
-                </a:solidFill>
-                <a:latin typeface="맑은 고딕" charset="0"/>
-                <a:ea typeface="맑은 고딕" charset="0"/>
-              </a:rPr>
-              <a:t>32</a:t>
-            </a:r>
-            <a:r>
-              <a:rPr lang="ko-KR" sz="2000" b="1">
-                <a:solidFill>
-                  <a:srgbClr val="0611F2"/>
-                </a:solidFill>
-                <a:latin typeface="맑은 고딕" charset="0"/>
-                <a:ea typeface="맑은 고딕" charset="0"/>
-              </a:rPr>
-              <a:t>. </a:t>
-            </a:r>
-            <a:r>
-              <a:rPr lang="ko-KR" sz="1800">
-                <a:latin typeface="맑은 고딕" charset="0"/>
-                <a:ea typeface="맑은 고딕" charset="0"/>
-              </a:rPr>
-              <a:t>그리고 Cover 스크립트에서 게임 오브젝트와 int 변수를 배열로 선언합니다.</a:t>
-            </a:r>
-            <a:endParaRPr lang="ko-KR" altLang="en-US" sz="1800">
-              <a:latin typeface="맑은 고딕" charset="0"/>
-              <a:ea typeface="맑은 고딕" charset="0"/>
-            </a:endParaRPr>
-          </a:p>
-        </p:txBody>
-      </p:sp>
-      <p:pic>
-        <p:nvPicPr>
-          <p:cNvPr id="51" name="그림 72"/>
-          <p:cNvPicPr>
-            <a:picLocks noChangeAspect="1"/>
-          </p:cNvPicPr>
-          <p:nvPr/>
-        </p:nvPicPr>
-        <p:blipFill rotWithShape="1">
-          <a:blip r:embed="rId2" cstate="print">
-            <a:extLst>
-              <a:ext uri="{28A0092B-C50C-407E-A947-70E740481C1C}">
-                <a14:useLocalDpi xmlns:a14="http://schemas.microsoft.com/office/drawing/2010/main" val="0"/>
-              </a:ext>
-            </a:extLst>
-          </a:blip>
-          <a:stretch>
-            <a:fillRect/>
-          </a:stretch>
-        </p:blipFill>
-        <p:spPr>
-          <a:xfrm rot="0">
-            <a:off x="3886200" y="1371600"/>
-            <a:ext cx="1496060" cy="1696085"/>
-          </a:xfrm>
-          <a:prstGeom prst="roundRect"/>
-          <a:solidFill>
-            <a:srgbClr val="EDEDED"/>
-          </a:solidFill>
-        </p:spPr>
-      </p:pic>
-      <p:cxnSp>
-        <p:nvCxnSpPr>
-          <p:cNvPr id="54" name="도형 80"/>
-          <p:cNvCxnSpPr>
-            <a:stCxn id="56" idx="0"/>
-          </p:cNvCxnSpPr>
-          <p:nvPr/>
-        </p:nvCxnSpPr>
-        <p:spPr>
-          <a:xfrm rot="0" flipV="1">
-            <a:off x="4629150" y="3057525"/>
-            <a:ext cx="5080" cy="372110"/>
-          </a:xfrm>
-          <a:prstGeom prst="straightConnector1"/>
-          <a:ln w="6350" cap="flat" cmpd="sng">
-            <a:prstDash/>
-            <a:headEnd type="none" w="med" len="med"/>
-            <a:tailEnd type="triangle" w="med" len="med"/>
-          </a:ln>
-        </p:spPr>
-        <p:style>
-          <a:lnRef idx="1">
-            <a:schemeClr val="accent1"/>
-          </a:lnRef>
-          <a:fillRef idx="0">
-            <a:schemeClr val="accent1"/>
-          </a:fillRef>
-          <a:effectRef idx="0">
-            <a:schemeClr val="accent1"/>
-          </a:effectRef>
-          <a:fontRef idx="minor">
-            <a:schemeClr val="tx1"/>
-          </a:fontRef>
-        </p:style>
-      </p:cxnSp>
-      <p:pic>
-        <p:nvPicPr>
-          <p:cNvPr id="55" name="그림 81"/>
-          <p:cNvPicPr>
-            <a:picLocks noChangeAspect="1"/>
-          </p:cNvPicPr>
-          <p:nvPr/>
-        </p:nvPicPr>
-        <p:blipFill rotWithShape="1">
-          <a:blip r:embed="rId3" cstate="hqprint">
-            <a:extLst>
-              <a:ext uri="{28A0092B-C50C-407E-A947-70E740481C1C}">
-                <a14:useLocalDpi xmlns:a14="http://schemas.microsoft.com/office/drawing/2010/main"/>
-              </a:ext>
-            </a:extLst>
-          </a:blip>
-          <a:stretch>
-            <a:fillRect/>
-          </a:stretch>
-        </p:blipFill>
-        <p:spPr>
-          <a:xfrm rot="0">
-            <a:off x="1350645" y="1362075"/>
-            <a:ext cx="2322830" cy="2858135"/>
-          </a:xfrm>
-          <a:prstGeom prst="roundRect"/>
-          <a:solidFill>
-            <a:srgbClr val="EDEDED"/>
-          </a:solidFill>
-        </p:spPr>
-      </p:pic>
-      <p:pic>
-        <p:nvPicPr>
-          <p:cNvPr id="56" name="그림 82"/>
-          <p:cNvPicPr>
-            <a:picLocks noChangeAspect="1"/>
-          </p:cNvPicPr>
-          <p:nvPr/>
-        </p:nvPicPr>
-        <p:blipFill rotWithShape="1">
-          <a:blip r:embed="rId4" cstate="print">
-            <a:extLst>
-              <a:ext uri="{28A0092B-C50C-407E-A947-70E740481C1C}">
-                <a14:useLocalDpi xmlns:a14="http://schemas.microsoft.com/office/drawing/2010/main" val="0"/>
-              </a:ext>
-            </a:extLst>
-          </a:blip>
-          <a:stretch>
-            <a:fillRect/>
-          </a:stretch>
-        </p:blipFill>
-        <p:spPr>
-          <a:xfrm rot="0">
-            <a:off x="4229100" y="3429000"/>
-            <a:ext cx="800735" cy="800735"/>
-          </a:xfrm>
-          <a:prstGeom prst="roundRect"/>
-          <a:solidFill>
-            <a:srgbClr val="EDEDED"/>
-          </a:solidFill>
-        </p:spPr>
-      </p:pic>
-      <p:pic>
-        <p:nvPicPr>
-          <p:cNvPr id="57" name="그림 83"/>
-          <p:cNvPicPr>
-            <a:picLocks noChangeAspect="1"/>
-          </p:cNvPicPr>
-          <p:nvPr/>
-        </p:nvPicPr>
-        <p:blipFill rotWithShape="1">
-          <a:blip r:embed="rId5" cstate="print">
-            <a:extLst>
-              <a:ext uri="{28A0092B-C50C-407E-A947-70E740481C1C}">
-                <a14:useLocalDpi xmlns:a14="http://schemas.microsoft.com/office/drawing/2010/main" val="0"/>
-              </a:ext>
-            </a:extLst>
-          </a:blip>
-          <a:stretch>
-            <a:fillRect/>
-          </a:stretch>
-        </p:blipFill>
-        <p:spPr>
-          <a:xfrm rot="0">
-            <a:off x="6819900" y="3905250"/>
-            <a:ext cx="4124960" cy="1296035"/>
-          </a:xfrm>
-          <a:prstGeom prst="roundRect"/>
-          <a:solidFill>
-            <a:srgbClr val="EDEDED"/>
-          </a:solidFill>
-        </p:spPr>
-      </p:pic>
-      <p:pic>
-        <p:nvPicPr>
-          <p:cNvPr id="58" name="그림 89"/>
-          <p:cNvPicPr>
-            <a:picLocks noChangeAspect="1"/>
-          </p:cNvPicPr>
-          <p:nvPr/>
-        </p:nvPicPr>
-        <p:blipFill rotWithShape="1">
-          <a:blip r:embed="rId6" cstate="print">
-            <a:extLst>
-              <a:ext uri="{28A0092B-C50C-407E-A947-70E740481C1C}">
-                <a14:useLocalDpi xmlns:a14="http://schemas.microsoft.com/office/drawing/2010/main" val="0"/>
-              </a:ext>
-            </a:extLst>
-          </a:blip>
-          <a:stretch>
-            <a:fillRect/>
-          </a:stretch>
-        </p:blipFill>
-        <p:spPr>
-          <a:xfrm rot="0">
-            <a:off x="6824345" y="1366520"/>
-            <a:ext cx="4120515" cy="1634490"/>
-          </a:xfrm>
-          <a:prstGeom prst="roundRect"/>
-          <a:solidFill>
-            <a:srgbClr val="EDEDED"/>
-          </a:solidFill>
-        </p:spPr>
-      </p:pic>
-      <p:sp>
-        <p:nvSpPr>
-          <p:cNvPr id="59" name="텍스트 상자 92"/>
-          <p:cNvSpPr txBox="1">
-            <a:spLocks/>
-          </p:cNvSpPr>
-          <p:nvPr/>
-        </p:nvSpPr>
-        <p:spPr>
-          <a:xfrm rot="0">
-            <a:off x="6815455" y="3084195"/>
-            <a:ext cx="4124960" cy="677545"/>
-          </a:xfrm>
-          <a:prstGeom prst="rect"/>
-          <a:noFill/>
-          <a:ln w="0">
-            <a:noFill/>
-            <a:prstDash/>
-          </a:ln>
-        </p:spPr>
-        <p:txBody>
-          <a:bodyPr wrap="square" lIns="89535" tIns="46355" rIns="89535" bIns="46355" numCol="1" vert="horz" anchor="t">
-            <a:spAutoFit/>
-          </a:bodyPr>
-          <a:lstStyle/>
-          <a:p>
-            <a:pPr marL="0" indent="0" algn="l" latinLnBrk="0" hangingPunct="1">
-              <a:buFontTx/>
-              <a:buNone/>
-            </a:pPr>
-            <a:r>
-              <a:rPr lang="ko-KR" sz="2000" b="1">
-                <a:solidFill>
-                  <a:srgbClr val="0611F2"/>
-                </a:solidFill>
-                <a:latin typeface="맑은 고딕" charset="0"/>
-                <a:ea typeface="맑은 고딕" charset="0"/>
-              </a:rPr>
-              <a:t>31</a:t>
-            </a:r>
-            <a:r>
-              <a:rPr lang="ko-KR" sz="2000" b="1">
-                <a:solidFill>
-                  <a:srgbClr val="0611F2"/>
-                </a:solidFill>
-                <a:latin typeface="맑은 고딕" charset="0"/>
-                <a:ea typeface="맑은 고딕" charset="0"/>
-              </a:rPr>
-              <a:t>. </a:t>
-            </a:r>
-            <a:r>
-              <a:rPr lang="ko-KR" sz="1800">
-                <a:latin typeface="맑은 고딕" charset="0"/>
-                <a:ea typeface="맑은 고딕" charset="0"/>
-              </a:rPr>
-              <a:t>이제 Cover Manager 오브젝트의 위치와 회전 값을 초기화합니다.</a:t>
-            </a:r>
-            <a:endParaRPr lang="ko-KR" altLang="en-US" sz="1800">
-              <a:latin typeface="맑은 고딕" charset="0"/>
-              <a:ea typeface="맑은 고딕" charset="0"/>
-            </a:endParaRPr>
-          </a:p>
-        </p:txBody>
-      </p:sp>
-    </p:spTree>
-  </p:cSld>
-  <p:clrMapOvr>
-    <a:masterClrMapping/>
-  </p:clrMapOvr>
-  <mc:AlternateContent xmlns:mc="http://schemas.openxmlformats.org/markup-compatibility/2006">
-    <mc:Choice xmlns:p14="http://schemas.microsoft.com/office/powerpoint/2010/main" Requires="p14">
-      <p:transition spd="slow" p14:dur="2000"/>
-    </mc:Choice>
-    <mc:Fallback>
-      <p:transition spd="slow"/>
-    </mc:Fallback>
-  </mc:AlternateContent>
-  <p:timing>
-    <p:tnLst>
-      <p:par>
-        <p:cTn id="1" dur="indefinite" restart="never" nodeType="tmRoot"/>
-      </p:par>
-    </p:tnLst>
-  </p:timing>
-</p:sld>
-</file>
-
-<file path=ppt/slides/slide14.xml><?xml version="1.0" encoding="utf-8"?>
-<p:sld xmlns:a="http://schemas.openxmlformats.org/drawingml/2006/main" xmlns:r="http://schemas.openxmlformats.org/officeDocument/2006/relationships" xmlns:p="http://schemas.openxmlformats.org/presentationml/2006/main" xmlns:p14="http://schemas.microsoft.com/office/powerpoint/2010/main">
-  <p:cSld>
-    <p:spTree>
-      <p:nvGrpSpPr>
-        <p:cNvPr id="1" name=""/>
-        <p:cNvGrpSpPr/>
-        <p:nvPr/>
-      </p:nvGrpSpPr>
-      <p:grpSpPr>
-        <a:xfrm>
-          <a:off x="0" y="0"/>
-          <a:ext cx="0" cy="0"/>
-          <a:chOff x="0" y="0"/>
-          <a:chExt cx="0" cy="0"/>
-        </a:xfrm>
-      </p:grpSpPr>
-      <p:sp>
-        <p:nvSpPr>
-          <p:cNvPr id="5" name="Rect 0"/>
-          <p:cNvSpPr txBox="1">
-            <a:spLocks/>
-          </p:cNvSpPr>
-          <p:nvPr/>
-        </p:nvSpPr>
-        <p:spPr>
-          <a:xfrm rot="0">
-            <a:off x="4309110" y="346710"/>
-            <a:ext cx="3578225" cy="554990"/>
-          </a:xfrm>
-          <a:prstGeom prst="rect"/>
-          <a:noFill/>
-          <a:ln w="0">
-            <a:noFill/>
-            <a:prstDash/>
-          </a:ln>
-        </p:spPr>
-        <p:txBody>
-          <a:bodyPr wrap="square" lIns="89535" tIns="46355" rIns="89535" bIns="46355" numCol="1" vert="horz" anchor="t">
-            <a:spAutoFit/>
-          </a:bodyPr>
-          <a:lstStyle/>
-          <a:p>
-            <a:pPr marL="0" indent="0" algn="l" latinLnBrk="0">
-              <a:buFontTx/>
-              <a:buNone/>
-            </a:pPr>
-            <a:r>
-              <a:rPr lang="ko-KR" altLang="en-US" sz="3000" b="1">
-                <a:solidFill>
-                  <a:schemeClr val="tx1"/>
-                </a:solidFill>
-                <a:latin typeface="맑은 고딕" charset="0"/>
-                <a:ea typeface="맑은 고딕" charset="0"/>
-              </a:rPr>
-              <a:t>열네</a:t>
-            </a:r>
-            <a:r>
-              <a:rPr lang="ko-KR" altLang="en-US" sz="3000" b="1">
-                <a:solidFill>
-                  <a:schemeClr val="tx1"/>
-                </a:solidFill>
-                <a:latin typeface="맑은 고딕" charset="0"/>
-                <a:ea typeface="맑은 고딕" charset="0"/>
-              </a:rPr>
-              <a:t> 번째 튜토리얼</a:t>
-            </a:r>
-            <a:endParaRPr lang="ko-KR" altLang="en-US" sz="3000" b="1">
-              <a:solidFill>
-                <a:schemeClr val="tx1"/>
-              </a:solidFill>
-              <a:latin typeface="맑은 고딕" charset="0"/>
-              <a:ea typeface="맑은 고딕" charset="0"/>
-            </a:endParaRPr>
-          </a:p>
-        </p:txBody>
-      </p:sp>
-      <p:sp>
-        <p:nvSpPr>
-          <p:cNvPr id="26" name="Rect 0"/>
-          <p:cNvSpPr txBox="1">
-            <a:spLocks/>
-          </p:cNvSpPr>
-          <p:nvPr/>
-        </p:nvSpPr>
-        <p:spPr>
-          <a:xfrm rot="0">
-            <a:off x="1353185" y="3328670"/>
-            <a:ext cx="4029075" cy="2892425"/>
-          </a:xfrm>
-          <a:prstGeom prst="rect"/>
-          <a:noFill/>
-          <a:ln w="0">
-            <a:noFill/>
-            <a:prstDash/>
-          </a:ln>
-        </p:spPr>
-        <p:txBody>
-          <a:bodyPr wrap="square" lIns="89535" tIns="46355" rIns="89535" bIns="46355" numCol="1" vert="horz" anchor="t">
-            <a:spAutoFit/>
-          </a:bodyPr>
-          <a:lstStyle/>
-          <a:p>
-            <a:pPr marL="0" indent="0" algn="l" latinLnBrk="0" hangingPunct="1">
-              <a:buFontTx/>
-              <a:buNone/>
-            </a:pPr>
-            <a:r>
-              <a:rPr lang="ko-KR" sz="2000" b="1">
-                <a:solidFill>
-                  <a:srgbClr val="0611F2"/>
-                </a:solidFill>
-                <a:latin typeface="맑은 고딕" charset="0"/>
-                <a:ea typeface="맑은 고딕" charset="0"/>
-              </a:rPr>
-              <a:t>33</a:t>
-            </a:r>
-            <a:r>
-              <a:rPr lang="ko-KR" sz="2000" b="1">
-                <a:solidFill>
-                  <a:srgbClr val="0611F2"/>
-                </a:solidFill>
-                <a:latin typeface="맑은 고딕" charset="0"/>
-                <a:ea typeface="맑은 고딕" charset="0"/>
-              </a:rPr>
-              <a:t>. </a:t>
-            </a:r>
-            <a:r>
-              <a:rPr lang="ko-KR" sz="1800">
-                <a:latin typeface="맑은 고딕" charset="0"/>
-                <a:ea typeface="맑은 고딕" charset="0"/>
-              </a:rPr>
-              <a:t>그런 다음 Wraring(int) 함수를 생성합니다.</a:t>
-            </a:r>
-            <a:endParaRPr lang="ko-KR" altLang="en-US" sz="1800">
-              <a:latin typeface="맑은 고딕" charset="0"/>
-              <a:ea typeface="맑은 고딕" charset="0"/>
-            </a:endParaRPr>
-          </a:p>
-          <a:p>
-            <a:pPr marL="0" indent="0" algn="l" latinLnBrk="0" hangingPunct="1">
-              <a:buFontTx/>
-              <a:buNone/>
-            </a:pPr>
-            <a:endParaRPr lang="ko-KR" altLang="en-US" sz="1800">
-              <a:latin typeface="맑은 고딕" charset="0"/>
-              <a:ea typeface="맑은 고딕" charset="0"/>
-            </a:endParaRPr>
-          </a:p>
-          <a:p>
-            <a:pPr marL="0" indent="0" algn="l" latinLnBrk="0" hangingPunct="1">
-              <a:buFontTx/>
-              <a:buNone/>
-            </a:pPr>
-            <a:r>
-              <a:rPr lang="ko-KR" sz="1800">
-                <a:latin typeface="맑은 고딕" charset="0"/>
-                <a:ea typeface="맑은 고딕" charset="0"/>
-              </a:rPr>
-              <a:t>그다음 조건문으로 함수를 호출할 때마다 count 변수를 증가하도록 설정합니다.</a:t>
-            </a:r>
-            <a:endParaRPr lang="ko-KR" altLang="en-US" sz="1800">
-              <a:latin typeface="맑은 고딕" charset="0"/>
-              <a:ea typeface="맑은 고딕" charset="0"/>
-            </a:endParaRPr>
-          </a:p>
-          <a:p>
-            <a:pPr marL="0" indent="0" algn="l" latinLnBrk="0" hangingPunct="1">
-              <a:buFontTx/>
-              <a:buNone/>
-            </a:pPr>
-            <a:endParaRPr lang="ko-KR" altLang="en-US" sz="1800">
-              <a:latin typeface="맑은 고딕" charset="0"/>
-              <a:ea typeface="맑은 고딕" charset="0"/>
-            </a:endParaRPr>
-          </a:p>
-          <a:p>
-            <a:pPr marL="0" indent="0" algn="l" latinLnBrk="0" hangingPunct="1">
-              <a:buFontTx/>
-              <a:buNone/>
-            </a:pPr>
-            <a:r>
-              <a:rPr lang="ko-KR" sz="1800">
-                <a:latin typeface="맑은 고딕" charset="0"/>
-                <a:ea typeface="맑은 고딕" charset="0"/>
-              </a:rPr>
-              <a:t>마지막으로 count 변수의 홀수와 짝수에 따라 게임 오브젝트의 활성화와 비활성화를 설정합니다.</a:t>
-            </a:r>
-            <a:endParaRPr lang="ko-KR" altLang="en-US" sz="1800">
-              <a:latin typeface="맑은 고딕" charset="0"/>
-              <a:ea typeface="맑은 고딕" charset="0"/>
-            </a:endParaRPr>
-          </a:p>
-        </p:txBody>
-      </p:sp>
-      <p:sp>
-        <p:nvSpPr>
-          <p:cNvPr id="37" name="Rect 0"/>
-          <p:cNvSpPr txBox="1">
-            <a:spLocks/>
-          </p:cNvSpPr>
-          <p:nvPr/>
-        </p:nvSpPr>
-        <p:spPr>
-          <a:xfrm rot="0">
-            <a:off x="6810375" y="4193540"/>
-            <a:ext cx="4134485" cy="2031365"/>
-          </a:xfrm>
-          <a:prstGeom prst="rect"/>
-          <a:noFill/>
-          <a:ln w="0">
-            <a:noFill/>
-            <a:prstDash/>
-          </a:ln>
-        </p:spPr>
-        <p:txBody>
-          <a:bodyPr wrap="square" lIns="89535" tIns="46355" rIns="89535" bIns="46355" numCol="1" vert="horz" anchor="t">
-            <a:spAutoFit/>
-          </a:bodyPr>
-          <a:lstStyle/>
-          <a:p>
-            <a:pPr marL="0" indent="0" rtl="0" algn="l" defTabSz="914400" eaLnBrk="1" latinLnBrk="0" hangingPunct="1">
-              <a:buFontTx/>
-              <a:buNone/>
-            </a:pPr>
-            <a:r>
-              <a:rPr sz="1800" b="1">
-                <a:solidFill>
-                  <a:srgbClr val="0611F2"/>
-                </a:solidFill>
-                <a:latin typeface="맑은 고딕" charset="0"/>
-                <a:ea typeface="맑은 고딕" charset="0"/>
-              </a:rPr>
-              <a:t>34</a:t>
-            </a:r>
-            <a:r>
-              <a:rPr sz="1800" b="1">
-                <a:solidFill>
-                  <a:srgbClr val="0611F2"/>
-                </a:solidFill>
-                <a:latin typeface="맑은 고딕" charset="0"/>
-                <a:ea typeface="맑은 고딕" charset="0"/>
-              </a:rPr>
-              <a:t>.</a:t>
-            </a:r>
-            <a:r>
-              <a:rPr sz="1800">
-                <a:latin typeface="맑은 고딕" charset="0"/>
-                <a:ea typeface="맑은 고딕" charset="0"/>
-              </a:rPr>
-              <a:t> </a:t>
-            </a:r>
-            <a:r>
-              <a:rPr sz="1800">
-                <a:latin typeface="맑은 고딕" charset="0"/>
-                <a:ea typeface="맑은 고딕" charset="0"/>
-              </a:rPr>
-              <a:t>이</a:t>
-            </a:r>
-            <a:r>
-              <a:rPr lang="ko-KR" sz="1800">
-                <a:latin typeface="맑은 고딕" charset="0"/>
-                <a:ea typeface="맑은 고딕" charset="0"/>
-              </a:rPr>
-              <a:t>제</a:t>
-            </a:r>
-            <a:r>
-              <a:rPr sz="1800">
-                <a:latin typeface="맑은 고딕" charset="0"/>
-                <a:ea typeface="맑은 고딕" charset="0"/>
-              </a:rPr>
-              <a:t> </a:t>
-            </a:r>
-            <a:r>
-              <a:rPr lang="ko-KR" sz="1800">
-                <a:latin typeface="맑은 고딕" charset="0"/>
-                <a:ea typeface="맑은 고딕" charset="0"/>
-              </a:rPr>
-              <a:t>Santa Hat Boader와</a:t>
-            </a:r>
-            <a:r>
-              <a:rPr sz="1800">
-                <a:latin typeface="맑은 고딕" charset="0"/>
-                <a:ea typeface="맑은 고딕" charset="0"/>
-              </a:rPr>
-              <a:t> </a:t>
-            </a:r>
-            <a:r>
-              <a:rPr lang="ko-KR" sz="1800">
-                <a:latin typeface="맑은 고딕" charset="0"/>
-                <a:ea typeface="맑은 고딕" charset="0"/>
-              </a:rPr>
-              <a:t>Santa Stick Boader 오브젝트에 </a:t>
-            </a:r>
-            <a:r>
-              <a:rPr sz="1800">
-                <a:latin typeface="맑은 고딕" charset="0"/>
-                <a:ea typeface="맑은 고딕" charset="0"/>
-              </a:rPr>
-              <a:t>On Click( ) 함수를 생성합니다.</a:t>
-            </a:r>
-            <a:endParaRPr lang="ko-KR" altLang="en-US" sz="1800">
-              <a:latin typeface="맑은 고딕" charset="0"/>
-              <a:ea typeface="맑은 고딕" charset="0"/>
-            </a:endParaRPr>
-          </a:p>
-          <a:p>
-            <a:pPr marL="0" indent="0" rtl="0" algn="l" defTabSz="914400" eaLnBrk="1" latinLnBrk="0" hangingPunct="1">
-              <a:buFontTx/>
-              <a:buNone/>
-            </a:pPr>
-            <a:endParaRPr lang="ko-KR" altLang="en-US" sz="1800">
-              <a:latin typeface="맑은 고딕" charset="0"/>
-              <a:ea typeface="맑은 고딕" charset="0"/>
-            </a:endParaRPr>
-          </a:p>
-          <a:p>
-            <a:pPr marL="0" indent="0" rtl="0" algn="l" defTabSz="914400" eaLnBrk="1" latinLnBrk="0" hangingPunct="1">
-              <a:buFontTx/>
-              <a:buNone/>
-            </a:pPr>
-            <a:r>
-              <a:rPr sz="1800">
-                <a:latin typeface="맑은 고딕" charset="0"/>
-                <a:ea typeface="맑은 고딕" charset="0"/>
-              </a:rPr>
-              <a:t>그</a:t>
-            </a:r>
-            <a:r>
-              <a:rPr sz="1800">
-                <a:latin typeface="맑은 고딕" charset="0"/>
-                <a:ea typeface="맑은 고딕" charset="0"/>
-              </a:rPr>
-              <a:t>리</a:t>
-            </a:r>
-            <a:r>
-              <a:rPr lang="ko-KR" sz="1800">
-                <a:latin typeface="맑은 고딕" charset="0"/>
-                <a:ea typeface="맑은 고딕" charset="0"/>
-              </a:rPr>
-              <a:t>고</a:t>
-            </a:r>
-            <a:r>
-              <a:rPr sz="1800">
-                <a:latin typeface="맑은 고딕" charset="0"/>
-                <a:ea typeface="맑은 고딕" charset="0"/>
-              </a:rPr>
-              <a:t> 각각의 버튼에 있는 On Click( ) 함수에 </a:t>
-            </a:r>
-            <a:r>
-              <a:rPr lang="ko-KR" sz="1800">
-                <a:latin typeface="맑은 고딕" charset="0"/>
-                <a:ea typeface="맑은 고딕" charset="0"/>
-              </a:rPr>
-              <a:t>Cover Manager</a:t>
-            </a:r>
-            <a:r>
-              <a:rPr sz="1800">
-                <a:latin typeface="맑은 고딕" charset="0"/>
-                <a:ea typeface="맑은 고딕" charset="0"/>
-              </a:rPr>
-              <a:t> 오브젝트를 넣어줍니다.</a:t>
-            </a:r>
-            <a:endParaRPr lang="ko-KR" altLang="en-US" sz="1800">
-              <a:latin typeface="맑은 고딕" charset="0"/>
-              <a:ea typeface="맑은 고딕" charset="0"/>
-            </a:endParaRPr>
-          </a:p>
-        </p:txBody>
-      </p:sp>
-      <p:pic>
-        <p:nvPicPr>
-          <p:cNvPr id="60" name="그림 93"/>
-          <p:cNvPicPr>
-            <a:picLocks noChangeAspect="1"/>
-          </p:cNvPicPr>
-          <p:nvPr/>
-        </p:nvPicPr>
-        <p:blipFill rotWithShape="1">
-          <a:blip r:embed="rId2" cstate="print">
-            <a:extLst>
-              <a:ext uri="{28A0092B-C50C-407E-A947-70E740481C1C}">
-                <a14:useLocalDpi xmlns:a14="http://schemas.microsoft.com/office/drawing/2010/main" val="0"/>
-              </a:ext>
-            </a:extLst>
-          </a:blip>
-          <a:stretch>
-            <a:fillRect/>
-          </a:stretch>
-        </p:blipFill>
-        <p:spPr>
-          <a:xfrm rot="0">
-            <a:off x="1352550" y="1352550"/>
-            <a:ext cx="4039235" cy="1858010"/>
-          </a:xfrm>
-          <a:prstGeom prst="roundRect"/>
-          <a:solidFill>
-            <a:srgbClr val="EDEDED"/>
-          </a:solidFill>
-        </p:spPr>
-      </p:pic>
-      <p:pic>
-        <p:nvPicPr>
-          <p:cNvPr id="61" name="그림 97"/>
-          <p:cNvPicPr>
-            <a:picLocks noChangeAspect="1"/>
-          </p:cNvPicPr>
-          <p:nvPr/>
-        </p:nvPicPr>
-        <p:blipFill rotWithShape="1">
-          <a:blip r:embed="rId3" cstate="hqprint">
-            <a:extLst>
-              <a:ext uri="{28A0092B-C50C-407E-A947-70E740481C1C}">
-                <a14:useLocalDpi xmlns:a14="http://schemas.microsoft.com/office/drawing/2010/main"/>
-              </a:ext>
-            </a:extLst>
-          </a:blip>
-          <a:stretch>
-            <a:fillRect/>
-          </a:stretch>
-        </p:blipFill>
-        <p:spPr>
-          <a:xfrm rot="0">
-            <a:off x="8353425" y="1352550"/>
-            <a:ext cx="2639695" cy="1153160"/>
-          </a:xfrm>
-          <a:prstGeom prst="roundRect"/>
-          <a:solidFill>
-            <a:srgbClr val="EDEDED"/>
-          </a:solidFill>
-        </p:spPr>
-      </p:pic>
-      <p:pic>
-        <p:nvPicPr>
-          <p:cNvPr id="62" name="그림 98"/>
-          <p:cNvPicPr>
-            <a:picLocks noChangeAspect="1"/>
-          </p:cNvPicPr>
-          <p:nvPr/>
-        </p:nvPicPr>
-        <p:blipFill rotWithShape="1">
-          <a:blip r:embed="rId4" cstate="hqprint">
-            <a:extLst>
-              <a:ext uri="{28A0092B-C50C-407E-A947-70E740481C1C}">
-                <a14:useLocalDpi xmlns:a14="http://schemas.microsoft.com/office/drawing/2010/main"/>
-              </a:ext>
-            </a:extLst>
-          </a:blip>
-          <a:stretch>
-            <a:fillRect/>
-          </a:stretch>
-        </p:blipFill>
-        <p:spPr>
-          <a:xfrm rot="0">
-            <a:off x="8353425" y="2762250"/>
-            <a:ext cx="2630170" cy="1143635"/>
-          </a:xfrm>
-          <a:prstGeom prst="roundRect"/>
-          <a:solidFill>
-            <a:srgbClr val="EDEDED"/>
-          </a:solidFill>
-        </p:spPr>
-      </p:pic>
-      <p:pic>
-        <p:nvPicPr>
-          <p:cNvPr id="63" name="그림 99"/>
-          <p:cNvPicPr>
-            <a:picLocks noChangeAspect="1"/>
-          </p:cNvPicPr>
-          <p:nvPr/>
-        </p:nvPicPr>
-        <p:blipFill rotWithShape="1">
-          <a:blip r:embed="rId5" cstate="print">
-            <a:extLst>
-              <a:ext uri="{28A0092B-C50C-407E-A947-70E740481C1C}">
-                <a14:useLocalDpi xmlns:a14="http://schemas.microsoft.com/office/drawing/2010/main" val="0"/>
-              </a:ext>
-            </a:extLst>
-          </a:blip>
-          <a:stretch>
-            <a:fillRect/>
-          </a:stretch>
-        </p:blipFill>
-        <p:spPr>
-          <a:xfrm rot="0">
-            <a:off x="6810375" y="1343025"/>
-            <a:ext cx="1381760" cy="2572385"/>
-          </a:xfrm>
-          <a:prstGeom prst="roundRect"/>
-          <a:solidFill>
-            <a:srgbClr val="EDEDED"/>
-          </a:solidFill>
-        </p:spPr>
-      </p:pic>
-      <p:cxnSp>
-        <p:nvCxnSpPr>
-          <p:cNvPr id="64" name="도형 102"/>
-          <p:cNvCxnSpPr/>
-          <p:nvPr/>
-        </p:nvCxnSpPr>
-        <p:spPr>
-          <a:xfrm rot="0" flipV="1">
-            <a:off x="7800975" y="3457575"/>
-            <a:ext cx="1305560" cy="295910"/>
-          </a:xfrm>
-          <a:prstGeom prst="straightConnector1"/>
-          <a:ln w="6350" cap="flat" cmpd="sng">
-            <a:prstDash/>
-            <a:headEnd type="none" w="med" len="med"/>
-            <a:tailEnd type="triangle" w="med" len="med"/>
-          </a:ln>
-        </p:spPr>
-        <p:style>
-          <a:lnRef idx="1">
-            <a:schemeClr val="accent1"/>
-          </a:lnRef>
-          <a:fillRef idx="0">
-            <a:schemeClr val="accent1"/>
-          </a:fillRef>
-          <a:effectRef idx="0">
-            <a:schemeClr val="accent1"/>
-          </a:effectRef>
-          <a:fontRef idx="minor">
-            <a:schemeClr val="tx1"/>
-          </a:fontRef>
-        </p:style>
-      </p:cxnSp>
-    </p:spTree>
-  </p:cSld>
-  <p:clrMapOvr>
-    <a:masterClrMapping/>
-  </p:clrMapOvr>
-  <mc:AlternateContent xmlns:mc="http://schemas.openxmlformats.org/markup-compatibility/2006">
-    <mc:Choice xmlns:p14="http://schemas.microsoft.com/office/powerpoint/2010/main" Requires="p14">
-      <p:transition spd="slow" p14:dur="2000"/>
-    </mc:Choice>
-    <mc:Fallback>
-      <p:transition spd="slow"/>
-    </mc:Fallback>
-  </mc:AlternateContent>
-  <p:timing>
-    <p:tnLst>
-      <p:par>
-        <p:cTn id="1" dur="indefinite" restart="never" nodeType="tmRoot"/>
-      </p:par>
-    </p:tnLst>
-  </p:timing>
-</p:sld>
-</file>
-
-<file path=ppt/slides/slide15.xml><?xml version="1.0" encoding="utf-8"?>
-<p:sld xmlns:a="http://schemas.openxmlformats.org/drawingml/2006/main" xmlns:r="http://schemas.openxmlformats.org/officeDocument/2006/relationships" xmlns:p="http://schemas.openxmlformats.org/presentationml/2006/main">
-  <p:cSld>
-    <p:spTree>
-      <p:nvGrpSpPr>
-        <p:cNvPr id="1" name=""/>
-        <p:cNvGrpSpPr/>
-        <p:nvPr/>
-      </p:nvGrpSpPr>
-      <p:grpSpPr>
-        <a:xfrm>
-          <a:off x="0" y="0"/>
-          <a:ext cx="0" cy="0"/>
-          <a:chOff x="0" y="0"/>
-          <a:chExt cx="0" cy="0"/>
-        </a:xfrm>
-      </p:grpSpPr>
-      <p:sp>
-        <p:nvSpPr>
-          <p:cNvPr id="5" name="Rect 0"/>
-          <p:cNvSpPr txBox="1">
-            <a:spLocks/>
-          </p:cNvSpPr>
-          <p:nvPr/>
-        </p:nvSpPr>
-        <p:spPr>
-          <a:xfrm rot="0">
-            <a:off x="4118610" y="346710"/>
-            <a:ext cx="3959860" cy="554990"/>
-          </a:xfrm>
-          <a:prstGeom prst="rect"/>
-          <a:noFill/>
-          <a:ln w="0">
-            <a:noFill/>
-            <a:prstDash/>
-          </a:ln>
-        </p:spPr>
-        <p:txBody>
-          <a:bodyPr wrap="square" lIns="89535" tIns="46355" rIns="89535" bIns="46355" numCol="1" vert="horz" anchor="t">
-            <a:spAutoFit/>
-          </a:bodyPr>
-          <a:lstStyle/>
-          <a:p>
-            <a:pPr marL="0" indent="0" algn="l" latinLnBrk="0">
-              <a:buFontTx/>
-              <a:buNone/>
-            </a:pPr>
-            <a:r>
-              <a:rPr lang="ko-KR" altLang="en-US" sz="3000" b="1">
-                <a:solidFill>
-                  <a:schemeClr val="tx1"/>
-                </a:solidFill>
-                <a:latin typeface="맑은 고딕" charset="0"/>
-                <a:ea typeface="맑은 고딕" charset="0"/>
-              </a:rPr>
-              <a:t>열</a:t>
-            </a:r>
-            <a:r>
-              <a:rPr lang="ko-KR" altLang="en-US" sz="3000" b="1">
-                <a:solidFill>
-                  <a:schemeClr val="tx1"/>
-                </a:solidFill>
-                <a:latin typeface="맑은 고딕" charset="0"/>
-                <a:ea typeface="맑은 고딕" charset="0"/>
-              </a:rPr>
-              <a:t>다섯</a:t>
-            </a:r>
-            <a:r>
-              <a:rPr lang="ko-KR" altLang="en-US" sz="3000" b="1">
-                <a:solidFill>
-                  <a:schemeClr val="tx1"/>
-                </a:solidFill>
-                <a:latin typeface="맑은 고딕" charset="0"/>
-                <a:ea typeface="맑은 고딕" charset="0"/>
-              </a:rPr>
-              <a:t> 번째 튜토리얼</a:t>
-            </a:r>
-            <a:endParaRPr lang="ko-KR" altLang="en-US" sz="3000" b="1">
-              <a:solidFill>
-                <a:schemeClr val="tx1"/>
-              </a:solidFill>
-              <a:latin typeface="맑은 고딕" charset="0"/>
-              <a:ea typeface="맑은 고딕" charset="0"/>
-            </a:endParaRPr>
-          </a:p>
-        </p:txBody>
-      </p:sp>
-      <p:sp>
-        <p:nvSpPr>
-          <p:cNvPr id="26" name="Rect 0"/>
-          <p:cNvSpPr txBox="1">
-            <a:spLocks/>
-          </p:cNvSpPr>
-          <p:nvPr/>
-        </p:nvSpPr>
-        <p:spPr>
-          <a:xfrm rot="0">
-            <a:off x="1362075" y="4747260"/>
-            <a:ext cx="4029710" cy="1477645"/>
-          </a:xfrm>
-          <a:prstGeom prst="rect"/>
-          <a:noFill/>
-          <a:ln w="0">
-            <a:noFill/>
-            <a:prstDash/>
-          </a:ln>
-        </p:spPr>
-        <p:txBody>
-          <a:bodyPr wrap="square" lIns="89535" tIns="46355" rIns="89535" bIns="46355" numCol="1" vert="horz" anchor="t">
-            <a:spAutoFit/>
-          </a:bodyPr>
-          <a:lstStyle/>
-          <a:p>
-            <a:pPr marL="0" indent="0" rtl="0" algn="l" defTabSz="914400" eaLnBrk="1" latinLnBrk="0" hangingPunct="1">
-              <a:buFontTx/>
-              <a:buNone/>
-            </a:pPr>
-            <a:r>
-              <a:rPr sz="1800" b="1">
-                <a:solidFill>
-                  <a:srgbClr val="0611F2"/>
-                </a:solidFill>
-                <a:latin typeface="맑은 고딕" charset="0"/>
-                <a:ea typeface="맑은 고딕" charset="0"/>
-              </a:rPr>
-              <a:t>35</a:t>
-            </a:r>
-            <a:r>
-              <a:rPr sz="1800" b="1">
-                <a:solidFill>
-                  <a:srgbClr val="0611F2"/>
-                </a:solidFill>
-                <a:latin typeface="맑은 고딕" charset="0"/>
-                <a:ea typeface="맑은 고딕" charset="0"/>
-              </a:rPr>
-              <a:t>.</a:t>
-            </a:r>
-            <a:r>
-              <a:rPr sz="1800">
-                <a:latin typeface="맑은 고딕" charset="0"/>
-                <a:ea typeface="맑은 고딕" charset="0"/>
-              </a:rPr>
-              <a:t> </a:t>
-            </a:r>
-            <a:r>
-              <a:rPr sz="1800">
-                <a:latin typeface="맑은 고딕" charset="0"/>
-                <a:ea typeface="맑은 고딕" charset="0"/>
-              </a:rPr>
-              <a:t>그</a:t>
-            </a:r>
-            <a:r>
-              <a:rPr lang="ko-KR" sz="1800">
-                <a:latin typeface="맑은 고딕" charset="0"/>
-                <a:ea typeface="맑은 고딕" charset="0"/>
-              </a:rPr>
-              <a:t>런 다음</a:t>
-            </a:r>
-            <a:r>
-              <a:rPr sz="1800">
-                <a:latin typeface="맑은 고딕" charset="0"/>
-                <a:ea typeface="맑은 고딕" charset="0"/>
-              </a:rPr>
-              <a:t> </a:t>
-            </a:r>
-            <a:r>
-              <a:rPr sz="1800">
-                <a:latin typeface="맑은 고딕" charset="0"/>
-                <a:ea typeface="맑은 고딕" charset="0"/>
-              </a:rPr>
-              <a:t>Co</a:t>
-            </a:r>
-            <a:r>
-              <a:rPr lang="ko-KR" sz="1800">
-                <a:latin typeface="맑은 고딕" charset="0"/>
-                <a:ea typeface="맑은 고딕" charset="0"/>
-              </a:rPr>
-              <a:t>ver</a:t>
-            </a:r>
-            <a:r>
-              <a:rPr sz="1800">
-                <a:latin typeface="맑은 고딕" charset="0"/>
-                <a:ea typeface="맑은 고딕" charset="0"/>
-              </a:rPr>
-              <a:t> 스크립트에 있는 </a:t>
-            </a:r>
-            <a:r>
-              <a:rPr sz="1800">
-                <a:latin typeface="맑은 고딕" charset="0"/>
-                <a:ea typeface="맑은 고딕" charset="0"/>
-              </a:rPr>
-              <a:t>Wearing</a:t>
-            </a:r>
-            <a:r>
-              <a:rPr sz="1800">
-                <a:latin typeface="맑은 고딕" charset="0"/>
-                <a:ea typeface="맑은 고딕" charset="0"/>
-              </a:rPr>
-              <a:t>( ) 함수를 선택합니다.</a:t>
-            </a:r>
-            <a:endParaRPr lang="ko-KR" altLang="en-US" sz="1800">
-              <a:latin typeface="맑은 고딕" charset="0"/>
-              <a:ea typeface="맑은 고딕" charset="0"/>
-            </a:endParaRPr>
-          </a:p>
-          <a:p>
-            <a:pPr marL="0" indent="0" rtl="0" algn="l" defTabSz="914400" eaLnBrk="1" latinLnBrk="0" hangingPunct="1">
-              <a:buFontTx/>
-              <a:buNone/>
-            </a:pPr>
-            <a:endParaRPr lang="ko-KR" altLang="en-US" sz="1800">
-              <a:latin typeface="맑은 고딕" charset="0"/>
-              <a:ea typeface="맑은 고딕" charset="0"/>
-            </a:endParaRPr>
-          </a:p>
-          <a:p>
-            <a:pPr marL="0" indent="0" rtl="0" algn="l" defTabSz="914400" eaLnBrk="1" latinLnBrk="0" hangingPunct="1">
-              <a:buFontTx/>
-              <a:buNone/>
-            </a:pPr>
-            <a:r>
-              <a:rPr sz="1800">
-                <a:latin typeface="맑은 고딕" charset="0"/>
-                <a:ea typeface="맑은 고딕" charset="0"/>
-              </a:rPr>
-              <a:t>그다음</a:t>
-            </a:r>
-            <a:r>
-              <a:rPr sz="1800">
-                <a:latin typeface="맑은 고딕" charset="0"/>
-                <a:ea typeface="맑은 고딕" charset="0"/>
-              </a:rPr>
-              <a:t>으</a:t>
-            </a:r>
-            <a:r>
-              <a:rPr lang="ko-KR" sz="1800">
-                <a:latin typeface="맑은 고딕" charset="0"/>
-                <a:ea typeface="맑은 고딕" charset="0"/>
-              </a:rPr>
-              <a:t>로</a:t>
-            </a:r>
-            <a:r>
-              <a:rPr sz="1800">
-                <a:latin typeface="맑은 고딕" charset="0"/>
-                <a:ea typeface="맑은 고딕" charset="0"/>
-              </a:rPr>
-              <a:t> 각각의 버튼에 원하는</a:t>
-            </a:r>
-            <a:r>
-              <a:rPr lang="ko-KR" sz="1800">
-                <a:latin typeface="맑은 고딕" charset="0"/>
-                <a:ea typeface="맑은 고딕" charset="0"/>
-              </a:rPr>
-              <a:t> 정수값을 설정합니다.</a:t>
-            </a:r>
-            <a:endParaRPr lang="ko-KR" altLang="en-US" sz="1800">
-              <a:latin typeface="맑은 고딕" charset="0"/>
-              <a:ea typeface="맑은 고딕" charset="0"/>
-            </a:endParaRPr>
-          </a:p>
-        </p:txBody>
-      </p:sp>
-      <p:sp>
-        <p:nvSpPr>
-          <p:cNvPr id="37" name="Rect 0"/>
-          <p:cNvSpPr txBox="1">
-            <a:spLocks/>
-          </p:cNvSpPr>
-          <p:nvPr/>
-        </p:nvSpPr>
-        <p:spPr>
-          <a:xfrm rot="0">
-            <a:off x="6801485" y="3639820"/>
-            <a:ext cx="4157345" cy="2585085"/>
-          </a:xfrm>
-          <a:prstGeom prst="rect"/>
-          <a:noFill/>
-          <a:ln w="0">
-            <a:noFill/>
-            <a:prstDash/>
-          </a:ln>
-        </p:spPr>
-        <p:txBody>
-          <a:bodyPr wrap="square" lIns="89535" tIns="46355" rIns="89535" bIns="46355" numCol="1" vert="horz" anchor="t">
-            <a:spAutoFit/>
-          </a:bodyPr>
-          <a:lstStyle/>
-          <a:p>
-            <a:pPr marL="0" indent="0" rtl="0" algn="l" defTabSz="914400" eaLnBrk="1" latinLnBrk="0" hangingPunct="1">
-              <a:buFontTx/>
-              <a:buNone/>
-            </a:pPr>
-            <a:r>
-              <a:rPr sz="1800" b="1">
-                <a:solidFill>
-                  <a:srgbClr val="0611F2"/>
-                </a:solidFill>
-                <a:latin typeface="맑은 고딕" charset="0"/>
-                <a:ea typeface="맑은 고딕" charset="0"/>
-              </a:rPr>
-              <a:t>3</a:t>
-            </a:r>
-            <a:r>
-              <a:rPr sz="1800" b="1">
-                <a:solidFill>
-                  <a:srgbClr val="0611F2"/>
-                </a:solidFill>
-                <a:latin typeface="맑은 고딕" charset="0"/>
-                <a:ea typeface="맑은 고딕" charset="0"/>
-              </a:rPr>
-              <a:t>6</a:t>
-            </a:r>
-            <a:r>
-              <a:rPr sz="1800" b="1">
-                <a:solidFill>
-                  <a:srgbClr val="0611F2"/>
-                </a:solidFill>
-                <a:latin typeface="맑은 고딕" charset="0"/>
-                <a:ea typeface="맑은 고딕" charset="0"/>
-              </a:rPr>
-              <a:t>.</a:t>
-            </a:r>
-            <a:r>
-              <a:rPr sz="1800">
-                <a:latin typeface="맑은 고딕" charset="0"/>
-                <a:ea typeface="맑은 고딕" charset="0"/>
-              </a:rPr>
-              <a:t> </a:t>
-            </a:r>
-            <a:r>
-              <a:rPr sz="1800">
-                <a:latin typeface="맑은 고딕" charset="0"/>
-                <a:ea typeface="맑은 고딕" charset="0"/>
-              </a:rPr>
-              <a:t>마지막으</a:t>
-            </a:r>
-            <a:r>
-              <a:rPr lang="ko-KR" sz="1800">
-                <a:latin typeface="맑은 고딕" charset="0"/>
-                <a:ea typeface="맑은 고딕" charset="0"/>
-              </a:rPr>
-              <a:t>로 Cover Manager 오브젝트에 있는 Cover 스크립트에 Equipment와 count의 Size를 설정합니다.</a:t>
-            </a:r>
-            <a:endParaRPr lang="ko-KR" altLang="en-US" sz="1800">
-              <a:latin typeface="맑은 고딕" charset="0"/>
-              <a:ea typeface="맑은 고딕" charset="0"/>
-            </a:endParaRPr>
-          </a:p>
-          <a:p>
-            <a:pPr marL="0" indent="0" rtl="0" algn="l" defTabSz="914400" eaLnBrk="1" latinLnBrk="0" hangingPunct="1">
-              <a:buFontTx/>
-              <a:buNone/>
-            </a:pPr>
-            <a:endParaRPr lang="ko-KR" altLang="en-US" sz="1800">
-              <a:latin typeface="맑은 고딕" charset="0"/>
-              <a:ea typeface="맑은 고딕" charset="0"/>
-            </a:endParaRPr>
-          </a:p>
-          <a:p>
-            <a:pPr marL="0" indent="0" rtl="0" algn="l" defTabSz="914400" eaLnBrk="1" latinLnBrk="0" hangingPunct="1">
-              <a:buFontTx/>
-              <a:buNone/>
-            </a:pPr>
-            <a:r>
-              <a:rPr lang="ko-KR" sz="1800">
-                <a:latin typeface="맑은 고딕" charset="0"/>
-                <a:ea typeface="맑은 고딕" charset="0"/>
-              </a:rPr>
-              <a:t>그리고 Equipment에 Element 0에는 Santa Hat 오브젝트를 넣어주고 Element 1에는 Candy Cane 오브젝트를 넣어줍니다.</a:t>
-            </a:r>
-            <a:endParaRPr lang="ko-KR" altLang="en-US" sz="1800">
-              <a:latin typeface="맑은 고딕" charset="0"/>
-              <a:ea typeface="맑은 고딕" charset="0"/>
-            </a:endParaRPr>
-          </a:p>
-        </p:txBody>
-      </p:sp>
-      <p:pic>
-        <p:nvPicPr>
-          <p:cNvPr id="65" name="그림 1" descr="C:/Users/Admin1/AppData/Roaming/PolarisOffice/ETemp/17756_14083064/fImage659230541.png"/>
-          <p:cNvPicPr>
-            <a:picLocks noChangeAspect="1"/>
-          </p:cNvPicPr>
-          <p:nvPr/>
-        </p:nvPicPr>
-        <p:blipFill rotWithShape="1">
-          <a:blip r:embed="rId2" cstate="print">
-            <a:extLst>
-              <a:ext uri="{28A0092B-C50C-407E-A947-70E740481C1C}">
-                <a14:useLocalDpi xmlns:a14="http://schemas.microsoft.com/office/drawing/2010/main" val="0"/>
-              </a:ext>
-            </a:extLst>
-          </a:blip>
-          <a:stretch>
-            <a:fillRect/>
-          </a:stretch>
-        </p:blipFill>
-        <p:spPr>
-          <a:xfrm rot="0">
-            <a:off x="1358900" y="1358900"/>
-            <a:ext cx="4030345" cy="1504315"/>
-          </a:xfrm>
-          <a:prstGeom prst="roundRect"/>
-          <a:solidFill>
-            <a:srgbClr val="EDEDED"/>
-          </a:solidFill>
-        </p:spPr>
-      </p:pic>
-      <p:pic>
-        <p:nvPicPr>
-          <p:cNvPr id="66" name="그림 2" descr="C:/Users/Admin1/AppData/Roaming/PolarisOffice/ETemp/17756_14083064/fImage67783068467.png"/>
-          <p:cNvPicPr>
-            <a:picLocks noChangeAspect="1"/>
-          </p:cNvPicPr>
-          <p:nvPr/>
-        </p:nvPicPr>
-        <p:blipFill rotWithShape="1">
-          <a:blip r:embed="rId3" cstate="print">
-            <a:extLst>
-              <a:ext uri="{28A0092B-C50C-407E-A947-70E740481C1C}">
-                <a14:useLocalDpi xmlns:a14="http://schemas.microsoft.com/office/drawing/2010/main" val="0"/>
-              </a:ext>
-            </a:extLst>
-          </a:blip>
-          <a:stretch>
-            <a:fillRect/>
-          </a:stretch>
-        </p:blipFill>
-        <p:spPr>
-          <a:xfrm rot="0">
-            <a:off x="1355090" y="3070860"/>
-            <a:ext cx="4042410" cy="1525905"/>
-          </a:xfrm>
-          <a:prstGeom prst="roundRect"/>
-          <a:solidFill>
-            <a:srgbClr val="EDEDED"/>
-          </a:solidFill>
-        </p:spPr>
-      </p:pic>
-      <p:pic>
-        <p:nvPicPr>
-          <p:cNvPr id="67" name="그림 7" descr="C:/Users/Admin1/AppData/Roaming/PolarisOffice/ETemp/17756_14083064/fImage153903076334.png"/>
-          <p:cNvPicPr>
-            <a:picLocks noChangeAspect="1"/>
-          </p:cNvPicPr>
-          <p:nvPr/>
-        </p:nvPicPr>
-        <p:blipFill rotWithShape="1">
-          <a:blip r:embed="rId4" cstate="print">
-            <a:extLst>
-              <a:ext uri="{28A0092B-C50C-407E-A947-70E740481C1C}">
-                <a14:useLocalDpi xmlns:a14="http://schemas.microsoft.com/office/drawing/2010/main" val="0"/>
-              </a:ext>
-            </a:extLst>
-          </a:blip>
-          <a:stretch>
-            <a:fillRect/>
-          </a:stretch>
-        </p:blipFill>
-        <p:spPr>
-          <a:xfrm rot="0">
-            <a:off x="8112760" y="1357630"/>
-            <a:ext cx="2840355" cy="2128520"/>
-          </a:xfrm>
-          <a:prstGeom prst="roundRect"/>
-          <a:solidFill>
-            <a:srgbClr val="EDEDED"/>
-          </a:solidFill>
-        </p:spPr>
-      </p:pic>
-      <p:pic>
-        <p:nvPicPr>
-          <p:cNvPr id="68" name="그림 10" descr="C:/Users/Admin1/AppData/Roaming/PolarisOffice/ETemp/17756_14083064/fImage121213086500.png"/>
-          <p:cNvPicPr>
-            <a:picLocks noChangeAspect="1"/>
-          </p:cNvPicPr>
-          <p:nvPr/>
-        </p:nvPicPr>
-        <p:blipFill rotWithShape="1">
-          <a:blip r:embed="rId5" cstate="print">
-            <a:extLst>
-              <a:ext uri="{28A0092B-C50C-407E-A947-70E740481C1C}">
-                <a14:useLocalDpi xmlns:a14="http://schemas.microsoft.com/office/drawing/2010/main" val="0"/>
-              </a:ext>
-            </a:extLst>
-          </a:blip>
-          <a:stretch>
-            <a:fillRect/>
-          </a:stretch>
-        </p:blipFill>
-        <p:spPr>
-          <a:xfrm rot="0">
-            <a:off x="6798945" y="1349375"/>
-            <a:ext cx="1193165" cy="2140585"/>
-          </a:xfrm>
-          <a:prstGeom prst="roundRect"/>
-          <a:solidFill>
-            <a:srgbClr val="EDEDED"/>
-          </a:solidFill>
-        </p:spPr>
-      </p:pic>
-      <p:cxnSp>
-        <p:nvCxnSpPr>
-          <p:cNvPr id="69" name="도형 13"/>
-          <p:cNvCxnSpPr/>
-          <p:nvPr/>
-        </p:nvCxnSpPr>
-        <p:spPr>
-          <a:xfrm rot="0">
-            <a:off x="7619365" y="2066925"/>
-            <a:ext cx="3270250" cy="441960"/>
-          </a:xfrm>
-          <a:prstGeom prst="straightConnector1"/>
-          <a:ln w="6350" cap="flat" cmpd="sng">
-            <a:prstDash/>
-            <a:headEnd type="none" w="med" len="med"/>
-            <a:tailEnd type="triangle" w="med" len="med"/>
-          </a:ln>
-        </p:spPr>
-        <p:style>
-          <a:lnRef idx="1">
-            <a:schemeClr val="accent1"/>
-          </a:lnRef>
-          <a:fillRef idx="0">
-            <a:schemeClr val="accent1"/>
-          </a:fillRef>
-          <a:effectRef idx="0">
-            <a:schemeClr val="accent1"/>
-          </a:effectRef>
-          <a:fontRef idx="minor">
-            <a:schemeClr val="tx1"/>
-          </a:fontRef>
-        </p:style>
-      </p:cxnSp>
-      <p:cxnSp>
-        <p:nvCxnSpPr>
-          <p:cNvPr id="70" name="도형 14"/>
-          <p:cNvCxnSpPr/>
-          <p:nvPr/>
-        </p:nvCxnSpPr>
-        <p:spPr>
-          <a:xfrm rot="0">
-            <a:off x="7550785" y="2240280"/>
-            <a:ext cx="3355975" cy="78105"/>
-          </a:xfrm>
-          <a:prstGeom prst="straightConnector1"/>
-          <a:ln w="6350" cap="flat" cmpd="sng">
-            <a:prstDash/>
-            <a:headEnd type="none" w="med" len="med"/>
-            <a:tailEnd type="triangle" w="med" len="med"/>
-          </a:ln>
-        </p:spPr>
-        <p:style>
-          <a:lnRef idx="1">
-            <a:schemeClr val="accent1"/>
-          </a:lnRef>
-          <a:fillRef idx="0">
-            <a:schemeClr val="accent1"/>
-          </a:fillRef>
-          <a:effectRef idx="0">
-            <a:schemeClr val="accent1"/>
-          </a:effectRef>
-          <a:fontRef idx="minor">
-            <a:schemeClr val="tx1"/>
-          </a:fontRef>
-        </p:style>
-      </p:cxnSp>
-    </p:spTree>
-  </p:cSld>
-  <p:clrMapOvr>
-    <a:masterClrMapping/>
-  </p:clrMapOvr>
-  <mc:AlternateContent xmlns:mc="http://schemas.openxmlformats.org/markup-compatibility/2006">
-    <mc:Choice xmlns:p14="http://schemas.microsoft.com/office/powerpoint/2010/main" Requires="p14">
-      <p:transition spd="slow" p14:dur="2000"/>
-    </mc:Choice>
-    <mc:Fallback>
-      <p:transition spd="slow"/>
-    </mc:Fallback>
-  </mc:AlternateContent>
-  <p:timing>
-    <p:tnLst>
-      <p:par>
-        <p:cTn id="1" dur="indefinite" restart="never" nodeType="tmRoot"/>
-      </p:par>
-    </p:tnLst>
-  </p:timing>
-</p:sld>
-</file>
-
 <file path=ppt/slides/slide2.xml><?xml version="1.0" encoding="utf-8"?>
 <p:sld xmlns:a="http://schemas.openxmlformats.org/drawingml/2006/main" xmlns:r="http://schemas.openxmlformats.org/officeDocument/2006/relationships" xmlns:p="http://schemas.openxmlformats.org/presentationml/2006/main" xmlns:p14="http://schemas.microsoft.com/office/powerpoint/2010/main">
   <p:cSld>
@@ -13454,1404 +8950,6 @@
           </a:solidFill>
         </p:spPr>
       </p:pic>
-    </p:spTree>
-  </p:cSld>
-  <p:clrMapOvr>
-    <a:masterClrMapping/>
-  </p:clrMapOvr>
-  <mc:AlternateContent xmlns:mc="http://schemas.openxmlformats.org/markup-compatibility/2006">
-    <mc:Choice xmlns:p14="http://schemas.microsoft.com/office/powerpoint/2010/main" Requires="p14">
-      <p:transition spd="slow" p14:dur="2000"/>
-    </mc:Choice>
-    <mc:Fallback>
-      <p:transition spd="slow"/>
-    </mc:Fallback>
-  </mc:AlternateContent>
-  <p:timing>
-    <p:tnLst>
-      <p:par>
-        <p:cTn id="1" dur="indefinite" restart="never" nodeType="tmRoot"/>
-      </p:par>
-    </p:tnLst>
-  </p:timing>
-</p:sld>
-</file>
-
-<file path=ppt/slides/slide7.xml><?xml version="1.0" encoding="utf-8"?>
-<p:sld xmlns:a="http://schemas.openxmlformats.org/drawingml/2006/main" xmlns:r="http://schemas.openxmlformats.org/officeDocument/2006/relationships" xmlns:p="http://schemas.openxmlformats.org/presentationml/2006/main" xmlns:p14="http://schemas.microsoft.com/office/powerpoint/2010/main">
-  <p:cSld>
-    <p:spTree>
-      <p:nvGrpSpPr>
-        <p:cNvPr id="1" name=""/>
-        <p:cNvGrpSpPr/>
-        <p:nvPr/>
-      </p:nvGrpSpPr>
-      <p:grpSpPr>
-        <a:xfrm>
-          <a:off x="0" y="0"/>
-          <a:ext cx="0" cy="0"/>
-          <a:chOff x="0" y="0"/>
-          <a:chExt cx="0" cy="0"/>
-        </a:xfrm>
-      </p:grpSpPr>
-      <p:sp>
-        <p:nvSpPr>
-          <p:cNvPr id="1031" name="Rect 0"/>
-          <p:cNvSpPr txBox="1">
-            <a:spLocks/>
-          </p:cNvSpPr>
-          <p:nvPr/>
-        </p:nvSpPr>
-        <p:spPr>
-          <a:xfrm>
-            <a:off x="4342130" y="327660"/>
-            <a:ext cx="3507740" cy="554990"/>
-          </a:xfrm>
-          <a:prstGeom prst="rect"/>
-          <a:noFill/>
-          <a:ln w="0">
-            <a:noFill/>
-            <a:prstDash/>
-          </a:ln>
-        </p:spPr>
-        <p:txBody>
-          <a:bodyPr wrap="square" lIns="89535" tIns="46355" rIns="89535" bIns="46355" numCol="1" vert="horz" anchor="t">
-            <a:spAutoFit/>
-          </a:bodyPr>
-          <a:lstStyle/>
-          <a:p>
-            <a:pPr marL="0" indent="0" algn="l" latinLnBrk="0">
-              <a:buFontTx/>
-              <a:buNone/>
-            </a:pPr>
-            <a:r>
-              <a:rPr lang="ko-KR" altLang="en-US" sz="3000" b="1">
-                <a:solidFill>
-                  <a:schemeClr val="tx1"/>
-                </a:solidFill>
-                <a:latin typeface="맑은 고딕" charset="0"/>
-                <a:ea typeface="맑은 고딕" charset="0"/>
-              </a:rPr>
-              <a:t>일곱</a:t>
-            </a:r>
-            <a:r>
-              <a:rPr lang="ko-KR" altLang="en-US" sz="3000" b="1">
-                <a:solidFill>
-                  <a:schemeClr val="tx1"/>
-                </a:solidFill>
-                <a:latin typeface="맑은 고딕" charset="0"/>
-                <a:ea typeface="맑은 고딕" charset="0"/>
-              </a:rPr>
-              <a:t> 번째 튜토리얼</a:t>
-            </a:r>
-            <a:endParaRPr lang="ko-KR" altLang="en-US" sz="3000" b="1">
-              <a:solidFill>
-                <a:schemeClr val="tx1"/>
-              </a:solidFill>
-              <a:latin typeface="맑은 고딕" charset="0"/>
-              <a:ea typeface="맑은 고딕" charset="0"/>
-            </a:endParaRPr>
-          </a:p>
-        </p:txBody>
-      </p:sp>
-      <p:sp>
-        <p:nvSpPr>
-          <p:cNvPr id="1033" name="텍스트 상자 84"/>
-          <p:cNvSpPr txBox="1">
-            <a:spLocks/>
-          </p:cNvSpPr>
-          <p:nvPr/>
-        </p:nvSpPr>
-        <p:spPr>
-          <a:xfrm rot="0">
-            <a:off x="1312545" y="2762885"/>
-            <a:ext cx="4087495" cy="951865"/>
-          </a:xfrm>
-          <a:prstGeom prst="rect"/>
-          <a:noFill/>
-        </p:spPr>
-        <p:txBody>
-          <a:bodyPr wrap="square" lIns="0" tIns="0" rIns="0" bIns="0" numCol="1" vert="horz" anchor="t">
-            <a:noAutofit/>
-          </a:bodyPr>
-          <a:lstStyle/>
-          <a:p>
-            <a:pPr marL="0" indent="0" algn="l" latinLnBrk="0" hangingPunct="1">
-              <a:buFontTx/>
-              <a:buNone/>
-            </a:pPr>
-            <a:r>
-              <a:rPr lang="ko-KR" sz="2000" b="1">
-                <a:solidFill>
-                  <a:srgbClr val="0611F2"/>
-                </a:solidFill>
-                <a:latin typeface="맑은 고딕" charset="0"/>
-                <a:ea typeface="맑은 고딕" charset="0"/>
-              </a:rPr>
-              <a:t>14</a:t>
-            </a:r>
-            <a:r>
-              <a:rPr lang="ko-KR" sz="2000" b="1">
-                <a:solidFill>
-                  <a:srgbClr val="0611F2"/>
-                </a:solidFill>
-                <a:latin typeface="맑은 고딕" charset="0"/>
-                <a:ea typeface="맑은 고딕" charset="0"/>
-              </a:rPr>
-              <a:t>. </a:t>
-            </a:r>
-            <a:r>
-              <a:rPr lang="ko-KR" sz="1800">
-                <a:latin typeface="맑은 고딕" charset="0"/>
-                <a:ea typeface="맑은 고딕" charset="0"/>
-              </a:rPr>
-              <a:t>그리고 Candy Hat 오브젝트의 위치와 회전 그리고 크기값을 설정합니다.</a:t>
-            </a:r>
-            <a:endParaRPr lang="ko-KR" altLang="en-US" sz="1800">
-              <a:latin typeface="맑은 고딕" charset="0"/>
-              <a:ea typeface="맑은 고딕" charset="0"/>
-            </a:endParaRPr>
-          </a:p>
-        </p:txBody>
-      </p:sp>
-      <p:sp>
-        <p:nvSpPr>
-          <p:cNvPr id="1036" name="텍스트 상자 87"/>
-          <p:cNvSpPr txBox="1">
-            <a:spLocks/>
-          </p:cNvSpPr>
-          <p:nvPr/>
-        </p:nvSpPr>
-        <p:spPr>
-          <a:xfrm rot="0">
-            <a:off x="1323975" y="5488305"/>
-            <a:ext cx="4087495" cy="712470"/>
-          </a:xfrm>
-          <a:prstGeom prst="rect"/>
-          <a:noFill/>
-        </p:spPr>
-        <p:txBody>
-          <a:bodyPr wrap="square" lIns="0" tIns="0" rIns="0" bIns="0" numCol="1" vert="horz" anchor="t">
-            <a:noAutofit/>
-          </a:bodyPr>
-          <a:lstStyle/>
-          <a:p>
-            <a:pPr marL="0" indent="0" algn="l" latinLnBrk="0" hangingPunct="1">
-              <a:buFontTx/>
-              <a:buNone/>
-            </a:pPr>
-            <a:r>
-              <a:rPr lang="ko-KR" sz="2000" b="1">
-                <a:solidFill>
-                  <a:srgbClr val="0611F2"/>
-                </a:solidFill>
-                <a:latin typeface="맑은 고딕" charset="0"/>
-                <a:ea typeface="맑은 고딕" charset="0"/>
-              </a:rPr>
-              <a:t>15</a:t>
-            </a:r>
-            <a:r>
-              <a:rPr lang="ko-KR" sz="2000" b="1">
-                <a:solidFill>
-                  <a:srgbClr val="0611F2"/>
-                </a:solidFill>
-                <a:latin typeface="맑은 고딕" charset="0"/>
-                <a:ea typeface="맑은 고딕" charset="0"/>
-              </a:rPr>
-              <a:t>. </a:t>
-            </a:r>
-            <a:r>
-              <a:rPr lang="ko-KR" sz="1800">
-                <a:latin typeface="맑은 고딕" charset="0"/>
-                <a:ea typeface="맑은 고딕" charset="0"/>
-              </a:rPr>
-              <a:t>이제 Santa Hat Boader의 크기와 위치 그리고 앵커를 설정합니다.</a:t>
-            </a:r>
-            <a:endParaRPr lang="ko-KR" altLang="en-US" sz="1800">
-              <a:latin typeface="맑은 고딕" charset="0"/>
-              <a:ea typeface="맑은 고딕" charset="0"/>
-            </a:endParaRPr>
-          </a:p>
-        </p:txBody>
-      </p:sp>
-      <p:pic>
-        <p:nvPicPr>
-          <p:cNvPr id="1037" name="그림 88"/>
-          <p:cNvPicPr>
-            <a:picLocks noChangeAspect="1"/>
-          </p:cNvPicPr>
-          <p:nvPr/>
-        </p:nvPicPr>
-        <p:blipFill rotWithShape="1">
-          <a:blip r:embed="rId11" cstate="print">
-            <a:extLst>
-              <a:ext uri="{28A0092B-C50C-407E-A947-70E740481C1C}">
-                <a14:useLocalDpi xmlns:a14="http://schemas.microsoft.com/office/drawing/2010/main" val="0"/>
-              </a:ext>
-            </a:extLst>
-          </a:blip>
-          <a:stretch>
-            <a:fillRect/>
-          </a:stretch>
-        </p:blipFill>
-        <p:spPr>
-          <a:xfrm rot="0">
-            <a:off x="1319530" y="1391285"/>
-            <a:ext cx="4093210" cy="1250315"/>
-          </a:xfrm>
-          <a:prstGeom prst="roundRect"/>
-          <a:solidFill>
-            <a:srgbClr val="EDEDED"/>
-          </a:solidFill>
-        </p:spPr>
-      </p:pic>
-      <p:pic>
-        <p:nvPicPr>
-          <p:cNvPr id="1038" name="그림 98"/>
-          <p:cNvPicPr>
-            <a:picLocks noChangeAspect="1"/>
-          </p:cNvPicPr>
-          <p:nvPr/>
-        </p:nvPicPr>
-        <p:blipFill rotWithShape="1">
-          <a:blip r:embed="rId12" cstate="print">
-            <a:extLst>
-              <a:ext uri="{28A0092B-C50C-407E-A947-70E740481C1C}">
-                <a14:useLocalDpi xmlns:a14="http://schemas.microsoft.com/office/drawing/2010/main" val="0"/>
-              </a:ext>
-            </a:extLst>
-          </a:blip>
-          <a:stretch>
-            <a:fillRect/>
-          </a:stretch>
-        </p:blipFill>
-        <p:spPr>
-          <a:xfrm rot="0">
-            <a:off x="1316355" y="3818890"/>
-            <a:ext cx="4087495" cy="1477010"/>
-          </a:xfrm>
-          <a:prstGeom prst="roundRect"/>
-          <a:solidFill>
-            <a:srgbClr val="EDEDED"/>
-          </a:solidFill>
-        </p:spPr>
-      </p:pic>
-      <p:pic>
-        <p:nvPicPr>
-          <p:cNvPr id="1039" name="그림 101"/>
-          <p:cNvPicPr>
-            <a:picLocks noChangeAspect="1"/>
-          </p:cNvPicPr>
-          <p:nvPr/>
-        </p:nvPicPr>
-        <p:blipFill rotWithShape="1">
-          <a:blip r:embed="rId13" cstate="print">
-            <a:extLst>
-              <a:ext uri="{28A0092B-C50C-407E-A947-70E740481C1C}">
-                <a14:useLocalDpi xmlns:a14="http://schemas.microsoft.com/office/drawing/2010/main" val="0"/>
-              </a:ext>
-            </a:extLst>
-          </a:blip>
-          <a:stretch>
-            <a:fillRect/>
-          </a:stretch>
-        </p:blipFill>
-        <p:spPr>
-          <a:xfrm rot="0">
-            <a:off x="6814820" y="1402715"/>
-            <a:ext cx="4096385" cy="1689100"/>
-          </a:xfrm>
-          <a:prstGeom prst="roundRect"/>
-          <a:solidFill>
-            <a:srgbClr val="EDEDED"/>
-          </a:solidFill>
-        </p:spPr>
-      </p:pic>
-      <p:sp>
-        <p:nvSpPr>
-          <p:cNvPr id="1040" name="텍스트 상자 104"/>
-          <p:cNvSpPr txBox="1">
-            <a:spLocks/>
-          </p:cNvSpPr>
-          <p:nvPr/>
-        </p:nvSpPr>
-        <p:spPr>
-          <a:xfrm rot="0">
-            <a:off x="6813550" y="3206750"/>
-            <a:ext cx="4087495" cy="673100"/>
-          </a:xfrm>
-          <a:prstGeom prst="rect"/>
-          <a:noFill/>
-        </p:spPr>
-        <p:txBody>
-          <a:bodyPr wrap="square" lIns="0" tIns="0" rIns="0" bIns="0" numCol="1" vert="horz" anchor="t">
-            <a:noAutofit/>
-          </a:bodyPr>
-          <a:lstStyle/>
-          <a:p>
-            <a:pPr marL="0" indent="0" algn="l" latinLnBrk="0" hangingPunct="1">
-              <a:buFontTx/>
-              <a:buNone/>
-            </a:pPr>
-            <a:r>
-              <a:rPr lang="ko-KR" sz="2000" b="1">
-                <a:solidFill>
-                  <a:srgbClr val="0611F2"/>
-                </a:solidFill>
-                <a:latin typeface="맑은 고딕" charset="0"/>
-                <a:ea typeface="맑은 고딕" charset="0"/>
-              </a:rPr>
-              <a:t>16</a:t>
-            </a:r>
-            <a:r>
-              <a:rPr lang="ko-KR" sz="2000" b="1">
-                <a:solidFill>
-                  <a:srgbClr val="0611F2"/>
-                </a:solidFill>
-                <a:latin typeface="맑은 고딕" charset="0"/>
-                <a:ea typeface="맑은 고딕" charset="0"/>
-              </a:rPr>
-              <a:t>. </a:t>
-            </a:r>
-            <a:r>
-              <a:rPr lang="ko-KR" sz="1800">
-                <a:latin typeface="맑은 고딕" charset="0"/>
-                <a:ea typeface="맑은 고딕" charset="0"/>
-              </a:rPr>
-              <a:t>그런 다음 Santa Stick Boader의 크기와 위치 그리고 앵커를 설정합니다.</a:t>
-            </a:r>
-            <a:endParaRPr lang="ko-KR" altLang="en-US" sz="1800">
-              <a:latin typeface="맑은 고딕" charset="0"/>
-              <a:ea typeface="맑은 고딕" charset="0"/>
-            </a:endParaRPr>
-          </a:p>
-        </p:txBody>
-      </p:sp>
-      <p:pic>
-        <p:nvPicPr>
-          <p:cNvPr id="1041" name="그림 105"/>
-          <p:cNvPicPr>
-            <a:picLocks noChangeAspect="1"/>
-          </p:cNvPicPr>
-          <p:nvPr/>
-        </p:nvPicPr>
-        <p:blipFill rotWithShape="1">
-          <a:blip r:embed="rId14" cstate="print">
-            <a:extLst>
-              <a:ext uri="{28A0092B-C50C-407E-A947-70E740481C1C}">
-                <a14:useLocalDpi xmlns:a14="http://schemas.microsoft.com/office/drawing/2010/main" val="0"/>
-              </a:ext>
-            </a:extLst>
-          </a:blip>
-          <a:stretch>
-            <a:fillRect/>
-          </a:stretch>
-        </p:blipFill>
-        <p:spPr>
-          <a:xfrm rot="0">
-            <a:off x="6818630" y="4039870"/>
-            <a:ext cx="4084320" cy="1115060"/>
-          </a:xfrm>
-          <a:prstGeom prst="roundRect"/>
-          <a:solidFill>
-            <a:srgbClr val="EDEDED"/>
-          </a:solidFill>
-        </p:spPr>
-      </p:pic>
-      <p:sp>
-        <p:nvSpPr>
-          <p:cNvPr id="1042" name="텍스트 상자 108"/>
-          <p:cNvSpPr txBox="1">
-            <a:spLocks/>
-          </p:cNvSpPr>
-          <p:nvPr/>
-        </p:nvSpPr>
-        <p:spPr>
-          <a:xfrm rot="0">
-            <a:off x="6816090" y="5269865"/>
-            <a:ext cx="4087495" cy="930275"/>
-          </a:xfrm>
-          <a:prstGeom prst="rect"/>
-          <a:noFill/>
-        </p:spPr>
-        <p:txBody>
-          <a:bodyPr wrap="square" lIns="0" tIns="0" rIns="0" bIns="0" numCol="1" vert="horz" anchor="t">
-            <a:noAutofit/>
-          </a:bodyPr>
-          <a:lstStyle/>
-          <a:p>
-            <a:pPr marL="0" indent="0" algn="l" latinLnBrk="0" hangingPunct="1">
-              <a:buFontTx/>
-              <a:buNone/>
-            </a:pPr>
-            <a:r>
-              <a:rPr lang="ko-KR" sz="2000" b="1">
-                <a:solidFill>
-                  <a:srgbClr val="0611F2"/>
-                </a:solidFill>
-                <a:latin typeface="맑은 고딕" charset="0"/>
-                <a:ea typeface="맑은 고딕" charset="0"/>
-              </a:rPr>
-              <a:t>17</a:t>
-            </a:r>
-            <a:r>
-              <a:rPr lang="ko-KR" sz="2000" b="1">
-                <a:solidFill>
-                  <a:srgbClr val="0611F2"/>
-                </a:solidFill>
-                <a:latin typeface="맑은 고딕" charset="0"/>
-                <a:ea typeface="맑은 고딕" charset="0"/>
-              </a:rPr>
-              <a:t>. </a:t>
-            </a:r>
-            <a:r>
-              <a:rPr lang="ko-KR" sz="1800">
-                <a:latin typeface="맑은 고딕" charset="0"/>
-                <a:ea typeface="맑은 고딕" charset="0"/>
-              </a:rPr>
-              <a:t>그다음으로 Project 폴더에 있는 Script 폴더에 Item 스크립트를 생성합니다.</a:t>
-            </a:r>
-            <a:endParaRPr lang="ko-KR" altLang="en-US" sz="1800">
-              <a:latin typeface="맑은 고딕" charset="0"/>
-              <a:ea typeface="맑은 고딕" charset="0"/>
-            </a:endParaRPr>
-          </a:p>
-        </p:txBody>
-      </p:sp>
-    </p:spTree>
-  </p:cSld>
-  <p:clrMapOvr>
-    <a:masterClrMapping/>
-  </p:clrMapOvr>
-  <mc:AlternateContent xmlns:mc="http://schemas.openxmlformats.org/markup-compatibility/2006">
-    <mc:Choice xmlns:p14="http://schemas.microsoft.com/office/powerpoint/2010/main" Requires="p14">
-      <p:transition spd="slow" p14:dur="2000"/>
-    </mc:Choice>
-    <mc:Fallback>
-      <p:transition spd="slow"/>
-    </mc:Fallback>
-  </mc:AlternateContent>
-  <p:timing>
-    <p:tnLst>
-      <p:par>
-        <p:cTn id="1" dur="indefinite" restart="never" nodeType="tmRoot"/>
-      </p:par>
-    </p:tnLst>
-  </p:timing>
-</p:sld>
-</file>
-
-<file path=ppt/slides/slide8.xml><?xml version="1.0" encoding="utf-8"?>
-<p:sld xmlns:a="http://schemas.openxmlformats.org/drawingml/2006/main" xmlns:r="http://schemas.openxmlformats.org/officeDocument/2006/relationships" xmlns:p="http://schemas.openxmlformats.org/presentationml/2006/main" xmlns:p14="http://schemas.microsoft.com/office/powerpoint/2010/main">
-  <p:cSld>
-    <p:spTree>
-      <p:nvGrpSpPr>
-        <p:cNvPr id="1" name=""/>
-        <p:cNvGrpSpPr/>
-        <p:nvPr/>
-      </p:nvGrpSpPr>
-      <p:grpSpPr>
-        <a:xfrm>
-          <a:off x="0" y="0"/>
-          <a:ext cx="0" cy="0"/>
-          <a:chOff x="0" y="0"/>
-          <a:chExt cx="0" cy="0"/>
-        </a:xfrm>
-      </p:grpSpPr>
-      <p:sp>
-        <p:nvSpPr>
-          <p:cNvPr id="5" name="텍스트 상자 5"/>
-          <p:cNvSpPr txBox="1">
-            <a:spLocks/>
-          </p:cNvSpPr>
-          <p:nvPr/>
-        </p:nvSpPr>
-        <p:spPr>
-          <a:xfrm>
-            <a:off x="4342130" y="327660"/>
-            <a:ext cx="3508375" cy="554990"/>
-          </a:xfrm>
-          <a:prstGeom prst="rect"/>
-          <a:noFill/>
-          <a:ln w="0">
-            <a:noFill/>
-            <a:prstDash/>
-          </a:ln>
-        </p:spPr>
-        <p:txBody>
-          <a:bodyPr wrap="square" lIns="89535" tIns="46355" rIns="89535" bIns="46355" numCol="1" vert="horz" anchor="t">
-            <a:spAutoFit/>
-          </a:bodyPr>
-          <a:lstStyle/>
-          <a:p>
-            <a:pPr marL="0" indent="0" algn="l" latinLnBrk="0">
-              <a:buFontTx/>
-              <a:buNone/>
-            </a:pPr>
-            <a:r>
-              <a:rPr lang="ko-KR" altLang="en-US" sz="3000" b="1">
-                <a:solidFill>
-                  <a:schemeClr val="tx1"/>
-                </a:solidFill>
-                <a:latin typeface="맑은 고딕" charset="0"/>
-                <a:ea typeface="맑은 고딕" charset="0"/>
-              </a:rPr>
-              <a:t>여덟</a:t>
-            </a:r>
-            <a:r>
-              <a:rPr lang="ko-KR" altLang="en-US" sz="3000" b="1">
-                <a:solidFill>
-                  <a:schemeClr val="tx1"/>
-                </a:solidFill>
-                <a:latin typeface="맑은 고딕" charset="0"/>
-                <a:ea typeface="맑은 고딕" charset="0"/>
-              </a:rPr>
-              <a:t> 번째 튜토리얼</a:t>
-            </a:r>
-            <a:endParaRPr lang="ko-KR" altLang="en-US" sz="3000" b="1">
-              <a:solidFill>
-                <a:schemeClr val="tx1"/>
-              </a:solidFill>
-              <a:latin typeface="맑은 고딕" charset="0"/>
-              <a:ea typeface="맑은 고딕" charset="0"/>
-            </a:endParaRPr>
-          </a:p>
-        </p:txBody>
-      </p:sp>
-      <p:sp>
-        <p:nvSpPr>
-          <p:cNvPr id="6" name="텍스트 상자 110"/>
-          <p:cNvSpPr txBox="1">
-            <a:spLocks/>
-          </p:cNvSpPr>
-          <p:nvPr/>
-        </p:nvSpPr>
-        <p:spPr>
-          <a:xfrm rot="0">
-            <a:off x="1316355" y="3429000"/>
-            <a:ext cx="4066540" cy="2910205"/>
-          </a:xfrm>
-          <a:prstGeom prst="rect"/>
-          <a:noFill/>
-        </p:spPr>
-        <p:txBody>
-          <a:bodyPr wrap="square" lIns="0" tIns="0" rIns="0" bIns="0" numCol="1" vert="horz" anchor="t">
-            <a:noAutofit/>
-          </a:bodyPr>
-          <a:lstStyle/>
-          <a:p>
-            <a:pPr marL="0" indent="0" algn="l" latinLnBrk="0" hangingPunct="1">
-              <a:buFontTx/>
-              <a:buNone/>
-            </a:pPr>
-            <a:r>
-              <a:rPr lang="ko-KR" sz="2000" b="1">
-                <a:solidFill>
-                  <a:srgbClr val="0611F2"/>
-                </a:solidFill>
-                <a:latin typeface="맑은 고딕" charset="0"/>
-                <a:ea typeface="맑은 고딕" charset="0"/>
-              </a:rPr>
-              <a:t>18</a:t>
-            </a:r>
-            <a:r>
-              <a:rPr lang="ko-KR" sz="2000" b="1">
-                <a:solidFill>
-                  <a:srgbClr val="0611F2"/>
-                </a:solidFill>
-                <a:latin typeface="맑은 고딕" charset="0"/>
-                <a:ea typeface="맑은 고딕" charset="0"/>
-              </a:rPr>
-              <a:t>. </a:t>
-            </a:r>
-            <a:r>
-              <a:rPr lang="ko-KR" sz="1800">
-                <a:latin typeface="맑은 고딕" charset="0"/>
-                <a:ea typeface="맑은 고딕" charset="0"/>
-              </a:rPr>
-              <a:t>그리고 Item 스크립트에서 ScriptableObject를 상속받도록 설정합니다.</a:t>
-            </a:r>
-            <a:endParaRPr lang="ko-KR" altLang="en-US" sz="1800">
-              <a:latin typeface="맑은 고딕" charset="0"/>
-              <a:ea typeface="맑은 고딕" charset="0"/>
-            </a:endParaRPr>
-          </a:p>
-          <a:p>
-            <a:pPr marL="0" indent="0" algn="l" latinLnBrk="0" hangingPunct="1">
-              <a:buFontTx/>
-              <a:buNone/>
-            </a:pPr>
-            <a:endParaRPr lang="ko-KR" altLang="en-US" sz="1800">
-              <a:latin typeface="맑은 고딕" charset="0"/>
-              <a:ea typeface="맑은 고딕" charset="0"/>
-            </a:endParaRPr>
-          </a:p>
-          <a:p>
-            <a:pPr marL="0" indent="0" algn="l" latinLnBrk="0" hangingPunct="1">
-              <a:buFontTx/>
-              <a:buNone/>
-            </a:pPr>
-            <a:r>
-              <a:rPr lang="ko-KR" sz="1800">
-                <a:latin typeface="맑은 고딕" charset="0"/>
-                <a:ea typeface="맑은 고딕" charset="0"/>
-              </a:rPr>
-              <a:t>그런 다음 Sprite 변수 2개를 선언하고 CreateAssetMenu 어트리뷰트를 선언합니다.</a:t>
-            </a:r>
-            <a:endParaRPr lang="ko-KR" altLang="en-US" sz="1800">
-              <a:latin typeface="맑은 고딕" charset="0"/>
-              <a:ea typeface="맑은 고딕" charset="0"/>
-            </a:endParaRPr>
-          </a:p>
-          <a:p>
-            <a:pPr marL="0" indent="0" algn="l" latinLnBrk="0" hangingPunct="1">
-              <a:buFontTx/>
-              <a:buNone/>
-            </a:pPr>
-            <a:endParaRPr lang="ko-KR" altLang="en-US" sz="1800">
-              <a:latin typeface="맑은 고딕" charset="0"/>
-              <a:ea typeface="맑은 고딕" charset="0"/>
-            </a:endParaRPr>
-          </a:p>
-          <a:p>
-            <a:pPr marL="0" indent="0" algn="l" latinLnBrk="0" hangingPunct="1">
-              <a:buFontTx/>
-              <a:buNone/>
-            </a:pPr>
-            <a:r>
-              <a:rPr lang="ko-KR" sz="1800">
-                <a:latin typeface="맑은 고딕" charset="0"/>
-                <a:ea typeface="맑은 고딕" charset="0"/>
-              </a:rPr>
-              <a:t>그다음 파일의 이름과 메뉴 이름을 지정하고 순서를 정의합니다.</a:t>
-            </a:r>
-            <a:endParaRPr lang="ko-KR" altLang="en-US" sz="1800">
-              <a:latin typeface="맑은 고딕" charset="0"/>
-              <a:ea typeface="맑은 고딕" charset="0"/>
-            </a:endParaRPr>
-          </a:p>
-        </p:txBody>
-      </p:sp>
-      <p:pic>
-        <p:nvPicPr>
-          <p:cNvPr id="10" name="그림 114"/>
-          <p:cNvPicPr>
-            <a:picLocks noChangeAspect="1"/>
-          </p:cNvPicPr>
-          <p:nvPr/>
-        </p:nvPicPr>
-        <p:blipFill rotWithShape="1">
-          <a:blip r:embed="rId8" cstate="print">
-            <a:extLst>
-              <a:ext uri="{28A0092B-C50C-407E-A947-70E740481C1C}">
-                <a14:useLocalDpi xmlns:a14="http://schemas.microsoft.com/office/drawing/2010/main" val="0"/>
-              </a:ext>
-            </a:extLst>
-          </a:blip>
-          <a:stretch>
-            <a:fillRect/>
-          </a:stretch>
-        </p:blipFill>
-        <p:spPr>
-          <a:xfrm rot="0">
-            <a:off x="1316355" y="1364615"/>
-            <a:ext cx="4062095" cy="1926590"/>
-          </a:xfrm>
-          <a:prstGeom prst="rect"/>
-          <a:noFill/>
-        </p:spPr>
-      </p:pic>
-      <p:pic>
-        <p:nvPicPr>
-          <p:cNvPr id="11" name="그림 120"/>
-          <p:cNvPicPr>
-            <a:picLocks noChangeAspect="1"/>
-          </p:cNvPicPr>
-          <p:nvPr/>
-        </p:nvPicPr>
-        <p:blipFill rotWithShape="1">
-          <a:blip r:embed="rId9" cstate="print">
-            <a:extLst>
-              <a:ext uri="{28A0092B-C50C-407E-A947-70E740481C1C}">
-                <a14:useLocalDpi xmlns:a14="http://schemas.microsoft.com/office/drawing/2010/main" val="0"/>
-              </a:ext>
-            </a:extLst>
-          </a:blip>
-          <a:stretch>
-            <a:fillRect/>
-          </a:stretch>
-        </p:blipFill>
-        <p:spPr>
-          <a:xfrm rot="0">
-            <a:off x="6831965" y="1359535"/>
-            <a:ext cx="4174490" cy="3931920"/>
-          </a:xfrm>
-          <a:prstGeom prst="rect"/>
-          <a:noFill/>
-        </p:spPr>
-      </p:pic>
-      <p:sp>
-        <p:nvSpPr>
-          <p:cNvPr id="12" name="텍스트 상자 122"/>
-          <p:cNvSpPr txBox="1">
-            <a:spLocks/>
-          </p:cNvSpPr>
-          <p:nvPr/>
-        </p:nvSpPr>
-        <p:spPr>
-          <a:xfrm rot="0">
-            <a:off x="6835140" y="5431790"/>
-            <a:ext cx="4180205" cy="907415"/>
-          </a:xfrm>
-          <a:prstGeom prst="rect"/>
-          <a:noFill/>
-        </p:spPr>
-        <p:txBody>
-          <a:bodyPr wrap="square" lIns="0" tIns="0" rIns="0" bIns="0" numCol="1" vert="horz" anchor="t">
-            <a:noAutofit/>
-          </a:bodyPr>
-          <a:lstStyle/>
-          <a:p>
-            <a:pPr marL="0" indent="0" algn="l" latinLnBrk="0" hangingPunct="1">
-              <a:buFontTx/>
-              <a:buNone/>
-            </a:pPr>
-            <a:r>
-              <a:rPr lang="ko-KR" sz="2000" b="1">
-                <a:solidFill>
-                  <a:srgbClr val="0611F2"/>
-                </a:solidFill>
-                <a:latin typeface="맑은 고딕" charset="0"/>
-                <a:ea typeface="맑은 고딕" charset="0"/>
-              </a:rPr>
-              <a:t>19</a:t>
-            </a:r>
-            <a:r>
-              <a:rPr lang="ko-KR" sz="2000" b="1">
-                <a:solidFill>
-                  <a:srgbClr val="0611F2"/>
-                </a:solidFill>
-                <a:latin typeface="맑은 고딕" charset="0"/>
-                <a:ea typeface="맑은 고딕" charset="0"/>
-              </a:rPr>
-              <a:t>. </a:t>
-            </a:r>
-            <a:r>
-              <a:rPr lang="ko-KR" sz="1800">
-                <a:latin typeface="맑은 고딕" charset="0"/>
-                <a:ea typeface="맑은 고딕" charset="0"/>
-              </a:rPr>
-              <a:t>이제 Assets를 선택하고 Create에서 Scriptable Object를 선택한 다음 Item을 2개 생성합니다</a:t>
-            </a:r>
-            <a:endParaRPr lang="ko-KR" altLang="en-US" sz="1800">
-              <a:latin typeface="맑은 고딕" charset="0"/>
-              <a:ea typeface="맑은 고딕" charset="0"/>
-            </a:endParaRPr>
-          </a:p>
-        </p:txBody>
-      </p:sp>
-    </p:spTree>
-  </p:cSld>
-  <p:clrMapOvr>
-    <a:masterClrMapping/>
-  </p:clrMapOvr>
-  <mc:AlternateContent xmlns:mc="http://schemas.openxmlformats.org/markup-compatibility/2006">
-    <mc:Choice xmlns:p14="http://schemas.microsoft.com/office/powerpoint/2010/main" Requires="p14">
-      <p:transition spd="slow" p14:dur="2000"/>
-    </mc:Choice>
-    <mc:Fallback>
-      <p:transition spd="slow"/>
-    </mc:Fallback>
-  </mc:AlternateContent>
-  <p:timing>
-    <p:tnLst>
-      <p:par>
-        <p:cTn id="1" dur="indefinite" restart="never" nodeType="tmRoot"/>
-      </p:par>
-    </p:tnLst>
-  </p:timing>
-</p:sld>
-</file>
-
-<file path=ppt/slides/slide9.xml><?xml version="1.0" encoding="utf-8"?>
-<p:sld xmlns:a="http://schemas.openxmlformats.org/drawingml/2006/main" xmlns:r="http://schemas.openxmlformats.org/officeDocument/2006/relationships" xmlns:p="http://schemas.openxmlformats.org/presentationml/2006/main" xmlns:p14="http://schemas.microsoft.com/office/powerpoint/2010/main">
-  <p:cSld>
-    <p:spTree>
-      <p:nvGrpSpPr>
-        <p:cNvPr id="1" name=""/>
-        <p:cNvGrpSpPr/>
-        <p:nvPr/>
-      </p:nvGrpSpPr>
-      <p:grpSpPr>
-        <a:xfrm>
-          <a:off x="0" y="0"/>
-          <a:ext cx="0" cy="0"/>
-          <a:chOff x="0" y="0"/>
-          <a:chExt cx="0" cy="0"/>
-        </a:xfrm>
-      </p:grpSpPr>
-      <p:sp>
-        <p:nvSpPr>
-          <p:cNvPr id="5" name="Rect 0"/>
-          <p:cNvSpPr txBox="1">
-            <a:spLocks/>
-          </p:cNvSpPr>
-          <p:nvPr/>
-        </p:nvSpPr>
-        <p:spPr>
-          <a:xfrm rot="0">
-            <a:off x="4342130" y="327660"/>
-            <a:ext cx="3508375" cy="554990"/>
-          </a:xfrm>
-          <a:prstGeom prst="rect"/>
-          <a:noFill/>
-          <a:ln w="0">
-            <a:noFill/>
-            <a:prstDash/>
-          </a:ln>
-        </p:spPr>
-        <p:txBody>
-          <a:bodyPr wrap="square" lIns="89535" tIns="46355" rIns="89535" bIns="46355" numCol="1" vert="horz" anchor="t">
-            <a:spAutoFit/>
-          </a:bodyPr>
-          <a:lstStyle/>
-          <a:p>
-            <a:pPr marL="0" indent="0" algn="l" latinLnBrk="0">
-              <a:buFontTx/>
-              <a:buNone/>
-            </a:pPr>
-            <a:r>
-              <a:rPr lang="ko-KR" altLang="en-US" sz="3000" b="1">
-                <a:solidFill>
-                  <a:schemeClr val="tx1"/>
-                </a:solidFill>
-                <a:latin typeface="맑은 고딕" charset="0"/>
-                <a:ea typeface="맑은 고딕" charset="0"/>
-              </a:rPr>
-              <a:t>아홉</a:t>
-            </a:r>
-            <a:r>
-              <a:rPr lang="ko-KR" altLang="en-US" sz="3000" b="1">
-                <a:solidFill>
-                  <a:schemeClr val="tx1"/>
-                </a:solidFill>
-                <a:latin typeface="맑은 고딕" charset="0"/>
-                <a:ea typeface="맑은 고딕" charset="0"/>
-              </a:rPr>
-              <a:t> 번째 튜토리얼</a:t>
-            </a:r>
-            <a:endParaRPr lang="ko-KR" altLang="en-US" sz="3000" b="1">
-              <a:solidFill>
-                <a:schemeClr val="tx1"/>
-              </a:solidFill>
-              <a:latin typeface="맑은 고딕" charset="0"/>
-              <a:ea typeface="맑은 고딕" charset="0"/>
-            </a:endParaRPr>
-          </a:p>
-        </p:txBody>
-      </p:sp>
-      <p:sp>
-        <p:nvSpPr>
-          <p:cNvPr id="11" name="Rect 0"/>
-          <p:cNvSpPr txBox="1">
-            <a:spLocks/>
-          </p:cNvSpPr>
-          <p:nvPr/>
-        </p:nvSpPr>
-        <p:spPr>
-          <a:xfrm rot="0">
-            <a:off x="1327785" y="2765425"/>
-            <a:ext cx="4060825" cy="940435"/>
-          </a:xfrm>
-          <a:prstGeom prst="rect"/>
-          <a:noFill/>
-        </p:spPr>
-        <p:txBody>
-          <a:bodyPr wrap="square" lIns="0" tIns="0" rIns="0" bIns="0" numCol="1" vert="horz" anchor="t">
-            <a:noAutofit/>
-          </a:bodyPr>
-          <a:lstStyle/>
-          <a:p>
-            <a:pPr marL="0" indent="0" algn="l" latinLnBrk="0" hangingPunct="1">
-              <a:buFontTx/>
-              <a:buNone/>
-            </a:pPr>
-            <a:r>
-              <a:rPr lang="ko-KR" sz="2000" b="1">
-                <a:solidFill>
-                  <a:srgbClr val="0611F2"/>
-                </a:solidFill>
-                <a:latin typeface="맑은 고딕" charset="0"/>
-                <a:ea typeface="맑은 고딕" charset="0"/>
-              </a:rPr>
-              <a:t>20</a:t>
-            </a:r>
-            <a:r>
-              <a:rPr lang="ko-KR" sz="2000" b="1">
-                <a:solidFill>
-                  <a:srgbClr val="0611F2"/>
-                </a:solidFill>
-                <a:latin typeface="맑은 고딕" charset="0"/>
-                <a:ea typeface="맑은 고딕" charset="0"/>
-              </a:rPr>
-              <a:t>. </a:t>
-            </a:r>
-            <a:r>
-              <a:rPr lang="ko-KR" sz="1800">
-                <a:latin typeface="맑은 고딕" charset="0"/>
-                <a:ea typeface="맑은 고딕" charset="0"/>
-              </a:rPr>
-              <a:t>그리고</a:t>
-            </a:r>
-            <a:r>
-              <a:rPr lang="ko-KR" sz="1800">
-                <a:latin typeface="맑은 고딕" charset="0"/>
-                <a:ea typeface="맑은 고딕" charset="0"/>
-              </a:rPr>
-              <a:t> Santa Hat Item이라는 이름과 Santa Stick이라는 이름으로 정의합니다.</a:t>
-            </a:r>
-            <a:endParaRPr lang="ko-KR" altLang="en-US" sz="1800">
-              <a:latin typeface="맑은 고딕" charset="0"/>
-              <a:ea typeface="맑은 고딕" charset="0"/>
-            </a:endParaRPr>
-          </a:p>
-        </p:txBody>
-      </p:sp>
-      <p:sp>
-        <p:nvSpPr>
-          <p:cNvPr id="15" name="Rect 0"/>
-          <p:cNvSpPr txBox="1">
-            <a:spLocks/>
-          </p:cNvSpPr>
-          <p:nvPr/>
-        </p:nvSpPr>
-        <p:spPr>
-          <a:xfrm rot="0">
-            <a:off x="6799580" y="4721860"/>
-            <a:ext cx="4178935" cy="1508125"/>
-          </a:xfrm>
-          <a:prstGeom prst="rect"/>
-          <a:noFill/>
-          <a:ln w="0">
-            <a:noFill/>
-            <a:prstDash/>
-          </a:ln>
-        </p:spPr>
-        <p:txBody>
-          <a:bodyPr wrap="square" lIns="89535" tIns="46355" rIns="89535" bIns="46355" numCol="1" vert="horz" anchor="t">
-            <a:spAutoFit/>
-          </a:bodyPr>
-          <a:lstStyle/>
-          <a:p>
-            <a:pPr marL="0" indent="0" algn="l" latinLnBrk="0" hangingPunct="1">
-              <a:buFontTx/>
-              <a:buNone/>
-            </a:pPr>
-            <a:r>
-              <a:rPr lang="ko-KR" sz="2000" b="1">
-                <a:solidFill>
-                  <a:srgbClr val="0611F2"/>
-                </a:solidFill>
-                <a:latin typeface="맑은 고딕" charset="0"/>
-                <a:ea typeface="맑은 고딕" charset="0"/>
-              </a:rPr>
-              <a:t>2</a:t>
-            </a:r>
-            <a:r>
-              <a:rPr lang="ko-KR" sz="2000" b="1">
-                <a:solidFill>
-                  <a:srgbClr val="0611F2"/>
-                </a:solidFill>
-                <a:latin typeface="맑은 고딕" charset="0"/>
-                <a:ea typeface="맑은 고딕" charset="0"/>
-              </a:rPr>
-              <a:t>2</a:t>
-            </a:r>
-            <a:r>
-              <a:rPr lang="ko-KR" sz="2000" b="1">
-                <a:solidFill>
-                  <a:srgbClr val="0611F2"/>
-                </a:solidFill>
-                <a:latin typeface="맑은 고딕" charset="0"/>
-                <a:ea typeface="맑은 고딕" charset="0"/>
-              </a:rPr>
-              <a:t>. </a:t>
-            </a:r>
-            <a:r>
-              <a:rPr lang="ko-KR" sz="1800">
-                <a:latin typeface="맑은 고딕" charset="0"/>
-                <a:ea typeface="맑은 고딕" charset="0"/>
-              </a:rPr>
-              <a:t>그다음 Project 폴더에 있는 Texture 폴더에 Boader 텍스처와 Santa Hat 텍스처 그리고 Santa Stick 텍스처를 스크립터블 오브젝트 속성에 넣어줍니다.</a:t>
-            </a:r>
-            <a:endParaRPr lang="ko-KR" altLang="en-US" sz="1800">
-              <a:latin typeface="맑은 고딕" charset="0"/>
-              <a:ea typeface="맑은 고딕" charset="0"/>
-            </a:endParaRPr>
-          </a:p>
-        </p:txBody>
-      </p:sp>
-      <p:pic>
-        <p:nvPicPr>
-          <p:cNvPr id="16" name="그림 1"/>
-          <p:cNvPicPr>
-            <a:picLocks noChangeAspect="1"/>
-          </p:cNvPicPr>
-          <p:nvPr/>
-        </p:nvPicPr>
-        <p:blipFill rotWithShape="1">
-          <a:blip r:embed="rId7" cstate="print">
-            <a:extLst>
-              <a:ext uri="{28A0092B-C50C-407E-A947-70E740481C1C}">
-                <a14:useLocalDpi xmlns:a14="http://schemas.microsoft.com/office/drawing/2010/main" val="0"/>
-              </a:ext>
-            </a:extLst>
-          </a:blip>
-          <a:stretch>
-            <a:fillRect/>
-          </a:stretch>
-        </p:blipFill>
-        <p:spPr>
-          <a:xfrm rot="0">
-            <a:off x="1322705" y="1280160"/>
-            <a:ext cx="4065905" cy="1341120"/>
-          </a:xfrm>
-          <a:prstGeom prst="roundRect"/>
-          <a:solidFill>
-            <a:srgbClr val="EDEDED"/>
-          </a:solidFill>
-        </p:spPr>
-      </p:pic>
-      <p:pic>
-        <p:nvPicPr>
-          <p:cNvPr id="17" name="그림 4"/>
-          <p:cNvPicPr>
-            <a:picLocks noChangeAspect="1"/>
-          </p:cNvPicPr>
-          <p:nvPr/>
-        </p:nvPicPr>
-        <p:blipFill rotWithShape="1">
-          <a:blip r:embed="rId8" cstate="print">
-            <a:extLst>
-              <a:ext uri="{28A0092B-C50C-407E-A947-70E740481C1C}">
-                <a14:useLocalDpi xmlns:a14="http://schemas.microsoft.com/office/drawing/2010/main" val="0"/>
-              </a:ext>
-            </a:extLst>
-          </a:blip>
-          <a:stretch>
-            <a:fillRect/>
-          </a:stretch>
-        </p:blipFill>
-        <p:spPr>
-          <a:xfrm rot="0">
-            <a:off x="1335405" y="3831590"/>
-            <a:ext cx="4053205" cy="1332230"/>
-          </a:xfrm>
-          <a:prstGeom prst="roundRect"/>
-          <a:solidFill>
-            <a:srgbClr val="EDEDED"/>
-          </a:solidFill>
-        </p:spPr>
-      </p:pic>
-      <p:sp>
-        <p:nvSpPr>
-          <p:cNvPr id="18" name="텍스트 상자 7"/>
-          <p:cNvSpPr txBox="1">
-            <a:spLocks/>
-          </p:cNvSpPr>
-          <p:nvPr/>
-        </p:nvSpPr>
-        <p:spPr>
-          <a:xfrm rot="0">
-            <a:off x="1314450" y="5277485"/>
-            <a:ext cx="4070985" cy="954405"/>
-          </a:xfrm>
-          <a:prstGeom prst="rect"/>
-          <a:noFill/>
-          <a:ln w="0">
-            <a:noFill/>
-            <a:prstDash/>
-          </a:ln>
-        </p:spPr>
-        <p:txBody>
-          <a:bodyPr wrap="square" lIns="89535" tIns="46355" rIns="89535" bIns="46355" numCol="1" vert="horz" anchor="t">
-            <a:spAutoFit/>
-          </a:bodyPr>
-          <a:lstStyle/>
-          <a:p>
-            <a:pPr marL="0" indent="0" algn="l" latinLnBrk="0" hangingPunct="1">
-              <a:buFontTx/>
-              <a:buNone/>
-            </a:pPr>
-            <a:r>
-              <a:rPr lang="ko-KR" sz="2000" b="1">
-                <a:solidFill>
-                  <a:srgbClr val="0611F2"/>
-                </a:solidFill>
-                <a:latin typeface="맑은 고딕" charset="0"/>
-                <a:ea typeface="맑은 고딕" charset="0"/>
-              </a:rPr>
-              <a:t>2</a:t>
-            </a:r>
-            <a:r>
-              <a:rPr lang="ko-KR" sz="2000" b="1">
-                <a:solidFill>
-                  <a:srgbClr val="0611F2"/>
-                </a:solidFill>
-                <a:latin typeface="맑은 고딕" charset="0"/>
-                <a:ea typeface="맑은 고딕" charset="0"/>
-              </a:rPr>
-              <a:t>1</a:t>
-            </a:r>
-            <a:r>
-              <a:rPr lang="ko-KR" sz="2000" b="1">
-                <a:solidFill>
-                  <a:srgbClr val="0611F2"/>
-                </a:solidFill>
-                <a:latin typeface="맑은 고딕" charset="0"/>
-                <a:ea typeface="맑은 고딕" charset="0"/>
-              </a:rPr>
-              <a:t>. </a:t>
-            </a:r>
-            <a:r>
-              <a:rPr lang="ko-KR" sz="1800">
-                <a:latin typeface="맑은 고딕" charset="0"/>
-                <a:ea typeface="맑은 고딕" charset="0"/>
-              </a:rPr>
-              <a:t>그런 다음 Project 폴더에 있는 Script 폴더에 Consumable 스크립트를 생성합니다.</a:t>
-            </a:r>
-            <a:endParaRPr lang="ko-KR" altLang="en-US" sz="1800">
-              <a:latin typeface="맑은 고딕" charset="0"/>
-              <a:ea typeface="맑은 고딕" charset="0"/>
-            </a:endParaRPr>
-          </a:p>
-        </p:txBody>
-      </p:sp>
-      <p:pic>
-        <p:nvPicPr>
-          <p:cNvPr id="19" name="그림 8"/>
-          <p:cNvPicPr>
-            <a:picLocks noChangeAspect="1"/>
-          </p:cNvPicPr>
-          <p:nvPr/>
-        </p:nvPicPr>
-        <p:blipFill rotWithShape="1">
-          <a:blip r:embed="rId9" cstate="print">
-            <a:extLst>
-              <a:ext uri="{28A0092B-C50C-407E-A947-70E740481C1C}">
-                <a14:useLocalDpi xmlns:a14="http://schemas.microsoft.com/office/drawing/2010/main" val="0"/>
-              </a:ext>
-            </a:extLst>
-          </a:blip>
-          <a:stretch>
-            <a:fillRect/>
-          </a:stretch>
-        </p:blipFill>
-        <p:spPr>
-          <a:xfrm rot="0">
-            <a:off x="6798310" y="1286510"/>
-            <a:ext cx="4177665" cy="1005840"/>
-          </a:xfrm>
-          <a:prstGeom prst="roundRect"/>
-          <a:solidFill>
-            <a:srgbClr val="EDEDED"/>
-          </a:solidFill>
-        </p:spPr>
-      </p:pic>
-      <p:pic>
-        <p:nvPicPr>
-          <p:cNvPr id="20" name="그림 11"/>
-          <p:cNvPicPr>
-            <a:picLocks noChangeAspect="1"/>
-          </p:cNvPicPr>
-          <p:nvPr/>
-        </p:nvPicPr>
-        <p:blipFill rotWithShape="1">
-          <a:blip r:embed="rId10" cstate="print">
-            <a:extLst>
-              <a:ext uri="{28A0092B-C50C-407E-A947-70E740481C1C}">
-                <a14:useLocalDpi xmlns:a14="http://schemas.microsoft.com/office/drawing/2010/main" val="0"/>
-              </a:ext>
-            </a:extLst>
-          </a:blip>
-          <a:stretch>
-            <a:fillRect/>
-          </a:stretch>
-        </p:blipFill>
-        <p:spPr>
-          <a:xfrm rot="0">
-            <a:off x="6797675" y="2419985"/>
-            <a:ext cx="4166870" cy="1005840"/>
-          </a:xfrm>
-          <a:prstGeom prst="roundRect"/>
-          <a:solidFill>
-            <a:srgbClr val="EDEDED"/>
-          </a:solidFill>
-        </p:spPr>
-      </p:pic>
-      <p:pic>
-        <p:nvPicPr>
-          <p:cNvPr id="21" name="그림 14"/>
-          <p:cNvPicPr>
-            <a:picLocks noChangeAspect="1"/>
-          </p:cNvPicPr>
-          <p:nvPr/>
-        </p:nvPicPr>
-        <p:blipFill rotWithShape="1">
-          <a:blip r:embed="rId11" cstate="print">
-            <a:extLst>
-              <a:ext uri="{28A0092B-C50C-407E-A947-70E740481C1C}">
-                <a14:useLocalDpi xmlns:a14="http://schemas.microsoft.com/office/drawing/2010/main" val="0"/>
-              </a:ext>
-            </a:extLst>
-          </a:blip>
-          <a:stretch>
-            <a:fillRect/>
-          </a:stretch>
-        </p:blipFill>
-        <p:spPr>
-          <a:xfrm rot="0">
-            <a:off x="6797040" y="3562985"/>
-            <a:ext cx="4178935" cy="1090930"/>
-          </a:xfrm>
-          <a:prstGeom prst="roundRect"/>
-          <a:solidFill>
-            <a:srgbClr val="EDEDED"/>
-          </a:solidFill>
-        </p:spPr>
-      </p:pic>
-      <p:cxnSp>
-        <p:nvCxnSpPr>
-          <p:cNvPr id="22" name="도형 17"/>
-          <p:cNvCxnSpPr/>
-          <p:nvPr/>
-        </p:nvCxnSpPr>
-        <p:spPr>
-          <a:xfrm rot="0" flipV="1">
-            <a:off x="7619365" y="2162175"/>
-            <a:ext cx="3253105" cy="1652905"/>
-          </a:xfrm>
-          <a:prstGeom prst="straightConnector1"/>
-          <a:ln w="6350" cap="flat" cmpd="sng">
-            <a:prstDash/>
-            <a:headEnd type="none" w="med" len="med"/>
-            <a:tailEnd type="triangle" w="med" len="med"/>
-          </a:ln>
-        </p:spPr>
-        <p:style>
-          <a:lnRef idx="1">
-            <a:schemeClr val="accent1"/>
-          </a:lnRef>
-          <a:fillRef idx="0">
-            <a:schemeClr val="accent1"/>
-          </a:fillRef>
-          <a:effectRef idx="0">
-            <a:schemeClr val="accent1"/>
-          </a:effectRef>
-          <a:fontRef idx="minor">
-            <a:schemeClr val="tx1"/>
-          </a:fontRef>
-        </p:style>
-      </p:cxnSp>
-      <p:cxnSp>
-        <p:nvCxnSpPr>
-          <p:cNvPr id="23" name="도형 18"/>
-          <p:cNvCxnSpPr/>
-          <p:nvPr/>
-        </p:nvCxnSpPr>
-        <p:spPr>
-          <a:xfrm rot="0" flipV="1">
-            <a:off x="7611110" y="3286760"/>
-            <a:ext cx="3261360" cy="528320"/>
-          </a:xfrm>
-          <a:prstGeom prst="straightConnector1"/>
-          <a:ln w="6350" cap="flat" cmpd="sng">
-            <a:prstDash/>
-            <a:headEnd type="none" w="med" len="med"/>
-            <a:tailEnd type="triangle" w="med" len="med"/>
-          </a:ln>
-        </p:spPr>
-        <p:style>
-          <a:lnRef idx="1">
-            <a:schemeClr val="accent1"/>
-          </a:lnRef>
-          <a:fillRef idx="0">
-            <a:schemeClr val="accent1"/>
-          </a:fillRef>
-          <a:effectRef idx="0">
-            <a:schemeClr val="accent1"/>
-          </a:effectRef>
-          <a:fontRef idx="minor">
-            <a:schemeClr val="tx1"/>
-          </a:fontRef>
-        </p:style>
-      </p:cxnSp>
-      <p:cxnSp>
-        <p:nvCxnSpPr>
-          <p:cNvPr id="24" name="도형 19"/>
-          <p:cNvCxnSpPr/>
-          <p:nvPr/>
-        </p:nvCxnSpPr>
-        <p:spPr>
-          <a:xfrm rot="0" flipV="1">
-            <a:off x="9730105" y="1997710"/>
-            <a:ext cx="1150620" cy="1825625"/>
-          </a:xfrm>
-          <a:prstGeom prst="straightConnector1"/>
-          <a:ln w="6350" cap="flat" cmpd="sng">
-            <a:prstDash/>
-            <a:headEnd type="none" w="med" len="med"/>
-            <a:tailEnd type="triangle" w="med" len="med"/>
-          </a:ln>
-        </p:spPr>
-        <p:style>
-          <a:lnRef idx="1">
-            <a:schemeClr val="accent1"/>
-          </a:lnRef>
-          <a:fillRef idx="0">
-            <a:schemeClr val="accent1"/>
-          </a:fillRef>
-          <a:effectRef idx="0">
-            <a:schemeClr val="accent1"/>
-          </a:effectRef>
-          <a:fontRef idx="minor">
-            <a:schemeClr val="tx1"/>
-          </a:fontRef>
-        </p:style>
-      </p:cxnSp>
-      <p:cxnSp>
-        <p:nvCxnSpPr>
-          <p:cNvPr id="25" name="도형 20"/>
-          <p:cNvCxnSpPr/>
-          <p:nvPr/>
-        </p:nvCxnSpPr>
-        <p:spPr>
-          <a:xfrm rot="0" flipV="1">
-            <a:off x="10499725" y="3122295"/>
-            <a:ext cx="381000" cy="692785"/>
-          </a:xfrm>
-          <a:prstGeom prst="straightConnector1"/>
-          <a:ln w="6350" cap="flat" cmpd="sng">
-            <a:prstDash/>
-            <a:headEnd type="none" w="med" len="med"/>
-            <a:tailEnd type="triangle" w="med" len="med"/>
-          </a:ln>
-        </p:spPr>
-        <p:style>
-          <a:lnRef idx="1">
-            <a:schemeClr val="accent1"/>
-          </a:lnRef>
-          <a:fillRef idx="0">
-            <a:schemeClr val="accent1"/>
-          </a:fillRef>
-          <a:effectRef idx="0">
-            <a:schemeClr val="accent1"/>
-          </a:effectRef>
-          <a:fontRef idx="minor">
-            <a:schemeClr val="tx1"/>
-          </a:fontRef>
-        </p:style>
-      </p:cxnSp>
     </p:spTree>
   </p:cSld>
   <p:clrMapOvr>
